--- a/test.pptx
+++ b/test.pptx
@@ -155,10 +155,9 @@
           </a:lstStyle>
           <a:p>
             <a:r>
-              <a:rPr lang="zh-CN" altLang="en-US" smtClean="0"/>
+              <a:rPr lang="zh-CN" altLang="en-US"/>
               <a:t>单击此处编辑母版标题样式</a:t>
             </a:r>
-            <a:endParaRPr lang="zh-CN" altLang="en-US"/>
           </a:p>
         </p:txBody>
       </p:sp>
@@ -220,10 +219,9 @@
           </a:lstStyle>
           <a:p>
             <a:r>
-              <a:rPr lang="zh-CN" altLang="en-US" smtClean="0"/>
+              <a:rPr lang="zh-CN" altLang="en-US"/>
               <a:t>单击以编辑母版副标题样式</a:t>
             </a:r>
-            <a:endParaRPr lang="zh-CN" altLang="en-US"/>
           </a:p>
         </p:txBody>
       </p:sp>
@@ -338,10 +336,9 @@
           <a:lstStyle/>
           <a:p>
             <a:r>
-              <a:rPr lang="zh-CN" altLang="en-US" smtClean="0"/>
+              <a:rPr lang="zh-CN" altLang="en-US"/>
               <a:t>单击此处编辑母版标题样式</a:t>
             </a:r>
-            <a:endParaRPr lang="zh-CN" altLang="en-US"/>
           </a:p>
         </p:txBody>
       </p:sp>
@@ -362,38 +359,37 @@
           <a:p>
             <a:pPr lvl="0"/>
             <a:r>
-              <a:rPr lang="zh-CN" altLang="en-US" smtClean="0"/>
+              <a:rPr lang="zh-CN" altLang="en-US"/>
               <a:t>编辑母版文本样式</a:t>
             </a:r>
           </a:p>
           <a:p>
             <a:pPr lvl="1"/>
             <a:r>
-              <a:rPr lang="zh-CN" altLang="en-US" smtClean="0"/>
+              <a:rPr lang="zh-CN" altLang="en-US"/>
               <a:t>第二级</a:t>
             </a:r>
           </a:p>
           <a:p>
             <a:pPr lvl="2"/>
             <a:r>
-              <a:rPr lang="zh-CN" altLang="en-US" smtClean="0"/>
+              <a:rPr lang="zh-CN" altLang="en-US"/>
               <a:t>第三级</a:t>
             </a:r>
           </a:p>
           <a:p>
             <a:pPr lvl="3"/>
             <a:r>
-              <a:rPr lang="zh-CN" altLang="en-US" smtClean="0"/>
+              <a:rPr lang="zh-CN" altLang="en-US"/>
               <a:t>第四级</a:t>
             </a:r>
           </a:p>
           <a:p>
             <a:pPr lvl="4"/>
             <a:r>
-              <a:rPr lang="zh-CN" altLang="en-US" smtClean="0"/>
+              <a:rPr lang="zh-CN" altLang="en-US"/>
               <a:t>第五级</a:t>
             </a:r>
-            <a:endParaRPr lang="zh-CN" altLang="en-US"/>
           </a:p>
         </p:txBody>
       </p:sp>
@@ -513,10 +509,9 @@
           <a:lstStyle/>
           <a:p>
             <a:r>
-              <a:rPr lang="zh-CN" altLang="en-US" smtClean="0"/>
+              <a:rPr lang="zh-CN" altLang="en-US"/>
               <a:t>单击此处编辑母版标题样式</a:t>
             </a:r>
-            <a:endParaRPr lang="zh-CN" altLang="en-US"/>
           </a:p>
         </p:txBody>
       </p:sp>
@@ -542,38 +537,37 @@
           <a:p>
             <a:pPr lvl="0"/>
             <a:r>
-              <a:rPr lang="zh-CN" altLang="en-US" smtClean="0"/>
+              <a:rPr lang="zh-CN" altLang="en-US"/>
               <a:t>编辑母版文本样式</a:t>
             </a:r>
           </a:p>
           <a:p>
             <a:pPr lvl="1"/>
             <a:r>
-              <a:rPr lang="zh-CN" altLang="en-US" smtClean="0"/>
+              <a:rPr lang="zh-CN" altLang="en-US"/>
               <a:t>第二级</a:t>
             </a:r>
           </a:p>
           <a:p>
             <a:pPr lvl="2"/>
             <a:r>
-              <a:rPr lang="zh-CN" altLang="en-US" smtClean="0"/>
+              <a:rPr lang="zh-CN" altLang="en-US"/>
               <a:t>第三级</a:t>
             </a:r>
           </a:p>
           <a:p>
             <a:pPr lvl="3"/>
             <a:r>
-              <a:rPr lang="zh-CN" altLang="en-US" smtClean="0"/>
+              <a:rPr lang="zh-CN" altLang="en-US"/>
               <a:t>第四级</a:t>
             </a:r>
           </a:p>
           <a:p>
             <a:pPr lvl="4"/>
             <a:r>
-              <a:rPr lang="zh-CN" altLang="en-US" smtClean="0"/>
+              <a:rPr lang="zh-CN" altLang="en-US"/>
               <a:t>第五级</a:t>
             </a:r>
-            <a:endParaRPr lang="zh-CN" altLang="en-US"/>
           </a:p>
         </p:txBody>
       </p:sp>
@@ -688,10 +682,9 @@
           <a:lstStyle/>
           <a:p>
             <a:r>
-              <a:rPr lang="zh-CN" altLang="en-US" smtClean="0"/>
+              <a:rPr lang="zh-CN" altLang="en-US"/>
               <a:t>单击此处编辑母版标题样式</a:t>
             </a:r>
-            <a:endParaRPr lang="zh-CN" altLang="en-US"/>
           </a:p>
         </p:txBody>
       </p:sp>
@@ -712,38 +705,37 @@
           <a:p>
             <a:pPr lvl="0"/>
             <a:r>
-              <a:rPr lang="zh-CN" altLang="en-US" smtClean="0"/>
+              <a:rPr lang="zh-CN" altLang="en-US"/>
               <a:t>编辑母版文本样式</a:t>
             </a:r>
           </a:p>
           <a:p>
             <a:pPr lvl="1"/>
             <a:r>
-              <a:rPr lang="zh-CN" altLang="en-US" smtClean="0"/>
+              <a:rPr lang="zh-CN" altLang="en-US"/>
               <a:t>第二级</a:t>
             </a:r>
           </a:p>
           <a:p>
             <a:pPr lvl="2"/>
             <a:r>
-              <a:rPr lang="zh-CN" altLang="en-US" smtClean="0"/>
+              <a:rPr lang="zh-CN" altLang="en-US"/>
               <a:t>第三级</a:t>
             </a:r>
           </a:p>
           <a:p>
             <a:pPr lvl="3"/>
             <a:r>
-              <a:rPr lang="zh-CN" altLang="en-US" smtClean="0"/>
+              <a:rPr lang="zh-CN" altLang="en-US"/>
               <a:t>第四级</a:t>
             </a:r>
           </a:p>
           <a:p>
             <a:pPr lvl="4"/>
             <a:r>
-              <a:rPr lang="zh-CN" altLang="en-US" smtClean="0"/>
+              <a:rPr lang="zh-CN" altLang="en-US"/>
               <a:t>第五级</a:t>
             </a:r>
-            <a:endParaRPr lang="zh-CN" altLang="en-US"/>
           </a:p>
         </p:txBody>
       </p:sp>
@@ -867,10 +859,9 @@
           </a:lstStyle>
           <a:p>
             <a:r>
-              <a:rPr lang="zh-CN" altLang="en-US" smtClean="0"/>
+              <a:rPr lang="zh-CN" altLang="en-US"/>
               <a:t>单击此处编辑母版标题样式</a:t>
             </a:r>
-            <a:endParaRPr lang="zh-CN" altLang="en-US"/>
           </a:p>
         </p:txBody>
       </p:sp>
@@ -987,7 +978,7 @@
           <a:p>
             <a:pPr lvl="0"/>
             <a:r>
-              <a:rPr lang="zh-CN" altLang="en-US" smtClean="0"/>
+              <a:rPr lang="zh-CN" altLang="en-US"/>
               <a:t>编辑母版文本样式</a:t>
             </a:r>
           </a:p>
@@ -1104,10 +1095,9 @@
           <a:lstStyle/>
           <a:p>
             <a:r>
-              <a:rPr lang="zh-CN" altLang="en-US" smtClean="0"/>
+              <a:rPr lang="zh-CN" altLang="en-US"/>
               <a:t>单击此处编辑母版标题样式</a:t>
             </a:r>
-            <a:endParaRPr lang="zh-CN" altLang="en-US"/>
           </a:p>
         </p:txBody>
       </p:sp>
@@ -1133,38 +1123,37 @@
           <a:p>
             <a:pPr lvl="0"/>
             <a:r>
-              <a:rPr lang="zh-CN" altLang="en-US" smtClean="0"/>
+              <a:rPr lang="zh-CN" altLang="en-US"/>
               <a:t>编辑母版文本样式</a:t>
             </a:r>
           </a:p>
           <a:p>
             <a:pPr lvl="1"/>
             <a:r>
-              <a:rPr lang="zh-CN" altLang="en-US" smtClean="0"/>
+              <a:rPr lang="zh-CN" altLang="en-US"/>
               <a:t>第二级</a:t>
             </a:r>
           </a:p>
           <a:p>
             <a:pPr lvl="2"/>
             <a:r>
-              <a:rPr lang="zh-CN" altLang="en-US" smtClean="0"/>
+              <a:rPr lang="zh-CN" altLang="en-US"/>
               <a:t>第三级</a:t>
             </a:r>
           </a:p>
           <a:p>
             <a:pPr lvl="3"/>
             <a:r>
-              <a:rPr lang="zh-CN" altLang="en-US" smtClean="0"/>
+              <a:rPr lang="zh-CN" altLang="en-US"/>
               <a:t>第四级</a:t>
             </a:r>
           </a:p>
           <a:p>
             <a:pPr lvl="4"/>
             <a:r>
-              <a:rPr lang="zh-CN" altLang="en-US" smtClean="0"/>
+              <a:rPr lang="zh-CN" altLang="en-US"/>
               <a:t>第五级</a:t>
             </a:r>
-            <a:endParaRPr lang="zh-CN" altLang="en-US"/>
           </a:p>
         </p:txBody>
       </p:sp>
@@ -1190,38 +1179,37 @@
           <a:p>
             <a:pPr lvl="0"/>
             <a:r>
-              <a:rPr lang="zh-CN" altLang="en-US" smtClean="0"/>
+              <a:rPr lang="zh-CN" altLang="en-US"/>
               <a:t>编辑母版文本样式</a:t>
             </a:r>
           </a:p>
           <a:p>
             <a:pPr lvl="1"/>
             <a:r>
-              <a:rPr lang="zh-CN" altLang="en-US" smtClean="0"/>
+              <a:rPr lang="zh-CN" altLang="en-US"/>
               <a:t>第二级</a:t>
             </a:r>
           </a:p>
           <a:p>
             <a:pPr lvl="2"/>
             <a:r>
-              <a:rPr lang="zh-CN" altLang="en-US" smtClean="0"/>
+              <a:rPr lang="zh-CN" altLang="en-US"/>
               <a:t>第三级</a:t>
             </a:r>
           </a:p>
           <a:p>
             <a:pPr lvl="3"/>
             <a:r>
-              <a:rPr lang="zh-CN" altLang="en-US" smtClean="0"/>
+              <a:rPr lang="zh-CN" altLang="en-US"/>
               <a:t>第四级</a:t>
             </a:r>
           </a:p>
           <a:p>
             <a:pPr lvl="4"/>
             <a:r>
-              <a:rPr lang="zh-CN" altLang="en-US" smtClean="0"/>
+              <a:rPr lang="zh-CN" altLang="en-US"/>
               <a:t>第五级</a:t>
             </a:r>
-            <a:endParaRPr lang="zh-CN" altLang="en-US"/>
           </a:p>
         </p:txBody>
       </p:sp>
@@ -1341,10 +1329,9 @@
           <a:lstStyle/>
           <a:p>
             <a:r>
-              <a:rPr lang="zh-CN" altLang="en-US" smtClean="0"/>
+              <a:rPr lang="zh-CN" altLang="en-US"/>
               <a:t>单击此处编辑母版标题样式</a:t>
             </a:r>
-            <a:endParaRPr lang="zh-CN" altLang="en-US"/>
           </a:p>
         </p:txBody>
       </p:sp>
@@ -1407,7 +1394,7 @@
           <a:p>
             <a:pPr lvl="0"/>
             <a:r>
-              <a:rPr lang="zh-CN" altLang="en-US" smtClean="0"/>
+              <a:rPr lang="zh-CN" altLang="en-US"/>
               <a:t>编辑母版文本样式</a:t>
             </a:r>
           </a:p>
@@ -1435,38 +1422,37 @@
           <a:p>
             <a:pPr lvl="0"/>
             <a:r>
-              <a:rPr lang="zh-CN" altLang="en-US" smtClean="0"/>
+              <a:rPr lang="zh-CN" altLang="en-US"/>
               <a:t>编辑母版文本样式</a:t>
             </a:r>
           </a:p>
           <a:p>
             <a:pPr lvl="1"/>
             <a:r>
-              <a:rPr lang="zh-CN" altLang="en-US" smtClean="0"/>
+              <a:rPr lang="zh-CN" altLang="en-US"/>
               <a:t>第二级</a:t>
             </a:r>
           </a:p>
           <a:p>
             <a:pPr lvl="2"/>
             <a:r>
-              <a:rPr lang="zh-CN" altLang="en-US" smtClean="0"/>
+              <a:rPr lang="zh-CN" altLang="en-US"/>
               <a:t>第三级</a:t>
             </a:r>
           </a:p>
           <a:p>
             <a:pPr lvl="3"/>
             <a:r>
-              <a:rPr lang="zh-CN" altLang="en-US" smtClean="0"/>
+              <a:rPr lang="zh-CN" altLang="en-US"/>
               <a:t>第四级</a:t>
             </a:r>
           </a:p>
           <a:p>
             <a:pPr lvl="4"/>
             <a:r>
-              <a:rPr lang="zh-CN" altLang="en-US" smtClean="0"/>
+              <a:rPr lang="zh-CN" altLang="en-US"/>
               <a:t>第五级</a:t>
             </a:r>
-            <a:endParaRPr lang="zh-CN" altLang="en-US"/>
           </a:p>
         </p:txBody>
       </p:sp>
@@ -1529,7 +1515,7 @@
           <a:p>
             <a:pPr lvl="0"/>
             <a:r>
-              <a:rPr lang="zh-CN" altLang="en-US" smtClean="0"/>
+              <a:rPr lang="zh-CN" altLang="en-US"/>
               <a:t>编辑母版文本样式</a:t>
             </a:r>
           </a:p>
@@ -1557,38 +1543,37 @@
           <a:p>
             <a:pPr lvl="0"/>
             <a:r>
-              <a:rPr lang="zh-CN" altLang="en-US" smtClean="0"/>
+              <a:rPr lang="zh-CN" altLang="en-US"/>
               <a:t>编辑母版文本样式</a:t>
             </a:r>
           </a:p>
           <a:p>
             <a:pPr lvl="1"/>
             <a:r>
-              <a:rPr lang="zh-CN" altLang="en-US" smtClean="0"/>
+              <a:rPr lang="zh-CN" altLang="en-US"/>
               <a:t>第二级</a:t>
             </a:r>
           </a:p>
           <a:p>
             <a:pPr lvl="2"/>
             <a:r>
-              <a:rPr lang="zh-CN" altLang="en-US" smtClean="0"/>
+              <a:rPr lang="zh-CN" altLang="en-US"/>
               <a:t>第三级</a:t>
             </a:r>
           </a:p>
           <a:p>
             <a:pPr lvl="3"/>
             <a:r>
-              <a:rPr lang="zh-CN" altLang="en-US" smtClean="0"/>
+              <a:rPr lang="zh-CN" altLang="en-US"/>
               <a:t>第四级</a:t>
             </a:r>
           </a:p>
           <a:p>
             <a:pPr lvl="4"/>
             <a:r>
-              <a:rPr lang="zh-CN" altLang="en-US" smtClean="0"/>
+              <a:rPr lang="zh-CN" altLang="en-US"/>
               <a:t>第五级</a:t>
             </a:r>
-            <a:endParaRPr lang="zh-CN" altLang="en-US"/>
           </a:p>
         </p:txBody>
       </p:sp>
@@ -1703,10 +1688,9 @@
           <a:lstStyle/>
           <a:p>
             <a:r>
-              <a:rPr lang="zh-CN" altLang="en-US" smtClean="0"/>
+              <a:rPr lang="zh-CN" altLang="en-US"/>
               <a:t>单击此处编辑母版标题样式</a:t>
             </a:r>
-            <a:endParaRPr lang="zh-CN" altLang="en-US"/>
           </a:p>
         </p:txBody>
       </p:sp>
@@ -1925,10 +1909,9 @@
           </a:lstStyle>
           <a:p>
             <a:r>
-              <a:rPr lang="zh-CN" altLang="en-US" smtClean="0"/>
+              <a:rPr lang="zh-CN" altLang="en-US"/>
               <a:t>单击此处编辑母版标题样式</a:t>
             </a:r>
-            <a:endParaRPr lang="zh-CN" altLang="en-US"/>
           </a:p>
         </p:txBody>
       </p:sp>
@@ -1982,38 +1965,37 @@
           <a:p>
             <a:pPr lvl="0"/>
             <a:r>
-              <a:rPr lang="zh-CN" altLang="en-US" smtClean="0"/>
+              <a:rPr lang="zh-CN" altLang="en-US"/>
               <a:t>编辑母版文本样式</a:t>
             </a:r>
           </a:p>
           <a:p>
             <a:pPr lvl="1"/>
             <a:r>
-              <a:rPr lang="zh-CN" altLang="en-US" smtClean="0"/>
+              <a:rPr lang="zh-CN" altLang="en-US"/>
               <a:t>第二级</a:t>
             </a:r>
           </a:p>
           <a:p>
             <a:pPr lvl="2"/>
             <a:r>
-              <a:rPr lang="zh-CN" altLang="en-US" smtClean="0"/>
+              <a:rPr lang="zh-CN" altLang="en-US"/>
               <a:t>第三级</a:t>
             </a:r>
           </a:p>
           <a:p>
             <a:pPr lvl="3"/>
             <a:r>
-              <a:rPr lang="zh-CN" altLang="en-US" smtClean="0"/>
+              <a:rPr lang="zh-CN" altLang="en-US"/>
               <a:t>第四级</a:t>
             </a:r>
           </a:p>
           <a:p>
             <a:pPr lvl="4"/>
             <a:r>
-              <a:rPr lang="zh-CN" altLang="en-US" smtClean="0"/>
+              <a:rPr lang="zh-CN" altLang="en-US"/>
               <a:t>第五级</a:t>
             </a:r>
-            <a:endParaRPr lang="zh-CN" altLang="en-US"/>
           </a:p>
         </p:txBody>
       </p:sp>
@@ -2076,7 +2058,7 @@
           <a:p>
             <a:pPr lvl="0"/>
             <a:r>
-              <a:rPr lang="zh-CN" altLang="en-US" smtClean="0"/>
+              <a:rPr lang="zh-CN" altLang="en-US"/>
               <a:t>编辑母版文本样式</a:t>
             </a:r>
           </a:p>
@@ -2202,10 +2184,9 @@
           </a:lstStyle>
           <a:p>
             <a:r>
-              <a:rPr lang="zh-CN" altLang="en-US" smtClean="0"/>
+              <a:rPr lang="zh-CN" altLang="en-US"/>
               <a:t>单击此处编辑母版标题样式</a:t>
             </a:r>
-            <a:endParaRPr lang="zh-CN" altLang="en-US"/>
           </a:p>
         </p:txBody>
       </p:sp>
@@ -2329,7 +2310,7 @@
           <a:p>
             <a:pPr lvl="0"/>
             <a:r>
-              <a:rPr lang="zh-CN" altLang="en-US" smtClean="0"/>
+              <a:rPr lang="zh-CN" altLang="en-US"/>
               <a:t>编辑母版文本样式</a:t>
             </a:r>
           </a:p>
@@ -2461,10 +2442,9 @@
           <a:lstStyle/>
           <a:p>
             <a:r>
-              <a:rPr lang="zh-CN" altLang="en-US" smtClean="0"/>
+              <a:rPr lang="zh-CN" altLang="en-US"/>
               <a:t>单击此处编辑母版标题样式</a:t>
             </a:r>
-            <a:endParaRPr lang="zh-CN" altLang="en-US"/>
           </a:p>
         </p:txBody>
       </p:sp>
@@ -2495,38 +2475,37 @@
           <a:p>
             <a:pPr lvl="0"/>
             <a:r>
-              <a:rPr lang="zh-CN" altLang="en-US" smtClean="0"/>
+              <a:rPr lang="zh-CN" altLang="en-US"/>
               <a:t>编辑母版文本样式</a:t>
             </a:r>
           </a:p>
           <a:p>
             <a:pPr lvl="1"/>
             <a:r>
-              <a:rPr lang="zh-CN" altLang="en-US" smtClean="0"/>
+              <a:rPr lang="zh-CN" altLang="en-US"/>
               <a:t>第二级</a:t>
             </a:r>
           </a:p>
           <a:p>
             <a:pPr lvl="2"/>
             <a:r>
-              <a:rPr lang="zh-CN" altLang="en-US" smtClean="0"/>
+              <a:rPr lang="zh-CN" altLang="en-US"/>
               <a:t>第三级</a:t>
             </a:r>
           </a:p>
           <a:p>
             <a:pPr lvl="3"/>
             <a:r>
-              <a:rPr lang="zh-CN" altLang="en-US" smtClean="0"/>
+              <a:rPr lang="zh-CN" altLang="en-US"/>
               <a:t>第四级</a:t>
             </a:r>
           </a:p>
           <a:p>
             <a:pPr lvl="4"/>
             <a:r>
-              <a:rPr lang="zh-CN" altLang="en-US" smtClean="0"/>
+              <a:rPr lang="zh-CN" altLang="en-US"/>
               <a:t>第五级</a:t>
             </a:r>
-            <a:endParaRPr lang="zh-CN" altLang="en-US"/>
           </a:p>
         </p:txBody>
       </p:sp>
@@ -3023,7 +3002,7 @@
             <a:p>
               <a:pPr algn="ctr"/>
               <a:r>
-                <a:rPr lang="en-US" altLang="zh-CN" b="1" dirty="0" smtClean="0">
+                <a:rPr lang="en-US" altLang="zh-CN" b="1" dirty="0">
                   <a:latin typeface="Microsoft YaHei UI" panose="020B0503020204020204" pitchFamily="34" charset="-122"/>
                   <a:ea typeface="Microsoft YaHei UI" panose="020B0503020204020204" pitchFamily="34" charset="-122"/>
                 </a:rPr>
@@ -3075,7 +3054,7 @@
             <a:p>
               <a:pPr algn="ctr"/>
               <a:r>
-                <a:rPr lang="en-US" altLang="zh-CN" b="1" dirty="0" smtClean="0">
+                <a:rPr lang="en-US" altLang="zh-CN" b="1" dirty="0">
                   <a:latin typeface="Microsoft YaHei UI" panose="020B0503020204020204" pitchFamily="34" charset="-122"/>
                   <a:ea typeface="Microsoft YaHei UI" panose="020B0503020204020204" pitchFamily="34" charset="-122"/>
                 </a:rPr>
@@ -3127,7 +3106,7 @@
             <a:p>
               <a:pPr algn="ctr"/>
               <a:r>
-                <a:rPr lang="en-US" altLang="zh-CN" b="1" dirty="0" smtClean="0">
+                <a:rPr lang="en-US" altLang="zh-CN" b="1" dirty="0">
                   <a:latin typeface="Microsoft YaHei UI" panose="020B0503020204020204" pitchFamily="34" charset="-122"/>
                   <a:ea typeface="Microsoft YaHei UI" panose="020B0503020204020204" pitchFamily="34" charset="-122"/>
                 </a:rPr>
@@ -3175,7 +3154,7 @@
             <a:p>
               <a:pPr algn="ctr"/>
               <a:r>
-                <a:rPr lang="en-US" altLang="zh-CN" sz="1600" dirty="0" smtClean="0">
+                <a:rPr lang="en-US" altLang="zh-CN" sz="1600" dirty="0">
                   <a:latin typeface="Microsoft YaHei UI" panose="020B0503020204020204" pitchFamily="34" charset="-122"/>
                   <a:ea typeface="Microsoft YaHei UI" panose="020B0503020204020204" pitchFamily="34" charset="-122"/>
                 </a:rPr>
@@ -3223,7 +3202,7 @@
             <a:p>
               <a:pPr algn="ctr"/>
               <a:r>
-                <a:rPr lang="en-US" altLang="zh-CN" sz="1600" dirty="0" smtClean="0">
+                <a:rPr lang="en-US" altLang="zh-CN" sz="1600" dirty="0">
                   <a:latin typeface="Microsoft YaHei UI" panose="020B0503020204020204" pitchFamily="34" charset="-122"/>
                   <a:ea typeface="Microsoft YaHei UI" panose="020B0503020204020204" pitchFamily="34" charset="-122"/>
                 </a:rPr>
@@ -3271,7 +3250,7 @@
             <a:p>
               <a:pPr algn="ctr"/>
               <a:r>
-                <a:rPr lang="en-US" altLang="zh-CN" sz="1600" dirty="0" smtClean="0">
+                <a:rPr lang="en-US" altLang="zh-CN" sz="1600" dirty="0">
                   <a:latin typeface="Microsoft YaHei UI" panose="020B0503020204020204" pitchFamily="34" charset="-122"/>
                   <a:ea typeface="Microsoft YaHei UI" panose="020B0503020204020204" pitchFamily="34" charset="-122"/>
                 </a:rPr>
@@ -3411,7 +3390,7 @@
             <a:p>
               <a:pPr algn="ctr"/>
               <a:r>
-                <a:rPr lang="en-US" altLang="zh-CN" sz="1600" dirty="0" smtClean="0">
+                <a:rPr lang="en-US" altLang="zh-CN" sz="1600" dirty="0">
                   <a:latin typeface="Microsoft YaHei UI" panose="020B0503020204020204" pitchFamily="34" charset="-122"/>
                   <a:ea typeface="Microsoft YaHei UI" panose="020B0503020204020204" pitchFamily="34" charset="-122"/>
                 </a:rPr>
@@ -3421,55 +3400,55 @@
             <a:p>
               <a:pPr algn="ctr"/>
               <a:r>
-                <a:rPr lang="zh-CN" altLang="en-US" sz="1600" dirty="0" smtClean="0">
+                <a:rPr lang="zh-CN" altLang="en-US" sz="1600" dirty="0">
                   <a:latin typeface="Microsoft YaHei UI" panose="020B0503020204020204" pitchFamily="34" charset="-122"/>
                   <a:ea typeface="Microsoft YaHei UI" panose="020B0503020204020204" pitchFamily="34" charset="-122"/>
                 </a:rPr>
                 <a:t>（内建对象，比如</a:t>
               </a:r>
               <a:r>
-                <a:rPr lang="en-US" altLang="zh-CN" sz="1600" dirty="0" smtClean="0">
+                <a:rPr lang="en-US" altLang="zh-CN" sz="1600" dirty="0">
                   <a:latin typeface="Microsoft YaHei UI" panose="020B0503020204020204" pitchFamily="34" charset="-122"/>
                   <a:ea typeface="Microsoft YaHei UI" panose="020B0503020204020204" pitchFamily="34" charset="-122"/>
                 </a:rPr>
                 <a:t>int</a:t>
               </a:r>
               <a:r>
-                <a:rPr lang="zh-CN" altLang="en-US" sz="1600" dirty="0" smtClean="0">
+                <a:rPr lang="zh-CN" altLang="en-US" sz="1600" dirty="0">
                   <a:latin typeface="Microsoft YaHei UI" panose="020B0503020204020204" pitchFamily="34" charset="-122"/>
                   <a:ea typeface="Microsoft YaHei UI" panose="020B0503020204020204" pitchFamily="34" charset="-122"/>
                 </a:rPr>
                 <a:t>、</a:t>
               </a:r>
               <a:r>
-                <a:rPr lang="en-US" altLang="zh-CN" sz="1600" dirty="0" smtClean="0">
+                <a:rPr lang="en-US" altLang="zh-CN" sz="1600" dirty="0">
                   <a:latin typeface="Microsoft YaHei UI" panose="020B0503020204020204" pitchFamily="34" charset="-122"/>
                   <a:ea typeface="Microsoft YaHei UI" panose="020B0503020204020204" pitchFamily="34" charset="-122"/>
                 </a:rPr>
                 <a:t>list</a:t>
               </a:r>
               <a:r>
-                <a:rPr lang="zh-CN" altLang="en-US" sz="1600" dirty="0" smtClean="0">
+                <a:rPr lang="zh-CN" altLang="en-US" sz="1600" dirty="0">
                   <a:latin typeface="Microsoft YaHei UI" panose="020B0503020204020204" pitchFamily="34" charset="-122"/>
                   <a:ea typeface="Microsoft YaHei UI" panose="020B0503020204020204" pitchFamily="34" charset="-122"/>
                 </a:rPr>
                 <a:t>、</a:t>
               </a:r>
               <a:r>
-                <a:rPr lang="en-US" altLang="zh-CN" sz="1600" dirty="0" smtClean="0">
+                <a:rPr lang="en-US" altLang="zh-CN" sz="1600" dirty="0">
                   <a:latin typeface="Microsoft YaHei UI" panose="020B0503020204020204" pitchFamily="34" charset="-122"/>
                   <a:ea typeface="Microsoft YaHei UI" panose="020B0503020204020204" pitchFamily="34" charset="-122"/>
                 </a:rPr>
                 <a:t>dict</a:t>
               </a:r>
               <a:r>
-                <a:rPr lang="zh-CN" altLang="en-US" sz="1600" dirty="0" smtClean="0">
+                <a:rPr lang="zh-CN" altLang="en-US" sz="1600" dirty="0">
                   <a:latin typeface="Microsoft YaHei UI" panose="020B0503020204020204" pitchFamily="34" charset="-122"/>
                   <a:ea typeface="Microsoft YaHei UI" panose="020B0503020204020204" pitchFamily="34" charset="-122"/>
                 </a:rPr>
                 <a:t>和自定义对象）</a:t>
               </a:r>
-              <a:endParaRPr lang="en-US" altLang="zh-CN" sz="1600" dirty="0" smtClean="0">
+              <a:endParaRPr lang="en-US" altLang="zh-CN" sz="1600" dirty="0">
                 <a:latin typeface="Microsoft YaHei UI" panose="020B0503020204020204" pitchFamily="34" charset="-122"/>
                 <a:ea typeface="Microsoft YaHei UI" panose="020B0503020204020204" pitchFamily="34" charset="-122"/>
               </a:endParaRPr>
@@ -3511,7 +3490,7 @@
             <a:p>
               <a:pPr algn="ctr"/>
               <a:r>
-                <a:rPr lang="en-US" altLang="zh-CN" sz="1600" dirty="0" smtClean="0">
+                <a:rPr lang="en-US" altLang="zh-CN" sz="1600" dirty="0">
                   <a:latin typeface="Microsoft YaHei UI" panose="020B0503020204020204" pitchFamily="34" charset="-122"/>
                   <a:ea typeface="Microsoft YaHei UI" panose="020B0503020204020204" pitchFamily="34" charset="-122"/>
                 </a:rPr>
@@ -3521,55 +3500,55 @@
             <a:p>
               <a:pPr algn="ctr"/>
               <a:r>
-                <a:rPr lang="en-US" altLang="zh-CN" sz="1600" dirty="0" smtClean="0">
+                <a:rPr lang="en-US" altLang="zh-CN" sz="1600" dirty="0">
                   <a:latin typeface="Microsoft YaHei UI" panose="020B0503020204020204" pitchFamily="34" charset="-122"/>
                   <a:ea typeface="Microsoft YaHei UI" panose="020B0503020204020204" pitchFamily="34" charset="-122"/>
                 </a:rPr>
                 <a:t>(python</a:t>
               </a:r>
               <a:r>
-                <a:rPr lang="zh-CN" altLang="en-US" sz="1600" dirty="0" smtClean="0">
+                <a:rPr lang="zh-CN" altLang="en-US" sz="1600" dirty="0">
                   <a:latin typeface="Microsoft YaHei UI" panose="020B0503020204020204" pitchFamily="34" charset="-122"/>
                   <a:ea typeface="Microsoft YaHei UI" panose="020B0503020204020204" pitchFamily="34" charset="-122"/>
                 </a:rPr>
                 <a:t>运行时与</a:t>
               </a:r>
               <a:r>
-                <a:rPr lang="en-US" altLang="zh-CN" sz="1600" dirty="0" smtClean="0">
+                <a:rPr lang="en-US" altLang="zh-CN" sz="1600" dirty="0">
                   <a:latin typeface="Microsoft YaHei UI" panose="020B0503020204020204" pitchFamily="34" charset="-122"/>
                   <a:ea typeface="Microsoft YaHei UI" panose="020B0503020204020204" pitchFamily="34" charset="-122"/>
                 </a:rPr>
                 <a:t>C</a:t>
               </a:r>
               <a:r>
-                <a:rPr lang="zh-CN" altLang="en-US" sz="1600" dirty="0" smtClean="0">
+                <a:rPr lang="zh-CN" altLang="en-US" sz="1600" dirty="0">
                   <a:latin typeface="Microsoft YaHei UI" panose="020B0503020204020204" pitchFamily="34" charset="-122"/>
                   <a:ea typeface="Microsoft YaHei UI" panose="020B0503020204020204" pitchFamily="34" charset="-122"/>
                 </a:rPr>
                 <a:t>中</a:t>
               </a:r>
               <a:r>
-                <a:rPr lang="en-US" altLang="zh-CN" sz="1600" dirty="0" smtClean="0">
+                <a:rPr lang="en-US" altLang="zh-CN" sz="1600" dirty="0">
                   <a:latin typeface="Microsoft YaHei UI" panose="020B0503020204020204" pitchFamily="34" charset="-122"/>
                   <a:ea typeface="Microsoft YaHei UI" panose="020B0503020204020204" pitchFamily="34" charset="-122"/>
                 </a:rPr>
                 <a:t>malloc</a:t>
               </a:r>
               <a:r>
-                <a:rPr lang="zh-CN" altLang="en-US" sz="1600" dirty="0" smtClean="0">
+                <a:rPr lang="zh-CN" altLang="en-US" sz="1600" dirty="0">
                   <a:latin typeface="Microsoft YaHei UI" panose="020B0503020204020204" pitchFamily="34" charset="-122"/>
                   <a:ea typeface="Microsoft YaHei UI" panose="020B0503020204020204" pitchFamily="34" charset="-122"/>
                 </a:rPr>
                 <a:t>的一层接口</a:t>
               </a:r>
               <a:r>
-                <a:rPr lang="en-US" altLang="zh-CN" sz="1600" dirty="0" smtClean="0">
+                <a:rPr lang="en-US" altLang="zh-CN" sz="1600" dirty="0">
                   <a:latin typeface="Microsoft YaHei UI" panose="020B0503020204020204" pitchFamily="34" charset="-122"/>
                   <a:ea typeface="Microsoft YaHei UI" panose="020B0503020204020204" pitchFamily="34" charset="-122"/>
                 </a:rPr>
                 <a:t>)</a:t>
               </a:r>
-              <a:endParaRPr lang="zh-CN" altLang="en-US" sz="1600" dirty="0" smtClean="0">
+              <a:endParaRPr lang="zh-CN" altLang="en-US" sz="1600" dirty="0">
                 <a:latin typeface="Microsoft YaHei UI" panose="020B0503020204020204" pitchFamily="34" charset="-122"/>
                 <a:ea typeface="Microsoft YaHei UI" panose="020B0503020204020204" pitchFamily="34" charset="-122"/>
               </a:endParaRPr>
@@ -3611,7 +3590,7 @@
             <a:p>
               <a:pPr algn="ctr"/>
               <a:r>
-                <a:rPr lang="en-US" altLang="zh-CN" sz="1600" dirty="0" smtClean="0">
+                <a:rPr lang="en-US" altLang="zh-CN" sz="1600" dirty="0">
                   <a:latin typeface="Microsoft YaHei UI" panose="020B0503020204020204" pitchFamily="34" charset="-122"/>
                   <a:ea typeface="Microsoft YaHei UI" panose="020B0503020204020204" pitchFamily="34" charset="-122"/>
                 </a:rPr>
@@ -3621,16 +3600,12 @@
             <a:p>
               <a:pPr algn="ctr"/>
               <a:r>
-                <a:rPr lang="zh-CN" altLang="en-US" sz="1600" dirty="0" smtClean="0">
+                <a:rPr lang="zh-CN" altLang="en-US" sz="1600" dirty="0">
                   <a:latin typeface="Microsoft YaHei UI" panose="020B0503020204020204" pitchFamily="34" charset="-122"/>
                   <a:ea typeface="Microsoft YaHei UI" panose="020B0503020204020204" pitchFamily="34" charset="-122"/>
                 </a:rPr>
                 <a:t>（维护解释器在执行字节码时不同的状态（正常、异常）之间切换的动作）</a:t>
               </a:r>
-              <a:endParaRPr lang="zh-CN" altLang="en-US" sz="1600" dirty="0">
-                <a:latin typeface="Microsoft YaHei UI" panose="020B0503020204020204" pitchFamily="34" charset="-122"/>
-                <a:ea typeface="Microsoft YaHei UI" panose="020B0503020204020204" pitchFamily="34" charset="-122"/>
-              </a:endParaRPr>
             </a:p>
           </p:txBody>
         </p:sp>
@@ -3673,7 +3648,7 @@
             <a:p>
               <a:pPr algn="ctr"/>
               <a:r>
-                <a:rPr lang="en-US" altLang="zh-CN" b="1" dirty="0" smtClean="0">
+                <a:rPr lang="en-US" altLang="zh-CN" b="1" dirty="0">
                   <a:latin typeface="Microsoft YaHei UI" panose="020B0503020204020204" pitchFamily="34" charset="-122"/>
                   <a:ea typeface="Microsoft YaHei UI" panose="020B0503020204020204" pitchFamily="34" charset="-122"/>
                 </a:rPr>
@@ -3731,7 +3706,7 @@
             <a:p>
               <a:pPr algn="ctr"/>
               <a:r>
-                <a:rPr lang="en-US" altLang="zh-CN" sz="1600" dirty="0" smtClean="0">
+                <a:rPr lang="en-US" altLang="zh-CN" sz="1600" dirty="0">
                   <a:latin typeface="Microsoft YaHei UI" panose="020B0503020204020204" pitchFamily="34" charset="-122"/>
                   <a:ea typeface="Microsoft YaHei UI" panose="020B0503020204020204" pitchFamily="34" charset="-122"/>
                 </a:rPr>
@@ -3741,32 +3716,25 @@
             <a:p>
               <a:pPr algn="ctr"/>
               <a:r>
-                <a:rPr lang="en-US" altLang="zh-CN" sz="1600" dirty="0" smtClean="0">
-                  <a:latin typeface="Microsoft YaHei UI" panose="020B0503020204020204" pitchFamily="34" charset="-122"/>
-                  <a:ea typeface="Microsoft YaHei UI" panose="020B0503020204020204" pitchFamily="34" charset="-122"/>
-                </a:rPr>
-                <a:t>(</a:t>
-              </a:r>
-              <a:r>
-                <a:rPr lang="zh-CN" altLang="en-US" sz="1600" dirty="0" smtClean="0">
-                  <a:latin typeface="Microsoft YaHei UI" panose="020B0503020204020204" pitchFamily="34" charset="-122"/>
-                  <a:ea typeface="Microsoft YaHei UI" panose="020B0503020204020204" pitchFamily="34" charset="-122"/>
-                </a:rPr>
-                <a:t>词法分析，源码切分为</a:t>
-              </a:r>
-              <a:r>
                 <a:rPr lang="en-US" altLang="zh-CN" sz="1600" dirty="0">
                   <a:latin typeface="Microsoft YaHei UI" panose="020B0503020204020204" pitchFamily="34" charset="-122"/>
                   <a:ea typeface="Microsoft YaHei UI" panose="020B0503020204020204" pitchFamily="34" charset="-122"/>
                 </a:rPr>
-                <a:t>t</a:t>
-              </a:r>
-              <a:r>
-                <a:rPr lang="en-US" altLang="zh-CN" sz="1600" dirty="0" smtClean="0">
+                <a:t>(</a:t>
+              </a:r>
+              <a:r>
+                <a:rPr lang="zh-CN" altLang="en-US" sz="1600" dirty="0">
                   <a:latin typeface="Microsoft YaHei UI" panose="020B0503020204020204" pitchFamily="34" charset="-122"/>
                   <a:ea typeface="Microsoft YaHei UI" panose="020B0503020204020204" pitchFamily="34" charset="-122"/>
                 </a:rPr>
-                <a:t>oken)</a:t>
+                <a:t>词法分析，源码切分为</a:t>
+              </a:r>
+              <a:r>
+                <a:rPr lang="en-US" altLang="zh-CN" sz="1600" dirty="0">
+                  <a:latin typeface="Microsoft YaHei UI" panose="020B0503020204020204" pitchFamily="34" charset="-122"/>
+                  <a:ea typeface="Microsoft YaHei UI" panose="020B0503020204020204" pitchFamily="34" charset="-122"/>
+                </a:rPr>
+                <a:t>token)</a:t>
               </a:r>
               <a:endParaRPr lang="zh-CN" altLang="en-US" sz="1600" dirty="0">
                 <a:latin typeface="Microsoft YaHei UI" panose="020B0503020204020204" pitchFamily="34" charset="-122"/>
@@ -3820,7 +3788,7 @@
             <a:p>
               <a:pPr algn="ctr"/>
               <a:r>
-                <a:rPr lang="en-US" altLang="zh-CN" sz="1600" dirty="0" smtClean="0">
+                <a:rPr lang="en-US" altLang="zh-CN" sz="1600" dirty="0">
                   <a:latin typeface="Microsoft YaHei UI" panose="020B0503020204020204" pitchFamily="34" charset="-122"/>
                   <a:ea typeface="Microsoft YaHei UI" panose="020B0503020204020204" pitchFamily="34" charset="-122"/>
                 </a:rPr>
@@ -3830,30 +3798,26 @@
             <a:p>
               <a:pPr algn="ctr"/>
               <a:r>
-                <a:rPr lang="zh-CN" altLang="en-US" sz="1600" dirty="0" smtClean="0">
+                <a:rPr lang="zh-CN" altLang="en-US" sz="1600" dirty="0">
                   <a:latin typeface="Microsoft YaHei UI" panose="020B0503020204020204" pitchFamily="34" charset="-122"/>
                   <a:ea typeface="Microsoft YaHei UI" panose="020B0503020204020204" pitchFamily="34" charset="-122"/>
                 </a:rPr>
                 <a:t>（语法分析，建立</a:t>
               </a:r>
               <a:r>
-                <a:rPr lang="en-US" altLang="zh-CN" sz="1600" dirty="0" smtClean="0">
+                <a:rPr lang="en-US" altLang="zh-CN" sz="1600" dirty="0">
                   <a:latin typeface="Microsoft YaHei UI" panose="020B0503020204020204" pitchFamily="34" charset="-122"/>
                   <a:ea typeface="Microsoft YaHei UI" panose="020B0503020204020204" pitchFamily="34" charset="-122"/>
                 </a:rPr>
                 <a:t>AST</a:t>
               </a:r>
               <a:r>
-                <a:rPr lang="zh-CN" altLang="en-US" sz="1600" dirty="0" smtClean="0">
+                <a:rPr lang="zh-CN" altLang="en-US" sz="1600" dirty="0">
                   <a:latin typeface="Microsoft YaHei UI" panose="020B0503020204020204" pitchFamily="34" charset="-122"/>
                   <a:ea typeface="Microsoft YaHei UI" panose="020B0503020204020204" pitchFamily="34" charset="-122"/>
                 </a:rPr>
                 <a:t>）</a:t>
               </a:r>
-              <a:endParaRPr lang="zh-CN" altLang="en-US" sz="1600" dirty="0">
-                <a:latin typeface="Microsoft YaHei UI" panose="020B0503020204020204" pitchFamily="34" charset="-122"/>
-                <a:ea typeface="Microsoft YaHei UI" panose="020B0503020204020204" pitchFamily="34" charset="-122"/>
-              </a:endParaRPr>
             </a:p>
           </p:txBody>
         </p:sp>
@@ -3902,7 +3866,7 @@
             <a:p>
               <a:pPr algn="ctr"/>
               <a:r>
-                <a:rPr lang="en-US" altLang="zh-CN" sz="1600" dirty="0" smtClean="0">
+                <a:rPr lang="en-US" altLang="zh-CN" sz="1600" dirty="0">
                   <a:latin typeface="Microsoft YaHei UI" panose="020B0503020204020204" pitchFamily="34" charset="-122"/>
                   <a:ea typeface="Microsoft YaHei UI" panose="020B0503020204020204" pitchFamily="34" charset="-122"/>
                 </a:rPr>
@@ -3912,16 +3876,12 @@
             <a:p>
               <a:pPr algn="ctr"/>
               <a:r>
-                <a:rPr lang="zh-CN" altLang="en-US" sz="1600" dirty="0" smtClean="0">
+                <a:rPr lang="zh-CN" altLang="en-US" sz="1600" dirty="0">
                   <a:latin typeface="Microsoft YaHei UI" panose="020B0503020204020204" pitchFamily="34" charset="-122"/>
                   <a:ea typeface="Microsoft YaHei UI" panose="020B0503020204020204" pitchFamily="34" charset="-122"/>
                 </a:rPr>
                 <a:t>（编译器，生成字节码）</a:t>
               </a:r>
-              <a:endParaRPr lang="zh-CN" altLang="en-US" sz="1600" dirty="0">
-                <a:latin typeface="Microsoft YaHei UI" panose="020B0503020204020204" pitchFamily="34" charset="-122"/>
-                <a:ea typeface="Microsoft YaHei UI" panose="020B0503020204020204" pitchFamily="34" charset="-122"/>
-              </a:endParaRPr>
             </a:p>
           </p:txBody>
         </p:sp>
@@ -3970,7 +3930,7 @@
             <a:p>
               <a:pPr algn="ctr"/>
               <a:r>
-                <a:rPr lang="en-US" altLang="zh-CN" sz="1600" dirty="0" smtClean="0">
+                <a:rPr lang="en-US" altLang="zh-CN" sz="1600" dirty="0">
                   <a:latin typeface="Microsoft YaHei UI" panose="020B0503020204020204" pitchFamily="34" charset="-122"/>
                   <a:ea typeface="Microsoft YaHei UI" panose="020B0503020204020204" pitchFamily="34" charset="-122"/>
                 </a:rPr>
@@ -3980,16 +3940,12 @@
             <a:p>
               <a:pPr algn="ctr"/>
               <a:r>
-                <a:rPr lang="zh-CN" altLang="en-US" sz="1600" dirty="0" smtClean="0">
+                <a:rPr lang="zh-CN" altLang="en-US" sz="1600" dirty="0">
                   <a:latin typeface="Microsoft YaHei UI" panose="020B0503020204020204" pitchFamily="34" charset="-122"/>
                   <a:ea typeface="Microsoft YaHei UI" panose="020B0503020204020204" pitchFamily="34" charset="-122"/>
                 </a:rPr>
                 <a:t>（虚拟机，执行字节码）</a:t>
               </a:r>
-              <a:endParaRPr lang="zh-CN" altLang="en-US" sz="1600" dirty="0">
-                <a:latin typeface="Microsoft YaHei UI" panose="020B0503020204020204" pitchFamily="34" charset="-122"/>
-                <a:ea typeface="Microsoft YaHei UI" panose="020B0503020204020204" pitchFamily="34" charset="-122"/>
-              </a:endParaRPr>
             </a:p>
           </p:txBody>
         </p:sp>
@@ -4347,7 +4303,7 @@
             <a:p>
               <a:pPr algn="ctr"/>
               <a:r>
-                <a:rPr lang="zh-CN" altLang="en-US" sz="1200" b="1" dirty="0" smtClean="0">
+                <a:rPr lang="zh-CN" altLang="en-US" sz="1200" b="1" dirty="0">
                   <a:solidFill>
                     <a:schemeClr val="accent6"/>
                   </a:solidFill>
@@ -4356,13 +4312,6 @@
                 </a:rPr>
                 <a:t>使用</a:t>
               </a:r>
-              <a:endParaRPr lang="zh-CN" altLang="en-US" sz="1200" b="1" dirty="0">
-                <a:solidFill>
-                  <a:schemeClr val="accent6"/>
-                </a:solidFill>
-                <a:latin typeface="Microsoft YaHei UI" panose="020B0503020204020204" pitchFamily="34" charset="-122"/>
-                <a:ea typeface="Microsoft YaHei UI" panose="020B0503020204020204" pitchFamily="34" charset="-122"/>
-              </a:endParaRPr>
             </a:p>
           </p:txBody>
         </p:sp>
@@ -4390,7 +4339,7 @@
             <a:p>
               <a:pPr algn="ctr"/>
               <a:r>
-                <a:rPr lang="zh-CN" altLang="en-US" sz="1200" b="1" dirty="0" smtClean="0">
+                <a:rPr lang="zh-CN" altLang="en-US" sz="1200" b="1" dirty="0">
                   <a:solidFill>
                     <a:schemeClr val="accent6"/>
                   </a:solidFill>
@@ -4399,13 +4348,6 @@
                 </a:rPr>
                 <a:t>使用</a:t>
               </a:r>
-              <a:endParaRPr lang="zh-CN" altLang="en-US" sz="1200" b="1" dirty="0">
-                <a:solidFill>
-                  <a:schemeClr val="accent6"/>
-                </a:solidFill>
-                <a:latin typeface="Microsoft YaHei UI" panose="020B0503020204020204" pitchFamily="34" charset="-122"/>
-                <a:ea typeface="Microsoft YaHei UI" panose="020B0503020204020204" pitchFamily="34" charset="-122"/>
-              </a:endParaRPr>
             </a:p>
           </p:txBody>
         </p:sp>
@@ -4433,7 +4375,7 @@
             <a:p>
               <a:pPr algn="ctr"/>
               <a:r>
-                <a:rPr lang="zh-CN" altLang="en-US" sz="1200" b="1" dirty="0" smtClean="0">
+                <a:rPr lang="zh-CN" altLang="en-US" sz="1200" b="1" dirty="0">
                   <a:solidFill>
                     <a:schemeClr val="accent6"/>
                   </a:solidFill>
@@ -4442,13 +4384,6 @@
                 </a:rPr>
                 <a:t>使用</a:t>
               </a:r>
-              <a:endParaRPr lang="zh-CN" altLang="en-US" sz="1200" b="1" dirty="0">
-                <a:solidFill>
-                  <a:schemeClr val="accent6"/>
-                </a:solidFill>
-                <a:latin typeface="Microsoft YaHei UI" panose="020B0503020204020204" pitchFamily="34" charset="-122"/>
-                <a:ea typeface="Microsoft YaHei UI" panose="020B0503020204020204" pitchFamily="34" charset="-122"/>
-              </a:endParaRPr>
             </a:p>
           </p:txBody>
         </p:sp>
@@ -4476,7 +4411,7 @@
             <a:p>
               <a:pPr algn="ctr"/>
               <a:r>
-                <a:rPr lang="zh-CN" altLang="en-US" sz="1200" b="1" dirty="0" smtClean="0">
+                <a:rPr lang="zh-CN" altLang="en-US" sz="1200" b="1" dirty="0">
                   <a:solidFill>
                     <a:schemeClr val="accent6"/>
                   </a:solidFill>
@@ -4485,13 +4420,6 @@
                 </a:rPr>
                 <a:t>使用</a:t>
               </a:r>
-              <a:endParaRPr lang="zh-CN" altLang="en-US" sz="1200" b="1" dirty="0">
-                <a:solidFill>
-                  <a:schemeClr val="accent6"/>
-                </a:solidFill>
-                <a:latin typeface="Microsoft YaHei UI" panose="020B0503020204020204" pitchFamily="34" charset="-122"/>
-                <a:ea typeface="Microsoft YaHei UI" panose="020B0503020204020204" pitchFamily="34" charset="-122"/>
-              </a:endParaRPr>
             </a:p>
           </p:txBody>
         </p:sp>
@@ -4555,7 +4483,7 @@
             <a:p>
               <a:pPr algn="ctr"/>
               <a:r>
-                <a:rPr lang="zh-CN" altLang="en-US" sz="1200" b="1" dirty="0" smtClean="0">
+                <a:rPr lang="zh-CN" altLang="en-US" sz="1200" b="1" dirty="0">
                   <a:solidFill>
                     <a:schemeClr val="accent6"/>
                   </a:solidFill>
@@ -4564,13 +4492,6 @@
                 </a:rPr>
                 <a:t>使用</a:t>
               </a:r>
-              <a:endParaRPr lang="zh-CN" altLang="en-US" sz="1200" b="1" dirty="0">
-                <a:solidFill>
-                  <a:schemeClr val="accent6"/>
-                </a:solidFill>
-                <a:latin typeface="Microsoft YaHei UI" panose="020B0503020204020204" pitchFamily="34" charset="-122"/>
-                <a:ea typeface="Microsoft YaHei UI" panose="020B0503020204020204" pitchFamily="34" charset="-122"/>
-              </a:endParaRPr>
             </a:p>
           </p:txBody>
         </p:sp>
@@ -4585,13 +4506,6 @@
   <p:clrMapOvr>
     <a:masterClrMapping/>
   </p:clrMapOvr>
-  <p:timing>
-    <p:tnLst>
-      <p:par>
-        <p:cTn id="1" dur="indefinite" restart="never" nodeType="tmRoot"/>
-      </p:par>
-    </p:tnLst>
-  </p:timing>
 </p:sld>
 </file>
 
@@ -4612,30 +4526,1243 @@
           <a:chExt cx="0" cy="0"/>
         </a:xfrm>
       </p:grpSpPr>
-      <p:pic>
-        <p:nvPicPr>
-          <p:cNvPr id="3" name="图片 2"/>
-          <p:cNvPicPr>
-            <a:picLocks noChangeAspect="1"/>
-          </p:cNvPicPr>
+      <p:grpSp>
+        <p:nvGrpSpPr>
+          <p:cNvPr id="60" name="组合 59">
+            <a:extLst>
+              <a:ext uri="{FF2B5EF4-FFF2-40B4-BE49-F238E27FC236}">
+                <a16:creationId xmlns:a16="http://schemas.microsoft.com/office/drawing/2014/main" id="{4B7E69DE-28E5-4E89-A7E1-3904625CEB2F}"/>
+              </a:ext>
+            </a:extLst>
+          </p:cNvPr>
+          <p:cNvGrpSpPr/>
           <p:nvPr/>
-        </p:nvPicPr>
-        <p:blipFill>
-          <a:blip r:embed="rId2"/>
-          <a:stretch>
-            <a:fillRect/>
-          </a:stretch>
-        </p:blipFill>
-        <p:spPr>
+        </p:nvGrpSpPr>
+        <p:grpSpPr>
           <a:xfrm>
             <a:off x="90487" y="98702"/>
-            <a:ext cx="1595438" cy="6759298"/>
+            <a:ext cx="12101513" cy="6759298"/>
+            <a:chOff x="90487" y="98702"/>
+            <a:chExt cx="12101513" cy="6759298"/>
           </a:xfrm>
-          <a:prstGeom prst="rect">
-            <a:avLst/>
-          </a:prstGeom>
-        </p:spPr>
-      </p:pic>
+        </p:grpSpPr>
+        <p:pic>
+          <p:nvPicPr>
+            <p:cNvPr id="3" name="图片 2"/>
+            <p:cNvPicPr>
+              <a:picLocks noChangeAspect="1"/>
+            </p:cNvPicPr>
+            <p:nvPr/>
+          </p:nvPicPr>
+          <p:blipFill>
+            <a:blip r:embed="rId2"/>
+            <a:stretch>
+              <a:fillRect/>
+            </a:stretch>
+          </p:blipFill>
+          <p:spPr>
+            <a:xfrm>
+              <a:off x="90487" y="98702"/>
+              <a:ext cx="1595438" cy="6759298"/>
+            </a:xfrm>
+            <a:prstGeom prst="rect">
+              <a:avLst/>
+            </a:prstGeom>
+          </p:spPr>
+        </p:pic>
+        <p:sp>
+          <p:nvSpPr>
+            <p:cNvPr id="2" name="文本框 1">
+              <a:extLst>
+                <a:ext uri="{FF2B5EF4-FFF2-40B4-BE49-F238E27FC236}">
+                  <a16:creationId xmlns:a16="http://schemas.microsoft.com/office/drawing/2014/main" id="{C1F4C4E9-FCF8-4A3B-A16F-5E88CE1733AF}"/>
+                </a:ext>
+              </a:extLst>
+            </p:cNvPr>
+            <p:cNvSpPr txBox="1"/>
+            <p:nvPr/>
+          </p:nvSpPr>
+          <p:spPr>
+            <a:xfrm>
+              <a:off x="5480880" y="4143572"/>
+              <a:ext cx="6120000" cy="830997"/>
+            </a:xfrm>
+            <a:prstGeom prst="rect">
+              <a:avLst/>
+            </a:prstGeom>
+            <a:ln/>
+          </p:spPr>
+          <p:style>
+            <a:lnRef idx="2">
+              <a:schemeClr val="accent2"/>
+            </a:lnRef>
+            <a:fillRef idx="1">
+              <a:schemeClr val="lt1"/>
+            </a:fillRef>
+            <a:effectRef idx="0">
+              <a:schemeClr val="accent2"/>
+            </a:effectRef>
+            <a:fontRef idx="minor">
+              <a:schemeClr val="dk1"/>
+            </a:fontRef>
+          </p:style>
+          <p:txBody>
+            <a:bodyPr wrap="square" rtlCol="0">
+              <a:spAutoFit/>
+            </a:bodyPr>
+            <a:lstStyle/>
+            <a:p>
+              <a:pPr algn="l"/>
+              <a:r>
+                <a:rPr lang="zh-CN" altLang="en-US" sz="1600" dirty="0">
+                  <a:effectLst/>
+                  <a:latin typeface="Microsoft YaHei Light" panose="020B0502040204020203" pitchFamily="34" charset="-122"/>
+                  <a:ea typeface="Microsoft YaHei Light" panose="020B0502040204020203" pitchFamily="34" charset="-122"/>
+                </a:rPr>
+                <a:t>该目录中包含了</a:t>
+              </a:r>
+              <a:r>
+                <a:rPr lang="en-US" altLang="zh-CN" sz="1600" dirty="0">
+                  <a:effectLst/>
+                  <a:latin typeface="Microsoft YaHei Light" panose="020B0502040204020203" pitchFamily="34" charset="-122"/>
+                  <a:ea typeface="Microsoft YaHei Light" panose="020B0502040204020203" pitchFamily="34" charset="-122"/>
+                </a:rPr>
+                <a:t>python</a:t>
+              </a:r>
+              <a:r>
+                <a:rPr lang="zh-CN" altLang="en-US" sz="1600" dirty="0">
+                  <a:effectLst/>
+                  <a:latin typeface="Microsoft YaHei Light" panose="020B0502040204020203" pitchFamily="34" charset="-122"/>
+                  <a:ea typeface="Microsoft YaHei Light" panose="020B0502040204020203" pitchFamily="34" charset="-122"/>
+                </a:rPr>
+                <a:t>解释器中</a:t>
+              </a:r>
+              <a:r>
+                <a:rPr lang="en-US" altLang="zh-CN" sz="1600" dirty="0">
+                  <a:effectLst/>
+                  <a:latin typeface="Microsoft YaHei Light" panose="020B0502040204020203" pitchFamily="34" charset="-122"/>
+                  <a:ea typeface="Microsoft YaHei Light" panose="020B0502040204020203" pitchFamily="34" charset="-122"/>
+                </a:rPr>
+                <a:t>Scanner</a:t>
+              </a:r>
+              <a:r>
+                <a:rPr lang="zh-CN" altLang="en-US" sz="1600" dirty="0">
+                  <a:effectLst/>
+                  <a:latin typeface="Microsoft YaHei Light" panose="020B0502040204020203" pitchFamily="34" charset="-122"/>
+                  <a:ea typeface="Microsoft YaHei Light" panose="020B0502040204020203" pitchFamily="34" charset="-122"/>
+                </a:rPr>
+                <a:t>和</a:t>
+              </a:r>
+              <a:r>
+                <a:rPr lang="en-US" altLang="zh-CN" sz="1600" dirty="0">
+                  <a:effectLst/>
+                  <a:latin typeface="Microsoft YaHei Light" panose="020B0502040204020203" pitchFamily="34" charset="-122"/>
+                  <a:ea typeface="Microsoft YaHei Light" panose="020B0502040204020203" pitchFamily="34" charset="-122"/>
+                </a:rPr>
+                <a:t>Parser</a:t>
+              </a:r>
+              <a:r>
+                <a:rPr lang="zh-CN" altLang="en-US" sz="1600" dirty="0">
+                  <a:effectLst/>
+                  <a:latin typeface="Microsoft YaHei Light" panose="020B0502040204020203" pitchFamily="34" charset="-122"/>
+                  <a:ea typeface="Microsoft YaHei Light" panose="020B0502040204020203" pitchFamily="34" charset="-122"/>
+                </a:rPr>
+                <a:t>部分。除外，还有一些有用的工具，可根据</a:t>
+              </a:r>
+              <a:r>
+                <a:rPr lang="en-US" altLang="zh-CN" sz="1600" dirty="0">
+                  <a:effectLst/>
+                  <a:latin typeface="Microsoft YaHei Light" panose="020B0502040204020203" pitchFamily="34" charset="-122"/>
+                  <a:ea typeface="Microsoft YaHei Light" panose="020B0502040204020203" pitchFamily="34" charset="-122"/>
+                </a:rPr>
+                <a:t>python</a:t>
+              </a:r>
+              <a:r>
+                <a:rPr lang="zh-CN" altLang="en-US" sz="1600" dirty="0">
+                  <a:effectLst/>
+                  <a:latin typeface="Microsoft YaHei Light" panose="020B0502040204020203" pitchFamily="34" charset="-122"/>
+                  <a:ea typeface="Microsoft YaHei Light" panose="020B0502040204020203" pitchFamily="34" charset="-122"/>
+                </a:rPr>
+                <a:t>的语言的语法自动生成</a:t>
+              </a:r>
+              <a:r>
+                <a:rPr lang="en-US" altLang="zh-CN" sz="1600" dirty="0">
+                  <a:effectLst/>
+                  <a:latin typeface="Microsoft YaHei Light" panose="020B0502040204020203" pitchFamily="34" charset="-122"/>
+                  <a:ea typeface="Microsoft YaHei Light" panose="020B0502040204020203" pitchFamily="34" charset="-122"/>
+                </a:rPr>
+                <a:t>python</a:t>
+              </a:r>
+              <a:r>
+                <a:rPr lang="zh-CN" altLang="en-US" sz="1600" dirty="0">
+                  <a:effectLst/>
+                  <a:latin typeface="Microsoft YaHei Light" panose="020B0502040204020203" pitchFamily="34" charset="-122"/>
+                  <a:ea typeface="Microsoft YaHei Light" panose="020B0502040204020203" pitchFamily="34" charset="-122"/>
+                </a:rPr>
+                <a:t>语言的词法和语法分析器，与</a:t>
+              </a:r>
+              <a:r>
+                <a:rPr lang="en-US" altLang="zh-CN" sz="1600" dirty="0">
+                  <a:effectLst/>
+                  <a:latin typeface="Microsoft YaHei Light" panose="020B0502040204020203" pitchFamily="34" charset="-122"/>
+                  <a:ea typeface="Microsoft YaHei Light" panose="020B0502040204020203" pitchFamily="34" charset="-122"/>
+                </a:rPr>
+                <a:t>YACC</a:t>
+              </a:r>
+              <a:r>
+                <a:rPr lang="zh-CN" altLang="en-US" sz="1600" dirty="0">
+                  <a:effectLst/>
+                  <a:latin typeface="Microsoft YaHei Light" panose="020B0502040204020203" pitchFamily="34" charset="-122"/>
+                  <a:ea typeface="Microsoft YaHei Light" panose="020B0502040204020203" pitchFamily="34" charset="-122"/>
+                </a:rPr>
+                <a:t>非常类似</a:t>
+              </a:r>
+            </a:p>
+          </p:txBody>
+        </p:sp>
+        <p:sp>
+          <p:nvSpPr>
+            <p:cNvPr id="4" name="文本框 3">
+              <a:extLst>
+                <a:ext uri="{FF2B5EF4-FFF2-40B4-BE49-F238E27FC236}">
+                  <a16:creationId xmlns:a16="http://schemas.microsoft.com/office/drawing/2014/main" id="{AE961538-2D8B-42F5-90D2-9F1EF57EF624}"/>
+                </a:ext>
+              </a:extLst>
+            </p:cNvPr>
+            <p:cNvSpPr txBox="1"/>
+            <p:nvPr/>
+          </p:nvSpPr>
+          <p:spPr>
+            <a:xfrm>
+              <a:off x="4901067" y="1161769"/>
+              <a:ext cx="6120000" cy="584775"/>
+            </a:xfrm>
+            <a:prstGeom prst="rect">
+              <a:avLst/>
+            </a:prstGeom>
+            <a:ln>
+              <a:headEnd type="none" w="med" len="med"/>
+              <a:tailEnd type="none" w="med" len="med"/>
+            </a:ln>
+          </p:spPr>
+          <p:style>
+            <a:lnRef idx="2">
+              <a:schemeClr val="accent6">
+                <a:shade val="50000"/>
+              </a:schemeClr>
+            </a:lnRef>
+            <a:fillRef idx="1">
+              <a:schemeClr val="accent6"/>
+            </a:fillRef>
+            <a:effectRef idx="0">
+              <a:schemeClr val="accent6"/>
+            </a:effectRef>
+            <a:fontRef idx="minor">
+              <a:schemeClr val="lt1"/>
+            </a:fontRef>
+          </p:style>
+          <p:txBody>
+            <a:bodyPr wrap="square" rtlCol="0">
+              <a:spAutoFit/>
+            </a:bodyPr>
+            <a:lstStyle/>
+            <a:p>
+              <a:pPr algn="l"/>
+              <a:r>
+                <a:rPr lang="zh-CN" altLang="en-US" sz="1600" dirty="0">
+                  <a:effectLst/>
+                  <a:latin typeface="Microsoft YaHei Light" panose="020B0502040204020203" pitchFamily="34" charset="-122"/>
+                  <a:ea typeface="Microsoft YaHei Light" panose="020B0502040204020203" pitchFamily="34" charset="-122"/>
+                </a:rPr>
+                <a:t>该目录包含</a:t>
+              </a:r>
+              <a:r>
+                <a:rPr lang="en-US" altLang="zh-CN" sz="1600" dirty="0">
+                  <a:effectLst/>
+                  <a:latin typeface="Microsoft YaHei Light" panose="020B0502040204020203" pitchFamily="34" charset="-122"/>
+                  <a:ea typeface="Microsoft YaHei Light" panose="020B0502040204020203" pitchFamily="34" charset="-122"/>
+                </a:rPr>
+                <a:t>python</a:t>
+              </a:r>
+              <a:r>
+                <a:rPr lang="zh-CN" altLang="en-US" sz="1600" dirty="0">
+                  <a:effectLst/>
+                  <a:latin typeface="Microsoft YaHei Light" panose="020B0502040204020203" pitchFamily="34" charset="-122"/>
+                  <a:ea typeface="Microsoft YaHei Light" panose="020B0502040204020203" pitchFamily="34" charset="-122"/>
+                </a:rPr>
+                <a:t>自带的所有标准库，</a:t>
+              </a:r>
+              <a:r>
+                <a:rPr lang="en-US" altLang="zh-CN" sz="1600" dirty="0">
+                  <a:effectLst/>
+                  <a:latin typeface="Microsoft YaHei Light" panose="020B0502040204020203" pitchFamily="34" charset="-122"/>
+                  <a:ea typeface="Microsoft YaHei Light" panose="020B0502040204020203" pitchFamily="34" charset="-122"/>
+                </a:rPr>
+                <a:t>Lib</a:t>
+              </a:r>
+              <a:r>
+                <a:rPr lang="zh-CN" altLang="en-US" sz="1600" dirty="0">
+                  <a:effectLst/>
+                  <a:latin typeface="Microsoft YaHei Light" panose="020B0502040204020203" pitchFamily="34" charset="-122"/>
+                  <a:ea typeface="Microsoft YaHei Light" panose="020B0502040204020203" pitchFamily="34" charset="-122"/>
+                </a:rPr>
+                <a:t>中的库都是用</a:t>
+              </a:r>
+              <a:r>
+                <a:rPr lang="en-US" altLang="zh-CN" sz="1600" dirty="0">
+                  <a:effectLst/>
+                  <a:latin typeface="Microsoft YaHei Light" panose="020B0502040204020203" pitchFamily="34" charset="-122"/>
+                  <a:ea typeface="Microsoft YaHei Light" panose="020B0502040204020203" pitchFamily="34" charset="-122"/>
+                </a:rPr>
+                <a:t>python</a:t>
+              </a:r>
+              <a:r>
+                <a:rPr lang="zh-CN" altLang="en-US" sz="1600" dirty="0">
+                  <a:effectLst/>
+                  <a:latin typeface="Microsoft YaHei Light" panose="020B0502040204020203" pitchFamily="34" charset="-122"/>
+                  <a:ea typeface="Microsoft YaHei Light" panose="020B0502040204020203" pitchFamily="34" charset="-122"/>
+                </a:rPr>
+                <a:t>语言编写的</a:t>
+              </a:r>
+            </a:p>
+          </p:txBody>
+        </p:sp>
+        <p:sp>
+          <p:nvSpPr>
+            <p:cNvPr id="5" name="文本框 4">
+              <a:extLst>
+                <a:ext uri="{FF2B5EF4-FFF2-40B4-BE49-F238E27FC236}">
+                  <a16:creationId xmlns:a16="http://schemas.microsoft.com/office/drawing/2014/main" id="{0A2A4BD0-D8F6-44B2-95FB-0B42D135A6AE}"/>
+                </a:ext>
+              </a:extLst>
+            </p:cNvPr>
+            <p:cNvSpPr txBox="1"/>
+            <p:nvPr/>
+          </p:nvSpPr>
+          <p:spPr>
+            <a:xfrm>
+              <a:off x="6072000" y="1876698"/>
+              <a:ext cx="6120000" cy="1077218"/>
+            </a:xfrm>
+            <a:prstGeom prst="rect">
+              <a:avLst/>
+            </a:prstGeom>
+            <a:ln>
+              <a:headEnd type="none" w="med" len="med"/>
+              <a:tailEnd type="none" w="med" len="med"/>
+            </a:ln>
+          </p:spPr>
+          <p:style>
+            <a:lnRef idx="2">
+              <a:schemeClr val="accent6">
+                <a:shade val="50000"/>
+              </a:schemeClr>
+            </a:lnRef>
+            <a:fillRef idx="1">
+              <a:schemeClr val="accent6"/>
+            </a:fillRef>
+            <a:effectRef idx="0">
+              <a:schemeClr val="accent6"/>
+            </a:effectRef>
+            <a:fontRef idx="minor">
+              <a:schemeClr val="lt1"/>
+            </a:fontRef>
+          </p:style>
+          <p:txBody>
+            <a:bodyPr wrap="square" rtlCol="0">
+              <a:spAutoFit/>
+            </a:bodyPr>
+            <a:lstStyle/>
+            <a:p>
+              <a:pPr algn="l"/>
+              <a:r>
+                <a:rPr lang="zh-CN" altLang="en-US" sz="1600" dirty="0">
+                  <a:effectLst/>
+                  <a:latin typeface="Microsoft YaHei Light" panose="020B0502040204020203" pitchFamily="34" charset="-122"/>
+                  <a:ea typeface="Microsoft YaHei Light" panose="020B0502040204020203" pitchFamily="34" charset="-122"/>
+                </a:rPr>
+                <a:t>该目录中包含了所有用</a:t>
+              </a:r>
+              <a:r>
+                <a:rPr lang="en-US" altLang="zh-CN" sz="1600" dirty="0">
+                  <a:effectLst/>
+                  <a:latin typeface="Microsoft YaHei Light" panose="020B0502040204020203" pitchFamily="34" charset="-122"/>
+                  <a:ea typeface="Microsoft YaHei Light" panose="020B0502040204020203" pitchFamily="34" charset="-122"/>
+                </a:rPr>
+                <a:t>C</a:t>
+              </a:r>
+              <a:r>
+                <a:rPr lang="zh-CN" altLang="en-US" sz="1600" dirty="0">
+                  <a:effectLst/>
+                  <a:latin typeface="Microsoft YaHei Light" panose="020B0502040204020203" pitchFamily="34" charset="-122"/>
+                  <a:ea typeface="Microsoft YaHei Light" panose="020B0502040204020203" pitchFamily="34" charset="-122"/>
+                </a:rPr>
+                <a:t>语言编写的模块，比如</a:t>
+              </a:r>
+              <a:r>
+                <a:rPr lang="en-US" altLang="zh-CN" sz="1600" dirty="0" err="1">
+                  <a:effectLst/>
+                  <a:latin typeface="Microsoft YaHei Light" panose="020B0502040204020203" pitchFamily="34" charset="-122"/>
+                  <a:ea typeface="Microsoft YaHei Light" panose="020B0502040204020203" pitchFamily="34" charset="-122"/>
+                </a:rPr>
+                <a:t>random,cStringIO</a:t>
+              </a:r>
+              <a:r>
+                <a:rPr lang="zh-CN" altLang="en-US" sz="1600" dirty="0">
+                  <a:effectLst/>
+                  <a:latin typeface="Microsoft YaHei Light" panose="020B0502040204020203" pitchFamily="34" charset="-122"/>
+                  <a:ea typeface="Microsoft YaHei Light" panose="020B0502040204020203" pitchFamily="34" charset="-122"/>
+                </a:rPr>
+                <a:t>等。</a:t>
+              </a:r>
+              <a:r>
+                <a:rPr lang="en-US" altLang="zh-CN" sz="1600" dirty="0">
+                  <a:effectLst/>
+                  <a:latin typeface="Microsoft YaHei Light" panose="020B0502040204020203" pitchFamily="34" charset="-122"/>
+                  <a:ea typeface="Microsoft YaHei Light" panose="020B0502040204020203" pitchFamily="34" charset="-122"/>
+                </a:rPr>
+                <a:t>Modules</a:t>
+              </a:r>
+              <a:r>
+                <a:rPr lang="zh-CN" altLang="en-US" sz="1600" dirty="0">
+                  <a:effectLst/>
+                  <a:latin typeface="Microsoft YaHei Light" panose="020B0502040204020203" pitchFamily="34" charset="-122"/>
+                  <a:ea typeface="Microsoft YaHei Light" panose="020B0502040204020203" pitchFamily="34" charset="-122"/>
+                </a:rPr>
+                <a:t>中的模块是那些对速度要求非常严格的模块，而有一些对速度要求不太严格的模块，比如</a:t>
+              </a:r>
+              <a:r>
+                <a:rPr lang="en-US" altLang="zh-CN" sz="1600" dirty="0" err="1">
+                  <a:effectLst/>
+                  <a:latin typeface="Microsoft YaHei Light" panose="020B0502040204020203" pitchFamily="34" charset="-122"/>
+                  <a:ea typeface="Microsoft YaHei Light" panose="020B0502040204020203" pitchFamily="34" charset="-122"/>
+                </a:rPr>
+                <a:t>os</a:t>
+              </a:r>
+              <a:r>
+                <a:rPr lang="zh-CN" altLang="en-US" sz="1600" dirty="0">
+                  <a:latin typeface="Microsoft YaHei Light" panose="020B0502040204020203" pitchFamily="34" charset="-122"/>
+                  <a:ea typeface="Microsoft YaHei Light" panose="020B0502040204020203" pitchFamily="34" charset="-122"/>
+                </a:rPr>
+                <a:t>，</a:t>
+              </a:r>
+              <a:r>
+                <a:rPr lang="zh-CN" altLang="en-US" sz="1600" dirty="0">
+                  <a:effectLst/>
+                  <a:latin typeface="Microsoft YaHei Light" panose="020B0502040204020203" pitchFamily="34" charset="-122"/>
+                  <a:ea typeface="Microsoft YaHei Light" panose="020B0502040204020203" pitchFamily="34" charset="-122"/>
+                </a:rPr>
+                <a:t>用</a:t>
+              </a:r>
+              <a:r>
+                <a:rPr lang="en-US" altLang="zh-CN" sz="1600" dirty="0">
+                  <a:effectLst/>
+                  <a:latin typeface="Microsoft YaHei Light" panose="020B0502040204020203" pitchFamily="34" charset="-122"/>
+                  <a:ea typeface="Microsoft YaHei Light" panose="020B0502040204020203" pitchFamily="34" charset="-122"/>
+                </a:rPr>
+                <a:t>python</a:t>
+              </a:r>
+              <a:r>
+                <a:rPr lang="zh-CN" altLang="en-US" sz="1600" dirty="0">
+                  <a:effectLst/>
+                  <a:latin typeface="Microsoft YaHei Light" panose="020B0502040204020203" pitchFamily="34" charset="-122"/>
+                  <a:ea typeface="Microsoft YaHei Light" panose="020B0502040204020203" pitchFamily="34" charset="-122"/>
+                </a:rPr>
+                <a:t>写放在</a:t>
+              </a:r>
+              <a:r>
+                <a:rPr lang="en-US" altLang="zh-CN" sz="1600" dirty="0">
+                  <a:effectLst/>
+                  <a:latin typeface="Microsoft YaHei Light" panose="020B0502040204020203" pitchFamily="34" charset="-122"/>
+                  <a:ea typeface="Microsoft YaHei Light" panose="020B0502040204020203" pitchFamily="34" charset="-122"/>
+                </a:rPr>
+                <a:t>Lib</a:t>
+              </a:r>
+              <a:r>
+                <a:rPr lang="zh-CN" altLang="en-US" sz="1600" dirty="0">
+                  <a:effectLst/>
+                  <a:latin typeface="Microsoft YaHei Light" panose="020B0502040204020203" pitchFamily="34" charset="-122"/>
+                  <a:ea typeface="Microsoft YaHei Light" panose="020B0502040204020203" pitchFamily="34" charset="-122"/>
+                </a:rPr>
+                <a:t>下</a:t>
+              </a:r>
+            </a:p>
+          </p:txBody>
+        </p:sp>
+        <p:sp>
+          <p:nvSpPr>
+            <p:cNvPr id="6" name="文本框 5">
+              <a:extLst>
+                <a:ext uri="{FF2B5EF4-FFF2-40B4-BE49-F238E27FC236}">
+                  <a16:creationId xmlns:a16="http://schemas.microsoft.com/office/drawing/2014/main" id="{D755F14B-BA32-41B1-B7B0-C8CABBDBD6F3}"/>
+                </a:ext>
+              </a:extLst>
+            </p:cNvPr>
+            <p:cNvSpPr txBox="1"/>
+            <p:nvPr/>
+          </p:nvSpPr>
+          <p:spPr>
+            <a:xfrm>
+              <a:off x="1467922" y="183405"/>
+              <a:ext cx="6120000" cy="830997"/>
+            </a:xfrm>
+            <a:prstGeom prst="rect">
+              <a:avLst/>
+            </a:prstGeom>
+            <a:ln>
+              <a:headEnd type="none" w="med" len="med"/>
+              <a:tailEnd type="none" w="med" len="med"/>
+            </a:ln>
+          </p:spPr>
+          <p:style>
+            <a:lnRef idx="2">
+              <a:schemeClr val="dk1">
+                <a:shade val="50000"/>
+              </a:schemeClr>
+            </a:lnRef>
+            <a:fillRef idx="1">
+              <a:schemeClr val="dk1"/>
+            </a:fillRef>
+            <a:effectRef idx="0">
+              <a:schemeClr val="dk1"/>
+            </a:effectRef>
+            <a:fontRef idx="minor">
+              <a:schemeClr val="lt1"/>
+            </a:fontRef>
+          </p:style>
+          <p:txBody>
+            <a:bodyPr wrap="square" rtlCol="0">
+              <a:spAutoFit/>
+            </a:bodyPr>
+            <a:lstStyle/>
+            <a:p>
+              <a:pPr algn="l"/>
+              <a:r>
+                <a:rPr lang="zh-CN" altLang="en-US" sz="1600" dirty="0">
+                  <a:effectLst/>
+                  <a:latin typeface="Microsoft YaHei Light" panose="020B0502040204020203" pitchFamily="34" charset="-122"/>
+                  <a:ea typeface="Microsoft YaHei Light" panose="020B0502040204020203" pitchFamily="34" charset="-122"/>
+                </a:rPr>
+                <a:t>包含了</a:t>
+              </a:r>
+              <a:r>
+                <a:rPr lang="en-US" altLang="zh-CN" sz="1600" dirty="0">
+                  <a:effectLst/>
+                  <a:latin typeface="Microsoft YaHei Light" panose="020B0502040204020203" pitchFamily="34" charset="-122"/>
+                  <a:ea typeface="Microsoft YaHei Light" panose="020B0502040204020203" pitchFamily="34" charset="-122"/>
+                </a:rPr>
+                <a:t>Python</a:t>
+              </a:r>
+              <a:r>
+                <a:rPr lang="zh-CN" altLang="en-US" sz="1600" dirty="0">
+                  <a:effectLst/>
+                  <a:latin typeface="Microsoft YaHei Light" panose="020B0502040204020203" pitchFamily="34" charset="-122"/>
+                  <a:ea typeface="Microsoft YaHei Light" panose="020B0502040204020203" pitchFamily="34" charset="-122"/>
+                </a:rPr>
+                <a:t>提供的所有头文件，若用户需要用</a:t>
+              </a:r>
+              <a:r>
+                <a:rPr lang="en-US" altLang="zh-CN" sz="1600" dirty="0">
+                  <a:effectLst/>
+                  <a:latin typeface="Microsoft YaHei Light" panose="020B0502040204020203" pitchFamily="34" charset="-122"/>
+                  <a:ea typeface="Microsoft YaHei Light" panose="020B0502040204020203" pitchFamily="34" charset="-122"/>
+                </a:rPr>
+                <a:t>C</a:t>
+              </a:r>
+              <a:r>
+                <a:rPr lang="zh-CN" altLang="en-US" sz="1600" dirty="0">
+                  <a:effectLst/>
+                  <a:latin typeface="Microsoft YaHei Light" panose="020B0502040204020203" pitchFamily="34" charset="-122"/>
+                  <a:ea typeface="Microsoft YaHei Light" panose="020B0502040204020203" pitchFamily="34" charset="-122"/>
+                </a:rPr>
+                <a:t>或者</a:t>
+              </a:r>
+              <a:r>
+                <a:rPr lang="en-US" altLang="zh-CN" sz="1600" dirty="0">
+                  <a:effectLst/>
+                  <a:latin typeface="Microsoft YaHei Light" panose="020B0502040204020203" pitchFamily="34" charset="-122"/>
+                  <a:ea typeface="Microsoft YaHei Light" panose="020B0502040204020203" pitchFamily="34" charset="-122"/>
+                </a:rPr>
+                <a:t>C++</a:t>
+              </a:r>
+              <a:r>
+                <a:rPr lang="zh-CN" altLang="en-US" sz="1600" dirty="0">
+                  <a:effectLst/>
+                  <a:latin typeface="Microsoft YaHei Light" panose="020B0502040204020203" pitchFamily="34" charset="-122"/>
+                  <a:ea typeface="Microsoft YaHei Light" panose="020B0502040204020203" pitchFamily="34" charset="-122"/>
+                </a:rPr>
+                <a:t>来编写自定义模块扩展</a:t>
+              </a:r>
+              <a:r>
+                <a:rPr lang="en-US" altLang="zh-CN" sz="1600" dirty="0">
+                  <a:effectLst/>
+                  <a:latin typeface="Microsoft YaHei Light" panose="020B0502040204020203" pitchFamily="34" charset="-122"/>
+                  <a:ea typeface="Microsoft YaHei Light" panose="020B0502040204020203" pitchFamily="34" charset="-122"/>
+                </a:rPr>
+                <a:t>python</a:t>
+              </a:r>
+              <a:r>
+                <a:rPr lang="zh-CN" altLang="en-US" sz="1600" dirty="0">
+                  <a:effectLst/>
+                  <a:latin typeface="Microsoft YaHei Light" panose="020B0502040204020203" pitchFamily="34" charset="-122"/>
+                  <a:ea typeface="Microsoft YaHei Light" panose="020B0502040204020203" pitchFamily="34" charset="-122"/>
+                </a:rPr>
+                <a:t>，就需要用这里提供的头文件</a:t>
+              </a:r>
+            </a:p>
+          </p:txBody>
+        </p:sp>
+        <p:sp>
+          <p:nvSpPr>
+            <p:cNvPr id="7" name="文本框 6">
+              <a:extLst>
+                <a:ext uri="{FF2B5EF4-FFF2-40B4-BE49-F238E27FC236}">
+                  <a16:creationId xmlns:a16="http://schemas.microsoft.com/office/drawing/2014/main" id="{CA81CA5C-15A1-4006-A513-71684EC93B22}"/>
+                </a:ext>
+              </a:extLst>
+            </p:cNvPr>
+            <p:cNvSpPr txBox="1"/>
+            <p:nvPr/>
+          </p:nvSpPr>
+          <p:spPr>
+            <a:xfrm>
+              <a:off x="6072000" y="3102010"/>
+              <a:ext cx="6120000" cy="830997"/>
+            </a:xfrm>
+            <a:prstGeom prst="rect">
+              <a:avLst/>
+            </a:prstGeom>
+            <a:ln>
+              <a:headEnd type="none" w="med" len="med"/>
+              <a:tailEnd type="none" w="med" len="med"/>
+            </a:ln>
+          </p:spPr>
+          <p:style>
+            <a:lnRef idx="2">
+              <a:schemeClr val="dk1">
+                <a:shade val="50000"/>
+              </a:schemeClr>
+            </a:lnRef>
+            <a:fillRef idx="1">
+              <a:schemeClr val="dk1"/>
+            </a:fillRef>
+            <a:effectRef idx="0">
+              <a:schemeClr val="dk1"/>
+            </a:effectRef>
+            <a:fontRef idx="minor">
+              <a:schemeClr val="lt1"/>
+            </a:fontRef>
+          </p:style>
+          <p:txBody>
+            <a:bodyPr wrap="square" rtlCol="0">
+              <a:spAutoFit/>
+            </a:bodyPr>
+            <a:lstStyle/>
+            <a:p>
+              <a:pPr algn="l"/>
+              <a:r>
+                <a:rPr lang="zh-CN" altLang="en-US" sz="1600" dirty="0">
+                  <a:effectLst/>
+                  <a:latin typeface="Microsoft YaHei Light" panose="020B0502040204020203" pitchFamily="34" charset="-122"/>
+                  <a:ea typeface="Microsoft YaHei Light" panose="020B0502040204020203" pitchFamily="34" charset="-122"/>
+                </a:rPr>
+                <a:t>该目录包含了</a:t>
+              </a:r>
+              <a:r>
+                <a:rPr lang="en-US" altLang="zh-CN" sz="1600" dirty="0">
+                  <a:effectLst/>
+                  <a:latin typeface="Microsoft YaHei Light" panose="020B0502040204020203" pitchFamily="34" charset="-122"/>
+                  <a:ea typeface="Microsoft YaHei Light" panose="020B0502040204020203" pitchFamily="34" charset="-122"/>
+                </a:rPr>
+                <a:t>python</a:t>
+              </a:r>
+              <a:r>
+                <a:rPr lang="zh-CN" altLang="en-US" sz="1600" dirty="0">
+                  <a:effectLst/>
+                  <a:latin typeface="Microsoft YaHei Light" panose="020B0502040204020203" pitchFamily="34" charset="-122"/>
+                  <a:ea typeface="Microsoft YaHei Light" panose="020B0502040204020203" pitchFamily="34" charset="-122"/>
+                </a:rPr>
+                <a:t>的所有内建对象，包括</a:t>
+              </a:r>
+              <a:r>
+                <a:rPr lang="en-US" altLang="zh-CN" sz="1600" dirty="0" err="1">
+                  <a:effectLst/>
+                  <a:latin typeface="Microsoft YaHei Light" panose="020B0502040204020203" pitchFamily="34" charset="-122"/>
+                  <a:ea typeface="Microsoft YaHei Light" panose="020B0502040204020203" pitchFamily="34" charset="-122"/>
+                </a:rPr>
+                <a:t>int,list,dict</a:t>
+              </a:r>
+              <a:r>
+                <a:rPr lang="zh-CN" altLang="en-US" sz="1600" dirty="0">
+                  <a:effectLst/>
+                  <a:latin typeface="Microsoft YaHei Light" panose="020B0502040204020203" pitchFamily="34" charset="-122"/>
+                  <a:ea typeface="Microsoft YaHei Light" panose="020B0502040204020203" pitchFamily="34" charset="-122"/>
+                </a:rPr>
+                <a:t>等，同时该目录还包括了</a:t>
+              </a:r>
+              <a:r>
+                <a:rPr lang="en-US" altLang="zh-CN" sz="1600" dirty="0">
+                  <a:effectLst/>
+                  <a:latin typeface="Microsoft YaHei Light" panose="020B0502040204020203" pitchFamily="34" charset="-122"/>
+                  <a:ea typeface="Microsoft YaHei Light" panose="020B0502040204020203" pitchFamily="34" charset="-122"/>
+                </a:rPr>
+                <a:t>python</a:t>
+              </a:r>
+              <a:r>
+                <a:rPr lang="zh-CN" altLang="en-US" sz="1600" dirty="0">
+                  <a:effectLst/>
+                  <a:latin typeface="Microsoft YaHei Light" panose="020B0502040204020203" pitchFamily="34" charset="-122"/>
+                  <a:ea typeface="Microsoft YaHei Light" panose="020B0502040204020203" pitchFamily="34" charset="-122"/>
+                </a:rPr>
+                <a:t>运行时需要的所有内部使用对象的实现</a:t>
+              </a:r>
+            </a:p>
+          </p:txBody>
+        </p:sp>
+        <p:sp>
+          <p:nvSpPr>
+            <p:cNvPr id="8" name="文本框 7">
+              <a:extLst>
+                <a:ext uri="{FF2B5EF4-FFF2-40B4-BE49-F238E27FC236}">
+                  <a16:creationId xmlns:a16="http://schemas.microsoft.com/office/drawing/2014/main" id="{E19E0873-5B37-4150-B537-BA36EA288D55}"/>
+                </a:ext>
+              </a:extLst>
+            </p:cNvPr>
+            <p:cNvSpPr txBox="1"/>
+            <p:nvPr/>
+          </p:nvSpPr>
+          <p:spPr>
+            <a:xfrm>
+              <a:off x="3479471" y="6063133"/>
+              <a:ext cx="6120000" cy="584775"/>
+            </a:xfrm>
+            <a:prstGeom prst="rect">
+              <a:avLst/>
+            </a:prstGeom>
+            <a:solidFill>
+              <a:srgbClr val="C00000"/>
+            </a:solidFill>
+            <a:ln>
+              <a:noFill/>
+            </a:ln>
+          </p:spPr>
+          <p:style>
+            <a:lnRef idx="0">
+              <a:scrgbClr r="0" g="0" b="0"/>
+            </a:lnRef>
+            <a:fillRef idx="0">
+              <a:scrgbClr r="0" g="0" b="0"/>
+            </a:fillRef>
+            <a:effectRef idx="0">
+              <a:scrgbClr r="0" g="0" b="0"/>
+            </a:effectRef>
+            <a:fontRef idx="minor">
+              <a:schemeClr val="lt1"/>
+            </a:fontRef>
+          </p:style>
+          <p:txBody>
+            <a:bodyPr wrap="square" rtlCol="0">
+              <a:spAutoFit/>
+            </a:bodyPr>
+            <a:lstStyle/>
+            <a:p>
+              <a:pPr algn="l"/>
+              <a:r>
+                <a:rPr lang="zh-CN" altLang="en-US" sz="1600" dirty="0">
+                  <a:effectLst/>
+                  <a:latin typeface="Microsoft YaHei Light" panose="020B0502040204020203" pitchFamily="34" charset="-122"/>
+                  <a:ea typeface="Microsoft YaHei Light" panose="020B0502040204020203" pitchFamily="34" charset="-122"/>
+                </a:rPr>
+                <a:t>该目录下包含了</a:t>
+              </a:r>
+              <a:r>
+                <a:rPr lang="en-US" altLang="zh-CN" sz="1600" dirty="0">
+                  <a:effectLst/>
+                  <a:latin typeface="Microsoft YaHei Light" panose="020B0502040204020203" pitchFamily="34" charset="-122"/>
+                  <a:ea typeface="Microsoft YaHei Light" panose="020B0502040204020203" pitchFamily="34" charset="-122"/>
+                </a:rPr>
+                <a:t>python</a:t>
+              </a:r>
+              <a:r>
+                <a:rPr lang="zh-CN" altLang="en-US" sz="1600" dirty="0">
+                  <a:effectLst/>
+                  <a:latin typeface="Microsoft YaHei Light" panose="020B0502040204020203" pitchFamily="34" charset="-122"/>
+                  <a:ea typeface="Microsoft YaHei Light" panose="020B0502040204020203" pitchFamily="34" charset="-122"/>
+                </a:rPr>
+                <a:t>解释器中的</a:t>
+              </a:r>
+              <a:r>
+                <a:rPr lang="en-US" altLang="zh-CN" sz="1600" dirty="0">
+                  <a:effectLst/>
+                  <a:latin typeface="Microsoft YaHei Light" panose="020B0502040204020203" pitchFamily="34" charset="-122"/>
+                  <a:ea typeface="Microsoft YaHei Light" panose="020B0502040204020203" pitchFamily="34" charset="-122"/>
+                </a:rPr>
+                <a:t>compiler</a:t>
+              </a:r>
+              <a:r>
+                <a:rPr lang="zh-CN" altLang="en-US" sz="1600" dirty="0">
+                  <a:effectLst/>
+                  <a:latin typeface="Microsoft YaHei Light" panose="020B0502040204020203" pitchFamily="34" charset="-122"/>
+                  <a:ea typeface="Microsoft YaHei Light" panose="020B0502040204020203" pitchFamily="34" charset="-122"/>
+                </a:rPr>
+                <a:t>和执行引擎部分，是</a:t>
+              </a:r>
+              <a:r>
+                <a:rPr lang="en-US" altLang="zh-CN" sz="1600" dirty="0">
+                  <a:effectLst/>
+                  <a:latin typeface="Microsoft YaHei Light" panose="020B0502040204020203" pitchFamily="34" charset="-122"/>
+                  <a:ea typeface="Microsoft YaHei Light" panose="020B0502040204020203" pitchFamily="34" charset="-122"/>
+                </a:rPr>
+                <a:t>python</a:t>
+              </a:r>
+              <a:r>
+                <a:rPr lang="zh-CN" altLang="en-US" sz="1600" dirty="0">
+                  <a:effectLst/>
+                  <a:latin typeface="Microsoft YaHei Light" panose="020B0502040204020203" pitchFamily="34" charset="-122"/>
+                  <a:ea typeface="Microsoft YaHei Light" panose="020B0502040204020203" pitchFamily="34" charset="-122"/>
+                </a:rPr>
+                <a:t>运行的核心</a:t>
+              </a:r>
+            </a:p>
+          </p:txBody>
+        </p:sp>
+        <p:sp>
+          <p:nvSpPr>
+            <p:cNvPr id="9" name="文本框 8">
+              <a:extLst>
+                <a:ext uri="{FF2B5EF4-FFF2-40B4-BE49-F238E27FC236}">
+                  <a16:creationId xmlns:a16="http://schemas.microsoft.com/office/drawing/2014/main" id="{AD544AC1-BE09-4BE4-9124-5B785AB9AC08}"/>
+                </a:ext>
+              </a:extLst>
+            </p:cNvPr>
+            <p:cNvSpPr txBox="1"/>
+            <p:nvPr/>
+          </p:nvSpPr>
+          <p:spPr>
+            <a:xfrm>
+              <a:off x="4415080" y="5234877"/>
+              <a:ext cx="6120000" cy="584775"/>
+            </a:xfrm>
+            <a:prstGeom prst="rect">
+              <a:avLst/>
+            </a:prstGeom>
+            <a:ln/>
+          </p:spPr>
+          <p:style>
+            <a:lnRef idx="2">
+              <a:schemeClr val="accent2"/>
+            </a:lnRef>
+            <a:fillRef idx="1">
+              <a:schemeClr val="lt1"/>
+            </a:fillRef>
+            <a:effectRef idx="0">
+              <a:schemeClr val="accent2"/>
+            </a:effectRef>
+            <a:fontRef idx="minor">
+              <a:schemeClr val="dk1"/>
+            </a:fontRef>
+          </p:style>
+          <p:txBody>
+            <a:bodyPr wrap="square" rtlCol="0">
+              <a:spAutoFit/>
+            </a:bodyPr>
+            <a:lstStyle/>
+            <a:p>
+              <a:pPr algn="l"/>
+              <a:r>
+                <a:rPr lang="zh-CN" altLang="en-US" sz="1600" dirty="0">
+                  <a:latin typeface="Microsoft YaHei Light" panose="020B0502040204020203" pitchFamily="34" charset="-122"/>
+                  <a:ea typeface="Microsoft YaHei Light" panose="020B0502040204020203" pitchFamily="34" charset="-122"/>
+                </a:rPr>
+                <a:t>包含了</a:t>
+              </a:r>
+              <a:r>
+                <a:rPr lang="en-US" altLang="zh-CN" sz="1600" dirty="0">
+                  <a:latin typeface="Microsoft YaHei Light" panose="020B0502040204020203" pitchFamily="34" charset="-122"/>
+                  <a:ea typeface="Microsoft YaHei Light" panose="020B0502040204020203" pitchFamily="34" charset="-122"/>
+                </a:rPr>
+                <a:t>Visual Studio 2003</a:t>
+              </a:r>
+              <a:r>
+                <a:rPr lang="zh-CN" altLang="en-US" sz="1600" dirty="0">
+                  <a:latin typeface="Microsoft YaHei Light" panose="020B0502040204020203" pitchFamily="34" charset="-122"/>
+                  <a:ea typeface="Microsoft YaHei Light" panose="020B0502040204020203" pitchFamily="34" charset="-122"/>
+                </a:rPr>
+                <a:t>的工程文件，用来对</a:t>
+              </a:r>
+              <a:r>
+                <a:rPr lang="en-US" altLang="zh-CN" sz="1600" dirty="0">
+                  <a:latin typeface="Microsoft YaHei Light" panose="020B0502040204020203" pitchFamily="34" charset="-122"/>
+                  <a:ea typeface="Microsoft YaHei Light" panose="020B0502040204020203" pitchFamily="34" charset="-122"/>
+                </a:rPr>
+                <a:t>python</a:t>
+              </a:r>
+              <a:r>
+                <a:rPr lang="zh-CN" altLang="en-US" sz="1600" dirty="0">
+                  <a:latin typeface="Microsoft YaHei Light" panose="020B0502040204020203" pitchFamily="34" charset="-122"/>
+                  <a:ea typeface="Microsoft YaHei Light" panose="020B0502040204020203" pitchFamily="34" charset="-122"/>
+                </a:rPr>
+                <a:t>进行编译。研究</a:t>
+              </a:r>
+              <a:r>
+                <a:rPr lang="en-US" altLang="zh-CN" sz="1600" dirty="0">
+                  <a:latin typeface="Microsoft YaHei Light" panose="020B0502040204020203" pitchFamily="34" charset="-122"/>
+                  <a:ea typeface="Microsoft YaHei Light" panose="020B0502040204020203" pitchFamily="34" charset="-122"/>
+                </a:rPr>
+                <a:t>python</a:t>
+              </a:r>
+              <a:r>
+                <a:rPr lang="zh-CN" altLang="en-US" sz="1600" dirty="0">
+                  <a:latin typeface="Microsoft YaHei Light" panose="020B0502040204020203" pitchFamily="34" charset="-122"/>
+                  <a:ea typeface="Microsoft YaHei Light" panose="020B0502040204020203" pitchFamily="34" charset="-122"/>
+                </a:rPr>
+                <a:t>源码，从这里开始，</a:t>
+              </a:r>
+              <a:endParaRPr lang="zh-CN" altLang="en-US" sz="1600" dirty="0">
+                <a:effectLst/>
+                <a:latin typeface="Microsoft YaHei Light" panose="020B0502040204020203" pitchFamily="34" charset="-122"/>
+                <a:ea typeface="Microsoft YaHei Light" panose="020B0502040204020203" pitchFamily="34" charset="-122"/>
+              </a:endParaRPr>
+            </a:p>
+          </p:txBody>
+        </p:sp>
+        <p:cxnSp>
+          <p:nvCxnSpPr>
+            <p:cNvPr id="12" name="直接箭头连接符 11">
+              <a:extLst>
+                <a:ext uri="{FF2B5EF4-FFF2-40B4-BE49-F238E27FC236}">
+                  <a16:creationId xmlns:a16="http://schemas.microsoft.com/office/drawing/2014/main" id="{327F580B-8DB2-4357-B5DE-4A1CEAD4AB2D}"/>
+                </a:ext>
+              </a:extLst>
+            </p:cNvPr>
+            <p:cNvCxnSpPr>
+              <a:cxnSpLocks/>
+              <a:endCxn id="8" idx="1"/>
+            </p:cNvCxnSpPr>
+            <p:nvPr/>
+          </p:nvCxnSpPr>
+          <p:spPr>
+            <a:xfrm>
+              <a:off x="888206" y="3361105"/>
+              <a:ext cx="2591265" cy="2994416"/>
+            </a:xfrm>
+            <a:prstGeom prst="straightConnector1">
+              <a:avLst/>
+            </a:prstGeom>
+            <a:ln w="12700" cap="flat" cmpd="sng" algn="ctr">
+              <a:solidFill>
+                <a:schemeClr val="accent2"/>
+              </a:solidFill>
+              <a:prstDash val="dash"/>
+              <a:round/>
+              <a:headEnd type="none" w="med" len="med"/>
+              <a:tailEnd type="stealth" w="med" len="med"/>
+            </a:ln>
+          </p:spPr>
+          <p:style>
+            <a:lnRef idx="0">
+              <a:scrgbClr r="0" g="0" b="0"/>
+            </a:lnRef>
+            <a:fillRef idx="0">
+              <a:scrgbClr r="0" g="0" b="0"/>
+            </a:fillRef>
+            <a:effectRef idx="0">
+              <a:scrgbClr r="0" g="0" b="0"/>
+            </a:effectRef>
+            <a:fontRef idx="minor">
+              <a:schemeClr val="tx1"/>
+            </a:fontRef>
+          </p:style>
+        </p:cxnSp>
+        <p:cxnSp>
+          <p:nvCxnSpPr>
+            <p:cNvPr id="14" name="直接箭头连接符 13">
+              <a:extLst>
+                <a:ext uri="{FF2B5EF4-FFF2-40B4-BE49-F238E27FC236}">
+                  <a16:creationId xmlns:a16="http://schemas.microsoft.com/office/drawing/2014/main" id="{A6C8C1A5-1971-4A42-A988-8F9EB0973A34}"/>
+                </a:ext>
+              </a:extLst>
+            </p:cNvPr>
+            <p:cNvCxnSpPr>
+              <a:cxnSpLocks/>
+              <a:endCxn id="9" idx="1"/>
+            </p:cNvCxnSpPr>
+            <p:nvPr/>
+          </p:nvCxnSpPr>
+          <p:spPr>
+            <a:xfrm>
+              <a:off x="953311" y="3140002"/>
+              <a:ext cx="3461769" cy="2387263"/>
+            </a:xfrm>
+            <a:prstGeom prst="straightConnector1">
+              <a:avLst/>
+            </a:prstGeom>
+            <a:ln w="12700" cap="flat" cmpd="sng" algn="ctr">
+              <a:solidFill>
+                <a:schemeClr val="accent2"/>
+              </a:solidFill>
+              <a:prstDash val="dash"/>
+              <a:round/>
+              <a:headEnd type="none" w="med" len="med"/>
+              <a:tailEnd type="stealth" w="med" len="med"/>
+            </a:ln>
+          </p:spPr>
+          <p:style>
+            <a:lnRef idx="0">
+              <a:scrgbClr r="0" g="0" b="0"/>
+            </a:lnRef>
+            <a:fillRef idx="0">
+              <a:scrgbClr r="0" g="0" b="0"/>
+            </a:fillRef>
+            <a:effectRef idx="0">
+              <a:scrgbClr r="0" g="0" b="0"/>
+            </a:effectRef>
+            <a:fontRef idx="minor">
+              <a:schemeClr val="tx1"/>
+            </a:fontRef>
+          </p:style>
+        </p:cxnSp>
+        <p:cxnSp>
+          <p:nvCxnSpPr>
+            <p:cNvPr id="16" name="直接箭头连接符 15">
+              <a:extLst>
+                <a:ext uri="{FF2B5EF4-FFF2-40B4-BE49-F238E27FC236}">
+                  <a16:creationId xmlns:a16="http://schemas.microsoft.com/office/drawing/2014/main" id="{200C990A-1A12-4E37-8AEC-8A07CB4F31B1}"/>
+                </a:ext>
+              </a:extLst>
+            </p:cNvPr>
+            <p:cNvCxnSpPr>
+              <a:cxnSpLocks/>
+              <a:endCxn id="2" idx="1"/>
+            </p:cNvCxnSpPr>
+            <p:nvPr/>
+          </p:nvCxnSpPr>
+          <p:spPr>
+            <a:xfrm>
+              <a:off x="888206" y="2604134"/>
+              <a:ext cx="4592674" cy="1954937"/>
+            </a:xfrm>
+            <a:prstGeom prst="straightConnector1">
+              <a:avLst/>
+            </a:prstGeom>
+            <a:ln w="12700" cap="flat" cmpd="sng" algn="ctr">
+              <a:solidFill>
+                <a:schemeClr val="accent2"/>
+              </a:solidFill>
+              <a:prstDash val="dash"/>
+              <a:round/>
+              <a:headEnd type="none" w="med" len="med"/>
+              <a:tailEnd type="stealth" w="med" len="med"/>
+            </a:ln>
+          </p:spPr>
+          <p:style>
+            <a:lnRef idx="0">
+              <a:scrgbClr r="0" g="0" b="0"/>
+            </a:lnRef>
+            <a:fillRef idx="0">
+              <a:scrgbClr r="0" g="0" b="0"/>
+            </a:fillRef>
+            <a:effectRef idx="0">
+              <a:scrgbClr r="0" g="0" b="0"/>
+            </a:effectRef>
+            <a:fontRef idx="minor">
+              <a:schemeClr val="tx1"/>
+            </a:fontRef>
+          </p:style>
+        </p:cxnSp>
+        <p:cxnSp>
+          <p:nvCxnSpPr>
+            <p:cNvPr id="18" name="直接箭头连接符 17">
+              <a:extLst>
+                <a:ext uri="{FF2B5EF4-FFF2-40B4-BE49-F238E27FC236}">
+                  <a16:creationId xmlns:a16="http://schemas.microsoft.com/office/drawing/2014/main" id="{E360305A-BE7F-438A-A4D2-9FB53EFDC1C1}"/>
+                </a:ext>
+              </a:extLst>
+            </p:cNvPr>
+            <p:cNvCxnSpPr>
+              <a:cxnSpLocks/>
+              <a:endCxn id="7" idx="1"/>
+            </p:cNvCxnSpPr>
+            <p:nvPr/>
+          </p:nvCxnSpPr>
+          <p:spPr>
+            <a:xfrm>
+              <a:off x="953311" y="2399955"/>
+              <a:ext cx="5118689" cy="1117554"/>
+            </a:xfrm>
+            <a:prstGeom prst="straightConnector1">
+              <a:avLst/>
+            </a:prstGeom>
+            <a:ln w="12700" cap="flat" cmpd="sng" algn="ctr">
+              <a:solidFill>
+                <a:schemeClr val="accent2"/>
+              </a:solidFill>
+              <a:prstDash val="dash"/>
+              <a:round/>
+              <a:headEnd type="none" w="med" len="med"/>
+              <a:tailEnd type="stealth" w="med" len="med"/>
+            </a:ln>
+          </p:spPr>
+          <p:style>
+            <a:lnRef idx="0">
+              <a:scrgbClr r="0" g="0" b="0"/>
+            </a:lnRef>
+            <a:fillRef idx="0">
+              <a:scrgbClr r="0" g="0" b="0"/>
+            </a:fillRef>
+            <a:effectRef idx="0">
+              <a:scrgbClr r="0" g="0" b="0"/>
+            </a:effectRef>
+            <a:fontRef idx="minor">
+              <a:schemeClr val="tx1"/>
+            </a:fontRef>
+          </p:style>
+        </p:cxnSp>
+        <p:cxnSp>
+          <p:nvCxnSpPr>
+            <p:cNvPr id="20" name="直接箭头连接符 19">
+              <a:extLst>
+                <a:ext uri="{FF2B5EF4-FFF2-40B4-BE49-F238E27FC236}">
+                  <a16:creationId xmlns:a16="http://schemas.microsoft.com/office/drawing/2014/main" id="{0CFB61F0-B443-4C3E-A96B-9C2BE0094772}"/>
+                </a:ext>
+              </a:extLst>
+            </p:cNvPr>
+            <p:cNvCxnSpPr>
+              <a:cxnSpLocks/>
+              <a:endCxn id="5" idx="1"/>
+            </p:cNvCxnSpPr>
+            <p:nvPr/>
+          </p:nvCxnSpPr>
+          <p:spPr>
+            <a:xfrm>
+              <a:off x="1118681" y="2129963"/>
+              <a:ext cx="4953319" cy="285344"/>
+            </a:xfrm>
+            <a:prstGeom prst="straightConnector1">
+              <a:avLst/>
+            </a:prstGeom>
+            <a:ln w="12700" cap="flat" cmpd="sng" algn="ctr">
+              <a:solidFill>
+                <a:schemeClr val="accent2"/>
+              </a:solidFill>
+              <a:prstDash val="dash"/>
+              <a:round/>
+              <a:headEnd type="none" w="med" len="med"/>
+              <a:tailEnd type="stealth" w="med" len="med"/>
+            </a:ln>
+          </p:spPr>
+          <p:style>
+            <a:lnRef idx="0">
+              <a:scrgbClr r="0" g="0" b="0"/>
+            </a:lnRef>
+            <a:fillRef idx="0">
+              <a:scrgbClr r="0" g="0" b="0"/>
+            </a:fillRef>
+            <a:effectRef idx="0">
+              <a:scrgbClr r="0" g="0" b="0"/>
+            </a:effectRef>
+            <a:fontRef idx="minor">
+              <a:schemeClr val="tx1"/>
+            </a:fontRef>
+          </p:style>
+        </p:cxnSp>
+        <p:cxnSp>
+          <p:nvCxnSpPr>
+            <p:cNvPr id="22" name="直接箭头连接符 21">
+              <a:extLst>
+                <a:ext uri="{FF2B5EF4-FFF2-40B4-BE49-F238E27FC236}">
+                  <a16:creationId xmlns:a16="http://schemas.microsoft.com/office/drawing/2014/main" id="{4DB64CA8-518F-4486-BC62-5BEE6B906C03}"/>
+                </a:ext>
+              </a:extLst>
+            </p:cNvPr>
+            <p:cNvCxnSpPr>
+              <a:cxnSpLocks/>
+              <a:endCxn id="4" idx="1"/>
+            </p:cNvCxnSpPr>
+            <p:nvPr/>
+          </p:nvCxnSpPr>
+          <p:spPr>
+            <a:xfrm>
+              <a:off x="689531" y="1359663"/>
+              <a:ext cx="4211536" cy="94494"/>
+            </a:xfrm>
+            <a:prstGeom prst="straightConnector1">
+              <a:avLst/>
+            </a:prstGeom>
+            <a:ln w="12700" cap="flat" cmpd="sng" algn="ctr">
+              <a:solidFill>
+                <a:schemeClr val="accent2"/>
+              </a:solidFill>
+              <a:prstDash val="dash"/>
+              <a:round/>
+              <a:headEnd type="none" w="med" len="med"/>
+              <a:tailEnd type="stealth" w="med" len="med"/>
+            </a:ln>
+          </p:spPr>
+          <p:style>
+            <a:lnRef idx="0">
+              <a:scrgbClr r="0" g="0" b="0"/>
+            </a:lnRef>
+            <a:fillRef idx="0">
+              <a:scrgbClr r="0" g="0" b="0"/>
+            </a:fillRef>
+            <a:effectRef idx="0">
+              <a:scrgbClr r="0" g="0" b="0"/>
+            </a:effectRef>
+            <a:fontRef idx="minor">
+              <a:schemeClr val="tx1"/>
+            </a:fontRef>
+          </p:style>
+        </p:cxnSp>
+        <p:cxnSp>
+          <p:nvCxnSpPr>
+            <p:cNvPr id="24" name="直接箭头连接符 23">
+              <a:extLst>
+                <a:ext uri="{FF2B5EF4-FFF2-40B4-BE49-F238E27FC236}">
+                  <a16:creationId xmlns:a16="http://schemas.microsoft.com/office/drawing/2014/main" id="{B6243593-CA85-4838-8DDD-30740DC23BC7}"/>
+                </a:ext>
+              </a:extLst>
+            </p:cNvPr>
+            <p:cNvCxnSpPr>
+              <a:cxnSpLocks/>
+              <a:endCxn id="6" idx="1"/>
+            </p:cNvCxnSpPr>
+            <p:nvPr/>
+          </p:nvCxnSpPr>
+          <p:spPr>
+            <a:xfrm flipV="1">
+              <a:off x="953311" y="509271"/>
+              <a:ext cx="514611" cy="529922"/>
+            </a:xfrm>
+            <a:prstGeom prst="straightConnector1">
+              <a:avLst/>
+            </a:prstGeom>
+            <a:ln w="12700" cap="flat" cmpd="sng" algn="ctr">
+              <a:solidFill>
+                <a:schemeClr val="accent2"/>
+              </a:solidFill>
+              <a:prstDash val="dash"/>
+              <a:round/>
+              <a:headEnd type="none" w="med" len="med"/>
+              <a:tailEnd type="stealth" w="med" len="med"/>
+            </a:ln>
+          </p:spPr>
+          <p:style>
+            <a:lnRef idx="0">
+              <a:scrgbClr r="0" g="0" b="0"/>
+            </a:lnRef>
+            <a:fillRef idx="0">
+              <a:scrgbClr r="0" g="0" b="0"/>
+            </a:fillRef>
+            <a:effectRef idx="0">
+              <a:scrgbClr r="0" g="0" b="0"/>
+            </a:effectRef>
+            <a:fontRef idx="minor">
+              <a:schemeClr val="tx1"/>
+            </a:fontRef>
+          </p:style>
+        </p:cxnSp>
+      </p:grpSp>
     </p:spTree>
     <p:extLst>
       <p:ext uri="{BB962C8B-B14F-4D97-AF65-F5344CB8AC3E}">

--- a/test.pptx
+++ b/test.pptx
@@ -7,6 +7,7 @@
   <p:sldIdLst>
     <p:sldId id="256" r:id="rId2"/>
     <p:sldId id="257" r:id="rId3"/>
+    <p:sldId id="258" r:id="rId4"/>
   </p:sldIdLst>
   <p:sldSz cx="12192000" cy="6858000"/>
   <p:notesSz cx="6858000" cy="9144000"/>
@@ -244,7 +245,7 @@
           <a:p>
             <a:fld id="{59EED33E-E6DC-42D8-97CA-C62EDECD9A4F}" type="datetimeFigureOut">
               <a:rPr lang="zh-CN" altLang="en-US" smtClean="0"/>
-              <a:t>2020/12/9</a:t>
+              <a:t>2020/12/21</a:t>
             </a:fld>
             <a:endParaRPr lang="zh-CN" altLang="en-US"/>
           </a:p>
@@ -414,7 +415,7 @@
           <a:p>
             <a:fld id="{59EED33E-E6DC-42D8-97CA-C62EDECD9A4F}" type="datetimeFigureOut">
               <a:rPr lang="zh-CN" altLang="en-US" smtClean="0"/>
-              <a:t>2020/12/9</a:t>
+              <a:t>2020/12/21</a:t>
             </a:fld>
             <a:endParaRPr lang="zh-CN" altLang="en-US"/>
           </a:p>
@@ -594,7 +595,7 @@
           <a:p>
             <a:fld id="{59EED33E-E6DC-42D8-97CA-C62EDECD9A4F}" type="datetimeFigureOut">
               <a:rPr lang="zh-CN" altLang="en-US" smtClean="0"/>
-              <a:t>2020/12/9</a:t>
+              <a:t>2020/12/21</a:t>
             </a:fld>
             <a:endParaRPr lang="zh-CN" altLang="en-US"/>
           </a:p>
@@ -764,7 +765,7 @@
           <a:p>
             <a:fld id="{59EED33E-E6DC-42D8-97CA-C62EDECD9A4F}" type="datetimeFigureOut">
               <a:rPr lang="zh-CN" altLang="en-US" smtClean="0"/>
-              <a:t>2020/12/9</a:t>
+              <a:t>2020/12/21</a:t>
             </a:fld>
             <a:endParaRPr lang="zh-CN" altLang="en-US"/>
           </a:p>
@@ -1010,7 +1011,7 @@
           <a:p>
             <a:fld id="{59EED33E-E6DC-42D8-97CA-C62EDECD9A4F}" type="datetimeFigureOut">
               <a:rPr lang="zh-CN" altLang="en-US" smtClean="0"/>
-              <a:t>2020/12/9</a:t>
+              <a:t>2020/12/21</a:t>
             </a:fld>
             <a:endParaRPr lang="zh-CN" altLang="en-US"/>
           </a:p>
@@ -1242,7 +1243,7 @@
           <a:p>
             <a:fld id="{59EED33E-E6DC-42D8-97CA-C62EDECD9A4F}" type="datetimeFigureOut">
               <a:rPr lang="zh-CN" altLang="en-US" smtClean="0"/>
-              <a:t>2020/12/9</a:t>
+              <a:t>2020/12/21</a:t>
             </a:fld>
             <a:endParaRPr lang="zh-CN" altLang="en-US"/>
           </a:p>
@@ -1609,7 +1610,7 @@
           <a:p>
             <a:fld id="{59EED33E-E6DC-42D8-97CA-C62EDECD9A4F}" type="datetimeFigureOut">
               <a:rPr lang="zh-CN" altLang="en-US" smtClean="0"/>
-              <a:t>2020/12/9</a:t>
+              <a:t>2020/12/21</a:t>
             </a:fld>
             <a:endParaRPr lang="zh-CN" altLang="en-US"/>
           </a:p>
@@ -1727,7 +1728,7 @@
           <a:p>
             <a:fld id="{59EED33E-E6DC-42D8-97CA-C62EDECD9A4F}" type="datetimeFigureOut">
               <a:rPr lang="zh-CN" altLang="en-US" smtClean="0"/>
-              <a:t>2020/12/9</a:t>
+              <a:t>2020/12/21</a:t>
             </a:fld>
             <a:endParaRPr lang="zh-CN" altLang="en-US"/>
           </a:p>
@@ -1822,7 +1823,7 @@
           <a:p>
             <a:fld id="{59EED33E-E6DC-42D8-97CA-C62EDECD9A4F}" type="datetimeFigureOut">
               <a:rPr lang="zh-CN" altLang="en-US" smtClean="0"/>
-              <a:t>2020/12/9</a:t>
+              <a:t>2020/12/21</a:t>
             </a:fld>
             <a:endParaRPr lang="zh-CN" altLang="en-US"/>
           </a:p>
@@ -2099,7 +2100,7 @@
           <a:p>
             <a:fld id="{59EED33E-E6DC-42D8-97CA-C62EDECD9A4F}" type="datetimeFigureOut">
               <a:rPr lang="zh-CN" altLang="en-US" smtClean="0"/>
-              <a:t>2020/12/9</a:t>
+              <a:t>2020/12/21</a:t>
             </a:fld>
             <a:endParaRPr lang="zh-CN" altLang="en-US"/>
           </a:p>
@@ -2352,7 +2353,7 @@
           <a:p>
             <a:fld id="{59EED33E-E6DC-42D8-97CA-C62EDECD9A4F}" type="datetimeFigureOut">
               <a:rPr lang="zh-CN" altLang="en-US" smtClean="0"/>
-              <a:t>2020/12/9</a:t>
+              <a:t>2020/12/21</a:t>
             </a:fld>
             <a:endParaRPr lang="zh-CN" altLang="en-US"/>
           </a:p>
@@ -2565,7 +2566,7 @@
           <a:p>
             <a:fld id="{59EED33E-E6DC-42D8-97CA-C62EDECD9A4F}" type="datetimeFigureOut">
               <a:rPr lang="zh-CN" altLang="en-US" smtClean="0"/>
-              <a:t>2020/12/9</a:t>
+              <a:t>2020/12/21</a:t>
             </a:fld>
             <a:endParaRPr lang="zh-CN" altLang="en-US"/>
           </a:p>
@@ -4649,6 +4650,994 @@
 </p:sld>
 </file>
 
+<file path=ppt/slides/slide3.xml><?xml version="1.0" encoding="utf-8"?>
+<p:sld xmlns:a="http://schemas.openxmlformats.org/drawingml/2006/main" xmlns:r="http://schemas.openxmlformats.org/officeDocument/2006/relationships" xmlns:p="http://schemas.openxmlformats.org/presentationml/2006/main">
+  <p:cSld>
+    <p:spTree>
+      <p:nvGrpSpPr>
+        <p:cNvPr id="1" name=""/>
+        <p:cNvGrpSpPr/>
+        <p:nvPr/>
+      </p:nvGrpSpPr>
+      <p:grpSpPr>
+        <a:xfrm>
+          <a:off x="0" y="0"/>
+          <a:ext cx="0" cy="0"/>
+          <a:chOff x="0" y="0"/>
+          <a:chExt cx="0" cy="0"/>
+        </a:xfrm>
+      </p:grpSpPr>
+      <p:graphicFrame>
+        <p:nvGraphicFramePr>
+          <p:cNvPr id="7" name="表格 6"/>
+          <p:cNvGraphicFramePr>
+            <a:graphicFrameLocks noGrp="1"/>
+          </p:cNvGraphicFramePr>
+          <p:nvPr>
+            <p:extLst>
+              <p:ext uri="{D42A27DB-BD31-4B8C-83A1-F6EECF244321}">
+                <p14:modId xmlns:p14="http://schemas.microsoft.com/office/powerpoint/2010/main" val="998445280"/>
+              </p:ext>
+            </p:extLst>
+          </p:nvPr>
+        </p:nvGraphicFramePr>
+        <p:xfrm>
+          <a:off x="1993900" y="1719791"/>
+          <a:ext cx="1444626" cy="1112520"/>
+        </p:xfrm>
+        <a:graphic>
+          <a:graphicData uri="http://schemas.openxmlformats.org/drawingml/2006/table">
+            <a:tbl>
+              <a:tblPr firstRow="1" bandRow="1">
+                <a:tableStyleId>{5940675A-B579-460E-94D1-54222C63F5DA}</a:tableStyleId>
+              </a:tblPr>
+              <a:tblGrid>
+                <a:gridCol w="1444626">
+                  <a:extLst>
+                    <a:ext uri="{9D8B030D-6E8A-4147-A177-3AD203B41FA5}">
+                      <a16:colId xmlns:a16="http://schemas.microsoft.com/office/drawing/2014/main" val="4172026622"/>
+                    </a:ext>
+                  </a:extLst>
+                </a:gridCol>
+              </a:tblGrid>
+              <a:tr h="370840">
+                <a:tc>
+                  <a:txBody>
+                    <a:bodyPr/>
+                    <a:lstStyle/>
+                    <a:p>
+                      <a:pPr algn="ctr"/>
+                      <a:r>
+                        <a:rPr lang="en-US" altLang="zh-CN" dirty="0" smtClean="0"/>
+                        <a:t>ob_refcnt</a:t>
+                      </a:r>
+                      <a:endParaRPr lang="zh-CN" altLang="en-US" dirty="0"/>
+                    </a:p>
+                  </a:txBody>
+                  <a:tcPr>
+                    <a:solidFill>
+                      <a:schemeClr val="accent6"/>
+                    </a:solidFill>
+                  </a:tcPr>
+                </a:tc>
+                <a:extLst>
+                  <a:ext uri="{0D108BD9-81ED-4DB2-BD59-A6C34878D82A}">
+                    <a16:rowId xmlns:a16="http://schemas.microsoft.com/office/drawing/2014/main" val="2844735677"/>
+                  </a:ext>
+                </a:extLst>
+              </a:tr>
+              <a:tr h="370840">
+                <a:tc>
+                  <a:txBody>
+                    <a:bodyPr/>
+                    <a:lstStyle/>
+                    <a:p>
+                      <a:pPr algn="ctr"/>
+                      <a:r>
+                        <a:rPr lang="en-US" altLang="zh-CN" dirty="0" smtClean="0"/>
+                        <a:t>ob_type</a:t>
+                      </a:r>
+                      <a:endParaRPr lang="zh-CN" altLang="en-US" dirty="0"/>
+                    </a:p>
+                  </a:txBody>
+                  <a:tcPr>
+                    <a:solidFill>
+                      <a:schemeClr val="accent6"/>
+                    </a:solidFill>
+                  </a:tcPr>
+                </a:tc>
+                <a:extLst>
+                  <a:ext uri="{0D108BD9-81ED-4DB2-BD59-A6C34878D82A}">
+                    <a16:rowId xmlns:a16="http://schemas.microsoft.com/office/drawing/2014/main" val="3384457252"/>
+                  </a:ext>
+                </a:extLst>
+              </a:tr>
+              <a:tr h="370840">
+                <a:tc>
+                  <a:txBody>
+                    <a:bodyPr/>
+                    <a:lstStyle/>
+                    <a:p>
+                      <a:pPr algn="ctr"/>
+                      <a:r>
+                        <a:rPr lang="en-US" altLang="zh-CN" dirty="0" smtClean="0"/>
+                        <a:t>ob_ival</a:t>
+                      </a:r>
+                      <a:endParaRPr lang="zh-CN" altLang="en-US" dirty="0"/>
+                    </a:p>
+                  </a:txBody>
+                  <a:tcPr/>
+                </a:tc>
+                <a:extLst>
+                  <a:ext uri="{0D108BD9-81ED-4DB2-BD59-A6C34878D82A}">
+                    <a16:rowId xmlns:a16="http://schemas.microsoft.com/office/drawing/2014/main" val="3459694605"/>
+                  </a:ext>
+                </a:extLst>
+              </a:tr>
+            </a:tbl>
+          </a:graphicData>
+        </a:graphic>
+      </p:graphicFrame>
+      <p:graphicFrame>
+        <p:nvGraphicFramePr>
+          <p:cNvPr id="8" name="表格 7"/>
+          <p:cNvGraphicFramePr>
+            <a:graphicFrameLocks noGrp="1"/>
+          </p:cNvGraphicFramePr>
+          <p:nvPr>
+            <p:extLst>
+              <p:ext uri="{D42A27DB-BD31-4B8C-83A1-F6EECF244321}">
+                <p14:modId xmlns:p14="http://schemas.microsoft.com/office/powerpoint/2010/main" val="4032989023"/>
+              </p:ext>
+            </p:extLst>
+          </p:nvPr>
+        </p:nvGraphicFramePr>
+        <p:xfrm>
+          <a:off x="4051299" y="1719791"/>
+          <a:ext cx="1444626" cy="2560744"/>
+        </p:xfrm>
+        <a:graphic>
+          <a:graphicData uri="http://schemas.openxmlformats.org/drawingml/2006/table">
+            <a:tbl>
+              <a:tblPr firstRow="1" bandRow="1">
+                <a:tableStyleId>{5940675A-B579-460E-94D1-54222C63F5DA}</a:tableStyleId>
+              </a:tblPr>
+              <a:tblGrid>
+                <a:gridCol w="1444626">
+                  <a:extLst>
+                    <a:ext uri="{9D8B030D-6E8A-4147-A177-3AD203B41FA5}">
+                      <a16:colId xmlns:a16="http://schemas.microsoft.com/office/drawing/2014/main" val="4172026622"/>
+                    </a:ext>
+                  </a:extLst>
+                </a:gridCol>
+              </a:tblGrid>
+              <a:tr h="366184">
+                <a:tc>
+                  <a:txBody>
+                    <a:bodyPr/>
+                    <a:lstStyle/>
+                    <a:p>
+                      <a:pPr algn="ctr"/>
+                      <a:r>
+                        <a:rPr lang="en-US" altLang="zh-CN" dirty="0" smtClean="0"/>
+                        <a:t>ob_refcnt</a:t>
+                      </a:r>
+                      <a:endParaRPr lang="zh-CN" altLang="en-US" dirty="0"/>
+                    </a:p>
+                  </a:txBody>
+                  <a:tcPr>
+                    <a:solidFill>
+                      <a:schemeClr val="accent6"/>
+                    </a:solidFill>
+                  </a:tcPr>
+                </a:tc>
+                <a:extLst>
+                  <a:ext uri="{0D108BD9-81ED-4DB2-BD59-A6C34878D82A}">
+                    <a16:rowId xmlns:a16="http://schemas.microsoft.com/office/drawing/2014/main" val="2844735677"/>
+                  </a:ext>
+                </a:extLst>
+              </a:tr>
+              <a:tr h="352425">
+                <a:tc>
+                  <a:txBody>
+                    <a:bodyPr/>
+                    <a:lstStyle/>
+                    <a:p>
+                      <a:pPr algn="ctr"/>
+                      <a:r>
+                        <a:rPr lang="en-US" altLang="zh-CN" dirty="0" smtClean="0"/>
+                        <a:t>ob_type</a:t>
+                      </a:r>
+                      <a:endParaRPr lang="zh-CN" altLang="en-US" dirty="0"/>
+                    </a:p>
+                  </a:txBody>
+                  <a:tcPr>
+                    <a:solidFill>
+                      <a:schemeClr val="accent6"/>
+                    </a:solidFill>
+                  </a:tcPr>
+                </a:tc>
+                <a:extLst>
+                  <a:ext uri="{0D108BD9-81ED-4DB2-BD59-A6C34878D82A}">
+                    <a16:rowId xmlns:a16="http://schemas.microsoft.com/office/drawing/2014/main" val="3384457252"/>
+                  </a:ext>
+                </a:extLst>
+              </a:tr>
+              <a:tr h="358140">
+                <a:tc>
+                  <a:txBody>
+                    <a:bodyPr/>
+                    <a:lstStyle/>
+                    <a:p>
+                      <a:pPr algn="ctr"/>
+                      <a:r>
+                        <a:rPr lang="en-US" altLang="zh-CN" dirty="0" err="1" smtClean="0"/>
+                        <a:t>ob_size</a:t>
+                      </a:r>
+                      <a:endParaRPr lang="zh-CN" altLang="en-US" dirty="0"/>
+                    </a:p>
+                  </a:txBody>
+                  <a:tcPr>
+                    <a:solidFill>
+                      <a:schemeClr val="accent1">
+                        <a:lumMod val="60000"/>
+                        <a:lumOff val="40000"/>
+                      </a:schemeClr>
+                    </a:solidFill>
+                  </a:tcPr>
+                </a:tc>
+                <a:extLst>
+                  <a:ext uri="{0D108BD9-81ED-4DB2-BD59-A6C34878D82A}">
+                    <a16:rowId xmlns:a16="http://schemas.microsoft.com/office/drawing/2014/main" val="3459694605"/>
+                  </a:ext>
+                </a:extLst>
+              </a:tr>
+              <a:tr h="1206364">
+                <a:tc>
+                  <a:txBody>
+                    <a:bodyPr/>
+                    <a:lstStyle/>
+                    <a:p>
+                      <a:pPr algn="ctr"/>
+                      <a:endParaRPr lang="en-US" altLang="zh-CN" dirty="0" smtClean="0"/>
+                    </a:p>
+                    <a:p>
+                      <a:pPr algn="ctr"/>
+                      <a:endParaRPr lang="en-US" altLang="zh-CN" dirty="0" smtClean="0"/>
+                    </a:p>
+                    <a:p>
+                      <a:pPr algn="ctr"/>
+                      <a:endParaRPr lang="en-US" altLang="zh-CN" dirty="0" smtClean="0"/>
+                    </a:p>
+                    <a:p>
+                      <a:pPr algn="ctr"/>
+                      <a:endParaRPr lang="en-US" altLang="zh-CN" dirty="0" smtClean="0"/>
+                    </a:p>
+                    <a:p>
+                      <a:pPr algn="ctr"/>
+                      <a:endParaRPr lang="zh-CN" altLang="en-US" dirty="0"/>
+                    </a:p>
+                  </a:txBody>
+                  <a:tcPr/>
+                </a:tc>
+                <a:extLst>
+                  <a:ext uri="{0D108BD9-81ED-4DB2-BD59-A6C34878D82A}">
+                    <a16:rowId xmlns:a16="http://schemas.microsoft.com/office/drawing/2014/main" val="3044180956"/>
+                  </a:ext>
+                </a:extLst>
+              </a:tr>
+            </a:tbl>
+          </a:graphicData>
+        </a:graphic>
+      </p:graphicFrame>
+      <p:graphicFrame>
+        <p:nvGraphicFramePr>
+          <p:cNvPr id="9" name="表格 8"/>
+          <p:cNvGraphicFramePr>
+            <a:graphicFrameLocks noGrp="1"/>
+          </p:cNvGraphicFramePr>
+          <p:nvPr>
+            <p:extLst>
+              <p:ext uri="{D42A27DB-BD31-4B8C-83A1-F6EECF244321}">
+                <p14:modId xmlns:p14="http://schemas.microsoft.com/office/powerpoint/2010/main" val="1596585432"/>
+              </p:ext>
+            </p:extLst>
+          </p:nvPr>
+        </p:nvGraphicFramePr>
+        <p:xfrm>
+          <a:off x="7194551" y="1719791"/>
+          <a:ext cx="1444626" cy="2026920"/>
+        </p:xfrm>
+        <a:graphic>
+          <a:graphicData uri="http://schemas.openxmlformats.org/drawingml/2006/table">
+            <a:tbl>
+              <a:tblPr firstRow="1" bandRow="1">
+                <a:tableStyleId>{5940675A-B579-460E-94D1-54222C63F5DA}</a:tableStyleId>
+              </a:tblPr>
+              <a:tblGrid>
+                <a:gridCol w="1444626">
+                  <a:extLst>
+                    <a:ext uri="{9D8B030D-6E8A-4147-A177-3AD203B41FA5}">
+                      <a16:colId xmlns:a16="http://schemas.microsoft.com/office/drawing/2014/main" val="4172026622"/>
+                    </a:ext>
+                  </a:extLst>
+                </a:gridCol>
+              </a:tblGrid>
+              <a:tr h="370840">
+                <a:tc>
+                  <a:txBody>
+                    <a:bodyPr/>
+                    <a:lstStyle/>
+                    <a:p>
+                      <a:pPr algn="ctr"/>
+                      <a:r>
+                        <a:rPr lang="en-US" altLang="zh-CN" dirty="0" smtClean="0"/>
+                        <a:t>ob_refcnt</a:t>
+                      </a:r>
+                      <a:endParaRPr lang="zh-CN" altLang="en-US" dirty="0"/>
+                    </a:p>
+                  </a:txBody>
+                  <a:tcPr>
+                    <a:solidFill>
+                      <a:schemeClr val="accent6"/>
+                    </a:solidFill>
+                  </a:tcPr>
+                </a:tc>
+                <a:extLst>
+                  <a:ext uri="{0D108BD9-81ED-4DB2-BD59-A6C34878D82A}">
+                    <a16:rowId xmlns:a16="http://schemas.microsoft.com/office/drawing/2014/main" val="2844735677"/>
+                  </a:ext>
+                </a:extLst>
+              </a:tr>
+              <a:tr h="370840">
+                <a:tc>
+                  <a:txBody>
+                    <a:bodyPr/>
+                    <a:lstStyle/>
+                    <a:p>
+                      <a:pPr algn="ctr"/>
+                      <a:r>
+                        <a:rPr lang="en-US" altLang="zh-CN" dirty="0" smtClean="0"/>
+                        <a:t>ob_type</a:t>
+                      </a:r>
+                      <a:endParaRPr lang="zh-CN" altLang="en-US" dirty="0"/>
+                    </a:p>
+                  </a:txBody>
+                  <a:tcPr>
+                    <a:solidFill>
+                      <a:schemeClr val="accent6"/>
+                    </a:solidFill>
+                  </a:tcPr>
+                </a:tc>
+                <a:extLst>
+                  <a:ext uri="{0D108BD9-81ED-4DB2-BD59-A6C34878D82A}">
+                    <a16:rowId xmlns:a16="http://schemas.microsoft.com/office/drawing/2014/main" val="3384457252"/>
+                  </a:ext>
+                </a:extLst>
+              </a:tr>
+              <a:tr h="370840">
+                <a:tc>
+                  <a:txBody>
+                    <a:bodyPr/>
+                    <a:lstStyle/>
+                    <a:p>
+                      <a:pPr algn="ctr"/>
+                      <a:r>
+                        <a:rPr lang="en-US" altLang="zh-CN" dirty="0" err="1" smtClean="0"/>
+                        <a:t>ob_size</a:t>
+                      </a:r>
+                      <a:endParaRPr lang="zh-CN" altLang="en-US" dirty="0"/>
+                    </a:p>
+                  </a:txBody>
+                  <a:tcPr>
+                    <a:solidFill>
+                      <a:schemeClr val="accent1">
+                        <a:lumMod val="60000"/>
+                        <a:lumOff val="40000"/>
+                      </a:schemeClr>
+                    </a:solidFill>
+                  </a:tcPr>
+                </a:tc>
+                <a:extLst>
+                  <a:ext uri="{0D108BD9-81ED-4DB2-BD59-A6C34878D82A}">
+                    <a16:rowId xmlns:a16="http://schemas.microsoft.com/office/drawing/2014/main" val="3459694605"/>
+                  </a:ext>
+                </a:extLst>
+              </a:tr>
+              <a:tr h="370840">
+                <a:tc>
+                  <a:txBody>
+                    <a:bodyPr/>
+                    <a:lstStyle/>
+                    <a:p>
+                      <a:pPr algn="ctr"/>
+                      <a:endParaRPr lang="en-US" altLang="zh-CN" dirty="0" smtClean="0"/>
+                    </a:p>
+                    <a:p>
+                      <a:pPr algn="ctr"/>
+                      <a:endParaRPr lang="en-US" altLang="zh-CN" dirty="0" smtClean="0"/>
+                    </a:p>
+                    <a:p>
+                      <a:pPr algn="ctr"/>
+                      <a:endParaRPr lang="en-US" altLang="zh-CN" dirty="0" smtClean="0"/>
+                    </a:p>
+                  </a:txBody>
+                  <a:tcPr/>
+                </a:tc>
+                <a:extLst>
+                  <a:ext uri="{0D108BD9-81ED-4DB2-BD59-A6C34878D82A}">
+                    <a16:rowId xmlns:a16="http://schemas.microsoft.com/office/drawing/2014/main" val="3044180956"/>
+                  </a:ext>
+                </a:extLst>
+              </a:tr>
+            </a:tbl>
+          </a:graphicData>
+        </a:graphic>
+      </p:graphicFrame>
+      <p:graphicFrame>
+        <p:nvGraphicFramePr>
+          <p:cNvPr id="10" name="表格 9"/>
+          <p:cNvGraphicFramePr>
+            <a:graphicFrameLocks noGrp="1"/>
+          </p:cNvGraphicFramePr>
+          <p:nvPr>
+            <p:extLst>
+              <p:ext uri="{D42A27DB-BD31-4B8C-83A1-F6EECF244321}">
+                <p14:modId xmlns:p14="http://schemas.microsoft.com/office/powerpoint/2010/main" val="990142827"/>
+              </p:ext>
+            </p:extLst>
+          </p:nvPr>
+        </p:nvGraphicFramePr>
+        <p:xfrm>
+          <a:off x="9337675" y="1719791"/>
+          <a:ext cx="1444626" cy="1381760"/>
+        </p:xfrm>
+        <a:graphic>
+          <a:graphicData uri="http://schemas.openxmlformats.org/drawingml/2006/table">
+            <a:tbl>
+              <a:tblPr firstRow="1" bandRow="1">
+                <a:tableStyleId>{5940675A-B579-460E-94D1-54222C63F5DA}</a:tableStyleId>
+              </a:tblPr>
+              <a:tblGrid>
+                <a:gridCol w="1444626">
+                  <a:extLst>
+                    <a:ext uri="{9D8B030D-6E8A-4147-A177-3AD203B41FA5}">
+                      <a16:colId xmlns:a16="http://schemas.microsoft.com/office/drawing/2014/main" val="4172026622"/>
+                    </a:ext>
+                  </a:extLst>
+                </a:gridCol>
+              </a:tblGrid>
+              <a:tr h="370840">
+                <a:tc>
+                  <a:txBody>
+                    <a:bodyPr/>
+                    <a:lstStyle/>
+                    <a:p>
+                      <a:pPr algn="ctr"/>
+                      <a:r>
+                        <a:rPr lang="en-US" altLang="zh-CN" dirty="0" smtClean="0"/>
+                        <a:t>ob_refcnt</a:t>
+                      </a:r>
+                      <a:endParaRPr lang="zh-CN" altLang="en-US" dirty="0"/>
+                    </a:p>
+                  </a:txBody>
+                  <a:tcPr>
+                    <a:solidFill>
+                      <a:schemeClr val="accent6"/>
+                    </a:solidFill>
+                  </a:tcPr>
+                </a:tc>
+                <a:extLst>
+                  <a:ext uri="{0D108BD9-81ED-4DB2-BD59-A6C34878D82A}">
+                    <a16:rowId xmlns:a16="http://schemas.microsoft.com/office/drawing/2014/main" val="2844735677"/>
+                  </a:ext>
+                </a:extLst>
+              </a:tr>
+              <a:tr h="370840">
+                <a:tc>
+                  <a:txBody>
+                    <a:bodyPr/>
+                    <a:lstStyle/>
+                    <a:p>
+                      <a:pPr algn="ctr"/>
+                      <a:r>
+                        <a:rPr lang="en-US" altLang="zh-CN" dirty="0" smtClean="0"/>
+                        <a:t>ob_type</a:t>
+                      </a:r>
+                      <a:endParaRPr lang="zh-CN" altLang="en-US" dirty="0"/>
+                    </a:p>
+                  </a:txBody>
+                  <a:tcPr>
+                    <a:solidFill>
+                      <a:schemeClr val="accent6"/>
+                    </a:solidFill>
+                  </a:tcPr>
+                </a:tc>
+                <a:extLst>
+                  <a:ext uri="{0D108BD9-81ED-4DB2-BD59-A6C34878D82A}">
+                    <a16:rowId xmlns:a16="http://schemas.microsoft.com/office/drawing/2014/main" val="3384457252"/>
+                  </a:ext>
+                </a:extLst>
+              </a:tr>
+              <a:tr h="370840">
+                <a:tc>
+                  <a:txBody>
+                    <a:bodyPr/>
+                    <a:lstStyle/>
+                    <a:p>
+                      <a:pPr algn="ctr"/>
+                      <a:endParaRPr lang="en-US" altLang="zh-CN" dirty="0" smtClean="0"/>
+                    </a:p>
+                    <a:p>
+                      <a:pPr algn="ctr"/>
+                      <a:endParaRPr lang="zh-CN" altLang="en-US" dirty="0"/>
+                    </a:p>
+                  </a:txBody>
+                  <a:tcPr/>
+                </a:tc>
+                <a:extLst>
+                  <a:ext uri="{0D108BD9-81ED-4DB2-BD59-A6C34878D82A}">
+                    <a16:rowId xmlns:a16="http://schemas.microsoft.com/office/drawing/2014/main" val="3044180956"/>
+                  </a:ext>
+                </a:extLst>
+              </a:tr>
+            </a:tbl>
+          </a:graphicData>
+        </a:graphic>
+      </p:graphicFrame>
+      <p:sp>
+        <p:nvSpPr>
+          <p:cNvPr id="11" name="文本框 10"/>
+          <p:cNvSpPr txBox="1"/>
+          <p:nvPr/>
+        </p:nvSpPr>
+        <p:spPr>
+          <a:xfrm>
+            <a:off x="5702301" y="1942428"/>
+            <a:ext cx="1270000" cy="707886"/>
+          </a:xfrm>
+          <a:prstGeom prst="rect">
+            <a:avLst/>
+          </a:prstGeom>
+          <a:noFill/>
+        </p:spPr>
+        <p:txBody>
+          <a:bodyPr wrap="square" rtlCol="0">
+            <a:spAutoFit/>
+          </a:bodyPr>
+          <a:lstStyle/>
+          <a:p>
+            <a:pPr algn="ctr"/>
+            <a:r>
+              <a:rPr lang="en-US" altLang="zh-CN" sz="4000" dirty="0">
+                <a:latin typeface="Times New Roman" panose="02020603050405020304" pitchFamily="18" charset="0"/>
+                <a:cs typeface="Times New Roman" panose="02020603050405020304" pitchFamily="18" charset="0"/>
+              </a:rPr>
+              <a:t>……</a:t>
+            </a:r>
+            <a:endParaRPr lang="zh-CN" altLang="en-US" sz="4000" dirty="0">
+              <a:latin typeface="Times New Roman" panose="02020603050405020304" pitchFamily="18" charset="0"/>
+              <a:cs typeface="Times New Roman" panose="02020603050405020304" pitchFamily="18" charset="0"/>
+            </a:endParaRPr>
+          </a:p>
+        </p:txBody>
+      </p:sp>
+      <p:sp>
+        <p:nvSpPr>
+          <p:cNvPr id="12" name="文本框 11"/>
+          <p:cNvSpPr txBox="1"/>
+          <p:nvPr/>
+        </p:nvSpPr>
+        <p:spPr>
+          <a:xfrm>
+            <a:off x="4321174" y="1314450"/>
+            <a:ext cx="904875" cy="369332"/>
+          </a:xfrm>
+          <a:prstGeom prst="rect">
+            <a:avLst/>
+          </a:prstGeom>
+          <a:noFill/>
+        </p:spPr>
+        <p:txBody>
+          <a:bodyPr wrap="square" rtlCol="0">
+            <a:spAutoFit/>
+          </a:bodyPr>
+          <a:lstStyle/>
+          <a:p>
+            <a:pPr algn="ctr"/>
+            <a:r>
+              <a:rPr lang="en-US" altLang="zh-CN" dirty="0" smtClean="0">
+                <a:latin typeface="Times New Roman" panose="02020603050405020304" pitchFamily="18" charset="0"/>
+                <a:cs typeface="Times New Roman" panose="02020603050405020304" pitchFamily="18" charset="0"/>
+              </a:rPr>
+              <a:t>string</a:t>
+            </a:r>
+            <a:endParaRPr lang="zh-CN" altLang="en-US" dirty="0">
+              <a:latin typeface="Times New Roman" panose="02020603050405020304" pitchFamily="18" charset="0"/>
+              <a:cs typeface="Times New Roman" panose="02020603050405020304" pitchFamily="18" charset="0"/>
+            </a:endParaRPr>
+          </a:p>
+        </p:txBody>
+      </p:sp>
+      <p:sp>
+        <p:nvSpPr>
+          <p:cNvPr id="13" name="文本框 12"/>
+          <p:cNvSpPr txBox="1"/>
+          <p:nvPr/>
+        </p:nvSpPr>
+        <p:spPr>
+          <a:xfrm>
+            <a:off x="2263775" y="1314450"/>
+            <a:ext cx="904875" cy="369332"/>
+          </a:xfrm>
+          <a:prstGeom prst="rect">
+            <a:avLst/>
+          </a:prstGeom>
+          <a:noFill/>
+        </p:spPr>
+        <p:txBody>
+          <a:bodyPr wrap="square" rtlCol="0">
+            <a:spAutoFit/>
+          </a:bodyPr>
+          <a:lstStyle/>
+          <a:p>
+            <a:pPr algn="ctr"/>
+            <a:r>
+              <a:rPr lang="en-US" altLang="zh-CN" dirty="0" err="1" smtClean="0">
+                <a:latin typeface="Times New Roman" panose="02020603050405020304" pitchFamily="18" charset="0"/>
+                <a:cs typeface="Times New Roman" panose="02020603050405020304" pitchFamily="18" charset="0"/>
+              </a:rPr>
+              <a:t>int</a:t>
+            </a:r>
+            <a:endParaRPr lang="zh-CN" altLang="en-US" dirty="0">
+              <a:latin typeface="Times New Roman" panose="02020603050405020304" pitchFamily="18" charset="0"/>
+              <a:cs typeface="Times New Roman" panose="02020603050405020304" pitchFamily="18" charset="0"/>
+            </a:endParaRPr>
+          </a:p>
+        </p:txBody>
+      </p:sp>
+      <p:sp>
+        <p:nvSpPr>
+          <p:cNvPr id="14" name="文本框 13"/>
+          <p:cNvSpPr txBox="1"/>
+          <p:nvPr/>
+        </p:nvSpPr>
+        <p:spPr>
+          <a:xfrm>
+            <a:off x="7464426" y="1314450"/>
+            <a:ext cx="904875" cy="369332"/>
+          </a:xfrm>
+          <a:prstGeom prst="rect">
+            <a:avLst/>
+          </a:prstGeom>
+          <a:noFill/>
+        </p:spPr>
+        <p:txBody>
+          <a:bodyPr wrap="square" rtlCol="0">
+            <a:spAutoFit/>
+          </a:bodyPr>
+          <a:lstStyle/>
+          <a:p>
+            <a:pPr algn="ctr"/>
+            <a:r>
+              <a:rPr lang="en-US" altLang="zh-CN" dirty="0" smtClean="0">
+                <a:latin typeface="Times New Roman" panose="02020603050405020304" pitchFamily="18" charset="0"/>
+                <a:cs typeface="Times New Roman" panose="02020603050405020304" pitchFamily="18" charset="0"/>
+              </a:rPr>
+              <a:t>list</a:t>
+            </a:r>
+            <a:endParaRPr lang="zh-CN" altLang="en-US" dirty="0">
+              <a:latin typeface="Times New Roman" panose="02020603050405020304" pitchFamily="18" charset="0"/>
+              <a:cs typeface="Times New Roman" panose="02020603050405020304" pitchFamily="18" charset="0"/>
+            </a:endParaRPr>
+          </a:p>
+        </p:txBody>
+      </p:sp>
+      <p:sp>
+        <p:nvSpPr>
+          <p:cNvPr id="15" name="文本框 14"/>
+          <p:cNvSpPr txBox="1"/>
+          <p:nvPr/>
+        </p:nvSpPr>
+        <p:spPr>
+          <a:xfrm>
+            <a:off x="9607550" y="1314450"/>
+            <a:ext cx="904875" cy="369332"/>
+          </a:xfrm>
+          <a:prstGeom prst="rect">
+            <a:avLst/>
+          </a:prstGeom>
+          <a:noFill/>
+        </p:spPr>
+        <p:txBody>
+          <a:bodyPr wrap="square" rtlCol="0">
+            <a:spAutoFit/>
+          </a:bodyPr>
+          <a:lstStyle/>
+          <a:p>
+            <a:pPr algn="ctr"/>
+            <a:r>
+              <a:rPr lang="en-US" altLang="zh-CN" dirty="0" err="1" smtClean="0">
+                <a:latin typeface="Times New Roman" panose="02020603050405020304" pitchFamily="18" charset="0"/>
+                <a:cs typeface="Times New Roman" panose="02020603050405020304" pitchFamily="18" charset="0"/>
+              </a:rPr>
+              <a:t>dict</a:t>
+            </a:r>
+            <a:endParaRPr lang="zh-CN" altLang="en-US" dirty="0">
+              <a:latin typeface="Times New Roman" panose="02020603050405020304" pitchFamily="18" charset="0"/>
+              <a:cs typeface="Times New Roman" panose="02020603050405020304" pitchFamily="18" charset="0"/>
+            </a:endParaRPr>
+          </a:p>
+        </p:txBody>
+      </p:sp>
+      <p:sp>
+        <p:nvSpPr>
+          <p:cNvPr id="16" name="矩形 15"/>
+          <p:cNvSpPr/>
+          <p:nvPr/>
+        </p:nvSpPr>
+        <p:spPr>
+          <a:xfrm>
+            <a:off x="3579812" y="4657724"/>
+            <a:ext cx="360000" cy="360000"/>
+          </a:xfrm>
+          <a:prstGeom prst="rect">
+            <a:avLst/>
+          </a:prstGeom>
+          <a:solidFill>
+            <a:schemeClr val="accent6"/>
+          </a:solidFill>
+        </p:spPr>
+        <p:style>
+          <a:lnRef idx="2">
+            <a:schemeClr val="accent1">
+              <a:shade val="50000"/>
+            </a:schemeClr>
+          </a:lnRef>
+          <a:fillRef idx="1">
+            <a:schemeClr val="accent1"/>
+          </a:fillRef>
+          <a:effectRef idx="0">
+            <a:schemeClr val="accent1"/>
+          </a:effectRef>
+          <a:fontRef idx="minor">
+            <a:schemeClr val="lt1"/>
+          </a:fontRef>
+        </p:style>
+        <p:txBody>
+          <a:bodyPr rtlCol="0" anchor="ctr"/>
+          <a:lstStyle/>
+          <a:p>
+            <a:pPr algn="ctr"/>
+            <a:endParaRPr lang="zh-CN" altLang="en-US"/>
+          </a:p>
+        </p:txBody>
+      </p:sp>
+      <p:sp>
+        <p:nvSpPr>
+          <p:cNvPr id="17" name="矩形 16"/>
+          <p:cNvSpPr/>
+          <p:nvPr/>
+        </p:nvSpPr>
+        <p:spPr>
+          <a:xfrm>
+            <a:off x="5500686" y="4657722"/>
+            <a:ext cx="360000" cy="360000"/>
+          </a:xfrm>
+          <a:prstGeom prst="rect">
+            <a:avLst/>
+          </a:prstGeom>
+          <a:solidFill>
+            <a:schemeClr val="accent1">
+              <a:lumMod val="60000"/>
+              <a:lumOff val="40000"/>
+            </a:schemeClr>
+          </a:solidFill>
+        </p:spPr>
+        <p:style>
+          <a:lnRef idx="2">
+            <a:schemeClr val="accent1">
+              <a:shade val="50000"/>
+            </a:schemeClr>
+          </a:lnRef>
+          <a:fillRef idx="1">
+            <a:schemeClr val="accent1"/>
+          </a:fillRef>
+          <a:effectRef idx="0">
+            <a:schemeClr val="accent1"/>
+          </a:effectRef>
+          <a:fontRef idx="minor">
+            <a:schemeClr val="lt1"/>
+          </a:fontRef>
+        </p:style>
+        <p:txBody>
+          <a:bodyPr rtlCol="0" anchor="ctr"/>
+          <a:lstStyle/>
+          <a:p>
+            <a:pPr algn="ctr"/>
+            <a:endParaRPr lang="zh-CN" altLang="en-US"/>
+          </a:p>
+        </p:txBody>
+      </p:sp>
+      <p:sp>
+        <p:nvSpPr>
+          <p:cNvPr id="18" name="矩形 17"/>
+          <p:cNvSpPr/>
+          <p:nvPr/>
+        </p:nvSpPr>
+        <p:spPr>
+          <a:xfrm>
+            <a:off x="7687037" y="4657593"/>
+            <a:ext cx="360000" cy="360000"/>
+          </a:xfrm>
+          <a:prstGeom prst="rect">
+            <a:avLst/>
+          </a:prstGeom>
+          <a:noFill/>
+        </p:spPr>
+        <p:style>
+          <a:lnRef idx="2">
+            <a:schemeClr val="accent1">
+              <a:shade val="50000"/>
+            </a:schemeClr>
+          </a:lnRef>
+          <a:fillRef idx="1">
+            <a:schemeClr val="accent1"/>
+          </a:fillRef>
+          <a:effectRef idx="0">
+            <a:schemeClr val="accent1"/>
+          </a:effectRef>
+          <a:fontRef idx="minor">
+            <a:schemeClr val="lt1"/>
+          </a:fontRef>
+        </p:style>
+        <p:txBody>
+          <a:bodyPr rtlCol="0" anchor="ctr"/>
+          <a:lstStyle/>
+          <a:p>
+            <a:pPr algn="ctr"/>
+            <a:endParaRPr lang="zh-CN" altLang="en-US"/>
+          </a:p>
+        </p:txBody>
+      </p:sp>
+      <p:sp>
+        <p:nvSpPr>
+          <p:cNvPr id="19" name="文本框 18"/>
+          <p:cNvSpPr txBox="1"/>
+          <p:nvPr/>
+        </p:nvSpPr>
+        <p:spPr>
+          <a:xfrm>
+            <a:off x="4043361" y="4695823"/>
+            <a:ext cx="904875" cy="276999"/>
+          </a:xfrm>
+          <a:prstGeom prst="rect">
+            <a:avLst/>
+          </a:prstGeom>
+          <a:noFill/>
+        </p:spPr>
+        <p:txBody>
+          <a:bodyPr wrap="square" rtlCol="0">
+            <a:spAutoFit/>
+          </a:bodyPr>
+          <a:lstStyle/>
+          <a:p>
+            <a:pPr algn="ctr"/>
+            <a:r>
+              <a:rPr lang="en-US" altLang="zh-CN" sz="1200" b="1" dirty="0" err="1" smtClean="0">
+                <a:latin typeface="Times New Roman" panose="02020603050405020304" pitchFamily="18" charset="0"/>
+                <a:cs typeface="Times New Roman" panose="02020603050405020304" pitchFamily="18" charset="0"/>
+              </a:rPr>
+              <a:t>PyObje</a:t>
+            </a:r>
+            <a:r>
+              <a:rPr lang="en-US" altLang="zh-CN" sz="1200" b="1" dirty="0" err="1">
+                <a:latin typeface="Times New Roman" panose="02020603050405020304" pitchFamily="18" charset="0"/>
+                <a:cs typeface="Times New Roman" panose="02020603050405020304" pitchFamily="18" charset="0"/>
+              </a:rPr>
+              <a:t>c</a:t>
+            </a:r>
+            <a:r>
+              <a:rPr lang="en-US" altLang="zh-CN" sz="1200" b="1" dirty="0" err="1" smtClean="0">
+                <a:latin typeface="Times New Roman" panose="02020603050405020304" pitchFamily="18" charset="0"/>
+                <a:cs typeface="Times New Roman" panose="02020603050405020304" pitchFamily="18" charset="0"/>
+              </a:rPr>
+              <a:t>t</a:t>
+            </a:r>
+            <a:endParaRPr lang="zh-CN" altLang="en-US" sz="1200" b="1" dirty="0">
+              <a:latin typeface="Times New Roman" panose="02020603050405020304" pitchFamily="18" charset="0"/>
+              <a:cs typeface="Times New Roman" panose="02020603050405020304" pitchFamily="18" charset="0"/>
+            </a:endParaRPr>
+          </a:p>
+        </p:txBody>
+      </p:sp>
+      <p:sp>
+        <p:nvSpPr>
+          <p:cNvPr id="20" name="文本框 19"/>
+          <p:cNvSpPr txBox="1"/>
+          <p:nvPr/>
+        </p:nvSpPr>
+        <p:spPr>
+          <a:xfrm>
+            <a:off x="5833697" y="4695823"/>
+            <a:ext cx="1257301" cy="276999"/>
+          </a:xfrm>
+          <a:prstGeom prst="rect">
+            <a:avLst/>
+          </a:prstGeom>
+          <a:noFill/>
+        </p:spPr>
+        <p:txBody>
+          <a:bodyPr wrap="square" rtlCol="0">
+            <a:spAutoFit/>
+          </a:bodyPr>
+          <a:lstStyle/>
+          <a:p>
+            <a:pPr algn="ctr"/>
+            <a:r>
+              <a:rPr lang="en-US" altLang="zh-CN" sz="1200" b="1" dirty="0" err="1" smtClean="0">
+                <a:latin typeface="Times New Roman" panose="02020603050405020304" pitchFamily="18" charset="0"/>
+                <a:cs typeface="Times New Roman" panose="02020603050405020304" pitchFamily="18" charset="0"/>
+              </a:rPr>
+              <a:t>PyVarObject</a:t>
+            </a:r>
+            <a:endParaRPr lang="zh-CN" altLang="en-US" sz="1200" b="1" dirty="0">
+              <a:latin typeface="Times New Roman" panose="02020603050405020304" pitchFamily="18" charset="0"/>
+              <a:cs typeface="Times New Roman" panose="02020603050405020304" pitchFamily="18" charset="0"/>
+            </a:endParaRPr>
+          </a:p>
+        </p:txBody>
+      </p:sp>
+      <p:sp>
+        <p:nvSpPr>
+          <p:cNvPr id="21" name="文本框 20"/>
+          <p:cNvSpPr txBox="1"/>
+          <p:nvPr/>
+        </p:nvSpPr>
+        <p:spPr>
+          <a:xfrm>
+            <a:off x="8054975" y="4695822"/>
+            <a:ext cx="904875" cy="276999"/>
+          </a:xfrm>
+          <a:prstGeom prst="rect">
+            <a:avLst/>
+          </a:prstGeom>
+          <a:noFill/>
+        </p:spPr>
+        <p:txBody>
+          <a:bodyPr wrap="square" rtlCol="0">
+            <a:spAutoFit/>
+          </a:bodyPr>
+          <a:lstStyle/>
+          <a:p>
+            <a:pPr algn="ctr"/>
+            <a:r>
+              <a:rPr lang="zh-CN" altLang="en-US" sz="1200" b="1" dirty="0" smtClean="0">
+                <a:latin typeface="Times New Roman" panose="02020603050405020304" pitchFamily="18" charset="0"/>
+                <a:cs typeface="Times New Roman" panose="02020603050405020304" pitchFamily="18" charset="0"/>
+              </a:rPr>
+              <a:t>其他信息</a:t>
+            </a:r>
+            <a:endParaRPr lang="zh-CN" altLang="en-US" sz="1200" b="1" dirty="0">
+              <a:latin typeface="Times New Roman" panose="02020603050405020304" pitchFamily="18" charset="0"/>
+              <a:cs typeface="Times New Roman" panose="02020603050405020304" pitchFamily="18" charset="0"/>
+            </a:endParaRPr>
+          </a:p>
+        </p:txBody>
+      </p:sp>
+    </p:spTree>
+    <p:extLst>
+      <p:ext uri="{BB962C8B-B14F-4D97-AF65-F5344CB8AC3E}">
+        <p14:creationId xmlns:p14="http://schemas.microsoft.com/office/powerpoint/2010/main" val="3868446159"/>
+      </p:ext>
+    </p:extLst>
+  </p:cSld>
+  <p:clrMapOvr>
+    <a:masterClrMapping/>
+  </p:clrMapOvr>
+</p:sld>
+</file>
+
 <file path=ppt/theme/theme1.xml><?xml version="1.0" encoding="utf-8"?>
 <a:theme xmlns:a="http://schemas.openxmlformats.org/drawingml/2006/main" name="Office 主题​​">
   <a:themeElements>

--- a/test.pptx
+++ b/test.pptx
@@ -8,6 +8,7 @@
     <p:sldId id="256" r:id="rId2"/>
     <p:sldId id="257" r:id="rId3"/>
     <p:sldId id="258" r:id="rId4"/>
+    <p:sldId id="259" r:id="rId5"/>
   </p:sldIdLst>
   <p:sldSz cx="12192000" cy="6858000"/>
   <p:notesSz cx="6858000" cy="9144000"/>
@@ -245,7 +246,7 @@
           <a:p>
             <a:fld id="{59EED33E-E6DC-42D8-97CA-C62EDECD9A4F}" type="datetimeFigureOut">
               <a:rPr lang="zh-CN" altLang="en-US" smtClean="0"/>
-              <a:t>2020/12/21</a:t>
+              <a:t>2020/12/23</a:t>
             </a:fld>
             <a:endParaRPr lang="zh-CN" altLang="en-US"/>
           </a:p>
@@ -415,7 +416,7 @@
           <a:p>
             <a:fld id="{59EED33E-E6DC-42D8-97CA-C62EDECD9A4F}" type="datetimeFigureOut">
               <a:rPr lang="zh-CN" altLang="en-US" smtClean="0"/>
-              <a:t>2020/12/21</a:t>
+              <a:t>2020/12/23</a:t>
             </a:fld>
             <a:endParaRPr lang="zh-CN" altLang="en-US"/>
           </a:p>
@@ -595,7 +596,7 @@
           <a:p>
             <a:fld id="{59EED33E-E6DC-42D8-97CA-C62EDECD9A4F}" type="datetimeFigureOut">
               <a:rPr lang="zh-CN" altLang="en-US" smtClean="0"/>
-              <a:t>2020/12/21</a:t>
+              <a:t>2020/12/23</a:t>
             </a:fld>
             <a:endParaRPr lang="zh-CN" altLang="en-US"/>
           </a:p>
@@ -765,7 +766,7 @@
           <a:p>
             <a:fld id="{59EED33E-E6DC-42D8-97CA-C62EDECD9A4F}" type="datetimeFigureOut">
               <a:rPr lang="zh-CN" altLang="en-US" smtClean="0"/>
-              <a:t>2020/12/21</a:t>
+              <a:t>2020/12/23</a:t>
             </a:fld>
             <a:endParaRPr lang="zh-CN" altLang="en-US"/>
           </a:p>
@@ -1011,7 +1012,7 @@
           <a:p>
             <a:fld id="{59EED33E-E6DC-42D8-97CA-C62EDECD9A4F}" type="datetimeFigureOut">
               <a:rPr lang="zh-CN" altLang="en-US" smtClean="0"/>
-              <a:t>2020/12/21</a:t>
+              <a:t>2020/12/23</a:t>
             </a:fld>
             <a:endParaRPr lang="zh-CN" altLang="en-US"/>
           </a:p>
@@ -1243,7 +1244,7 @@
           <a:p>
             <a:fld id="{59EED33E-E6DC-42D8-97CA-C62EDECD9A4F}" type="datetimeFigureOut">
               <a:rPr lang="zh-CN" altLang="en-US" smtClean="0"/>
-              <a:t>2020/12/21</a:t>
+              <a:t>2020/12/23</a:t>
             </a:fld>
             <a:endParaRPr lang="zh-CN" altLang="en-US"/>
           </a:p>
@@ -1610,7 +1611,7 @@
           <a:p>
             <a:fld id="{59EED33E-E6DC-42D8-97CA-C62EDECD9A4F}" type="datetimeFigureOut">
               <a:rPr lang="zh-CN" altLang="en-US" smtClean="0"/>
-              <a:t>2020/12/21</a:t>
+              <a:t>2020/12/23</a:t>
             </a:fld>
             <a:endParaRPr lang="zh-CN" altLang="en-US"/>
           </a:p>
@@ -1728,7 +1729,7 @@
           <a:p>
             <a:fld id="{59EED33E-E6DC-42D8-97CA-C62EDECD9A4F}" type="datetimeFigureOut">
               <a:rPr lang="zh-CN" altLang="en-US" smtClean="0"/>
-              <a:t>2020/12/21</a:t>
+              <a:t>2020/12/23</a:t>
             </a:fld>
             <a:endParaRPr lang="zh-CN" altLang="en-US"/>
           </a:p>
@@ -1823,7 +1824,7 @@
           <a:p>
             <a:fld id="{59EED33E-E6DC-42D8-97CA-C62EDECD9A4F}" type="datetimeFigureOut">
               <a:rPr lang="zh-CN" altLang="en-US" smtClean="0"/>
-              <a:t>2020/12/21</a:t>
+              <a:t>2020/12/23</a:t>
             </a:fld>
             <a:endParaRPr lang="zh-CN" altLang="en-US"/>
           </a:p>
@@ -2100,7 +2101,7 @@
           <a:p>
             <a:fld id="{59EED33E-E6DC-42D8-97CA-C62EDECD9A4F}" type="datetimeFigureOut">
               <a:rPr lang="zh-CN" altLang="en-US" smtClean="0"/>
-              <a:t>2020/12/21</a:t>
+              <a:t>2020/12/23</a:t>
             </a:fld>
             <a:endParaRPr lang="zh-CN" altLang="en-US"/>
           </a:p>
@@ -2353,7 +2354,7 @@
           <a:p>
             <a:fld id="{59EED33E-E6DC-42D8-97CA-C62EDECD9A4F}" type="datetimeFigureOut">
               <a:rPr lang="zh-CN" altLang="en-US" smtClean="0"/>
-              <a:t>2020/12/21</a:t>
+              <a:t>2020/12/23</a:t>
             </a:fld>
             <a:endParaRPr lang="zh-CN" altLang="en-US"/>
           </a:p>
@@ -2566,7 +2567,7 @@
           <a:p>
             <a:fld id="{59EED33E-E6DC-42D8-97CA-C62EDECD9A4F}" type="datetimeFigureOut">
               <a:rPr lang="zh-CN" altLang="en-US" smtClean="0"/>
-              <a:t>2020/12/21</a:t>
+              <a:t>2020/12/23</a:t>
             </a:fld>
             <a:endParaRPr lang="zh-CN" altLang="en-US"/>
           </a:p>
@@ -5638,6 +5639,2128 @@
 </p:sld>
 </file>
 
+<file path=ppt/slides/slide4.xml><?xml version="1.0" encoding="utf-8"?>
+<p:sld xmlns:a="http://schemas.openxmlformats.org/drawingml/2006/main" xmlns:r="http://schemas.openxmlformats.org/officeDocument/2006/relationships" xmlns:p="http://schemas.openxmlformats.org/presentationml/2006/main">
+  <p:cSld>
+    <p:spTree>
+      <p:nvGrpSpPr>
+        <p:cNvPr id="1" name=""/>
+        <p:cNvGrpSpPr/>
+        <p:nvPr/>
+      </p:nvGrpSpPr>
+      <p:grpSpPr>
+        <a:xfrm>
+          <a:off x="0" y="0"/>
+          <a:ext cx="0" cy="0"/>
+          <a:chOff x="0" y="0"/>
+          <a:chExt cx="0" cy="0"/>
+        </a:xfrm>
+      </p:grpSpPr>
+      <p:sp>
+        <p:nvSpPr>
+          <p:cNvPr id="2" name="矩形 1"/>
+          <p:cNvSpPr/>
+          <p:nvPr/>
+        </p:nvSpPr>
+        <p:spPr>
+          <a:xfrm>
+            <a:off x="1701333" y="1955187"/>
+            <a:ext cx="3056352" cy="2417523"/>
+          </a:xfrm>
+          <a:prstGeom prst="rect">
+            <a:avLst/>
+          </a:prstGeom>
+          <a:noFill/>
+          <a:ln>
+            <a:noFill/>
+          </a:ln>
+        </p:spPr>
+        <p:style>
+          <a:lnRef idx="0">
+            <a:scrgbClr r="0" g="0" b="0"/>
+          </a:lnRef>
+          <a:fillRef idx="0">
+            <a:scrgbClr r="0" g="0" b="0"/>
+          </a:fillRef>
+          <a:effectRef idx="0">
+            <a:scrgbClr r="0" g="0" b="0"/>
+          </a:effectRef>
+          <a:fontRef idx="minor">
+            <a:schemeClr val="dk1"/>
+          </a:fontRef>
+        </p:style>
+        <p:txBody>
+          <a:bodyPr rtlCol="0" anchor="ctr"/>
+          <a:lstStyle/>
+          <a:p>
+            <a:r>
+              <a:rPr lang="en-US" altLang="zh-CN" dirty="0">
+                <a:latin typeface="Times New Roman" panose="02020603050405020304" pitchFamily="18" charset="0"/>
+                <a:cs typeface="Times New Roman" panose="02020603050405020304" pitchFamily="18" charset="0"/>
+              </a:rPr>
+              <a:t>c</a:t>
+            </a:r>
+            <a:r>
+              <a:rPr lang="en-US" altLang="zh-CN" dirty="0" smtClean="0">
+                <a:latin typeface="Times New Roman" panose="02020603050405020304" pitchFamily="18" charset="0"/>
+                <a:cs typeface="Times New Roman" panose="02020603050405020304" pitchFamily="18" charset="0"/>
+              </a:rPr>
+              <a:t>lass object{   }</a:t>
+            </a:r>
+          </a:p>
+          <a:p>
+            <a:endParaRPr lang="en-US" altLang="zh-CN" dirty="0" smtClean="0">
+              <a:latin typeface="Times New Roman" panose="02020603050405020304" pitchFamily="18" charset="0"/>
+              <a:cs typeface="Times New Roman" panose="02020603050405020304" pitchFamily="18" charset="0"/>
+            </a:endParaRPr>
+          </a:p>
+          <a:p>
+            <a:r>
+              <a:rPr lang="en-US" altLang="zh-CN" dirty="0">
+                <a:latin typeface="Times New Roman" panose="02020603050405020304" pitchFamily="18" charset="0"/>
+                <a:cs typeface="Times New Roman" panose="02020603050405020304" pitchFamily="18" charset="0"/>
+              </a:rPr>
+              <a:t>c</a:t>
+            </a:r>
+            <a:r>
+              <a:rPr lang="en-US" altLang="zh-CN" dirty="0" smtClean="0">
+                <a:latin typeface="Times New Roman" panose="02020603050405020304" pitchFamily="18" charset="0"/>
+                <a:cs typeface="Times New Roman" panose="02020603050405020304" pitchFamily="18" charset="0"/>
+              </a:rPr>
+              <a:t>lass </a:t>
+            </a:r>
+            <a:r>
+              <a:rPr lang="en-US" altLang="zh-CN" dirty="0" err="1" smtClean="0">
+                <a:latin typeface="Times New Roman" panose="02020603050405020304" pitchFamily="18" charset="0"/>
+                <a:cs typeface="Times New Roman" panose="02020603050405020304" pitchFamily="18" charset="0"/>
+              </a:rPr>
+              <a:t>int</a:t>
+            </a:r>
+            <a:r>
+              <a:rPr lang="en-US" altLang="zh-CN" dirty="0" smtClean="0">
+                <a:latin typeface="Times New Roman" panose="02020603050405020304" pitchFamily="18" charset="0"/>
+                <a:cs typeface="Times New Roman" panose="02020603050405020304" pitchFamily="18" charset="0"/>
+              </a:rPr>
+              <a:t> :</a:t>
+            </a:r>
+            <a:r>
+              <a:rPr lang="zh-CN" altLang="en-US" dirty="0" smtClean="0">
+                <a:latin typeface="Times New Roman" panose="02020603050405020304" pitchFamily="18" charset="0"/>
+                <a:cs typeface="Times New Roman" panose="02020603050405020304" pitchFamily="18" charset="0"/>
+              </a:rPr>
+              <a:t> </a:t>
+            </a:r>
+            <a:r>
+              <a:rPr lang="en-US" altLang="zh-CN" dirty="0" smtClean="0">
+                <a:latin typeface="Times New Roman" panose="02020603050405020304" pitchFamily="18" charset="0"/>
+                <a:cs typeface="Times New Roman" panose="02020603050405020304" pitchFamily="18" charset="0"/>
+              </a:rPr>
+              <a:t>public object</a:t>
+            </a:r>
+          </a:p>
+          <a:p>
+            <a:r>
+              <a:rPr lang="en-US" altLang="zh-CN" dirty="0" smtClean="0">
+                <a:latin typeface="Times New Roman" panose="02020603050405020304" pitchFamily="18" charset="0"/>
+                <a:cs typeface="Times New Roman" panose="02020603050405020304" pitchFamily="18" charset="0"/>
+              </a:rPr>
+              <a:t>{</a:t>
+            </a:r>
+          </a:p>
+          <a:p>
+            <a:r>
+              <a:rPr lang="en-US" altLang="zh-CN" dirty="0">
+                <a:latin typeface="Times New Roman" panose="02020603050405020304" pitchFamily="18" charset="0"/>
+                <a:cs typeface="Times New Roman" panose="02020603050405020304" pitchFamily="18" charset="0"/>
+              </a:rPr>
+              <a:t>p</a:t>
+            </a:r>
+            <a:r>
+              <a:rPr lang="en-US" altLang="zh-CN" dirty="0" smtClean="0">
+                <a:latin typeface="Times New Roman" panose="02020603050405020304" pitchFamily="18" charset="0"/>
+                <a:cs typeface="Times New Roman" panose="02020603050405020304" pitchFamily="18" charset="0"/>
+              </a:rPr>
+              <a:t>ublic :</a:t>
+            </a:r>
+          </a:p>
+          <a:p>
+            <a:r>
+              <a:rPr lang="en-US" altLang="zh-CN" dirty="0" smtClean="0">
+                <a:latin typeface="Times New Roman" panose="02020603050405020304" pitchFamily="18" charset="0"/>
+                <a:cs typeface="Times New Roman" panose="02020603050405020304" pitchFamily="18" charset="0"/>
+              </a:rPr>
+              <a:t>    </a:t>
+            </a:r>
+            <a:r>
+              <a:rPr lang="en-US" altLang="zh-CN" dirty="0" err="1" smtClean="0">
+                <a:latin typeface="Times New Roman" panose="02020603050405020304" pitchFamily="18" charset="0"/>
+                <a:cs typeface="Times New Roman" panose="02020603050405020304" pitchFamily="18" charset="0"/>
+              </a:rPr>
+              <a:t>int</a:t>
+            </a:r>
+            <a:r>
+              <a:rPr lang="en-US" altLang="zh-CN" dirty="0" smtClean="0">
+                <a:latin typeface="Times New Roman" panose="02020603050405020304" pitchFamily="18" charset="0"/>
+                <a:cs typeface="Times New Roman" panose="02020603050405020304" pitchFamily="18" charset="0"/>
+              </a:rPr>
+              <a:t> () {…}</a:t>
+            </a:r>
+          </a:p>
+          <a:p>
+            <a:r>
+              <a:rPr lang="en-US" altLang="zh-CN" dirty="0" smtClean="0">
+                <a:latin typeface="Times New Roman" panose="02020603050405020304" pitchFamily="18" charset="0"/>
+                <a:cs typeface="Times New Roman" panose="02020603050405020304" pitchFamily="18" charset="0"/>
+              </a:rPr>
+              <a:t>}</a:t>
+            </a:r>
+            <a:endParaRPr lang="zh-CN" altLang="en-US" dirty="0">
+              <a:latin typeface="Times New Roman" panose="02020603050405020304" pitchFamily="18" charset="0"/>
+              <a:cs typeface="Times New Roman" panose="02020603050405020304" pitchFamily="18" charset="0"/>
+            </a:endParaRPr>
+          </a:p>
+        </p:txBody>
+      </p:sp>
+      <p:graphicFrame>
+        <p:nvGraphicFramePr>
+          <p:cNvPr id="3" name="表格 2"/>
+          <p:cNvGraphicFramePr>
+            <a:graphicFrameLocks noGrp="1"/>
+          </p:cNvGraphicFramePr>
+          <p:nvPr>
+            <p:extLst>
+              <p:ext uri="{D42A27DB-BD31-4B8C-83A1-F6EECF244321}">
+                <p14:modId xmlns:p14="http://schemas.microsoft.com/office/powerpoint/2010/main" val="1360145938"/>
+              </p:ext>
+            </p:extLst>
+          </p:nvPr>
+        </p:nvGraphicFramePr>
+        <p:xfrm>
+          <a:off x="5720527" y="2115160"/>
+          <a:ext cx="1573730" cy="3656093"/>
+        </p:xfrm>
+        <a:graphic>
+          <a:graphicData uri="http://schemas.openxmlformats.org/drawingml/2006/table">
+            <a:tbl>
+              <a:tblPr firstRow="1" bandRow="1">
+                <a:tableStyleId>{5940675A-B579-460E-94D1-54222C63F5DA}</a:tableStyleId>
+              </a:tblPr>
+              <a:tblGrid>
+                <a:gridCol w="1573730">
+                  <a:extLst>
+                    <a:ext uri="{9D8B030D-6E8A-4147-A177-3AD203B41FA5}">
+                      <a16:colId xmlns:a16="http://schemas.microsoft.com/office/drawing/2014/main" val="2322090925"/>
+                    </a:ext>
+                  </a:extLst>
+                </a:gridCol>
+              </a:tblGrid>
+              <a:tr h="522299">
+                <a:tc>
+                  <a:txBody>
+                    <a:bodyPr/>
+                    <a:lstStyle/>
+                    <a:p>
+                      <a:pPr algn="ctr"/>
+                      <a:r>
+                        <a:rPr lang="en-US" altLang="zh-CN" dirty="0" err="1" smtClean="0">
+                          <a:latin typeface="Times New Roman" panose="02020603050405020304" pitchFamily="18" charset="0"/>
+                          <a:cs typeface="Times New Roman" panose="02020603050405020304" pitchFamily="18" charset="0"/>
+                        </a:rPr>
+                        <a:t>PyObject</a:t>
+                      </a:r>
+                      <a:endParaRPr lang="zh-CN" altLang="en-US" dirty="0">
+                        <a:latin typeface="Times New Roman" panose="02020603050405020304" pitchFamily="18" charset="0"/>
+                        <a:cs typeface="Times New Roman" panose="02020603050405020304" pitchFamily="18" charset="0"/>
+                      </a:endParaRPr>
+                    </a:p>
+                  </a:txBody>
+                  <a:tcPr anchor="ctr"/>
+                </a:tc>
+                <a:extLst>
+                  <a:ext uri="{0D108BD9-81ED-4DB2-BD59-A6C34878D82A}">
+                    <a16:rowId xmlns:a16="http://schemas.microsoft.com/office/drawing/2014/main" val="1121236306"/>
+                  </a:ext>
+                </a:extLst>
+              </a:tr>
+              <a:tr h="522299">
+                <a:tc>
+                  <a:txBody>
+                    <a:bodyPr/>
+                    <a:lstStyle/>
+                    <a:p>
+                      <a:pPr algn="ctr"/>
+                      <a:r>
+                        <a:rPr lang="en-US" altLang="zh-CN" dirty="0" smtClean="0">
+                          <a:latin typeface="Times New Roman" panose="02020603050405020304" pitchFamily="18" charset="0"/>
+                          <a:cs typeface="Times New Roman" panose="02020603050405020304" pitchFamily="18" charset="0"/>
+                        </a:rPr>
+                        <a:t>… …</a:t>
+                      </a:r>
+                      <a:endParaRPr lang="zh-CN" altLang="en-US" dirty="0">
+                        <a:latin typeface="Times New Roman" panose="02020603050405020304" pitchFamily="18" charset="0"/>
+                        <a:cs typeface="Times New Roman" panose="02020603050405020304" pitchFamily="18" charset="0"/>
+                      </a:endParaRPr>
+                    </a:p>
+                  </a:txBody>
+                  <a:tcPr anchor="ctr"/>
+                </a:tc>
+                <a:extLst>
+                  <a:ext uri="{0D108BD9-81ED-4DB2-BD59-A6C34878D82A}">
+                    <a16:rowId xmlns:a16="http://schemas.microsoft.com/office/drawing/2014/main" val="2343785992"/>
+                  </a:ext>
+                </a:extLst>
+              </a:tr>
+              <a:tr h="522299">
+                <a:tc>
+                  <a:txBody>
+                    <a:bodyPr/>
+                    <a:lstStyle/>
+                    <a:p>
+                      <a:pPr algn="ctr"/>
+                      <a:r>
+                        <a:rPr lang="en-US" altLang="zh-CN" dirty="0" err="1" smtClean="0">
+                          <a:latin typeface="Times New Roman" panose="02020603050405020304" pitchFamily="18" charset="0"/>
+                          <a:cs typeface="Times New Roman" panose="02020603050405020304" pitchFamily="18" charset="0"/>
+                        </a:rPr>
+                        <a:t>tp_basicsize</a:t>
+                      </a:r>
+                      <a:endParaRPr lang="zh-CN" altLang="en-US" dirty="0">
+                        <a:latin typeface="Times New Roman" panose="02020603050405020304" pitchFamily="18" charset="0"/>
+                        <a:cs typeface="Times New Roman" panose="02020603050405020304" pitchFamily="18" charset="0"/>
+                      </a:endParaRPr>
+                    </a:p>
+                  </a:txBody>
+                  <a:tcPr anchor="ctr"/>
+                </a:tc>
+                <a:extLst>
+                  <a:ext uri="{0D108BD9-81ED-4DB2-BD59-A6C34878D82A}">
+                    <a16:rowId xmlns:a16="http://schemas.microsoft.com/office/drawing/2014/main" val="1221241048"/>
+                  </a:ext>
+                </a:extLst>
+              </a:tr>
+              <a:tr h="522299">
+                <a:tc>
+                  <a:txBody>
+                    <a:bodyPr/>
+                    <a:lstStyle/>
+                    <a:p>
+                      <a:pPr algn="ctr"/>
+                      <a:r>
+                        <a:rPr lang="en-US" altLang="zh-CN" dirty="0" err="1" smtClean="0">
+                          <a:latin typeface="Times New Roman" panose="02020603050405020304" pitchFamily="18" charset="0"/>
+                          <a:cs typeface="Times New Roman" panose="02020603050405020304" pitchFamily="18" charset="0"/>
+                        </a:rPr>
+                        <a:t>tp_base</a:t>
+                      </a:r>
+                      <a:endParaRPr lang="zh-CN" altLang="en-US" dirty="0">
+                        <a:latin typeface="Times New Roman" panose="02020603050405020304" pitchFamily="18" charset="0"/>
+                        <a:cs typeface="Times New Roman" panose="02020603050405020304" pitchFamily="18" charset="0"/>
+                      </a:endParaRPr>
+                    </a:p>
+                  </a:txBody>
+                  <a:tcPr anchor="ctr"/>
+                </a:tc>
+                <a:extLst>
+                  <a:ext uri="{0D108BD9-81ED-4DB2-BD59-A6C34878D82A}">
+                    <a16:rowId xmlns:a16="http://schemas.microsoft.com/office/drawing/2014/main" val="2871454163"/>
+                  </a:ext>
+                </a:extLst>
+              </a:tr>
+              <a:tr h="522299">
+                <a:tc>
+                  <a:txBody>
+                    <a:bodyPr/>
+                    <a:lstStyle/>
+                    <a:p>
+                      <a:pPr algn="ctr"/>
+                      <a:r>
+                        <a:rPr lang="en-US" altLang="zh-CN" b="1" dirty="0" err="1" smtClean="0">
+                          <a:latin typeface="Times New Roman" panose="02020603050405020304" pitchFamily="18" charset="0"/>
+                          <a:cs typeface="Times New Roman" panose="02020603050405020304" pitchFamily="18" charset="0"/>
+                        </a:rPr>
+                        <a:t>tp_new</a:t>
+                      </a:r>
+                      <a:endParaRPr lang="zh-CN" altLang="en-US" b="1" dirty="0">
+                        <a:latin typeface="Times New Roman" panose="02020603050405020304" pitchFamily="18" charset="0"/>
+                        <a:cs typeface="Times New Roman" panose="02020603050405020304" pitchFamily="18" charset="0"/>
+                      </a:endParaRPr>
+                    </a:p>
+                  </a:txBody>
+                  <a:tcPr anchor="ctr"/>
+                </a:tc>
+                <a:extLst>
+                  <a:ext uri="{0D108BD9-81ED-4DB2-BD59-A6C34878D82A}">
+                    <a16:rowId xmlns:a16="http://schemas.microsoft.com/office/drawing/2014/main" val="2128427681"/>
+                  </a:ext>
+                </a:extLst>
+              </a:tr>
+              <a:tr h="522299">
+                <a:tc>
+                  <a:txBody>
+                    <a:bodyPr/>
+                    <a:lstStyle/>
+                    <a:p>
+                      <a:pPr algn="ctr"/>
+                      <a:r>
+                        <a:rPr lang="en-US" altLang="zh-CN" u="sng" dirty="0" err="1" smtClean="0">
+                          <a:latin typeface="Times New Roman" panose="02020603050405020304" pitchFamily="18" charset="0"/>
+                          <a:cs typeface="Times New Roman" panose="02020603050405020304" pitchFamily="18" charset="0"/>
+                        </a:rPr>
+                        <a:t>tp_init</a:t>
+                      </a:r>
+                      <a:endParaRPr lang="zh-CN" altLang="en-US" u="sng" dirty="0">
+                        <a:latin typeface="Times New Roman" panose="02020603050405020304" pitchFamily="18" charset="0"/>
+                        <a:cs typeface="Times New Roman" panose="02020603050405020304" pitchFamily="18" charset="0"/>
+                      </a:endParaRPr>
+                    </a:p>
+                  </a:txBody>
+                  <a:tcPr anchor="ctr"/>
+                </a:tc>
+                <a:extLst>
+                  <a:ext uri="{0D108BD9-81ED-4DB2-BD59-A6C34878D82A}">
+                    <a16:rowId xmlns:a16="http://schemas.microsoft.com/office/drawing/2014/main" val="999530981"/>
+                  </a:ext>
+                </a:extLst>
+              </a:tr>
+              <a:tr h="522299">
+                <a:tc>
+                  <a:txBody>
+                    <a:bodyPr/>
+                    <a:lstStyle/>
+                    <a:p>
+                      <a:pPr algn="ctr"/>
+                      <a:r>
+                        <a:rPr lang="en-US" altLang="zh-CN" dirty="0" smtClean="0">
+                          <a:latin typeface="Times New Roman" panose="02020603050405020304" pitchFamily="18" charset="0"/>
+                          <a:cs typeface="Times New Roman" panose="02020603050405020304" pitchFamily="18" charset="0"/>
+                        </a:rPr>
+                        <a:t>… …</a:t>
+                      </a:r>
+                      <a:endParaRPr lang="zh-CN" altLang="en-US" dirty="0">
+                        <a:latin typeface="Times New Roman" panose="02020603050405020304" pitchFamily="18" charset="0"/>
+                        <a:cs typeface="Times New Roman" panose="02020603050405020304" pitchFamily="18" charset="0"/>
+                      </a:endParaRPr>
+                    </a:p>
+                  </a:txBody>
+                  <a:tcPr anchor="ctr"/>
+                </a:tc>
+                <a:extLst>
+                  <a:ext uri="{0D108BD9-81ED-4DB2-BD59-A6C34878D82A}">
+                    <a16:rowId xmlns:a16="http://schemas.microsoft.com/office/drawing/2014/main" val="2011351076"/>
+                  </a:ext>
+                </a:extLst>
+              </a:tr>
+            </a:tbl>
+          </a:graphicData>
+        </a:graphic>
+      </p:graphicFrame>
+      <p:graphicFrame>
+        <p:nvGraphicFramePr>
+          <p:cNvPr id="4" name="表格 3"/>
+          <p:cNvGraphicFramePr>
+            <a:graphicFrameLocks noGrp="1"/>
+          </p:cNvGraphicFramePr>
+          <p:nvPr>
+            <p:extLst>
+              <p:ext uri="{D42A27DB-BD31-4B8C-83A1-F6EECF244321}">
+                <p14:modId xmlns:p14="http://schemas.microsoft.com/office/powerpoint/2010/main" val="3610048100"/>
+              </p:ext>
+            </p:extLst>
+          </p:nvPr>
+        </p:nvGraphicFramePr>
+        <p:xfrm>
+          <a:off x="8726964" y="1333797"/>
+          <a:ext cx="1573730" cy="2089196"/>
+        </p:xfrm>
+        <a:graphic>
+          <a:graphicData uri="http://schemas.openxmlformats.org/drawingml/2006/table">
+            <a:tbl>
+              <a:tblPr firstRow="1" bandRow="1">
+                <a:tableStyleId>{5940675A-B579-460E-94D1-54222C63F5DA}</a:tableStyleId>
+              </a:tblPr>
+              <a:tblGrid>
+                <a:gridCol w="1573730">
+                  <a:extLst>
+                    <a:ext uri="{9D8B030D-6E8A-4147-A177-3AD203B41FA5}">
+                      <a16:colId xmlns:a16="http://schemas.microsoft.com/office/drawing/2014/main" val="2322090925"/>
+                    </a:ext>
+                  </a:extLst>
+                </a:gridCol>
+              </a:tblGrid>
+              <a:tr h="522299">
+                <a:tc>
+                  <a:txBody>
+                    <a:bodyPr/>
+                    <a:lstStyle/>
+                    <a:p>
+                      <a:pPr algn="ctr"/>
+                      <a:r>
+                        <a:rPr lang="en-US" altLang="zh-CN" dirty="0" err="1" smtClean="0"/>
+                        <a:t>PyObject</a:t>
+                      </a:r>
+                      <a:endParaRPr lang="zh-CN" altLang="en-US" dirty="0"/>
+                    </a:p>
+                  </a:txBody>
+                  <a:tcPr anchor="ctr"/>
+                </a:tc>
+                <a:extLst>
+                  <a:ext uri="{0D108BD9-81ED-4DB2-BD59-A6C34878D82A}">
+                    <a16:rowId xmlns:a16="http://schemas.microsoft.com/office/drawing/2014/main" val="1121236306"/>
+                  </a:ext>
+                </a:extLst>
+              </a:tr>
+              <a:tr h="522299">
+                <a:tc>
+                  <a:txBody>
+                    <a:bodyPr/>
+                    <a:lstStyle/>
+                    <a:p>
+                      <a:pPr algn="ctr"/>
+                      <a:r>
+                        <a:rPr lang="en-US" altLang="zh-CN" dirty="0" smtClean="0"/>
+                        <a:t>… …</a:t>
+                      </a:r>
+                      <a:endParaRPr lang="zh-CN" altLang="en-US" dirty="0"/>
+                    </a:p>
+                  </a:txBody>
+                  <a:tcPr anchor="ctr"/>
+                </a:tc>
+                <a:extLst>
+                  <a:ext uri="{0D108BD9-81ED-4DB2-BD59-A6C34878D82A}">
+                    <a16:rowId xmlns:a16="http://schemas.microsoft.com/office/drawing/2014/main" val="2343785992"/>
+                  </a:ext>
+                </a:extLst>
+              </a:tr>
+              <a:tr h="522299">
+                <a:tc>
+                  <a:txBody>
+                    <a:bodyPr/>
+                    <a:lstStyle/>
+                    <a:p>
+                      <a:pPr algn="ctr"/>
+                      <a:r>
+                        <a:rPr lang="en-US" altLang="zh-CN" dirty="0" err="1" smtClean="0"/>
+                        <a:t>tp_new</a:t>
+                      </a:r>
+                      <a:endParaRPr lang="zh-CN" altLang="en-US" dirty="0"/>
+                    </a:p>
+                  </a:txBody>
+                  <a:tcPr anchor="ctr"/>
+                </a:tc>
+                <a:extLst>
+                  <a:ext uri="{0D108BD9-81ED-4DB2-BD59-A6C34878D82A}">
+                    <a16:rowId xmlns:a16="http://schemas.microsoft.com/office/drawing/2014/main" val="2128427681"/>
+                  </a:ext>
+                </a:extLst>
+              </a:tr>
+              <a:tr h="522299">
+                <a:tc>
+                  <a:txBody>
+                    <a:bodyPr/>
+                    <a:lstStyle/>
+                    <a:p>
+                      <a:pPr algn="ctr"/>
+                      <a:r>
+                        <a:rPr lang="en-US" altLang="zh-CN" dirty="0" smtClean="0"/>
+                        <a:t>… …</a:t>
+                      </a:r>
+                      <a:endParaRPr lang="zh-CN" altLang="en-US" dirty="0"/>
+                    </a:p>
+                  </a:txBody>
+                  <a:tcPr anchor="ctr"/>
+                </a:tc>
+                <a:extLst>
+                  <a:ext uri="{0D108BD9-81ED-4DB2-BD59-A6C34878D82A}">
+                    <a16:rowId xmlns:a16="http://schemas.microsoft.com/office/drawing/2014/main" val="2011351076"/>
+                  </a:ext>
+                </a:extLst>
+              </a:tr>
+            </a:tbl>
+          </a:graphicData>
+        </a:graphic>
+      </p:graphicFrame>
+      <p:sp>
+        <p:nvSpPr>
+          <p:cNvPr id="5" name="矩形 4"/>
+          <p:cNvSpPr/>
+          <p:nvPr/>
+        </p:nvSpPr>
+        <p:spPr>
+          <a:xfrm>
+            <a:off x="3190177" y="5347268"/>
+            <a:ext cx="1209331" cy="423985"/>
+          </a:xfrm>
+          <a:prstGeom prst="rect">
+            <a:avLst/>
+          </a:prstGeom>
+          <a:noFill/>
+          <a:ln>
+            <a:noFill/>
+          </a:ln>
+        </p:spPr>
+        <p:style>
+          <a:lnRef idx="0">
+            <a:scrgbClr r="0" g="0" b="0"/>
+          </a:lnRef>
+          <a:fillRef idx="0">
+            <a:scrgbClr r="0" g="0" b="0"/>
+          </a:fillRef>
+          <a:effectRef idx="0">
+            <a:scrgbClr r="0" g="0" b="0"/>
+          </a:effectRef>
+          <a:fontRef idx="minor">
+            <a:schemeClr val="dk1"/>
+          </a:fontRef>
+        </p:style>
+        <p:txBody>
+          <a:bodyPr rtlCol="0" anchor="ctr"/>
+          <a:lstStyle/>
+          <a:p>
+            <a:pPr algn="ctr"/>
+            <a:r>
+              <a:rPr lang="en-US" altLang="zh-CN" sz="2400" b="1" dirty="0" err="1" smtClean="0">
+                <a:latin typeface="Times New Roman" panose="02020603050405020304" pitchFamily="18" charset="0"/>
+                <a:cs typeface="Times New Roman" panose="02020603050405020304" pitchFamily="18" charset="0"/>
+              </a:rPr>
+              <a:t>int</a:t>
+            </a:r>
+            <a:r>
+              <a:rPr lang="en-US" altLang="zh-CN" sz="2400" b="1" dirty="0" smtClean="0">
+                <a:latin typeface="Times New Roman" panose="02020603050405020304" pitchFamily="18" charset="0"/>
+                <a:cs typeface="Times New Roman" panose="02020603050405020304" pitchFamily="18" charset="0"/>
+              </a:rPr>
+              <a:t>(10)</a:t>
+            </a:r>
+            <a:endParaRPr lang="zh-CN" altLang="en-US" sz="2400" b="1" dirty="0">
+              <a:latin typeface="Times New Roman" panose="02020603050405020304" pitchFamily="18" charset="0"/>
+              <a:cs typeface="Times New Roman" panose="02020603050405020304" pitchFamily="18" charset="0"/>
+            </a:endParaRPr>
+          </a:p>
+        </p:txBody>
+      </p:sp>
+      <p:sp>
+        <p:nvSpPr>
+          <p:cNvPr id="6" name="矩形 5"/>
+          <p:cNvSpPr/>
+          <p:nvPr/>
+        </p:nvSpPr>
+        <p:spPr>
+          <a:xfrm>
+            <a:off x="5817132" y="5771253"/>
+            <a:ext cx="1380519" cy="396276"/>
+          </a:xfrm>
+          <a:prstGeom prst="rect">
+            <a:avLst/>
+          </a:prstGeom>
+          <a:noFill/>
+          <a:ln>
+            <a:noFill/>
+          </a:ln>
+        </p:spPr>
+        <p:style>
+          <a:lnRef idx="0">
+            <a:scrgbClr r="0" g="0" b="0"/>
+          </a:lnRef>
+          <a:fillRef idx="0">
+            <a:scrgbClr r="0" g="0" b="0"/>
+          </a:fillRef>
+          <a:effectRef idx="0">
+            <a:scrgbClr r="0" g="0" b="0"/>
+          </a:effectRef>
+          <a:fontRef idx="minor">
+            <a:schemeClr val="dk1"/>
+          </a:fontRef>
+        </p:style>
+        <p:txBody>
+          <a:bodyPr rtlCol="0" anchor="ctr"/>
+          <a:lstStyle/>
+          <a:p>
+            <a:pPr algn="ctr"/>
+            <a:r>
+              <a:rPr lang="en-US" altLang="zh-CN" b="1" dirty="0" err="1" smtClean="0">
+                <a:latin typeface="Times New Roman" panose="02020603050405020304" pitchFamily="18" charset="0"/>
+                <a:cs typeface="Times New Roman" panose="02020603050405020304" pitchFamily="18" charset="0"/>
+              </a:rPr>
+              <a:t>PyInt_Type</a:t>
+            </a:r>
+            <a:endParaRPr lang="zh-CN" altLang="en-US" b="1" dirty="0">
+              <a:latin typeface="Times New Roman" panose="02020603050405020304" pitchFamily="18" charset="0"/>
+              <a:cs typeface="Times New Roman" panose="02020603050405020304" pitchFamily="18" charset="0"/>
+            </a:endParaRPr>
+          </a:p>
+        </p:txBody>
+      </p:sp>
+      <p:sp>
+        <p:nvSpPr>
+          <p:cNvPr id="7" name="矩形 6"/>
+          <p:cNvSpPr/>
+          <p:nvPr/>
+        </p:nvSpPr>
+        <p:spPr>
+          <a:xfrm>
+            <a:off x="8405844" y="3422993"/>
+            <a:ext cx="2215970" cy="396276"/>
+          </a:xfrm>
+          <a:prstGeom prst="rect">
+            <a:avLst/>
+          </a:prstGeom>
+          <a:noFill/>
+          <a:ln>
+            <a:noFill/>
+          </a:ln>
+        </p:spPr>
+        <p:style>
+          <a:lnRef idx="0">
+            <a:scrgbClr r="0" g="0" b="0"/>
+          </a:lnRef>
+          <a:fillRef idx="0">
+            <a:scrgbClr r="0" g="0" b="0"/>
+          </a:fillRef>
+          <a:effectRef idx="0">
+            <a:scrgbClr r="0" g="0" b="0"/>
+          </a:effectRef>
+          <a:fontRef idx="minor">
+            <a:schemeClr val="dk1"/>
+          </a:fontRef>
+        </p:style>
+        <p:txBody>
+          <a:bodyPr rtlCol="0" anchor="ctr"/>
+          <a:lstStyle/>
+          <a:p>
+            <a:pPr algn="ctr"/>
+            <a:r>
+              <a:rPr lang="en-US" altLang="zh-CN" b="1" dirty="0" err="1" smtClean="0">
+                <a:latin typeface="Times New Roman" panose="02020603050405020304" pitchFamily="18" charset="0"/>
+                <a:cs typeface="Times New Roman" panose="02020603050405020304" pitchFamily="18" charset="0"/>
+              </a:rPr>
+              <a:t>PyBaseObject_Type</a:t>
+            </a:r>
+            <a:endParaRPr lang="zh-CN" altLang="en-US" b="1" dirty="0">
+              <a:latin typeface="Times New Roman" panose="02020603050405020304" pitchFamily="18" charset="0"/>
+              <a:cs typeface="Times New Roman" panose="02020603050405020304" pitchFamily="18" charset="0"/>
+            </a:endParaRPr>
+          </a:p>
+        </p:txBody>
+      </p:sp>
+      <p:cxnSp>
+        <p:nvCxnSpPr>
+          <p:cNvPr id="9" name="直接箭头连接符 8"/>
+          <p:cNvCxnSpPr>
+            <a:stCxn id="5" idx="0"/>
+          </p:cNvCxnSpPr>
+          <p:nvPr/>
+        </p:nvCxnSpPr>
+        <p:spPr>
+          <a:xfrm flipV="1">
+            <a:off x="3794843" y="4477273"/>
+            <a:ext cx="1925684" cy="869995"/>
+          </a:xfrm>
+          <a:prstGeom prst="straightConnector1">
+            <a:avLst/>
+          </a:prstGeom>
+          <a:ln>
+            <a:prstDash val="dash"/>
+            <a:headEnd type="none" w="med" len="med"/>
+            <a:tailEnd type="stealth" w="lg" len="lg"/>
+          </a:ln>
+        </p:spPr>
+        <p:style>
+          <a:lnRef idx="1">
+            <a:schemeClr val="dk1"/>
+          </a:lnRef>
+          <a:fillRef idx="0">
+            <a:schemeClr val="dk1"/>
+          </a:fillRef>
+          <a:effectRef idx="0">
+            <a:schemeClr val="dk1"/>
+          </a:effectRef>
+          <a:fontRef idx="minor">
+            <a:schemeClr val="tx1"/>
+          </a:fontRef>
+        </p:style>
+      </p:cxnSp>
+      <p:sp>
+        <p:nvSpPr>
+          <p:cNvPr id="10" name="椭圆 9"/>
+          <p:cNvSpPr>
+            <a:spLocks noChangeAspect="1"/>
+          </p:cNvSpPr>
+          <p:nvPr/>
+        </p:nvSpPr>
+        <p:spPr>
+          <a:xfrm>
+            <a:off x="4757685" y="5073019"/>
+            <a:ext cx="360000" cy="360000"/>
+          </a:xfrm>
+          <a:prstGeom prst="ellipse">
+            <a:avLst/>
+          </a:prstGeom>
+        </p:spPr>
+        <p:style>
+          <a:lnRef idx="2">
+            <a:schemeClr val="dk1"/>
+          </a:lnRef>
+          <a:fillRef idx="1">
+            <a:schemeClr val="lt1"/>
+          </a:fillRef>
+          <a:effectRef idx="0">
+            <a:schemeClr val="dk1"/>
+          </a:effectRef>
+          <a:fontRef idx="minor">
+            <a:schemeClr val="dk1"/>
+          </a:fontRef>
+        </p:style>
+        <p:txBody>
+          <a:bodyPr rtlCol="0" anchor="ctr"/>
+          <a:lstStyle/>
+          <a:p>
+            <a:pPr algn="ctr"/>
+            <a:r>
+              <a:rPr lang="en-US" altLang="zh-CN" dirty="0" smtClean="0"/>
+              <a:t>1</a:t>
+            </a:r>
+            <a:endParaRPr lang="zh-CN" altLang="en-US" dirty="0"/>
+          </a:p>
+        </p:txBody>
+      </p:sp>
+      <p:sp>
+        <p:nvSpPr>
+          <p:cNvPr id="11" name="椭圆 10"/>
+          <p:cNvSpPr>
+            <a:spLocks noChangeAspect="1"/>
+          </p:cNvSpPr>
+          <p:nvPr/>
+        </p:nvSpPr>
+        <p:spPr>
+          <a:xfrm>
+            <a:off x="7973117" y="3752581"/>
+            <a:ext cx="360000" cy="360000"/>
+          </a:xfrm>
+          <a:prstGeom prst="ellipse">
+            <a:avLst/>
+          </a:prstGeom>
+        </p:spPr>
+        <p:style>
+          <a:lnRef idx="2">
+            <a:schemeClr val="dk1"/>
+          </a:lnRef>
+          <a:fillRef idx="1">
+            <a:schemeClr val="lt1"/>
+          </a:fillRef>
+          <a:effectRef idx="0">
+            <a:schemeClr val="dk1"/>
+          </a:effectRef>
+          <a:fontRef idx="minor">
+            <a:schemeClr val="dk1"/>
+          </a:fontRef>
+        </p:style>
+        <p:txBody>
+          <a:bodyPr rtlCol="0" anchor="ctr"/>
+          <a:lstStyle/>
+          <a:p>
+            <a:pPr algn="ctr"/>
+            <a:r>
+              <a:rPr lang="en-US" altLang="zh-CN" dirty="0"/>
+              <a:t>2</a:t>
+            </a:r>
+            <a:endParaRPr lang="zh-CN" altLang="en-US" dirty="0"/>
+          </a:p>
+        </p:txBody>
+      </p:sp>
+      <p:sp>
+        <p:nvSpPr>
+          <p:cNvPr id="12" name="椭圆 11"/>
+          <p:cNvSpPr>
+            <a:spLocks noChangeAspect="1"/>
+          </p:cNvSpPr>
+          <p:nvPr/>
+        </p:nvSpPr>
+        <p:spPr>
+          <a:xfrm>
+            <a:off x="10048114" y="4262897"/>
+            <a:ext cx="360000" cy="360000"/>
+          </a:xfrm>
+          <a:prstGeom prst="ellipse">
+            <a:avLst/>
+          </a:prstGeom>
+        </p:spPr>
+        <p:style>
+          <a:lnRef idx="2">
+            <a:schemeClr val="dk1"/>
+          </a:lnRef>
+          <a:fillRef idx="1">
+            <a:schemeClr val="lt1"/>
+          </a:fillRef>
+          <a:effectRef idx="0">
+            <a:schemeClr val="dk1"/>
+          </a:effectRef>
+          <a:fontRef idx="minor">
+            <a:schemeClr val="dk1"/>
+          </a:fontRef>
+        </p:style>
+        <p:txBody>
+          <a:bodyPr rtlCol="0" anchor="ctr"/>
+          <a:lstStyle/>
+          <a:p>
+            <a:pPr algn="ctr"/>
+            <a:r>
+              <a:rPr lang="en-US" altLang="zh-CN" dirty="0"/>
+              <a:t>3</a:t>
+            </a:r>
+            <a:endParaRPr lang="zh-CN" altLang="en-US" dirty="0"/>
+          </a:p>
+        </p:txBody>
+      </p:sp>
+      <p:cxnSp>
+        <p:nvCxnSpPr>
+          <p:cNvPr id="13" name="直接箭头连接符 12"/>
+          <p:cNvCxnSpPr/>
+          <p:nvPr/>
+        </p:nvCxnSpPr>
+        <p:spPr>
+          <a:xfrm flipH="1">
+            <a:off x="7294257" y="2620764"/>
+            <a:ext cx="1432708" cy="802229"/>
+          </a:xfrm>
+          <a:prstGeom prst="straightConnector1">
+            <a:avLst/>
+          </a:prstGeom>
+          <a:ln>
+            <a:prstDash val="dash"/>
+            <a:headEnd type="none" w="med" len="med"/>
+            <a:tailEnd type="stealth" w="lg" len="lg"/>
+          </a:ln>
+        </p:spPr>
+        <p:style>
+          <a:lnRef idx="1">
+            <a:schemeClr val="dk1"/>
+          </a:lnRef>
+          <a:fillRef idx="0">
+            <a:schemeClr val="dk1"/>
+          </a:fillRef>
+          <a:effectRef idx="0">
+            <a:schemeClr val="dk1"/>
+          </a:effectRef>
+          <a:fontRef idx="minor">
+            <a:schemeClr val="tx1"/>
+          </a:fontRef>
+        </p:style>
+      </p:cxnSp>
+      <p:sp>
+        <p:nvSpPr>
+          <p:cNvPr id="20" name="任意多边形 19"/>
+          <p:cNvSpPr/>
+          <p:nvPr/>
+        </p:nvSpPr>
+        <p:spPr>
+          <a:xfrm>
+            <a:off x="2582160" y="587155"/>
+            <a:ext cx="6850026" cy="1699287"/>
+          </a:xfrm>
+          <a:custGeom>
+            <a:avLst/>
+            <a:gdLst>
+              <a:gd name="connsiteX0" fmla="*/ 0 w 8572500"/>
+              <a:gd name="connsiteY0" fmla="*/ 1535983 h 1535983"/>
+              <a:gd name="connsiteX1" fmla="*/ 3467100 w 8572500"/>
+              <a:gd name="connsiteY1" fmla="*/ 288208 h 1535983"/>
+              <a:gd name="connsiteX2" fmla="*/ 5476875 w 8572500"/>
+              <a:gd name="connsiteY2" fmla="*/ 11983 h 1535983"/>
+              <a:gd name="connsiteX3" fmla="*/ 6915150 w 8572500"/>
+              <a:gd name="connsiteY3" fmla="*/ 88183 h 1535983"/>
+              <a:gd name="connsiteX4" fmla="*/ 8572500 w 8572500"/>
+              <a:gd name="connsiteY4" fmla="*/ 431083 h 1535983"/>
+              <a:gd name="connsiteX0" fmla="*/ 0 w 6850026"/>
+              <a:gd name="connsiteY0" fmla="*/ 1684839 h 1684839"/>
+              <a:gd name="connsiteX1" fmla="*/ 1744626 w 6850026"/>
+              <a:gd name="connsiteY1" fmla="*/ 288208 h 1684839"/>
+              <a:gd name="connsiteX2" fmla="*/ 3754401 w 6850026"/>
+              <a:gd name="connsiteY2" fmla="*/ 11983 h 1684839"/>
+              <a:gd name="connsiteX3" fmla="*/ 5192676 w 6850026"/>
+              <a:gd name="connsiteY3" fmla="*/ 88183 h 1684839"/>
+              <a:gd name="connsiteX4" fmla="*/ 6850026 w 6850026"/>
+              <a:gd name="connsiteY4" fmla="*/ 431083 h 1684839"/>
+              <a:gd name="connsiteX0" fmla="*/ 0 w 6850026"/>
+              <a:gd name="connsiteY0" fmla="*/ 1696978 h 1696978"/>
+              <a:gd name="connsiteX1" fmla="*/ 2127398 w 6850026"/>
+              <a:gd name="connsiteY1" fmla="*/ 470468 h 1696978"/>
+              <a:gd name="connsiteX2" fmla="*/ 3754401 w 6850026"/>
+              <a:gd name="connsiteY2" fmla="*/ 24122 h 1696978"/>
+              <a:gd name="connsiteX3" fmla="*/ 5192676 w 6850026"/>
+              <a:gd name="connsiteY3" fmla="*/ 100322 h 1696978"/>
+              <a:gd name="connsiteX4" fmla="*/ 6850026 w 6850026"/>
+              <a:gd name="connsiteY4" fmla="*/ 443222 h 1696978"/>
+              <a:gd name="connsiteX0" fmla="*/ 0 w 6850026"/>
+              <a:gd name="connsiteY0" fmla="*/ 1696978 h 1696978"/>
+              <a:gd name="connsiteX1" fmla="*/ 2127398 w 6850026"/>
+              <a:gd name="connsiteY1" fmla="*/ 470468 h 1696978"/>
+              <a:gd name="connsiteX2" fmla="*/ 3754401 w 6850026"/>
+              <a:gd name="connsiteY2" fmla="*/ 24122 h 1696978"/>
+              <a:gd name="connsiteX3" fmla="*/ 5192676 w 6850026"/>
+              <a:gd name="connsiteY3" fmla="*/ 100322 h 1696978"/>
+              <a:gd name="connsiteX4" fmla="*/ 6850026 w 6850026"/>
+              <a:gd name="connsiteY4" fmla="*/ 443222 h 1696978"/>
+              <a:gd name="connsiteX0" fmla="*/ 0 w 6850026"/>
+              <a:gd name="connsiteY0" fmla="*/ 1696978 h 1696978"/>
+              <a:gd name="connsiteX1" fmla="*/ 2127398 w 6850026"/>
+              <a:gd name="connsiteY1" fmla="*/ 470468 h 1696978"/>
+              <a:gd name="connsiteX2" fmla="*/ 3754401 w 6850026"/>
+              <a:gd name="connsiteY2" fmla="*/ 24122 h 1696978"/>
+              <a:gd name="connsiteX3" fmla="*/ 5192676 w 6850026"/>
+              <a:gd name="connsiteY3" fmla="*/ 100322 h 1696978"/>
+              <a:gd name="connsiteX4" fmla="*/ 6850026 w 6850026"/>
+              <a:gd name="connsiteY4" fmla="*/ 443222 h 1696978"/>
+              <a:gd name="connsiteX0" fmla="*/ 0 w 6850026"/>
+              <a:gd name="connsiteY0" fmla="*/ 1699287 h 1699287"/>
+              <a:gd name="connsiteX1" fmla="*/ 2010440 w 6850026"/>
+              <a:gd name="connsiteY1" fmla="*/ 504675 h 1699287"/>
+              <a:gd name="connsiteX2" fmla="*/ 3754401 w 6850026"/>
+              <a:gd name="connsiteY2" fmla="*/ 26431 h 1699287"/>
+              <a:gd name="connsiteX3" fmla="*/ 5192676 w 6850026"/>
+              <a:gd name="connsiteY3" fmla="*/ 102631 h 1699287"/>
+              <a:gd name="connsiteX4" fmla="*/ 6850026 w 6850026"/>
+              <a:gd name="connsiteY4" fmla="*/ 445531 h 1699287"/>
+            </a:gdLst>
+            <a:ahLst/>
+            <a:cxnLst>
+              <a:cxn ang="0">
+                <a:pos x="connsiteX0" y="connsiteY0"/>
+              </a:cxn>
+              <a:cxn ang="0">
+                <a:pos x="connsiteX1" y="connsiteY1"/>
+              </a:cxn>
+              <a:cxn ang="0">
+                <a:pos x="connsiteX2" y="connsiteY2"/>
+              </a:cxn>
+              <a:cxn ang="0">
+                <a:pos x="connsiteX3" y="connsiteY3"/>
+              </a:cxn>
+              <a:cxn ang="0">
+                <a:pos x="connsiteX4" y="connsiteY4"/>
+              </a:cxn>
+            </a:cxnLst>
+            <a:rect l="l" t="t" r="r" b="b"/>
+            <a:pathLst>
+              <a:path w="6850026" h="1699287">
+                <a:moveTo>
+                  <a:pt x="0" y="1699287"/>
+                </a:moveTo>
+                <a:cubicBezTo>
+                  <a:pt x="819944" y="1000380"/>
+                  <a:pt x="1363442" y="762218"/>
+                  <a:pt x="2010440" y="504675"/>
+                </a:cubicBezTo>
+                <a:cubicBezTo>
+                  <a:pt x="2657438" y="247132"/>
+                  <a:pt x="3224028" y="93438"/>
+                  <a:pt x="3754401" y="26431"/>
+                </a:cubicBezTo>
+                <a:cubicBezTo>
+                  <a:pt x="4284774" y="-40576"/>
+                  <a:pt x="4676738" y="32781"/>
+                  <a:pt x="5192676" y="102631"/>
+                </a:cubicBezTo>
+                <a:cubicBezTo>
+                  <a:pt x="5708614" y="172481"/>
+                  <a:pt x="6279320" y="309006"/>
+                  <a:pt x="6850026" y="445531"/>
+                </a:cubicBezTo>
+              </a:path>
+            </a:pathLst>
+          </a:custGeom>
+          <a:ln>
+            <a:prstDash val="dash"/>
+          </a:ln>
+        </p:spPr>
+        <p:style>
+          <a:lnRef idx="1">
+            <a:schemeClr val="dk1"/>
+          </a:lnRef>
+          <a:fillRef idx="0">
+            <a:schemeClr val="dk1"/>
+          </a:fillRef>
+          <a:effectRef idx="0">
+            <a:schemeClr val="dk1"/>
+          </a:effectRef>
+          <a:fontRef idx="minor">
+            <a:schemeClr val="tx1"/>
+          </a:fontRef>
+        </p:style>
+        <p:txBody>
+          <a:bodyPr rtlCol="0" anchor="ctr"/>
+          <a:lstStyle/>
+          <a:p>
+            <a:pPr algn="ctr"/>
+            <a:endParaRPr lang="zh-CN" altLang="en-US"/>
+          </a:p>
+        </p:txBody>
+      </p:sp>
+      <p:sp>
+        <p:nvSpPr>
+          <p:cNvPr id="22" name="左大括号 21"/>
+          <p:cNvSpPr/>
+          <p:nvPr/>
+        </p:nvSpPr>
+        <p:spPr>
+          <a:xfrm rot="5400000">
+            <a:off x="9383874" y="416977"/>
+            <a:ext cx="259909" cy="1573730"/>
+          </a:xfrm>
+          <a:prstGeom prst="leftBrace">
+            <a:avLst>
+              <a:gd name="adj1" fmla="val 76999"/>
+              <a:gd name="adj2" fmla="val 55447"/>
+            </a:avLst>
+          </a:prstGeom>
+          <a:ln>
+            <a:prstDash val="dash"/>
+          </a:ln>
+        </p:spPr>
+        <p:style>
+          <a:lnRef idx="1">
+            <a:schemeClr val="dk1"/>
+          </a:lnRef>
+          <a:fillRef idx="0">
+            <a:schemeClr val="dk1"/>
+          </a:fillRef>
+          <a:effectRef idx="0">
+            <a:schemeClr val="dk1"/>
+          </a:effectRef>
+          <a:fontRef idx="minor">
+            <a:schemeClr val="tx1"/>
+          </a:fontRef>
+        </p:style>
+        <p:txBody>
+          <a:bodyPr rtlCol="0" anchor="ctr"/>
+          <a:lstStyle/>
+          <a:p>
+            <a:pPr algn="ctr"/>
+            <a:endParaRPr lang="zh-CN" altLang="en-US"/>
+          </a:p>
+        </p:txBody>
+      </p:sp>
+      <p:sp>
+        <p:nvSpPr>
+          <p:cNvPr id="23" name="左大括号 22"/>
+          <p:cNvSpPr/>
+          <p:nvPr/>
+        </p:nvSpPr>
+        <p:spPr>
+          <a:xfrm rot="5400000">
+            <a:off x="6380159" y="1201063"/>
+            <a:ext cx="254463" cy="1573730"/>
+          </a:xfrm>
+          <a:prstGeom prst="leftBrace">
+            <a:avLst>
+              <a:gd name="adj1" fmla="val 76999"/>
+              <a:gd name="adj2" fmla="val 55447"/>
+            </a:avLst>
+          </a:prstGeom>
+          <a:ln>
+            <a:prstDash val="dash"/>
+          </a:ln>
+        </p:spPr>
+        <p:style>
+          <a:lnRef idx="1">
+            <a:schemeClr val="dk1"/>
+          </a:lnRef>
+          <a:fillRef idx="0">
+            <a:schemeClr val="dk1"/>
+          </a:fillRef>
+          <a:effectRef idx="0">
+            <a:schemeClr val="dk1"/>
+          </a:effectRef>
+          <a:fontRef idx="minor">
+            <a:schemeClr val="tx1"/>
+          </a:fontRef>
+        </p:style>
+        <p:txBody>
+          <a:bodyPr rtlCol="0" anchor="ctr"/>
+          <a:lstStyle/>
+          <a:p>
+            <a:pPr algn="ctr"/>
+            <a:endParaRPr lang="zh-CN" altLang="en-US"/>
+          </a:p>
+        </p:txBody>
+      </p:sp>
+      <p:sp>
+        <p:nvSpPr>
+          <p:cNvPr id="24" name="任意多边形 23"/>
+          <p:cNvSpPr/>
+          <p:nvPr/>
+        </p:nvSpPr>
+        <p:spPr>
+          <a:xfrm>
+            <a:off x="2413590" y="1650663"/>
+            <a:ext cx="4018221" cy="1172059"/>
+          </a:xfrm>
+          <a:custGeom>
+            <a:avLst/>
+            <a:gdLst>
+              <a:gd name="connsiteX0" fmla="*/ 0 w 5676900"/>
+              <a:gd name="connsiteY0" fmla="*/ 1452036 h 1452036"/>
+              <a:gd name="connsiteX1" fmla="*/ 2200275 w 5676900"/>
+              <a:gd name="connsiteY1" fmla="*/ 375711 h 1452036"/>
+              <a:gd name="connsiteX2" fmla="*/ 3562350 w 5676900"/>
+              <a:gd name="connsiteY2" fmla="*/ 23286 h 1452036"/>
+              <a:gd name="connsiteX3" fmla="*/ 4676775 w 5676900"/>
+              <a:gd name="connsiteY3" fmla="*/ 89961 h 1452036"/>
+              <a:gd name="connsiteX4" fmla="*/ 5676900 w 5676900"/>
+              <a:gd name="connsiteY4" fmla="*/ 547161 h 1452036"/>
+              <a:gd name="connsiteX5" fmla="*/ 5676900 w 5676900"/>
+              <a:gd name="connsiteY5" fmla="*/ 547161 h 1452036"/>
+              <a:gd name="connsiteX6" fmla="*/ 5676900 w 5676900"/>
+              <a:gd name="connsiteY6" fmla="*/ 547161 h 1452036"/>
+              <a:gd name="connsiteX0" fmla="*/ 0 w 4018221"/>
+              <a:gd name="connsiteY0" fmla="*/ 1537096 h 1537096"/>
+              <a:gd name="connsiteX1" fmla="*/ 541596 w 4018221"/>
+              <a:gd name="connsiteY1" fmla="*/ 375711 h 1537096"/>
+              <a:gd name="connsiteX2" fmla="*/ 1903671 w 4018221"/>
+              <a:gd name="connsiteY2" fmla="*/ 23286 h 1537096"/>
+              <a:gd name="connsiteX3" fmla="*/ 3018096 w 4018221"/>
+              <a:gd name="connsiteY3" fmla="*/ 89961 h 1537096"/>
+              <a:gd name="connsiteX4" fmla="*/ 4018221 w 4018221"/>
+              <a:gd name="connsiteY4" fmla="*/ 547161 h 1537096"/>
+              <a:gd name="connsiteX5" fmla="*/ 4018221 w 4018221"/>
+              <a:gd name="connsiteY5" fmla="*/ 547161 h 1537096"/>
+              <a:gd name="connsiteX6" fmla="*/ 4018221 w 4018221"/>
+              <a:gd name="connsiteY6" fmla="*/ 547161 h 1537096"/>
+              <a:gd name="connsiteX0" fmla="*/ 0 w 4018221"/>
+              <a:gd name="connsiteY0" fmla="*/ 1552059 h 1552059"/>
+              <a:gd name="connsiteX1" fmla="*/ 1243345 w 4018221"/>
+              <a:gd name="connsiteY1" fmla="*/ 592692 h 1552059"/>
+              <a:gd name="connsiteX2" fmla="*/ 1903671 w 4018221"/>
+              <a:gd name="connsiteY2" fmla="*/ 38249 h 1552059"/>
+              <a:gd name="connsiteX3" fmla="*/ 3018096 w 4018221"/>
+              <a:gd name="connsiteY3" fmla="*/ 104924 h 1552059"/>
+              <a:gd name="connsiteX4" fmla="*/ 4018221 w 4018221"/>
+              <a:gd name="connsiteY4" fmla="*/ 562124 h 1552059"/>
+              <a:gd name="connsiteX5" fmla="*/ 4018221 w 4018221"/>
+              <a:gd name="connsiteY5" fmla="*/ 562124 h 1552059"/>
+              <a:gd name="connsiteX6" fmla="*/ 4018221 w 4018221"/>
+              <a:gd name="connsiteY6" fmla="*/ 562124 h 1552059"/>
+              <a:gd name="connsiteX0" fmla="*/ 0 w 4018221"/>
+              <a:gd name="connsiteY0" fmla="*/ 1552059 h 1552059"/>
+              <a:gd name="connsiteX1" fmla="*/ 1243345 w 4018221"/>
+              <a:gd name="connsiteY1" fmla="*/ 592692 h 1552059"/>
+              <a:gd name="connsiteX2" fmla="*/ 1871773 w 4018221"/>
+              <a:gd name="connsiteY2" fmla="*/ 38249 h 1552059"/>
+              <a:gd name="connsiteX3" fmla="*/ 3018096 w 4018221"/>
+              <a:gd name="connsiteY3" fmla="*/ 104924 h 1552059"/>
+              <a:gd name="connsiteX4" fmla="*/ 4018221 w 4018221"/>
+              <a:gd name="connsiteY4" fmla="*/ 562124 h 1552059"/>
+              <a:gd name="connsiteX5" fmla="*/ 4018221 w 4018221"/>
+              <a:gd name="connsiteY5" fmla="*/ 562124 h 1552059"/>
+              <a:gd name="connsiteX6" fmla="*/ 4018221 w 4018221"/>
+              <a:gd name="connsiteY6" fmla="*/ 562124 h 1552059"/>
+              <a:gd name="connsiteX0" fmla="*/ 0 w 4018221"/>
+              <a:gd name="connsiteY0" fmla="*/ 1472400 h 1472400"/>
+              <a:gd name="connsiteX1" fmla="*/ 1243345 w 4018221"/>
+              <a:gd name="connsiteY1" fmla="*/ 513033 h 1472400"/>
+              <a:gd name="connsiteX2" fmla="*/ 2052526 w 4018221"/>
+              <a:gd name="connsiteY2" fmla="*/ 107446 h 1472400"/>
+              <a:gd name="connsiteX3" fmla="*/ 3018096 w 4018221"/>
+              <a:gd name="connsiteY3" fmla="*/ 25265 h 1472400"/>
+              <a:gd name="connsiteX4" fmla="*/ 4018221 w 4018221"/>
+              <a:gd name="connsiteY4" fmla="*/ 482465 h 1472400"/>
+              <a:gd name="connsiteX5" fmla="*/ 4018221 w 4018221"/>
+              <a:gd name="connsiteY5" fmla="*/ 482465 h 1472400"/>
+              <a:gd name="connsiteX6" fmla="*/ 4018221 w 4018221"/>
+              <a:gd name="connsiteY6" fmla="*/ 482465 h 1472400"/>
+              <a:gd name="connsiteX0" fmla="*/ 0 w 4018221"/>
+              <a:gd name="connsiteY0" fmla="*/ 1475404 h 1475404"/>
+              <a:gd name="connsiteX1" fmla="*/ 1243345 w 4018221"/>
+              <a:gd name="connsiteY1" fmla="*/ 516037 h 1475404"/>
+              <a:gd name="connsiteX2" fmla="*/ 1999364 w 4018221"/>
+              <a:gd name="connsiteY2" fmla="*/ 99817 h 1475404"/>
+              <a:gd name="connsiteX3" fmla="*/ 3018096 w 4018221"/>
+              <a:gd name="connsiteY3" fmla="*/ 28269 h 1475404"/>
+              <a:gd name="connsiteX4" fmla="*/ 4018221 w 4018221"/>
+              <a:gd name="connsiteY4" fmla="*/ 485469 h 1475404"/>
+              <a:gd name="connsiteX5" fmla="*/ 4018221 w 4018221"/>
+              <a:gd name="connsiteY5" fmla="*/ 485469 h 1475404"/>
+              <a:gd name="connsiteX6" fmla="*/ 4018221 w 4018221"/>
+              <a:gd name="connsiteY6" fmla="*/ 485469 h 1475404"/>
+              <a:gd name="connsiteX0" fmla="*/ 0 w 4018221"/>
+              <a:gd name="connsiteY0" fmla="*/ 1381624 h 1381624"/>
+              <a:gd name="connsiteX1" fmla="*/ 1243345 w 4018221"/>
+              <a:gd name="connsiteY1" fmla="*/ 422257 h 1381624"/>
+              <a:gd name="connsiteX2" fmla="*/ 1999364 w 4018221"/>
+              <a:gd name="connsiteY2" fmla="*/ 6037 h 1381624"/>
+              <a:gd name="connsiteX3" fmla="*/ 3464663 w 4018221"/>
+              <a:gd name="connsiteY3" fmla="*/ 189671 h 1381624"/>
+              <a:gd name="connsiteX4" fmla="*/ 4018221 w 4018221"/>
+              <a:gd name="connsiteY4" fmla="*/ 391689 h 1381624"/>
+              <a:gd name="connsiteX5" fmla="*/ 4018221 w 4018221"/>
+              <a:gd name="connsiteY5" fmla="*/ 391689 h 1381624"/>
+              <a:gd name="connsiteX6" fmla="*/ 4018221 w 4018221"/>
+              <a:gd name="connsiteY6" fmla="*/ 391689 h 1381624"/>
+              <a:gd name="connsiteX0" fmla="*/ 0 w 4018221"/>
+              <a:gd name="connsiteY0" fmla="*/ 1214865 h 1214865"/>
+              <a:gd name="connsiteX1" fmla="*/ 1243345 w 4018221"/>
+              <a:gd name="connsiteY1" fmla="*/ 255498 h 1214865"/>
+              <a:gd name="connsiteX2" fmla="*/ 2137587 w 4018221"/>
+              <a:gd name="connsiteY2" fmla="*/ 30664 h 1214865"/>
+              <a:gd name="connsiteX3" fmla="*/ 3464663 w 4018221"/>
+              <a:gd name="connsiteY3" fmla="*/ 22912 h 1214865"/>
+              <a:gd name="connsiteX4" fmla="*/ 4018221 w 4018221"/>
+              <a:gd name="connsiteY4" fmla="*/ 224930 h 1214865"/>
+              <a:gd name="connsiteX5" fmla="*/ 4018221 w 4018221"/>
+              <a:gd name="connsiteY5" fmla="*/ 224930 h 1214865"/>
+              <a:gd name="connsiteX6" fmla="*/ 4018221 w 4018221"/>
+              <a:gd name="connsiteY6" fmla="*/ 224930 h 1214865"/>
+              <a:gd name="connsiteX0" fmla="*/ 0 w 4018221"/>
+              <a:gd name="connsiteY0" fmla="*/ 1227173 h 1227173"/>
+              <a:gd name="connsiteX1" fmla="*/ 1424098 w 4018221"/>
+              <a:gd name="connsiteY1" fmla="*/ 459192 h 1227173"/>
+              <a:gd name="connsiteX2" fmla="*/ 2137587 w 4018221"/>
+              <a:gd name="connsiteY2" fmla="*/ 42972 h 1227173"/>
+              <a:gd name="connsiteX3" fmla="*/ 3464663 w 4018221"/>
+              <a:gd name="connsiteY3" fmla="*/ 35220 h 1227173"/>
+              <a:gd name="connsiteX4" fmla="*/ 4018221 w 4018221"/>
+              <a:gd name="connsiteY4" fmla="*/ 237238 h 1227173"/>
+              <a:gd name="connsiteX5" fmla="*/ 4018221 w 4018221"/>
+              <a:gd name="connsiteY5" fmla="*/ 237238 h 1227173"/>
+              <a:gd name="connsiteX6" fmla="*/ 4018221 w 4018221"/>
+              <a:gd name="connsiteY6" fmla="*/ 237238 h 1227173"/>
+              <a:gd name="connsiteX0" fmla="*/ 0 w 4018221"/>
+              <a:gd name="connsiteY0" fmla="*/ 1227173 h 1227173"/>
+              <a:gd name="connsiteX1" fmla="*/ 1424098 w 4018221"/>
+              <a:gd name="connsiteY1" fmla="*/ 459192 h 1227173"/>
+              <a:gd name="connsiteX2" fmla="*/ 2137587 w 4018221"/>
+              <a:gd name="connsiteY2" fmla="*/ 42972 h 1227173"/>
+              <a:gd name="connsiteX3" fmla="*/ 3464663 w 4018221"/>
+              <a:gd name="connsiteY3" fmla="*/ 35220 h 1227173"/>
+              <a:gd name="connsiteX4" fmla="*/ 4018221 w 4018221"/>
+              <a:gd name="connsiteY4" fmla="*/ 237238 h 1227173"/>
+              <a:gd name="connsiteX5" fmla="*/ 4018221 w 4018221"/>
+              <a:gd name="connsiteY5" fmla="*/ 237238 h 1227173"/>
+              <a:gd name="connsiteX6" fmla="*/ 4018221 w 4018221"/>
+              <a:gd name="connsiteY6" fmla="*/ 237238 h 1227173"/>
+              <a:gd name="connsiteX0" fmla="*/ 0 w 4018221"/>
+              <a:gd name="connsiteY0" fmla="*/ 1192060 h 1192060"/>
+              <a:gd name="connsiteX1" fmla="*/ 1424098 w 4018221"/>
+              <a:gd name="connsiteY1" fmla="*/ 424079 h 1192060"/>
+              <a:gd name="connsiteX2" fmla="*/ 2403401 w 4018221"/>
+              <a:gd name="connsiteY2" fmla="*/ 177979 h 1192060"/>
+              <a:gd name="connsiteX3" fmla="*/ 3464663 w 4018221"/>
+              <a:gd name="connsiteY3" fmla="*/ 107 h 1192060"/>
+              <a:gd name="connsiteX4" fmla="*/ 4018221 w 4018221"/>
+              <a:gd name="connsiteY4" fmla="*/ 202125 h 1192060"/>
+              <a:gd name="connsiteX5" fmla="*/ 4018221 w 4018221"/>
+              <a:gd name="connsiteY5" fmla="*/ 202125 h 1192060"/>
+              <a:gd name="connsiteX6" fmla="*/ 4018221 w 4018221"/>
+              <a:gd name="connsiteY6" fmla="*/ 202125 h 1192060"/>
+              <a:gd name="connsiteX0" fmla="*/ 0 w 4018221"/>
+              <a:gd name="connsiteY0" fmla="*/ 1149576 h 1149576"/>
+              <a:gd name="connsiteX1" fmla="*/ 1424098 w 4018221"/>
+              <a:gd name="connsiteY1" fmla="*/ 381595 h 1149576"/>
+              <a:gd name="connsiteX2" fmla="*/ 2403401 w 4018221"/>
+              <a:gd name="connsiteY2" fmla="*/ 135495 h 1149576"/>
+              <a:gd name="connsiteX3" fmla="*/ 3709212 w 4018221"/>
+              <a:gd name="connsiteY3" fmla="*/ 154 h 1149576"/>
+              <a:gd name="connsiteX4" fmla="*/ 4018221 w 4018221"/>
+              <a:gd name="connsiteY4" fmla="*/ 159641 h 1149576"/>
+              <a:gd name="connsiteX5" fmla="*/ 4018221 w 4018221"/>
+              <a:gd name="connsiteY5" fmla="*/ 159641 h 1149576"/>
+              <a:gd name="connsiteX6" fmla="*/ 4018221 w 4018221"/>
+              <a:gd name="connsiteY6" fmla="*/ 159641 h 1149576"/>
+              <a:gd name="connsiteX0" fmla="*/ 0 w 4018221"/>
+              <a:gd name="connsiteY0" fmla="*/ 1151259 h 1151259"/>
+              <a:gd name="connsiteX1" fmla="*/ 1424098 w 4018221"/>
+              <a:gd name="connsiteY1" fmla="*/ 383278 h 1151259"/>
+              <a:gd name="connsiteX2" fmla="*/ 2318341 w 4018221"/>
+              <a:gd name="connsiteY2" fmla="*/ 94647 h 1151259"/>
+              <a:gd name="connsiteX3" fmla="*/ 3709212 w 4018221"/>
+              <a:gd name="connsiteY3" fmla="*/ 1837 h 1151259"/>
+              <a:gd name="connsiteX4" fmla="*/ 4018221 w 4018221"/>
+              <a:gd name="connsiteY4" fmla="*/ 161324 h 1151259"/>
+              <a:gd name="connsiteX5" fmla="*/ 4018221 w 4018221"/>
+              <a:gd name="connsiteY5" fmla="*/ 161324 h 1151259"/>
+              <a:gd name="connsiteX6" fmla="*/ 4018221 w 4018221"/>
+              <a:gd name="connsiteY6" fmla="*/ 161324 h 1151259"/>
+              <a:gd name="connsiteX0" fmla="*/ 0 w 4018221"/>
+              <a:gd name="connsiteY0" fmla="*/ 1150573 h 1150573"/>
+              <a:gd name="connsiteX1" fmla="*/ 1424098 w 4018221"/>
+              <a:gd name="connsiteY1" fmla="*/ 382592 h 1150573"/>
+              <a:gd name="connsiteX2" fmla="*/ 2318341 w 4018221"/>
+              <a:gd name="connsiteY2" fmla="*/ 93961 h 1150573"/>
+              <a:gd name="connsiteX3" fmla="*/ 3709212 w 4018221"/>
+              <a:gd name="connsiteY3" fmla="*/ 1151 h 1150573"/>
+              <a:gd name="connsiteX4" fmla="*/ 4018221 w 4018221"/>
+              <a:gd name="connsiteY4" fmla="*/ 160638 h 1150573"/>
+              <a:gd name="connsiteX5" fmla="*/ 4018221 w 4018221"/>
+              <a:gd name="connsiteY5" fmla="*/ 160638 h 1150573"/>
+              <a:gd name="connsiteX6" fmla="*/ 4018221 w 4018221"/>
+              <a:gd name="connsiteY6" fmla="*/ 160638 h 1150573"/>
+              <a:gd name="connsiteX0" fmla="*/ 0 w 4018221"/>
+              <a:gd name="connsiteY0" fmla="*/ 1214121 h 1214121"/>
+              <a:gd name="connsiteX1" fmla="*/ 1424098 w 4018221"/>
+              <a:gd name="connsiteY1" fmla="*/ 446140 h 1214121"/>
+              <a:gd name="connsiteX2" fmla="*/ 2318341 w 4018221"/>
+              <a:gd name="connsiteY2" fmla="*/ 157509 h 1214121"/>
+              <a:gd name="connsiteX3" fmla="*/ 3283909 w 4018221"/>
+              <a:gd name="connsiteY3" fmla="*/ 904 h 1214121"/>
+              <a:gd name="connsiteX4" fmla="*/ 4018221 w 4018221"/>
+              <a:gd name="connsiteY4" fmla="*/ 224186 h 1214121"/>
+              <a:gd name="connsiteX5" fmla="*/ 4018221 w 4018221"/>
+              <a:gd name="connsiteY5" fmla="*/ 224186 h 1214121"/>
+              <a:gd name="connsiteX6" fmla="*/ 4018221 w 4018221"/>
+              <a:gd name="connsiteY6" fmla="*/ 224186 h 1214121"/>
+              <a:gd name="connsiteX0" fmla="*/ 0 w 4018221"/>
+              <a:gd name="connsiteY0" fmla="*/ 1172059 h 1172059"/>
+              <a:gd name="connsiteX1" fmla="*/ 1424098 w 4018221"/>
+              <a:gd name="connsiteY1" fmla="*/ 404078 h 1172059"/>
+              <a:gd name="connsiteX2" fmla="*/ 2318341 w 4018221"/>
+              <a:gd name="connsiteY2" fmla="*/ 115447 h 1172059"/>
+              <a:gd name="connsiteX3" fmla="*/ 3198848 w 4018221"/>
+              <a:gd name="connsiteY3" fmla="*/ 1372 h 1172059"/>
+              <a:gd name="connsiteX4" fmla="*/ 4018221 w 4018221"/>
+              <a:gd name="connsiteY4" fmla="*/ 182124 h 1172059"/>
+              <a:gd name="connsiteX5" fmla="*/ 4018221 w 4018221"/>
+              <a:gd name="connsiteY5" fmla="*/ 182124 h 1172059"/>
+              <a:gd name="connsiteX6" fmla="*/ 4018221 w 4018221"/>
+              <a:gd name="connsiteY6" fmla="*/ 182124 h 1172059"/>
+              <a:gd name="connsiteX0" fmla="*/ 0 w 4018221"/>
+              <a:gd name="connsiteY0" fmla="*/ 1172059 h 1172059"/>
+              <a:gd name="connsiteX1" fmla="*/ 1424098 w 4018221"/>
+              <a:gd name="connsiteY1" fmla="*/ 404078 h 1172059"/>
+              <a:gd name="connsiteX2" fmla="*/ 2318341 w 4018221"/>
+              <a:gd name="connsiteY2" fmla="*/ 115447 h 1172059"/>
+              <a:gd name="connsiteX3" fmla="*/ 3198848 w 4018221"/>
+              <a:gd name="connsiteY3" fmla="*/ 1372 h 1172059"/>
+              <a:gd name="connsiteX4" fmla="*/ 4018221 w 4018221"/>
+              <a:gd name="connsiteY4" fmla="*/ 182124 h 1172059"/>
+              <a:gd name="connsiteX5" fmla="*/ 4018221 w 4018221"/>
+              <a:gd name="connsiteY5" fmla="*/ 182124 h 1172059"/>
+              <a:gd name="connsiteX6" fmla="*/ 4018221 w 4018221"/>
+              <a:gd name="connsiteY6" fmla="*/ 182124 h 1172059"/>
+            </a:gdLst>
+            <a:ahLst/>
+            <a:cxnLst>
+              <a:cxn ang="0">
+                <a:pos x="connsiteX0" y="connsiteY0"/>
+              </a:cxn>
+              <a:cxn ang="0">
+                <a:pos x="connsiteX1" y="connsiteY1"/>
+              </a:cxn>
+              <a:cxn ang="0">
+                <a:pos x="connsiteX2" y="connsiteY2"/>
+              </a:cxn>
+              <a:cxn ang="0">
+                <a:pos x="connsiteX3" y="connsiteY3"/>
+              </a:cxn>
+              <a:cxn ang="0">
+                <a:pos x="connsiteX4" y="connsiteY4"/>
+              </a:cxn>
+              <a:cxn ang="0">
+                <a:pos x="connsiteX5" y="connsiteY5"/>
+              </a:cxn>
+              <a:cxn ang="0">
+                <a:pos x="connsiteX6" y="connsiteY6"/>
+              </a:cxn>
+            </a:cxnLst>
+            <a:rect l="l" t="t" r="r" b="b"/>
+            <a:pathLst>
+              <a:path w="4018221" h="1172059">
+                <a:moveTo>
+                  <a:pt x="0" y="1172059"/>
+                </a:moveTo>
+                <a:cubicBezTo>
+                  <a:pt x="803275" y="752959"/>
+                  <a:pt x="1037708" y="580180"/>
+                  <a:pt x="1424098" y="404078"/>
+                </a:cubicBezTo>
+                <a:cubicBezTo>
+                  <a:pt x="1810488" y="227976"/>
+                  <a:pt x="2022549" y="182565"/>
+                  <a:pt x="2318341" y="115447"/>
+                </a:cubicBezTo>
+                <a:cubicBezTo>
+                  <a:pt x="2614133" y="48329"/>
+                  <a:pt x="2915535" y="-9741"/>
+                  <a:pt x="3198848" y="1372"/>
+                </a:cubicBezTo>
+                <a:cubicBezTo>
+                  <a:pt x="3482161" y="12485"/>
+                  <a:pt x="3881659" y="151999"/>
+                  <a:pt x="4018221" y="182124"/>
+                </a:cubicBezTo>
+                <a:lnTo>
+                  <a:pt x="4018221" y="182124"/>
+                </a:lnTo>
+                <a:lnTo>
+                  <a:pt x="4018221" y="182124"/>
+                </a:lnTo>
+              </a:path>
+            </a:pathLst>
+          </a:custGeom>
+          <a:noFill/>
+          <a:ln>
+            <a:solidFill>
+              <a:schemeClr val="tx1"/>
+            </a:solidFill>
+            <a:prstDash val="dash"/>
+          </a:ln>
+        </p:spPr>
+        <p:style>
+          <a:lnRef idx="2">
+            <a:schemeClr val="accent1">
+              <a:shade val="50000"/>
+            </a:schemeClr>
+          </a:lnRef>
+          <a:fillRef idx="1">
+            <a:schemeClr val="accent1"/>
+          </a:fillRef>
+          <a:effectRef idx="0">
+            <a:schemeClr val="accent1"/>
+          </a:effectRef>
+          <a:fontRef idx="minor">
+            <a:schemeClr val="lt1"/>
+          </a:fontRef>
+        </p:style>
+        <p:txBody>
+          <a:bodyPr rtlCol="0" anchor="ctr"/>
+          <a:lstStyle/>
+          <a:p>
+            <a:pPr algn="ctr"/>
+            <a:endParaRPr lang="zh-CN" altLang="en-US"/>
+          </a:p>
+        </p:txBody>
+      </p:sp>
+      <p:sp>
+        <p:nvSpPr>
+          <p:cNvPr id="25" name="任意多边形 24"/>
+          <p:cNvSpPr/>
+          <p:nvPr/>
+        </p:nvSpPr>
+        <p:spPr>
+          <a:xfrm>
+            <a:off x="6898535" y="1630052"/>
+            <a:ext cx="1804988" cy="2345860"/>
+          </a:xfrm>
+          <a:custGeom>
+            <a:avLst/>
+            <a:gdLst>
+              <a:gd name="connsiteX0" fmla="*/ 0 w 1898766"/>
+              <a:gd name="connsiteY0" fmla="*/ 2717034 h 2826604"/>
+              <a:gd name="connsiteX1" fmla="*/ 942975 w 1898766"/>
+              <a:gd name="connsiteY1" fmla="*/ 2593209 h 2826604"/>
+              <a:gd name="connsiteX2" fmla="*/ 1066800 w 1898766"/>
+              <a:gd name="connsiteY2" fmla="*/ 640584 h 2826604"/>
+              <a:gd name="connsiteX3" fmla="*/ 1809750 w 1898766"/>
+              <a:gd name="connsiteY3" fmla="*/ 69084 h 2826604"/>
+              <a:gd name="connsiteX4" fmla="*/ 1857375 w 1898766"/>
+              <a:gd name="connsiteY4" fmla="*/ 30984 h 2826604"/>
+              <a:gd name="connsiteX0" fmla="*/ 0 w 1904396"/>
+              <a:gd name="connsiteY0" fmla="*/ 2656973 h 2766543"/>
+              <a:gd name="connsiteX1" fmla="*/ 942975 w 1904396"/>
+              <a:gd name="connsiteY1" fmla="*/ 2533148 h 2766543"/>
+              <a:gd name="connsiteX2" fmla="*/ 1066800 w 1904396"/>
+              <a:gd name="connsiteY2" fmla="*/ 580523 h 2766543"/>
+              <a:gd name="connsiteX3" fmla="*/ 1809750 w 1904396"/>
+              <a:gd name="connsiteY3" fmla="*/ 9023 h 2766543"/>
+              <a:gd name="connsiteX4" fmla="*/ 1866900 w 1904396"/>
+              <a:gd name="connsiteY4" fmla="*/ 228098 h 2766543"/>
+              <a:gd name="connsiteX0" fmla="*/ 0 w 1877364"/>
+              <a:gd name="connsiteY0" fmla="*/ 2740628 h 2850198"/>
+              <a:gd name="connsiteX1" fmla="*/ 942975 w 1877364"/>
+              <a:gd name="connsiteY1" fmla="*/ 2616803 h 2850198"/>
+              <a:gd name="connsiteX2" fmla="*/ 1066800 w 1877364"/>
+              <a:gd name="connsiteY2" fmla="*/ 664178 h 2850198"/>
+              <a:gd name="connsiteX3" fmla="*/ 1685925 w 1877364"/>
+              <a:gd name="connsiteY3" fmla="*/ 6953 h 2850198"/>
+              <a:gd name="connsiteX4" fmla="*/ 1866900 w 1877364"/>
+              <a:gd name="connsiteY4" fmla="*/ 311753 h 2850198"/>
+              <a:gd name="connsiteX0" fmla="*/ 0 w 1809439"/>
+              <a:gd name="connsiteY0" fmla="*/ 2763089 h 2872659"/>
+              <a:gd name="connsiteX1" fmla="*/ 942975 w 1809439"/>
+              <a:gd name="connsiteY1" fmla="*/ 2639264 h 2872659"/>
+              <a:gd name="connsiteX2" fmla="*/ 1066800 w 1809439"/>
+              <a:gd name="connsiteY2" fmla="*/ 686639 h 2872659"/>
+              <a:gd name="connsiteX3" fmla="*/ 1685925 w 1809439"/>
+              <a:gd name="connsiteY3" fmla="*/ 29414 h 2872659"/>
+              <a:gd name="connsiteX4" fmla="*/ 1790700 w 1809439"/>
+              <a:gd name="connsiteY4" fmla="*/ 124664 h 2872659"/>
+              <a:gd name="connsiteX0" fmla="*/ 0 w 1798736"/>
+              <a:gd name="connsiteY0" fmla="*/ 2662502 h 2772072"/>
+              <a:gd name="connsiteX1" fmla="*/ 942975 w 1798736"/>
+              <a:gd name="connsiteY1" fmla="*/ 2538677 h 2772072"/>
+              <a:gd name="connsiteX2" fmla="*/ 1066800 w 1798736"/>
+              <a:gd name="connsiteY2" fmla="*/ 586052 h 2772072"/>
+              <a:gd name="connsiteX3" fmla="*/ 1581150 w 1798736"/>
+              <a:gd name="connsiteY3" fmla="*/ 71702 h 2772072"/>
+              <a:gd name="connsiteX4" fmla="*/ 1790700 w 1798736"/>
+              <a:gd name="connsiteY4" fmla="*/ 24077 h 2772072"/>
+              <a:gd name="connsiteX0" fmla="*/ 0 w 1796716"/>
+              <a:gd name="connsiteY0" fmla="*/ 2681976 h 2791546"/>
+              <a:gd name="connsiteX1" fmla="*/ 942975 w 1796716"/>
+              <a:gd name="connsiteY1" fmla="*/ 2558151 h 2791546"/>
+              <a:gd name="connsiteX2" fmla="*/ 1066800 w 1796716"/>
+              <a:gd name="connsiteY2" fmla="*/ 605526 h 2791546"/>
+              <a:gd name="connsiteX3" fmla="*/ 1524000 w 1796716"/>
+              <a:gd name="connsiteY3" fmla="*/ 53076 h 2791546"/>
+              <a:gd name="connsiteX4" fmla="*/ 1790700 w 1796716"/>
+              <a:gd name="connsiteY4" fmla="*/ 43551 h 2791546"/>
+              <a:gd name="connsiteX0" fmla="*/ 0 w 1799038"/>
+              <a:gd name="connsiteY0" fmla="*/ 2670171 h 2779741"/>
+              <a:gd name="connsiteX1" fmla="*/ 942975 w 1799038"/>
+              <a:gd name="connsiteY1" fmla="*/ 2546346 h 2779741"/>
+              <a:gd name="connsiteX2" fmla="*/ 1066800 w 1799038"/>
+              <a:gd name="connsiteY2" fmla="*/ 593721 h 2779741"/>
+              <a:gd name="connsiteX3" fmla="*/ 1524000 w 1799038"/>
+              <a:gd name="connsiteY3" fmla="*/ 41271 h 2779741"/>
+              <a:gd name="connsiteX4" fmla="*/ 1790700 w 1799038"/>
+              <a:gd name="connsiteY4" fmla="*/ 31746 h 2779741"/>
+              <a:gd name="connsiteX0" fmla="*/ 0 w 1810700"/>
+              <a:gd name="connsiteY0" fmla="*/ 2633404 h 2742974"/>
+              <a:gd name="connsiteX1" fmla="*/ 942975 w 1810700"/>
+              <a:gd name="connsiteY1" fmla="*/ 2509579 h 2742974"/>
+              <a:gd name="connsiteX2" fmla="*/ 1066800 w 1810700"/>
+              <a:gd name="connsiteY2" fmla="*/ 556954 h 2742974"/>
+              <a:gd name="connsiteX3" fmla="*/ 1524000 w 1810700"/>
+              <a:gd name="connsiteY3" fmla="*/ 4504 h 2742974"/>
+              <a:gd name="connsiteX4" fmla="*/ 1804988 w 1810700"/>
+              <a:gd name="connsiteY4" fmla="*/ 290254 h 2742974"/>
+              <a:gd name="connsiteX0" fmla="*/ 0 w 1809372"/>
+              <a:gd name="connsiteY0" fmla="*/ 2356314 h 2465884"/>
+              <a:gd name="connsiteX1" fmla="*/ 942975 w 1809372"/>
+              <a:gd name="connsiteY1" fmla="*/ 2232489 h 2465884"/>
+              <a:gd name="connsiteX2" fmla="*/ 1066800 w 1809372"/>
+              <a:gd name="connsiteY2" fmla="*/ 279864 h 2465884"/>
+              <a:gd name="connsiteX3" fmla="*/ 1452563 w 1809372"/>
+              <a:gd name="connsiteY3" fmla="*/ 56026 h 2465884"/>
+              <a:gd name="connsiteX4" fmla="*/ 1804988 w 1809372"/>
+              <a:gd name="connsiteY4" fmla="*/ 13164 h 2465884"/>
+              <a:gd name="connsiteX0" fmla="*/ 0 w 1809428"/>
+              <a:gd name="connsiteY0" fmla="*/ 2405798 h 2469031"/>
+              <a:gd name="connsiteX1" fmla="*/ 942975 w 1809428"/>
+              <a:gd name="connsiteY1" fmla="*/ 2281973 h 2469031"/>
+              <a:gd name="connsiteX2" fmla="*/ 1042988 w 1809428"/>
+              <a:gd name="connsiteY2" fmla="*/ 1186598 h 2469031"/>
+              <a:gd name="connsiteX3" fmla="*/ 1452563 w 1809428"/>
+              <a:gd name="connsiteY3" fmla="*/ 105510 h 2469031"/>
+              <a:gd name="connsiteX4" fmla="*/ 1804988 w 1809428"/>
+              <a:gd name="connsiteY4" fmla="*/ 62648 h 2469031"/>
+              <a:gd name="connsiteX0" fmla="*/ 0 w 1809428"/>
+              <a:gd name="connsiteY0" fmla="*/ 2405798 h 2443464"/>
+              <a:gd name="connsiteX1" fmla="*/ 762000 w 1809428"/>
+              <a:gd name="connsiteY1" fmla="*/ 2162911 h 2443464"/>
+              <a:gd name="connsiteX2" fmla="*/ 1042988 w 1809428"/>
+              <a:gd name="connsiteY2" fmla="*/ 1186598 h 2443464"/>
+              <a:gd name="connsiteX3" fmla="*/ 1452563 w 1809428"/>
+              <a:gd name="connsiteY3" fmla="*/ 105510 h 2443464"/>
+              <a:gd name="connsiteX4" fmla="*/ 1804988 w 1809428"/>
+              <a:gd name="connsiteY4" fmla="*/ 62648 h 2443464"/>
+              <a:gd name="connsiteX0" fmla="*/ 0 w 1809350"/>
+              <a:gd name="connsiteY0" fmla="*/ 2408468 h 2445348"/>
+              <a:gd name="connsiteX1" fmla="*/ 762000 w 1809350"/>
+              <a:gd name="connsiteY1" fmla="*/ 2165581 h 2445348"/>
+              <a:gd name="connsiteX2" fmla="*/ 1076325 w 1809350"/>
+              <a:gd name="connsiteY2" fmla="*/ 1227368 h 2445348"/>
+              <a:gd name="connsiteX3" fmla="*/ 1452563 w 1809350"/>
+              <a:gd name="connsiteY3" fmla="*/ 108180 h 2445348"/>
+              <a:gd name="connsiteX4" fmla="*/ 1804988 w 1809350"/>
+              <a:gd name="connsiteY4" fmla="*/ 65318 h 2445348"/>
+              <a:gd name="connsiteX0" fmla="*/ 0 w 1809296"/>
+              <a:gd name="connsiteY0" fmla="*/ 2408803 h 2445587"/>
+              <a:gd name="connsiteX1" fmla="*/ 762000 w 1809296"/>
+              <a:gd name="connsiteY1" fmla="*/ 2165916 h 2445587"/>
+              <a:gd name="connsiteX2" fmla="*/ 1100137 w 1809296"/>
+              <a:gd name="connsiteY2" fmla="*/ 1232466 h 2445587"/>
+              <a:gd name="connsiteX3" fmla="*/ 1452563 w 1809296"/>
+              <a:gd name="connsiteY3" fmla="*/ 108515 h 2445587"/>
+              <a:gd name="connsiteX4" fmla="*/ 1804988 w 1809296"/>
+              <a:gd name="connsiteY4" fmla="*/ 65653 h 2445587"/>
+              <a:gd name="connsiteX0" fmla="*/ 0 w 1809296"/>
+              <a:gd name="connsiteY0" fmla="*/ 2408803 h 2445587"/>
+              <a:gd name="connsiteX1" fmla="*/ 762000 w 1809296"/>
+              <a:gd name="connsiteY1" fmla="*/ 2165916 h 2445587"/>
+              <a:gd name="connsiteX2" fmla="*/ 1100137 w 1809296"/>
+              <a:gd name="connsiteY2" fmla="*/ 1232466 h 2445587"/>
+              <a:gd name="connsiteX3" fmla="*/ 1452563 w 1809296"/>
+              <a:gd name="connsiteY3" fmla="*/ 108515 h 2445587"/>
+              <a:gd name="connsiteX4" fmla="*/ 1804988 w 1809296"/>
+              <a:gd name="connsiteY4" fmla="*/ 65653 h 2445587"/>
+              <a:gd name="connsiteX0" fmla="*/ 0 w 1809296"/>
+              <a:gd name="connsiteY0" fmla="*/ 2408803 h 2408803"/>
+              <a:gd name="connsiteX1" fmla="*/ 762000 w 1809296"/>
+              <a:gd name="connsiteY1" fmla="*/ 2165916 h 2408803"/>
+              <a:gd name="connsiteX2" fmla="*/ 1100137 w 1809296"/>
+              <a:gd name="connsiteY2" fmla="*/ 1232466 h 2408803"/>
+              <a:gd name="connsiteX3" fmla="*/ 1452563 w 1809296"/>
+              <a:gd name="connsiteY3" fmla="*/ 108515 h 2408803"/>
+              <a:gd name="connsiteX4" fmla="*/ 1804988 w 1809296"/>
+              <a:gd name="connsiteY4" fmla="*/ 65653 h 2408803"/>
+              <a:gd name="connsiteX0" fmla="*/ 0 w 1804988"/>
+              <a:gd name="connsiteY0" fmla="*/ 2431588 h 2431588"/>
+              <a:gd name="connsiteX1" fmla="*/ 762000 w 1804988"/>
+              <a:gd name="connsiteY1" fmla="*/ 2188701 h 2431588"/>
+              <a:gd name="connsiteX2" fmla="*/ 1100137 w 1804988"/>
+              <a:gd name="connsiteY2" fmla="*/ 1255251 h 2431588"/>
+              <a:gd name="connsiteX3" fmla="*/ 1452563 w 1804988"/>
+              <a:gd name="connsiteY3" fmla="*/ 131300 h 2431588"/>
+              <a:gd name="connsiteX4" fmla="*/ 1804988 w 1804988"/>
+              <a:gd name="connsiteY4" fmla="*/ 88438 h 2431588"/>
+              <a:gd name="connsiteX0" fmla="*/ 0 w 1804988"/>
+              <a:gd name="connsiteY0" fmla="*/ 2444208 h 2444208"/>
+              <a:gd name="connsiteX1" fmla="*/ 762000 w 1804988"/>
+              <a:gd name="connsiteY1" fmla="*/ 2201321 h 2444208"/>
+              <a:gd name="connsiteX2" fmla="*/ 1100137 w 1804988"/>
+              <a:gd name="connsiteY2" fmla="*/ 1267871 h 2444208"/>
+              <a:gd name="connsiteX3" fmla="*/ 1452563 w 1804988"/>
+              <a:gd name="connsiteY3" fmla="*/ 143920 h 2444208"/>
+              <a:gd name="connsiteX4" fmla="*/ 1804988 w 1804988"/>
+              <a:gd name="connsiteY4" fmla="*/ 101058 h 2444208"/>
+              <a:gd name="connsiteX0" fmla="*/ 0 w 1804988"/>
+              <a:gd name="connsiteY0" fmla="*/ 2423356 h 2423356"/>
+              <a:gd name="connsiteX1" fmla="*/ 762000 w 1804988"/>
+              <a:gd name="connsiteY1" fmla="*/ 2180469 h 2423356"/>
+              <a:gd name="connsiteX2" fmla="*/ 1100137 w 1804988"/>
+              <a:gd name="connsiteY2" fmla="*/ 1247019 h 2423356"/>
+              <a:gd name="connsiteX3" fmla="*/ 1452563 w 1804988"/>
+              <a:gd name="connsiteY3" fmla="*/ 123068 h 2423356"/>
+              <a:gd name="connsiteX4" fmla="*/ 1804988 w 1804988"/>
+              <a:gd name="connsiteY4" fmla="*/ 80206 h 2423356"/>
+              <a:gd name="connsiteX0" fmla="*/ 0 w 1804988"/>
+              <a:gd name="connsiteY0" fmla="*/ 2413679 h 2413679"/>
+              <a:gd name="connsiteX1" fmla="*/ 762000 w 1804988"/>
+              <a:gd name="connsiteY1" fmla="*/ 2170792 h 2413679"/>
+              <a:gd name="connsiteX2" fmla="*/ 1100137 w 1804988"/>
+              <a:gd name="connsiteY2" fmla="*/ 1237342 h 2413679"/>
+              <a:gd name="connsiteX3" fmla="*/ 1452563 w 1804988"/>
+              <a:gd name="connsiteY3" fmla="*/ 113391 h 2413679"/>
+              <a:gd name="connsiteX4" fmla="*/ 1804988 w 1804988"/>
+              <a:gd name="connsiteY4" fmla="*/ 70529 h 2413679"/>
+              <a:gd name="connsiteX0" fmla="*/ 0 w 1804988"/>
+              <a:gd name="connsiteY0" fmla="*/ 2378861 h 2378861"/>
+              <a:gd name="connsiteX1" fmla="*/ 762000 w 1804988"/>
+              <a:gd name="connsiteY1" fmla="*/ 2135974 h 2378861"/>
+              <a:gd name="connsiteX2" fmla="*/ 1100137 w 1804988"/>
+              <a:gd name="connsiteY2" fmla="*/ 1202524 h 2378861"/>
+              <a:gd name="connsiteX3" fmla="*/ 1452563 w 1804988"/>
+              <a:gd name="connsiteY3" fmla="*/ 78573 h 2378861"/>
+              <a:gd name="connsiteX4" fmla="*/ 1804988 w 1804988"/>
+              <a:gd name="connsiteY4" fmla="*/ 35711 h 2378861"/>
+              <a:gd name="connsiteX0" fmla="*/ 0 w 1804988"/>
+              <a:gd name="connsiteY0" fmla="*/ 2367321 h 2367321"/>
+              <a:gd name="connsiteX1" fmla="*/ 762000 w 1804988"/>
+              <a:gd name="connsiteY1" fmla="*/ 2124434 h 2367321"/>
+              <a:gd name="connsiteX2" fmla="*/ 1100137 w 1804988"/>
+              <a:gd name="connsiteY2" fmla="*/ 1190984 h 2367321"/>
+              <a:gd name="connsiteX3" fmla="*/ 1452563 w 1804988"/>
+              <a:gd name="connsiteY3" fmla="*/ 67033 h 2367321"/>
+              <a:gd name="connsiteX4" fmla="*/ 1804988 w 1804988"/>
+              <a:gd name="connsiteY4" fmla="*/ 24171 h 2367321"/>
+              <a:gd name="connsiteX0" fmla="*/ 0 w 1804988"/>
+              <a:gd name="connsiteY0" fmla="*/ 2345544 h 2345544"/>
+              <a:gd name="connsiteX1" fmla="*/ 762000 w 1804988"/>
+              <a:gd name="connsiteY1" fmla="*/ 2102657 h 2345544"/>
+              <a:gd name="connsiteX2" fmla="*/ 1100137 w 1804988"/>
+              <a:gd name="connsiteY2" fmla="*/ 1169207 h 2345544"/>
+              <a:gd name="connsiteX3" fmla="*/ 1423988 w 1804988"/>
+              <a:gd name="connsiteY3" fmla="*/ 216706 h 2345544"/>
+              <a:gd name="connsiteX4" fmla="*/ 1804988 w 1804988"/>
+              <a:gd name="connsiteY4" fmla="*/ 2394 h 2345544"/>
+              <a:gd name="connsiteX0" fmla="*/ 0 w 1804988"/>
+              <a:gd name="connsiteY0" fmla="*/ 2345860 h 2345860"/>
+              <a:gd name="connsiteX1" fmla="*/ 762000 w 1804988"/>
+              <a:gd name="connsiteY1" fmla="*/ 2102973 h 2345860"/>
+              <a:gd name="connsiteX2" fmla="*/ 1100137 w 1804988"/>
+              <a:gd name="connsiteY2" fmla="*/ 1169523 h 2345860"/>
+              <a:gd name="connsiteX3" fmla="*/ 1423988 w 1804988"/>
+              <a:gd name="connsiteY3" fmla="*/ 217022 h 2345860"/>
+              <a:gd name="connsiteX4" fmla="*/ 1804988 w 1804988"/>
+              <a:gd name="connsiteY4" fmla="*/ 2710 h 2345860"/>
+            </a:gdLst>
+            <a:ahLst/>
+            <a:cxnLst>
+              <a:cxn ang="0">
+                <a:pos x="connsiteX0" y="connsiteY0"/>
+              </a:cxn>
+              <a:cxn ang="0">
+                <a:pos x="connsiteX1" y="connsiteY1"/>
+              </a:cxn>
+              <a:cxn ang="0">
+                <a:pos x="connsiteX2" y="connsiteY2"/>
+              </a:cxn>
+              <a:cxn ang="0">
+                <a:pos x="connsiteX3" y="connsiteY3"/>
+              </a:cxn>
+              <a:cxn ang="0">
+                <a:pos x="connsiteX4" y="connsiteY4"/>
+              </a:cxn>
+            </a:cxnLst>
+            <a:rect l="l" t="t" r="r" b="b"/>
+            <a:pathLst>
+              <a:path w="1804988" h="2345860">
+                <a:moveTo>
+                  <a:pt x="0" y="2345860"/>
+                </a:moveTo>
+                <a:cubicBezTo>
+                  <a:pt x="444500" y="2328397"/>
+                  <a:pt x="578644" y="2299029"/>
+                  <a:pt x="762000" y="2102973"/>
+                </a:cubicBezTo>
+                <a:cubicBezTo>
+                  <a:pt x="945356" y="1906917"/>
+                  <a:pt x="989806" y="1483848"/>
+                  <a:pt x="1100137" y="1169523"/>
+                </a:cubicBezTo>
+                <a:cubicBezTo>
+                  <a:pt x="1210468" y="855198"/>
+                  <a:pt x="1335088" y="335291"/>
+                  <a:pt x="1423988" y="217022"/>
+                </a:cubicBezTo>
+                <a:cubicBezTo>
+                  <a:pt x="1512888" y="98753"/>
+                  <a:pt x="1680369" y="-19515"/>
+                  <a:pt x="1804988" y="2710"/>
+                </a:cubicBezTo>
+              </a:path>
+            </a:pathLst>
+          </a:custGeom>
+          <a:ln>
+            <a:prstDash val="solid"/>
+            <a:tailEnd type="stealth" w="lg" len="lg"/>
+          </a:ln>
+        </p:spPr>
+        <p:style>
+          <a:lnRef idx="1">
+            <a:schemeClr val="dk1"/>
+          </a:lnRef>
+          <a:fillRef idx="0">
+            <a:schemeClr val="dk1"/>
+          </a:fillRef>
+          <a:effectRef idx="0">
+            <a:schemeClr val="dk1"/>
+          </a:effectRef>
+          <a:fontRef idx="minor">
+            <a:schemeClr val="tx1"/>
+          </a:fontRef>
+        </p:style>
+        <p:txBody>
+          <a:bodyPr rtlCol="0" anchor="ctr"/>
+          <a:lstStyle/>
+          <a:p>
+            <a:pPr algn="ctr"/>
+            <a:endParaRPr lang="zh-CN" altLang="en-US"/>
+          </a:p>
+        </p:txBody>
+      </p:sp>
+      <p:sp>
+        <p:nvSpPr>
+          <p:cNvPr id="26" name="任意多边形 25"/>
+          <p:cNvSpPr/>
+          <p:nvPr/>
+        </p:nvSpPr>
+        <p:spPr>
+          <a:xfrm>
+            <a:off x="6893774" y="3171050"/>
+            <a:ext cx="1804987" cy="1328737"/>
+          </a:xfrm>
+          <a:custGeom>
+            <a:avLst/>
+            <a:gdLst>
+              <a:gd name="connsiteX0" fmla="*/ 0 w 1804987"/>
+              <a:gd name="connsiteY0" fmla="*/ 1328737 h 1328737"/>
+              <a:gd name="connsiteX1" fmla="*/ 904875 w 1804987"/>
+              <a:gd name="connsiteY1" fmla="*/ 866775 h 1328737"/>
+              <a:gd name="connsiteX2" fmla="*/ 1162050 w 1804987"/>
+              <a:gd name="connsiteY2" fmla="*/ 304800 h 1328737"/>
+              <a:gd name="connsiteX3" fmla="*/ 1804987 w 1804987"/>
+              <a:gd name="connsiteY3" fmla="*/ 0 h 1328737"/>
+              <a:gd name="connsiteX4" fmla="*/ 1804987 w 1804987"/>
+              <a:gd name="connsiteY4" fmla="*/ 0 h 1328737"/>
+              <a:gd name="connsiteX5" fmla="*/ 1804987 w 1804987"/>
+              <a:gd name="connsiteY5" fmla="*/ 0 h 1328737"/>
+              <a:gd name="connsiteX6" fmla="*/ 1804987 w 1804987"/>
+              <a:gd name="connsiteY6" fmla="*/ 0 h 1328737"/>
+            </a:gdLst>
+            <a:ahLst/>
+            <a:cxnLst>
+              <a:cxn ang="0">
+                <a:pos x="connsiteX0" y="connsiteY0"/>
+              </a:cxn>
+              <a:cxn ang="0">
+                <a:pos x="connsiteX1" y="connsiteY1"/>
+              </a:cxn>
+              <a:cxn ang="0">
+                <a:pos x="connsiteX2" y="connsiteY2"/>
+              </a:cxn>
+              <a:cxn ang="0">
+                <a:pos x="connsiteX3" y="connsiteY3"/>
+              </a:cxn>
+              <a:cxn ang="0">
+                <a:pos x="connsiteX4" y="connsiteY4"/>
+              </a:cxn>
+              <a:cxn ang="0">
+                <a:pos x="connsiteX5" y="connsiteY5"/>
+              </a:cxn>
+              <a:cxn ang="0">
+                <a:pos x="connsiteX6" y="connsiteY6"/>
+              </a:cxn>
+            </a:cxnLst>
+            <a:rect l="l" t="t" r="r" b="b"/>
+            <a:pathLst>
+              <a:path w="1804987" h="1328737">
+                <a:moveTo>
+                  <a:pt x="0" y="1328737"/>
+                </a:moveTo>
+                <a:cubicBezTo>
+                  <a:pt x="355600" y="1183084"/>
+                  <a:pt x="711200" y="1037431"/>
+                  <a:pt x="904875" y="866775"/>
+                </a:cubicBezTo>
+                <a:cubicBezTo>
+                  <a:pt x="1098550" y="696119"/>
+                  <a:pt x="1012031" y="449262"/>
+                  <a:pt x="1162050" y="304800"/>
+                </a:cubicBezTo>
+                <a:cubicBezTo>
+                  <a:pt x="1312069" y="160337"/>
+                  <a:pt x="1804987" y="0"/>
+                  <a:pt x="1804987" y="0"/>
+                </a:cubicBezTo>
+                <a:lnTo>
+                  <a:pt x="1804987" y="0"/>
+                </a:lnTo>
+                <a:lnTo>
+                  <a:pt x="1804987" y="0"/>
+                </a:lnTo>
+                <a:lnTo>
+                  <a:pt x="1804987" y="0"/>
+                </a:lnTo>
+              </a:path>
+            </a:pathLst>
+          </a:custGeom>
+          <a:ln>
+            <a:prstDash val="dash"/>
+            <a:tailEnd type="stealth" w="lg" len="lg"/>
+          </a:ln>
+        </p:spPr>
+        <p:style>
+          <a:lnRef idx="1">
+            <a:schemeClr val="dk1"/>
+          </a:lnRef>
+          <a:fillRef idx="0">
+            <a:schemeClr val="dk1"/>
+          </a:fillRef>
+          <a:effectRef idx="0">
+            <a:schemeClr val="dk1"/>
+          </a:effectRef>
+          <a:fontRef idx="minor">
+            <a:schemeClr val="tx1"/>
+          </a:fontRef>
+        </p:style>
+        <p:txBody>
+          <a:bodyPr rtlCol="0" anchor="ctr"/>
+          <a:lstStyle/>
+          <a:p>
+            <a:pPr algn="ctr"/>
+            <a:endParaRPr lang="zh-CN" altLang="en-US"/>
+          </a:p>
+        </p:txBody>
+      </p:sp>
+      <p:sp>
+        <p:nvSpPr>
+          <p:cNvPr id="27" name="任意多边形 26"/>
+          <p:cNvSpPr/>
+          <p:nvPr/>
+        </p:nvSpPr>
+        <p:spPr>
+          <a:xfrm>
+            <a:off x="6998548" y="2661462"/>
+            <a:ext cx="3782695" cy="2405063"/>
+          </a:xfrm>
+          <a:custGeom>
+            <a:avLst/>
+            <a:gdLst>
+              <a:gd name="connsiteX0" fmla="*/ 700088 w 1648570"/>
+              <a:gd name="connsiteY0" fmla="*/ 0 h 1766888"/>
+              <a:gd name="connsiteX1" fmla="*/ 1509713 w 1648570"/>
+              <a:gd name="connsiteY1" fmla="*/ 247650 h 1766888"/>
+              <a:gd name="connsiteX2" fmla="*/ 1495425 w 1648570"/>
+              <a:gd name="connsiteY2" fmla="*/ 1209675 h 1766888"/>
+              <a:gd name="connsiteX3" fmla="*/ 0 w 1648570"/>
+              <a:gd name="connsiteY3" fmla="*/ 1766888 h 1766888"/>
+              <a:gd name="connsiteX0" fmla="*/ 2857500 w 3960905"/>
+              <a:gd name="connsiteY0" fmla="*/ 0 h 2405063"/>
+              <a:gd name="connsiteX1" fmla="*/ 3667125 w 3960905"/>
+              <a:gd name="connsiteY1" fmla="*/ 247650 h 2405063"/>
+              <a:gd name="connsiteX2" fmla="*/ 3652837 w 3960905"/>
+              <a:gd name="connsiteY2" fmla="*/ 1209675 h 2405063"/>
+              <a:gd name="connsiteX3" fmla="*/ 0 w 3960905"/>
+              <a:gd name="connsiteY3" fmla="*/ 2405063 h 2405063"/>
+              <a:gd name="connsiteX0" fmla="*/ 2857500 w 3752311"/>
+              <a:gd name="connsiteY0" fmla="*/ 0 h 2405063"/>
+              <a:gd name="connsiteX1" fmla="*/ 3667125 w 3752311"/>
+              <a:gd name="connsiteY1" fmla="*/ 247650 h 2405063"/>
+              <a:gd name="connsiteX2" fmla="*/ 3652837 w 3752311"/>
+              <a:gd name="connsiteY2" fmla="*/ 1209675 h 2405063"/>
+              <a:gd name="connsiteX3" fmla="*/ 0 w 3752311"/>
+              <a:gd name="connsiteY3" fmla="*/ 2405063 h 2405063"/>
+              <a:gd name="connsiteX0" fmla="*/ 2857500 w 3728217"/>
+              <a:gd name="connsiteY0" fmla="*/ 0 h 2405063"/>
+              <a:gd name="connsiteX1" fmla="*/ 3667125 w 3728217"/>
+              <a:gd name="connsiteY1" fmla="*/ 247650 h 2405063"/>
+              <a:gd name="connsiteX2" fmla="*/ 3652837 w 3728217"/>
+              <a:gd name="connsiteY2" fmla="*/ 1209675 h 2405063"/>
+              <a:gd name="connsiteX3" fmla="*/ 0 w 3728217"/>
+              <a:gd name="connsiteY3" fmla="*/ 2405063 h 2405063"/>
+              <a:gd name="connsiteX0" fmla="*/ 2857500 w 3750371"/>
+              <a:gd name="connsiteY0" fmla="*/ 0 h 2405063"/>
+              <a:gd name="connsiteX1" fmla="*/ 3667125 w 3750371"/>
+              <a:gd name="connsiteY1" fmla="*/ 247650 h 2405063"/>
+              <a:gd name="connsiteX2" fmla="*/ 3652837 w 3750371"/>
+              <a:gd name="connsiteY2" fmla="*/ 1209675 h 2405063"/>
+              <a:gd name="connsiteX3" fmla="*/ 0 w 3750371"/>
+              <a:gd name="connsiteY3" fmla="*/ 2405063 h 2405063"/>
+              <a:gd name="connsiteX0" fmla="*/ 2857500 w 3817331"/>
+              <a:gd name="connsiteY0" fmla="*/ 0 h 2405063"/>
+              <a:gd name="connsiteX1" fmla="*/ 3667125 w 3817331"/>
+              <a:gd name="connsiteY1" fmla="*/ 247650 h 2405063"/>
+              <a:gd name="connsiteX2" fmla="*/ 3652837 w 3817331"/>
+              <a:gd name="connsiteY2" fmla="*/ 1209675 h 2405063"/>
+              <a:gd name="connsiteX3" fmla="*/ 0 w 3817331"/>
+              <a:gd name="connsiteY3" fmla="*/ 2405063 h 2405063"/>
+              <a:gd name="connsiteX0" fmla="*/ 2857500 w 3753244"/>
+              <a:gd name="connsiteY0" fmla="*/ 0 h 2405063"/>
+              <a:gd name="connsiteX1" fmla="*/ 3667125 w 3753244"/>
+              <a:gd name="connsiteY1" fmla="*/ 247650 h 2405063"/>
+              <a:gd name="connsiteX2" fmla="*/ 3538537 w 3753244"/>
+              <a:gd name="connsiteY2" fmla="*/ 1412875 h 2405063"/>
+              <a:gd name="connsiteX3" fmla="*/ 0 w 3753244"/>
+              <a:gd name="connsiteY3" fmla="*/ 2405063 h 2405063"/>
+              <a:gd name="connsiteX0" fmla="*/ 2857500 w 3710803"/>
+              <a:gd name="connsiteY0" fmla="*/ 0 h 2405063"/>
+              <a:gd name="connsiteX1" fmla="*/ 3667125 w 3710803"/>
+              <a:gd name="connsiteY1" fmla="*/ 247650 h 2405063"/>
+              <a:gd name="connsiteX2" fmla="*/ 3538537 w 3710803"/>
+              <a:gd name="connsiteY2" fmla="*/ 1412875 h 2405063"/>
+              <a:gd name="connsiteX3" fmla="*/ 0 w 3710803"/>
+              <a:gd name="connsiteY3" fmla="*/ 2405063 h 2405063"/>
+              <a:gd name="connsiteX0" fmla="*/ 2857500 w 3732411"/>
+              <a:gd name="connsiteY0" fmla="*/ 0 h 2405063"/>
+              <a:gd name="connsiteX1" fmla="*/ 3667125 w 3732411"/>
+              <a:gd name="connsiteY1" fmla="*/ 247650 h 2405063"/>
+              <a:gd name="connsiteX2" fmla="*/ 3538537 w 3732411"/>
+              <a:gd name="connsiteY2" fmla="*/ 1412875 h 2405063"/>
+              <a:gd name="connsiteX3" fmla="*/ 0 w 3732411"/>
+              <a:gd name="connsiteY3" fmla="*/ 2405063 h 2405063"/>
+              <a:gd name="connsiteX0" fmla="*/ 2857500 w 3760379"/>
+              <a:gd name="connsiteY0" fmla="*/ 65931 h 2470994"/>
+              <a:gd name="connsiteX1" fmla="*/ 3667125 w 3760379"/>
+              <a:gd name="connsiteY1" fmla="*/ 313581 h 2470994"/>
+              <a:gd name="connsiteX2" fmla="*/ 3538537 w 3760379"/>
+              <a:gd name="connsiteY2" fmla="*/ 1478806 h 2470994"/>
+              <a:gd name="connsiteX3" fmla="*/ 0 w 3760379"/>
+              <a:gd name="connsiteY3" fmla="*/ 2470994 h 2470994"/>
+              <a:gd name="connsiteX0" fmla="*/ 2857500 w 3718513"/>
+              <a:gd name="connsiteY0" fmla="*/ 0 h 2405063"/>
+              <a:gd name="connsiteX1" fmla="*/ 3667125 w 3718513"/>
+              <a:gd name="connsiteY1" fmla="*/ 247650 h 2405063"/>
+              <a:gd name="connsiteX2" fmla="*/ 3538537 w 3718513"/>
+              <a:gd name="connsiteY2" fmla="*/ 1412875 h 2405063"/>
+              <a:gd name="connsiteX3" fmla="*/ 0 w 3718513"/>
+              <a:gd name="connsiteY3" fmla="*/ 2405063 h 2405063"/>
+              <a:gd name="connsiteX0" fmla="*/ 2857500 w 3740783"/>
+              <a:gd name="connsiteY0" fmla="*/ 0 h 2405063"/>
+              <a:gd name="connsiteX1" fmla="*/ 3667125 w 3740783"/>
+              <a:gd name="connsiteY1" fmla="*/ 247650 h 2405063"/>
+              <a:gd name="connsiteX2" fmla="*/ 3538537 w 3740783"/>
+              <a:gd name="connsiteY2" fmla="*/ 1412875 h 2405063"/>
+              <a:gd name="connsiteX3" fmla="*/ 0 w 3740783"/>
+              <a:gd name="connsiteY3" fmla="*/ 2405063 h 2405063"/>
+              <a:gd name="connsiteX0" fmla="*/ 2857500 w 3782695"/>
+              <a:gd name="connsiteY0" fmla="*/ 0 h 2405063"/>
+              <a:gd name="connsiteX1" fmla="*/ 3667125 w 3782695"/>
+              <a:gd name="connsiteY1" fmla="*/ 247650 h 2405063"/>
+              <a:gd name="connsiteX2" fmla="*/ 3538537 w 3782695"/>
+              <a:gd name="connsiteY2" fmla="*/ 1412875 h 2405063"/>
+              <a:gd name="connsiteX3" fmla="*/ 0 w 3782695"/>
+              <a:gd name="connsiteY3" fmla="*/ 2405063 h 2405063"/>
+            </a:gdLst>
+            <a:ahLst/>
+            <a:cxnLst>
+              <a:cxn ang="0">
+                <a:pos x="connsiteX0" y="connsiteY0"/>
+              </a:cxn>
+              <a:cxn ang="0">
+                <a:pos x="connsiteX1" y="connsiteY1"/>
+              </a:cxn>
+              <a:cxn ang="0">
+                <a:pos x="connsiteX2" y="connsiteY2"/>
+              </a:cxn>
+              <a:cxn ang="0">
+                <a:pos x="connsiteX3" y="connsiteY3"/>
+              </a:cxn>
+            </a:cxnLst>
+            <a:rect l="l" t="t" r="r" b="b"/>
+            <a:pathLst>
+              <a:path w="3782695" h="2405063">
+                <a:moveTo>
+                  <a:pt x="2857500" y="0"/>
+                </a:moveTo>
+                <a:cubicBezTo>
+                  <a:pt x="3196034" y="23019"/>
+                  <a:pt x="3534569" y="24871"/>
+                  <a:pt x="3667125" y="247650"/>
+                </a:cubicBezTo>
+                <a:cubicBezTo>
+                  <a:pt x="3799681" y="470429"/>
+                  <a:pt x="3884613" y="1085056"/>
+                  <a:pt x="3538537" y="1412875"/>
+                </a:cubicBezTo>
+                <a:cubicBezTo>
+                  <a:pt x="3192461" y="1740694"/>
+                  <a:pt x="599281" y="2202657"/>
+                  <a:pt x="0" y="2405063"/>
+                </a:cubicBezTo>
+              </a:path>
+            </a:pathLst>
+          </a:custGeom>
+          <a:ln>
+            <a:prstDash val="dash"/>
+            <a:tailEnd type="stealth" w="lg" len="lg"/>
+          </a:ln>
+        </p:spPr>
+        <p:style>
+          <a:lnRef idx="1">
+            <a:schemeClr val="dk1"/>
+          </a:lnRef>
+          <a:fillRef idx="0">
+            <a:schemeClr val="dk1"/>
+          </a:fillRef>
+          <a:effectRef idx="0">
+            <a:schemeClr val="dk1"/>
+          </a:effectRef>
+          <a:fontRef idx="minor">
+            <a:schemeClr val="tx1"/>
+          </a:fontRef>
+        </p:style>
+        <p:txBody>
+          <a:bodyPr rtlCol="0" anchor="ctr"/>
+          <a:lstStyle/>
+          <a:p>
+            <a:pPr algn="ctr"/>
+            <a:endParaRPr lang="zh-CN" altLang="en-US"/>
+          </a:p>
+        </p:txBody>
+      </p:sp>
+    </p:spTree>
+    <p:extLst>
+      <p:ext uri="{BB962C8B-B14F-4D97-AF65-F5344CB8AC3E}">
+        <p14:creationId xmlns:p14="http://schemas.microsoft.com/office/powerpoint/2010/main" val="3469006418"/>
+      </p:ext>
+    </p:extLst>
+  </p:cSld>
+  <p:clrMapOvr>
+    <a:masterClrMapping/>
+  </p:clrMapOvr>
+</p:sld>
+</file>
+
 <file path=ppt/theme/theme1.xml><?xml version="1.0" encoding="utf-8"?>
 <a:theme xmlns:a="http://schemas.openxmlformats.org/drawingml/2006/main" name="Office 主题​​">
   <a:themeElements>

--- a/test.pptx
+++ b/test.pptx
@@ -9,6 +9,8 @@
     <p:sldId id="257" r:id="rId3"/>
     <p:sldId id="258" r:id="rId4"/>
     <p:sldId id="259" r:id="rId5"/>
+    <p:sldId id="260" r:id="rId6"/>
+    <p:sldId id="261" r:id="rId7"/>
   </p:sldIdLst>
   <p:sldSz cx="12192000" cy="6858000"/>
   <p:notesSz cx="6858000" cy="9144000"/>
@@ -246,7 +248,7 @@
           <a:p>
             <a:fld id="{59EED33E-E6DC-42D8-97CA-C62EDECD9A4F}" type="datetimeFigureOut">
               <a:rPr lang="zh-CN" altLang="en-US" smtClean="0"/>
-              <a:t>2020/12/23</a:t>
+              <a:t>2020/12/24</a:t>
             </a:fld>
             <a:endParaRPr lang="zh-CN" altLang="en-US"/>
           </a:p>
@@ -416,7 +418,7 @@
           <a:p>
             <a:fld id="{59EED33E-E6DC-42D8-97CA-C62EDECD9A4F}" type="datetimeFigureOut">
               <a:rPr lang="zh-CN" altLang="en-US" smtClean="0"/>
-              <a:t>2020/12/23</a:t>
+              <a:t>2020/12/24</a:t>
             </a:fld>
             <a:endParaRPr lang="zh-CN" altLang="en-US"/>
           </a:p>
@@ -596,7 +598,7 @@
           <a:p>
             <a:fld id="{59EED33E-E6DC-42D8-97CA-C62EDECD9A4F}" type="datetimeFigureOut">
               <a:rPr lang="zh-CN" altLang="en-US" smtClean="0"/>
-              <a:t>2020/12/23</a:t>
+              <a:t>2020/12/24</a:t>
             </a:fld>
             <a:endParaRPr lang="zh-CN" altLang="en-US"/>
           </a:p>
@@ -766,7 +768,7 @@
           <a:p>
             <a:fld id="{59EED33E-E6DC-42D8-97CA-C62EDECD9A4F}" type="datetimeFigureOut">
               <a:rPr lang="zh-CN" altLang="en-US" smtClean="0"/>
-              <a:t>2020/12/23</a:t>
+              <a:t>2020/12/24</a:t>
             </a:fld>
             <a:endParaRPr lang="zh-CN" altLang="en-US"/>
           </a:p>
@@ -1012,7 +1014,7 @@
           <a:p>
             <a:fld id="{59EED33E-E6DC-42D8-97CA-C62EDECD9A4F}" type="datetimeFigureOut">
               <a:rPr lang="zh-CN" altLang="en-US" smtClean="0"/>
-              <a:t>2020/12/23</a:t>
+              <a:t>2020/12/24</a:t>
             </a:fld>
             <a:endParaRPr lang="zh-CN" altLang="en-US"/>
           </a:p>
@@ -1244,7 +1246,7 @@
           <a:p>
             <a:fld id="{59EED33E-E6DC-42D8-97CA-C62EDECD9A4F}" type="datetimeFigureOut">
               <a:rPr lang="zh-CN" altLang="en-US" smtClean="0"/>
-              <a:t>2020/12/23</a:t>
+              <a:t>2020/12/24</a:t>
             </a:fld>
             <a:endParaRPr lang="zh-CN" altLang="en-US"/>
           </a:p>
@@ -1611,7 +1613,7 @@
           <a:p>
             <a:fld id="{59EED33E-E6DC-42D8-97CA-C62EDECD9A4F}" type="datetimeFigureOut">
               <a:rPr lang="zh-CN" altLang="en-US" smtClean="0"/>
-              <a:t>2020/12/23</a:t>
+              <a:t>2020/12/24</a:t>
             </a:fld>
             <a:endParaRPr lang="zh-CN" altLang="en-US"/>
           </a:p>
@@ -1729,7 +1731,7 @@
           <a:p>
             <a:fld id="{59EED33E-E6DC-42D8-97CA-C62EDECD9A4F}" type="datetimeFigureOut">
               <a:rPr lang="zh-CN" altLang="en-US" smtClean="0"/>
-              <a:t>2020/12/23</a:t>
+              <a:t>2020/12/24</a:t>
             </a:fld>
             <a:endParaRPr lang="zh-CN" altLang="en-US"/>
           </a:p>
@@ -1824,7 +1826,7 @@
           <a:p>
             <a:fld id="{59EED33E-E6DC-42D8-97CA-C62EDECD9A4F}" type="datetimeFigureOut">
               <a:rPr lang="zh-CN" altLang="en-US" smtClean="0"/>
-              <a:t>2020/12/23</a:t>
+              <a:t>2020/12/24</a:t>
             </a:fld>
             <a:endParaRPr lang="zh-CN" altLang="en-US"/>
           </a:p>
@@ -2101,7 +2103,7 @@
           <a:p>
             <a:fld id="{59EED33E-E6DC-42D8-97CA-C62EDECD9A4F}" type="datetimeFigureOut">
               <a:rPr lang="zh-CN" altLang="en-US" smtClean="0"/>
-              <a:t>2020/12/23</a:t>
+              <a:t>2020/12/24</a:t>
             </a:fld>
             <a:endParaRPr lang="zh-CN" altLang="en-US"/>
           </a:p>
@@ -2354,7 +2356,7 @@
           <a:p>
             <a:fld id="{59EED33E-E6DC-42D8-97CA-C62EDECD9A4F}" type="datetimeFigureOut">
               <a:rPr lang="zh-CN" altLang="en-US" smtClean="0"/>
-              <a:t>2020/12/23</a:t>
+              <a:t>2020/12/24</a:t>
             </a:fld>
             <a:endParaRPr lang="zh-CN" altLang="en-US"/>
           </a:p>
@@ -2567,7 +2569,7 @@
           <a:p>
             <a:fld id="{59EED33E-E6DC-42D8-97CA-C62EDECD9A4F}" type="datetimeFigureOut">
               <a:rPr lang="zh-CN" altLang="en-US" smtClean="0"/>
-              <a:t>2020/12/23</a:t>
+              <a:t>2020/12/24</a:t>
             </a:fld>
             <a:endParaRPr lang="zh-CN" altLang="en-US"/>
           </a:p>
@@ -5830,13 +5832,13 @@
           <p:nvPr>
             <p:extLst>
               <p:ext uri="{D42A27DB-BD31-4B8C-83A1-F6EECF244321}">
-                <p14:modId xmlns:p14="http://schemas.microsoft.com/office/powerpoint/2010/main" val="1360145938"/>
+                <p14:modId xmlns:p14="http://schemas.microsoft.com/office/powerpoint/2010/main" val="2052174679"/>
               </p:ext>
             </p:extLst>
           </p:nvPr>
         </p:nvGraphicFramePr>
         <p:xfrm>
-          <a:off x="5720527" y="2115160"/>
+          <a:off x="4866232" y="1991222"/>
           <a:ext cx="1573730" cy="3656093"/>
         </p:xfrm>
         <a:graphic>
@@ -6246,7 +6248,7 @@
         </p:nvSpPr>
         <p:spPr>
           <a:xfrm>
-            <a:off x="5817132" y="5771253"/>
+            <a:off x="4962837" y="5647315"/>
             <a:ext cx="1380519" cy="396276"/>
           </a:xfrm>
           <a:prstGeom prst="rect">
@@ -6352,8 +6354,8 @@
         </p:nvCxnSpPr>
         <p:spPr>
           <a:xfrm flipV="1">
-            <a:off x="3794843" y="4477273"/>
-            <a:ext cx="1925684" cy="869995"/>
+            <a:off x="3794843" y="4372710"/>
+            <a:ext cx="1066627" cy="974558"/>
           </a:xfrm>
           <a:prstGeom prst="straightConnector1">
             <a:avLst/>
@@ -6389,25 +6391,28 @@
         </p:nvSpPr>
         <p:spPr>
           <a:xfrm>
-            <a:off x="4757685" y="5073019"/>
+            <a:off x="4092870" y="4727665"/>
             <a:ext cx="360000" cy="360000"/>
           </a:xfrm>
           <a:prstGeom prst="ellipse">
             <a:avLst/>
           </a:prstGeom>
+          <a:ln/>
         </p:spPr>
         <p:style>
           <a:lnRef idx="2">
-            <a:schemeClr val="dk1"/>
+            <a:schemeClr val="dk1">
+              <a:shade val="50000"/>
+            </a:schemeClr>
           </a:lnRef>
           <a:fillRef idx="1">
-            <a:schemeClr val="lt1"/>
+            <a:schemeClr val="dk1"/>
           </a:fillRef>
           <a:effectRef idx="0">
             <a:schemeClr val="dk1"/>
           </a:effectRef>
           <a:fontRef idx="minor">
-            <a:schemeClr val="dk1"/>
+            <a:schemeClr val="lt1"/>
           </a:fontRef>
         </p:style>
         <p:txBody>
@@ -6416,98 +6421,16 @@
           <a:p>
             <a:pPr algn="ctr"/>
             <a:r>
-              <a:rPr lang="en-US" altLang="zh-CN" dirty="0" smtClean="0"/>
+              <a:rPr lang="en-US" altLang="zh-CN" dirty="0" smtClean="0">
+                <a:latin typeface="Times New Roman" panose="02020603050405020304" pitchFamily="18" charset="0"/>
+                <a:cs typeface="Times New Roman" panose="02020603050405020304" pitchFamily="18" charset="0"/>
+              </a:rPr>
               <a:t>1</a:t>
             </a:r>
-            <a:endParaRPr lang="zh-CN" altLang="en-US" dirty="0"/>
-          </a:p>
-        </p:txBody>
-      </p:sp>
-      <p:sp>
-        <p:nvSpPr>
-          <p:cNvPr id="11" name="椭圆 10"/>
-          <p:cNvSpPr>
-            <a:spLocks noChangeAspect="1"/>
-          </p:cNvSpPr>
-          <p:nvPr/>
-        </p:nvSpPr>
-        <p:spPr>
-          <a:xfrm>
-            <a:off x="7973117" y="3752581"/>
-            <a:ext cx="360000" cy="360000"/>
-          </a:xfrm>
-          <a:prstGeom prst="ellipse">
-            <a:avLst/>
-          </a:prstGeom>
-        </p:spPr>
-        <p:style>
-          <a:lnRef idx="2">
-            <a:schemeClr val="dk1"/>
-          </a:lnRef>
-          <a:fillRef idx="1">
-            <a:schemeClr val="lt1"/>
-          </a:fillRef>
-          <a:effectRef idx="0">
-            <a:schemeClr val="dk1"/>
-          </a:effectRef>
-          <a:fontRef idx="minor">
-            <a:schemeClr val="dk1"/>
-          </a:fontRef>
-        </p:style>
-        <p:txBody>
-          <a:bodyPr rtlCol="0" anchor="ctr"/>
-          <a:lstStyle/>
-          <a:p>
-            <a:pPr algn="ctr"/>
-            <a:r>
-              <a:rPr lang="en-US" altLang="zh-CN" dirty="0"/>
-              <a:t>2</a:t>
-            </a:r>
-            <a:endParaRPr lang="zh-CN" altLang="en-US" dirty="0"/>
-          </a:p>
-        </p:txBody>
-      </p:sp>
-      <p:sp>
-        <p:nvSpPr>
-          <p:cNvPr id="12" name="椭圆 11"/>
-          <p:cNvSpPr>
-            <a:spLocks noChangeAspect="1"/>
-          </p:cNvSpPr>
-          <p:nvPr/>
-        </p:nvSpPr>
-        <p:spPr>
-          <a:xfrm>
-            <a:off x="10048114" y="4262897"/>
-            <a:ext cx="360000" cy="360000"/>
-          </a:xfrm>
-          <a:prstGeom prst="ellipse">
-            <a:avLst/>
-          </a:prstGeom>
-        </p:spPr>
-        <p:style>
-          <a:lnRef idx="2">
-            <a:schemeClr val="dk1"/>
-          </a:lnRef>
-          <a:fillRef idx="1">
-            <a:schemeClr val="lt1"/>
-          </a:fillRef>
-          <a:effectRef idx="0">
-            <a:schemeClr val="dk1"/>
-          </a:effectRef>
-          <a:fontRef idx="minor">
-            <a:schemeClr val="dk1"/>
-          </a:fontRef>
-        </p:style>
-        <p:txBody>
-          <a:bodyPr rtlCol="0" anchor="ctr"/>
-          <a:lstStyle/>
-          <a:p>
-            <a:pPr algn="ctr"/>
-            <a:r>
-              <a:rPr lang="en-US" altLang="zh-CN" dirty="0"/>
-              <a:t>3</a:t>
-            </a:r>
-            <a:endParaRPr lang="zh-CN" altLang="en-US" dirty="0"/>
+            <a:endParaRPr lang="zh-CN" altLang="en-US" dirty="0">
+              <a:latin typeface="Times New Roman" panose="02020603050405020304" pitchFamily="18" charset="0"/>
+              <a:cs typeface="Times New Roman" panose="02020603050405020304" pitchFamily="18" charset="0"/>
+            </a:endParaRPr>
           </a:p>
         </p:txBody>
       </p:sp>
@@ -6519,8 +6442,8 @@
         </p:nvCxnSpPr>
         <p:spPr>
           <a:xfrm flipH="1">
-            <a:off x="7294257" y="2620764"/>
-            <a:ext cx="1432708" cy="802229"/>
+            <a:off x="6413225" y="2620764"/>
+            <a:ext cx="2313740" cy="684484"/>
           </a:xfrm>
           <a:prstGeom prst="straightConnector1">
             <a:avLst/>
@@ -6554,8 +6477,8 @@
         </p:nvSpPr>
         <p:spPr>
           <a:xfrm>
-            <a:off x="2582160" y="587155"/>
-            <a:ext cx="6850026" cy="1699287"/>
+            <a:off x="2582160" y="774512"/>
+            <a:ext cx="6850026" cy="1511931"/>
           </a:xfrm>
           <a:custGeom>
             <a:avLst/>
@@ -6620,6 +6543,86 @@
               <a:gd name="connsiteY3" fmla="*/ 102631 h 1699287"/>
               <a:gd name="connsiteX4" fmla="*/ 6850026 w 6850026"/>
               <a:gd name="connsiteY4" fmla="*/ 445531 h 1699287"/>
+              <a:gd name="connsiteX0" fmla="*/ 0 w 6850026"/>
+              <a:gd name="connsiteY0" fmla="*/ 1720854 h 1720854"/>
+              <a:gd name="connsiteX1" fmla="*/ 1524665 w 6850026"/>
+              <a:gd name="connsiteY1" fmla="*/ 821517 h 1720854"/>
+              <a:gd name="connsiteX2" fmla="*/ 3754401 w 6850026"/>
+              <a:gd name="connsiteY2" fmla="*/ 47998 h 1720854"/>
+              <a:gd name="connsiteX3" fmla="*/ 5192676 w 6850026"/>
+              <a:gd name="connsiteY3" fmla="*/ 124198 h 1720854"/>
+              <a:gd name="connsiteX4" fmla="*/ 6850026 w 6850026"/>
+              <a:gd name="connsiteY4" fmla="*/ 467098 h 1720854"/>
+              <a:gd name="connsiteX0" fmla="*/ 0 w 6850026"/>
+              <a:gd name="connsiteY0" fmla="*/ 1618985 h 1618985"/>
+              <a:gd name="connsiteX1" fmla="*/ 1524665 w 6850026"/>
+              <a:gd name="connsiteY1" fmla="*/ 719648 h 1618985"/>
+              <a:gd name="connsiteX2" fmla="*/ 3773451 w 6850026"/>
+              <a:gd name="connsiteY2" fmla="*/ 174729 h 1618985"/>
+              <a:gd name="connsiteX3" fmla="*/ 5192676 w 6850026"/>
+              <a:gd name="connsiteY3" fmla="*/ 22329 h 1618985"/>
+              <a:gd name="connsiteX4" fmla="*/ 6850026 w 6850026"/>
+              <a:gd name="connsiteY4" fmla="*/ 365229 h 1618985"/>
+              <a:gd name="connsiteX0" fmla="*/ 0 w 6850026"/>
+              <a:gd name="connsiteY0" fmla="*/ 1495592 h 1495592"/>
+              <a:gd name="connsiteX1" fmla="*/ 1524665 w 6850026"/>
+              <a:gd name="connsiteY1" fmla="*/ 596255 h 1495592"/>
+              <a:gd name="connsiteX2" fmla="*/ 3773451 w 6850026"/>
+              <a:gd name="connsiteY2" fmla="*/ 51336 h 1495592"/>
+              <a:gd name="connsiteX3" fmla="*/ 5335551 w 6850026"/>
+              <a:gd name="connsiteY3" fmla="*/ 70386 h 1495592"/>
+              <a:gd name="connsiteX4" fmla="*/ 6850026 w 6850026"/>
+              <a:gd name="connsiteY4" fmla="*/ 241836 h 1495592"/>
+              <a:gd name="connsiteX0" fmla="*/ 0 w 6850026"/>
+              <a:gd name="connsiteY0" fmla="*/ 1495592 h 1495592"/>
+              <a:gd name="connsiteX1" fmla="*/ 1524665 w 6850026"/>
+              <a:gd name="connsiteY1" fmla="*/ 596255 h 1495592"/>
+              <a:gd name="connsiteX2" fmla="*/ 3773451 w 6850026"/>
+              <a:gd name="connsiteY2" fmla="*/ 51336 h 1495592"/>
+              <a:gd name="connsiteX3" fmla="*/ 5335551 w 6850026"/>
+              <a:gd name="connsiteY3" fmla="*/ 70386 h 1495592"/>
+              <a:gd name="connsiteX4" fmla="*/ 6850026 w 6850026"/>
+              <a:gd name="connsiteY4" fmla="*/ 241836 h 1495592"/>
+              <a:gd name="connsiteX0" fmla="*/ 0 w 6850026"/>
+              <a:gd name="connsiteY0" fmla="*/ 1521142 h 1521142"/>
+              <a:gd name="connsiteX1" fmla="*/ 1524665 w 6850026"/>
+              <a:gd name="connsiteY1" fmla="*/ 621805 h 1521142"/>
+              <a:gd name="connsiteX2" fmla="*/ 3773451 w 6850026"/>
+              <a:gd name="connsiteY2" fmla="*/ 76886 h 1521142"/>
+              <a:gd name="connsiteX3" fmla="*/ 5354601 w 6850026"/>
+              <a:gd name="connsiteY3" fmla="*/ 48311 h 1521142"/>
+              <a:gd name="connsiteX4" fmla="*/ 6850026 w 6850026"/>
+              <a:gd name="connsiteY4" fmla="*/ 267386 h 1521142"/>
+              <a:gd name="connsiteX0" fmla="*/ 0 w 6850026"/>
+              <a:gd name="connsiteY0" fmla="*/ 1496635 h 1496635"/>
+              <a:gd name="connsiteX1" fmla="*/ 1524665 w 6850026"/>
+              <a:gd name="connsiteY1" fmla="*/ 597298 h 1496635"/>
+              <a:gd name="connsiteX2" fmla="*/ 3773451 w 6850026"/>
+              <a:gd name="connsiteY2" fmla="*/ 52379 h 1496635"/>
+              <a:gd name="connsiteX3" fmla="*/ 5354601 w 6850026"/>
+              <a:gd name="connsiteY3" fmla="*/ 23804 h 1496635"/>
+              <a:gd name="connsiteX4" fmla="*/ 6850026 w 6850026"/>
+              <a:gd name="connsiteY4" fmla="*/ 242879 h 1496635"/>
+              <a:gd name="connsiteX0" fmla="*/ 0 w 6850026"/>
+              <a:gd name="connsiteY0" fmla="*/ 1559094 h 1559094"/>
+              <a:gd name="connsiteX1" fmla="*/ 1524665 w 6850026"/>
+              <a:gd name="connsiteY1" fmla="*/ 659757 h 1559094"/>
+              <a:gd name="connsiteX2" fmla="*/ 3773451 w 6850026"/>
+              <a:gd name="connsiteY2" fmla="*/ 114838 h 1559094"/>
+              <a:gd name="connsiteX3" fmla="*/ 5326026 w 6850026"/>
+              <a:gd name="connsiteY3" fmla="*/ 538 h 1559094"/>
+              <a:gd name="connsiteX4" fmla="*/ 6850026 w 6850026"/>
+              <a:gd name="connsiteY4" fmla="*/ 305338 h 1559094"/>
+              <a:gd name="connsiteX0" fmla="*/ 0 w 6850026"/>
+              <a:gd name="connsiteY0" fmla="*/ 1511931 h 1511931"/>
+              <a:gd name="connsiteX1" fmla="*/ 1524665 w 6850026"/>
+              <a:gd name="connsiteY1" fmla="*/ 612594 h 1511931"/>
+              <a:gd name="connsiteX2" fmla="*/ 3773451 w 6850026"/>
+              <a:gd name="connsiteY2" fmla="*/ 67675 h 1511931"/>
+              <a:gd name="connsiteX3" fmla="*/ 5354601 w 6850026"/>
+              <a:gd name="connsiteY3" fmla="*/ 10525 h 1511931"/>
+              <a:gd name="connsiteX4" fmla="*/ 6850026 w 6850026"/>
+              <a:gd name="connsiteY4" fmla="*/ 258175 h 1511931"/>
             </a:gdLst>
             <a:ahLst/>
             <a:cxnLst>
@@ -6641,29 +6644,29 @@
             </a:cxnLst>
             <a:rect l="l" t="t" r="r" b="b"/>
             <a:pathLst>
-              <a:path w="6850026" h="1699287">
+              <a:path w="6850026" h="1511931">
                 <a:moveTo>
-                  <a:pt x="0" y="1699287"/>
+                  <a:pt x="0" y="1511931"/>
                 </a:moveTo>
                 <a:cubicBezTo>
-                  <a:pt x="819944" y="1000380"/>
-                  <a:pt x="1363442" y="762218"/>
-                  <a:pt x="2010440" y="504675"/>
+                  <a:pt x="819944" y="813024"/>
+                  <a:pt x="895756" y="853303"/>
+                  <a:pt x="1524665" y="612594"/>
                 </a:cubicBezTo>
                 <a:cubicBezTo>
-                  <a:pt x="2657438" y="247132"/>
-                  <a:pt x="3224028" y="93438"/>
-                  <a:pt x="3754401" y="26431"/>
+                  <a:pt x="2153574" y="371885"/>
+                  <a:pt x="3135128" y="168020"/>
+                  <a:pt x="3773451" y="67675"/>
                 </a:cubicBezTo>
                 <a:cubicBezTo>
-                  <a:pt x="4284774" y="-40576"/>
-                  <a:pt x="4676738" y="32781"/>
-                  <a:pt x="5192676" y="102631"/>
+                  <a:pt x="4411774" y="-32670"/>
+                  <a:pt x="4857713" y="7350"/>
+                  <a:pt x="5354601" y="10525"/>
                 </a:cubicBezTo>
                 <a:cubicBezTo>
-                  <a:pt x="5708614" y="172481"/>
-                  <a:pt x="6279320" y="309006"/>
-                  <a:pt x="6850026" y="445531"/>
+                  <a:pt x="5899114" y="13700"/>
+                  <a:pt x="6279320" y="121650"/>
+                  <a:pt x="6850026" y="258175"/>
                 </a:cubicBezTo>
               </a:path>
             </a:pathLst>
@@ -6747,8 +6750,8 @@
         </p:nvSpPr>
         <p:spPr>
           <a:xfrm rot="5400000">
-            <a:off x="6380159" y="1201063"/>
-            <a:ext cx="254463" cy="1573730"/>
+            <a:off x="5529024" y="1080285"/>
+            <a:ext cx="248144" cy="1573730"/>
           </a:xfrm>
           <a:prstGeom prst="leftBrace">
             <a:avLst>
@@ -6785,359 +6788,14 @@
       </p:sp>
       <p:sp>
         <p:nvSpPr>
-          <p:cNvPr id="24" name="任意多边形 23"/>
-          <p:cNvSpPr/>
-          <p:nvPr/>
-        </p:nvSpPr>
-        <p:spPr>
-          <a:xfrm>
-            <a:off x="2413590" y="1650663"/>
-            <a:ext cx="4018221" cy="1172059"/>
-          </a:xfrm>
-          <a:custGeom>
-            <a:avLst/>
-            <a:gdLst>
-              <a:gd name="connsiteX0" fmla="*/ 0 w 5676900"/>
-              <a:gd name="connsiteY0" fmla="*/ 1452036 h 1452036"/>
-              <a:gd name="connsiteX1" fmla="*/ 2200275 w 5676900"/>
-              <a:gd name="connsiteY1" fmla="*/ 375711 h 1452036"/>
-              <a:gd name="connsiteX2" fmla="*/ 3562350 w 5676900"/>
-              <a:gd name="connsiteY2" fmla="*/ 23286 h 1452036"/>
-              <a:gd name="connsiteX3" fmla="*/ 4676775 w 5676900"/>
-              <a:gd name="connsiteY3" fmla="*/ 89961 h 1452036"/>
-              <a:gd name="connsiteX4" fmla="*/ 5676900 w 5676900"/>
-              <a:gd name="connsiteY4" fmla="*/ 547161 h 1452036"/>
-              <a:gd name="connsiteX5" fmla="*/ 5676900 w 5676900"/>
-              <a:gd name="connsiteY5" fmla="*/ 547161 h 1452036"/>
-              <a:gd name="connsiteX6" fmla="*/ 5676900 w 5676900"/>
-              <a:gd name="connsiteY6" fmla="*/ 547161 h 1452036"/>
-              <a:gd name="connsiteX0" fmla="*/ 0 w 4018221"/>
-              <a:gd name="connsiteY0" fmla="*/ 1537096 h 1537096"/>
-              <a:gd name="connsiteX1" fmla="*/ 541596 w 4018221"/>
-              <a:gd name="connsiteY1" fmla="*/ 375711 h 1537096"/>
-              <a:gd name="connsiteX2" fmla="*/ 1903671 w 4018221"/>
-              <a:gd name="connsiteY2" fmla="*/ 23286 h 1537096"/>
-              <a:gd name="connsiteX3" fmla="*/ 3018096 w 4018221"/>
-              <a:gd name="connsiteY3" fmla="*/ 89961 h 1537096"/>
-              <a:gd name="connsiteX4" fmla="*/ 4018221 w 4018221"/>
-              <a:gd name="connsiteY4" fmla="*/ 547161 h 1537096"/>
-              <a:gd name="connsiteX5" fmla="*/ 4018221 w 4018221"/>
-              <a:gd name="connsiteY5" fmla="*/ 547161 h 1537096"/>
-              <a:gd name="connsiteX6" fmla="*/ 4018221 w 4018221"/>
-              <a:gd name="connsiteY6" fmla="*/ 547161 h 1537096"/>
-              <a:gd name="connsiteX0" fmla="*/ 0 w 4018221"/>
-              <a:gd name="connsiteY0" fmla="*/ 1552059 h 1552059"/>
-              <a:gd name="connsiteX1" fmla="*/ 1243345 w 4018221"/>
-              <a:gd name="connsiteY1" fmla="*/ 592692 h 1552059"/>
-              <a:gd name="connsiteX2" fmla="*/ 1903671 w 4018221"/>
-              <a:gd name="connsiteY2" fmla="*/ 38249 h 1552059"/>
-              <a:gd name="connsiteX3" fmla="*/ 3018096 w 4018221"/>
-              <a:gd name="connsiteY3" fmla="*/ 104924 h 1552059"/>
-              <a:gd name="connsiteX4" fmla="*/ 4018221 w 4018221"/>
-              <a:gd name="connsiteY4" fmla="*/ 562124 h 1552059"/>
-              <a:gd name="connsiteX5" fmla="*/ 4018221 w 4018221"/>
-              <a:gd name="connsiteY5" fmla="*/ 562124 h 1552059"/>
-              <a:gd name="connsiteX6" fmla="*/ 4018221 w 4018221"/>
-              <a:gd name="connsiteY6" fmla="*/ 562124 h 1552059"/>
-              <a:gd name="connsiteX0" fmla="*/ 0 w 4018221"/>
-              <a:gd name="connsiteY0" fmla="*/ 1552059 h 1552059"/>
-              <a:gd name="connsiteX1" fmla="*/ 1243345 w 4018221"/>
-              <a:gd name="connsiteY1" fmla="*/ 592692 h 1552059"/>
-              <a:gd name="connsiteX2" fmla="*/ 1871773 w 4018221"/>
-              <a:gd name="connsiteY2" fmla="*/ 38249 h 1552059"/>
-              <a:gd name="connsiteX3" fmla="*/ 3018096 w 4018221"/>
-              <a:gd name="connsiteY3" fmla="*/ 104924 h 1552059"/>
-              <a:gd name="connsiteX4" fmla="*/ 4018221 w 4018221"/>
-              <a:gd name="connsiteY4" fmla="*/ 562124 h 1552059"/>
-              <a:gd name="connsiteX5" fmla="*/ 4018221 w 4018221"/>
-              <a:gd name="connsiteY5" fmla="*/ 562124 h 1552059"/>
-              <a:gd name="connsiteX6" fmla="*/ 4018221 w 4018221"/>
-              <a:gd name="connsiteY6" fmla="*/ 562124 h 1552059"/>
-              <a:gd name="connsiteX0" fmla="*/ 0 w 4018221"/>
-              <a:gd name="connsiteY0" fmla="*/ 1472400 h 1472400"/>
-              <a:gd name="connsiteX1" fmla="*/ 1243345 w 4018221"/>
-              <a:gd name="connsiteY1" fmla="*/ 513033 h 1472400"/>
-              <a:gd name="connsiteX2" fmla="*/ 2052526 w 4018221"/>
-              <a:gd name="connsiteY2" fmla="*/ 107446 h 1472400"/>
-              <a:gd name="connsiteX3" fmla="*/ 3018096 w 4018221"/>
-              <a:gd name="connsiteY3" fmla="*/ 25265 h 1472400"/>
-              <a:gd name="connsiteX4" fmla="*/ 4018221 w 4018221"/>
-              <a:gd name="connsiteY4" fmla="*/ 482465 h 1472400"/>
-              <a:gd name="connsiteX5" fmla="*/ 4018221 w 4018221"/>
-              <a:gd name="connsiteY5" fmla="*/ 482465 h 1472400"/>
-              <a:gd name="connsiteX6" fmla="*/ 4018221 w 4018221"/>
-              <a:gd name="connsiteY6" fmla="*/ 482465 h 1472400"/>
-              <a:gd name="connsiteX0" fmla="*/ 0 w 4018221"/>
-              <a:gd name="connsiteY0" fmla="*/ 1475404 h 1475404"/>
-              <a:gd name="connsiteX1" fmla="*/ 1243345 w 4018221"/>
-              <a:gd name="connsiteY1" fmla="*/ 516037 h 1475404"/>
-              <a:gd name="connsiteX2" fmla="*/ 1999364 w 4018221"/>
-              <a:gd name="connsiteY2" fmla="*/ 99817 h 1475404"/>
-              <a:gd name="connsiteX3" fmla="*/ 3018096 w 4018221"/>
-              <a:gd name="connsiteY3" fmla="*/ 28269 h 1475404"/>
-              <a:gd name="connsiteX4" fmla="*/ 4018221 w 4018221"/>
-              <a:gd name="connsiteY4" fmla="*/ 485469 h 1475404"/>
-              <a:gd name="connsiteX5" fmla="*/ 4018221 w 4018221"/>
-              <a:gd name="connsiteY5" fmla="*/ 485469 h 1475404"/>
-              <a:gd name="connsiteX6" fmla="*/ 4018221 w 4018221"/>
-              <a:gd name="connsiteY6" fmla="*/ 485469 h 1475404"/>
-              <a:gd name="connsiteX0" fmla="*/ 0 w 4018221"/>
-              <a:gd name="connsiteY0" fmla="*/ 1381624 h 1381624"/>
-              <a:gd name="connsiteX1" fmla="*/ 1243345 w 4018221"/>
-              <a:gd name="connsiteY1" fmla="*/ 422257 h 1381624"/>
-              <a:gd name="connsiteX2" fmla="*/ 1999364 w 4018221"/>
-              <a:gd name="connsiteY2" fmla="*/ 6037 h 1381624"/>
-              <a:gd name="connsiteX3" fmla="*/ 3464663 w 4018221"/>
-              <a:gd name="connsiteY3" fmla="*/ 189671 h 1381624"/>
-              <a:gd name="connsiteX4" fmla="*/ 4018221 w 4018221"/>
-              <a:gd name="connsiteY4" fmla="*/ 391689 h 1381624"/>
-              <a:gd name="connsiteX5" fmla="*/ 4018221 w 4018221"/>
-              <a:gd name="connsiteY5" fmla="*/ 391689 h 1381624"/>
-              <a:gd name="connsiteX6" fmla="*/ 4018221 w 4018221"/>
-              <a:gd name="connsiteY6" fmla="*/ 391689 h 1381624"/>
-              <a:gd name="connsiteX0" fmla="*/ 0 w 4018221"/>
-              <a:gd name="connsiteY0" fmla="*/ 1214865 h 1214865"/>
-              <a:gd name="connsiteX1" fmla="*/ 1243345 w 4018221"/>
-              <a:gd name="connsiteY1" fmla="*/ 255498 h 1214865"/>
-              <a:gd name="connsiteX2" fmla="*/ 2137587 w 4018221"/>
-              <a:gd name="connsiteY2" fmla="*/ 30664 h 1214865"/>
-              <a:gd name="connsiteX3" fmla="*/ 3464663 w 4018221"/>
-              <a:gd name="connsiteY3" fmla="*/ 22912 h 1214865"/>
-              <a:gd name="connsiteX4" fmla="*/ 4018221 w 4018221"/>
-              <a:gd name="connsiteY4" fmla="*/ 224930 h 1214865"/>
-              <a:gd name="connsiteX5" fmla="*/ 4018221 w 4018221"/>
-              <a:gd name="connsiteY5" fmla="*/ 224930 h 1214865"/>
-              <a:gd name="connsiteX6" fmla="*/ 4018221 w 4018221"/>
-              <a:gd name="connsiteY6" fmla="*/ 224930 h 1214865"/>
-              <a:gd name="connsiteX0" fmla="*/ 0 w 4018221"/>
-              <a:gd name="connsiteY0" fmla="*/ 1227173 h 1227173"/>
-              <a:gd name="connsiteX1" fmla="*/ 1424098 w 4018221"/>
-              <a:gd name="connsiteY1" fmla="*/ 459192 h 1227173"/>
-              <a:gd name="connsiteX2" fmla="*/ 2137587 w 4018221"/>
-              <a:gd name="connsiteY2" fmla="*/ 42972 h 1227173"/>
-              <a:gd name="connsiteX3" fmla="*/ 3464663 w 4018221"/>
-              <a:gd name="connsiteY3" fmla="*/ 35220 h 1227173"/>
-              <a:gd name="connsiteX4" fmla="*/ 4018221 w 4018221"/>
-              <a:gd name="connsiteY4" fmla="*/ 237238 h 1227173"/>
-              <a:gd name="connsiteX5" fmla="*/ 4018221 w 4018221"/>
-              <a:gd name="connsiteY5" fmla="*/ 237238 h 1227173"/>
-              <a:gd name="connsiteX6" fmla="*/ 4018221 w 4018221"/>
-              <a:gd name="connsiteY6" fmla="*/ 237238 h 1227173"/>
-              <a:gd name="connsiteX0" fmla="*/ 0 w 4018221"/>
-              <a:gd name="connsiteY0" fmla="*/ 1227173 h 1227173"/>
-              <a:gd name="connsiteX1" fmla="*/ 1424098 w 4018221"/>
-              <a:gd name="connsiteY1" fmla="*/ 459192 h 1227173"/>
-              <a:gd name="connsiteX2" fmla="*/ 2137587 w 4018221"/>
-              <a:gd name="connsiteY2" fmla="*/ 42972 h 1227173"/>
-              <a:gd name="connsiteX3" fmla="*/ 3464663 w 4018221"/>
-              <a:gd name="connsiteY3" fmla="*/ 35220 h 1227173"/>
-              <a:gd name="connsiteX4" fmla="*/ 4018221 w 4018221"/>
-              <a:gd name="connsiteY4" fmla="*/ 237238 h 1227173"/>
-              <a:gd name="connsiteX5" fmla="*/ 4018221 w 4018221"/>
-              <a:gd name="connsiteY5" fmla="*/ 237238 h 1227173"/>
-              <a:gd name="connsiteX6" fmla="*/ 4018221 w 4018221"/>
-              <a:gd name="connsiteY6" fmla="*/ 237238 h 1227173"/>
-              <a:gd name="connsiteX0" fmla="*/ 0 w 4018221"/>
-              <a:gd name="connsiteY0" fmla="*/ 1192060 h 1192060"/>
-              <a:gd name="connsiteX1" fmla="*/ 1424098 w 4018221"/>
-              <a:gd name="connsiteY1" fmla="*/ 424079 h 1192060"/>
-              <a:gd name="connsiteX2" fmla="*/ 2403401 w 4018221"/>
-              <a:gd name="connsiteY2" fmla="*/ 177979 h 1192060"/>
-              <a:gd name="connsiteX3" fmla="*/ 3464663 w 4018221"/>
-              <a:gd name="connsiteY3" fmla="*/ 107 h 1192060"/>
-              <a:gd name="connsiteX4" fmla="*/ 4018221 w 4018221"/>
-              <a:gd name="connsiteY4" fmla="*/ 202125 h 1192060"/>
-              <a:gd name="connsiteX5" fmla="*/ 4018221 w 4018221"/>
-              <a:gd name="connsiteY5" fmla="*/ 202125 h 1192060"/>
-              <a:gd name="connsiteX6" fmla="*/ 4018221 w 4018221"/>
-              <a:gd name="connsiteY6" fmla="*/ 202125 h 1192060"/>
-              <a:gd name="connsiteX0" fmla="*/ 0 w 4018221"/>
-              <a:gd name="connsiteY0" fmla="*/ 1149576 h 1149576"/>
-              <a:gd name="connsiteX1" fmla="*/ 1424098 w 4018221"/>
-              <a:gd name="connsiteY1" fmla="*/ 381595 h 1149576"/>
-              <a:gd name="connsiteX2" fmla="*/ 2403401 w 4018221"/>
-              <a:gd name="connsiteY2" fmla="*/ 135495 h 1149576"/>
-              <a:gd name="connsiteX3" fmla="*/ 3709212 w 4018221"/>
-              <a:gd name="connsiteY3" fmla="*/ 154 h 1149576"/>
-              <a:gd name="connsiteX4" fmla="*/ 4018221 w 4018221"/>
-              <a:gd name="connsiteY4" fmla="*/ 159641 h 1149576"/>
-              <a:gd name="connsiteX5" fmla="*/ 4018221 w 4018221"/>
-              <a:gd name="connsiteY5" fmla="*/ 159641 h 1149576"/>
-              <a:gd name="connsiteX6" fmla="*/ 4018221 w 4018221"/>
-              <a:gd name="connsiteY6" fmla="*/ 159641 h 1149576"/>
-              <a:gd name="connsiteX0" fmla="*/ 0 w 4018221"/>
-              <a:gd name="connsiteY0" fmla="*/ 1151259 h 1151259"/>
-              <a:gd name="connsiteX1" fmla="*/ 1424098 w 4018221"/>
-              <a:gd name="connsiteY1" fmla="*/ 383278 h 1151259"/>
-              <a:gd name="connsiteX2" fmla="*/ 2318341 w 4018221"/>
-              <a:gd name="connsiteY2" fmla="*/ 94647 h 1151259"/>
-              <a:gd name="connsiteX3" fmla="*/ 3709212 w 4018221"/>
-              <a:gd name="connsiteY3" fmla="*/ 1837 h 1151259"/>
-              <a:gd name="connsiteX4" fmla="*/ 4018221 w 4018221"/>
-              <a:gd name="connsiteY4" fmla="*/ 161324 h 1151259"/>
-              <a:gd name="connsiteX5" fmla="*/ 4018221 w 4018221"/>
-              <a:gd name="connsiteY5" fmla="*/ 161324 h 1151259"/>
-              <a:gd name="connsiteX6" fmla="*/ 4018221 w 4018221"/>
-              <a:gd name="connsiteY6" fmla="*/ 161324 h 1151259"/>
-              <a:gd name="connsiteX0" fmla="*/ 0 w 4018221"/>
-              <a:gd name="connsiteY0" fmla="*/ 1150573 h 1150573"/>
-              <a:gd name="connsiteX1" fmla="*/ 1424098 w 4018221"/>
-              <a:gd name="connsiteY1" fmla="*/ 382592 h 1150573"/>
-              <a:gd name="connsiteX2" fmla="*/ 2318341 w 4018221"/>
-              <a:gd name="connsiteY2" fmla="*/ 93961 h 1150573"/>
-              <a:gd name="connsiteX3" fmla="*/ 3709212 w 4018221"/>
-              <a:gd name="connsiteY3" fmla="*/ 1151 h 1150573"/>
-              <a:gd name="connsiteX4" fmla="*/ 4018221 w 4018221"/>
-              <a:gd name="connsiteY4" fmla="*/ 160638 h 1150573"/>
-              <a:gd name="connsiteX5" fmla="*/ 4018221 w 4018221"/>
-              <a:gd name="connsiteY5" fmla="*/ 160638 h 1150573"/>
-              <a:gd name="connsiteX6" fmla="*/ 4018221 w 4018221"/>
-              <a:gd name="connsiteY6" fmla="*/ 160638 h 1150573"/>
-              <a:gd name="connsiteX0" fmla="*/ 0 w 4018221"/>
-              <a:gd name="connsiteY0" fmla="*/ 1214121 h 1214121"/>
-              <a:gd name="connsiteX1" fmla="*/ 1424098 w 4018221"/>
-              <a:gd name="connsiteY1" fmla="*/ 446140 h 1214121"/>
-              <a:gd name="connsiteX2" fmla="*/ 2318341 w 4018221"/>
-              <a:gd name="connsiteY2" fmla="*/ 157509 h 1214121"/>
-              <a:gd name="connsiteX3" fmla="*/ 3283909 w 4018221"/>
-              <a:gd name="connsiteY3" fmla="*/ 904 h 1214121"/>
-              <a:gd name="connsiteX4" fmla="*/ 4018221 w 4018221"/>
-              <a:gd name="connsiteY4" fmla="*/ 224186 h 1214121"/>
-              <a:gd name="connsiteX5" fmla="*/ 4018221 w 4018221"/>
-              <a:gd name="connsiteY5" fmla="*/ 224186 h 1214121"/>
-              <a:gd name="connsiteX6" fmla="*/ 4018221 w 4018221"/>
-              <a:gd name="connsiteY6" fmla="*/ 224186 h 1214121"/>
-              <a:gd name="connsiteX0" fmla="*/ 0 w 4018221"/>
-              <a:gd name="connsiteY0" fmla="*/ 1172059 h 1172059"/>
-              <a:gd name="connsiteX1" fmla="*/ 1424098 w 4018221"/>
-              <a:gd name="connsiteY1" fmla="*/ 404078 h 1172059"/>
-              <a:gd name="connsiteX2" fmla="*/ 2318341 w 4018221"/>
-              <a:gd name="connsiteY2" fmla="*/ 115447 h 1172059"/>
-              <a:gd name="connsiteX3" fmla="*/ 3198848 w 4018221"/>
-              <a:gd name="connsiteY3" fmla="*/ 1372 h 1172059"/>
-              <a:gd name="connsiteX4" fmla="*/ 4018221 w 4018221"/>
-              <a:gd name="connsiteY4" fmla="*/ 182124 h 1172059"/>
-              <a:gd name="connsiteX5" fmla="*/ 4018221 w 4018221"/>
-              <a:gd name="connsiteY5" fmla="*/ 182124 h 1172059"/>
-              <a:gd name="connsiteX6" fmla="*/ 4018221 w 4018221"/>
-              <a:gd name="connsiteY6" fmla="*/ 182124 h 1172059"/>
-              <a:gd name="connsiteX0" fmla="*/ 0 w 4018221"/>
-              <a:gd name="connsiteY0" fmla="*/ 1172059 h 1172059"/>
-              <a:gd name="connsiteX1" fmla="*/ 1424098 w 4018221"/>
-              <a:gd name="connsiteY1" fmla="*/ 404078 h 1172059"/>
-              <a:gd name="connsiteX2" fmla="*/ 2318341 w 4018221"/>
-              <a:gd name="connsiteY2" fmla="*/ 115447 h 1172059"/>
-              <a:gd name="connsiteX3" fmla="*/ 3198848 w 4018221"/>
-              <a:gd name="connsiteY3" fmla="*/ 1372 h 1172059"/>
-              <a:gd name="connsiteX4" fmla="*/ 4018221 w 4018221"/>
-              <a:gd name="connsiteY4" fmla="*/ 182124 h 1172059"/>
-              <a:gd name="connsiteX5" fmla="*/ 4018221 w 4018221"/>
-              <a:gd name="connsiteY5" fmla="*/ 182124 h 1172059"/>
-              <a:gd name="connsiteX6" fmla="*/ 4018221 w 4018221"/>
-              <a:gd name="connsiteY6" fmla="*/ 182124 h 1172059"/>
-            </a:gdLst>
-            <a:ahLst/>
-            <a:cxnLst>
-              <a:cxn ang="0">
-                <a:pos x="connsiteX0" y="connsiteY0"/>
-              </a:cxn>
-              <a:cxn ang="0">
-                <a:pos x="connsiteX1" y="connsiteY1"/>
-              </a:cxn>
-              <a:cxn ang="0">
-                <a:pos x="connsiteX2" y="connsiteY2"/>
-              </a:cxn>
-              <a:cxn ang="0">
-                <a:pos x="connsiteX3" y="connsiteY3"/>
-              </a:cxn>
-              <a:cxn ang="0">
-                <a:pos x="connsiteX4" y="connsiteY4"/>
-              </a:cxn>
-              <a:cxn ang="0">
-                <a:pos x="connsiteX5" y="connsiteY5"/>
-              </a:cxn>
-              <a:cxn ang="0">
-                <a:pos x="connsiteX6" y="connsiteY6"/>
-              </a:cxn>
-            </a:cxnLst>
-            <a:rect l="l" t="t" r="r" b="b"/>
-            <a:pathLst>
-              <a:path w="4018221" h="1172059">
-                <a:moveTo>
-                  <a:pt x="0" y="1172059"/>
-                </a:moveTo>
-                <a:cubicBezTo>
-                  <a:pt x="803275" y="752959"/>
-                  <a:pt x="1037708" y="580180"/>
-                  <a:pt x="1424098" y="404078"/>
-                </a:cubicBezTo>
-                <a:cubicBezTo>
-                  <a:pt x="1810488" y="227976"/>
-                  <a:pt x="2022549" y="182565"/>
-                  <a:pt x="2318341" y="115447"/>
-                </a:cubicBezTo>
-                <a:cubicBezTo>
-                  <a:pt x="2614133" y="48329"/>
-                  <a:pt x="2915535" y="-9741"/>
-                  <a:pt x="3198848" y="1372"/>
-                </a:cubicBezTo>
-                <a:cubicBezTo>
-                  <a:pt x="3482161" y="12485"/>
-                  <a:pt x="3881659" y="151999"/>
-                  <a:pt x="4018221" y="182124"/>
-                </a:cubicBezTo>
-                <a:lnTo>
-                  <a:pt x="4018221" y="182124"/>
-                </a:lnTo>
-                <a:lnTo>
-                  <a:pt x="4018221" y="182124"/>
-                </a:lnTo>
-              </a:path>
-            </a:pathLst>
-          </a:custGeom>
-          <a:noFill/>
-          <a:ln>
-            <a:solidFill>
-              <a:schemeClr val="tx1"/>
-            </a:solidFill>
-            <a:prstDash val="dash"/>
-          </a:ln>
-        </p:spPr>
-        <p:style>
-          <a:lnRef idx="2">
-            <a:schemeClr val="accent1">
-              <a:shade val="50000"/>
-            </a:schemeClr>
-          </a:lnRef>
-          <a:fillRef idx="1">
-            <a:schemeClr val="accent1"/>
-          </a:fillRef>
-          <a:effectRef idx="0">
-            <a:schemeClr val="accent1"/>
-          </a:effectRef>
-          <a:fontRef idx="minor">
-            <a:schemeClr val="lt1"/>
-          </a:fontRef>
-        </p:style>
-        <p:txBody>
-          <a:bodyPr rtlCol="0" anchor="ctr"/>
-          <a:lstStyle/>
-          <a:p>
-            <a:pPr algn="ctr"/>
-            <a:endParaRPr lang="zh-CN" altLang="en-US"/>
-          </a:p>
-        </p:txBody>
-      </p:sp>
-      <p:sp>
-        <p:nvSpPr>
           <p:cNvPr id="25" name="任意多边形 24"/>
           <p:cNvSpPr/>
           <p:nvPr/>
         </p:nvSpPr>
         <p:spPr>
           <a:xfrm>
-            <a:off x="6898535" y="1630052"/>
-            <a:ext cx="1804988" cy="2345860"/>
+            <a:off x="6460385" y="1630051"/>
+            <a:ext cx="2243138" cy="2164885"/>
           </a:xfrm>
           <a:custGeom>
             <a:avLst/>
@@ -7372,6 +7030,26 @@
               <a:gd name="connsiteY3" fmla="*/ 217022 h 2345860"/>
               <a:gd name="connsiteX4" fmla="*/ 1804988 w 1804988"/>
               <a:gd name="connsiteY4" fmla="*/ 2710 h 2345860"/>
+              <a:gd name="connsiteX0" fmla="*/ 0 w 2243138"/>
+              <a:gd name="connsiteY0" fmla="*/ 2164885 h 2191519"/>
+              <a:gd name="connsiteX1" fmla="*/ 1200150 w 2243138"/>
+              <a:gd name="connsiteY1" fmla="*/ 2102973 h 2191519"/>
+              <a:gd name="connsiteX2" fmla="*/ 1538287 w 2243138"/>
+              <a:gd name="connsiteY2" fmla="*/ 1169523 h 2191519"/>
+              <a:gd name="connsiteX3" fmla="*/ 1862138 w 2243138"/>
+              <a:gd name="connsiteY3" fmla="*/ 217022 h 2191519"/>
+              <a:gd name="connsiteX4" fmla="*/ 2243138 w 2243138"/>
+              <a:gd name="connsiteY4" fmla="*/ 2710 h 2191519"/>
+              <a:gd name="connsiteX0" fmla="*/ 0 w 2243138"/>
+              <a:gd name="connsiteY0" fmla="*/ 2164885 h 2164885"/>
+              <a:gd name="connsiteX1" fmla="*/ 933450 w 2243138"/>
+              <a:gd name="connsiteY1" fmla="*/ 1845798 h 2164885"/>
+              <a:gd name="connsiteX2" fmla="*/ 1538287 w 2243138"/>
+              <a:gd name="connsiteY2" fmla="*/ 1169523 h 2164885"/>
+              <a:gd name="connsiteX3" fmla="*/ 1862138 w 2243138"/>
+              <a:gd name="connsiteY3" fmla="*/ 217022 h 2164885"/>
+              <a:gd name="connsiteX4" fmla="*/ 2243138 w 2243138"/>
+              <a:gd name="connsiteY4" fmla="*/ 2710 h 2164885"/>
             </a:gdLst>
             <a:ahLst/>
             <a:cxnLst>
@@ -7393,29 +7071,29 @@
             </a:cxnLst>
             <a:rect l="l" t="t" r="r" b="b"/>
             <a:pathLst>
-              <a:path w="1804988" h="2345860">
+              <a:path w="2243138" h="2164885">
                 <a:moveTo>
-                  <a:pt x="0" y="2345860"/>
+                  <a:pt x="0" y="2164885"/>
                 </a:moveTo>
                 <a:cubicBezTo>
-                  <a:pt x="444500" y="2328397"/>
-                  <a:pt x="578644" y="2299029"/>
-                  <a:pt x="762000" y="2102973"/>
+                  <a:pt x="444500" y="2147422"/>
+                  <a:pt x="677069" y="2011692"/>
+                  <a:pt x="933450" y="1845798"/>
                 </a:cubicBezTo>
                 <a:cubicBezTo>
-                  <a:pt x="945356" y="1906917"/>
-                  <a:pt x="989806" y="1483848"/>
-                  <a:pt x="1100137" y="1169523"/>
+                  <a:pt x="1189831" y="1679904"/>
+                  <a:pt x="1383506" y="1440986"/>
+                  <a:pt x="1538287" y="1169523"/>
                 </a:cubicBezTo>
                 <a:cubicBezTo>
-                  <a:pt x="1210468" y="855198"/>
-                  <a:pt x="1335088" y="335291"/>
-                  <a:pt x="1423988" y="217022"/>
+                  <a:pt x="1693068" y="898060"/>
+                  <a:pt x="1773238" y="335291"/>
+                  <a:pt x="1862138" y="217022"/>
                 </a:cubicBezTo>
                 <a:cubicBezTo>
-                  <a:pt x="1512888" y="98753"/>
-                  <a:pt x="1680369" y="-19515"/>
-                  <a:pt x="1804988" y="2710"/>
+                  <a:pt x="1951038" y="98753"/>
+                  <a:pt x="2118519" y="-19515"/>
+                  <a:pt x="2243138" y="2710"/>
                 </a:cubicBezTo>
               </a:path>
             </a:pathLst>
@@ -7456,8 +7134,8 @@
         </p:nvSpPr>
         <p:spPr>
           <a:xfrm>
-            <a:off x="6893774" y="3171050"/>
-            <a:ext cx="1804987" cy="1328737"/>
+            <a:off x="6388949" y="3171050"/>
+            <a:ext cx="2309812" cy="1195387"/>
           </a:xfrm>
           <a:custGeom>
             <a:avLst/>
@@ -7476,6 +7154,34 @@
               <a:gd name="connsiteY5" fmla="*/ 0 h 1328737"/>
               <a:gd name="connsiteX6" fmla="*/ 1804987 w 1804987"/>
               <a:gd name="connsiteY6" fmla="*/ 0 h 1328737"/>
+              <a:gd name="connsiteX0" fmla="*/ 0 w 2309812"/>
+              <a:gd name="connsiteY0" fmla="*/ 1195387 h 1195387"/>
+              <a:gd name="connsiteX1" fmla="*/ 1409700 w 2309812"/>
+              <a:gd name="connsiteY1" fmla="*/ 866775 h 1195387"/>
+              <a:gd name="connsiteX2" fmla="*/ 1666875 w 2309812"/>
+              <a:gd name="connsiteY2" fmla="*/ 304800 h 1195387"/>
+              <a:gd name="connsiteX3" fmla="*/ 2309812 w 2309812"/>
+              <a:gd name="connsiteY3" fmla="*/ 0 h 1195387"/>
+              <a:gd name="connsiteX4" fmla="*/ 2309812 w 2309812"/>
+              <a:gd name="connsiteY4" fmla="*/ 0 h 1195387"/>
+              <a:gd name="connsiteX5" fmla="*/ 2309812 w 2309812"/>
+              <a:gd name="connsiteY5" fmla="*/ 0 h 1195387"/>
+              <a:gd name="connsiteX6" fmla="*/ 2309812 w 2309812"/>
+              <a:gd name="connsiteY6" fmla="*/ 0 h 1195387"/>
+              <a:gd name="connsiteX0" fmla="*/ 0 w 2309812"/>
+              <a:gd name="connsiteY0" fmla="*/ 1195387 h 1195387"/>
+              <a:gd name="connsiteX1" fmla="*/ 923925 w 2309812"/>
+              <a:gd name="connsiteY1" fmla="*/ 885825 h 1195387"/>
+              <a:gd name="connsiteX2" fmla="*/ 1666875 w 2309812"/>
+              <a:gd name="connsiteY2" fmla="*/ 304800 h 1195387"/>
+              <a:gd name="connsiteX3" fmla="*/ 2309812 w 2309812"/>
+              <a:gd name="connsiteY3" fmla="*/ 0 h 1195387"/>
+              <a:gd name="connsiteX4" fmla="*/ 2309812 w 2309812"/>
+              <a:gd name="connsiteY4" fmla="*/ 0 h 1195387"/>
+              <a:gd name="connsiteX5" fmla="*/ 2309812 w 2309812"/>
+              <a:gd name="connsiteY5" fmla="*/ 0 h 1195387"/>
+              <a:gd name="connsiteX6" fmla="*/ 2309812 w 2309812"/>
+              <a:gd name="connsiteY6" fmla="*/ 0 h 1195387"/>
             </a:gdLst>
             <a:ahLst/>
             <a:cxnLst>
@@ -7503,33 +7209,33 @@
             </a:cxnLst>
             <a:rect l="l" t="t" r="r" b="b"/>
             <a:pathLst>
-              <a:path w="1804987" h="1328737">
+              <a:path w="2309812" h="1195387">
                 <a:moveTo>
-                  <a:pt x="0" y="1328737"/>
+                  <a:pt x="0" y="1195387"/>
                 </a:moveTo>
                 <a:cubicBezTo>
-                  <a:pt x="355600" y="1183084"/>
-                  <a:pt x="711200" y="1037431"/>
-                  <a:pt x="904875" y="866775"/>
+                  <a:pt x="355600" y="1049734"/>
+                  <a:pt x="646112" y="1034256"/>
+                  <a:pt x="923925" y="885825"/>
                 </a:cubicBezTo>
                 <a:cubicBezTo>
-                  <a:pt x="1098550" y="696119"/>
-                  <a:pt x="1012031" y="449262"/>
-                  <a:pt x="1162050" y="304800"/>
+                  <a:pt x="1201738" y="737394"/>
+                  <a:pt x="1435894" y="452438"/>
+                  <a:pt x="1666875" y="304800"/>
                 </a:cubicBezTo>
                 <a:cubicBezTo>
-                  <a:pt x="1312069" y="160337"/>
-                  <a:pt x="1804987" y="0"/>
-                  <a:pt x="1804987" y="0"/>
+                  <a:pt x="1897856" y="157163"/>
+                  <a:pt x="2309812" y="0"/>
+                  <a:pt x="2309812" y="0"/>
                 </a:cubicBezTo>
                 <a:lnTo>
-                  <a:pt x="1804987" y="0"/>
+                  <a:pt x="2309812" y="0"/>
                 </a:lnTo>
                 <a:lnTo>
-                  <a:pt x="1804987" y="0"/>
+                  <a:pt x="2309812" y="0"/>
                 </a:lnTo>
                 <a:lnTo>
-                  <a:pt x="1804987" y="0"/>
+                  <a:pt x="2309812" y="0"/>
                 </a:lnTo>
               </a:path>
             </a:pathLst>
@@ -7570,8 +7276,8 @@
         </p:nvSpPr>
         <p:spPr>
           <a:xfrm>
-            <a:off x="6998548" y="2661462"/>
-            <a:ext cx="3782695" cy="2405063"/>
+            <a:off x="6484199" y="2661463"/>
+            <a:ext cx="4316617" cy="2186056"/>
           </a:xfrm>
           <a:custGeom>
             <a:avLst/>
@@ -7680,6 +7386,150 @@
               <a:gd name="connsiteY2" fmla="*/ 1412875 h 2405063"/>
               <a:gd name="connsiteX3" fmla="*/ 0 w 3782695"/>
               <a:gd name="connsiteY3" fmla="*/ 2405063 h 2405063"/>
+              <a:gd name="connsiteX0" fmla="*/ 3371850 w 4297045"/>
+              <a:gd name="connsiteY0" fmla="*/ 0 h 2185988"/>
+              <a:gd name="connsiteX1" fmla="*/ 4181475 w 4297045"/>
+              <a:gd name="connsiteY1" fmla="*/ 247650 h 2185988"/>
+              <a:gd name="connsiteX2" fmla="*/ 4052887 w 4297045"/>
+              <a:gd name="connsiteY2" fmla="*/ 1412875 h 2185988"/>
+              <a:gd name="connsiteX3" fmla="*/ 0 w 4297045"/>
+              <a:gd name="connsiteY3" fmla="*/ 2185988 h 2185988"/>
+              <a:gd name="connsiteX0" fmla="*/ 3371850 w 4297045"/>
+              <a:gd name="connsiteY0" fmla="*/ 0 h 2185988"/>
+              <a:gd name="connsiteX1" fmla="*/ 4181475 w 4297045"/>
+              <a:gd name="connsiteY1" fmla="*/ 247650 h 2185988"/>
+              <a:gd name="connsiteX2" fmla="*/ 4052887 w 4297045"/>
+              <a:gd name="connsiteY2" fmla="*/ 1412875 h 2185988"/>
+              <a:gd name="connsiteX3" fmla="*/ 0 w 4297045"/>
+              <a:gd name="connsiteY3" fmla="*/ 2185988 h 2185988"/>
+              <a:gd name="connsiteX0" fmla="*/ 3371850 w 4297045"/>
+              <a:gd name="connsiteY0" fmla="*/ 0 h 2186071"/>
+              <a:gd name="connsiteX1" fmla="*/ 4181475 w 4297045"/>
+              <a:gd name="connsiteY1" fmla="*/ 247650 h 2186071"/>
+              <a:gd name="connsiteX2" fmla="*/ 4052887 w 4297045"/>
+              <a:gd name="connsiteY2" fmla="*/ 1412875 h 2186071"/>
+              <a:gd name="connsiteX3" fmla="*/ 0 w 4297045"/>
+              <a:gd name="connsiteY3" fmla="*/ 2185988 h 2186071"/>
+              <a:gd name="connsiteX0" fmla="*/ 3810000 w 4262689"/>
+              <a:gd name="connsiteY0" fmla="*/ 0 h 2186071"/>
+              <a:gd name="connsiteX1" fmla="*/ 4181475 w 4262689"/>
+              <a:gd name="connsiteY1" fmla="*/ 247650 h 2186071"/>
+              <a:gd name="connsiteX2" fmla="*/ 4052887 w 4262689"/>
+              <a:gd name="connsiteY2" fmla="*/ 1412875 h 2186071"/>
+              <a:gd name="connsiteX3" fmla="*/ 0 w 4262689"/>
+              <a:gd name="connsiteY3" fmla="*/ 2185988 h 2186071"/>
+              <a:gd name="connsiteX0" fmla="*/ 3810000 w 4308966"/>
+              <a:gd name="connsiteY0" fmla="*/ 0 h 2186071"/>
+              <a:gd name="connsiteX1" fmla="*/ 4267200 w 4308966"/>
+              <a:gd name="connsiteY1" fmla="*/ 314325 h 2186071"/>
+              <a:gd name="connsiteX2" fmla="*/ 4052887 w 4308966"/>
+              <a:gd name="connsiteY2" fmla="*/ 1412875 h 2186071"/>
+              <a:gd name="connsiteX3" fmla="*/ 0 w 4308966"/>
+              <a:gd name="connsiteY3" fmla="*/ 2185988 h 2186071"/>
+              <a:gd name="connsiteX0" fmla="*/ 3810000 w 4350309"/>
+              <a:gd name="connsiteY0" fmla="*/ 0 h 2186071"/>
+              <a:gd name="connsiteX1" fmla="*/ 4267200 w 4350309"/>
+              <a:gd name="connsiteY1" fmla="*/ 314325 h 2186071"/>
+              <a:gd name="connsiteX2" fmla="*/ 4052887 w 4350309"/>
+              <a:gd name="connsiteY2" fmla="*/ 1412875 h 2186071"/>
+              <a:gd name="connsiteX3" fmla="*/ 0 w 4350309"/>
+              <a:gd name="connsiteY3" fmla="*/ 2185988 h 2186071"/>
+              <a:gd name="connsiteX0" fmla="*/ 3810000 w 4325389"/>
+              <a:gd name="connsiteY0" fmla="*/ 0 h 2186071"/>
+              <a:gd name="connsiteX1" fmla="*/ 4267200 w 4325389"/>
+              <a:gd name="connsiteY1" fmla="*/ 314325 h 2186071"/>
+              <a:gd name="connsiteX2" fmla="*/ 4052887 w 4325389"/>
+              <a:gd name="connsiteY2" fmla="*/ 1412875 h 2186071"/>
+              <a:gd name="connsiteX3" fmla="*/ 0 w 4325389"/>
+              <a:gd name="connsiteY3" fmla="*/ 2185988 h 2186071"/>
+              <a:gd name="connsiteX0" fmla="*/ 3810000 w 4293067"/>
+              <a:gd name="connsiteY0" fmla="*/ 0 h 2186071"/>
+              <a:gd name="connsiteX1" fmla="*/ 4267200 w 4293067"/>
+              <a:gd name="connsiteY1" fmla="*/ 314325 h 2186071"/>
+              <a:gd name="connsiteX2" fmla="*/ 4052887 w 4293067"/>
+              <a:gd name="connsiteY2" fmla="*/ 1412875 h 2186071"/>
+              <a:gd name="connsiteX3" fmla="*/ 0 w 4293067"/>
+              <a:gd name="connsiteY3" fmla="*/ 2185988 h 2186071"/>
+              <a:gd name="connsiteX0" fmla="*/ 3810000 w 4293067"/>
+              <a:gd name="connsiteY0" fmla="*/ 0 h 2186051"/>
+              <a:gd name="connsiteX1" fmla="*/ 4267200 w 4293067"/>
+              <a:gd name="connsiteY1" fmla="*/ 314325 h 2186051"/>
+              <a:gd name="connsiteX2" fmla="*/ 4052887 w 4293067"/>
+              <a:gd name="connsiteY2" fmla="*/ 1412875 h 2186051"/>
+              <a:gd name="connsiteX3" fmla="*/ 0 w 4293067"/>
+              <a:gd name="connsiteY3" fmla="*/ 2185988 h 2186051"/>
+              <a:gd name="connsiteX0" fmla="*/ 3810000 w 4272113"/>
+              <a:gd name="connsiteY0" fmla="*/ 0 h 2186048"/>
+              <a:gd name="connsiteX1" fmla="*/ 4267200 w 4272113"/>
+              <a:gd name="connsiteY1" fmla="*/ 314325 h 2186048"/>
+              <a:gd name="connsiteX2" fmla="*/ 3995737 w 4272113"/>
+              <a:gd name="connsiteY2" fmla="*/ 1384300 h 2186048"/>
+              <a:gd name="connsiteX3" fmla="*/ 0 w 4272113"/>
+              <a:gd name="connsiteY3" fmla="*/ 2185988 h 2186048"/>
+              <a:gd name="connsiteX0" fmla="*/ 3810000 w 4272113"/>
+              <a:gd name="connsiteY0" fmla="*/ 0 h 2186049"/>
+              <a:gd name="connsiteX1" fmla="*/ 4267200 w 4272113"/>
+              <a:gd name="connsiteY1" fmla="*/ 314325 h 2186049"/>
+              <a:gd name="connsiteX2" fmla="*/ 3995737 w 4272113"/>
+              <a:gd name="connsiteY2" fmla="*/ 1384300 h 2186049"/>
+              <a:gd name="connsiteX3" fmla="*/ 0 w 4272113"/>
+              <a:gd name="connsiteY3" fmla="*/ 2185988 h 2186049"/>
+              <a:gd name="connsiteX0" fmla="*/ 3810000 w 4268012"/>
+              <a:gd name="connsiteY0" fmla="*/ 0 h 2186047"/>
+              <a:gd name="connsiteX1" fmla="*/ 4267200 w 4268012"/>
+              <a:gd name="connsiteY1" fmla="*/ 314325 h 2186047"/>
+              <a:gd name="connsiteX2" fmla="*/ 3900487 w 4268012"/>
+              <a:gd name="connsiteY2" fmla="*/ 1365250 h 2186047"/>
+              <a:gd name="connsiteX3" fmla="*/ 0 w 4268012"/>
+              <a:gd name="connsiteY3" fmla="*/ 2185988 h 2186047"/>
+              <a:gd name="connsiteX0" fmla="*/ 3810000 w 4268636"/>
+              <a:gd name="connsiteY0" fmla="*/ 0 h 2186047"/>
+              <a:gd name="connsiteX1" fmla="*/ 4267200 w 4268636"/>
+              <a:gd name="connsiteY1" fmla="*/ 314325 h 2186047"/>
+              <a:gd name="connsiteX2" fmla="*/ 3900487 w 4268636"/>
+              <a:gd name="connsiteY2" fmla="*/ 1365250 h 2186047"/>
+              <a:gd name="connsiteX3" fmla="*/ 0 w 4268636"/>
+              <a:gd name="connsiteY3" fmla="*/ 2185988 h 2186047"/>
+              <a:gd name="connsiteX0" fmla="*/ 3810000 w 4298292"/>
+              <a:gd name="connsiteY0" fmla="*/ 0 h 2186047"/>
+              <a:gd name="connsiteX1" fmla="*/ 4267200 w 4298292"/>
+              <a:gd name="connsiteY1" fmla="*/ 314325 h 2186047"/>
+              <a:gd name="connsiteX2" fmla="*/ 3900487 w 4298292"/>
+              <a:gd name="connsiteY2" fmla="*/ 1365250 h 2186047"/>
+              <a:gd name="connsiteX3" fmla="*/ 0 w 4298292"/>
+              <a:gd name="connsiteY3" fmla="*/ 2185988 h 2186047"/>
+              <a:gd name="connsiteX0" fmla="*/ 3810000 w 4298292"/>
+              <a:gd name="connsiteY0" fmla="*/ 0 h 2186047"/>
+              <a:gd name="connsiteX1" fmla="*/ 4267200 w 4298292"/>
+              <a:gd name="connsiteY1" fmla="*/ 314325 h 2186047"/>
+              <a:gd name="connsiteX2" fmla="*/ 3900487 w 4298292"/>
+              <a:gd name="connsiteY2" fmla="*/ 1365250 h 2186047"/>
+              <a:gd name="connsiteX3" fmla="*/ 0 w 4298292"/>
+              <a:gd name="connsiteY3" fmla="*/ 2185988 h 2186047"/>
+              <a:gd name="connsiteX0" fmla="*/ 3810000 w 4298292"/>
+              <a:gd name="connsiteY0" fmla="*/ 0 h 2186047"/>
+              <a:gd name="connsiteX1" fmla="*/ 4267200 w 4298292"/>
+              <a:gd name="connsiteY1" fmla="*/ 314325 h 2186047"/>
+              <a:gd name="connsiteX2" fmla="*/ 3900487 w 4298292"/>
+              <a:gd name="connsiteY2" fmla="*/ 1365250 h 2186047"/>
+              <a:gd name="connsiteX3" fmla="*/ 0 w 4298292"/>
+              <a:gd name="connsiteY3" fmla="*/ 2185988 h 2186047"/>
+              <a:gd name="connsiteX0" fmla="*/ 3810000 w 4298292"/>
+              <a:gd name="connsiteY0" fmla="*/ 0 h 2186056"/>
+              <a:gd name="connsiteX1" fmla="*/ 4267200 w 4298292"/>
+              <a:gd name="connsiteY1" fmla="*/ 314325 h 2186056"/>
+              <a:gd name="connsiteX2" fmla="*/ 3900487 w 4298292"/>
+              <a:gd name="connsiteY2" fmla="*/ 1365250 h 2186056"/>
+              <a:gd name="connsiteX3" fmla="*/ 0 w 4298292"/>
+              <a:gd name="connsiteY3" fmla="*/ 2185988 h 2186056"/>
+              <a:gd name="connsiteX0" fmla="*/ 3810000 w 4316617"/>
+              <a:gd name="connsiteY0" fmla="*/ 0 h 2186056"/>
+              <a:gd name="connsiteX1" fmla="*/ 4267200 w 4316617"/>
+              <a:gd name="connsiteY1" fmla="*/ 314325 h 2186056"/>
+              <a:gd name="connsiteX2" fmla="*/ 3900487 w 4316617"/>
+              <a:gd name="connsiteY2" fmla="*/ 1365250 h 2186056"/>
+              <a:gd name="connsiteX3" fmla="*/ 0 w 4316617"/>
+              <a:gd name="connsiteY3" fmla="*/ 2185988 h 2186056"/>
             </a:gdLst>
             <a:ahLst/>
             <a:cxnLst>
@@ -7698,24 +7548,24 @@
             </a:cxnLst>
             <a:rect l="l" t="t" r="r" b="b"/>
             <a:pathLst>
-              <a:path w="3782695" h="2405063">
+              <a:path w="4316617" h="2186056">
                 <a:moveTo>
-                  <a:pt x="2857500" y="0"/>
+                  <a:pt x="3810000" y="0"/>
                 </a:moveTo>
                 <a:cubicBezTo>
-                  <a:pt x="3196034" y="23019"/>
-                  <a:pt x="3534569" y="24871"/>
-                  <a:pt x="3667125" y="247650"/>
+                  <a:pt x="3958034" y="3969"/>
+                  <a:pt x="4156869" y="-37042"/>
+                  <a:pt x="4267200" y="314325"/>
                 </a:cubicBezTo>
                 <a:cubicBezTo>
-                  <a:pt x="3799681" y="470429"/>
-                  <a:pt x="3884613" y="1085056"/>
-                  <a:pt x="3538537" y="1412875"/>
+                  <a:pt x="4377531" y="665692"/>
+                  <a:pt x="4322763" y="1066006"/>
+                  <a:pt x="3900487" y="1365250"/>
                 </a:cubicBezTo>
                 <a:cubicBezTo>
-                  <a:pt x="3192461" y="1740694"/>
-                  <a:pt x="599281" y="2202657"/>
-                  <a:pt x="0" y="2405063"/>
+                  <a:pt x="3525836" y="1635919"/>
+                  <a:pt x="580231" y="2193132"/>
+                  <a:pt x="0" y="2185988"/>
                 </a:cubicBezTo>
               </a:path>
             </a:pathLst>
@@ -7748,10 +7598,1435 @@
           </a:p>
         </p:txBody>
       </p:sp>
+      <p:sp>
+        <p:nvSpPr>
+          <p:cNvPr id="28" name="任意多边形 27"/>
+          <p:cNvSpPr/>
+          <p:nvPr/>
+        </p:nvSpPr>
+        <p:spPr>
+          <a:xfrm>
+            <a:off x="2410710" y="1600366"/>
+            <a:ext cx="3172107" cy="1246908"/>
+          </a:xfrm>
+          <a:custGeom>
+            <a:avLst/>
+            <a:gdLst>
+              <a:gd name="connsiteX0" fmla="*/ 0 w 8572500"/>
+              <a:gd name="connsiteY0" fmla="*/ 1535983 h 1535983"/>
+              <a:gd name="connsiteX1" fmla="*/ 3467100 w 8572500"/>
+              <a:gd name="connsiteY1" fmla="*/ 288208 h 1535983"/>
+              <a:gd name="connsiteX2" fmla="*/ 5476875 w 8572500"/>
+              <a:gd name="connsiteY2" fmla="*/ 11983 h 1535983"/>
+              <a:gd name="connsiteX3" fmla="*/ 6915150 w 8572500"/>
+              <a:gd name="connsiteY3" fmla="*/ 88183 h 1535983"/>
+              <a:gd name="connsiteX4" fmla="*/ 8572500 w 8572500"/>
+              <a:gd name="connsiteY4" fmla="*/ 431083 h 1535983"/>
+              <a:gd name="connsiteX0" fmla="*/ 0 w 6850026"/>
+              <a:gd name="connsiteY0" fmla="*/ 1684839 h 1684839"/>
+              <a:gd name="connsiteX1" fmla="*/ 1744626 w 6850026"/>
+              <a:gd name="connsiteY1" fmla="*/ 288208 h 1684839"/>
+              <a:gd name="connsiteX2" fmla="*/ 3754401 w 6850026"/>
+              <a:gd name="connsiteY2" fmla="*/ 11983 h 1684839"/>
+              <a:gd name="connsiteX3" fmla="*/ 5192676 w 6850026"/>
+              <a:gd name="connsiteY3" fmla="*/ 88183 h 1684839"/>
+              <a:gd name="connsiteX4" fmla="*/ 6850026 w 6850026"/>
+              <a:gd name="connsiteY4" fmla="*/ 431083 h 1684839"/>
+              <a:gd name="connsiteX0" fmla="*/ 0 w 6850026"/>
+              <a:gd name="connsiteY0" fmla="*/ 1696978 h 1696978"/>
+              <a:gd name="connsiteX1" fmla="*/ 2127398 w 6850026"/>
+              <a:gd name="connsiteY1" fmla="*/ 470468 h 1696978"/>
+              <a:gd name="connsiteX2" fmla="*/ 3754401 w 6850026"/>
+              <a:gd name="connsiteY2" fmla="*/ 24122 h 1696978"/>
+              <a:gd name="connsiteX3" fmla="*/ 5192676 w 6850026"/>
+              <a:gd name="connsiteY3" fmla="*/ 100322 h 1696978"/>
+              <a:gd name="connsiteX4" fmla="*/ 6850026 w 6850026"/>
+              <a:gd name="connsiteY4" fmla="*/ 443222 h 1696978"/>
+              <a:gd name="connsiteX0" fmla="*/ 0 w 6850026"/>
+              <a:gd name="connsiteY0" fmla="*/ 1696978 h 1696978"/>
+              <a:gd name="connsiteX1" fmla="*/ 2127398 w 6850026"/>
+              <a:gd name="connsiteY1" fmla="*/ 470468 h 1696978"/>
+              <a:gd name="connsiteX2" fmla="*/ 3754401 w 6850026"/>
+              <a:gd name="connsiteY2" fmla="*/ 24122 h 1696978"/>
+              <a:gd name="connsiteX3" fmla="*/ 5192676 w 6850026"/>
+              <a:gd name="connsiteY3" fmla="*/ 100322 h 1696978"/>
+              <a:gd name="connsiteX4" fmla="*/ 6850026 w 6850026"/>
+              <a:gd name="connsiteY4" fmla="*/ 443222 h 1696978"/>
+              <a:gd name="connsiteX0" fmla="*/ 0 w 6850026"/>
+              <a:gd name="connsiteY0" fmla="*/ 1696978 h 1696978"/>
+              <a:gd name="connsiteX1" fmla="*/ 2127398 w 6850026"/>
+              <a:gd name="connsiteY1" fmla="*/ 470468 h 1696978"/>
+              <a:gd name="connsiteX2" fmla="*/ 3754401 w 6850026"/>
+              <a:gd name="connsiteY2" fmla="*/ 24122 h 1696978"/>
+              <a:gd name="connsiteX3" fmla="*/ 5192676 w 6850026"/>
+              <a:gd name="connsiteY3" fmla="*/ 100322 h 1696978"/>
+              <a:gd name="connsiteX4" fmla="*/ 6850026 w 6850026"/>
+              <a:gd name="connsiteY4" fmla="*/ 443222 h 1696978"/>
+              <a:gd name="connsiteX0" fmla="*/ 0 w 6850026"/>
+              <a:gd name="connsiteY0" fmla="*/ 1699287 h 1699287"/>
+              <a:gd name="connsiteX1" fmla="*/ 2010440 w 6850026"/>
+              <a:gd name="connsiteY1" fmla="*/ 504675 h 1699287"/>
+              <a:gd name="connsiteX2" fmla="*/ 3754401 w 6850026"/>
+              <a:gd name="connsiteY2" fmla="*/ 26431 h 1699287"/>
+              <a:gd name="connsiteX3" fmla="*/ 5192676 w 6850026"/>
+              <a:gd name="connsiteY3" fmla="*/ 102631 h 1699287"/>
+              <a:gd name="connsiteX4" fmla="*/ 6850026 w 6850026"/>
+              <a:gd name="connsiteY4" fmla="*/ 445531 h 1699287"/>
+              <a:gd name="connsiteX0" fmla="*/ 0 w 6933301"/>
+              <a:gd name="connsiteY0" fmla="*/ 1699287 h 1699287"/>
+              <a:gd name="connsiteX1" fmla="*/ 2010440 w 6933301"/>
+              <a:gd name="connsiteY1" fmla="*/ 504675 h 1699287"/>
+              <a:gd name="connsiteX2" fmla="*/ 3754401 w 6933301"/>
+              <a:gd name="connsiteY2" fmla="*/ 26431 h 1699287"/>
+              <a:gd name="connsiteX3" fmla="*/ 5192676 w 6933301"/>
+              <a:gd name="connsiteY3" fmla="*/ 102631 h 1699287"/>
+              <a:gd name="connsiteX4" fmla="*/ 6933301 w 6933301"/>
+              <a:gd name="connsiteY4" fmla="*/ 578881 h 1699287"/>
+              <a:gd name="connsiteX0" fmla="*/ 0 w 6933301"/>
+              <a:gd name="connsiteY0" fmla="*/ 1602720 h 1602720"/>
+              <a:gd name="connsiteX1" fmla="*/ 2010440 w 6933301"/>
+              <a:gd name="connsiteY1" fmla="*/ 408108 h 1602720"/>
+              <a:gd name="connsiteX2" fmla="*/ 3858494 w 6933301"/>
+              <a:gd name="connsiteY2" fmla="*/ 558514 h 1602720"/>
+              <a:gd name="connsiteX3" fmla="*/ 5192676 w 6933301"/>
+              <a:gd name="connsiteY3" fmla="*/ 6064 h 1602720"/>
+              <a:gd name="connsiteX4" fmla="*/ 6933301 w 6933301"/>
+              <a:gd name="connsiteY4" fmla="*/ 482314 h 1602720"/>
+              <a:gd name="connsiteX0" fmla="*/ 0 w 6933301"/>
+              <a:gd name="connsiteY0" fmla="*/ 1603489 h 1603489"/>
+              <a:gd name="connsiteX1" fmla="*/ 2239448 w 6933301"/>
+              <a:gd name="connsiteY1" fmla="*/ 827977 h 1603489"/>
+              <a:gd name="connsiteX2" fmla="*/ 3858494 w 6933301"/>
+              <a:gd name="connsiteY2" fmla="*/ 559283 h 1603489"/>
+              <a:gd name="connsiteX3" fmla="*/ 5192676 w 6933301"/>
+              <a:gd name="connsiteY3" fmla="*/ 6833 h 1603489"/>
+              <a:gd name="connsiteX4" fmla="*/ 6933301 w 6933301"/>
+              <a:gd name="connsiteY4" fmla="*/ 483083 h 1603489"/>
+              <a:gd name="connsiteX0" fmla="*/ 0 w 6933301"/>
+              <a:gd name="connsiteY0" fmla="*/ 1173596 h 1173596"/>
+              <a:gd name="connsiteX1" fmla="*/ 2239448 w 6933301"/>
+              <a:gd name="connsiteY1" fmla="*/ 398084 h 1173596"/>
+              <a:gd name="connsiteX2" fmla="*/ 3858494 w 6933301"/>
+              <a:gd name="connsiteY2" fmla="*/ 129390 h 1173596"/>
+              <a:gd name="connsiteX3" fmla="*/ 5400866 w 6933301"/>
+              <a:gd name="connsiteY3" fmla="*/ 24615 h 1173596"/>
+              <a:gd name="connsiteX4" fmla="*/ 6933301 w 6933301"/>
+              <a:gd name="connsiteY4" fmla="*/ 53190 h 1173596"/>
+              <a:gd name="connsiteX0" fmla="*/ 0 w 6933301"/>
+              <a:gd name="connsiteY0" fmla="*/ 1216850 h 1216850"/>
+              <a:gd name="connsiteX1" fmla="*/ 2239448 w 6933301"/>
+              <a:gd name="connsiteY1" fmla="*/ 441338 h 1216850"/>
+              <a:gd name="connsiteX2" fmla="*/ 3858494 w 6933301"/>
+              <a:gd name="connsiteY2" fmla="*/ 172644 h 1216850"/>
+              <a:gd name="connsiteX3" fmla="*/ 5400866 w 6933301"/>
+              <a:gd name="connsiteY3" fmla="*/ 67869 h 1216850"/>
+              <a:gd name="connsiteX4" fmla="*/ 6933301 w 6933301"/>
+              <a:gd name="connsiteY4" fmla="*/ 96444 h 1216850"/>
+              <a:gd name="connsiteX0" fmla="*/ 0 w 6933301"/>
+              <a:gd name="connsiteY0" fmla="*/ 1216850 h 1216850"/>
+              <a:gd name="connsiteX1" fmla="*/ 2239448 w 6933301"/>
+              <a:gd name="connsiteY1" fmla="*/ 441338 h 1216850"/>
+              <a:gd name="connsiteX2" fmla="*/ 3858494 w 6933301"/>
+              <a:gd name="connsiteY2" fmla="*/ 172644 h 1216850"/>
+              <a:gd name="connsiteX3" fmla="*/ 5400866 w 6933301"/>
+              <a:gd name="connsiteY3" fmla="*/ 67869 h 1216850"/>
+              <a:gd name="connsiteX4" fmla="*/ 6933301 w 6933301"/>
+              <a:gd name="connsiteY4" fmla="*/ 96444 h 1216850"/>
+              <a:gd name="connsiteX0" fmla="*/ 0 w 6933301"/>
+              <a:gd name="connsiteY0" fmla="*/ 1194057 h 1194057"/>
+              <a:gd name="connsiteX1" fmla="*/ 2239448 w 6933301"/>
+              <a:gd name="connsiteY1" fmla="*/ 418545 h 1194057"/>
+              <a:gd name="connsiteX2" fmla="*/ 3858494 w 6933301"/>
+              <a:gd name="connsiteY2" fmla="*/ 149851 h 1194057"/>
+              <a:gd name="connsiteX3" fmla="*/ 5400866 w 6933301"/>
+              <a:gd name="connsiteY3" fmla="*/ 45076 h 1194057"/>
+              <a:gd name="connsiteX4" fmla="*/ 6933301 w 6933301"/>
+              <a:gd name="connsiteY4" fmla="*/ 73651 h 1194057"/>
+              <a:gd name="connsiteX0" fmla="*/ 0 w 6933301"/>
+              <a:gd name="connsiteY0" fmla="*/ 1194057 h 1194057"/>
+              <a:gd name="connsiteX1" fmla="*/ 2135354 w 6933301"/>
+              <a:gd name="connsiteY1" fmla="*/ 409020 h 1194057"/>
+              <a:gd name="connsiteX2" fmla="*/ 3858494 w 6933301"/>
+              <a:gd name="connsiteY2" fmla="*/ 149851 h 1194057"/>
+              <a:gd name="connsiteX3" fmla="*/ 5400866 w 6933301"/>
+              <a:gd name="connsiteY3" fmla="*/ 45076 h 1194057"/>
+              <a:gd name="connsiteX4" fmla="*/ 6933301 w 6933301"/>
+              <a:gd name="connsiteY4" fmla="*/ 73651 h 1194057"/>
+              <a:gd name="connsiteX0" fmla="*/ 0 w 6933301"/>
+              <a:gd name="connsiteY0" fmla="*/ 1194057 h 1194057"/>
+              <a:gd name="connsiteX1" fmla="*/ 2135354 w 6933301"/>
+              <a:gd name="connsiteY1" fmla="*/ 409020 h 1194057"/>
+              <a:gd name="connsiteX2" fmla="*/ 3858494 w 6933301"/>
+              <a:gd name="connsiteY2" fmla="*/ 149851 h 1194057"/>
+              <a:gd name="connsiteX3" fmla="*/ 5400866 w 6933301"/>
+              <a:gd name="connsiteY3" fmla="*/ 45076 h 1194057"/>
+              <a:gd name="connsiteX4" fmla="*/ 6933301 w 6933301"/>
+              <a:gd name="connsiteY4" fmla="*/ 73651 h 1194057"/>
+              <a:gd name="connsiteX0" fmla="*/ 0 w 6933301"/>
+              <a:gd name="connsiteY0" fmla="*/ 1194057 h 1194057"/>
+              <a:gd name="connsiteX1" fmla="*/ 2114535 w 6933301"/>
+              <a:gd name="connsiteY1" fmla="*/ 370920 h 1194057"/>
+              <a:gd name="connsiteX2" fmla="*/ 3858494 w 6933301"/>
+              <a:gd name="connsiteY2" fmla="*/ 149851 h 1194057"/>
+              <a:gd name="connsiteX3" fmla="*/ 5400866 w 6933301"/>
+              <a:gd name="connsiteY3" fmla="*/ 45076 h 1194057"/>
+              <a:gd name="connsiteX4" fmla="*/ 6933301 w 6933301"/>
+              <a:gd name="connsiteY4" fmla="*/ 73651 h 1194057"/>
+              <a:gd name="connsiteX0" fmla="*/ 0 w 6933301"/>
+              <a:gd name="connsiteY0" fmla="*/ 1194057 h 1194057"/>
+              <a:gd name="connsiteX1" fmla="*/ 2114535 w 6933301"/>
+              <a:gd name="connsiteY1" fmla="*/ 370920 h 1194057"/>
+              <a:gd name="connsiteX2" fmla="*/ 3858494 w 6933301"/>
+              <a:gd name="connsiteY2" fmla="*/ 149851 h 1194057"/>
+              <a:gd name="connsiteX3" fmla="*/ 5400866 w 6933301"/>
+              <a:gd name="connsiteY3" fmla="*/ 45076 h 1194057"/>
+              <a:gd name="connsiteX4" fmla="*/ 6933301 w 6933301"/>
+              <a:gd name="connsiteY4" fmla="*/ 73651 h 1194057"/>
+              <a:gd name="connsiteX0" fmla="*/ 0 w 6933301"/>
+              <a:gd name="connsiteY0" fmla="*/ 1194057 h 1194057"/>
+              <a:gd name="connsiteX1" fmla="*/ 2114535 w 6933301"/>
+              <a:gd name="connsiteY1" fmla="*/ 370920 h 1194057"/>
+              <a:gd name="connsiteX2" fmla="*/ 3858494 w 6933301"/>
+              <a:gd name="connsiteY2" fmla="*/ 149851 h 1194057"/>
+              <a:gd name="connsiteX3" fmla="*/ 5400866 w 6933301"/>
+              <a:gd name="connsiteY3" fmla="*/ 45076 h 1194057"/>
+              <a:gd name="connsiteX4" fmla="*/ 6933301 w 6933301"/>
+              <a:gd name="connsiteY4" fmla="*/ 73651 h 1194057"/>
+              <a:gd name="connsiteX0" fmla="*/ 0 w 6933301"/>
+              <a:gd name="connsiteY0" fmla="*/ 1194057 h 1194057"/>
+              <a:gd name="connsiteX1" fmla="*/ 2114535 w 6933301"/>
+              <a:gd name="connsiteY1" fmla="*/ 370920 h 1194057"/>
+              <a:gd name="connsiteX2" fmla="*/ 3858494 w 6933301"/>
+              <a:gd name="connsiteY2" fmla="*/ 149851 h 1194057"/>
+              <a:gd name="connsiteX3" fmla="*/ 5400866 w 6933301"/>
+              <a:gd name="connsiteY3" fmla="*/ 45076 h 1194057"/>
+              <a:gd name="connsiteX4" fmla="*/ 6933301 w 6933301"/>
+              <a:gd name="connsiteY4" fmla="*/ 73651 h 1194057"/>
+              <a:gd name="connsiteX0" fmla="*/ 0 w 6933301"/>
+              <a:gd name="connsiteY0" fmla="*/ 1194057 h 1194057"/>
+              <a:gd name="connsiteX1" fmla="*/ 3217935 w 6933301"/>
+              <a:gd name="connsiteY1" fmla="*/ 504270 h 1194057"/>
+              <a:gd name="connsiteX2" fmla="*/ 3858494 w 6933301"/>
+              <a:gd name="connsiteY2" fmla="*/ 149851 h 1194057"/>
+              <a:gd name="connsiteX3" fmla="*/ 5400866 w 6933301"/>
+              <a:gd name="connsiteY3" fmla="*/ 45076 h 1194057"/>
+              <a:gd name="connsiteX4" fmla="*/ 6933301 w 6933301"/>
+              <a:gd name="connsiteY4" fmla="*/ 73651 h 1194057"/>
+              <a:gd name="connsiteX0" fmla="*/ 0 w 6933301"/>
+              <a:gd name="connsiteY0" fmla="*/ 1194057 h 1194057"/>
+              <a:gd name="connsiteX1" fmla="*/ 3217935 w 6933301"/>
+              <a:gd name="connsiteY1" fmla="*/ 504270 h 1194057"/>
+              <a:gd name="connsiteX2" fmla="*/ 3858494 w 6933301"/>
+              <a:gd name="connsiteY2" fmla="*/ 149851 h 1194057"/>
+              <a:gd name="connsiteX3" fmla="*/ 5400866 w 6933301"/>
+              <a:gd name="connsiteY3" fmla="*/ 45076 h 1194057"/>
+              <a:gd name="connsiteX4" fmla="*/ 6933301 w 6933301"/>
+              <a:gd name="connsiteY4" fmla="*/ 73651 h 1194057"/>
+              <a:gd name="connsiteX0" fmla="*/ 0 w 6933301"/>
+              <a:gd name="connsiteY0" fmla="*/ 1194057 h 1194057"/>
+              <a:gd name="connsiteX1" fmla="*/ 3217935 w 6933301"/>
+              <a:gd name="connsiteY1" fmla="*/ 504270 h 1194057"/>
+              <a:gd name="connsiteX2" fmla="*/ 4045864 w 6933301"/>
+              <a:gd name="connsiteY2" fmla="*/ 159376 h 1194057"/>
+              <a:gd name="connsiteX3" fmla="*/ 5400866 w 6933301"/>
+              <a:gd name="connsiteY3" fmla="*/ 45076 h 1194057"/>
+              <a:gd name="connsiteX4" fmla="*/ 6933301 w 6933301"/>
+              <a:gd name="connsiteY4" fmla="*/ 73651 h 1194057"/>
+              <a:gd name="connsiteX0" fmla="*/ 0 w 6933301"/>
+              <a:gd name="connsiteY0" fmla="*/ 1194057 h 1194057"/>
+              <a:gd name="connsiteX1" fmla="*/ 3217935 w 6933301"/>
+              <a:gd name="connsiteY1" fmla="*/ 504270 h 1194057"/>
+              <a:gd name="connsiteX2" fmla="*/ 4045864 w 6933301"/>
+              <a:gd name="connsiteY2" fmla="*/ 159376 h 1194057"/>
+              <a:gd name="connsiteX3" fmla="*/ 5400866 w 6933301"/>
+              <a:gd name="connsiteY3" fmla="*/ 45076 h 1194057"/>
+              <a:gd name="connsiteX4" fmla="*/ 6933301 w 6933301"/>
+              <a:gd name="connsiteY4" fmla="*/ 73651 h 1194057"/>
+              <a:gd name="connsiteX0" fmla="*/ 0 w 6933301"/>
+              <a:gd name="connsiteY0" fmla="*/ 1194057 h 1194057"/>
+              <a:gd name="connsiteX1" fmla="*/ 3217935 w 6933301"/>
+              <a:gd name="connsiteY1" fmla="*/ 504270 h 1194057"/>
+              <a:gd name="connsiteX2" fmla="*/ 4045864 w 6933301"/>
+              <a:gd name="connsiteY2" fmla="*/ 159376 h 1194057"/>
+              <a:gd name="connsiteX3" fmla="*/ 5400866 w 6933301"/>
+              <a:gd name="connsiteY3" fmla="*/ 45076 h 1194057"/>
+              <a:gd name="connsiteX4" fmla="*/ 6933301 w 6933301"/>
+              <a:gd name="connsiteY4" fmla="*/ 73651 h 1194057"/>
+              <a:gd name="connsiteX0" fmla="*/ 0 w 6933301"/>
+              <a:gd name="connsiteY0" fmla="*/ 1216309 h 1216309"/>
+              <a:gd name="connsiteX1" fmla="*/ 3217935 w 6933301"/>
+              <a:gd name="connsiteY1" fmla="*/ 526522 h 1216309"/>
+              <a:gd name="connsiteX2" fmla="*/ 4045864 w 6933301"/>
+              <a:gd name="connsiteY2" fmla="*/ 181628 h 1216309"/>
+              <a:gd name="connsiteX3" fmla="*/ 5400866 w 6933301"/>
+              <a:gd name="connsiteY3" fmla="*/ 19703 h 1216309"/>
+              <a:gd name="connsiteX4" fmla="*/ 6933301 w 6933301"/>
+              <a:gd name="connsiteY4" fmla="*/ 95903 h 1216309"/>
+              <a:gd name="connsiteX0" fmla="*/ 0 w 6933301"/>
+              <a:gd name="connsiteY0" fmla="*/ 1199758 h 1199758"/>
+              <a:gd name="connsiteX1" fmla="*/ 3217935 w 6933301"/>
+              <a:gd name="connsiteY1" fmla="*/ 509971 h 1199758"/>
+              <a:gd name="connsiteX2" fmla="*/ 4045864 w 6933301"/>
+              <a:gd name="connsiteY2" fmla="*/ 165077 h 1199758"/>
+              <a:gd name="connsiteX3" fmla="*/ 5400866 w 6933301"/>
+              <a:gd name="connsiteY3" fmla="*/ 3152 h 1199758"/>
+              <a:gd name="connsiteX4" fmla="*/ 6933301 w 6933301"/>
+              <a:gd name="connsiteY4" fmla="*/ 79352 h 1199758"/>
+              <a:gd name="connsiteX0" fmla="*/ 0 w 6933301"/>
+              <a:gd name="connsiteY0" fmla="*/ 1196606 h 1196606"/>
+              <a:gd name="connsiteX1" fmla="*/ 3217935 w 6933301"/>
+              <a:gd name="connsiteY1" fmla="*/ 506819 h 1196606"/>
+              <a:gd name="connsiteX2" fmla="*/ 4045864 w 6933301"/>
+              <a:gd name="connsiteY2" fmla="*/ 161925 h 1196606"/>
+              <a:gd name="connsiteX3" fmla="*/ 5400866 w 6933301"/>
+              <a:gd name="connsiteY3" fmla="*/ 0 h 1196606"/>
+              <a:gd name="connsiteX4" fmla="*/ 6933301 w 6933301"/>
+              <a:gd name="connsiteY4" fmla="*/ 76200 h 1196606"/>
+              <a:gd name="connsiteX0" fmla="*/ 0 w 6933301"/>
+              <a:gd name="connsiteY0" fmla="*/ 1212423 h 1212423"/>
+              <a:gd name="connsiteX1" fmla="*/ 3217935 w 6933301"/>
+              <a:gd name="connsiteY1" fmla="*/ 522636 h 1212423"/>
+              <a:gd name="connsiteX2" fmla="*/ 4045864 w 6933301"/>
+              <a:gd name="connsiteY2" fmla="*/ 177742 h 1212423"/>
+              <a:gd name="connsiteX3" fmla="*/ 5400866 w 6933301"/>
+              <a:gd name="connsiteY3" fmla="*/ 15817 h 1212423"/>
+              <a:gd name="connsiteX4" fmla="*/ 6933301 w 6933301"/>
+              <a:gd name="connsiteY4" fmla="*/ 92017 h 1212423"/>
+              <a:gd name="connsiteX0" fmla="*/ 0 w 6933301"/>
+              <a:gd name="connsiteY0" fmla="*/ 1246908 h 1246908"/>
+              <a:gd name="connsiteX1" fmla="*/ 3217935 w 6933301"/>
+              <a:gd name="connsiteY1" fmla="*/ 557121 h 1246908"/>
+              <a:gd name="connsiteX2" fmla="*/ 4045864 w 6933301"/>
+              <a:gd name="connsiteY2" fmla="*/ 212227 h 1246908"/>
+              <a:gd name="connsiteX3" fmla="*/ 5463322 w 6933301"/>
+              <a:gd name="connsiteY3" fmla="*/ 2677 h 1246908"/>
+              <a:gd name="connsiteX4" fmla="*/ 6933301 w 6933301"/>
+              <a:gd name="connsiteY4" fmla="*/ 126502 h 1246908"/>
+            </a:gdLst>
+            <a:ahLst/>
+            <a:cxnLst>
+              <a:cxn ang="0">
+                <a:pos x="connsiteX0" y="connsiteY0"/>
+              </a:cxn>
+              <a:cxn ang="0">
+                <a:pos x="connsiteX1" y="connsiteY1"/>
+              </a:cxn>
+              <a:cxn ang="0">
+                <a:pos x="connsiteX2" y="connsiteY2"/>
+              </a:cxn>
+              <a:cxn ang="0">
+                <a:pos x="connsiteX3" y="connsiteY3"/>
+              </a:cxn>
+              <a:cxn ang="0">
+                <a:pos x="connsiteX4" y="connsiteY4"/>
+              </a:cxn>
+            </a:cxnLst>
+            <a:rect l="l" t="t" r="r" b="b"/>
+            <a:pathLst>
+              <a:path w="6933301" h="1246908">
+                <a:moveTo>
+                  <a:pt x="0" y="1246908"/>
+                </a:moveTo>
+                <a:cubicBezTo>
+                  <a:pt x="2901832" y="1148076"/>
+                  <a:pt x="2814269" y="777193"/>
+                  <a:pt x="3217935" y="557121"/>
+                </a:cubicBezTo>
+                <a:cubicBezTo>
+                  <a:pt x="3621601" y="337049"/>
+                  <a:pt x="3671633" y="304634"/>
+                  <a:pt x="4045864" y="212227"/>
+                </a:cubicBezTo>
+                <a:cubicBezTo>
+                  <a:pt x="4420095" y="119820"/>
+                  <a:pt x="4884927" y="9027"/>
+                  <a:pt x="5463322" y="2677"/>
+                </a:cubicBezTo>
+                <a:cubicBezTo>
+                  <a:pt x="6062536" y="-3673"/>
+                  <a:pt x="6362595" y="-10023"/>
+                  <a:pt x="6933301" y="126502"/>
+                </a:cubicBezTo>
+              </a:path>
+            </a:pathLst>
+          </a:custGeom>
+          <a:ln>
+            <a:prstDash val="dash"/>
+          </a:ln>
+        </p:spPr>
+        <p:style>
+          <a:lnRef idx="1">
+            <a:schemeClr val="dk1"/>
+          </a:lnRef>
+          <a:fillRef idx="0">
+            <a:schemeClr val="dk1"/>
+          </a:fillRef>
+          <a:effectRef idx="0">
+            <a:schemeClr val="dk1"/>
+          </a:effectRef>
+          <a:fontRef idx="minor">
+            <a:schemeClr val="tx1"/>
+          </a:fontRef>
+        </p:style>
+        <p:txBody>
+          <a:bodyPr rtlCol="0" anchor="ctr"/>
+          <a:lstStyle/>
+          <a:p>
+            <a:pPr algn="ctr"/>
+            <a:endParaRPr lang="zh-CN" altLang="en-US"/>
+          </a:p>
+        </p:txBody>
+      </p:sp>
+      <p:sp>
+        <p:nvSpPr>
+          <p:cNvPr id="12" name="椭圆 11"/>
+          <p:cNvSpPr>
+            <a:spLocks noChangeAspect="1"/>
+          </p:cNvSpPr>
+          <p:nvPr/>
+        </p:nvSpPr>
+        <p:spPr>
+          <a:xfrm>
+            <a:off x="8886064" y="4245901"/>
+            <a:ext cx="360000" cy="360000"/>
+          </a:xfrm>
+          <a:prstGeom prst="ellipse">
+            <a:avLst/>
+          </a:prstGeom>
+          <a:ln/>
+        </p:spPr>
+        <p:style>
+          <a:lnRef idx="2">
+            <a:schemeClr val="dk1">
+              <a:shade val="50000"/>
+            </a:schemeClr>
+          </a:lnRef>
+          <a:fillRef idx="1">
+            <a:schemeClr val="dk1"/>
+          </a:fillRef>
+          <a:effectRef idx="0">
+            <a:schemeClr val="dk1"/>
+          </a:effectRef>
+          <a:fontRef idx="minor">
+            <a:schemeClr val="lt1"/>
+          </a:fontRef>
+        </p:style>
+        <p:txBody>
+          <a:bodyPr rtlCol="0" anchor="ctr"/>
+          <a:lstStyle/>
+          <a:p>
+            <a:pPr algn="ctr"/>
+            <a:r>
+              <a:rPr lang="en-US" altLang="zh-CN" dirty="0">
+                <a:latin typeface="Times New Roman" panose="02020603050405020304" pitchFamily="18" charset="0"/>
+                <a:cs typeface="Times New Roman" panose="02020603050405020304" pitchFamily="18" charset="0"/>
+              </a:rPr>
+              <a:t>3</a:t>
+            </a:r>
+            <a:endParaRPr lang="zh-CN" altLang="en-US" dirty="0">
+              <a:latin typeface="Times New Roman" panose="02020603050405020304" pitchFamily="18" charset="0"/>
+              <a:cs typeface="Times New Roman" panose="02020603050405020304" pitchFamily="18" charset="0"/>
+            </a:endParaRPr>
+          </a:p>
+        </p:txBody>
+      </p:sp>
+      <p:sp>
+        <p:nvSpPr>
+          <p:cNvPr id="11" name="椭圆 10"/>
+          <p:cNvSpPr>
+            <a:spLocks noChangeAspect="1"/>
+          </p:cNvSpPr>
+          <p:nvPr/>
+        </p:nvSpPr>
+        <p:spPr>
+          <a:xfrm>
+            <a:off x="7543855" y="3614936"/>
+            <a:ext cx="360000" cy="360000"/>
+          </a:xfrm>
+          <a:prstGeom prst="ellipse">
+            <a:avLst/>
+          </a:prstGeom>
+          <a:ln/>
+        </p:spPr>
+        <p:style>
+          <a:lnRef idx="2">
+            <a:schemeClr val="dk1">
+              <a:shade val="50000"/>
+            </a:schemeClr>
+          </a:lnRef>
+          <a:fillRef idx="1">
+            <a:schemeClr val="dk1"/>
+          </a:fillRef>
+          <a:effectRef idx="0">
+            <a:schemeClr val="dk1"/>
+          </a:effectRef>
+          <a:fontRef idx="minor">
+            <a:schemeClr val="lt1"/>
+          </a:fontRef>
+        </p:style>
+        <p:txBody>
+          <a:bodyPr rtlCol="0" anchor="ctr"/>
+          <a:lstStyle/>
+          <a:p>
+            <a:pPr algn="ctr"/>
+            <a:r>
+              <a:rPr lang="en-US" altLang="zh-CN" dirty="0">
+                <a:latin typeface="Times New Roman" panose="02020603050405020304" pitchFamily="18" charset="0"/>
+                <a:cs typeface="Times New Roman" panose="02020603050405020304" pitchFamily="18" charset="0"/>
+              </a:rPr>
+              <a:t>2</a:t>
+            </a:r>
+            <a:endParaRPr lang="zh-CN" altLang="en-US" dirty="0">
+              <a:latin typeface="Times New Roman" panose="02020603050405020304" pitchFamily="18" charset="0"/>
+              <a:cs typeface="Times New Roman" panose="02020603050405020304" pitchFamily="18" charset="0"/>
+            </a:endParaRPr>
+          </a:p>
+        </p:txBody>
+      </p:sp>
     </p:spTree>
     <p:extLst>
       <p:ext uri="{BB962C8B-B14F-4D97-AF65-F5344CB8AC3E}">
         <p14:creationId xmlns:p14="http://schemas.microsoft.com/office/powerpoint/2010/main" val="3469006418"/>
+      </p:ext>
+    </p:extLst>
+  </p:cSld>
+  <p:clrMapOvr>
+    <a:masterClrMapping/>
+  </p:clrMapOvr>
+</p:sld>
+</file>
+
+<file path=ppt/slides/slide5.xml><?xml version="1.0" encoding="utf-8"?>
+<p:sld xmlns:a="http://schemas.openxmlformats.org/drawingml/2006/main" xmlns:r="http://schemas.openxmlformats.org/officeDocument/2006/relationships" xmlns:p="http://schemas.openxmlformats.org/presentationml/2006/main">
+  <p:cSld>
+    <p:spTree>
+      <p:nvGrpSpPr>
+        <p:cNvPr id="1" name=""/>
+        <p:cNvGrpSpPr/>
+        <p:nvPr/>
+      </p:nvGrpSpPr>
+      <p:grpSpPr>
+        <a:xfrm>
+          <a:off x="0" y="0"/>
+          <a:ext cx="0" cy="0"/>
+          <a:chOff x="0" y="0"/>
+          <a:chExt cx="0" cy="0"/>
+        </a:xfrm>
+      </p:grpSpPr>
+      <p:graphicFrame>
+        <p:nvGraphicFramePr>
+          <p:cNvPr id="3" name="表格 2"/>
+          <p:cNvGraphicFramePr>
+            <a:graphicFrameLocks noGrp="1"/>
+          </p:cNvGraphicFramePr>
+          <p:nvPr>
+            <p:extLst>
+              <p:ext uri="{D42A27DB-BD31-4B8C-83A1-F6EECF244321}">
+                <p14:modId xmlns:p14="http://schemas.microsoft.com/office/powerpoint/2010/main" val="693084877"/>
+              </p:ext>
+            </p:extLst>
+          </p:nvPr>
+        </p:nvGraphicFramePr>
+        <p:xfrm>
+          <a:off x="1351692" y="2247900"/>
+          <a:ext cx="1444626" cy="1112520"/>
+        </p:xfrm>
+        <a:graphic>
+          <a:graphicData uri="http://schemas.openxmlformats.org/drawingml/2006/table">
+            <a:tbl>
+              <a:tblPr firstRow="1" bandRow="1">
+                <a:tableStyleId>{5940675A-B579-460E-94D1-54222C63F5DA}</a:tableStyleId>
+              </a:tblPr>
+              <a:tblGrid>
+                <a:gridCol w="1444626">
+                  <a:extLst>
+                    <a:ext uri="{9D8B030D-6E8A-4147-A177-3AD203B41FA5}">
+                      <a16:colId xmlns:a16="http://schemas.microsoft.com/office/drawing/2014/main" val="4172026622"/>
+                    </a:ext>
+                  </a:extLst>
+                </a:gridCol>
+              </a:tblGrid>
+              <a:tr h="370840">
+                <a:tc>
+                  <a:txBody>
+                    <a:bodyPr/>
+                    <a:lstStyle/>
+                    <a:p>
+                      <a:pPr algn="ctr"/>
+                      <a:r>
+                        <a:rPr lang="en-US" altLang="zh-CN" dirty="0" smtClean="0"/>
+                        <a:t>ob_refcnt</a:t>
+                      </a:r>
+                      <a:endParaRPr lang="zh-CN" altLang="en-US" dirty="0"/>
+                    </a:p>
+                  </a:txBody>
+                  <a:tcPr>
+                    <a:solidFill>
+                      <a:schemeClr val="accent6"/>
+                    </a:solidFill>
+                  </a:tcPr>
+                </a:tc>
+                <a:extLst>
+                  <a:ext uri="{0D108BD9-81ED-4DB2-BD59-A6C34878D82A}">
+                    <a16:rowId xmlns:a16="http://schemas.microsoft.com/office/drawing/2014/main" val="2844735677"/>
+                  </a:ext>
+                </a:extLst>
+              </a:tr>
+              <a:tr h="370840">
+                <a:tc>
+                  <a:txBody>
+                    <a:bodyPr/>
+                    <a:lstStyle/>
+                    <a:p>
+                      <a:pPr algn="ctr"/>
+                      <a:r>
+                        <a:rPr lang="en-US" altLang="zh-CN" dirty="0" smtClean="0"/>
+                        <a:t>ob_type</a:t>
+                      </a:r>
+                      <a:endParaRPr lang="zh-CN" altLang="en-US" dirty="0"/>
+                    </a:p>
+                  </a:txBody>
+                  <a:tcPr>
+                    <a:solidFill>
+                      <a:schemeClr val="accent6"/>
+                    </a:solidFill>
+                  </a:tcPr>
+                </a:tc>
+                <a:extLst>
+                  <a:ext uri="{0D108BD9-81ED-4DB2-BD59-A6C34878D82A}">
+                    <a16:rowId xmlns:a16="http://schemas.microsoft.com/office/drawing/2014/main" val="3384457252"/>
+                  </a:ext>
+                </a:extLst>
+              </a:tr>
+              <a:tr h="370840">
+                <a:tc>
+                  <a:txBody>
+                    <a:bodyPr/>
+                    <a:lstStyle/>
+                    <a:p>
+                      <a:pPr algn="ctr"/>
+                      <a:r>
+                        <a:rPr lang="en-US" altLang="zh-CN" dirty="0" smtClean="0"/>
+                        <a:t>ob_ival</a:t>
+                      </a:r>
+                      <a:endParaRPr lang="zh-CN" altLang="en-US" dirty="0"/>
+                    </a:p>
+                  </a:txBody>
+                  <a:tcPr/>
+                </a:tc>
+                <a:extLst>
+                  <a:ext uri="{0D108BD9-81ED-4DB2-BD59-A6C34878D82A}">
+                    <a16:rowId xmlns:a16="http://schemas.microsoft.com/office/drawing/2014/main" val="3459694605"/>
+                  </a:ext>
+                </a:extLst>
+              </a:tr>
+            </a:tbl>
+          </a:graphicData>
+        </a:graphic>
+      </p:graphicFrame>
+      <p:graphicFrame>
+        <p:nvGraphicFramePr>
+          <p:cNvPr id="4" name="表格 3"/>
+          <p:cNvGraphicFramePr>
+            <a:graphicFrameLocks noGrp="1"/>
+          </p:cNvGraphicFramePr>
+          <p:nvPr>
+            <p:extLst>
+              <p:ext uri="{D42A27DB-BD31-4B8C-83A1-F6EECF244321}">
+                <p14:modId xmlns:p14="http://schemas.microsoft.com/office/powerpoint/2010/main" val="109943906"/>
+              </p:ext>
+            </p:extLst>
+          </p:nvPr>
+        </p:nvGraphicFramePr>
+        <p:xfrm>
+          <a:off x="4011397" y="1661069"/>
+          <a:ext cx="1444626" cy="1991749"/>
+        </p:xfrm>
+        <a:graphic>
+          <a:graphicData uri="http://schemas.openxmlformats.org/drawingml/2006/table">
+            <a:tbl>
+              <a:tblPr firstRow="1" bandRow="1">
+                <a:tableStyleId>{5940675A-B579-460E-94D1-54222C63F5DA}</a:tableStyleId>
+              </a:tblPr>
+              <a:tblGrid>
+                <a:gridCol w="1444626">
+                  <a:extLst>
+                    <a:ext uri="{9D8B030D-6E8A-4147-A177-3AD203B41FA5}">
+                      <a16:colId xmlns:a16="http://schemas.microsoft.com/office/drawing/2014/main" val="4172026622"/>
+                    </a:ext>
+                  </a:extLst>
+                </a:gridCol>
+              </a:tblGrid>
+              <a:tr h="400929">
+                <a:tc>
+                  <a:txBody>
+                    <a:bodyPr/>
+                    <a:lstStyle/>
+                    <a:p>
+                      <a:pPr algn="ctr"/>
+                      <a:r>
+                        <a:rPr lang="en-US" altLang="zh-CN" dirty="0" err="1" smtClean="0"/>
+                        <a:t>ob_refcnt</a:t>
+                      </a:r>
+                      <a:endParaRPr lang="en-US" altLang="zh-CN" dirty="0" smtClean="0"/>
+                    </a:p>
+                  </a:txBody>
+                  <a:tcPr>
+                    <a:solidFill>
+                      <a:schemeClr val="accent6"/>
+                    </a:solidFill>
+                  </a:tcPr>
+                </a:tc>
+                <a:extLst>
+                  <a:ext uri="{0D108BD9-81ED-4DB2-BD59-A6C34878D82A}">
+                    <a16:rowId xmlns:a16="http://schemas.microsoft.com/office/drawing/2014/main" val="2844735677"/>
+                  </a:ext>
+                </a:extLst>
+              </a:tr>
+              <a:tr h="354032">
+                <a:tc>
+                  <a:txBody>
+                    <a:bodyPr/>
+                    <a:lstStyle/>
+                    <a:p>
+                      <a:pPr algn="ctr"/>
+                      <a:r>
+                        <a:rPr lang="en-US" altLang="zh-CN" dirty="0" err="1" smtClean="0"/>
+                        <a:t>ob_type</a:t>
+                      </a:r>
+                      <a:endParaRPr lang="en-US" altLang="zh-CN" dirty="0" smtClean="0"/>
+                    </a:p>
+                  </a:txBody>
+                  <a:tcPr>
+                    <a:solidFill>
+                      <a:schemeClr val="accent6"/>
+                    </a:solidFill>
+                  </a:tcPr>
+                </a:tc>
+                <a:extLst>
+                  <a:ext uri="{0D108BD9-81ED-4DB2-BD59-A6C34878D82A}">
+                    <a16:rowId xmlns:a16="http://schemas.microsoft.com/office/drawing/2014/main" val="3384457252"/>
+                  </a:ext>
+                </a:extLst>
+              </a:tr>
+              <a:tr h="400929">
+                <a:tc>
+                  <a:txBody>
+                    <a:bodyPr/>
+                    <a:lstStyle/>
+                    <a:p>
+                      <a:pPr algn="ctr"/>
+                      <a:r>
+                        <a:rPr lang="en-US" altLang="zh-CN" dirty="0" smtClean="0"/>
+                        <a:t>… …</a:t>
+                      </a:r>
+                    </a:p>
+                  </a:txBody>
+                  <a:tcPr>
+                    <a:solidFill>
+                      <a:schemeClr val="bg1"/>
+                    </a:solidFill>
+                  </a:tcPr>
+                </a:tc>
+                <a:extLst>
+                  <a:ext uri="{0D108BD9-81ED-4DB2-BD59-A6C34878D82A}">
+                    <a16:rowId xmlns:a16="http://schemas.microsoft.com/office/drawing/2014/main" val="3459694605"/>
+                  </a:ext>
+                </a:extLst>
+              </a:tr>
+              <a:tr h="408503">
+                <a:tc>
+                  <a:txBody>
+                    <a:bodyPr/>
+                    <a:lstStyle/>
+                    <a:p>
+                      <a:pPr algn="ctr"/>
+                      <a:r>
+                        <a:rPr lang="en-US" altLang="zh-CN" dirty="0" err="1" smtClean="0"/>
+                        <a:t>tp_base</a:t>
+                      </a:r>
+                      <a:endParaRPr lang="en-US" altLang="zh-CN" dirty="0" smtClean="0"/>
+                    </a:p>
+                  </a:txBody>
+                  <a:tcPr>
+                    <a:solidFill>
+                      <a:schemeClr val="bg1"/>
+                    </a:solidFill>
+                  </a:tcPr>
+                </a:tc>
+                <a:extLst>
+                  <a:ext uri="{0D108BD9-81ED-4DB2-BD59-A6C34878D82A}">
+                    <a16:rowId xmlns:a16="http://schemas.microsoft.com/office/drawing/2014/main" val="3044180956"/>
+                  </a:ext>
+                </a:extLst>
+              </a:tr>
+              <a:tr h="415628">
+                <a:tc>
+                  <a:txBody>
+                    <a:bodyPr/>
+                    <a:lstStyle/>
+                    <a:p>
+                      <a:pPr algn="ctr"/>
+                      <a:r>
+                        <a:rPr lang="en-US" altLang="zh-CN" dirty="0" smtClean="0"/>
+                        <a:t>… …</a:t>
+                      </a:r>
+                    </a:p>
+                  </a:txBody>
+                  <a:tcPr>
+                    <a:solidFill>
+                      <a:schemeClr val="bg1"/>
+                    </a:solidFill>
+                  </a:tcPr>
+                </a:tc>
+                <a:extLst>
+                  <a:ext uri="{0D108BD9-81ED-4DB2-BD59-A6C34878D82A}">
+                    <a16:rowId xmlns:a16="http://schemas.microsoft.com/office/drawing/2014/main" val="1057044370"/>
+                  </a:ext>
+                </a:extLst>
+              </a:tr>
+            </a:tbl>
+          </a:graphicData>
+        </a:graphic>
+      </p:graphicFrame>
+      <p:graphicFrame>
+        <p:nvGraphicFramePr>
+          <p:cNvPr id="5" name="表格 4"/>
+          <p:cNvGraphicFramePr>
+            <a:graphicFrameLocks noGrp="1"/>
+          </p:cNvGraphicFramePr>
+          <p:nvPr>
+            <p:extLst>
+              <p:ext uri="{D42A27DB-BD31-4B8C-83A1-F6EECF244321}">
+                <p14:modId xmlns:p14="http://schemas.microsoft.com/office/powerpoint/2010/main" val="1435872063"/>
+              </p:ext>
+            </p:extLst>
+          </p:nvPr>
+        </p:nvGraphicFramePr>
+        <p:xfrm>
+          <a:off x="6291951" y="3652818"/>
+          <a:ext cx="1444626" cy="1136363"/>
+        </p:xfrm>
+        <a:graphic>
+          <a:graphicData uri="http://schemas.openxmlformats.org/drawingml/2006/table">
+            <a:tbl>
+              <a:tblPr firstRow="1" bandRow="1">
+                <a:tableStyleId>{5940675A-B579-460E-94D1-54222C63F5DA}</a:tableStyleId>
+              </a:tblPr>
+              <a:tblGrid>
+                <a:gridCol w="1444626">
+                  <a:extLst>
+                    <a:ext uri="{9D8B030D-6E8A-4147-A177-3AD203B41FA5}">
+                      <a16:colId xmlns:a16="http://schemas.microsoft.com/office/drawing/2014/main" val="4172026622"/>
+                    </a:ext>
+                  </a:extLst>
+                </a:gridCol>
+              </a:tblGrid>
+              <a:tr h="353838">
+                <a:tc>
+                  <a:txBody>
+                    <a:bodyPr/>
+                    <a:lstStyle/>
+                    <a:p>
+                      <a:pPr algn="ctr"/>
+                      <a:r>
+                        <a:rPr lang="en-US" altLang="zh-CN" dirty="0" smtClean="0"/>
+                        <a:t>ob_refcnt</a:t>
+                      </a:r>
+                      <a:endParaRPr lang="zh-CN" altLang="en-US" dirty="0"/>
+                    </a:p>
+                  </a:txBody>
+                  <a:tcPr>
+                    <a:solidFill>
+                      <a:schemeClr val="accent6"/>
+                    </a:solidFill>
+                  </a:tcPr>
+                </a:tc>
+                <a:extLst>
+                  <a:ext uri="{0D108BD9-81ED-4DB2-BD59-A6C34878D82A}">
+                    <a16:rowId xmlns:a16="http://schemas.microsoft.com/office/drawing/2014/main" val="2844735677"/>
+                  </a:ext>
+                </a:extLst>
+              </a:tr>
+              <a:tr h="353838">
+                <a:tc>
+                  <a:txBody>
+                    <a:bodyPr/>
+                    <a:lstStyle/>
+                    <a:p>
+                      <a:pPr algn="ctr"/>
+                      <a:r>
+                        <a:rPr lang="en-US" altLang="zh-CN" dirty="0" smtClean="0"/>
+                        <a:t>ob_type</a:t>
+                      </a:r>
+                      <a:endParaRPr lang="zh-CN" altLang="en-US" dirty="0"/>
+                    </a:p>
+                  </a:txBody>
+                  <a:tcPr>
+                    <a:solidFill>
+                      <a:schemeClr val="accent6"/>
+                    </a:solidFill>
+                  </a:tcPr>
+                </a:tc>
+                <a:extLst>
+                  <a:ext uri="{0D108BD9-81ED-4DB2-BD59-A6C34878D82A}">
+                    <a16:rowId xmlns:a16="http://schemas.microsoft.com/office/drawing/2014/main" val="3384457252"/>
+                  </a:ext>
+                </a:extLst>
+              </a:tr>
+              <a:tr h="404843">
+                <a:tc>
+                  <a:txBody>
+                    <a:bodyPr/>
+                    <a:lstStyle/>
+                    <a:p>
+                      <a:pPr algn="ctr"/>
+                      <a:r>
+                        <a:rPr lang="en-US" altLang="zh-CN" dirty="0" smtClean="0"/>
+                        <a:t>… …</a:t>
+                      </a:r>
+                    </a:p>
+                  </a:txBody>
+                  <a:tcPr>
+                    <a:solidFill>
+                      <a:schemeClr val="bg1"/>
+                    </a:solidFill>
+                  </a:tcPr>
+                </a:tc>
+                <a:extLst>
+                  <a:ext uri="{0D108BD9-81ED-4DB2-BD59-A6C34878D82A}">
+                    <a16:rowId xmlns:a16="http://schemas.microsoft.com/office/drawing/2014/main" val="3459694605"/>
+                  </a:ext>
+                </a:extLst>
+              </a:tr>
+            </a:tbl>
+          </a:graphicData>
+        </a:graphic>
+      </p:graphicFrame>
+      <p:graphicFrame>
+        <p:nvGraphicFramePr>
+          <p:cNvPr id="6" name="表格 5"/>
+          <p:cNvGraphicFramePr>
+            <a:graphicFrameLocks noGrp="1"/>
+          </p:cNvGraphicFramePr>
+          <p:nvPr>
+            <p:extLst>
+              <p:ext uri="{D42A27DB-BD31-4B8C-83A1-F6EECF244321}">
+                <p14:modId xmlns:p14="http://schemas.microsoft.com/office/powerpoint/2010/main" val="3574812181"/>
+              </p:ext>
+            </p:extLst>
+          </p:nvPr>
+        </p:nvGraphicFramePr>
+        <p:xfrm>
+          <a:off x="8582457" y="2037835"/>
+          <a:ext cx="1444626" cy="1112520"/>
+        </p:xfrm>
+        <a:graphic>
+          <a:graphicData uri="http://schemas.openxmlformats.org/drawingml/2006/table">
+            <a:tbl>
+              <a:tblPr firstRow="1" bandRow="1">
+                <a:tableStyleId>{5940675A-B579-460E-94D1-54222C63F5DA}</a:tableStyleId>
+              </a:tblPr>
+              <a:tblGrid>
+                <a:gridCol w="1444626">
+                  <a:extLst>
+                    <a:ext uri="{9D8B030D-6E8A-4147-A177-3AD203B41FA5}">
+                      <a16:colId xmlns:a16="http://schemas.microsoft.com/office/drawing/2014/main" val="4172026622"/>
+                    </a:ext>
+                  </a:extLst>
+                </a:gridCol>
+              </a:tblGrid>
+              <a:tr h="370840">
+                <a:tc>
+                  <a:txBody>
+                    <a:bodyPr/>
+                    <a:lstStyle/>
+                    <a:p>
+                      <a:pPr algn="ctr"/>
+                      <a:r>
+                        <a:rPr lang="en-US" altLang="zh-CN" dirty="0" smtClean="0"/>
+                        <a:t>ob_refcnt</a:t>
+                      </a:r>
+                      <a:endParaRPr lang="zh-CN" altLang="en-US" dirty="0"/>
+                    </a:p>
+                  </a:txBody>
+                  <a:tcPr>
+                    <a:solidFill>
+                      <a:schemeClr val="accent6"/>
+                    </a:solidFill>
+                  </a:tcPr>
+                </a:tc>
+                <a:extLst>
+                  <a:ext uri="{0D108BD9-81ED-4DB2-BD59-A6C34878D82A}">
+                    <a16:rowId xmlns:a16="http://schemas.microsoft.com/office/drawing/2014/main" val="2844735677"/>
+                  </a:ext>
+                </a:extLst>
+              </a:tr>
+              <a:tr h="370840">
+                <a:tc>
+                  <a:txBody>
+                    <a:bodyPr/>
+                    <a:lstStyle/>
+                    <a:p>
+                      <a:pPr algn="ctr"/>
+                      <a:r>
+                        <a:rPr lang="en-US" altLang="zh-CN" dirty="0" smtClean="0"/>
+                        <a:t>ob_type</a:t>
+                      </a:r>
+                      <a:endParaRPr lang="zh-CN" altLang="en-US" dirty="0"/>
+                    </a:p>
+                  </a:txBody>
+                  <a:tcPr>
+                    <a:solidFill>
+                      <a:schemeClr val="accent6"/>
+                    </a:solidFill>
+                  </a:tcPr>
+                </a:tc>
+                <a:extLst>
+                  <a:ext uri="{0D108BD9-81ED-4DB2-BD59-A6C34878D82A}">
+                    <a16:rowId xmlns:a16="http://schemas.microsoft.com/office/drawing/2014/main" val="3384457252"/>
+                  </a:ext>
+                </a:extLst>
+              </a:tr>
+              <a:tr h="370840">
+                <a:tc>
+                  <a:txBody>
+                    <a:bodyPr/>
+                    <a:lstStyle/>
+                    <a:p>
+                      <a:pPr algn="ctr"/>
+                      <a:endParaRPr lang="en-US" altLang="zh-CN" dirty="0" smtClean="0"/>
+                    </a:p>
+                  </a:txBody>
+                  <a:tcPr/>
+                </a:tc>
+                <a:extLst>
+                  <a:ext uri="{0D108BD9-81ED-4DB2-BD59-A6C34878D82A}">
+                    <a16:rowId xmlns:a16="http://schemas.microsoft.com/office/drawing/2014/main" val="3044180956"/>
+                  </a:ext>
+                </a:extLst>
+              </a:tr>
+            </a:tbl>
+          </a:graphicData>
+        </a:graphic>
+      </p:graphicFrame>
+      <p:sp>
+        <p:nvSpPr>
+          <p:cNvPr id="8" name="文本框 7"/>
+          <p:cNvSpPr txBox="1"/>
+          <p:nvPr/>
+        </p:nvSpPr>
+        <p:spPr>
+          <a:xfrm>
+            <a:off x="4043146" y="1255727"/>
+            <a:ext cx="1381127" cy="369332"/>
+          </a:xfrm>
+          <a:prstGeom prst="rect">
+            <a:avLst/>
+          </a:prstGeom>
+          <a:noFill/>
+        </p:spPr>
+        <p:txBody>
+          <a:bodyPr wrap="square" rtlCol="0">
+            <a:spAutoFit/>
+          </a:bodyPr>
+          <a:lstStyle/>
+          <a:p>
+            <a:pPr algn="ctr"/>
+            <a:r>
+              <a:rPr lang="en-US" altLang="zh-CN" dirty="0" err="1" smtClean="0">
+                <a:latin typeface="Times New Roman" panose="02020603050405020304" pitchFamily="18" charset="0"/>
+                <a:cs typeface="Times New Roman" panose="02020603050405020304" pitchFamily="18" charset="0"/>
+              </a:rPr>
+              <a:t>PyInt_Type</a:t>
+            </a:r>
+            <a:endParaRPr lang="zh-CN" altLang="en-US" dirty="0">
+              <a:latin typeface="Times New Roman" panose="02020603050405020304" pitchFamily="18" charset="0"/>
+              <a:cs typeface="Times New Roman" panose="02020603050405020304" pitchFamily="18" charset="0"/>
+            </a:endParaRPr>
+          </a:p>
+        </p:txBody>
+      </p:sp>
+      <p:sp>
+        <p:nvSpPr>
+          <p:cNvPr id="9" name="文本框 8"/>
+          <p:cNvSpPr txBox="1"/>
+          <p:nvPr/>
+        </p:nvSpPr>
+        <p:spPr>
+          <a:xfrm>
+            <a:off x="1621567" y="1842559"/>
+            <a:ext cx="904875" cy="369332"/>
+          </a:xfrm>
+          <a:prstGeom prst="rect">
+            <a:avLst/>
+          </a:prstGeom>
+          <a:noFill/>
+        </p:spPr>
+        <p:txBody>
+          <a:bodyPr wrap="square" rtlCol="0">
+            <a:spAutoFit/>
+          </a:bodyPr>
+          <a:lstStyle/>
+          <a:p>
+            <a:pPr algn="ctr"/>
+            <a:r>
+              <a:rPr lang="en-US" altLang="zh-CN" dirty="0" err="1" smtClean="0">
+                <a:latin typeface="Times New Roman" panose="02020603050405020304" pitchFamily="18" charset="0"/>
+                <a:cs typeface="Times New Roman" panose="02020603050405020304" pitchFamily="18" charset="0"/>
+              </a:rPr>
+              <a:t>int</a:t>
+            </a:r>
+            <a:r>
+              <a:rPr lang="en-US" altLang="zh-CN" dirty="0" smtClean="0">
+                <a:latin typeface="Times New Roman" panose="02020603050405020304" pitchFamily="18" charset="0"/>
+                <a:cs typeface="Times New Roman" panose="02020603050405020304" pitchFamily="18" charset="0"/>
+              </a:rPr>
+              <a:t>(10)</a:t>
+            </a:r>
+            <a:endParaRPr lang="zh-CN" altLang="en-US" dirty="0">
+              <a:latin typeface="Times New Roman" panose="02020603050405020304" pitchFamily="18" charset="0"/>
+              <a:cs typeface="Times New Roman" panose="02020603050405020304" pitchFamily="18" charset="0"/>
+            </a:endParaRPr>
+          </a:p>
+        </p:txBody>
+      </p:sp>
+      <p:sp>
+        <p:nvSpPr>
+          <p:cNvPr id="10" name="文本框 9"/>
+          <p:cNvSpPr txBox="1"/>
+          <p:nvPr/>
+        </p:nvSpPr>
+        <p:spPr>
+          <a:xfrm>
+            <a:off x="5973141" y="3247476"/>
+            <a:ext cx="2082246" cy="369332"/>
+          </a:xfrm>
+          <a:prstGeom prst="rect">
+            <a:avLst/>
+          </a:prstGeom>
+          <a:noFill/>
+        </p:spPr>
+        <p:txBody>
+          <a:bodyPr wrap="square" rtlCol="0">
+            <a:spAutoFit/>
+          </a:bodyPr>
+          <a:lstStyle/>
+          <a:p>
+            <a:pPr algn="ctr"/>
+            <a:r>
+              <a:rPr lang="en-US" altLang="zh-CN" dirty="0" err="1" smtClean="0">
+                <a:latin typeface="Times New Roman" panose="02020603050405020304" pitchFamily="18" charset="0"/>
+                <a:cs typeface="Times New Roman" panose="02020603050405020304" pitchFamily="18" charset="0"/>
+              </a:rPr>
+              <a:t>PyBaseObject_Type</a:t>
+            </a:r>
+            <a:endParaRPr lang="zh-CN" altLang="en-US" dirty="0">
+              <a:latin typeface="Times New Roman" panose="02020603050405020304" pitchFamily="18" charset="0"/>
+              <a:cs typeface="Times New Roman" panose="02020603050405020304" pitchFamily="18" charset="0"/>
+            </a:endParaRPr>
+          </a:p>
+        </p:txBody>
+      </p:sp>
+      <p:sp>
+        <p:nvSpPr>
+          <p:cNvPr id="11" name="文本框 10"/>
+          <p:cNvSpPr txBox="1"/>
+          <p:nvPr/>
+        </p:nvSpPr>
+        <p:spPr>
+          <a:xfrm>
+            <a:off x="8538255" y="1632494"/>
+            <a:ext cx="1533030" cy="369332"/>
+          </a:xfrm>
+          <a:prstGeom prst="rect">
+            <a:avLst/>
+          </a:prstGeom>
+          <a:noFill/>
+        </p:spPr>
+        <p:txBody>
+          <a:bodyPr wrap="square" rtlCol="0">
+            <a:spAutoFit/>
+          </a:bodyPr>
+          <a:lstStyle/>
+          <a:p>
+            <a:pPr algn="ctr"/>
+            <a:r>
+              <a:rPr lang="en-US" altLang="zh-CN" dirty="0" err="1" smtClean="0">
+                <a:latin typeface="Times New Roman" panose="02020603050405020304" pitchFamily="18" charset="0"/>
+                <a:cs typeface="Times New Roman" panose="02020603050405020304" pitchFamily="18" charset="0"/>
+              </a:rPr>
+              <a:t>PyType_Type</a:t>
+            </a:r>
+            <a:endParaRPr lang="zh-CN" altLang="en-US" dirty="0">
+              <a:latin typeface="Times New Roman" panose="02020603050405020304" pitchFamily="18" charset="0"/>
+              <a:cs typeface="Times New Roman" panose="02020603050405020304" pitchFamily="18" charset="0"/>
+            </a:endParaRPr>
+          </a:p>
+        </p:txBody>
+      </p:sp>
+      <p:cxnSp>
+        <p:nvCxnSpPr>
+          <p:cNvPr id="14" name="直接箭头连接符 13"/>
+          <p:cNvCxnSpPr/>
+          <p:nvPr/>
+        </p:nvCxnSpPr>
+        <p:spPr>
+          <a:xfrm>
+            <a:off x="5456023" y="3009900"/>
+            <a:ext cx="835928" cy="838200"/>
+          </a:xfrm>
+          <a:prstGeom prst="straightConnector1">
+            <a:avLst/>
+          </a:prstGeom>
+          <a:ln>
+            <a:prstDash val="dash"/>
+            <a:tailEnd type="stealth" w="lg" len="lg"/>
+          </a:ln>
+        </p:spPr>
+        <p:style>
+          <a:lnRef idx="1">
+            <a:schemeClr val="dk1"/>
+          </a:lnRef>
+          <a:fillRef idx="0">
+            <a:schemeClr val="dk1"/>
+          </a:fillRef>
+          <a:effectRef idx="0">
+            <a:schemeClr val="dk1"/>
+          </a:effectRef>
+          <a:fontRef idx="minor">
+            <a:schemeClr val="tx1"/>
+          </a:fontRef>
+        </p:style>
+      </p:cxnSp>
+      <p:sp>
+        <p:nvSpPr>
+          <p:cNvPr id="16" name="任意多边形 15"/>
+          <p:cNvSpPr/>
+          <p:nvPr/>
+        </p:nvSpPr>
+        <p:spPr>
+          <a:xfrm>
+            <a:off x="5457922" y="2277241"/>
+            <a:ext cx="3105476" cy="1906"/>
+          </a:xfrm>
+          <a:custGeom>
+            <a:avLst/>
+            <a:gdLst>
+              <a:gd name="connsiteX0" fmla="*/ 0 w 4200525"/>
+              <a:gd name="connsiteY0" fmla="*/ 276225 h 276225"/>
+              <a:gd name="connsiteX1" fmla="*/ 4200525 w 4200525"/>
+              <a:gd name="connsiteY1" fmla="*/ 0 h 276225"/>
+              <a:gd name="connsiteX0" fmla="*/ 0 w 4381193"/>
+              <a:gd name="connsiteY0" fmla="*/ 24003 h 24003"/>
+              <a:gd name="connsiteX1" fmla="*/ 4381193 w 4381193"/>
+              <a:gd name="connsiteY1" fmla="*/ 0 h 24003"/>
+              <a:gd name="connsiteX0" fmla="*/ 0 w 4369930"/>
+              <a:gd name="connsiteY0" fmla="*/ 9169 h 9169"/>
+              <a:gd name="connsiteX1" fmla="*/ 4369930 w 4369930"/>
+              <a:gd name="connsiteY1" fmla="*/ 0 h 9169"/>
+              <a:gd name="connsiteX0" fmla="*/ 0 w 9175"/>
+              <a:gd name="connsiteY0" fmla="*/ 1911 h 1911"/>
+              <a:gd name="connsiteX1" fmla="*/ 9175 w 9175"/>
+              <a:gd name="connsiteY1" fmla="*/ 0 h 1911"/>
+              <a:gd name="connsiteX0" fmla="*/ 0 w 9939"/>
+              <a:gd name="connsiteY0" fmla="*/ 0 h 417"/>
+              <a:gd name="connsiteX1" fmla="*/ 9939 w 9939"/>
+              <a:gd name="connsiteY1" fmla="*/ 417 h 417"/>
+            </a:gdLst>
+            <a:ahLst/>
+            <a:cxnLst>
+              <a:cxn ang="0">
+                <a:pos x="connsiteX0" y="connsiteY0"/>
+              </a:cxn>
+              <a:cxn ang="0">
+                <a:pos x="connsiteX1" y="connsiteY1"/>
+              </a:cxn>
+            </a:cxnLst>
+            <a:rect l="l" t="t" r="r" b="b"/>
+            <a:pathLst>
+              <a:path w="9939" h="417">
+                <a:moveTo>
+                  <a:pt x="0" y="0"/>
+                </a:moveTo>
+                <a:lnTo>
+                  <a:pt x="9939" y="417"/>
+                </a:lnTo>
+              </a:path>
+            </a:pathLst>
+          </a:custGeom>
+          <a:ln>
+            <a:tailEnd type="stealth" w="lg" len="lg"/>
+          </a:ln>
+        </p:spPr>
+        <p:style>
+          <a:lnRef idx="1">
+            <a:schemeClr val="dk1"/>
+          </a:lnRef>
+          <a:fillRef idx="0">
+            <a:schemeClr val="dk1"/>
+          </a:fillRef>
+          <a:effectRef idx="0">
+            <a:schemeClr val="dk1"/>
+          </a:effectRef>
+          <a:fontRef idx="minor">
+            <a:schemeClr val="tx1"/>
+          </a:fontRef>
+        </p:style>
+        <p:txBody>
+          <a:bodyPr rtlCol="0" anchor="ctr"/>
+          <a:lstStyle/>
+          <a:p>
+            <a:pPr algn="ctr"/>
+            <a:endParaRPr lang="zh-CN" altLang="en-US"/>
+          </a:p>
+        </p:txBody>
+      </p:sp>
+      <p:cxnSp>
+        <p:nvCxnSpPr>
+          <p:cNvPr id="18" name="直接箭头连接符 17"/>
+          <p:cNvCxnSpPr>
+            <a:stCxn id="5" idx="3"/>
+            <a:endCxn id="6" idx="1"/>
+          </p:cNvCxnSpPr>
+          <p:nvPr/>
+        </p:nvCxnSpPr>
+        <p:spPr>
+          <a:xfrm flipV="1">
+            <a:off x="7736577" y="2594095"/>
+            <a:ext cx="845880" cy="1626904"/>
+          </a:xfrm>
+          <a:prstGeom prst="straightConnector1">
+            <a:avLst/>
+          </a:prstGeom>
+          <a:ln>
+            <a:tailEnd type="stealth" w="lg" len="lg"/>
+          </a:ln>
+        </p:spPr>
+        <p:style>
+          <a:lnRef idx="1">
+            <a:schemeClr val="dk1"/>
+          </a:lnRef>
+          <a:fillRef idx="0">
+            <a:schemeClr val="dk1"/>
+          </a:fillRef>
+          <a:effectRef idx="0">
+            <a:schemeClr val="dk1"/>
+          </a:effectRef>
+          <a:fontRef idx="minor">
+            <a:schemeClr val="tx1"/>
+          </a:fontRef>
+        </p:style>
+      </p:cxnSp>
+      <p:sp>
+        <p:nvSpPr>
+          <p:cNvPr id="22" name="任意多边形 21"/>
+          <p:cNvSpPr/>
+          <p:nvPr/>
+        </p:nvSpPr>
+        <p:spPr>
+          <a:xfrm>
+            <a:off x="2796318" y="1876428"/>
+            <a:ext cx="1189680" cy="933447"/>
+          </a:xfrm>
+          <a:custGeom>
+            <a:avLst/>
+            <a:gdLst>
+              <a:gd name="connsiteX0" fmla="*/ 0 w 4200525"/>
+              <a:gd name="connsiteY0" fmla="*/ 276225 h 276225"/>
+              <a:gd name="connsiteX1" fmla="*/ 4200525 w 4200525"/>
+              <a:gd name="connsiteY1" fmla="*/ 0 h 276225"/>
+              <a:gd name="connsiteX0" fmla="*/ 0 w 3365274"/>
+              <a:gd name="connsiteY0" fmla="*/ 251852 h 251852"/>
+              <a:gd name="connsiteX1" fmla="*/ 3365274 w 3365274"/>
+              <a:gd name="connsiteY1" fmla="*/ 0 h 251852"/>
+              <a:gd name="connsiteX0" fmla="*/ 0 w 3365274"/>
+              <a:gd name="connsiteY0" fmla="*/ 265392 h 265392"/>
+              <a:gd name="connsiteX1" fmla="*/ 3365274 w 3365274"/>
+              <a:gd name="connsiteY1" fmla="*/ 0 h 265392"/>
+            </a:gdLst>
+            <a:ahLst/>
+            <a:cxnLst>
+              <a:cxn ang="0">
+                <a:pos x="connsiteX0" y="connsiteY0"/>
+              </a:cxn>
+              <a:cxn ang="0">
+                <a:pos x="connsiteX1" y="connsiteY1"/>
+              </a:cxn>
+            </a:cxnLst>
+            <a:rect l="l" t="t" r="r" b="b"/>
+            <a:pathLst>
+              <a:path w="3365274" h="265392">
+                <a:moveTo>
+                  <a:pt x="0" y="265392"/>
+                </a:moveTo>
+                <a:lnTo>
+                  <a:pt x="3365274" y="0"/>
+                </a:lnTo>
+              </a:path>
+            </a:pathLst>
+          </a:custGeom>
+          <a:ln>
+            <a:tailEnd type="stealth" w="lg" len="lg"/>
+          </a:ln>
+        </p:spPr>
+        <p:style>
+          <a:lnRef idx="1">
+            <a:schemeClr val="dk1"/>
+          </a:lnRef>
+          <a:fillRef idx="0">
+            <a:schemeClr val="dk1"/>
+          </a:fillRef>
+          <a:effectRef idx="0">
+            <a:schemeClr val="dk1"/>
+          </a:effectRef>
+          <a:fontRef idx="minor">
+            <a:schemeClr val="tx1"/>
+          </a:fontRef>
+        </p:style>
+        <p:txBody>
+          <a:bodyPr rtlCol="0" anchor="ctr"/>
+          <a:lstStyle/>
+          <a:p>
+            <a:pPr algn="ctr"/>
+            <a:endParaRPr lang="zh-CN" altLang="en-US"/>
+          </a:p>
+        </p:txBody>
+      </p:sp>
+    </p:spTree>
+    <p:extLst>
+      <p:ext uri="{BB962C8B-B14F-4D97-AF65-F5344CB8AC3E}">
+        <p14:creationId xmlns:p14="http://schemas.microsoft.com/office/powerpoint/2010/main" val="3608478711"/>
+      </p:ext>
+    </p:extLst>
+  </p:cSld>
+  <p:clrMapOvr>
+    <a:masterClrMapping/>
+  </p:clrMapOvr>
+</p:sld>
+</file>
+
+<file path=ppt/slides/slide6.xml><?xml version="1.0" encoding="utf-8"?>
+<p:sld xmlns:a="http://schemas.openxmlformats.org/drawingml/2006/main" xmlns:r="http://schemas.openxmlformats.org/officeDocument/2006/relationships" xmlns:p="http://schemas.openxmlformats.org/presentationml/2006/main">
+  <p:cSld>
+    <p:spTree>
+      <p:nvGrpSpPr>
+        <p:cNvPr id="1" name=""/>
+        <p:cNvGrpSpPr/>
+        <p:nvPr/>
+      </p:nvGrpSpPr>
+      <p:grpSpPr>
+        <a:xfrm>
+          <a:off x="0" y="0"/>
+          <a:ext cx="0" cy="0"/>
+          <a:chOff x="0" y="0"/>
+          <a:chExt cx="0" cy="0"/>
+        </a:xfrm>
+      </p:grpSpPr>
+    </p:spTree>
+    <p:extLst>
+      <p:ext uri="{BB962C8B-B14F-4D97-AF65-F5344CB8AC3E}">
+        <p14:creationId xmlns:p14="http://schemas.microsoft.com/office/powerpoint/2010/main" val="3223666472"/>
       </p:ext>
     </p:extLst>
   </p:cSld>

--- a/test.pptx
+++ b/test.pptx
@@ -115,6 +115,7615 @@
     </p:ext>
   </p:extLst>
 </p:presentation>
+</file>
+
+<file path=ppt/diagrams/colors1.xml><?xml version="1.0" encoding="utf-8"?>
+<dgm:colorsDef xmlns:dgm="http://schemas.openxmlformats.org/drawingml/2006/diagram" xmlns:a="http://schemas.openxmlformats.org/drawingml/2006/main" uniqueId="urn:microsoft.com/office/officeart/2005/8/colors/colorful5">
+  <dgm:title val=""/>
+  <dgm:desc val=""/>
+  <dgm:catLst>
+    <dgm:cat type="colorful" pri="10500"/>
+  </dgm:catLst>
+  <dgm:styleLbl name="node0">
+    <dgm:fillClrLst meth="repeat">
+      <a:schemeClr val="accent4"/>
+    </dgm:fillClrLst>
+    <dgm:linClrLst meth="repeat">
+      <a:schemeClr val="lt1"/>
+    </dgm:linClrLst>
+    <dgm:effectClrLst/>
+    <dgm:txLinClrLst/>
+    <dgm:txFillClrLst/>
+    <dgm:txEffectClrLst/>
+  </dgm:styleLbl>
+  <dgm:styleLbl name="node1">
+    <dgm:fillClrLst>
+      <a:schemeClr val="accent5"/>
+      <a:schemeClr val="accent6"/>
+    </dgm:fillClrLst>
+    <dgm:linClrLst meth="repeat">
+      <a:schemeClr val="lt1"/>
+    </dgm:linClrLst>
+    <dgm:effectClrLst/>
+    <dgm:txLinClrLst/>
+    <dgm:txFillClrLst/>
+    <dgm:txEffectClrLst/>
+  </dgm:styleLbl>
+  <dgm:styleLbl name="alignNode1">
+    <dgm:fillClrLst>
+      <a:schemeClr val="accent5"/>
+      <a:schemeClr val="accent6"/>
+    </dgm:fillClrLst>
+    <dgm:linClrLst>
+      <a:schemeClr val="accent5"/>
+      <a:schemeClr val="accent6"/>
+    </dgm:linClrLst>
+    <dgm:effectClrLst/>
+    <dgm:txLinClrLst/>
+    <dgm:txFillClrLst/>
+    <dgm:txEffectClrLst/>
+  </dgm:styleLbl>
+  <dgm:styleLbl name="lnNode1">
+    <dgm:fillClrLst>
+      <a:schemeClr val="accent5"/>
+      <a:schemeClr val="accent6"/>
+    </dgm:fillClrLst>
+    <dgm:linClrLst meth="repeat">
+      <a:schemeClr val="lt1"/>
+    </dgm:linClrLst>
+    <dgm:effectClrLst/>
+    <dgm:txLinClrLst/>
+    <dgm:txFillClrLst/>
+    <dgm:txEffectClrLst/>
+  </dgm:styleLbl>
+  <dgm:styleLbl name="vennNode1">
+    <dgm:fillClrLst>
+      <a:schemeClr val="accent5">
+        <a:alpha val="50000"/>
+      </a:schemeClr>
+      <a:schemeClr val="accent6">
+        <a:alpha val="50000"/>
+      </a:schemeClr>
+    </dgm:fillClrLst>
+    <dgm:linClrLst meth="repeat">
+      <a:schemeClr val="lt1"/>
+    </dgm:linClrLst>
+    <dgm:effectClrLst/>
+    <dgm:txLinClrLst/>
+    <dgm:txFillClrLst/>
+    <dgm:txEffectClrLst/>
+  </dgm:styleLbl>
+  <dgm:styleLbl name="node2">
+    <dgm:fillClrLst>
+      <a:schemeClr val="accent6"/>
+    </dgm:fillClrLst>
+    <dgm:linClrLst meth="repeat">
+      <a:schemeClr val="lt1"/>
+    </dgm:linClrLst>
+    <dgm:effectClrLst/>
+    <dgm:txLinClrLst/>
+    <dgm:txFillClrLst/>
+    <dgm:txEffectClrLst/>
+  </dgm:styleLbl>
+  <dgm:styleLbl name="node3">
+    <dgm:fillClrLst>
+      <a:schemeClr val="accent1"/>
+    </dgm:fillClrLst>
+    <dgm:linClrLst meth="repeat">
+      <a:schemeClr val="lt1"/>
+    </dgm:linClrLst>
+    <dgm:effectClrLst/>
+    <dgm:txLinClrLst/>
+    <dgm:txFillClrLst/>
+    <dgm:txEffectClrLst/>
+  </dgm:styleLbl>
+  <dgm:styleLbl name="node4">
+    <dgm:fillClrLst>
+      <a:schemeClr val="accent2"/>
+    </dgm:fillClrLst>
+    <dgm:linClrLst meth="repeat">
+      <a:schemeClr val="lt1"/>
+    </dgm:linClrLst>
+    <dgm:effectClrLst/>
+    <dgm:txLinClrLst/>
+    <dgm:txFillClrLst/>
+    <dgm:txEffectClrLst/>
+  </dgm:styleLbl>
+  <dgm:styleLbl name="fgImgPlace1">
+    <dgm:fillClrLst>
+      <a:schemeClr val="accent5">
+        <a:tint val="50000"/>
+      </a:schemeClr>
+      <a:schemeClr val="accent6">
+        <a:tint val="50000"/>
+      </a:schemeClr>
+    </dgm:fillClrLst>
+    <dgm:linClrLst meth="repeat">
+      <a:schemeClr val="lt1"/>
+    </dgm:linClrLst>
+    <dgm:effectClrLst/>
+    <dgm:txLinClrLst/>
+    <dgm:txFillClrLst meth="repeat">
+      <a:schemeClr val="lt1"/>
+    </dgm:txFillClrLst>
+    <dgm:txEffectClrLst/>
+  </dgm:styleLbl>
+  <dgm:styleLbl name="alignImgPlace1">
+    <dgm:fillClrLst>
+      <a:schemeClr val="accent5">
+        <a:tint val="50000"/>
+      </a:schemeClr>
+      <a:schemeClr val="accent6">
+        <a:tint val="20000"/>
+      </a:schemeClr>
+    </dgm:fillClrLst>
+    <dgm:linClrLst meth="repeat">
+      <a:schemeClr val="lt1"/>
+    </dgm:linClrLst>
+    <dgm:effectClrLst/>
+    <dgm:txLinClrLst/>
+    <dgm:txFillClrLst meth="repeat">
+      <a:schemeClr val="lt1"/>
+    </dgm:txFillClrLst>
+    <dgm:txEffectClrLst/>
+  </dgm:styleLbl>
+  <dgm:styleLbl name="bgImgPlace1">
+    <dgm:fillClrLst>
+      <a:schemeClr val="accent5">
+        <a:tint val="50000"/>
+      </a:schemeClr>
+      <a:schemeClr val="accent6">
+        <a:tint val="20000"/>
+      </a:schemeClr>
+    </dgm:fillClrLst>
+    <dgm:linClrLst meth="repeat">
+      <a:schemeClr val="lt1"/>
+    </dgm:linClrLst>
+    <dgm:effectClrLst/>
+    <dgm:txLinClrLst/>
+    <dgm:txFillClrLst meth="repeat">
+      <a:schemeClr val="lt1"/>
+    </dgm:txFillClrLst>
+    <dgm:txEffectClrLst/>
+  </dgm:styleLbl>
+  <dgm:styleLbl name="sibTrans2D1">
+    <dgm:fillClrLst>
+      <a:schemeClr val="accent5"/>
+      <a:schemeClr val="accent6"/>
+    </dgm:fillClrLst>
+    <dgm:linClrLst meth="repeat">
+      <a:schemeClr val="lt1"/>
+    </dgm:linClrLst>
+    <dgm:effectClrLst/>
+    <dgm:txLinClrLst/>
+    <dgm:txFillClrLst/>
+    <dgm:txEffectClrLst/>
+  </dgm:styleLbl>
+  <dgm:styleLbl name="fgSibTrans2D1">
+    <dgm:fillClrLst>
+      <a:schemeClr val="accent5"/>
+      <a:schemeClr val="accent6"/>
+    </dgm:fillClrLst>
+    <dgm:linClrLst meth="repeat">
+      <a:schemeClr val="lt1"/>
+    </dgm:linClrLst>
+    <dgm:effectClrLst/>
+    <dgm:txLinClrLst/>
+    <dgm:txFillClrLst meth="repeat">
+      <a:schemeClr val="lt1"/>
+    </dgm:txFillClrLst>
+    <dgm:txEffectClrLst/>
+  </dgm:styleLbl>
+  <dgm:styleLbl name="bgSibTrans2D1">
+    <dgm:fillClrLst>
+      <a:schemeClr val="accent5"/>
+      <a:schemeClr val="accent6"/>
+    </dgm:fillClrLst>
+    <dgm:linClrLst meth="repeat">
+      <a:schemeClr val="lt1"/>
+    </dgm:linClrLst>
+    <dgm:effectClrLst/>
+    <dgm:txLinClrLst/>
+    <dgm:txFillClrLst meth="repeat">
+      <a:schemeClr val="lt1"/>
+    </dgm:txFillClrLst>
+    <dgm:txEffectClrLst/>
+  </dgm:styleLbl>
+  <dgm:styleLbl name="sibTrans1D1">
+    <dgm:fillClrLst/>
+    <dgm:linClrLst>
+      <a:schemeClr val="accent5"/>
+      <a:schemeClr val="accent6"/>
+    </dgm:linClrLst>
+    <dgm:effectClrLst/>
+    <dgm:txLinClrLst/>
+    <dgm:txFillClrLst meth="repeat">
+      <a:schemeClr val="tx1"/>
+    </dgm:txFillClrLst>
+    <dgm:txEffectClrLst/>
+  </dgm:styleLbl>
+  <dgm:styleLbl name="callout">
+    <dgm:fillClrLst meth="repeat">
+      <a:schemeClr val="accent5"/>
+    </dgm:fillClrLst>
+    <dgm:linClrLst meth="repeat">
+      <a:schemeClr val="accent5">
+        <a:tint val="50000"/>
+      </a:schemeClr>
+    </dgm:linClrLst>
+    <dgm:effectClrLst/>
+    <dgm:txLinClrLst/>
+    <dgm:txFillClrLst meth="repeat">
+      <a:schemeClr val="tx1"/>
+    </dgm:txFillClrLst>
+    <dgm:txEffectClrLst/>
+  </dgm:styleLbl>
+  <dgm:styleLbl name="asst0">
+    <dgm:fillClrLst meth="repeat">
+      <a:schemeClr val="accent5"/>
+    </dgm:fillClrLst>
+    <dgm:linClrLst meth="repeat">
+      <a:schemeClr val="lt1">
+        <a:shade val="80000"/>
+      </a:schemeClr>
+    </dgm:linClrLst>
+    <dgm:effectClrLst/>
+    <dgm:txLinClrLst/>
+    <dgm:txFillClrLst/>
+    <dgm:txEffectClrLst/>
+  </dgm:styleLbl>
+  <dgm:styleLbl name="asst1">
+    <dgm:fillClrLst meth="repeat">
+      <a:schemeClr val="accent6"/>
+    </dgm:fillClrLst>
+    <dgm:linClrLst meth="repeat">
+      <a:schemeClr val="lt1">
+        <a:shade val="80000"/>
+      </a:schemeClr>
+    </dgm:linClrLst>
+    <dgm:effectClrLst/>
+    <dgm:txLinClrLst/>
+    <dgm:txFillClrLst/>
+    <dgm:txEffectClrLst/>
+  </dgm:styleLbl>
+  <dgm:styleLbl name="asst2">
+    <dgm:fillClrLst>
+      <a:schemeClr val="accent1"/>
+    </dgm:fillClrLst>
+    <dgm:linClrLst meth="repeat">
+      <a:schemeClr val="lt1"/>
+    </dgm:linClrLst>
+    <dgm:effectClrLst/>
+    <dgm:txLinClrLst/>
+    <dgm:txFillClrLst/>
+    <dgm:txEffectClrLst/>
+  </dgm:styleLbl>
+  <dgm:styleLbl name="asst3">
+    <dgm:fillClrLst>
+      <a:schemeClr val="accent2"/>
+    </dgm:fillClrLst>
+    <dgm:linClrLst meth="repeat">
+      <a:schemeClr val="lt1"/>
+    </dgm:linClrLst>
+    <dgm:effectClrLst/>
+    <dgm:txLinClrLst/>
+    <dgm:txFillClrLst/>
+    <dgm:txEffectClrLst/>
+  </dgm:styleLbl>
+  <dgm:styleLbl name="asst4">
+    <dgm:fillClrLst>
+      <a:schemeClr val="accent3"/>
+    </dgm:fillClrLst>
+    <dgm:linClrLst meth="repeat">
+      <a:schemeClr val="lt1"/>
+    </dgm:linClrLst>
+    <dgm:effectClrLst/>
+    <dgm:txLinClrLst/>
+    <dgm:txFillClrLst/>
+    <dgm:txEffectClrLst/>
+  </dgm:styleLbl>
+  <dgm:styleLbl name="parChTrans2D1">
+    <dgm:fillClrLst meth="repeat">
+      <a:schemeClr val="accent5"/>
+    </dgm:fillClrLst>
+    <dgm:linClrLst meth="repeat">
+      <a:schemeClr val="lt1"/>
+    </dgm:linClrLst>
+    <dgm:effectClrLst/>
+    <dgm:txLinClrLst/>
+    <dgm:txFillClrLst meth="repeat">
+      <a:schemeClr val="lt1"/>
+    </dgm:txFillClrLst>
+    <dgm:txEffectClrLst/>
+  </dgm:styleLbl>
+  <dgm:styleLbl name="parChTrans2D2">
+    <dgm:fillClrLst meth="repeat">
+      <a:schemeClr val="accent6"/>
+    </dgm:fillClrLst>
+    <dgm:linClrLst meth="repeat">
+      <a:schemeClr val="lt1"/>
+    </dgm:linClrLst>
+    <dgm:effectClrLst/>
+    <dgm:txLinClrLst/>
+    <dgm:txFillClrLst/>
+    <dgm:txEffectClrLst/>
+  </dgm:styleLbl>
+  <dgm:styleLbl name="parChTrans2D3">
+    <dgm:fillClrLst meth="repeat">
+      <a:schemeClr val="accent6"/>
+    </dgm:fillClrLst>
+    <dgm:linClrLst meth="repeat">
+      <a:schemeClr val="lt1"/>
+    </dgm:linClrLst>
+    <dgm:effectClrLst/>
+    <dgm:txLinClrLst/>
+    <dgm:txFillClrLst/>
+    <dgm:txEffectClrLst/>
+  </dgm:styleLbl>
+  <dgm:styleLbl name="parChTrans2D4">
+    <dgm:fillClrLst meth="repeat">
+      <a:schemeClr val="accent1"/>
+    </dgm:fillClrLst>
+    <dgm:linClrLst meth="repeat">
+      <a:schemeClr val="lt1"/>
+    </dgm:linClrLst>
+    <dgm:effectClrLst/>
+    <dgm:txLinClrLst/>
+    <dgm:txFillClrLst meth="repeat">
+      <a:schemeClr val="lt1"/>
+    </dgm:txFillClrLst>
+    <dgm:txEffectClrLst/>
+  </dgm:styleLbl>
+  <dgm:styleLbl name="parChTrans1D1">
+    <dgm:fillClrLst meth="repeat">
+      <a:schemeClr val="accent5"/>
+    </dgm:fillClrLst>
+    <dgm:linClrLst meth="repeat">
+      <a:schemeClr val="accent5"/>
+    </dgm:linClrLst>
+    <dgm:effectClrLst/>
+    <dgm:txLinClrLst/>
+    <dgm:txFillClrLst meth="repeat">
+      <a:schemeClr val="tx1"/>
+    </dgm:txFillClrLst>
+    <dgm:txEffectClrLst/>
+  </dgm:styleLbl>
+  <dgm:styleLbl name="parChTrans1D2">
+    <dgm:fillClrLst meth="repeat">
+      <a:schemeClr val="accent6">
+        <a:tint val="90000"/>
+      </a:schemeClr>
+    </dgm:fillClrLst>
+    <dgm:linClrLst meth="repeat">
+      <a:schemeClr val="accent6"/>
+    </dgm:linClrLst>
+    <dgm:effectClrLst/>
+    <dgm:txLinClrLst/>
+    <dgm:txFillClrLst meth="repeat">
+      <a:schemeClr val="tx1"/>
+    </dgm:txFillClrLst>
+    <dgm:txEffectClrLst/>
+  </dgm:styleLbl>
+  <dgm:styleLbl name="parChTrans1D3">
+    <dgm:fillClrLst meth="repeat">
+      <a:schemeClr val="accent6">
+        <a:tint val="70000"/>
+      </a:schemeClr>
+    </dgm:fillClrLst>
+    <dgm:linClrLst meth="repeat">
+      <a:schemeClr val="accent1"/>
+    </dgm:linClrLst>
+    <dgm:effectClrLst/>
+    <dgm:txLinClrLst/>
+    <dgm:txFillClrLst meth="repeat">
+      <a:schemeClr val="tx1"/>
+    </dgm:txFillClrLst>
+    <dgm:txEffectClrLst/>
+  </dgm:styleLbl>
+  <dgm:styleLbl name="parChTrans1D4">
+    <dgm:fillClrLst meth="repeat">
+      <a:schemeClr val="accent6">
+        <a:tint val="50000"/>
+      </a:schemeClr>
+    </dgm:fillClrLst>
+    <dgm:linClrLst meth="repeat">
+      <a:schemeClr val="accent2"/>
+    </dgm:linClrLst>
+    <dgm:effectClrLst/>
+    <dgm:txLinClrLst/>
+    <dgm:txFillClrLst meth="repeat">
+      <a:schemeClr val="tx1"/>
+    </dgm:txFillClrLst>
+    <dgm:txEffectClrLst/>
+  </dgm:styleLbl>
+  <dgm:styleLbl name="fgAcc1">
+    <dgm:fillClrLst meth="repeat">
+      <a:schemeClr val="lt1">
+        <a:alpha val="90000"/>
+      </a:schemeClr>
+    </dgm:fillClrLst>
+    <dgm:linClrLst>
+      <a:schemeClr val="accent5"/>
+      <a:schemeClr val="accent6"/>
+    </dgm:linClrLst>
+    <dgm:effectClrLst/>
+    <dgm:txLinClrLst/>
+    <dgm:txFillClrLst meth="repeat">
+      <a:schemeClr val="dk1"/>
+    </dgm:txFillClrLst>
+    <dgm:txEffectClrLst/>
+  </dgm:styleLbl>
+  <dgm:styleLbl name="conFgAcc1">
+    <dgm:fillClrLst meth="repeat">
+      <a:schemeClr val="lt1">
+        <a:alpha val="90000"/>
+      </a:schemeClr>
+    </dgm:fillClrLst>
+    <dgm:linClrLst>
+      <a:schemeClr val="accent5"/>
+      <a:schemeClr val="accent6"/>
+    </dgm:linClrLst>
+    <dgm:effectClrLst/>
+    <dgm:txLinClrLst/>
+    <dgm:txFillClrLst meth="repeat">
+      <a:schemeClr val="dk1"/>
+    </dgm:txFillClrLst>
+    <dgm:txEffectClrLst/>
+  </dgm:styleLbl>
+  <dgm:styleLbl name="alignAcc1">
+    <dgm:fillClrLst meth="repeat">
+      <a:schemeClr val="lt1">
+        <a:alpha val="90000"/>
+      </a:schemeClr>
+    </dgm:fillClrLst>
+    <dgm:linClrLst>
+      <a:schemeClr val="accent5"/>
+      <a:schemeClr val="accent6"/>
+    </dgm:linClrLst>
+    <dgm:effectClrLst/>
+    <dgm:txLinClrLst/>
+    <dgm:txFillClrLst meth="repeat">
+      <a:schemeClr val="dk1"/>
+    </dgm:txFillClrLst>
+    <dgm:txEffectClrLst/>
+  </dgm:styleLbl>
+  <dgm:styleLbl name="trAlignAcc1">
+    <dgm:fillClrLst meth="repeat">
+      <a:schemeClr val="lt1">
+        <a:alpha val="40000"/>
+      </a:schemeClr>
+    </dgm:fillClrLst>
+    <dgm:linClrLst meth="repeat">
+      <a:schemeClr val="accent5"/>
+    </dgm:linClrLst>
+    <dgm:effectClrLst/>
+    <dgm:txLinClrLst/>
+    <dgm:txFillClrLst meth="repeat">
+      <a:schemeClr val="dk1"/>
+    </dgm:txFillClrLst>
+    <dgm:txEffectClrLst/>
+  </dgm:styleLbl>
+  <dgm:styleLbl name="bgAcc1">
+    <dgm:fillClrLst meth="repeat">
+      <a:schemeClr val="lt1">
+        <a:alpha val="90000"/>
+      </a:schemeClr>
+    </dgm:fillClrLst>
+    <dgm:linClrLst>
+      <a:schemeClr val="accent5"/>
+      <a:schemeClr val="accent6"/>
+    </dgm:linClrLst>
+    <dgm:effectClrLst/>
+    <dgm:txLinClrLst/>
+    <dgm:txFillClrLst meth="repeat">
+      <a:schemeClr val="dk1"/>
+    </dgm:txFillClrLst>
+    <dgm:txEffectClrLst/>
+  </dgm:styleLbl>
+  <dgm:styleLbl name="solidFgAcc1">
+    <dgm:fillClrLst meth="repeat">
+      <a:schemeClr val="lt1"/>
+    </dgm:fillClrLst>
+    <dgm:linClrLst>
+      <a:schemeClr val="accent5"/>
+      <a:schemeClr val="accent6"/>
+    </dgm:linClrLst>
+    <dgm:effectClrLst/>
+    <dgm:txLinClrLst/>
+    <dgm:txFillClrLst meth="repeat">
+      <a:schemeClr val="dk1"/>
+    </dgm:txFillClrLst>
+    <dgm:txEffectClrLst/>
+  </dgm:styleLbl>
+  <dgm:styleLbl name="solidAlignAcc1">
+    <dgm:fillClrLst meth="repeat">
+      <a:schemeClr val="lt1"/>
+    </dgm:fillClrLst>
+    <dgm:linClrLst>
+      <a:schemeClr val="accent5"/>
+      <a:schemeClr val="accent6"/>
+    </dgm:linClrLst>
+    <dgm:effectClrLst/>
+    <dgm:txLinClrLst/>
+    <dgm:txFillClrLst meth="repeat">
+      <a:schemeClr val="dk1"/>
+    </dgm:txFillClrLst>
+    <dgm:txEffectClrLst/>
+  </dgm:styleLbl>
+  <dgm:styleLbl name="solidBgAcc1">
+    <dgm:fillClrLst meth="repeat">
+      <a:schemeClr val="lt1"/>
+    </dgm:fillClrLst>
+    <dgm:linClrLst>
+      <a:schemeClr val="accent5"/>
+      <a:schemeClr val="accent6"/>
+    </dgm:linClrLst>
+    <dgm:effectClrLst/>
+    <dgm:txLinClrLst/>
+    <dgm:txFillClrLst meth="repeat">
+      <a:schemeClr val="dk1"/>
+    </dgm:txFillClrLst>
+    <dgm:txEffectClrLst/>
+  </dgm:styleLbl>
+  <dgm:styleLbl name="fgAccFollowNode1">
+    <dgm:fillClrLst>
+      <a:schemeClr val="accent5">
+        <a:tint val="40000"/>
+        <a:alpha val="90000"/>
+      </a:schemeClr>
+      <a:schemeClr val="accent6">
+        <a:tint val="40000"/>
+        <a:alpha val="90000"/>
+      </a:schemeClr>
+    </dgm:fillClrLst>
+    <dgm:linClrLst>
+      <a:schemeClr val="accent5">
+        <a:tint val="40000"/>
+        <a:alpha val="90000"/>
+      </a:schemeClr>
+      <a:schemeClr val="accent5">
+        <a:tint val="40000"/>
+        <a:alpha val="90000"/>
+      </a:schemeClr>
+    </dgm:linClrLst>
+    <dgm:effectClrLst/>
+    <dgm:txLinClrLst/>
+    <dgm:txFillClrLst meth="repeat">
+      <a:schemeClr val="dk1"/>
+    </dgm:txFillClrLst>
+    <dgm:txEffectClrLst/>
+  </dgm:styleLbl>
+  <dgm:styleLbl name="alignAccFollowNode1">
+    <dgm:fillClrLst>
+      <a:schemeClr val="accent5">
+        <a:tint val="40000"/>
+        <a:alpha val="90000"/>
+      </a:schemeClr>
+      <a:schemeClr val="accent6">
+        <a:tint val="40000"/>
+        <a:alpha val="90000"/>
+      </a:schemeClr>
+    </dgm:fillClrLst>
+    <dgm:linClrLst>
+      <a:schemeClr val="accent5">
+        <a:tint val="40000"/>
+        <a:alpha val="90000"/>
+      </a:schemeClr>
+      <a:schemeClr val="accent6">
+        <a:tint val="40000"/>
+        <a:alpha val="90000"/>
+      </a:schemeClr>
+    </dgm:linClrLst>
+    <dgm:effectClrLst/>
+    <dgm:txLinClrLst/>
+    <dgm:txFillClrLst meth="repeat">
+      <a:schemeClr val="dk1"/>
+    </dgm:txFillClrLst>
+    <dgm:txEffectClrLst/>
+  </dgm:styleLbl>
+  <dgm:styleLbl name="bgAccFollowNode1">
+    <dgm:fillClrLst>
+      <a:schemeClr val="accent5">
+        <a:tint val="40000"/>
+        <a:alpha val="90000"/>
+      </a:schemeClr>
+      <a:schemeClr val="accent6">
+        <a:tint val="40000"/>
+        <a:alpha val="90000"/>
+      </a:schemeClr>
+    </dgm:fillClrLst>
+    <dgm:linClrLst>
+      <a:schemeClr val="accent5">
+        <a:tint val="40000"/>
+        <a:alpha val="90000"/>
+      </a:schemeClr>
+      <a:schemeClr val="accent6">
+        <a:tint val="40000"/>
+        <a:alpha val="90000"/>
+      </a:schemeClr>
+    </dgm:linClrLst>
+    <dgm:effectClrLst/>
+    <dgm:txLinClrLst/>
+    <dgm:txFillClrLst meth="repeat">
+      <a:schemeClr val="dk1"/>
+    </dgm:txFillClrLst>
+    <dgm:txEffectClrLst/>
+  </dgm:styleLbl>
+  <dgm:styleLbl name="fgAcc0">
+    <dgm:fillClrLst meth="repeat">
+      <a:schemeClr val="lt1">
+        <a:alpha val="90000"/>
+      </a:schemeClr>
+    </dgm:fillClrLst>
+    <dgm:linClrLst>
+      <a:schemeClr val="accent4"/>
+    </dgm:linClrLst>
+    <dgm:effectClrLst/>
+    <dgm:txLinClrLst/>
+    <dgm:txFillClrLst meth="repeat">
+      <a:schemeClr val="dk1"/>
+    </dgm:txFillClrLst>
+    <dgm:txEffectClrLst/>
+  </dgm:styleLbl>
+  <dgm:styleLbl name="fgAcc2">
+    <dgm:fillClrLst meth="repeat">
+      <a:schemeClr val="lt1">
+        <a:alpha val="90000"/>
+      </a:schemeClr>
+    </dgm:fillClrLst>
+    <dgm:linClrLst>
+      <a:schemeClr val="accent6"/>
+    </dgm:linClrLst>
+    <dgm:effectClrLst/>
+    <dgm:txLinClrLst/>
+    <dgm:txFillClrLst meth="repeat">
+      <a:schemeClr val="dk1"/>
+    </dgm:txFillClrLst>
+    <dgm:txEffectClrLst/>
+  </dgm:styleLbl>
+  <dgm:styleLbl name="fgAcc3">
+    <dgm:fillClrLst meth="repeat">
+      <a:schemeClr val="lt1">
+        <a:alpha val="90000"/>
+      </a:schemeClr>
+    </dgm:fillClrLst>
+    <dgm:linClrLst>
+      <a:schemeClr val="accent1"/>
+    </dgm:linClrLst>
+    <dgm:effectClrLst/>
+    <dgm:txLinClrLst/>
+    <dgm:txFillClrLst meth="repeat">
+      <a:schemeClr val="dk1"/>
+    </dgm:txFillClrLst>
+    <dgm:txEffectClrLst/>
+  </dgm:styleLbl>
+  <dgm:styleLbl name="fgAcc4">
+    <dgm:fillClrLst meth="repeat">
+      <a:schemeClr val="lt1">
+        <a:alpha val="90000"/>
+      </a:schemeClr>
+    </dgm:fillClrLst>
+    <dgm:linClrLst>
+      <a:schemeClr val="accent2"/>
+    </dgm:linClrLst>
+    <dgm:effectClrLst/>
+    <dgm:txLinClrLst/>
+    <dgm:txFillClrLst meth="repeat">
+      <a:schemeClr val="dk1"/>
+    </dgm:txFillClrLst>
+    <dgm:txEffectClrLst/>
+  </dgm:styleLbl>
+  <dgm:styleLbl name="bgShp">
+    <dgm:fillClrLst meth="repeat">
+      <a:schemeClr val="accent5">
+        <a:tint val="40000"/>
+      </a:schemeClr>
+    </dgm:fillClrLst>
+    <dgm:linClrLst meth="repeat">
+      <a:schemeClr val="dk1"/>
+    </dgm:linClrLst>
+    <dgm:effectClrLst/>
+    <dgm:txLinClrLst/>
+    <dgm:txFillClrLst meth="repeat">
+      <a:schemeClr val="dk1"/>
+    </dgm:txFillClrLst>
+    <dgm:txEffectClrLst/>
+  </dgm:styleLbl>
+  <dgm:styleLbl name="dkBgShp">
+    <dgm:fillClrLst meth="repeat">
+      <a:schemeClr val="accent5">
+        <a:shade val="90000"/>
+      </a:schemeClr>
+    </dgm:fillClrLst>
+    <dgm:linClrLst meth="repeat">
+      <a:schemeClr val="dk1"/>
+    </dgm:linClrLst>
+    <dgm:effectClrLst/>
+    <dgm:txLinClrLst/>
+    <dgm:txFillClrLst meth="repeat">
+      <a:schemeClr val="lt1"/>
+    </dgm:txFillClrLst>
+    <dgm:txEffectClrLst/>
+  </dgm:styleLbl>
+  <dgm:styleLbl name="trBgShp">
+    <dgm:fillClrLst meth="repeat">
+      <a:schemeClr val="accent5">
+        <a:tint val="50000"/>
+        <a:alpha val="40000"/>
+      </a:schemeClr>
+    </dgm:fillClrLst>
+    <dgm:linClrLst meth="repeat">
+      <a:schemeClr val="accent5"/>
+    </dgm:linClrLst>
+    <dgm:effectClrLst/>
+    <dgm:txLinClrLst/>
+    <dgm:txFillClrLst meth="repeat">
+      <a:schemeClr val="lt1"/>
+    </dgm:txFillClrLst>
+    <dgm:txEffectClrLst/>
+  </dgm:styleLbl>
+  <dgm:styleLbl name="fgShp">
+    <dgm:fillClrLst meth="repeat">
+      <a:schemeClr val="accent5">
+        <a:tint val="40000"/>
+      </a:schemeClr>
+    </dgm:fillClrLst>
+    <dgm:linClrLst meth="repeat">
+      <a:schemeClr val="lt1"/>
+    </dgm:linClrLst>
+    <dgm:effectClrLst/>
+    <dgm:txLinClrLst/>
+    <dgm:txFillClrLst meth="repeat">
+      <a:schemeClr val="dk1"/>
+    </dgm:txFillClrLst>
+    <dgm:txEffectClrLst/>
+  </dgm:styleLbl>
+  <dgm:styleLbl name="revTx">
+    <dgm:fillClrLst meth="repeat">
+      <a:schemeClr val="lt1">
+        <a:alpha val="0"/>
+      </a:schemeClr>
+    </dgm:fillClrLst>
+    <dgm:linClrLst meth="repeat">
+      <a:schemeClr val="dk1">
+        <a:alpha val="0"/>
+      </a:schemeClr>
+    </dgm:linClrLst>
+    <dgm:effectClrLst/>
+    <dgm:txLinClrLst/>
+    <dgm:txFillClrLst meth="repeat">
+      <a:schemeClr val="tx1"/>
+    </dgm:txFillClrLst>
+    <dgm:txEffectClrLst/>
+  </dgm:styleLbl>
+</dgm:colorsDef>
+</file>
+
+<file path=ppt/diagrams/data1.xml><?xml version="1.0" encoding="utf-8"?>
+<dgm:dataModel xmlns:dgm="http://schemas.openxmlformats.org/drawingml/2006/diagram" xmlns:a="http://schemas.openxmlformats.org/drawingml/2006/main">
+  <dgm:ptLst>
+    <dgm:pt modelId="{F0C633E5-CC93-453D-A847-9FD1AC1129B5}" type="doc">
+      <dgm:prSet loTypeId="urn:microsoft.com/office/officeart/2005/8/layout/orgChart1" loCatId="hierarchy" qsTypeId="urn:microsoft.com/office/officeart/2005/8/quickstyle/simple1" qsCatId="simple" csTypeId="urn:microsoft.com/office/officeart/2005/8/colors/colorful5" csCatId="colorful" phldr="1"/>
+      <dgm:spPr/>
+      <dgm:t>
+        <a:bodyPr/>
+        <a:lstStyle/>
+        <a:p>
+          <a:endParaRPr lang="zh-CN" altLang="en-US"/>
+        </a:p>
+      </dgm:t>
+    </dgm:pt>
+    <dgm:pt modelId="{42E10B7E-C652-46CD-A1F7-F4F9CA850386}">
+      <dgm:prSet phldrT="[文本]"/>
+      <dgm:spPr/>
+      <dgm:t>
+        <a:bodyPr/>
+        <a:lstStyle/>
+        <a:p>
+          <a:r>
+            <a:rPr lang="en-US" altLang="zh-CN" b="0" dirty="0" smtClean="0">
+              <a:effectLst/>
+              <a:latin typeface="Times New Roman" panose="02020603050405020304" pitchFamily="18" charset="0"/>
+              <a:cs typeface="Times New Roman" panose="02020603050405020304" pitchFamily="18" charset="0"/>
+            </a:rPr>
+            <a:t>Object</a:t>
+          </a:r>
+          <a:endParaRPr lang="zh-CN" altLang="en-US" b="0" dirty="0">
+            <a:effectLst/>
+            <a:latin typeface="Times New Roman" panose="02020603050405020304" pitchFamily="18" charset="0"/>
+            <a:cs typeface="Times New Roman" panose="02020603050405020304" pitchFamily="18" charset="0"/>
+          </a:endParaRPr>
+        </a:p>
+      </dgm:t>
+    </dgm:pt>
+    <dgm:pt modelId="{FF59B0F5-5DE9-4F18-B32F-035570A8FEB9}" type="parTrans" cxnId="{6CE79A7C-BCA2-4D5F-AFC7-16C6E2329370}">
+      <dgm:prSet/>
+      <dgm:spPr/>
+      <dgm:t>
+        <a:bodyPr/>
+        <a:lstStyle/>
+        <a:p>
+          <a:endParaRPr lang="zh-CN" altLang="en-US"/>
+        </a:p>
+      </dgm:t>
+    </dgm:pt>
+    <dgm:pt modelId="{71ADBEE2-8BE0-46B2-818E-63505AF19D39}" type="sibTrans" cxnId="{6CE79A7C-BCA2-4D5F-AFC7-16C6E2329370}">
+      <dgm:prSet/>
+      <dgm:spPr/>
+      <dgm:t>
+        <a:bodyPr/>
+        <a:lstStyle/>
+        <a:p>
+          <a:endParaRPr lang="zh-CN" altLang="en-US"/>
+        </a:p>
+      </dgm:t>
+    </dgm:pt>
+    <dgm:pt modelId="{D0B30F8B-FA72-4511-B1D4-3C069DB1A2BC}">
+      <dgm:prSet phldrT="[文本]"/>
+      <dgm:spPr/>
+      <dgm:t>
+        <a:bodyPr/>
+        <a:lstStyle/>
+        <a:p>
+          <a:r>
+            <a:rPr lang="en-US" altLang="zh-CN" b="0" dirty="0" smtClean="0">
+              <a:effectLst/>
+              <a:latin typeface="Times New Roman" panose="02020603050405020304" pitchFamily="18" charset="0"/>
+              <a:cs typeface="Times New Roman" panose="02020603050405020304" pitchFamily="18" charset="0"/>
+            </a:rPr>
+            <a:t>Fundamental</a:t>
+          </a:r>
+          <a:r>
+            <a:rPr lang="zh-CN" altLang="en-US" b="0" dirty="0" smtClean="0">
+              <a:effectLst/>
+              <a:latin typeface="Times New Roman" panose="02020603050405020304" pitchFamily="18" charset="0"/>
+              <a:cs typeface="Times New Roman" panose="02020603050405020304" pitchFamily="18" charset="0"/>
+            </a:rPr>
+            <a:t>对象</a:t>
+          </a:r>
+          <a:endParaRPr lang="zh-CN" altLang="en-US" b="0" dirty="0">
+            <a:effectLst/>
+            <a:latin typeface="Times New Roman" panose="02020603050405020304" pitchFamily="18" charset="0"/>
+            <a:cs typeface="Times New Roman" panose="02020603050405020304" pitchFamily="18" charset="0"/>
+          </a:endParaRPr>
+        </a:p>
+      </dgm:t>
+    </dgm:pt>
+    <dgm:pt modelId="{03A4680A-26A7-4915-BF9A-69394B1FF421}" type="parTrans" cxnId="{D71C6532-2842-4DC7-874A-A571C5BBC356}">
+      <dgm:prSet/>
+      <dgm:spPr/>
+      <dgm:t>
+        <a:bodyPr/>
+        <a:lstStyle/>
+        <a:p>
+          <a:endParaRPr lang="zh-CN" altLang="en-US" b="0">
+            <a:effectLst/>
+            <a:latin typeface="Times New Roman" panose="02020603050405020304" pitchFamily="18" charset="0"/>
+            <a:cs typeface="Times New Roman" panose="02020603050405020304" pitchFamily="18" charset="0"/>
+          </a:endParaRPr>
+        </a:p>
+      </dgm:t>
+    </dgm:pt>
+    <dgm:pt modelId="{0772A00F-E8A1-4550-9887-F7A6A08F6755}" type="sibTrans" cxnId="{D71C6532-2842-4DC7-874A-A571C5BBC356}">
+      <dgm:prSet/>
+      <dgm:spPr/>
+      <dgm:t>
+        <a:bodyPr/>
+        <a:lstStyle/>
+        <a:p>
+          <a:endParaRPr lang="zh-CN" altLang="en-US"/>
+        </a:p>
+      </dgm:t>
+    </dgm:pt>
+    <dgm:pt modelId="{C33B2BA4-4490-49E1-8D90-5EB1326AA706}">
+      <dgm:prSet phldrT="[文本]"/>
+      <dgm:spPr/>
+      <dgm:t>
+        <a:bodyPr/>
+        <a:lstStyle/>
+        <a:p>
+          <a:r>
+            <a:rPr lang="en-US" altLang="zh-CN" b="0" dirty="0" smtClean="0">
+              <a:effectLst/>
+              <a:latin typeface="Times New Roman" panose="02020603050405020304" pitchFamily="18" charset="0"/>
+              <a:cs typeface="Times New Roman" panose="02020603050405020304" pitchFamily="18" charset="0"/>
+            </a:rPr>
+            <a:t>Numeric</a:t>
+          </a:r>
+          <a:r>
+            <a:rPr lang="zh-CN" altLang="en-US" b="0" dirty="0" smtClean="0">
+              <a:effectLst/>
+              <a:latin typeface="Times New Roman" panose="02020603050405020304" pitchFamily="18" charset="0"/>
+              <a:cs typeface="Times New Roman" panose="02020603050405020304" pitchFamily="18" charset="0"/>
+            </a:rPr>
+            <a:t>对象</a:t>
+          </a:r>
+          <a:endParaRPr lang="zh-CN" altLang="en-US" b="0" dirty="0">
+            <a:effectLst/>
+            <a:latin typeface="Times New Roman" panose="02020603050405020304" pitchFamily="18" charset="0"/>
+            <a:cs typeface="Times New Roman" panose="02020603050405020304" pitchFamily="18" charset="0"/>
+          </a:endParaRPr>
+        </a:p>
+      </dgm:t>
+    </dgm:pt>
+    <dgm:pt modelId="{EA67A1CD-5C60-4093-99B6-3D23D6B831CA}" type="parTrans" cxnId="{E22B3817-2E33-4B55-941A-7EE89447C16E}">
+      <dgm:prSet/>
+      <dgm:spPr/>
+      <dgm:t>
+        <a:bodyPr/>
+        <a:lstStyle/>
+        <a:p>
+          <a:endParaRPr lang="zh-CN" altLang="en-US" b="0">
+            <a:effectLst/>
+            <a:latin typeface="Times New Roman" panose="02020603050405020304" pitchFamily="18" charset="0"/>
+            <a:cs typeface="Times New Roman" panose="02020603050405020304" pitchFamily="18" charset="0"/>
+          </a:endParaRPr>
+        </a:p>
+      </dgm:t>
+    </dgm:pt>
+    <dgm:pt modelId="{211E380A-8F81-45B9-9665-FC8DE976A90C}" type="sibTrans" cxnId="{E22B3817-2E33-4B55-941A-7EE89447C16E}">
+      <dgm:prSet/>
+      <dgm:spPr/>
+      <dgm:t>
+        <a:bodyPr/>
+        <a:lstStyle/>
+        <a:p>
+          <a:endParaRPr lang="zh-CN" altLang="en-US"/>
+        </a:p>
+      </dgm:t>
+    </dgm:pt>
+    <dgm:pt modelId="{F8F9567E-AE5C-4B77-9750-AC213499BCA3}">
+      <dgm:prSet phldrT="[文本]"/>
+      <dgm:spPr/>
+      <dgm:t>
+        <a:bodyPr/>
+        <a:lstStyle/>
+        <a:p>
+          <a:r>
+            <a:rPr lang="en-US" altLang="zh-CN" b="0" dirty="0" smtClean="0">
+              <a:effectLst/>
+              <a:latin typeface="Times New Roman" panose="02020603050405020304" pitchFamily="18" charset="0"/>
+              <a:cs typeface="Times New Roman" panose="02020603050405020304" pitchFamily="18" charset="0"/>
+            </a:rPr>
+            <a:t>Sequence</a:t>
+          </a:r>
+          <a:r>
+            <a:rPr lang="zh-CN" altLang="en-US" b="0" dirty="0" smtClean="0">
+              <a:effectLst/>
+              <a:latin typeface="Times New Roman" panose="02020603050405020304" pitchFamily="18" charset="0"/>
+              <a:cs typeface="Times New Roman" panose="02020603050405020304" pitchFamily="18" charset="0"/>
+            </a:rPr>
+            <a:t>对象</a:t>
+          </a:r>
+          <a:endParaRPr lang="zh-CN" altLang="en-US" b="0" dirty="0">
+            <a:effectLst/>
+            <a:latin typeface="Times New Roman" panose="02020603050405020304" pitchFamily="18" charset="0"/>
+            <a:cs typeface="Times New Roman" panose="02020603050405020304" pitchFamily="18" charset="0"/>
+          </a:endParaRPr>
+        </a:p>
+      </dgm:t>
+    </dgm:pt>
+    <dgm:pt modelId="{C522A838-B632-4139-9932-BD3A68936939}" type="parTrans" cxnId="{E084F85A-C67C-4D88-B272-7E209BA1A204}">
+      <dgm:prSet/>
+      <dgm:spPr/>
+      <dgm:t>
+        <a:bodyPr/>
+        <a:lstStyle/>
+        <a:p>
+          <a:endParaRPr lang="zh-CN" altLang="en-US" b="0">
+            <a:effectLst/>
+            <a:latin typeface="Times New Roman" panose="02020603050405020304" pitchFamily="18" charset="0"/>
+            <a:cs typeface="Times New Roman" panose="02020603050405020304" pitchFamily="18" charset="0"/>
+          </a:endParaRPr>
+        </a:p>
+      </dgm:t>
+    </dgm:pt>
+    <dgm:pt modelId="{A11AE6AB-9A28-40A5-84D0-7854D16011AA}" type="sibTrans" cxnId="{E084F85A-C67C-4D88-B272-7E209BA1A204}">
+      <dgm:prSet/>
+      <dgm:spPr/>
+      <dgm:t>
+        <a:bodyPr/>
+        <a:lstStyle/>
+        <a:p>
+          <a:endParaRPr lang="zh-CN" altLang="en-US"/>
+        </a:p>
+      </dgm:t>
+    </dgm:pt>
+    <dgm:pt modelId="{259457F3-A2F7-4040-8119-12548FF0E4C4}">
+      <dgm:prSet phldrT="[文本]"/>
+      <dgm:spPr/>
+      <dgm:t>
+        <a:bodyPr/>
+        <a:lstStyle/>
+        <a:p>
+          <a:r>
+            <a:rPr lang="en-US" altLang="zh-CN" b="0" dirty="0" smtClean="0">
+              <a:effectLst/>
+              <a:latin typeface="Times New Roman" panose="02020603050405020304" pitchFamily="18" charset="0"/>
+              <a:cs typeface="Times New Roman" panose="02020603050405020304" pitchFamily="18" charset="0"/>
+            </a:rPr>
+            <a:t>Mapping</a:t>
+          </a:r>
+          <a:r>
+            <a:rPr lang="zh-CN" altLang="en-US" b="0" dirty="0" smtClean="0">
+              <a:effectLst/>
+              <a:latin typeface="Times New Roman" panose="02020603050405020304" pitchFamily="18" charset="0"/>
+              <a:cs typeface="Times New Roman" panose="02020603050405020304" pitchFamily="18" charset="0"/>
+            </a:rPr>
+            <a:t>对象</a:t>
+          </a:r>
+          <a:endParaRPr lang="zh-CN" altLang="en-US" b="0" dirty="0">
+            <a:effectLst/>
+            <a:latin typeface="Times New Roman" panose="02020603050405020304" pitchFamily="18" charset="0"/>
+            <a:cs typeface="Times New Roman" panose="02020603050405020304" pitchFamily="18" charset="0"/>
+          </a:endParaRPr>
+        </a:p>
+      </dgm:t>
+    </dgm:pt>
+    <dgm:pt modelId="{D4702F27-3D74-4AE8-A40B-211B2D8CDAC5}" type="parTrans" cxnId="{5919DF77-E068-4C33-B2D6-C99D41DA2507}">
+      <dgm:prSet/>
+      <dgm:spPr/>
+      <dgm:t>
+        <a:bodyPr/>
+        <a:lstStyle/>
+        <a:p>
+          <a:endParaRPr lang="zh-CN" altLang="en-US" b="0">
+            <a:effectLst/>
+            <a:latin typeface="Times New Roman" panose="02020603050405020304" pitchFamily="18" charset="0"/>
+            <a:cs typeface="Times New Roman" panose="02020603050405020304" pitchFamily="18" charset="0"/>
+          </a:endParaRPr>
+        </a:p>
+      </dgm:t>
+    </dgm:pt>
+    <dgm:pt modelId="{035ABD59-FBB3-4756-83FF-DC92A7C39E07}" type="sibTrans" cxnId="{5919DF77-E068-4C33-B2D6-C99D41DA2507}">
+      <dgm:prSet/>
+      <dgm:spPr/>
+      <dgm:t>
+        <a:bodyPr/>
+        <a:lstStyle/>
+        <a:p>
+          <a:endParaRPr lang="zh-CN" altLang="en-US"/>
+        </a:p>
+      </dgm:t>
+    </dgm:pt>
+    <dgm:pt modelId="{AA669442-AFA9-4638-9D15-D9268EFB8473}">
+      <dgm:prSet phldrT="[文本]"/>
+      <dgm:spPr/>
+      <dgm:t>
+        <a:bodyPr/>
+        <a:lstStyle/>
+        <a:p>
+          <a:r>
+            <a:rPr lang="en-US" altLang="zh-CN" b="0" dirty="0" err="1" smtClean="0">
+              <a:effectLst/>
+              <a:latin typeface="Times New Roman" panose="02020603050405020304" pitchFamily="18" charset="0"/>
+              <a:cs typeface="Times New Roman" panose="02020603050405020304" pitchFamily="18" charset="0"/>
+            </a:rPr>
+            <a:t>Internel</a:t>
+          </a:r>
+          <a:r>
+            <a:rPr lang="zh-CN" altLang="en-US" b="0" dirty="0" smtClean="0">
+              <a:effectLst/>
+              <a:latin typeface="Times New Roman" panose="02020603050405020304" pitchFamily="18" charset="0"/>
+              <a:cs typeface="Times New Roman" panose="02020603050405020304" pitchFamily="18" charset="0"/>
+            </a:rPr>
+            <a:t>对象</a:t>
+          </a:r>
+          <a:endParaRPr lang="zh-CN" altLang="en-US" b="0" dirty="0">
+            <a:effectLst/>
+            <a:latin typeface="Times New Roman" panose="02020603050405020304" pitchFamily="18" charset="0"/>
+            <a:cs typeface="Times New Roman" panose="02020603050405020304" pitchFamily="18" charset="0"/>
+          </a:endParaRPr>
+        </a:p>
+      </dgm:t>
+    </dgm:pt>
+    <dgm:pt modelId="{C34629F0-9C91-4FFE-9844-2FC9C3C07709}" type="parTrans" cxnId="{36ED5AFE-C3BC-4348-82F2-70D97CE43D60}">
+      <dgm:prSet/>
+      <dgm:spPr/>
+      <dgm:t>
+        <a:bodyPr/>
+        <a:lstStyle/>
+        <a:p>
+          <a:endParaRPr lang="zh-CN" altLang="en-US" b="0">
+            <a:effectLst/>
+            <a:latin typeface="Times New Roman" panose="02020603050405020304" pitchFamily="18" charset="0"/>
+            <a:cs typeface="Times New Roman" panose="02020603050405020304" pitchFamily="18" charset="0"/>
+          </a:endParaRPr>
+        </a:p>
+      </dgm:t>
+    </dgm:pt>
+    <dgm:pt modelId="{587514E5-7F08-4B56-BDCE-ED5439D2E40E}" type="sibTrans" cxnId="{36ED5AFE-C3BC-4348-82F2-70D97CE43D60}">
+      <dgm:prSet/>
+      <dgm:spPr/>
+      <dgm:t>
+        <a:bodyPr/>
+        <a:lstStyle/>
+        <a:p>
+          <a:endParaRPr lang="zh-CN" altLang="en-US"/>
+        </a:p>
+      </dgm:t>
+    </dgm:pt>
+    <dgm:pt modelId="{816F1371-12C8-49E9-B468-23548F725860}">
+      <dgm:prSet phldrT="[文本]"/>
+      <dgm:spPr/>
+      <dgm:t>
+        <a:bodyPr/>
+        <a:lstStyle/>
+        <a:p>
+          <a:r>
+            <a:rPr lang="en-US" altLang="zh-CN" b="0" dirty="0" smtClean="0">
+              <a:effectLst/>
+              <a:latin typeface="Times New Roman" panose="02020603050405020304" pitchFamily="18" charset="0"/>
+              <a:cs typeface="Times New Roman" panose="02020603050405020304" pitchFamily="18" charset="0"/>
+            </a:rPr>
+            <a:t>type</a:t>
+          </a:r>
+          <a:endParaRPr lang="zh-CN" altLang="en-US" b="0" dirty="0">
+            <a:effectLst/>
+            <a:latin typeface="Times New Roman" panose="02020603050405020304" pitchFamily="18" charset="0"/>
+            <a:cs typeface="Times New Roman" panose="02020603050405020304" pitchFamily="18" charset="0"/>
+          </a:endParaRPr>
+        </a:p>
+      </dgm:t>
+    </dgm:pt>
+    <dgm:pt modelId="{9BAC4BEF-4605-428C-9F2B-165052BC7884}" type="parTrans" cxnId="{8F873E8E-BAEC-4991-A12C-D54475EE0932}">
+      <dgm:prSet/>
+      <dgm:spPr/>
+      <dgm:t>
+        <a:bodyPr/>
+        <a:lstStyle/>
+        <a:p>
+          <a:endParaRPr lang="zh-CN" altLang="en-US" b="0">
+            <a:effectLst/>
+            <a:latin typeface="Times New Roman" panose="02020603050405020304" pitchFamily="18" charset="0"/>
+            <a:cs typeface="Times New Roman" panose="02020603050405020304" pitchFamily="18" charset="0"/>
+          </a:endParaRPr>
+        </a:p>
+      </dgm:t>
+    </dgm:pt>
+    <dgm:pt modelId="{DF61EDDC-13CC-41BD-9B0A-280820487FBA}" type="sibTrans" cxnId="{8F873E8E-BAEC-4991-A12C-D54475EE0932}">
+      <dgm:prSet/>
+      <dgm:spPr/>
+      <dgm:t>
+        <a:bodyPr/>
+        <a:lstStyle/>
+        <a:p>
+          <a:endParaRPr lang="zh-CN" altLang="en-US"/>
+        </a:p>
+      </dgm:t>
+    </dgm:pt>
+    <dgm:pt modelId="{D3FF7AA2-2D47-47AC-AC10-4D27659E8005}">
+      <dgm:prSet phldrT="[文本]"/>
+      <dgm:spPr/>
+      <dgm:t>
+        <a:bodyPr/>
+        <a:lstStyle/>
+        <a:p>
+          <a:r>
+            <a:rPr lang="en-US" altLang="zh-CN" b="0" dirty="0" err="1" smtClean="0">
+              <a:effectLst/>
+              <a:latin typeface="Times New Roman" panose="02020603050405020304" pitchFamily="18" charset="0"/>
+              <a:cs typeface="Times New Roman" panose="02020603050405020304" pitchFamily="18" charset="0"/>
+            </a:rPr>
+            <a:t>interger</a:t>
+          </a:r>
+          <a:endParaRPr lang="zh-CN" altLang="en-US" b="0" dirty="0">
+            <a:effectLst/>
+            <a:latin typeface="Times New Roman" panose="02020603050405020304" pitchFamily="18" charset="0"/>
+            <a:cs typeface="Times New Roman" panose="02020603050405020304" pitchFamily="18" charset="0"/>
+          </a:endParaRPr>
+        </a:p>
+      </dgm:t>
+    </dgm:pt>
+    <dgm:pt modelId="{D0D3D2E7-2A9C-4751-A53E-CCE21297CEAB}" type="parTrans" cxnId="{791B9946-065A-49D1-AB0D-3F2BCE9C1146}">
+      <dgm:prSet/>
+      <dgm:spPr/>
+      <dgm:t>
+        <a:bodyPr/>
+        <a:lstStyle/>
+        <a:p>
+          <a:endParaRPr lang="zh-CN" altLang="en-US" b="0">
+            <a:effectLst/>
+            <a:latin typeface="Times New Roman" panose="02020603050405020304" pitchFamily="18" charset="0"/>
+            <a:cs typeface="Times New Roman" panose="02020603050405020304" pitchFamily="18" charset="0"/>
+          </a:endParaRPr>
+        </a:p>
+      </dgm:t>
+    </dgm:pt>
+    <dgm:pt modelId="{194534E1-9C5E-4A34-BECB-F87DC85C98A2}" type="sibTrans" cxnId="{791B9946-065A-49D1-AB0D-3F2BCE9C1146}">
+      <dgm:prSet/>
+      <dgm:spPr/>
+      <dgm:t>
+        <a:bodyPr/>
+        <a:lstStyle/>
+        <a:p>
+          <a:endParaRPr lang="zh-CN" altLang="en-US"/>
+        </a:p>
+      </dgm:t>
+    </dgm:pt>
+    <dgm:pt modelId="{F4105D80-F568-4B62-9921-0BB11ED7E0CF}">
+      <dgm:prSet phldrT="[文本]"/>
+      <dgm:spPr/>
+      <dgm:t>
+        <a:bodyPr/>
+        <a:lstStyle/>
+        <a:p>
+          <a:r>
+            <a:rPr lang="en-US" altLang="zh-CN" b="0" dirty="0" smtClean="0">
+              <a:effectLst/>
+              <a:latin typeface="Times New Roman" panose="02020603050405020304" pitchFamily="18" charset="0"/>
+              <a:cs typeface="Times New Roman" panose="02020603050405020304" pitchFamily="18" charset="0"/>
+            </a:rPr>
+            <a:t>float</a:t>
+          </a:r>
+          <a:endParaRPr lang="zh-CN" altLang="en-US" b="0" dirty="0">
+            <a:effectLst/>
+            <a:latin typeface="Times New Roman" panose="02020603050405020304" pitchFamily="18" charset="0"/>
+            <a:cs typeface="Times New Roman" panose="02020603050405020304" pitchFamily="18" charset="0"/>
+          </a:endParaRPr>
+        </a:p>
+      </dgm:t>
+    </dgm:pt>
+    <dgm:pt modelId="{C8300993-DD72-419F-A6A7-9A39137349D0}" type="parTrans" cxnId="{C618709A-499F-4F75-A1B2-45DBAD9148D6}">
+      <dgm:prSet/>
+      <dgm:spPr/>
+      <dgm:t>
+        <a:bodyPr/>
+        <a:lstStyle/>
+        <a:p>
+          <a:endParaRPr lang="zh-CN" altLang="en-US" b="0">
+            <a:effectLst/>
+            <a:latin typeface="Times New Roman" panose="02020603050405020304" pitchFamily="18" charset="0"/>
+            <a:cs typeface="Times New Roman" panose="02020603050405020304" pitchFamily="18" charset="0"/>
+          </a:endParaRPr>
+        </a:p>
+      </dgm:t>
+    </dgm:pt>
+    <dgm:pt modelId="{9E80806E-30EC-4696-B32C-5EE5A1D0ADF9}" type="sibTrans" cxnId="{C618709A-499F-4F75-A1B2-45DBAD9148D6}">
+      <dgm:prSet/>
+      <dgm:spPr/>
+      <dgm:t>
+        <a:bodyPr/>
+        <a:lstStyle/>
+        <a:p>
+          <a:endParaRPr lang="zh-CN" altLang="en-US"/>
+        </a:p>
+      </dgm:t>
+    </dgm:pt>
+    <dgm:pt modelId="{6072F66C-AE01-4856-81C7-F3B0DCB4E3B7}">
+      <dgm:prSet phldrT="[文本]"/>
+      <dgm:spPr/>
+      <dgm:t>
+        <a:bodyPr/>
+        <a:lstStyle/>
+        <a:p>
+          <a:r>
+            <a:rPr lang="en-US" altLang="zh-CN" b="0" dirty="0" err="1" smtClean="0">
+              <a:effectLst/>
+              <a:latin typeface="Times New Roman" panose="02020603050405020304" pitchFamily="18" charset="0"/>
+              <a:cs typeface="Times New Roman" panose="02020603050405020304" pitchFamily="18" charset="0"/>
+            </a:rPr>
+            <a:t>boolean</a:t>
+          </a:r>
+          <a:endParaRPr lang="zh-CN" altLang="en-US" b="0" dirty="0">
+            <a:effectLst/>
+            <a:latin typeface="Times New Roman" panose="02020603050405020304" pitchFamily="18" charset="0"/>
+            <a:cs typeface="Times New Roman" panose="02020603050405020304" pitchFamily="18" charset="0"/>
+          </a:endParaRPr>
+        </a:p>
+      </dgm:t>
+    </dgm:pt>
+    <dgm:pt modelId="{7210CC70-C8B7-4A05-A262-5558FBC95A0B}" type="parTrans" cxnId="{36699EAC-D08E-4ABE-AA2E-309A04A5205C}">
+      <dgm:prSet/>
+      <dgm:spPr/>
+      <dgm:t>
+        <a:bodyPr/>
+        <a:lstStyle/>
+        <a:p>
+          <a:endParaRPr lang="zh-CN" altLang="en-US" b="0">
+            <a:effectLst/>
+            <a:latin typeface="Times New Roman" panose="02020603050405020304" pitchFamily="18" charset="0"/>
+            <a:cs typeface="Times New Roman" panose="02020603050405020304" pitchFamily="18" charset="0"/>
+          </a:endParaRPr>
+        </a:p>
+      </dgm:t>
+    </dgm:pt>
+    <dgm:pt modelId="{742BF5AE-78E9-42AB-BA2A-766B9D5B0A64}" type="sibTrans" cxnId="{36699EAC-D08E-4ABE-AA2E-309A04A5205C}">
+      <dgm:prSet/>
+      <dgm:spPr/>
+      <dgm:t>
+        <a:bodyPr/>
+        <a:lstStyle/>
+        <a:p>
+          <a:endParaRPr lang="zh-CN" altLang="en-US"/>
+        </a:p>
+      </dgm:t>
+    </dgm:pt>
+    <dgm:pt modelId="{F0729740-3784-4B42-B9B8-057D248322AC}">
+      <dgm:prSet phldrT="[文本]"/>
+      <dgm:spPr/>
+      <dgm:t>
+        <a:bodyPr/>
+        <a:lstStyle/>
+        <a:p>
+          <a:r>
+            <a:rPr lang="en-US" altLang="zh-CN" b="0" dirty="0" smtClean="0">
+              <a:effectLst/>
+              <a:latin typeface="Times New Roman" panose="02020603050405020304" pitchFamily="18" charset="0"/>
+              <a:cs typeface="Times New Roman" panose="02020603050405020304" pitchFamily="18" charset="0"/>
+            </a:rPr>
+            <a:t>string</a:t>
+          </a:r>
+          <a:endParaRPr lang="zh-CN" altLang="en-US" b="0" dirty="0">
+            <a:effectLst/>
+            <a:latin typeface="Times New Roman" panose="02020603050405020304" pitchFamily="18" charset="0"/>
+            <a:cs typeface="Times New Roman" panose="02020603050405020304" pitchFamily="18" charset="0"/>
+          </a:endParaRPr>
+        </a:p>
+      </dgm:t>
+    </dgm:pt>
+    <dgm:pt modelId="{E69E8D6C-0C5F-469C-B5C7-198070AE2824}" type="parTrans" cxnId="{09903F3B-589F-4A17-B2D9-90CBCC4386B5}">
+      <dgm:prSet/>
+      <dgm:spPr/>
+      <dgm:t>
+        <a:bodyPr/>
+        <a:lstStyle/>
+        <a:p>
+          <a:endParaRPr lang="zh-CN" altLang="en-US" b="0">
+            <a:effectLst/>
+            <a:latin typeface="Times New Roman" panose="02020603050405020304" pitchFamily="18" charset="0"/>
+            <a:cs typeface="Times New Roman" panose="02020603050405020304" pitchFamily="18" charset="0"/>
+          </a:endParaRPr>
+        </a:p>
+      </dgm:t>
+    </dgm:pt>
+    <dgm:pt modelId="{14F89168-151E-4F22-B255-4011235876BD}" type="sibTrans" cxnId="{09903F3B-589F-4A17-B2D9-90CBCC4386B5}">
+      <dgm:prSet/>
+      <dgm:spPr/>
+      <dgm:t>
+        <a:bodyPr/>
+        <a:lstStyle/>
+        <a:p>
+          <a:endParaRPr lang="zh-CN" altLang="en-US"/>
+        </a:p>
+      </dgm:t>
+    </dgm:pt>
+    <dgm:pt modelId="{EE8291EC-6840-41D1-A872-05149A2E0E20}">
+      <dgm:prSet phldrT="[文本]"/>
+      <dgm:spPr/>
+      <dgm:t>
+        <a:bodyPr/>
+        <a:lstStyle/>
+        <a:p>
+          <a:r>
+            <a:rPr lang="en-US" altLang="zh-CN" b="0" dirty="0" smtClean="0">
+              <a:effectLst/>
+              <a:latin typeface="Times New Roman" panose="02020603050405020304" pitchFamily="18" charset="0"/>
+              <a:cs typeface="Times New Roman" panose="02020603050405020304" pitchFamily="18" charset="0"/>
+            </a:rPr>
+            <a:t>list</a:t>
+          </a:r>
+          <a:endParaRPr lang="zh-CN" altLang="en-US" b="0" dirty="0">
+            <a:effectLst/>
+            <a:latin typeface="Times New Roman" panose="02020603050405020304" pitchFamily="18" charset="0"/>
+            <a:cs typeface="Times New Roman" panose="02020603050405020304" pitchFamily="18" charset="0"/>
+          </a:endParaRPr>
+        </a:p>
+      </dgm:t>
+    </dgm:pt>
+    <dgm:pt modelId="{3DD6F2CB-8B60-4782-9C2A-838600FAB469}" type="parTrans" cxnId="{1FA2AE2A-33B3-481C-9641-76B5519AA696}">
+      <dgm:prSet/>
+      <dgm:spPr/>
+      <dgm:t>
+        <a:bodyPr/>
+        <a:lstStyle/>
+        <a:p>
+          <a:endParaRPr lang="zh-CN" altLang="en-US" b="0">
+            <a:effectLst/>
+            <a:latin typeface="Times New Roman" panose="02020603050405020304" pitchFamily="18" charset="0"/>
+            <a:cs typeface="Times New Roman" panose="02020603050405020304" pitchFamily="18" charset="0"/>
+          </a:endParaRPr>
+        </a:p>
+      </dgm:t>
+    </dgm:pt>
+    <dgm:pt modelId="{B518D7D2-ED88-488B-B416-CB40E4D789B7}" type="sibTrans" cxnId="{1FA2AE2A-33B3-481C-9641-76B5519AA696}">
+      <dgm:prSet/>
+      <dgm:spPr/>
+      <dgm:t>
+        <a:bodyPr/>
+        <a:lstStyle/>
+        <a:p>
+          <a:endParaRPr lang="zh-CN" altLang="en-US"/>
+        </a:p>
+      </dgm:t>
+    </dgm:pt>
+    <dgm:pt modelId="{07A89508-7297-4037-9FAC-E5A487E7EC39}">
+      <dgm:prSet phldrT="[文本]"/>
+      <dgm:spPr/>
+      <dgm:t>
+        <a:bodyPr/>
+        <a:lstStyle/>
+        <a:p>
+          <a:r>
+            <a:rPr lang="en-US" altLang="zh-CN" b="0" dirty="0" smtClean="0">
+              <a:effectLst/>
+              <a:latin typeface="Times New Roman" panose="02020603050405020304" pitchFamily="18" charset="0"/>
+              <a:cs typeface="Times New Roman" panose="02020603050405020304" pitchFamily="18" charset="0"/>
+            </a:rPr>
+            <a:t>tuple</a:t>
+          </a:r>
+          <a:endParaRPr lang="zh-CN" altLang="en-US" b="0" dirty="0">
+            <a:effectLst/>
+            <a:latin typeface="Times New Roman" panose="02020603050405020304" pitchFamily="18" charset="0"/>
+            <a:cs typeface="Times New Roman" panose="02020603050405020304" pitchFamily="18" charset="0"/>
+          </a:endParaRPr>
+        </a:p>
+      </dgm:t>
+    </dgm:pt>
+    <dgm:pt modelId="{13DD89E8-AB0B-47EE-B6EC-EAA6E0736582}" type="parTrans" cxnId="{8AD4E5C8-2E91-49B9-92EF-BC37EC8D29A1}">
+      <dgm:prSet/>
+      <dgm:spPr/>
+      <dgm:t>
+        <a:bodyPr/>
+        <a:lstStyle/>
+        <a:p>
+          <a:endParaRPr lang="zh-CN" altLang="en-US" b="0">
+            <a:effectLst/>
+            <a:latin typeface="Times New Roman" panose="02020603050405020304" pitchFamily="18" charset="0"/>
+            <a:cs typeface="Times New Roman" panose="02020603050405020304" pitchFamily="18" charset="0"/>
+          </a:endParaRPr>
+        </a:p>
+      </dgm:t>
+    </dgm:pt>
+    <dgm:pt modelId="{9F13728A-FC06-4C70-866B-FE45C9F6D5FA}" type="sibTrans" cxnId="{8AD4E5C8-2E91-49B9-92EF-BC37EC8D29A1}">
+      <dgm:prSet/>
+      <dgm:spPr/>
+      <dgm:t>
+        <a:bodyPr/>
+        <a:lstStyle/>
+        <a:p>
+          <a:endParaRPr lang="zh-CN" altLang="en-US"/>
+        </a:p>
+      </dgm:t>
+    </dgm:pt>
+    <dgm:pt modelId="{B805F03B-E534-4BB2-93CE-BBEA772F6E90}">
+      <dgm:prSet phldrT="[文本]"/>
+      <dgm:spPr/>
+      <dgm:t>
+        <a:bodyPr/>
+        <a:lstStyle/>
+        <a:p>
+          <a:r>
+            <a:rPr lang="en-US" altLang="zh-CN" b="0" dirty="0" err="1" smtClean="0">
+              <a:effectLst/>
+              <a:latin typeface="Times New Roman" panose="02020603050405020304" pitchFamily="18" charset="0"/>
+              <a:cs typeface="Times New Roman" panose="02020603050405020304" pitchFamily="18" charset="0"/>
+            </a:rPr>
+            <a:t>dict</a:t>
+          </a:r>
+          <a:endParaRPr lang="zh-CN" altLang="en-US" b="0" dirty="0">
+            <a:effectLst/>
+            <a:latin typeface="Times New Roman" panose="02020603050405020304" pitchFamily="18" charset="0"/>
+            <a:cs typeface="Times New Roman" panose="02020603050405020304" pitchFamily="18" charset="0"/>
+          </a:endParaRPr>
+        </a:p>
+      </dgm:t>
+    </dgm:pt>
+    <dgm:pt modelId="{38561880-53F5-495B-AA10-D56B5C5F9A5D}" type="parTrans" cxnId="{C35EEE2B-964C-4FDE-A49F-7CE253878D3F}">
+      <dgm:prSet/>
+      <dgm:spPr/>
+      <dgm:t>
+        <a:bodyPr/>
+        <a:lstStyle/>
+        <a:p>
+          <a:endParaRPr lang="zh-CN" altLang="en-US" b="0">
+            <a:effectLst/>
+            <a:latin typeface="Times New Roman" panose="02020603050405020304" pitchFamily="18" charset="0"/>
+            <a:cs typeface="Times New Roman" panose="02020603050405020304" pitchFamily="18" charset="0"/>
+          </a:endParaRPr>
+        </a:p>
+      </dgm:t>
+    </dgm:pt>
+    <dgm:pt modelId="{EBB3ABA0-DB44-42E5-9E7D-9EA61949F831}" type="sibTrans" cxnId="{C35EEE2B-964C-4FDE-A49F-7CE253878D3F}">
+      <dgm:prSet/>
+      <dgm:spPr/>
+      <dgm:t>
+        <a:bodyPr/>
+        <a:lstStyle/>
+        <a:p>
+          <a:endParaRPr lang="zh-CN" altLang="en-US"/>
+        </a:p>
+      </dgm:t>
+    </dgm:pt>
+    <dgm:pt modelId="{17DD4CB2-CAD6-4B6B-A45C-D22F9C23E315}">
+      <dgm:prSet phldrT="[文本]"/>
+      <dgm:spPr/>
+      <dgm:t>
+        <a:bodyPr/>
+        <a:lstStyle/>
+        <a:p>
+          <a:r>
+            <a:rPr lang="en-US" altLang="zh-CN" b="0" dirty="0" smtClean="0">
+              <a:effectLst/>
+              <a:latin typeface="Times New Roman" panose="02020603050405020304" pitchFamily="18" charset="0"/>
+              <a:cs typeface="Times New Roman" panose="02020603050405020304" pitchFamily="18" charset="0"/>
+            </a:rPr>
+            <a:t>function</a:t>
+          </a:r>
+          <a:endParaRPr lang="zh-CN" altLang="en-US" b="0" dirty="0">
+            <a:effectLst/>
+            <a:latin typeface="Times New Roman" panose="02020603050405020304" pitchFamily="18" charset="0"/>
+            <a:cs typeface="Times New Roman" panose="02020603050405020304" pitchFamily="18" charset="0"/>
+          </a:endParaRPr>
+        </a:p>
+      </dgm:t>
+    </dgm:pt>
+    <dgm:pt modelId="{D6748C1B-B1D7-4E81-9296-0686D8FE7D39}" type="parTrans" cxnId="{F717549A-E6BD-44FB-A56A-81FCC6CD5A75}">
+      <dgm:prSet/>
+      <dgm:spPr/>
+      <dgm:t>
+        <a:bodyPr/>
+        <a:lstStyle/>
+        <a:p>
+          <a:endParaRPr lang="zh-CN" altLang="en-US" b="0">
+            <a:effectLst/>
+            <a:latin typeface="Times New Roman" panose="02020603050405020304" pitchFamily="18" charset="0"/>
+            <a:cs typeface="Times New Roman" panose="02020603050405020304" pitchFamily="18" charset="0"/>
+          </a:endParaRPr>
+        </a:p>
+      </dgm:t>
+    </dgm:pt>
+    <dgm:pt modelId="{B71ACD82-DFBF-40AA-A00F-DA792B98D275}" type="sibTrans" cxnId="{F717549A-E6BD-44FB-A56A-81FCC6CD5A75}">
+      <dgm:prSet/>
+      <dgm:spPr/>
+      <dgm:t>
+        <a:bodyPr/>
+        <a:lstStyle/>
+        <a:p>
+          <a:endParaRPr lang="zh-CN" altLang="en-US"/>
+        </a:p>
+      </dgm:t>
+    </dgm:pt>
+    <dgm:pt modelId="{02231D59-5A50-4F41-9FAE-4E5E8E5238BB}">
+      <dgm:prSet phldrT="[文本]"/>
+      <dgm:spPr/>
+      <dgm:t>
+        <a:bodyPr/>
+        <a:lstStyle/>
+        <a:p>
+          <a:r>
+            <a:rPr lang="en-US" altLang="zh-CN" b="0" dirty="0" smtClean="0">
+              <a:effectLst/>
+              <a:latin typeface="Times New Roman" panose="02020603050405020304" pitchFamily="18" charset="0"/>
+              <a:cs typeface="Times New Roman" panose="02020603050405020304" pitchFamily="18" charset="0"/>
+            </a:rPr>
+            <a:t>code</a:t>
+          </a:r>
+          <a:endParaRPr lang="zh-CN" altLang="en-US" b="0" dirty="0">
+            <a:effectLst/>
+            <a:latin typeface="Times New Roman" panose="02020603050405020304" pitchFamily="18" charset="0"/>
+            <a:cs typeface="Times New Roman" panose="02020603050405020304" pitchFamily="18" charset="0"/>
+          </a:endParaRPr>
+        </a:p>
+      </dgm:t>
+    </dgm:pt>
+    <dgm:pt modelId="{6238D8DA-A478-45CF-8A8D-BC11A88B5077}" type="parTrans" cxnId="{936FEAE1-4A33-4538-9C6F-2EB13AEF79CB}">
+      <dgm:prSet/>
+      <dgm:spPr/>
+      <dgm:t>
+        <a:bodyPr/>
+        <a:lstStyle/>
+        <a:p>
+          <a:endParaRPr lang="zh-CN" altLang="en-US" b="0">
+            <a:effectLst/>
+            <a:latin typeface="Times New Roman" panose="02020603050405020304" pitchFamily="18" charset="0"/>
+            <a:cs typeface="Times New Roman" panose="02020603050405020304" pitchFamily="18" charset="0"/>
+          </a:endParaRPr>
+        </a:p>
+      </dgm:t>
+    </dgm:pt>
+    <dgm:pt modelId="{1E835D52-1352-402D-A86B-E621E3986A5B}" type="sibTrans" cxnId="{936FEAE1-4A33-4538-9C6F-2EB13AEF79CB}">
+      <dgm:prSet/>
+      <dgm:spPr/>
+      <dgm:t>
+        <a:bodyPr/>
+        <a:lstStyle/>
+        <a:p>
+          <a:endParaRPr lang="zh-CN" altLang="en-US"/>
+        </a:p>
+      </dgm:t>
+    </dgm:pt>
+    <dgm:pt modelId="{B76318E2-9F75-475A-BF9A-74F701842B67}">
+      <dgm:prSet phldrT="[文本]"/>
+      <dgm:spPr/>
+      <dgm:t>
+        <a:bodyPr/>
+        <a:lstStyle/>
+        <a:p>
+          <a:r>
+            <a:rPr lang="en-US" altLang="zh-CN" b="0" dirty="0" smtClean="0">
+              <a:effectLst/>
+              <a:latin typeface="Times New Roman" panose="02020603050405020304" pitchFamily="18" charset="0"/>
+              <a:cs typeface="Times New Roman" panose="02020603050405020304" pitchFamily="18" charset="0"/>
+            </a:rPr>
+            <a:t>frame</a:t>
+          </a:r>
+          <a:endParaRPr lang="zh-CN" altLang="en-US" b="0" dirty="0">
+            <a:effectLst/>
+            <a:latin typeface="Times New Roman" panose="02020603050405020304" pitchFamily="18" charset="0"/>
+            <a:cs typeface="Times New Roman" panose="02020603050405020304" pitchFamily="18" charset="0"/>
+          </a:endParaRPr>
+        </a:p>
+      </dgm:t>
+    </dgm:pt>
+    <dgm:pt modelId="{F3C967ED-1410-4005-B670-E8DB91E5D23A}" type="parTrans" cxnId="{95C8CAEC-1114-46DD-BB27-8EDC2221DBE4}">
+      <dgm:prSet/>
+      <dgm:spPr/>
+      <dgm:t>
+        <a:bodyPr/>
+        <a:lstStyle/>
+        <a:p>
+          <a:endParaRPr lang="zh-CN" altLang="en-US" b="0">
+            <a:effectLst/>
+            <a:latin typeface="Times New Roman" panose="02020603050405020304" pitchFamily="18" charset="0"/>
+            <a:cs typeface="Times New Roman" panose="02020603050405020304" pitchFamily="18" charset="0"/>
+          </a:endParaRPr>
+        </a:p>
+      </dgm:t>
+    </dgm:pt>
+    <dgm:pt modelId="{3ED98B3D-8136-4E5C-8243-C8B988F4C344}" type="sibTrans" cxnId="{95C8CAEC-1114-46DD-BB27-8EDC2221DBE4}">
+      <dgm:prSet/>
+      <dgm:spPr/>
+      <dgm:t>
+        <a:bodyPr/>
+        <a:lstStyle/>
+        <a:p>
+          <a:endParaRPr lang="zh-CN" altLang="en-US"/>
+        </a:p>
+      </dgm:t>
+    </dgm:pt>
+    <dgm:pt modelId="{5DDABE47-A054-4792-B0F5-197352F33D17}">
+      <dgm:prSet phldrT="[文本]"/>
+      <dgm:spPr/>
+      <dgm:t>
+        <a:bodyPr/>
+        <a:lstStyle/>
+        <a:p>
+          <a:r>
+            <a:rPr lang="en-US" altLang="zh-CN" b="0" dirty="0" smtClean="0">
+              <a:effectLst/>
+              <a:latin typeface="Times New Roman" panose="02020603050405020304" pitchFamily="18" charset="0"/>
+              <a:cs typeface="Times New Roman" panose="02020603050405020304" pitchFamily="18" charset="0"/>
+            </a:rPr>
+            <a:t>module</a:t>
+          </a:r>
+          <a:endParaRPr lang="zh-CN" altLang="en-US" b="0" dirty="0">
+            <a:effectLst/>
+            <a:latin typeface="Times New Roman" panose="02020603050405020304" pitchFamily="18" charset="0"/>
+            <a:cs typeface="Times New Roman" panose="02020603050405020304" pitchFamily="18" charset="0"/>
+          </a:endParaRPr>
+        </a:p>
+      </dgm:t>
+    </dgm:pt>
+    <dgm:pt modelId="{EF1D593E-95F2-43BC-AAA6-9D1C586DE820}" type="parTrans" cxnId="{BF42C43B-97E4-403C-ACDB-1ED6D99A6A58}">
+      <dgm:prSet/>
+      <dgm:spPr/>
+      <dgm:t>
+        <a:bodyPr/>
+        <a:lstStyle/>
+        <a:p>
+          <a:endParaRPr lang="zh-CN" altLang="en-US" b="0">
+            <a:effectLst/>
+            <a:latin typeface="Times New Roman" panose="02020603050405020304" pitchFamily="18" charset="0"/>
+            <a:cs typeface="Times New Roman" panose="02020603050405020304" pitchFamily="18" charset="0"/>
+          </a:endParaRPr>
+        </a:p>
+      </dgm:t>
+    </dgm:pt>
+    <dgm:pt modelId="{262CD6D7-AF57-4DEB-88B5-AF3E030C3E50}" type="sibTrans" cxnId="{BF42C43B-97E4-403C-ACDB-1ED6D99A6A58}">
+      <dgm:prSet/>
+      <dgm:spPr/>
+      <dgm:t>
+        <a:bodyPr/>
+        <a:lstStyle/>
+        <a:p>
+          <a:endParaRPr lang="zh-CN" altLang="en-US"/>
+        </a:p>
+      </dgm:t>
+    </dgm:pt>
+    <dgm:pt modelId="{474EB636-F6D2-4BEA-B5C6-FCD7E90DA93F}">
+      <dgm:prSet phldrT="[文本]"/>
+      <dgm:spPr/>
+      <dgm:t>
+        <a:bodyPr/>
+        <a:lstStyle/>
+        <a:p>
+          <a:r>
+            <a:rPr lang="en-US" altLang="zh-CN" b="0" dirty="0" smtClean="0">
+              <a:effectLst/>
+              <a:latin typeface="Times New Roman" panose="02020603050405020304" pitchFamily="18" charset="0"/>
+              <a:cs typeface="Times New Roman" panose="02020603050405020304" pitchFamily="18" charset="0"/>
+            </a:rPr>
+            <a:t>method</a:t>
+          </a:r>
+          <a:endParaRPr lang="zh-CN" altLang="en-US" b="0" dirty="0">
+            <a:effectLst/>
+            <a:latin typeface="Times New Roman" panose="02020603050405020304" pitchFamily="18" charset="0"/>
+            <a:cs typeface="Times New Roman" panose="02020603050405020304" pitchFamily="18" charset="0"/>
+          </a:endParaRPr>
+        </a:p>
+      </dgm:t>
+    </dgm:pt>
+    <dgm:pt modelId="{DCD77A3C-F27C-46FB-BE70-106027A905B5}" type="parTrans" cxnId="{53C4FAE8-0F3F-4C9B-AA17-67D934C3EA36}">
+      <dgm:prSet/>
+      <dgm:spPr/>
+      <dgm:t>
+        <a:bodyPr/>
+        <a:lstStyle/>
+        <a:p>
+          <a:endParaRPr lang="zh-CN" altLang="en-US" b="0">
+            <a:effectLst/>
+            <a:latin typeface="Times New Roman" panose="02020603050405020304" pitchFamily="18" charset="0"/>
+            <a:cs typeface="Times New Roman" panose="02020603050405020304" pitchFamily="18" charset="0"/>
+          </a:endParaRPr>
+        </a:p>
+      </dgm:t>
+    </dgm:pt>
+    <dgm:pt modelId="{16E6A59E-2806-4213-AB41-46CC50A760F7}" type="sibTrans" cxnId="{53C4FAE8-0F3F-4C9B-AA17-67D934C3EA36}">
+      <dgm:prSet/>
+      <dgm:spPr/>
+      <dgm:t>
+        <a:bodyPr/>
+        <a:lstStyle/>
+        <a:p>
+          <a:endParaRPr lang="zh-CN" altLang="en-US"/>
+        </a:p>
+      </dgm:t>
+    </dgm:pt>
+    <dgm:pt modelId="{FC48A866-2176-4600-BEE6-1E16116E28E7}" type="pres">
+      <dgm:prSet presAssocID="{F0C633E5-CC93-453D-A847-9FD1AC1129B5}" presName="hierChild1" presStyleCnt="0">
+        <dgm:presLayoutVars>
+          <dgm:orgChart val="1"/>
+          <dgm:chPref val="1"/>
+          <dgm:dir/>
+          <dgm:animOne val="branch"/>
+          <dgm:animLvl val="lvl"/>
+          <dgm:resizeHandles/>
+        </dgm:presLayoutVars>
+      </dgm:prSet>
+      <dgm:spPr/>
+    </dgm:pt>
+    <dgm:pt modelId="{5A2E1D5E-1319-4B66-890A-D931A72AEAA6}" type="pres">
+      <dgm:prSet presAssocID="{42E10B7E-C652-46CD-A1F7-F4F9CA850386}" presName="hierRoot1" presStyleCnt="0">
+        <dgm:presLayoutVars>
+          <dgm:hierBranch val="init"/>
+        </dgm:presLayoutVars>
+      </dgm:prSet>
+      <dgm:spPr/>
+    </dgm:pt>
+    <dgm:pt modelId="{8E87EAD0-6602-4E87-9D84-51B9BE40F00E}" type="pres">
+      <dgm:prSet presAssocID="{42E10B7E-C652-46CD-A1F7-F4F9CA850386}" presName="rootComposite1" presStyleCnt="0"/>
+      <dgm:spPr/>
+    </dgm:pt>
+    <dgm:pt modelId="{4F8A7480-05DF-422C-845F-C1C655830D7C}" type="pres">
+      <dgm:prSet presAssocID="{42E10B7E-C652-46CD-A1F7-F4F9CA850386}" presName="rootText1" presStyleLbl="node0" presStyleIdx="0" presStyleCnt="1">
+        <dgm:presLayoutVars>
+          <dgm:chPref val="3"/>
+        </dgm:presLayoutVars>
+      </dgm:prSet>
+      <dgm:spPr/>
+    </dgm:pt>
+    <dgm:pt modelId="{E0F34EC7-560D-47B3-9815-71ADA179FCB4}" type="pres">
+      <dgm:prSet presAssocID="{42E10B7E-C652-46CD-A1F7-F4F9CA850386}" presName="rootConnector1" presStyleLbl="node1" presStyleIdx="0" presStyleCnt="0"/>
+      <dgm:spPr/>
+    </dgm:pt>
+    <dgm:pt modelId="{06B7368C-D8C5-42E2-90D1-FA6D28C20718}" type="pres">
+      <dgm:prSet presAssocID="{42E10B7E-C652-46CD-A1F7-F4F9CA850386}" presName="hierChild2" presStyleCnt="0"/>
+      <dgm:spPr/>
+    </dgm:pt>
+    <dgm:pt modelId="{4944204C-E473-4A7F-8554-BD83B0682EE0}" type="pres">
+      <dgm:prSet presAssocID="{03A4680A-26A7-4915-BF9A-69394B1FF421}" presName="Name37" presStyleLbl="parChTrans1D2" presStyleIdx="0" presStyleCnt="5"/>
+      <dgm:spPr/>
+    </dgm:pt>
+    <dgm:pt modelId="{181C42D1-53F3-48E0-B9F5-CEE98DE0B335}" type="pres">
+      <dgm:prSet presAssocID="{D0B30F8B-FA72-4511-B1D4-3C069DB1A2BC}" presName="hierRoot2" presStyleCnt="0">
+        <dgm:presLayoutVars>
+          <dgm:hierBranch val="init"/>
+        </dgm:presLayoutVars>
+      </dgm:prSet>
+      <dgm:spPr/>
+    </dgm:pt>
+    <dgm:pt modelId="{442B40A9-C640-4F6A-8518-EEB28CF20203}" type="pres">
+      <dgm:prSet presAssocID="{D0B30F8B-FA72-4511-B1D4-3C069DB1A2BC}" presName="rootComposite" presStyleCnt="0"/>
+      <dgm:spPr/>
+    </dgm:pt>
+    <dgm:pt modelId="{563A7891-5E14-4169-A718-1916552BCF2F}" type="pres">
+      <dgm:prSet presAssocID="{D0B30F8B-FA72-4511-B1D4-3C069DB1A2BC}" presName="rootText" presStyleLbl="node2" presStyleIdx="0" presStyleCnt="5" custScaleX="145654">
+        <dgm:presLayoutVars>
+          <dgm:chPref val="3"/>
+        </dgm:presLayoutVars>
+      </dgm:prSet>
+      <dgm:spPr/>
+    </dgm:pt>
+    <dgm:pt modelId="{CA5E3D41-E485-4701-9FC6-CA492A2DD9C6}" type="pres">
+      <dgm:prSet presAssocID="{D0B30F8B-FA72-4511-B1D4-3C069DB1A2BC}" presName="rootConnector" presStyleLbl="node2" presStyleIdx="0" presStyleCnt="5"/>
+      <dgm:spPr/>
+    </dgm:pt>
+    <dgm:pt modelId="{3C1F9E9D-8DBF-4E8C-ADEF-1BE4093C53F6}" type="pres">
+      <dgm:prSet presAssocID="{D0B30F8B-FA72-4511-B1D4-3C069DB1A2BC}" presName="hierChild4" presStyleCnt="0"/>
+      <dgm:spPr/>
+    </dgm:pt>
+    <dgm:pt modelId="{BDDF6C7C-01C0-4E1A-9BF2-C9BA50A1ACB8}" type="pres">
+      <dgm:prSet presAssocID="{9BAC4BEF-4605-428C-9F2B-165052BC7884}" presName="Name37" presStyleLbl="parChTrans1D3" presStyleIdx="0" presStyleCnt="13"/>
+      <dgm:spPr/>
+    </dgm:pt>
+    <dgm:pt modelId="{148DFF51-078F-413D-8613-E8085B1B41AC}" type="pres">
+      <dgm:prSet presAssocID="{816F1371-12C8-49E9-B468-23548F725860}" presName="hierRoot2" presStyleCnt="0">
+        <dgm:presLayoutVars>
+          <dgm:hierBranch val="init"/>
+        </dgm:presLayoutVars>
+      </dgm:prSet>
+      <dgm:spPr/>
+    </dgm:pt>
+    <dgm:pt modelId="{A9B23FBE-C4C6-45B6-A298-840E680C7120}" type="pres">
+      <dgm:prSet presAssocID="{816F1371-12C8-49E9-B468-23548F725860}" presName="rootComposite" presStyleCnt="0"/>
+      <dgm:spPr/>
+    </dgm:pt>
+    <dgm:pt modelId="{C6082CFA-E009-4B1D-B9EA-1936AFA4D441}" type="pres">
+      <dgm:prSet presAssocID="{816F1371-12C8-49E9-B468-23548F725860}" presName="rootText" presStyleLbl="node3" presStyleIdx="0" presStyleCnt="13" custScaleX="79705" custScaleY="54358">
+        <dgm:presLayoutVars>
+          <dgm:chPref val="3"/>
+        </dgm:presLayoutVars>
+      </dgm:prSet>
+      <dgm:spPr/>
+    </dgm:pt>
+    <dgm:pt modelId="{9A8238FC-1F74-4568-9F24-08AAA32AB435}" type="pres">
+      <dgm:prSet presAssocID="{816F1371-12C8-49E9-B468-23548F725860}" presName="rootConnector" presStyleLbl="node3" presStyleIdx="0" presStyleCnt="13"/>
+      <dgm:spPr/>
+    </dgm:pt>
+    <dgm:pt modelId="{178DE92D-8F52-41B4-B62D-5E61E65D4870}" type="pres">
+      <dgm:prSet presAssocID="{816F1371-12C8-49E9-B468-23548F725860}" presName="hierChild4" presStyleCnt="0"/>
+      <dgm:spPr/>
+    </dgm:pt>
+    <dgm:pt modelId="{42CEC435-D2ED-4C6E-8164-66A35D5CE38C}" type="pres">
+      <dgm:prSet presAssocID="{816F1371-12C8-49E9-B468-23548F725860}" presName="hierChild5" presStyleCnt="0"/>
+      <dgm:spPr/>
+    </dgm:pt>
+    <dgm:pt modelId="{2ADB8C91-AFA1-4F1A-9BFB-1D1C0263A092}" type="pres">
+      <dgm:prSet presAssocID="{D0B30F8B-FA72-4511-B1D4-3C069DB1A2BC}" presName="hierChild5" presStyleCnt="0"/>
+      <dgm:spPr/>
+    </dgm:pt>
+    <dgm:pt modelId="{3762977E-4513-4719-9A60-4F8A8DBA190C}" type="pres">
+      <dgm:prSet presAssocID="{EA67A1CD-5C60-4093-99B6-3D23D6B831CA}" presName="Name37" presStyleLbl="parChTrans1D2" presStyleIdx="1" presStyleCnt="5"/>
+      <dgm:spPr/>
+    </dgm:pt>
+    <dgm:pt modelId="{6A8AAB0D-83F5-4A89-A45E-4708E4A73B5D}" type="pres">
+      <dgm:prSet presAssocID="{C33B2BA4-4490-49E1-8D90-5EB1326AA706}" presName="hierRoot2" presStyleCnt="0">
+        <dgm:presLayoutVars>
+          <dgm:hierBranch val="init"/>
+        </dgm:presLayoutVars>
+      </dgm:prSet>
+      <dgm:spPr/>
+    </dgm:pt>
+    <dgm:pt modelId="{F4DB3711-697A-4D6E-A6CE-E1C5FCAA57D9}" type="pres">
+      <dgm:prSet presAssocID="{C33B2BA4-4490-49E1-8D90-5EB1326AA706}" presName="rootComposite" presStyleCnt="0"/>
+      <dgm:spPr/>
+    </dgm:pt>
+    <dgm:pt modelId="{C72CEB21-61F5-4E03-A49D-F746A01CC884}" type="pres">
+      <dgm:prSet presAssocID="{C33B2BA4-4490-49E1-8D90-5EB1326AA706}" presName="rootText" presStyleLbl="node2" presStyleIdx="1" presStyleCnt="5" custScaleX="145654">
+        <dgm:presLayoutVars>
+          <dgm:chPref val="3"/>
+        </dgm:presLayoutVars>
+      </dgm:prSet>
+      <dgm:spPr/>
+    </dgm:pt>
+    <dgm:pt modelId="{F135F5A6-C17A-4F40-AF85-2F284F32211F}" type="pres">
+      <dgm:prSet presAssocID="{C33B2BA4-4490-49E1-8D90-5EB1326AA706}" presName="rootConnector" presStyleLbl="node2" presStyleIdx="1" presStyleCnt="5"/>
+      <dgm:spPr/>
+    </dgm:pt>
+    <dgm:pt modelId="{0972CAE1-0DAD-4DC5-98B9-71D8C566E48A}" type="pres">
+      <dgm:prSet presAssocID="{C33B2BA4-4490-49E1-8D90-5EB1326AA706}" presName="hierChild4" presStyleCnt="0"/>
+      <dgm:spPr/>
+    </dgm:pt>
+    <dgm:pt modelId="{BA84E4DB-1D90-4D6F-A7B2-5AF2E19C1897}" type="pres">
+      <dgm:prSet presAssocID="{D0D3D2E7-2A9C-4751-A53E-CCE21297CEAB}" presName="Name37" presStyleLbl="parChTrans1D3" presStyleIdx="1" presStyleCnt="13"/>
+      <dgm:spPr/>
+    </dgm:pt>
+    <dgm:pt modelId="{332E0E93-1C98-411C-9414-E9B22B03796D}" type="pres">
+      <dgm:prSet presAssocID="{D3FF7AA2-2D47-47AC-AC10-4D27659E8005}" presName="hierRoot2" presStyleCnt="0">
+        <dgm:presLayoutVars>
+          <dgm:hierBranch val="init"/>
+        </dgm:presLayoutVars>
+      </dgm:prSet>
+      <dgm:spPr/>
+    </dgm:pt>
+    <dgm:pt modelId="{8C57FF31-1C12-45AB-8DEF-81693B7F1248}" type="pres">
+      <dgm:prSet presAssocID="{D3FF7AA2-2D47-47AC-AC10-4D27659E8005}" presName="rootComposite" presStyleCnt="0"/>
+      <dgm:spPr/>
+    </dgm:pt>
+    <dgm:pt modelId="{9D8E8071-44EB-40CC-9BAF-73F22ADD8E92}" type="pres">
+      <dgm:prSet presAssocID="{D3FF7AA2-2D47-47AC-AC10-4D27659E8005}" presName="rootText" presStyleLbl="node3" presStyleIdx="1" presStyleCnt="13" custScaleX="79705" custScaleY="54358">
+        <dgm:presLayoutVars>
+          <dgm:chPref val="3"/>
+        </dgm:presLayoutVars>
+      </dgm:prSet>
+      <dgm:spPr/>
+    </dgm:pt>
+    <dgm:pt modelId="{2AFCC6FA-8686-4619-A668-60596C945B6B}" type="pres">
+      <dgm:prSet presAssocID="{D3FF7AA2-2D47-47AC-AC10-4D27659E8005}" presName="rootConnector" presStyleLbl="node3" presStyleIdx="1" presStyleCnt="13"/>
+      <dgm:spPr/>
+    </dgm:pt>
+    <dgm:pt modelId="{D70C10AE-53F0-4B53-A7A8-571705505D5C}" type="pres">
+      <dgm:prSet presAssocID="{D3FF7AA2-2D47-47AC-AC10-4D27659E8005}" presName="hierChild4" presStyleCnt="0"/>
+      <dgm:spPr/>
+    </dgm:pt>
+    <dgm:pt modelId="{0FAD52F5-8683-49C5-A6E4-47A91DCB4D45}" type="pres">
+      <dgm:prSet presAssocID="{D3FF7AA2-2D47-47AC-AC10-4D27659E8005}" presName="hierChild5" presStyleCnt="0"/>
+      <dgm:spPr/>
+    </dgm:pt>
+    <dgm:pt modelId="{78D4D4A7-D2F2-4E42-BB62-20A8D5AB0DD3}" type="pres">
+      <dgm:prSet presAssocID="{C8300993-DD72-419F-A6A7-9A39137349D0}" presName="Name37" presStyleLbl="parChTrans1D3" presStyleIdx="2" presStyleCnt="13"/>
+      <dgm:spPr/>
+    </dgm:pt>
+    <dgm:pt modelId="{AE2A6150-8A3D-4423-8533-B8EB42EA718C}" type="pres">
+      <dgm:prSet presAssocID="{F4105D80-F568-4B62-9921-0BB11ED7E0CF}" presName="hierRoot2" presStyleCnt="0">
+        <dgm:presLayoutVars>
+          <dgm:hierBranch val="init"/>
+        </dgm:presLayoutVars>
+      </dgm:prSet>
+      <dgm:spPr/>
+    </dgm:pt>
+    <dgm:pt modelId="{2103A792-8512-4B9D-886D-77B23E6E7D25}" type="pres">
+      <dgm:prSet presAssocID="{F4105D80-F568-4B62-9921-0BB11ED7E0CF}" presName="rootComposite" presStyleCnt="0"/>
+      <dgm:spPr/>
+    </dgm:pt>
+    <dgm:pt modelId="{022B3D57-45D9-430A-AC25-521197D81FD1}" type="pres">
+      <dgm:prSet presAssocID="{F4105D80-F568-4B62-9921-0BB11ED7E0CF}" presName="rootText" presStyleLbl="node3" presStyleIdx="2" presStyleCnt="13" custScaleX="79705" custScaleY="54358">
+        <dgm:presLayoutVars>
+          <dgm:chPref val="3"/>
+        </dgm:presLayoutVars>
+      </dgm:prSet>
+      <dgm:spPr/>
+    </dgm:pt>
+    <dgm:pt modelId="{188142AA-F8F8-47A5-9CAB-EA7B6F9B5B4A}" type="pres">
+      <dgm:prSet presAssocID="{F4105D80-F568-4B62-9921-0BB11ED7E0CF}" presName="rootConnector" presStyleLbl="node3" presStyleIdx="2" presStyleCnt="13"/>
+      <dgm:spPr/>
+    </dgm:pt>
+    <dgm:pt modelId="{E8F18D8A-3942-4072-A368-D64A5F8F694B}" type="pres">
+      <dgm:prSet presAssocID="{F4105D80-F568-4B62-9921-0BB11ED7E0CF}" presName="hierChild4" presStyleCnt="0"/>
+      <dgm:spPr/>
+    </dgm:pt>
+    <dgm:pt modelId="{D0512DD0-29D4-402E-82F5-385EA2D869E9}" type="pres">
+      <dgm:prSet presAssocID="{F4105D80-F568-4B62-9921-0BB11ED7E0CF}" presName="hierChild5" presStyleCnt="0"/>
+      <dgm:spPr/>
+    </dgm:pt>
+    <dgm:pt modelId="{8D8D4BCA-40E0-478D-ABB1-D83B875FF406}" type="pres">
+      <dgm:prSet presAssocID="{7210CC70-C8B7-4A05-A262-5558FBC95A0B}" presName="Name37" presStyleLbl="parChTrans1D3" presStyleIdx="3" presStyleCnt="13"/>
+      <dgm:spPr/>
+    </dgm:pt>
+    <dgm:pt modelId="{059F0DD3-9E93-45E0-9A2B-11338B77589C}" type="pres">
+      <dgm:prSet presAssocID="{6072F66C-AE01-4856-81C7-F3B0DCB4E3B7}" presName="hierRoot2" presStyleCnt="0">
+        <dgm:presLayoutVars>
+          <dgm:hierBranch val="init"/>
+        </dgm:presLayoutVars>
+      </dgm:prSet>
+      <dgm:spPr/>
+    </dgm:pt>
+    <dgm:pt modelId="{9708428C-0779-4994-B774-5D5619C61549}" type="pres">
+      <dgm:prSet presAssocID="{6072F66C-AE01-4856-81C7-F3B0DCB4E3B7}" presName="rootComposite" presStyleCnt="0"/>
+      <dgm:spPr/>
+    </dgm:pt>
+    <dgm:pt modelId="{2C467478-BD63-46D3-9AF8-1B20CDD04829}" type="pres">
+      <dgm:prSet presAssocID="{6072F66C-AE01-4856-81C7-F3B0DCB4E3B7}" presName="rootText" presStyleLbl="node3" presStyleIdx="3" presStyleCnt="13" custScaleX="79705" custScaleY="54358">
+        <dgm:presLayoutVars>
+          <dgm:chPref val="3"/>
+        </dgm:presLayoutVars>
+      </dgm:prSet>
+      <dgm:spPr/>
+    </dgm:pt>
+    <dgm:pt modelId="{75D84F56-066E-43F0-9858-39C94DC885C4}" type="pres">
+      <dgm:prSet presAssocID="{6072F66C-AE01-4856-81C7-F3B0DCB4E3B7}" presName="rootConnector" presStyleLbl="node3" presStyleIdx="3" presStyleCnt="13"/>
+      <dgm:spPr/>
+    </dgm:pt>
+    <dgm:pt modelId="{9D6AC508-88B9-4104-9E6B-9C612A38D30C}" type="pres">
+      <dgm:prSet presAssocID="{6072F66C-AE01-4856-81C7-F3B0DCB4E3B7}" presName="hierChild4" presStyleCnt="0"/>
+      <dgm:spPr/>
+    </dgm:pt>
+    <dgm:pt modelId="{0B0F358C-5A02-4353-AF66-D3D27536817F}" type="pres">
+      <dgm:prSet presAssocID="{6072F66C-AE01-4856-81C7-F3B0DCB4E3B7}" presName="hierChild5" presStyleCnt="0"/>
+      <dgm:spPr/>
+    </dgm:pt>
+    <dgm:pt modelId="{695952E4-4A34-429C-9D9C-D99EAD88ED14}" type="pres">
+      <dgm:prSet presAssocID="{C33B2BA4-4490-49E1-8D90-5EB1326AA706}" presName="hierChild5" presStyleCnt="0"/>
+      <dgm:spPr/>
+    </dgm:pt>
+    <dgm:pt modelId="{8EDDA6FA-5DC0-43D3-AE0A-47EE9C7DB93B}" type="pres">
+      <dgm:prSet presAssocID="{C522A838-B632-4139-9932-BD3A68936939}" presName="Name37" presStyleLbl="parChTrans1D2" presStyleIdx="2" presStyleCnt="5"/>
+      <dgm:spPr/>
+    </dgm:pt>
+    <dgm:pt modelId="{7A1F80CC-10CE-4D50-A13E-34524539E856}" type="pres">
+      <dgm:prSet presAssocID="{F8F9567E-AE5C-4B77-9750-AC213499BCA3}" presName="hierRoot2" presStyleCnt="0">
+        <dgm:presLayoutVars>
+          <dgm:hierBranch val="init"/>
+        </dgm:presLayoutVars>
+      </dgm:prSet>
+      <dgm:spPr/>
+    </dgm:pt>
+    <dgm:pt modelId="{42A9A018-4BB9-43FB-9793-A78DACEDCB9B}" type="pres">
+      <dgm:prSet presAssocID="{F8F9567E-AE5C-4B77-9750-AC213499BCA3}" presName="rootComposite" presStyleCnt="0"/>
+      <dgm:spPr/>
+    </dgm:pt>
+    <dgm:pt modelId="{54D016DC-FC71-4E3F-8DAB-59B3D96F71B5}" type="pres">
+      <dgm:prSet presAssocID="{F8F9567E-AE5C-4B77-9750-AC213499BCA3}" presName="rootText" presStyleLbl="node2" presStyleIdx="2" presStyleCnt="5" custScaleX="145654">
+        <dgm:presLayoutVars>
+          <dgm:chPref val="3"/>
+        </dgm:presLayoutVars>
+      </dgm:prSet>
+      <dgm:spPr/>
+    </dgm:pt>
+    <dgm:pt modelId="{0F6711A2-3BB0-4BDF-AE16-1D54EA671F67}" type="pres">
+      <dgm:prSet presAssocID="{F8F9567E-AE5C-4B77-9750-AC213499BCA3}" presName="rootConnector" presStyleLbl="node2" presStyleIdx="2" presStyleCnt="5"/>
+      <dgm:spPr/>
+    </dgm:pt>
+    <dgm:pt modelId="{340411BA-1618-47C0-98AF-AFCCE577150F}" type="pres">
+      <dgm:prSet presAssocID="{F8F9567E-AE5C-4B77-9750-AC213499BCA3}" presName="hierChild4" presStyleCnt="0"/>
+      <dgm:spPr/>
+    </dgm:pt>
+    <dgm:pt modelId="{B082D02C-4942-443B-8B8C-F9BE93E59E09}" type="pres">
+      <dgm:prSet presAssocID="{E69E8D6C-0C5F-469C-B5C7-198070AE2824}" presName="Name37" presStyleLbl="parChTrans1D3" presStyleIdx="4" presStyleCnt="13"/>
+      <dgm:spPr/>
+    </dgm:pt>
+    <dgm:pt modelId="{7B3DD46F-72A9-4EA3-A43C-A58F3C1AA12D}" type="pres">
+      <dgm:prSet presAssocID="{F0729740-3784-4B42-B9B8-057D248322AC}" presName="hierRoot2" presStyleCnt="0">
+        <dgm:presLayoutVars>
+          <dgm:hierBranch val="init"/>
+        </dgm:presLayoutVars>
+      </dgm:prSet>
+      <dgm:spPr/>
+    </dgm:pt>
+    <dgm:pt modelId="{51752A7D-6538-4CAF-BFC2-460EB3B5A49E}" type="pres">
+      <dgm:prSet presAssocID="{F0729740-3784-4B42-B9B8-057D248322AC}" presName="rootComposite" presStyleCnt="0"/>
+      <dgm:spPr/>
+    </dgm:pt>
+    <dgm:pt modelId="{DDF6AFDA-D683-43A2-911F-31CCEDEDFA51}" type="pres">
+      <dgm:prSet presAssocID="{F0729740-3784-4B42-B9B8-057D248322AC}" presName="rootText" presStyleLbl="node3" presStyleIdx="4" presStyleCnt="13" custScaleX="79705" custScaleY="54358">
+        <dgm:presLayoutVars>
+          <dgm:chPref val="3"/>
+        </dgm:presLayoutVars>
+      </dgm:prSet>
+      <dgm:spPr/>
+    </dgm:pt>
+    <dgm:pt modelId="{6607C4DA-C2D1-4D8A-964F-C4220105F494}" type="pres">
+      <dgm:prSet presAssocID="{F0729740-3784-4B42-B9B8-057D248322AC}" presName="rootConnector" presStyleLbl="node3" presStyleIdx="4" presStyleCnt="13"/>
+      <dgm:spPr/>
+    </dgm:pt>
+    <dgm:pt modelId="{41F44BE1-0423-406D-B2F8-67F59F854CD0}" type="pres">
+      <dgm:prSet presAssocID="{F0729740-3784-4B42-B9B8-057D248322AC}" presName="hierChild4" presStyleCnt="0"/>
+      <dgm:spPr/>
+    </dgm:pt>
+    <dgm:pt modelId="{8D2F69C1-5113-4A4C-BA28-EC444A548C7E}" type="pres">
+      <dgm:prSet presAssocID="{F0729740-3784-4B42-B9B8-057D248322AC}" presName="hierChild5" presStyleCnt="0"/>
+      <dgm:spPr/>
+    </dgm:pt>
+    <dgm:pt modelId="{BD3E7B11-B460-4A73-9EE3-08E1013C8EF8}" type="pres">
+      <dgm:prSet presAssocID="{3DD6F2CB-8B60-4782-9C2A-838600FAB469}" presName="Name37" presStyleLbl="parChTrans1D3" presStyleIdx="5" presStyleCnt="13"/>
+      <dgm:spPr/>
+    </dgm:pt>
+    <dgm:pt modelId="{F3D9F788-462F-410D-8075-B02B770E579C}" type="pres">
+      <dgm:prSet presAssocID="{EE8291EC-6840-41D1-A872-05149A2E0E20}" presName="hierRoot2" presStyleCnt="0">
+        <dgm:presLayoutVars>
+          <dgm:hierBranch val="init"/>
+        </dgm:presLayoutVars>
+      </dgm:prSet>
+      <dgm:spPr/>
+    </dgm:pt>
+    <dgm:pt modelId="{98DEE076-552D-4D99-B6AA-1EFEEC684DA4}" type="pres">
+      <dgm:prSet presAssocID="{EE8291EC-6840-41D1-A872-05149A2E0E20}" presName="rootComposite" presStyleCnt="0"/>
+      <dgm:spPr/>
+    </dgm:pt>
+    <dgm:pt modelId="{81DB2F96-7301-4343-B6C5-4CAB80BC6A4E}" type="pres">
+      <dgm:prSet presAssocID="{EE8291EC-6840-41D1-A872-05149A2E0E20}" presName="rootText" presStyleLbl="node3" presStyleIdx="5" presStyleCnt="13" custScaleX="79705" custScaleY="54358">
+        <dgm:presLayoutVars>
+          <dgm:chPref val="3"/>
+        </dgm:presLayoutVars>
+      </dgm:prSet>
+      <dgm:spPr/>
+    </dgm:pt>
+    <dgm:pt modelId="{AD6E0763-6C7B-40DF-927C-E7036D83E618}" type="pres">
+      <dgm:prSet presAssocID="{EE8291EC-6840-41D1-A872-05149A2E0E20}" presName="rootConnector" presStyleLbl="node3" presStyleIdx="5" presStyleCnt="13"/>
+      <dgm:spPr/>
+    </dgm:pt>
+    <dgm:pt modelId="{AB262D55-D9C8-41DB-B175-731A0FBAD6FD}" type="pres">
+      <dgm:prSet presAssocID="{EE8291EC-6840-41D1-A872-05149A2E0E20}" presName="hierChild4" presStyleCnt="0"/>
+      <dgm:spPr/>
+    </dgm:pt>
+    <dgm:pt modelId="{483762A8-FFA3-4851-B3DE-B04DC40D006B}" type="pres">
+      <dgm:prSet presAssocID="{EE8291EC-6840-41D1-A872-05149A2E0E20}" presName="hierChild5" presStyleCnt="0"/>
+      <dgm:spPr/>
+    </dgm:pt>
+    <dgm:pt modelId="{06AAA520-57B5-42CB-8C08-0EB77F406422}" type="pres">
+      <dgm:prSet presAssocID="{13DD89E8-AB0B-47EE-B6EC-EAA6E0736582}" presName="Name37" presStyleLbl="parChTrans1D3" presStyleIdx="6" presStyleCnt="13"/>
+      <dgm:spPr/>
+    </dgm:pt>
+    <dgm:pt modelId="{7673D469-5A90-41B4-92CD-B0578DE41BAC}" type="pres">
+      <dgm:prSet presAssocID="{07A89508-7297-4037-9FAC-E5A487E7EC39}" presName="hierRoot2" presStyleCnt="0">
+        <dgm:presLayoutVars>
+          <dgm:hierBranch val="init"/>
+        </dgm:presLayoutVars>
+      </dgm:prSet>
+      <dgm:spPr/>
+    </dgm:pt>
+    <dgm:pt modelId="{2659A37D-1C32-4D55-9656-DA1D4B1C0FAA}" type="pres">
+      <dgm:prSet presAssocID="{07A89508-7297-4037-9FAC-E5A487E7EC39}" presName="rootComposite" presStyleCnt="0"/>
+      <dgm:spPr/>
+    </dgm:pt>
+    <dgm:pt modelId="{9DCE858B-337F-4161-A809-3C1E1E63073B}" type="pres">
+      <dgm:prSet presAssocID="{07A89508-7297-4037-9FAC-E5A487E7EC39}" presName="rootText" presStyleLbl="node3" presStyleIdx="6" presStyleCnt="13" custScaleX="79705" custScaleY="54358">
+        <dgm:presLayoutVars>
+          <dgm:chPref val="3"/>
+        </dgm:presLayoutVars>
+      </dgm:prSet>
+      <dgm:spPr/>
+    </dgm:pt>
+    <dgm:pt modelId="{E1B22E78-563D-4720-A758-9C9D35C6B898}" type="pres">
+      <dgm:prSet presAssocID="{07A89508-7297-4037-9FAC-E5A487E7EC39}" presName="rootConnector" presStyleLbl="node3" presStyleIdx="6" presStyleCnt="13"/>
+      <dgm:spPr/>
+    </dgm:pt>
+    <dgm:pt modelId="{EB024A2B-83CA-400E-AC42-A48A1E57E844}" type="pres">
+      <dgm:prSet presAssocID="{07A89508-7297-4037-9FAC-E5A487E7EC39}" presName="hierChild4" presStyleCnt="0"/>
+      <dgm:spPr/>
+    </dgm:pt>
+    <dgm:pt modelId="{C56BC2FC-7BE2-4D02-84AE-95A04E726FA4}" type="pres">
+      <dgm:prSet presAssocID="{07A89508-7297-4037-9FAC-E5A487E7EC39}" presName="hierChild5" presStyleCnt="0"/>
+      <dgm:spPr/>
+    </dgm:pt>
+    <dgm:pt modelId="{EE468C46-5D10-4B5F-A6C7-1E1FEC15BE86}" type="pres">
+      <dgm:prSet presAssocID="{F8F9567E-AE5C-4B77-9750-AC213499BCA3}" presName="hierChild5" presStyleCnt="0"/>
+      <dgm:spPr/>
+    </dgm:pt>
+    <dgm:pt modelId="{89FC767F-E136-4FFC-B82F-1C5B4CCB8DF4}" type="pres">
+      <dgm:prSet presAssocID="{D4702F27-3D74-4AE8-A40B-211B2D8CDAC5}" presName="Name37" presStyleLbl="parChTrans1D2" presStyleIdx="3" presStyleCnt="5"/>
+      <dgm:spPr/>
+    </dgm:pt>
+    <dgm:pt modelId="{C9A980CF-6785-4639-B99D-BAA0365A2A6C}" type="pres">
+      <dgm:prSet presAssocID="{259457F3-A2F7-4040-8119-12548FF0E4C4}" presName="hierRoot2" presStyleCnt="0">
+        <dgm:presLayoutVars>
+          <dgm:hierBranch val="init"/>
+        </dgm:presLayoutVars>
+      </dgm:prSet>
+      <dgm:spPr/>
+    </dgm:pt>
+    <dgm:pt modelId="{4F56CEAB-4F77-4722-8BC2-27E173047EA4}" type="pres">
+      <dgm:prSet presAssocID="{259457F3-A2F7-4040-8119-12548FF0E4C4}" presName="rootComposite" presStyleCnt="0"/>
+      <dgm:spPr/>
+    </dgm:pt>
+    <dgm:pt modelId="{93CBCD05-FBB7-422D-A245-B144DEBA310D}" type="pres">
+      <dgm:prSet presAssocID="{259457F3-A2F7-4040-8119-12548FF0E4C4}" presName="rootText" presStyleLbl="node2" presStyleIdx="3" presStyleCnt="5" custScaleX="145654">
+        <dgm:presLayoutVars>
+          <dgm:chPref val="3"/>
+        </dgm:presLayoutVars>
+      </dgm:prSet>
+      <dgm:spPr/>
+    </dgm:pt>
+    <dgm:pt modelId="{8CBBC708-C28A-4F2A-9B91-4622CB3928F4}" type="pres">
+      <dgm:prSet presAssocID="{259457F3-A2F7-4040-8119-12548FF0E4C4}" presName="rootConnector" presStyleLbl="node2" presStyleIdx="3" presStyleCnt="5"/>
+      <dgm:spPr/>
+    </dgm:pt>
+    <dgm:pt modelId="{0C3D8867-CA00-46ED-AAFE-F520F7D82172}" type="pres">
+      <dgm:prSet presAssocID="{259457F3-A2F7-4040-8119-12548FF0E4C4}" presName="hierChild4" presStyleCnt="0"/>
+      <dgm:spPr/>
+    </dgm:pt>
+    <dgm:pt modelId="{B843B24D-DE4E-48CD-9162-A9EDAC2F8442}" type="pres">
+      <dgm:prSet presAssocID="{38561880-53F5-495B-AA10-D56B5C5F9A5D}" presName="Name37" presStyleLbl="parChTrans1D3" presStyleIdx="7" presStyleCnt="13"/>
+      <dgm:spPr/>
+    </dgm:pt>
+    <dgm:pt modelId="{24BA6769-AD0E-47A7-ACEF-F23CFA712F55}" type="pres">
+      <dgm:prSet presAssocID="{B805F03B-E534-4BB2-93CE-BBEA772F6E90}" presName="hierRoot2" presStyleCnt="0">
+        <dgm:presLayoutVars>
+          <dgm:hierBranch val="init"/>
+        </dgm:presLayoutVars>
+      </dgm:prSet>
+      <dgm:spPr/>
+    </dgm:pt>
+    <dgm:pt modelId="{9C456DBE-A982-4E88-AE08-1B465C259F04}" type="pres">
+      <dgm:prSet presAssocID="{B805F03B-E534-4BB2-93CE-BBEA772F6E90}" presName="rootComposite" presStyleCnt="0"/>
+      <dgm:spPr/>
+    </dgm:pt>
+    <dgm:pt modelId="{7605D877-972C-4A39-B76C-DA7583E6C1F4}" type="pres">
+      <dgm:prSet presAssocID="{B805F03B-E534-4BB2-93CE-BBEA772F6E90}" presName="rootText" presStyleLbl="node3" presStyleIdx="7" presStyleCnt="13" custScaleX="79705" custScaleY="54358">
+        <dgm:presLayoutVars>
+          <dgm:chPref val="3"/>
+        </dgm:presLayoutVars>
+      </dgm:prSet>
+      <dgm:spPr/>
+    </dgm:pt>
+    <dgm:pt modelId="{A2DFDE8E-2411-4265-AA5D-BB42312CB548}" type="pres">
+      <dgm:prSet presAssocID="{B805F03B-E534-4BB2-93CE-BBEA772F6E90}" presName="rootConnector" presStyleLbl="node3" presStyleIdx="7" presStyleCnt="13"/>
+      <dgm:spPr/>
+    </dgm:pt>
+    <dgm:pt modelId="{E98FA0DF-A01E-4844-8649-FA20535C5D71}" type="pres">
+      <dgm:prSet presAssocID="{B805F03B-E534-4BB2-93CE-BBEA772F6E90}" presName="hierChild4" presStyleCnt="0"/>
+      <dgm:spPr/>
+    </dgm:pt>
+    <dgm:pt modelId="{F82598CF-2006-4081-9BA4-141A59B24434}" type="pres">
+      <dgm:prSet presAssocID="{B805F03B-E534-4BB2-93CE-BBEA772F6E90}" presName="hierChild5" presStyleCnt="0"/>
+      <dgm:spPr/>
+    </dgm:pt>
+    <dgm:pt modelId="{C0BD237C-D9F8-431B-83D4-57104B97583A}" type="pres">
+      <dgm:prSet presAssocID="{259457F3-A2F7-4040-8119-12548FF0E4C4}" presName="hierChild5" presStyleCnt="0"/>
+      <dgm:spPr/>
+    </dgm:pt>
+    <dgm:pt modelId="{144EF8C6-A7DA-4FAA-BA0C-E3D48CAB3AC7}" type="pres">
+      <dgm:prSet presAssocID="{C34629F0-9C91-4FFE-9844-2FC9C3C07709}" presName="Name37" presStyleLbl="parChTrans1D2" presStyleIdx="4" presStyleCnt="5"/>
+      <dgm:spPr/>
+    </dgm:pt>
+    <dgm:pt modelId="{53AF43E5-BD0D-4F9D-A37D-A0AD885AA098}" type="pres">
+      <dgm:prSet presAssocID="{AA669442-AFA9-4638-9D15-D9268EFB8473}" presName="hierRoot2" presStyleCnt="0">
+        <dgm:presLayoutVars>
+          <dgm:hierBranch val="init"/>
+        </dgm:presLayoutVars>
+      </dgm:prSet>
+      <dgm:spPr/>
+    </dgm:pt>
+    <dgm:pt modelId="{9D2CB8CB-EA8E-4BBC-9902-77B7C663F3C2}" type="pres">
+      <dgm:prSet presAssocID="{AA669442-AFA9-4638-9D15-D9268EFB8473}" presName="rootComposite" presStyleCnt="0"/>
+      <dgm:spPr/>
+    </dgm:pt>
+    <dgm:pt modelId="{5509AE92-B061-4932-A2A3-78CE07DE9265}" type="pres">
+      <dgm:prSet presAssocID="{AA669442-AFA9-4638-9D15-D9268EFB8473}" presName="rootText" presStyleLbl="node2" presStyleIdx="4" presStyleCnt="5">
+        <dgm:presLayoutVars>
+          <dgm:chPref val="3"/>
+        </dgm:presLayoutVars>
+      </dgm:prSet>
+      <dgm:spPr/>
+      <dgm:t>
+        <a:bodyPr/>
+        <a:lstStyle/>
+        <a:p>
+          <a:endParaRPr lang="zh-CN" altLang="en-US"/>
+        </a:p>
+      </dgm:t>
+    </dgm:pt>
+    <dgm:pt modelId="{2D6A8869-EB37-4FB4-938B-79A917E887A6}" type="pres">
+      <dgm:prSet presAssocID="{AA669442-AFA9-4638-9D15-D9268EFB8473}" presName="rootConnector" presStyleLbl="node2" presStyleIdx="4" presStyleCnt="5"/>
+      <dgm:spPr/>
+    </dgm:pt>
+    <dgm:pt modelId="{823C3648-6240-4D0D-86EC-1C1AA76E43D7}" type="pres">
+      <dgm:prSet presAssocID="{AA669442-AFA9-4638-9D15-D9268EFB8473}" presName="hierChild4" presStyleCnt="0"/>
+      <dgm:spPr/>
+    </dgm:pt>
+    <dgm:pt modelId="{20C93095-44EB-4812-B5DE-741F42DBEE6B}" type="pres">
+      <dgm:prSet presAssocID="{D6748C1B-B1D7-4E81-9296-0686D8FE7D39}" presName="Name37" presStyleLbl="parChTrans1D3" presStyleIdx="8" presStyleCnt="13"/>
+      <dgm:spPr/>
+    </dgm:pt>
+    <dgm:pt modelId="{806B5FDE-7200-43DD-8167-BC76D775C776}" type="pres">
+      <dgm:prSet presAssocID="{17DD4CB2-CAD6-4B6B-A45C-D22F9C23E315}" presName="hierRoot2" presStyleCnt="0">
+        <dgm:presLayoutVars>
+          <dgm:hierBranch val="init"/>
+        </dgm:presLayoutVars>
+      </dgm:prSet>
+      <dgm:spPr/>
+    </dgm:pt>
+    <dgm:pt modelId="{D0C73518-7155-4720-81A6-5319D898319A}" type="pres">
+      <dgm:prSet presAssocID="{17DD4CB2-CAD6-4B6B-A45C-D22F9C23E315}" presName="rootComposite" presStyleCnt="0"/>
+      <dgm:spPr/>
+    </dgm:pt>
+    <dgm:pt modelId="{83BDADBB-C0EC-4C37-A932-7274F3B5F071}" type="pres">
+      <dgm:prSet presAssocID="{17DD4CB2-CAD6-4B6B-A45C-D22F9C23E315}" presName="rootText" presStyleLbl="node3" presStyleIdx="8" presStyleCnt="13" custScaleX="79705" custScaleY="54358">
+        <dgm:presLayoutVars>
+          <dgm:chPref val="3"/>
+        </dgm:presLayoutVars>
+      </dgm:prSet>
+      <dgm:spPr/>
+    </dgm:pt>
+    <dgm:pt modelId="{2AE708A3-C148-4EB3-A7FD-94FC2CF6507E}" type="pres">
+      <dgm:prSet presAssocID="{17DD4CB2-CAD6-4B6B-A45C-D22F9C23E315}" presName="rootConnector" presStyleLbl="node3" presStyleIdx="8" presStyleCnt="13"/>
+      <dgm:spPr/>
+    </dgm:pt>
+    <dgm:pt modelId="{0A64AEB1-B48B-4A68-9EC4-8DD205B00FE2}" type="pres">
+      <dgm:prSet presAssocID="{17DD4CB2-CAD6-4B6B-A45C-D22F9C23E315}" presName="hierChild4" presStyleCnt="0"/>
+      <dgm:spPr/>
+    </dgm:pt>
+    <dgm:pt modelId="{BE934DC1-DD1D-4665-9BEB-D38FA6CFA3AC}" type="pres">
+      <dgm:prSet presAssocID="{17DD4CB2-CAD6-4B6B-A45C-D22F9C23E315}" presName="hierChild5" presStyleCnt="0"/>
+      <dgm:spPr/>
+    </dgm:pt>
+    <dgm:pt modelId="{70E36FC2-8F36-4BB0-97C0-C6B6A0C09B7C}" type="pres">
+      <dgm:prSet presAssocID="{6238D8DA-A478-45CF-8A8D-BC11A88B5077}" presName="Name37" presStyleLbl="parChTrans1D3" presStyleIdx="9" presStyleCnt="13"/>
+      <dgm:spPr/>
+    </dgm:pt>
+    <dgm:pt modelId="{5E709C86-C624-4D39-A9FA-9775ACA33B6E}" type="pres">
+      <dgm:prSet presAssocID="{02231D59-5A50-4F41-9FAE-4E5E8E5238BB}" presName="hierRoot2" presStyleCnt="0">
+        <dgm:presLayoutVars>
+          <dgm:hierBranch val="init"/>
+        </dgm:presLayoutVars>
+      </dgm:prSet>
+      <dgm:spPr/>
+    </dgm:pt>
+    <dgm:pt modelId="{765948D8-17B3-44A7-8249-FB66C13A7A8F}" type="pres">
+      <dgm:prSet presAssocID="{02231D59-5A50-4F41-9FAE-4E5E8E5238BB}" presName="rootComposite" presStyleCnt="0"/>
+      <dgm:spPr/>
+    </dgm:pt>
+    <dgm:pt modelId="{A51DFC6D-794E-4A16-8405-48B38CDEAC96}" type="pres">
+      <dgm:prSet presAssocID="{02231D59-5A50-4F41-9FAE-4E5E8E5238BB}" presName="rootText" presStyleLbl="node3" presStyleIdx="9" presStyleCnt="13" custScaleX="79705" custScaleY="54358">
+        <dgm:presLayoutVars>
+          <dgm:chPref val="3"/>
+        </dgm:presLayoutVars>
+      </dgm:prSet>
+      <dgm:spPr/>
+    </dgm:pt>
+    <dgm:pt modelId="{CFFDB569-F8F2-4A10-90C8-C2398D5C125C}" type="pres">
+      <dgm:prSet presAssocID="{02231D59-5A50-4F41-9FAE-4E5E8E5238BB}" presName="rootConnector" presStyleLbl="node3" presStyleIdx="9" presStyleCnt="13"/>
+      <dgm:spPr/>
+    </dgm:pt>
+    <dgm:pt modelId="{1D9D9DBD-920D-48F3-B6C1-90A8AB379E75}" type="pres">
+      <dgm:prSet presAssocID="{02231D59-5A50-4F41-9FAE-4E5E8E5238BB}" presName="hierChild4" presStyleCnt="0"/>
+      <dgm:spPr/>
+    </dgm:pt>
+    <dgm:pt modelId="{4662E85F-D595-4ED0-A533-979DE30853E3}" type="pres">
+      <dgm:prSet presAssocID="{02231D59-5A50-4F41-9FAE-4E5E8E5238BB}" presName="hierChild5" presStyleCnt="0"/>
+      <dgm:spPr/>
+    </dgm:pt>
+    <dgm:pt modelId="{186A46C2-EA82-40AD-9DC0-37E9195444F6}" type="pres">
+      <dgm:prSet presAssocID="{F3C967ED-1410-4005-B670-E8DB91E5D23A}" presName="Name37" presStyleLbl="parChTrans1D3" presStyleIdx="10" presStyleCnt="13"/>
+      <dgm:spPr/>
+    </dgm:pt>
+    <dgm:pt modelId="{5113FC06-6B69-456B-B7DF-87338D409534}" type="pres">
+      <dgm:prSet presAssocID="{B76318E2-9F75-475A-BF9A-74F701842B67}" presName="hierRoot2" presStyleCnt="0">
+        <dgm:presLayoutVars>
+          <dgm:hierBranch val="init"/>
+        </dgm:presLayoutVars>
+      </dgm:prSet>
+      <dgm:spPr/>
+    </dgm:pt>
+    <dgm:pt modelId="{0412B26D-FF81-45A1-A7BA-BCA41BD4A4E4}" type="pres">
+      <dgm:prSet presAssocID="{B76318E2-9F75-475A-BF9A-74F701842B67}" presName="rootComposite" presStyleCnt="0"/>
+      <dgm:spPr/>
+    </dgm:pt>
+    <dgm:pt modelId="{78FC1394-E276-4133-A393-2E4FDEE1708A}" type="pres">
+      <dgm:prSet presAssocID="{B76318E2-9F75-475A-BF9A-74F701842B67}" presName="rootText" presStyleLbl="node3" presStyleIdx="10" presStyleCnt="13" custScaleX="79705" custScaleY="54358">
+        <dgm:presLayoutVars>
+          <dgm:chPref val="3"/>
+        </dgm:presLayoutVars>
+      </dgm:prSet>
+      <dgm:spPr/>
+    </dgm:pt>
+    <dgm:pt modelId="{24498A24-ECA0-4D42-8E8F-F3BB5946EC28}" type="pres">
+      <dgm:prSet presAssocID="{B76318E2-9F75-475A-BF9A-74F701842B67}" presName="rootConnector" presStyleLbl="node3" presStyleIdx="10" presStyleCnt="13"/>
+      <dgm:spPr/>
+    </dgm:pt>
+    <dgm:pt modelId="{1A5FB2CC-C9D7-4725-9081-BE4F3E8F508F}" type="pres">
+      <dgm:prSet presAssocID="{B76318E2-9F75-475A-BF9A-74F701842B67}" presName="hierChild4" presStyleCnt="0"/>
+      <dgm:spPr/>
+    </dgm:pt>
+    <dgm:pt modelId="{254B80FE-4229-4211-B476-7F7671C1D922}" type="pres">
+      <dgm:prSet presAssocID="{B76318E2-9F75-475A-BF9A-74F701842B67}" presName="hierChild5" presStyleCnt="0"/>
+      <dgm:spPr/>
+    </dgm:pt>
+    <dgm:pt modelId="{FA61A3AB-4E52-4533-BDAC-8FFE3C5B6557}" type="pres">
+      <dgm:prSet presAssocID="{EF1D593E-95F2-43BC-AAA6-9D1C586DE820}" presName="Name37" presStyleLbl="parChTrans1D3" presStyleIdx="11" presStyleCnt="13"/>
+      <dgm:spPr/>
+    </dgm:pt>
+    <dgm:pt modelId="{0E028002-0D6F-42C6-B217-A480543AA471}" type="pres">
+      <dgm:prSet presAssocID="{5DDABE47-A054-4792-B0F5-197352F33D17}" presName="hierRoot2" presStyleCnt="0">
+        <dgm:presLayoutVars>
+          <dgm:hierBranch val="init"/>
+        </dgm:presLayoutVars>
+      </dgm:prSet>
+      <dgm:spPr/>
+    </dgm:pt>
+    <dgm:pt modelId="{5A83631E-FD52-4362-A9F5-9505D2AEE2FC}" type="pres">
+      <dgm:prSet presAssocID="{5DDABE47-A054-4792-B0F5-197352F33D17}" presName="rootComposite" presStyleCnt="0"/>
+      <dgm:spPr/>
+    </dgm:pt>
+    <dgm:pt modelId="{F2E278E7-1168-4EFF-AC4B-689DC7CF44BD}" type="pres">
+      <dgm:prSet presAssocID="{5DDABE47-A054-4792-B0F5-197352F33D17}" presName="rootText" presStyleLbl="node3" presStyleIdx="11" presStyleCnt="13" custScaleX="79705" custScaleY="54358">
+        <dgm:presLayoutVars>
+          <dgm:chPref val="3"/>
+        </dgm:presLayoutVars>
+      </dgm:prSet>
+      <dgm:spPr/>
+    </dgm:pt>
+    <dgm:pt modelId="{662D9F91-F033-476E-A6FF-C60E2D5373D3}" type="pres">
+      <dgm:prSet presAssocID="{5DDABE47-A054-4792-B0F5-197352F33D17}" presName="rootConnector" presStyleLbl="node3" presStyleIdx="11" presStyleCnt="13"/>
+      <dgm:spPr/>
+    </dgm:pt>
+    <dgm:pt modelId="{D7ABF4F3-39F1-455C-B752-30D5E3737E10}" type="pres">
+      <dgm:prSet presAssocID="{5DDABE47-A054-4792-B0F5-197352F33D17}" presName="hierChild4" presStyleCnt="0"/>
+      <dgm:spPr/>
+    </dgm:pt>
+    <dgm:pt modelId="{AD535CFD-C184-4CC2-B898-22B40896DDB3}" type="pres">
+      <dgm:prSet presAssocID="{5DDABE47-A054-4792-B0F5-197352F33D17}" presName="hierChild5" presStyleCnt="0"/>
+      <dgm:spPr/>
+    </dgm:pt>
+    <dgm:pt modelId="{1EE362FC-9FBB-4ECF-80E4-1E8A15AE6BF1}" type="pres">
+      <dgm:prSet presAssocID="{DCD77A3C-F27C-46FB-BE70-106027A905B5}" presName="Name37" presStyleLbl="parChTrans1D3" presStyleIdx="12" presStyleCnt="13"/>
+      <dgm:spPr/>
+    </dgm:pt>
+    <dgm:pt modelId="{E6A6123C-329A-4D77-A436-8A3BA1A6D009}" type="pres">
+      <dgm:prSet presAssocID="{474EB636-F6D2-4BEA-B5C6-FCD7E90DA93F}" presName="hierRoot2" presStyleCnt="0">
+        <dgm:presLayoutVars>
+          <dgm:hierBranch val="init"/>
+        </dgm:presLayoutVars>
+      </dgm:prSet>
+      <dgm:spPr/>
+    </dgm:pt>
+    <dgm:pt modelId="{C8A925FB-5C8D-4199-B17B-8A89F0B0DA4F}" type="pres">
+      <dgm:prSet presAssocID="{474EB636-F6D2-4BEA-B5C6-FCD7E90DA93F}" presName="rootComposite" presStyleCnt="0"/>
+      <dgm:spPr/>
+    </dgm:pt>
+    <dgm:pt modelId="{4FAAC0FF-E62F-4F80-A1FF-DAE407AAB17D}" type="pres">
+      <dgm:prSet presAssocID="{474EB636-F6D2-4BEA-B5C6-FCD7E90DA93F}" presName="rootText" presStyleLbl="node3" presStyleIdx="12" presStyleCnt="13" custScaleX="79705" custScaleY="54358">
+        <dgm:presLayoutVars>
+          <dgm:chPref val="3"/>
+        </dgm:presLayoutVars>
+      </dgm:prSet>
+      <dgm:spPr/>
+    </dgm:pt>
+    <dgm:pt modelId="{04B19C94-4710-418B-9D7F-61F130D13531}" type="pres">
+      <dgm:prSet presAssocID="{474EB636-F6D2-4BEA-B5C6-FCD7E90DA93F}" presName="rootConnector" presStyleLbl="node3" presStyleIdx="12" presStyleCnt="13"/>
+      <dgm:spPr/>
+    </dgm:pt>
+    <dgm:pt modelId="{85483E86-BDD3-4551-8A7E-E2DC3327EAC3}" type="pres">
+      <dgm:prSet presAssocID="{474EB636-F6D2-4BEA-B5C6-FCD7E90DA93F}" presName="hierChild4" presStyleCnt="0"/>
+      <dgm:spPr/>
+    </dgm:pt>
+    <dgm:pt modelId="{9D5E9E1F-27A2-48F7-B6BC-07B337DF3B96}" type="pres">
+      <dgm:prSet presAssocID="{474EB636-F6D2-4BEA-B5C6-FCD7E90DA93F}" presName="hierChild5" presStyleCnt="0"/>
+      <dgm:spPr/>
+    </dgm:pt>
+    <dgm:pt modelId="{BF243C86-2555-47B1-8B37-879DAEF33CBE}" type="pres">
+      <dgm:prSet presAssocID="{AA669442-AFA9-4638-9D15-D9268EFB8473}" presName="hierChild5" presStyleCnt="0"/>
+      <dgm:spPr/>
+    </dgm:pt>
+    <dgm:pt modelId="{49CAC02A-F01D-408D-BE7E-4E9699AF659D}" type="pres">
+      <dgm:prSet presAssocID="{42E10B7E-C652-46CD-A1F7-F4F9CA850386}" presName="hierChild3" presStyleCnt="0"/>
+      <dgm:spPr/>
+    </dgm:pt>
+  </dgm:ptLst>
+  <dgm:cxnLst>
+    <dgm:cxn modelId="{E5BF2CB4-C4AF-4053-96E8-01A5D0014023}" type="presOf" srcId="{AA669442-AFA9-4638-9D15-D9268EFB8473}" destId="{5509AE92-B061-4932-A2A3-78CE07DE9265}" srcOrd="0" destOrd="0" presId="urn:microsoft.com/office/officeart/2005/8/layout/orgChart1"/>
+    <dgm:cxn modelId="{2AC762E6-F2C7-41F3-BD14-9B301C4B2E9A}" type="presOf" srcId="{C8300993-DD72-419F-A6A7-9A39137349D0}" destId="{78D4D4A7-D2F2-4E42-BB62-20A8D5AB0DD3}" srcOrd="0" destOrd="0" presId="urn:microsoft.com/office/officeart/2005/8/layout/orgChart1"/>
+    <dgm:cxn modelId="{36699EAC-D08E-4ABE-AA2E-309A04A5205C}" srcId="{C33B2BA4-4490-49E1-8D90-5EB1326AA706}" destId="{6072F66C-AE01-4856-81C7-F3B0DCB4E3B7}" srcOrd="2" destOrd="0" parTransId="{7210CC70-C8B7-4A05-A262-5558FBC95A0B}" sibTransId="{742BF5AE-78E9-42AB-BA2A-766B9D5B0A64}"/>
+    <dgm:cxn modelId="{B30A615B-5969-4FF0-9F58-014F059CDFB5}" type="presOf" srcId="{02231D59-5A50-4F41-9FAE-4E5E8E5238BB}" destId="{A51DFC6D-794E-4A16-8405-48B38CDEAC96}" srcOrd="0" destOrd="0" presId="urn:microsoft.com/office/officeart/2005/8/layout/orgChart1"/>
+    <dgm:cxn modelId="{E084F85A-C67C-4D88-B272-7E209BA1A204}" srcId="{42E10B7E-C652-46CD-A1F7-F4F9CA850386}" destId="{F8F9567E-AE5C-4B77-9750-AC213499BCA3}" srcOrd="2" destOrd="0" parTransId="{C522A838-B632-4139-9932-BD3A68936939}" sibTransId="{A11AE6AB-9A28-40A5-84D0-7854D16011AA}"/>
+    <dgm:cxn modelId="{77BAFA31-A005-4E72-ADE9-4A14809E1CFB}" type="presOf" srcId="{D3FF7AA2-2D47-47AC-AC10-4D27659E8005}" destId="{9D8E8071-44EB-40CC-9BAF-73F22ADD8E92}" srcOrd="0" destOrd="0" presId="urn:microsoft.com/office/officeart/2005/8/layout/orgChart1"/>
+    <dgm:cxn modelId="{729317CD-41ED-4501-A51B-7EE47B7AE5A8}" type="presOf" srcId="{13DD89E8-AB0B-47EE-B6EC-EAA6E0736582}" destId="{06AAA520-57B5-42CB-8C08-0EB77F406422}" srcOrd="0" destOrd="0" presId="urn:microsoft.com/office/officeart/2005/8/layout/orgChart1"/>
+    <dgm:cxn modelId="{FF398614-17DD-4AF0-9ACC-9ABC3A8E1427}" type="presOf" srcId="{6072F66C-AE01-4856-81C7-F3B0DCB4E3B7}" destId="{75D84F56-066E-43F0-9858-39C94DC885C4}" srcOrd="1" destOrd="0" presId="urn:microsoft.com/office/officeart/2005/8/layout/orgChart1"/>
+    <dgm:cxn modelId="{32D377B6-7EB9-42FE-9F79-0C2860433EF4}" type="presOf" srcId="{C522A838-B632-4139-9932-BD3A68936939}" destId="{8EDDA6FA-5DC0-43D3-AE0A-47EE9C7DB93B}" srcOrd="0" destOrd="0" presId="urn:microsoft.com/office/officeart/2005/8/layout/orgChart1"/>
+    <dgm:cxn modelId="{C35EEE2B-964C-4FDE-A49F-7CE253878D3F}" srcId="{259457F3-A2F7-4040-8119-12548FF0E4C4}" destId="{B805F03B-E534-4BB2-93CE-BBEA772F6E90}" srcOrd="0" destOrd="0" parTransId="{38561880-53F5-495B-AA10-D56B5C5F9A5D}" sibTransId="{EBB3ABA0-DB44-42E5-9E7D-9EA61949F831}"/>
+    <dgm:cxn modelId="{5919DF77-E068-4C33-B2D6-C99D41DA2507}" srcId="{42E10B7E-C652-46CD-A1F7-F4F9CA850386}" destId="{259457F3-A2F7-4040-8119-12548FF0E4C4}" srcOrd="3" destOrd="0" parTransId="{D4702F27-3D74-4AE8-A40B-211B2D8CDAC5}" sibTransId="{035ABD59-FBB3-4756-83FF-DC92A7C39E07}"/>
+    <dgm:cxn modelId="{8AD4E5C8-2E91-49B9-92EF-BC37EC8D29A1}" srcId="{F8F9567E-AE5C-4B77-9750-AC213499BCA3}" destId="{07A89508-7297-4037-9FAC-E5A487E7EC39}" srcOrd="2" destOrd="0" parTransId="{13DD89E8-AB0B-47EE-B6EC-EAA6E0736582}" sibTransId="{9F13728A-FC06-4C70-866B-FE45C9F6D5FA}"/>
+    <dgm:cxn modelId="{A9DF3C45-1D0E-4615-B294-85EA1E3D9CE7}" type="presOf" srcId="{5DDABE47-A054-4792-B0F5-197352F33D17}" destId="{F2E278E7-1168-4EFF-AC4B-689DC7CF44BD}" srcOrd="0" destOrd="0" presId="urn:microsoft.com/office/officeart/2005/8/layout/orgChart1"/>
+    <dgm:cxn modelId="{6DDF1174-9D5B-415C-86C6-69C56B1C2FBC}" type="presOf" srcId="{17DD4CB2-CAD6-4B6B-A45C-D22F9C23E315}" destId="{83BDADBB-C0EC-4C37-A932-7274F3B5F071}" srcOrd="0" destOrd="0" presId="urn:microsoft.com/office/officeart/2005/8/layout/orgChart1"/>
+    <dgm:cxn modelId="{B86DD79F-AC86-4F2F-A4CE-74E5B7566F87}" type="presOf" srcId="{B805F03B-E534-4BB2-93CE-BBEA772F6E90}" destId="{7605D877-972C-4A39-B76C-DA7583E6C1F4}" srcOrd="0" destOrd="0" presId="urn:microsoft.com/office/officeart/2005/8/layout/orgChart1"/>
+    <dgm:cxn modelId="{7A8193F6-D332-43C7-9B34-F97E8D009865}" type="presOf" srcId="{EF1D593E-95F2-43BC-AAA6-9D1C586DE820}" destId="{FA61A3AB-4E52-4533-BDAC-8FFE3C5B6557}" srcOrd="0" destOrd="0" presId="urn:microsoft.com/office/officeart/2005/8/layout/orgChart1"/>
+    <dgm:cxn modelId="{40949E78-760F-41C5-823D-1D7BFA1E089B}" type="presOf" srcId="{3DD6F2CB-8B60-4782-9C2A-838600FAB469}" destId="{BD3E7B11-B460-4A73-9EE3-08E1013C8EF8}" srcOrd="0" destOrd="0" presId="urn:microsoft.com/office/officeart/2005/8/layout/orgChart1"/>
+    <dgm:cxn modelId="{1AF1545A-C0F4-44FA-814F-A1A3AE2A59B2}" type="presOf" srcId="{02231D59-5A50-4F41-9FAE-4E5E8E5238BB}" destId="{CFFDB569-F8F2-4A10-90C8-C2398D5C125C}" srcOrd="1" destOrd="0" presId="urn:microsoft.com/office/officeart/2005/8/layout/orgChart1"/>
+    <dgm:cxn modelId="{4DEAFE16-68BA-4B71-BE4A-A32EFFDF9D00}" type="presOf" srcId="{D0B30F8B-FA72-4511-B1D4-3C069DB1A2BC}" destId="{563A7891-5E14-4169-A718-1916552BCF2F}" srcOrd="0" destOrd="0" presId="urn:microsoft.com/office/officeart/2005/8/layout/orgChart1"/>
+    <dgm:cxn modelId="{6404F9E5-009F-4546-B7A5-211433E8B74B}" type="presOf" srcId="{259457F3-A2F7-4040-8119-12548FF0E4C4}" destId="{93CBCD05-FBB7-422D-A245-B144DEBA310D}" srcOrd="0" destOrd="0" presId="urn:microsoft.com/office/officeart/2005/8/layout/orgChart1"/>
+    <dgm:cxn modelId="{B13BD230-2B3C-42B5-B2D4-B79BF168C40D}" type="presOf" srcId="{03A4680A-26A7-4915-BF9A-69394B1FF421}" destId="{4944204C-E473-4A7F-8554-BD83B0682EE0}" srcOrd="0" destOrd="0" presId="urn:microsoft.com/office/officeart/2005/8/layout/orgChart1"/>
+    <dgm:cxn modelId="{BF42C43B-97E4-403C-ACDB-1ED6D99A6A58}" srcId="{AA669442-AFA9-4638-9D15-D9268EFB8473}" destId="{5DDABE47-A054-4792-B0F5-197352F33D17}" srcOrd="3" destOrd="0" parTransId="{EF1D593E-95F2-43BC-AAA6-9D1C586DE820}" sibTransId="{262CD6D7-AF57-4DEB-88B5-AF3E030C3E50}"/>
+    <dgm:cxn modelId="{A26A2F18-4208-4F0C-8768-1CCF64538007}" type="presOf" srcId="{F4105D80-F568-4B62-9921-0BB11ED7E0CF}" destId="{022B3D57-45D9-430A-AC25-521197D81FD1}" srcOrd="0" destOrd="0" presId="urn:microsoft.com/office/officeart/2005/8/layout/orgChart1"/>
+    <dgm:cxn modelId="{75275219-3800-46BA-82FE-FD3C02F27519}" type="presOf" srcId="{C33B2BA4-4490-49E1-8D90-5EB1326AA706}" destId="{C72CEB21-61F5-4E03-A49D-F746A01CC884}" srcOrd="0" destOrd="0" presId="urn:microsoft.com/office/officeart/2005/8/layout/orgChart1"/>
+    <dgm:cxn modelId="{ADA56F3E-4EA4-4DD3-9EBA-B40E023ABDC2}" type="presOf" srcId="{DCD77A3C-F27C-46FB-BE70-106027A905B5}" destId="{1EE362FC-9FBB-4ECF-80E4-1E8A15AE6BF1}" srcOrd="0" destOrd="0" presId="urn:microsoft.com/office/officeart/2005/8/layout/orgChart1"/>
+    <dgm:cxn modelId="{5B9568FE-6FAF-4146-8BB8-C9765C080E81}" type="presOf" srcId="{474EB636-F6D2-4BEA-B5C6-FCD7E90DA93F}" destId="{4FAAC0FF-E62F-4F80-A1FF-DAE407AAB17D}" srcOrd="0" destOrd="0" presId="urn:microsoft.com/office/officeart/2005/8/layout/orgChart1"/>
+    <dgm:cxn modelId="{48415872-D62F-4D70-A3EE-2C3CC280D2BF}" type="presOf" srcId="{D4702F27-3D74-4AE8-A40B-211B2D8CDAC5}" destId="{89FC767F-E136-4FFC-B82F-1C5B4CCB8DF4}" srcOrd="0" destOrd="0" presId="urn:microsoft.com/office/officeart/2005/8/layout/orgChart1"/>
+    <dgm:cxn modelId="{7915562B-6C19-4B0F-91D9-A40DF55E3C70}" type="presOf" srcId="{C34629F0-9C91-4FFE-9844-2FC9C3C07709}" destId="{144EF8C6-A7DA-4FAA-BA0C-E3D48CAB3AC7}" srcOrd="0" destOrd="0" presId="urn:microsoft.com/office/officeart/2005/8/layout/orgChart1"/>
+    <dgm:cxn modelId="{B2863EEC-4087-418D-9878-F4782365CE9B}" type="presOf" srcId="{EE8291EC-6840-41D1-A872-05149A2E0E20}" destId="{AD6E0763-6C7B-40DF-927C-E7036D83E618}" srcOrd="1" destOrd="0" presId="urn:microsoft.com/office/officeart/2005/8/layout/orgChart1"/>
+    <dgm:cxn modelId="{95C8CAEC-1114-46DD-BB27-8EDC2221DBE4}" srcId="{AA669442-AFA9-4638-9D15-D9268EFB8473}" destId="{B76318E2-9F75-475A-BF9A-74F701842B67}" srcOrd="2" destOrd="0" parTransId="{F3C967ED-1410-4005-B670-E8DB91E5D23A}" sibTransId="{3ED98B3D-8136-4E5C-8243-C8B988F4C344}"/>
+    <dgm:cxn modelId="{F08040CE-DC0F-476F-8D7A-06866E179188}" type="presOf" srcId="{D0D3D2E7-2A9C-4751-A53E-CCE21297CEAB}" destId="{BA84E4DB-1D90-4D6F-A7B2-5AF2E19C1897}" srcOrd="0" destOrd="0" presId="urn:microsoft.com/office/officeart/2005/8/layout/orgChart1"/>
+    <dgm:cxn modelId="{8D7CF1E8-7ADB-4BDA-8028-82B1BE24B228}" type="presOf" srcId="{D3FF7AA2-2D47-47AC-AC10-4D27659E8005}" destId="{2AFCC6FA-8686-4619-A668-60596C945B6B}" srcOrd="1" destOrd="0" presId="urn:microsoft.com/office/officeart/2005/8/layout/orgChart1"/>
+    <dgm:cxn modelId="{6CB79BB1-8CD1-4613-A541-89EC9E870D16}" type="presOf" srcId="{B805F03B-E534-4BB2-93CE-BBEA772F6E90}" destId="{A2DFDE8E-2411-4265-AA5D-BB42312CB548}" srcOrd="1" destOrd="0" presId="urn:microsoft.com/office/officeart/2005/8/layout/orgChart1"/>
+    <dgm:cxn modelId="{12AE71F4-5840-4A1F-BEE5-580FA25CE6E6}" type="presOf" srcId="{5DDABE47-A054-4792-B0F5-197352F33D17}" destId="{662D9F91-F033-476E-A6FF-C60E2D5373D3}" srcOrd="1" destOrd="0" presId="urn:microsoft.com/office/officeart/2005/8/layout/orgChart1"/>
+    <dgm:cxn modelId="{8AF178A6-F8A5-474D-9013-1AA4EAEA413B}" type="presOf" srcId="{D6748C1B-B1D7-4E81-9296-0686D8FE7D39}" destId="{20C93095-44EB-4812-B5DE-741F42DBEE6B}" srcOrd="0" destOrd="0" presId="urn:microsoft.com/office/officeart/2005/8/layout/orgChart1"/>
+    <dgm:cxn modelId="{53C4FAE8-0F3F-4C9B-AA17-67D934C3EA36}" srcId="{AA669442-AFA9-4638-9D15-D9268EFB8473}" destId="{474EB636-F6D2-4BEA-B5C6-FCD7E90DA93F}" srcOrd="4" destOrd="0" parTransId="{DCD77A3C-F27C-46FB-BE70-106027A905B5}" sibTransId="{16E6A59E-2806-4213-AB41-46CC50A760F7}"/>
+    <dgm:cxn modelId="{E5616BF3-5BB6-4E36-BB7C-11AA6ABF472F}" type="presOf" srcId="{EA67A1CD-5C60-4093-99B6-3D23D6B831CA}" destId="{3762977E-4513-4719-9A60-4F8A8DBA190C}" srcOrd="0" destOrd="0" presId="urn:microsoft.com/office/officeart/2005/8/layout/orgChart1"/>
+    <dgm:cxn modelId="{791B9946-065A-49D1-AB0D-3F2BCE9C1146}" srcId="{C33B2BA4-4490-49E1-8D90-5EB1326AA706}" destId="{D3FF7AA2-2D47-47AC-AC10-4D27659E8005}" srcOrd="0" destOrd="0" parTransId="{D0D3D2E7-2A9C-4751-A53E-CCE21297CEAB}" sibTransId="{194534E1-9C5E-4A34-BECB-F87DC85C98A2}"/>
+    <dgm:cxn modelId="{A0F4D297-D338-4A7A-A4DD-B5C7755959D4}" type="presOf" srcId="{F4105D80-F568-4B62-9921-0BB11ED7E0CF}" destId="{188142AA-F8F8-47A5-9CAB-EA7B6F9B5B4A}" srcOrd="1" destOrd="0" presId="urn:microsoft.com/office/officeart/2005/8/layout/orgChart1"/>
+    <dgm:cxn modelId="{DB8D4503-C797-4287-9D90-453B08C00293}" type="presOf" srcId="{B76318E2-9F75-475A-BF9A-74F701842B67}" destId="{78FC1394-E276-4133-A393-2E4FDEE1708A}" srcOrd="0" destOrd="0" presId="urn:microsoft.com/office/officeart/2005/8/layout/orgChart1"/>
+    <dgm:cxn modelId="{846363E5-B333-4201-A019-FC5975F7D3A7}" type="presOf" srcId="{17DD4CB2-CAD6-4B6B-A45C-D22F9C23E315}" destId="{2AE708A3-C148-4EB3-A7FD-94FC2CF6507E}" srcOrd="1" destOrd="0" presId="urn:microsoft.com/office/officeart/2005/8/layout/orgChart1"/>
+    <dgm:cxn modelId="{516F8387-B01D-49C7-A455-9192F734CA6B}" type="presOf" srcId="{474EB636-F6D2-4BEA-B5C6-FCD7E90DA93F}" destId="{04B19C94-4710-418B-9D7F-61F130D13531}" srcOrd="1" destOrd="0" presId="urn:microsoft.com/office/officeart/2005/8/layout/orgChart1"/>
+    <dgm:cxn modelId="{BFF7335C-6257-44ED-8A94-BCA7E0284994}" type="presOf" srcId="{816F1371-12C8-49E9-B468-23548F725860}" destId="{9A8238FC-1F74-4568-9F24-08AAA32AB435}" srcOrd="1" destOrd="0" presId="urn:microsoft.com/office/officeart/2005/8/layout/orgChart1"/>
+    <dgm:cxn modelId="{9CF340D4-331D-4EF6-97F2-672876A79AF5}" type="presOf" srcId="{816F1371-12C8-49E9-B468-23548F725860}" destId="{C6082CFA-E009-4B1D-B9EA-1936AFA4D441}" srcOrd="0" destOrd="0" presId="urn:microsoft.com/office/officeart/2005/8/layout/orgChart1"/>
+    <dgm:cxn modelId="{60FC2BCC-3164-438B-96A6-8E0913919B97}" type="presOf" srcId="{38561880-53F5-495B-AA10-D56B5C5F9A5D}" destId="{B843B24D-DE4E-48CD-9162-A9EDAC2F8442}" srcOrd="0" destOrd="0" presId="urn:microsoft.com/office/officeart/2005/8/layout/orgChart1"/>
+    <dgm:cxn modelId="{32448142-2E1B-4597-96AD-DC9EDB98BCC3}" type="presOf" srcId="{B76318E2-9F75-475A-BF9A-74F701842B67}" destId="{24498A24-ECA0-4D42-8E8F-F3BB5946EC28}" srcOrd="1" destOrd="0" presId="urn:microsoft.com/office/officeart/2005/8/layout/orgChart1"/>
+    <dgm:cxn modelId="{36ED5AFE-C3BC-4348-82F2-70D97CE43D60}" srcId="{42E10B7E-C652-46CD-A1F7-F4F9CA850386}" destId="{AA669442-AFA9-4638-9D15-D9268EFB8473}" srcOrd="4" destOrd="0" parTransId="{C34629F0-9C91-4FFE-9844-2FC9C3C07709}" sibTransId="{587514E5-7F08-4B56-BDCE-ED5439D2E40E}"/>
+    <dgm:cxn modelId="{FC7B68C9-642C-4953-A370-030F2743A099}" type="presOf" srcId="{F8F9567E-AE5C-4B77-9750-AC213499BCA3}" destId="{54D016DC-FC71-4E3F-8DAB-59B3D96F71B5}" srcOrd="0" destOrd="0" presId="urn:microsoft.com/office/officeart/2005/8/layout/orgChart1"/>
+    <dgm:cxn modelId="{0950EE50-61A6-4163-BA74-AEFFDFE6A0ED}" type="presOf" srcId="{AA669442-AFA9-4638-9D15-D9268EFB8473}" destId="{2D6A8869-EB37-4FB4-938B-79A917E887A6}" srcOrd="1" destOrd="0" presId="urn:microsoft.com/office/officeart/2005/8/layout/orgChart1"/>
+    <dgm:cxn modelId="{C4F316D2-7F8B-4C86-AEA0-B1D78F313008}" type="presOf" srcId="{42E10B7E-C652-46CD-A1F7-F4F9CA850386}" destId="{E0F34EC7-560D-47B3-9815-71ADA179FCB4}" srcOrd="1" destOrd="0" presId="urn:microsoft.com/office/officeart/2005/8/layout/orgChart1"/>
+    <dgm:cxn modelId="{09903F3B-589F-4A17-B2D9-90CBCC4386B5}" srcId="{F8F9567E-AE5C-4B77-9750-AC213499BCA3}" destId="{F0729740-3784-4B42-B9B8-057D248322AC}" srcOrd="0" destOrd="0" parTransId="{E69E8D6C-0C5F-469C-B5C7-198070AE2824}" sibTransId="{14F89168-151E-4F22-B255-4011235876BD}"/>
+    <dgm:cxn modelId="{F60BE739-1641-4D5D-941A-FE837F62AE47}" type="presOf" srcId="{F8F9567E-AE5C-4B77-9750-AC213499BCA3}" destId="{0F6711A2-3BB0-4BDF-AE16-1D54EA671F67}" srcOrd="1" destOrd="0" presId="urn:microsoft.com/office/officeart/2005/8/layout/orgChart1"/>
+    <dgm:cxn modelId="{C088AF4D-3E86-4EBB-9E6A-A208285D6D7D}" type="presOf" srcId="{9BAC4BEF-4605-428C-9F2B-165052BC7884}" destId="{BDDF6C7C-01C0-4E1A-9BF2-C9BA50A1ACB8}" srcOrd="0" destOrd="0" presId="urn:microsoft.com/office/officeart/2005/8/layout/orgChart1"/>
+    <dgm:cxn modelId="{E22B3817-2E33-4B55-941A-7EE89447C16E}" srcId="{42E10B7E-C652-46CD-A1F7-F4F9CA850386}" destId="{C33B2BA4-4490-49E1-8D90-5EB1326AA706}" srcOrd="1" destOrd="0" parTransId="{EA67A1CD-5C60-4093-99B6-3D23D6B831CA}" sibTransId="{211E380A-8F81-45B9-9665-FC8DE976A90C}"/>
+    <dgm:cxn modelId="{A12115D8-9F34-400A-B85A-96E87B5C9372}" type="presOf" srcId="{259457F3-A2F7-4040-8119-12548FF0E4C4}" destId="{8CBBC708-C28A-4F2A-9B91-4622CB3928F4}" srcOrd="1" destOrd="0" presId="urn:microsoft.com/office/officeart/2005/8/layout/orgChart1"/>
+    <dgm:cxn modelId="{CABDD849-4AB7-49DC-947F-F4AAD2649138}" type="presOf" srcId="{E69E8D6C-0C5F-469C-B5C7-198070AE2824}" destId="{B082D02C-4942-443B-8B8C-F9BE93E59E09}" srcOrd="0" destOrd="0" presId="urn:microsoft.com/office/officeart/2005/8/layout/orgChart1"/>
+    <dgm:cxn modelId="{EFAAB770-F127-41C2-B3DE-8E520AEF8F9B}" type="presOf" srcId="{07A89508-7297-4037-9FAC-E5A487E7EC39}" destId="{9DCE858B-337F-4161-A809-3C1E1E63073B}" srcOrd="0" destOrd="0" presId="urn:microsoft.com/office/officeart/2005/8/layout/orgChart1"/>
+    <dgm:cxn modelId="{C618709A-499F-4F75-A1B2-45DBAD9148D6}" srcId="{C33B2BA4-4490-49E1-8D90-5EB1326AA706}" destId="{F4105D80-F568-4B62-9921-0BB11ED7E0CF}" srcOrd="1" destOrd="0" parTransId="{C8300993-DD72-419F-A6A7-9A39137349D0}" sibTransId="{9E80806E-30EC-4696-B32C-5EE5A1D0ADF9}"/>
+    <dgm:cxn modelId="{2C11B47C-7A95-489B-A697-004E9CBE9A3A}" type="presOf" srcId="{C33B2BA4-4490-49E1-8D90-5EB1326AA706}" destId="{F135F5A6-C17A-4F40-AF85-2F284F32211F}" srcOrd="1" destOrd="0" presId="urn:microsoft.com/office/officeart/2005/8/layout/orgChart1"/>
+    <dgm:cxn modelId="{12C0D62E-1E1F-4950-8EEA-743E7B7589D9}" type="presOf" srcId="{F0C633E5-CC93-453D-A847-9FD1AC1129B5}" destId="{FC48A866-2176-4600-BEE6-1E16116E28E7}" srcOrd="0" destOrd="0" presId="urn:microsoft.com/office/officeart/2005/8/layout/orgChart1"/>
+    <dgm:cxn modelId="{D8EF4FEE-7C7B-42FF-B4AC-BC3080EF37FD}" type="presOf" srcId="{42E10B7E-C652-46CD-A1F7-F4F9CA850386}" destId="{4F8A7480-05DF-422C-845F-C1C655830D7C}" srcOrd="0" destOrd="0" presId="urn:microsoft.com/office/officeart/2005/8/layout/orgChart1"/>
+    <dgm:cxn modelId="{8F873E8E-BAEC-4991-A12C-D54475EE0932}" srcId="{D0B30F8B-FA72-4511-B1D4-3C069DB1A2BC}" destId="{816F1371-12C8-49E9-B468-23548F725860}" srcOrd="0" destOrd="0" parTransId="{9BAC4BEF-4605-428C-9F2B-165052BC7884}" sibTransId="{DF61EDDC-13CC-41BD-9B0A-280820487FBA}"/>
+    <dgm:cxn modelId="{3DB45689-C868-48F7-9F58-8FA1AB35F37D}" type="presOf" srcId="{F0729740-3784-4B42-B9B8-057D248322AC}" destId="{DDF6AFDA-D683-43A2-911F-31CCEDEDFA51}" srcOrd="0" destOrd="0" presId="urn:microsoft.com/office/officeart/2005/8/layout/orgChart1"/>
+    <dgm:cxn modelId="{1E8ADDCE-5AF8-4C3C-BF06-3163E8E1A32B}" type="presOf" srcId="{6238D8DA-A478-45CF-8A8D-BC11A88B5077}" destId="{70E36FC2-8F36-4BB0-97C0-C6B6A0C09B7C}" srcOrd="0" destOrd="0" presId="urn:microsoft.com/office/officeart/2005/8/layout/orgChart1"/>
+    <dgm:cxn modelId="{936FEAE1-4A33-4538-9C6F-2EB13AEF79CB}" srcId="{AA669442-AFA9-4638-9D15-D9268EFB8473}" destId="{02231D59-5A50-4F41-9FAE-4E5E8E5238BB}" srcOrd="1" destOrd="0" parTransId="{6238D8DA-A478-45CF-8A8D-BC11A88B5077}" sibTransId="{1E835D52-1352-402D-A86B-E621E3986A5B}"/>
+    <dgm:cxn modelId="{6CE79A7C-BCA2-4D5F-AFC7-16C6E2329370}" srcId="{F0C633E5-CC93-453D-A847-9FD1AC1129B5}" destId="{42E10B7E-C652-46CD-A1F7-F4F9CA850386}" srcOrd="0" destOrd="0" parTransId="{FF59B0F5-5DE9-4F18-B32F-035570A8FEB9}" sibTransId="{71ADBEE2-8BE0-46B2-818E-63505AF19D39}"/>
+    <dgm:cxn modelId="{5B0A470C-399A-4B27-9CEF-34EA4215304C}" type="presOf" srcId="{6072F66C-AE01-4856-81C7-F3B0DCB4E3B7}" destId="{2C467478-BD63-46D3-9AF8-1B20CDD04829}" srcOrd="0" destOrd="0" presId="urn:microsoft.com/office/officeart/2005/8/layout/orgChart1"/>
+    <dgm:cxn modelId="{1FA2AE2A-33B3-481C-9641-76B5519AA696}" srcId="{F8F9567E-AE5C-4B77-9750-AC213499BCA3}" destId="{EE8291EC-6840-41D1-A872-05149A2E0E20}" srcOrd="1" destOrd="0" parTransId="{3DD6F2CB-8B60-4782-9C2A-838600FAB469}" sibTransId="{B518D7D2-ED88-488B-B416-CB40E4D789B7}"/>
+    <dgm:cxn modelId="{F717549A-E6BD-44FB-A56A-81FCC6CD5A75}" srcId="{AA669442-AFA9-4638-9D15-D9268EFB8473}" destId="{17DD4CB2-CAD6-4B6B-A45C-D22F9C23E315}" srcOrd="0" destOrd="0" parTransId="{D6748C1B-B1D7-4E81-9296-0686D8FE7D39}" sibTransId="{B71ACD82-DFBF-40AA-A00F-DA792B98D275}"/>
+    <dgm:cxn modelId="{E1731528-E88B-4439-9E16-7BBAF5E21F22}" type="presOf" srcId="{07A89508-7297-4037-9FAC-E5A487E7EC39}" destId="{E1B22E78-563D-4720-A758-9C9D35C6B898}" srcOrd="1" destOrd="0" presId="urn:microsoft.com/office/officeart/2005/8/layout/orgChart1"/>
+    <dgm:cxn modelId="{D71C6532-2842-4DC7-874A-A571C5BBC356}" srcId="{42E10B7E-C652-46CD-A1F7-F4F9CA850386}" destId="{D0B30F8B-FA72-4511-B1D4-3C069DB1A2BC}" srcOrd="0" destOrd="0" parTransId="{03A4680A-26A7-4915-BF9A-69394B1FF421}" sibTransId="{0772A00F-E8A1-4550-9887-F7A6A08F6755}"/>
+    <dgm:cxn modelId="{D07D101B-E318-4693-B65A-CB12E396B737}" type="presOf" srcId="{D0B30F8B-FA72-4511-B1D4-3C069DB1A2BC}" destId="{CA5E3D41-E485-4701-9FC6-CA492A2DD9C6}" srcOrd="1" destOrd="0" presId="urn:microsoft.com/office/officeart/2005/8/layout/orgChart1"/>
+    <dgm:cxn modelId="{16333002-8FC3-4263-ADEF-7DCFB7538199}" type="presOf" srcId="{F3C967ED-1410-4005-B670-E8DB91E5D23A}" destId="{186A46C2-EA82-40AD-9DC0-37E9195444F6}" srcOrd="0" destOrd="0" presId="urn:microsoft.com/office/officeart/2005/8/layout/orgChart1"/>
+    <dgm:cxn modelId="{1E2AB471-5A0E-436E-83B5-026B0D6DE58E}" type="presOf" srcId="{EE8291EC-6840-41D1-A872-05149A2E0E20}" destId="{81DB2F96-7301-4343-B6C5-4CAB80BC6A4E}" srcOrd="0" destOrd="0" presId="urn:microsoft.com/office/officeart/2005/8/layout/orgChart1"/>
+    <dgm:cxn modelId="{63B1E541-C3D2-49FD-A6F2-6C205404245B}" type="presOf" srcId="{F0729740-3784-4B42-B9B8-057D248322AC}" destId="{6607C4DA-C2D1-4D8A-964F-C4220105F494}" srcOrd="1" destOrd="0" presId="urn:microsoft.com/office/officeart/2005/8/layout/orgChart1"/>
+    <dgm:cxn modelId="{31D74EA5-2733-4177-BA35-F38B561D19B9}" type="presOf" srcId="{7210CC70-C8B7-4A05-A262-5558FBC95A0B}" destId="{8D8D4BCA-40E0-478D-ABB1-D83B875FF406}" srcOrd="0" destOrd="0" presId="urn:microsoft.com/office/officeart/2005/8/layout/orgChart1"/>
+    <dgm:cxn modelId="{7247169F-8A64-4275-BE32-5E62F2DBD67E}" type="presParOf" srcId="{FC48A866-2176-4600-BEE6-1E16116E28E7}" destId="{5A2E1D5E-1319-4B66-890A-D931A72AEAA6}" srcOrd="0" destOrd="0" presId="urn:microsoft.com/office/officeart/2005/8/layout/orgChart1"/>
+    <dgm:cxn modelId="{BDC6F592-C98C-4701-AC4B-323A0EDFC266}" type="presParOf" srcId="{5A2E1D5E-1319-4B66-890A-D931A72AEAA6}" destId="{8E87EAD0-6602-4E87-9D84-51B9BE40F00E}" srcOrd="0" destOrd="0" presId="urn:microsoft.com/office/officeart/2005/8/layout/orgChart1"/>
+    <dgm:cxn modelId="{6004C298-EE79-4191-973F-2C40A95B78F9}" type="presParOf" srcId="{8E87EAD0-6602-4E87-9D84-51B9BE40F00E}" destId="{4F8A7480-05DF-422C-845F-C1C655830D7C}" srcOrd="0" destOrd="0" presId="urn:microsoft.com/office/officeart/2005/8/layout/orgChart1"/>
+    <dgm:cxn modelId="{710618CC-118F-40AE-A892-C9F70F68AE84}" type="presParOf" srcId="{8E87EAD0-6602-4E87-9D84-51B9BE40F00E}" destId="{E0F34EC7-560D-47B3-9815-71ADA179FCB4}" srcOrd="1" destOrd="0" presId="urn:microsoft.com/office/officeart/2005/8/layout/orgChart1"/>
+    <dgm:cxn modelId="{6EE4E85F-F62E-4431-8653-C09DB999E7CC}" type="presParOf" srcId="{5A2E1D5E-1319-4B66-890A-D931A72AEAA6}" destId="{06B7368C-D8C5-42E2-90D1-FA6D28C20718}" srcOrd="1" destOrd="0" presId="urn:microsoft.com/office/officeart/2005/8/layout/orgChart1"/>
+    <dgm:cxn modelId="{3A9E3F1C-15E4-4815-899B-726451FDAA05}" type="presParOf" srcId="{06B7368C-D8C5-42E2-90D1-FA6D28C20718}" destId="{4944204C-E473-4A7F-8554-BD83B0682EE0}" srcOrd="0" destOrd="0" presId="urn:microsoft.com/office/officeart/2005/8/layout/orgChart1"/>
+    <dgm:cxn modelId="{B327A751-97CC-4C5F-ABC3-B9D967E17955}" type="presParOf" srcId="{06B7368C-D8C5-42E2-90D1-FA6D28C20718}" destId="{181C42D1-53F3-48E0-B9F5-CEE98DE0B335}" srcOrd="1" destOrd="0" presId="urn:microsoft.com/office/officeart/2005/8/layout/orgChart1"/>
+    <dgm:cxn modelId="{D59DD752-5EAC-4BD4-8836-B000F70A2BCF}" type="presParOf" srcId="{181C42D1-53F3-48E0-B9F5-CEE98DE0B335}" destId="{442B40A9-C640-4F6A-8518-EEB28CF20203}" srcOrd="0" destOrd="0" presId="urn:microsoft.com/office/officeart/2005/8/layout/orgChart1"/>
+    <dgm:cxn modelId="{96FE77B1-9E1B-44FF-9D12-704029F3609F}" type="presParOf" srcId="{442B40A9-C640-4F6A-8518-EEB28CF20203}" destId="{563A7891-5E14-4169-A718-1916552BCF2F}" srcOrd="0" destOrd="0" presId="urn:microsoft.com/office/officeart/2005/8/layout/orgChart1"/>
+    <dgm:cxn modelId="{C205B1EA-2606-4A31-8264-826A3512FA73}" type="presParOf" srcId="{442B40A9-C640-4F6A-8518-EEB28CF20203}" destId="{CA5E3D41-E485-4701-9FC6-CA492A2DD9C6}" srcOrd="1" destOrd="0" presId="urn:microsoft.com/office/officeart/2005/8/layout/orgChart1"/>
+    <dgm:cxn modelId="{FADBACB6-16BB-46B0-973D-186A895BDCE7}" type="presParOf" srcId="{181C42D1-53F3-48E0-B9F5-CEE98DE0B335}" destId="{3C1F9E9D-8DBF-4E8C-ADEF-1BE4093C53F6}" srcOrd="1" destOrd="0" presId="urn:microsoft.com/office/officeart/2005/8/layout/orgChart1"/>
+    <dgm:cxn modelId="{009B9F67-EB3C-4362-8175-EDEEAFB90B75}" type="presParOf" srcId="{3C1F9E9D-8DBF-4E8C-ADEF-1BE4093C53F6}" destId="{BDDF6C7C-01C0-4E1A-9BF2-C9BA50A1ACB8}" srcOrd="0" destOrd="0" presId="urn:microsoft.com/office/officeart/2005/8/layout/orgChart1"/>
+    <dgm:cxn modelId="{9727D248-035B-40F5-A464-AD70855ABBC9}" type="presParOf" srcId="{3C1F9E9D-8DBF-4E8C-ADEF-1BE4093C53F6}" destId="{148DFF51-078F-413D-8613-E8085B1B41AC}" srcOrd="1" destOrd="0" presId="urn:microsoft.com/office/officeart/2005/8/layout/orgChart1"/>
+    <dgm:cxn modelId="{F5078C86-415A-45FE-BF7C-A53E11B33FC0}" type="presParOf" srcId="{148DFF51-078F-413D-8613-E8085B1B41AC}" destId="{A9B23FBE-C4C6-45B6-A298-840E680C7120}" srcOrd="0" destOrd="0" presId="urn:microsoft.com/office/officeart/2005/8/layout/orgChart1"/>
+    <dgm:cxn modelId="{71A971E8-01F9-499F-85FF-24116B691DD3}" type="presParOf" srcId="{A9B23FBE-C4C6-45B6-A298-840E680C7120}" destId="{C6082CFA-E009-4B1D-B9EA-1936AFA4D441}" srcOrd="0" destOrd="0" presId="urn:microsoft.com/office/officeart/2005/8/layout/orgChart1"/>
+    <dgm:cxn modelId="{CCE81940-95BF-4F60-982E-1DDDFDB9F7F6}" type="presParOf" srcId="{A9B23FBE-C4C6-45B6-A298-840E680C7120}" destId="{9A8238FC-1F74-4568-9F24-08AAA32AB435}" srcOrd="1" destOrd="0" presId="urn:microsoft.com/office/officeart/2005/8/layout/orgChart1"/>
+    <dgm:cxn modelId="{B6AA59FD-0777-415E-84F1-B13A22958682}" type="presParOf" srcId="{148DFF51-078F-413D-8613-E8085B1B41AC}" destId="{178DE92D-8F52-41B4-B62D-5E61E65D4870}" srcOrd="1" destOrd="0" presId="urn:microsoft.com/office/officeart/2005/8/layout/orgChart1"/>
+    <dgm:cxn modelId="{36540843-18E5-4B3A-A6F7-77BED4F8621C}" type="presParOf" srcId="{148DFF51-078F-413D-8613-E8085B1B41AC}" destId="{42CEC435-D2ED-4C6E-8164-66A35D5CE38C}" srcOrd="2" destOrd="0" presId="urn:microsoft.com/office/officeart/2005/8/layout/orgChart1"/>
+    <dgm:cxn modelId="{81097F2F-110F-4996-A454-7A303EE057D6}" type="presParOf" srcId="{181C42D1-53F3-48E0-B9F5-CEE98DE0B335}" destId="{2ADB8C91-AFA1-4F1A-9BFB-1D1C0263A092}" srcOrd="2" destOrd="0" presId="urn:microsoft.com/office/officeart/2005/8/layout/orgChart1"/>
+    <dgm:cxn modelId="{2EC5B944-1786-4566-9BFE-50DBB8E9C650}" type="presParOf" srcId="{06B7368C-D8C5-42E2-90D1-FA6D28C20718}" destId="{3762977E-4513-4719-9A60-4F8A8DBA190C}" srcOrd="2" destOrd="0" presId="urn:microsoft.com/office/officeart/2005/8/layout/orgChart1"/>
+    <dgm:cxn modelId="{2C62E72B-BA77-41ED-AD30-BE9FC16F1044}" type="presParOf" srcId="{06B7368C-D8C5-42E2-90D1-FA6D28C20718}" destId="{6A8AAB0D-83F5-4A89-A45E-4708E4A73B5D}" srcOrd="3" destOrd="0" presId="urn:microsoft.com/office/officeart/2005/8/layout/orgChart1"/>
+    <dgm:cxn modelId="{22134C63-FFC4-41B1-B71E-DB619069E9A1}" type="presParOf" srcId="{6A8AAB0D-83F5-4A89-A45E-4708E4A73B5D}" destId="{F4DB3711-697A-4D6E-A6CE-E1C5FCAA57D9}" srcOrd="0" destOrd="0" presId="urn:microsoft.com/office/officeart/2005/8/layout/orgChart1"/>
+    <dgm:cxn modelId="{00A799E0-DAC8-4A68-95BB-426FDD7EC620}" type="presParOf" srcId="{F4DB3711-697A-4D6E-A6CE-E1C5FCAA57D9}" destId="{C72CEB21-61F5-4E03-A49D-F746A01CC884}" srcOrd="0" destOrd="0" presId="urn:microsoft.com/office/officeart/2005/8/layout/orgChart1"/>
+    <dgm:cxn modelId="{B256DFCD-4E1F-49AE-B63A-4AC58558CD75}" type="presParOf" srcId="{F4DB3711-697A-4D6E-A6CE-E1C5FCAA57D9}" destId="{F135F5A6-C17A-4F40-AF85-2F284F32211F}" srcOrd="1" destOrd="0" presId="urn:microsoft.com/office/officeart/2005/8/layout/orgChart1"/>
+    <dgm:cxn modelId="{4EF1BB7E-65DB-45CA-8699-DACE2CB193E8}" type="presParOf" srcId="{6A8AAB0D-83F5-4A89-A45E-4708E4A73B5D}" destId="{0972CAE1-0DAD-4DC5-98B9-71D8C566E48A}" srcOrd="1" destOrd="0" presId="urn:microsoft.com/office/officeart/2005/8/layout/orgChart1"/>
+    <dgm:cxn modelId="{E14433F9-C3F9-4E07-9935-2A75ADE63F83}" type="presParOf" srcId="{0972CAE1-0DAD-4DC5-98B9-71D8C566E48A}" destId="{BA84E4DB-1D90-4D6F-A7B2-5AF2E19C1897}" srcOrd="0" destOrd="0" presId="urn:microsoft.com/office/officeart/2005/8/layout/orgChart1"/>
+    <dgm:cxn modelId="{9512FAD5-F086-4EFB-94F6-556219145A5C}" type="presParOf" srcId="{0972CAE1-0DAD-4DC5-98B9-71D8C566E48A}" destId="{332E0E93-1C98-411C-9414-E9B22B03796D}" srcOrd="1" destOrd="0" presId="urn:microsoft.com/office/officeart/2005/8/layout/orgChart1"/>
+    <dgm:cxn modelId="{FE43ED76-DB94-4D8A-A9DE-7C425322FB99}" type="presParOf" srcId="{332E0E93-1C98-411C-9414-E9B22B03796D}" destId="{8C57FF31-1C12-45AB-8DEF-81693B7F1248}" srcOrd="0" destOrd="0" presId="urn:microsoft.com/office/officeart/2005/8/layout/orgChart1"/>
+    <dgm:cxn modelId="{4C9E61EF-39DE-4E4D-9B53-B54E54CEC405}" type="presParOf" srcId="{8C57FF31-1C12-45AB-8DEF-81693B7F1248}" destId="{9D8E8071-44EB-40CC-9BAF-73F22ADD8E92}" srcOrd="0" destOrd="0" presId="urn:microsoft.com/office/officeart/2005/8/layout/orgChart1"/>
+    <dgm:cxn modelId="{7D27C0D5-FA0C-4D60-A5F1-FC82A022106F}" type="presParOf" srcId="{8C57FF31-1C12-45AB-8DEF-81693B7F1248}" destId="{2AFCC6FA-8686-4619-A668-60596C945B6B}" srcOrd="1" destOrd="0" presId="urn:microsoft.com/office/officeart/2005/8/layout/orgChart1"/>
+    <dgm:cxn modelId="{3DA79BD3-DCBD-49E8-9E89-90E17B94DA6E}" type="presParOf" srcId="{332E0E93-1C98-411C-9414-E9B22B03796D}" destId="{D70C10AE-53F0-4B53-A7A8-571705505D5C}" srcOrd="1" destOrd="0" presId="urn:microsoft.com/office/officeart/2005/8/layout/orgChart1"/>
+    <dgm:cxn modelId="{578299D9-3C1F-43AF-9DAD-27283B852A4E}" type="presParOf" srcId="{332E0E93-1C98-411C-9414-E9B22B03796D}" destId="{0FAD52F5-8683-49C5-A6E4-47A91DCB4D45}" srcOrd="2" destOrd="0" presId="urn:microsoft.com/office/officeart/2005/8/layout/orgChart1"/>
+    <dgm:cxn modelId="{DCF9CC1C-66DE-49C8-A361-163542C33E58}" type="presParOf" srcId="{0972CAE1-0DAD-4DC5-98B9-71D8C566E48A}" destId="{78D4D4A7-D2F2-4E42-BB62-20A8D5AB0DD3}" srcOrd="2" destOrd="0" presId="urn:microsoft.com/office/officeart/2005/8/layout/orgChart1"/>
+    <dgm:cxn modelId="{7176BB96-135A-429E-94AE-CD263561DF90}" type="presParOf" srcId="{0972CAE1-0DAD-4DC5-98B9-71D8C566E48A}" destId="{AE2A6150-8A3D-4423-8533-B8EB42EA718C}" srcOrd="3" destOrd="0" presId="urn:microsoft.com/office/officeart/2005/8/layout/orgChart1"/>
+    <dgm:cxn modelId="{1F966A40-6130-4340-91B1-C1D4A55CF7B1}" type="presParOf" srcId="{AE2A6150-8A3D-4423-8533-B8EB42EA718C}" destId="{2103A792-8512-4B9D-886D-77B23E6E7D25}" srcOrd="0" destOrd="0" presId="urn:microsoft.com/office/officeart/2005/8/layout/orgChart1"/>
+    <dgm:cxn modelId="{A57E711F-738D-4D74-8BE9-1DB0BA7D013E}" type="presParOf" srcId="{2103A792-8512-4B9D-886D-77B23E6E7D25}" destId="{022B3D57-45D9-430A-AC25-521197D81FD1}" srcOrd="0" destOrd="0" presId="urn:microsoft.com/office/officeart/2005/8/layout/orgChart1"/>
+    <dgm:cxn modelId="{4DBC6030-3CE5-47B4-9B05-0200AD7FB517}" type="presParOf" srcId="{2103A792-8512-4B9D-886D-77B23E6E7D25}" destId="{188142AA-F8F8-47A5-9CAB-EA7B6F9B5B4A}" srcOrd="1" destOrd="0" presId="urn:microsoft.com/office/officeart/2005/8/layout/orgChart1"/>
+    <dgm:cxn modelId="{8CA239C2-9CEB-4027-B092-9B441C37CE8D}" type="presParOf" srcId="{AE2A6150-8A3D-4423-8533-B8EB42EA718C}" destId="{E8F18D8A-3942-4072-A368-D64A5F8F694B}" srcOrd="1" destOrd="0" presId="urn:microsoft.com/office/officeart/2005/8/layout/orgChart1"/>
+    <dgm:cxn modelId="{62946D44-8D17-417D-9D54-B0B28E3555F8}" type="presParOf" srcId="{AE2A6150-8A3D-4423-8533-B8EB42EA718C}" destId="{D0512DD0-29D4-402E-82F5-385EA2D869E9}" srcOrd="2" destOrd="0" presId="urn:microsoft.com/office/officeart/2005/8/layout/orgChart1"/>
+    <dgm:cxn modelId="{1E1115BF-3528-4C23-BEB9-1AE16CBE6643}" type="presParOf" srcId="{0972CAE1-0DAD-4DC5-98B9-71D8C566E48A}" destId="{8D8D4BCA-40E0-478D-ABB1-D83B875FF406}" srcOrd="4" destOrd="0" presId="urn:microsoft.com/office/officeart/2005/8/layout/orgChart1"/>
+    <dgm:cxn modelId="{8B77C8B5-6152-4B37-B0C8-BF0911F1E82E}" type="presParOf" srcId="{0972CAE1-0DAD-4DC5-98B9-71D8C566E48A}" destId="{059F0DD3-9E93-45E0-9A2B-11338B77589C}" srcOrd="5" destOrd="0" presId="urn:microsoft.com/office/officeart/2005/8/layout/orgChart1"/>
+    <dgm:cxn modelId="{C87761B6-F223-4833-9238-DCC47DB52F65}" type="presParOf" srcId="{059F0DD3-9E93-45E0-9A2B-11338B77589C}" destId="{9708428C-0779-4994-B774-5D5619C61549}" srcOrd="0" destOrd="0" presId="urn:microsoft.com/office/officeart/2005/8/layout/orgChart1"/>
+    <dgm:cxn modelId="{850D77CA-310D-4ABA-A853-1EF0702965F2}" type="presParOf" srcId="{9708428C-0779-4994-B774-5D5619C61549}" destId="{2C467478-BD63-46D3-9AF8-1B20CDD04829}" srcOrd="0" destOrd="0" presId="urn:microsoft.com/office/officeart/2005/8/layout/orgChart1"/>
+    <dgm:cxn modelId="{072B0A6A-2679-4D1E-BF44-9AEAF55F465A}" type="presParOf" srcId="{9708428C-0779-4994-B774-5D5619C61549}" destId="{75D84F56-066E-43F0-9858-39C94DC885C4}" srcOrd="1" destOrd="0" presId="urn:microsoft.com/office/officeart/2005/8/layout/orgChart1"/>
+    <dgm:cxn modelId="{083C5025-2D00-4CC1-B13E-192CEC8387C6}" type="presParOf" srcId="{059F0DD3-9E93-45E0-9A2B-11338B77589C}" destId="{9D6AC508-88B9-4104-9E6B-9C612A38D30C}" srcOrd="1" destOrd="0" presId="urn:microsoft.com/office/officeart/2005/8/layout/orgChart1"/>
+    <dgm:cxn modelId="{944C49B4-9A7C-4A9C-9F97-17F335687390}" type="presParOf" srcId="{059F0DD3-9E93-45E0-9A2B-11338B77589C}" destId="{0B0F358C-5A02-4353-AF66-D3D27536817F}" srcOrd="2" destOrd="0" presId="urn:microsoft.com/office/officeart/2005/8/layout/orgChart1"/>
+    <dgm:cxn modelId="{5663A29E-4AEA-49B7-AD59-D90A5BFED554}" type="presParOf" srcId="{6A8AAB0D-83F5-4A89-A45E-4708E4A73B5D}" destId="{695952E4-4A34-429C-9D9C-D99EAD88ED14}" srcOrd="2" destOrd="0" presId="urn:microsoft.com/office/officeart/2005/8/layout/orgChart1"/>
+    <dgm:cxn modelId="{3FDCCBAB-FEBD-47CF-823F-3A44AD776D49}" type="presParOf" srcId="{06B7368C-D8C5-42E2-90D1-FA6D28C20718}" destId="{8EDDA6FA-5DC0-43D3-AE0A-47EE9C7DB93B}" srcOrd="4" destOrd="0" presId="urn:microsoft.com/office/officeart/2005/8/layout/orgChart1"/>
+    <dgm:cxn modelId="{A6052117-5CCC-498C-9495-F0CAB21B7FC9}" type="presParOf" srcId="{06B7368C-D8C5-42E2-90D1-FA6D28C20718}" destId="{7A1F80CC-10CE-4D50-A13E-34524539E856}" srcOrd="5" destOrd="0" presId="urn:microsoft.com/office/officeart/2005/8/layout/orgChart1"/>
+    <dgm:cxn modelId="{CBE2A183-9607-49BD-86FF-17B44C39353E}" type="presParOf" srcId="{7A1F80CC-10CE-4D50-A13E-34524539E856}" destId="{42A9A018-4BB9-43FB-9793-A78DACEDCB9B}" srcOrd="0" destOrd="0" presId="urn:microsoft.com/office/officeart/2005/8/layout/orgChart1"/>
+    <dgm:cxn modelId="{13B4075D-F87D-4CBA-A5B2-EC16010307B4}" type="presParOf" srcId="{42A9A018-4BB9-43FB-9793-A78DACEDCB9B}" destId="{54D016DC-FC71-4E3F-8DAB-59B3D96F71B5}" srcOrd="0" destOrd="0" presId="urn:microsoft.com/office/officeart/2005/8/layout/orgChart1"/>
+    <dgm:cxn modelId="{B682CC89-4FB9-499B-901C-C11F7ACFB7DC}" type="presParOf" srcId="{42A9A018-4BB9-43FB-9793-A78DACEDCB9B}" destId="{0F6711A2-3BB0-4BDF-AE16-1D54EA671F67}" srcOrd="1" destOrd="0" presId="urn:microsoft.com/office/officeart/2005/8/layout/orgChart1"/>
+    <dgm:cxn modelId="{F4AC9F38-3460-4F6E-8D45-3B97DD3DD29B}" type="presParOf" srcId="{7A1F80CC-10CE-4D50-A13E-34524539E856}" destId="{340411BA-1618-47C0-98AF-AFCCE577150F}" srcOrd="1" destOrd="0" presId="urn:microsoft.com/office/officeart/2005/8/layout/orgChart1"/>
+    <dgm:cxn modelId="{D68636B9-299F-4346-BC43-19814C97310A}" type="presParOf" srcId="{340411BA-1618-47C0-98AF-AFCCE577150F}" destId="{B082D02C-4942-443B-8B8C-F9BE93E59E09}" srcOrd="0" destOrd="0" presId="urn:microsoft.com/office/officeart/2005/8/layout/orgChart1"/>
+    <dgm:cxn modelId="{87428169-7794-4A0A-BA4C-2FF74038CE5B}" type="presParOf" srcId="{340411BA-1618-47C0-98AF-AFCCE577150F}" destId="{7B3DD46F-72A9-4EA3-A43C-A58F3C1AA12D}" srcOrd="1" destOrd="0" presId="urn:microsoft.com/office/officeart/2005/8/layout/orgChart1"/>
+    <dgm:cxn modelId="{200651DC-6E65-4EEB-942D-C27194D06194}" type="presParOf" srcId="{7B3DD46F-72A9-4EA3-A43C-A58F3C1AA12D}" destId="{51752A7D-6538-4CAF-BFC2-460EB3B5A49E}" srcOrd="0" destOrd="0" presId="urn:microsoft.com/office/officeart/2005/8/layout/orgChart1"/>
+    <dgm:cxn modelId="{E63B4E6A-856F-4706-9616-0D1A9D75C663}" type="presParOf" srcId="{51752A7D-6538-4CAF-BFC2-460EB3B5A49E}" destId="{DDF6AFDA-D683-43A2-911F-31CCEDEDFA51}" srcOrd="0" destOrd="0" presId="urn:microsoft.com/office/officeart/2005/8/layout/orgChart1"/>
+    <dgm:cxn modelId="{8757CEF9-087B-4BD3-8042-BF1EC1B512BF}" type="presParOf" srcId="{51752A7D-6538-4CAF-BFC2-460EB3B5A49E}" destId="{6607C4DA-C2D1-4D8A-964F-C4220105F494}" srcOrd="1" destOrd="0" presId="urn:microsoft.com/office/officeart/2005/8/layout/orgChart1"/>
+    <dgm:cxn modelId="{CBED835B-91C6-47DA-9C1D-32B2A3A5C5FA}" type="presParOf" srcId="{7B3DD46F-72A9-4EA3-A43C-A58F3C1AA12D}" destId="{41F44BE1-0423-406D-B2F8-67F59F854CD0}" srcOrd="1" destOrd="0" presId="urn:microsoft.com/office/officeart/2005/8/layout/orgChart1"/>
+    <dgm:cxn modelId="{A79225F6-F307-47A4-A051-39EC978A3E31}" type="presParOf" srcId="{7B3DD46F-72A9-4EA3-A43C-A58F3C1AA12D}" destId="{8D2F69C1-5113-4A4C-BA28-EC444A548C7E}" srcOrd="2" destOrd="0" presId="urn:microsoft.com/office/officeart/2005/8/layout/orgChart1"/>
+    <dgm:cxn modelId="{66770C21-EADD-4F98-A460-621D88268CE3}" type="presParOf" srcId="{340411BA-1618-47C0-98AF-AFCCE577150F}" destId="{BD3E7B11-B460-4A73-9EE3-08E1013C8EF8}" srcOrd="2" destOrd="0" presId="urn:microsoft.com/office/officeart/2005/8/layout/orgChart1"/>
+    <dgm:cxn modelId="{49C7A409-54BF-41C9-BB87-4F04519F0FB9}" type="presParOf" srcId="{340411BA-1618-47C0-98AF-AFCCE577150F}" destId="{F3D9F788-462F-410D-8075-B02B770E579C}" srcOrd="3" destOrd="0" presId="urn:microsoft.com/office/officeart/2005/8/layout/orgChart1"/>
+    <dgm:cxn modelId="{BB548A77-06A9-435F-9EA0-F60E30C4B840}" type="presParOf" srcId="{F3D9F788-462F-410D-8075-B02B770E579C}" destId="{98DEE076-552D-4D99-B6AA-1EFEEC684DA4}" srcOrd="0" destOrd="0" presId="urn:microsoft.com/office/officeart/2005/8/layout/orgChart1"/>
+    <dgm:cxn modelId="{6C277BBF-3782-4BED-BE9E-4B50219AF95D}" type="presParOf" srcId="{98DEE076-552D-4D99-B6AA-1EFEEC684DA4}" destId="{81DB2F96-7301-4343-B6C5-4CAB80BC6A4E}" srcOrd="0" destOrd="0" presId="urn:microsoft.com/office/officeart/2005/8/layout/orgChart1"/>
+    <dgm:cxn modelId="{A59D9E77-C1FF-4F08-AAC9-965180D54317}" type="presParOf" srcId="{98DEE076-552D-4D99-B6AA-1EFEEC684DA4}" destId="{AD6E0763-6C7B-40DF-927C-E7036D83E618}" srcOrd="1" destOrd="0" presId="urn:microsoft.com/office/officeart/2005/8/layout/orgChart1"/>
+    <dgm:cxn modelId="{64F506F9-EC35-47A7-9BBA-7A459DC487BE}" type="presParOf" srcId="{F3D9F788-462F-410D-8075-B02B770E579C}" destId="{AB262D55-D9C8-41DB-B175-731A0FBAD6FD}" srcOrd="1" destOrd="0" presId="urn:microsoft.com/office/officeart/2005/8/layout/orgChart1"/>
+    <dgm:cxn modelId="{9A7B7FE9-64C5-4FBE-9826-681A913D631E}" type="presParOf" srcId="{F3D9F788-462F-410D-8075-B02B770E579C}" destId="{483762A8-FFA3-4851-B3DE-B04DC40D006B}" srcOrd="2" destOrd="0" presId="urn:microsoft.com/office/officeart/2005/8/layout/orgChart1"/>
+    <dgm:cxn modelId="{97FE928A-0DA0-41F1-AE73-826087EB82E7}" type="presParOf" srcId="{340411BA-1618-47C0-98AF-AFCCE577150F}" destId="{06AAA520-57B5-42CB-8C08-0EB77F406422}" srcOrd="4" destOrd="0" presId="urn:microsoft.com/office/officeart/2005/8/layout/orgChart1"/>
+    <dgm:cxn modelId="{D1A958D9-C82A-49F5-A49C-5ACC68B2309D}" type="presParOf" srcId="{340411BA-1618-47C0-98AF-AFCCE577150F}" destId="{7673D469-5A90-41B4-92CD-B0578DE41BAC}" srcOrd="5" destOrd="0" presId="urn:microsoft.com/office/officeart/2005/8/layout/orgChart1"/>
+    <dgm:cxn modelId="{C4CB1436-122A-44B4-B8B9-E7E6F2E8A00D}" type="presParOf" srcId="{7673D469-5A90-41B4-92CD-B0578DE41BAC}" destId="{2659A37D-1C32-4D55-9656-DA1D4B1C0FAA}" srcOrd="0" destOrd="0" presId="urn:microsoft.com/office/officeart/2005/8/layout/orgChart1"/>
+    <dgm:cxn modelId="{5C92808C-69FD-445D-9029-C44E5BD2BE67}" type="presParOf" srcId="{2659A37D-1C32-4D55-9656-DA1D4B1C0FAA}" destId="{9DCE858B-337F-4161-A809-3C1E1E63073B}" srcOrd="0" destOrd="0" presId="urn:microsoft.com/office/officeart/2005/8/layout/orgChart1"/>
+    <dgm:cxn modelId="{BD984013-DADB-404C-B882-9FFDD6FB39A8}" type="presParOf" srcId="{2659A37D-1C32-4D55-9656-DA1D4B1C0FAA}" destId="{E1B22E78-563D-4720-A758-9C9D35C6B898}" srcOrd="1" destOrd="0" presId="urn:microsoft.com/office/officeart/2005/8/layout/orgChart1"/>
+    <dgm:cxn modelId="{B7E97715-AC94-4367-BDAD-7215536A3459}" type="presParOf" srcId="{7673D469-5A90-41B4-92CD-B0578DE41BAC}" destId="{EB024A2B-83CA-400E-AC42-A48A1E57E844}" srcOrd="1" destOrd="0" presId="urn:microsoft.com/office/officeart/2005/8/layout/orgChart1"/>
+    <dgm:cxn modelId="{7A2AF58C-527E-4825-868B-17BF5153F8DC}" type="presParOf" srcId="{7673D469-5A90-41B4-92CD-B0578DE41BAC}" destId="{C56BC2FC-7BE2-4D02-84AE-95A04E726FA4}" srcOrd="2" destOrd="0" presId="urn:microsoft.com/office/officeart/2005/8/layout/orgChart1"/>
+    <dgm:cxn modelId="{EA3D7B42-5C64-432A-BB26-C408C2E2EFD7}" type="presParOf" srcId="{7A1F80CC-10CE-4D50-A13E-34524539E856}" destId="{EE468C46-5D10-4B5F-A6C7-1E1FEC15BE86}" srcOrd="2" destOrd="0" presId="urn:microsoft.com/office/officeart/2005/8/layout/orgChart1"/>
+    <dgm:cxn modelId="{0CA9CAB1-E176-4DC1-86A4-8F98B70BB12A}" type="presParOf" srcId="{06B7368C-D8C5-42E2-90D1-FA6D28C20718}" destId="{89FC767F-E136-4FFC-B82F-1C5B4CCB8DF4}" srcOrd="6" destOrd="0" presId="urn:microsoft.com/office/officeart/2005/8/layout/orgChart1"/>
+    <dgm:cxn modelId="{4FE91F77-0B13-43DD-BE64-2DD164E175CF}" type="presParOf" srcId="{06B7368C-D8C5-42E2-90D1-FA6D28C20718}" destId="{C9A980CF-6785-4639-B99D-BAA0365A2A6C}" srcOrd="7" destOrd="0" presId="urn:microsoft.com/office/officeart/2005/8/layout/orgChart1"/>
+    <dgm:cxn modelId="{257753CC-C349-413B-B6DF-DECB382A3248}" type="presParOf" srcId="{C9A980CF-6785-4639-B99D-BAA0365A2A6C}" destId="{4F56CEAB-4F77-4722-8BC2-27E173047EA4}" srcOrd="0" destOrd="0" presId="urn:microsoft.com/office/officeart/2005/8/layout/orgChart1"/>
+    <dgm:cxn modelId="{7FA4AF5B-9E08-40E0-A7DB-3449AEC6009C}" type="presParOf" srcId="{4F56CEAB-4F77-4722-8BC2-27E173047EA4}" destId="{93CBCD05-FBB7-422D-A245-B144DEBA310D}" srcOrd="0" destOrd="0" presId="urn:microsoft.com/office/officeart/2005/8/layout/orgChart1"/>
+    <dgm:cxn modelId="{7C951161-6E82-4AA5-A39E-B633A1A45B9E}" type="presParOf" srcId="{4F56CEAB-4F77-4722-8BC2-27E173047EA4}" destId="{8CBBC708-C28A-4F2A-9B91-4622CB3928F4}" srcOrd="1" destOrd="0" presId="urn:microsoft.com/office/officeart/2005/8/layout/orgChart1"/>
+    <dgm:cxn modelId="{527C1DB9-2C91-4281-B93B-3C33A90B8061}" type="presParOf" srcId="{C9A980CF-6785-4639-B99D-BAA0365A2A6C}" destId="{0C3D8867-CA00-46ED-AAFE-F520F7D82172}" srcOrd="1" destOrd="0" presId="urn:microsoft.com/office/officeart/2005/8/layout/orgChart1"/>
+    <dgm:cxn modelId="{90C2EE07-B00F-48E6-828F-84502F48A43D}" type="presParOf" srcId="{0C3D8867-CA00-46ED-AAFE-F520F7D82172}" destId="{B843B24D-DE4E-48CD-9162-A9EDAC2F8442}" srcOrd="0" destOrd="0" presId="urn:microsoft.com/office/officeart/2005/8/layout/orgChart1"/>
+    <dgm:cxn modelId="{CFE6AE08-DBB0-473A-B748-EF769B82EF0C}" type="presParOf" srcId="{0C3D8867-CA00-46ED-AAFE-F520F7D82172}" destId="{24BA6769-AD0E-47A7-ACEF-F23CFA712F55}" srcOrd="1" destOrd="0" presId="urn:microsoft.com/office/officeart/2005/8/layout/orgChart1"/>
+    <dgm:cxn modelId="{DB9369C6-C507-4530-89CC-D617737C6376}" type="presParOf" srcId="{24BA6769-AD0E-47A7-ACEF-F23CFA712F55}" destId="{9C456DBE-A982-4E88-AE08-1B465C259F04}" srcOrd="0" destOrd="0" presId="urn:microsoft.com/office/officeart/2005/8/layout/orgChart1"/>
+    <dgm:cxn modelId="{4F0BD1EB-EF05-48A3-AB55-223D45911527}" type="presParOf" srcId="{9C456DBE-A982-4E88-AE08-1B465C259F04}" destId="{7605D877-972C-4A39-B76C-DA7583E6C1F4}" srcOrd="0" destOrd="0" presId="urn:microsoft.com/office/officeart/2005/8/layout/orgChart1"/>
+    <dgm:cxn modelId="{71475FA7-677B-4AF0-8BEE-69A767EFCACC}" type="presParOf" srcId="{9C456DBE-A982-4E88-AE08-1B465C259F04}" destId="{A2DFDE8E-2411-4265-AA5D-BB42312CB548}" srcOrd="1" destOrd="0" presId="urn:microsoft.com/office/officeart/2005/8/layout/orgChart1"/>
+    <dgm:cxn modelId="{E8C4FE27-B1B7-4F6B-B026-A3BDC632E091}" type="presParOf" srcId="{24BA6769-AD0E-47A7-ACEF-F23CFA712F55}" destId="{E98FA0DF-A01E-4844-8649-FA20535C5D71}" srcOrd="1" destOrd="0" presId="urn:microsoft.com/office/officeart/2005/8/layout/orgChart1"/>
+    <dgm:cxn modelId="{D8621BAE-0238-4B98-B7D0-73FBB700F563}" type="presParOf" srcId="{24BA6769-AD0E-47A7-ACEF-F23CFA712F55}" destId="{F82598CF-2006-4081-9BA4-141A59B24434}" srcOrd="2" destOrd="0" presId="urn:microsoft.com/office/officeart/2005/8/layout/orgChart1"/>
+    <dgm:cxn modelId="{218688C0-A415-45FB-8FD3-DEBBE794A99A}" type="presParOf" srcId="{C9A980CF-6785-4639-B99D-BAA0365A2A6C}" destId="{C0BD237C-D9F8-431B-83D4-57104B97583A}" srcOrd="2" destOrd="0" presId="urn:microsoft.com/office/officeart/2005/8/layout/orgChart1"/>
+    <dgm:cxn modelId="{63F27894-2631-4F77-B6B2-91D39A55E022}" type="presParOf" srcId="{06B7368C-D8C5-42E2-90D1-FA6D28C20718}" destId="{144EF8C6-A7DA-4FAA-BA0C-E3D48CAB3AC7}" srcOrd="8" destOrd="0" presId="urn:microsoft.com/office/officeart/2005/8/layout/orgChart1"/>
+    <dgm:cxn modelId="{DA1E5184-6705-45C1-BBBC-65B8D6959532}" type="presParOf" srcId="{06B7368C-D8C5-42E2-90D1-FA6D28C20718}" destId="{53AF43E5-BD0D-4F9D-A37D-A0AD885AA098}" srcOrd="9" destOrd="0" presId="urn:microsoft.com/office/officeart/2005/8/layout/orgChart1"/>
+    <dgm:cxn modelId="{B201FBCC-D161-44AF-A573-5BEF1A9E8DC4}" type="presParOf" srcId="{53AF43E5-BD0D-4F9D-A37D-A0AD885AA098}" destId="{9D2CB8CB-EA8E-4BBC-9902-77B7C663F3C2}" srcOrd="0" destOrd="0" presId="urn:microsoft.com/office/officeart/2005/8/layout/orgChart1"/>
+    <dgm:cxn modelId="{DDFE8726-F49E-4B58-9E4D-F969DAF3FB4C}" type="presParOf" srcId="{9D2CB8CB-EA8E-4BBC-9902-77B7C663F3C2}" destId="{5509AE92-B061-4932-A2A3-78CE07DE9265}" srcOrd="0" destOrd="0" presId="urn:microsoft.com/office/officeart/2005/8/layout/orgChart1"/>
+    <dgm:cxn modelId="{FEFDF143-B417-437A-BDB8-2DB0EEFC592E}" type="presParOf" srcId="{9D2CB8CB-EA8E-4BBC-9902-77B7C663F3C2}" destId="{2D6A8869-EB37-4FB4-938B-79A917E887A6}" srcOrd="1" destOrd="0" presId="urn:microsoft.com/office/officeart/2005/8/layout/orgChart1"/>
+    <dgm:cxn modelId="{383E1B4F-E11B-40C3-A79E-95A152DB4F8F}" type="presParOf" srcId="{53AF43E5-BD0D-4F9D-A37D-A0AD885AA098}" destId="{823C3648-6240-4D0D-86EC-1C1AA76E43D7}" srcOrd="1" destOrd="0" presId="urn:microsoft.com/office/officeart/2005/8/layout/orgChart1"/>
+    <dgm:cxn modelId="{883DDB5F-028A-4260-93A8-5674E5C037E5}" type="presParOf" srcId="{823C3648-6240-4D0D-86EC-1C1AA76E43D7}" destId="{20C93095-44EB-4812-B5DE-741F42DBEE6B}" srcOrd="0" destOrd="0" presId="urn:microsoft.com/office/officeart/2005/8/layout/orgChart1"/>
+    <dgm:cxn modelId="{41FD2416-97B2-4847-B82A-97B4731E00D2}" type="presParOf" srcId="{823C3648-6240-4D0D-86EC-1C1AA76E43D7}" destId="{806B5FDE-7200-43DD-8167-BC76D775C776}" srcOrd="1" destOrd="0" presId="urn:microsoft.com/office/officeart/2005/8/layout/orgChart1"/>
+    <dgm:cxn modelId="{089264AF-7F5B-476B-9F56-137391B9D041}" type="presParOf" srcId="{806B5FDE-7200-43DD-8167-BC76D775C776}" destId="{D0C73518-7155-4720-81A6-5319D898319A}" srcOrd="0" destOrd="0" presId="urn:microsoft.com/office/officeart/2005/8/layout/orgChart1"/>
+    <dgm:cxn modelId="{09A7D4AD-732A-4B33-8483-A0B4357B2BAF}" type="presParOf" srcId="{D0C73518-7155-4720-81A6-5319D898319A}" destId="{83BDADBB-C0EC-4C37-A932-7274F3B5F071}" srcOrd="0" destOrd="0" presId="urn:microsoft.com/office/officeart/2005/8/layout/orgChart1"/>
+    <dgm:cxn modelId="{80B13885-4A13-4012-9EA3-6EEECE5DC4D8}" type="presParOf" srcId="{D0C73518-7155-4720-81A6-5319D898319A}" destId="{2AE708A3-C148-4EB3-A7FD-94FC2CF6507E}" srcOrd="1" destOrd="0" presId="urn:microsoft.com/office/officeart/2005/8/layout/orgChart1"/>
+    <dgm:cxn modelId="{5D0DE9C4-C63A-46D9-9F6B-C6934B3CB62F}" type="presParOf" srcId="{806B5FDE-7200-43DD-8167-BC76D775C776}" destId="{0A64AEB1-B48B-4A68-9EC4-8DD205B00FE2}" srcOrd="1" destOrd="0" presId="urn:microsoft.com/office/officeart/2005/8/layout/orgChart1"/>
+    <dgm:cxn modelId="{BC02AFA6-96BC-4E4B-AB3C-F5D47A9B7250}" type="presParOf" srcId="{806B5FDE-7200-43DD-8167-BC76D775C776}" destId="{BE934DC1-DD1D-4665-9BEB-D38FA6CFA3AC}" srcOrd="2" destOrd="0" presId="urn:microsoft.com/office/officeart/2005/8/layout/orgChart1"/>
+    <dgm:cxn modelId="{AC13151F-D05E-4577-BED1-32E7C1460084}" type="presParOf" srcId="{823C3648-6240-4D0D-86EC-1C1AA76E43D7}" destId="{70E36FC2-8F36-4BB0-97C0-C6B6A0C09B7C}" srcOrd="2" destOrd="0" presId="urn:microsoft.com/office/officeart/2005/8/layout/orgChart1"/>
+    <dgm:cxn modelId="{4FE03BC0-4A70-426F-BCFD-DE12DD40D04C}" type="presParOf" srcId="{823C3648-6240-4D0D-86EC-1C1AA76E43D7}" destId="{5E709C86-C624-4D39-A9FA-9775ACA33B6E}" srcOrd="3" destOrd="0" presId="urn:microsoft.com/office/officeart/2005/8/layout/orgChart1"/>
+    <dgm:cxn modelId="{1982FC63-EB93-41E0-A164-15BDC871FE17}" type="presParOf" srcId="{5E709C86-C624-4D39-A9FA-9775ACA33B6E}" destId="{765948D8-17B3-44A7-8249-FB66C13A7A8F}" srcOrd="0" destOrd="0" presId="urn:microsoft.com/office/officeart/2005/8/layout/orgChart1"/>
+    <dgm:cxn modelId="{23D0CC13-9D6A-43F8-8D0D-BCF9738B8369}" type="presParOf" srcId="{765948D8-17B3-44A7-8249-FB66C13A7A8F}" destId="{A51DFC6D-794E-4A16-8405-48B38CDEAC96}" srcOrd="0" destOrd="0" presId="urn:microsoft.com/office/officeart/2005/8/layout/orgChart1"/>
+    <dgm:cxn modelId="{7BAD9720-B5D7-43A3-B27B-56DFA627CBA0}" type="presParOf" srcId="{765948D8-17B3-44A7-8249-FB66C13A7A8F}" destId="{CFFDB569-F8F2-4A10-90C8-C2398D5C125C}" srcOrd="1" destOrd="0" presId="urn:microsoft.com/office/officeart/2005/8/layout/orgChart1"/>
+    <dgm:cxn modelId="{DA32DF81-EA5A-4FAF-855B-C4A6B49FA80C}" type="presParOf" srcId="{5E709C86-C624-4D39-A9FA-9775ACA33B6E}" destId="{1D9D9DBD-920D-48F3-B6C1-90A8AB379E75}" srcOrd="1" destOrd="0" presId="urn:microsoft.com/office/officeart/2005/8/layout/orgChart1"/>
+    <dgm:cxn modelId="{48E163D6-9BA3-4682-B69B-3AED144A91A1}" type="presParOf" srcId="{5E709C86-C624-4D39-A9FA-9775ACA33B6E}" destId="{4662E85F-D595-4ED0-A533-979DE30853E3}" srcOrd="2" destOrd="0" presId="urn:microsoft.com/office/officeart/2005/8/layout/orgChart1"/>
+    <dgm:cxn modelId="{DE24A45F-88A8-4350-B7AB-2514EA5920BA}" type="presParOf" srcId="{823C3648-6240-4D0D-86EC-1C1AA76E43D7}" destId="{186A46C2-EA82-40AD-9DC0-37E9195444F6}" srcOrd="4" destOrd="0" presId="urn:microsoft.com/office/officeart/2005/8/layout/orgChart1"/>
+    <dgm:cxn modelId="{ED160543-FCF2-43DD-811D-D20E3596A763}" type="presParOf" srcId="{823C3648-6240-4D0D-86EC-1C1AA76E43D7}" destId="{5113FC06-6B69-456B-B7DF-87338D409534}" srcOrd="5" destOrd="0" presId="urn:microsoft.com/office/officeart/2005/8/layout/orgChart1"/>
+    <dgm:cxn modelId="{F2AD981D-D735-45D7-9BDE-A3DE93D2BEF6}" type="presParOf" srcId="{5113FC06-6B69-456B-B7DF-87338D409534}" destId="{0412B26D-FF81-45A1-A7BA-BCA41BD4A4E4}" srcOrd="0" destOrd="0" presId="urn:microsoft.com/office/officeart/2005/8/layout/orgChart1"/>
+    <dgm:cxn modelId="{479A2735-50E0-4FD7-80EB-D39EE242E282}" type="presParOf" srcId="{0412B26D-FF81-45A1-A7BA-BCA41BD4A4E4}" destId="{78FC1394-E276-4133-A393-2E4FDEE1708A}" srcOrd="0" destOrd="0" presId="urn:microsoft.com/office/officeart/2005/8/layout/orgChart1"/>
+    <dgm:cxn modelId="{94FC99B4-F03D-4035-BF28-1D5A68BE9B50}" type="presParOf" srcId="{0412B26D-FF81-45A1-A7BA-BCA41BD4A4E4}" destId="{24498A24-ECA0-4D42-8E8F-F3BB5946EC28}" srcOrd="1" destOrd="0" presId="urn:microsoft.com/office/officeart/2005/8/layout/orgChart1"/>
+    <dgm:cxn modelId="{9D6B8DDF-5491-4F52-BC37-31EEB42A09BE}" type="presParOf" srcId="{5113FC06-6B69-456B-B7DF-87338D409534}" destId="{1A5FB2CC-C9D7-4725-9081-BE4F3E8F508F}" srcOrd="1" destOrd="0" presId="urn:microsoft.com/office/officeart/2005/8/layout/orgChart1"/>
+    <dgm:cxn modelId="{4B3276C0-A8F5-4522-B510-9E3B77DE0AD4}" type="presParOf" srcId="{5113FC06-6B69-456B-B7DF-87338D409534}" destId="{254B80FE-4229-4211-B476-7F7671C1D922}" srcOrd="2" destOrd="0" presId="urn:microsoft.com/office/officeart/2005/8/layout/orgChart1"/>
+    <dgm:cxn modelId="{2618F143-046F-4F5E-9B2C-3E15D2D14F5D}" type="presParOf" srcId="{823C3648-6240-4D0D-86EC-1C1AA76E43D7}" destId="{FA61A3AB-4E52-4533-BDAC-8FFE3C5B6557}" srcOrd="6" destOrd="0" presId="urn:microsoft.com/office/officeart/2005/8/layout/orgChart1"/>
+    <dgm:cxn modelId="{AA0F72F1-592C-4E44-A370-A8D857EC4005}" type="presParOf" srcId="{823C3648-6240-4D0D-86EC-1C1AA76E43D7}" destId="{0E028002-0D6F-42C6-B217-A480543AA471}" srcOrd="7" destOrd="0" presId="urn:microsoft.com/office/officeart/2005/8/layout/orgChart1"/>
+    <dgm:cxn modelId="{F9EB162E-D2E3-4E6D-AB2C-DBA841DD26B8}" type="presParOf" srcId="{0E028002-0D6F-42C6-B217-A480543AA471}" destId="{5A83631E-FD52-4362-A9F5-9505D2AEE2FC}" srcOrd="0" destOrd="0" presId="urn:microsoft.com/office/officeart/2005/8/layout/orgChart1"/>
+    <dgm:cxn modelId="{2469685A-5E84-4F0B-AB5F-480430F8F75F}" type="presParOf" srcId="{5A83631E-FD52-4362-A9F5-9505D2AEE2FC}" destId="{F2E278E7-1168-4EFF-AC4B-689DC7CF44BD}" srcOrd="0" destOrd="0" presId="urn:microsoft.com/office/officeart/2005/8/layout/orgChart1"/>
+    <dgm:cxn modelId="{18664B17-07AE-435D-9ED0-109D689A3916}" type="presParOf" srcId="{5A83631E-FD52-4362-A9F5-9505D2AEE2FC}" destId="{662D9F91-F033-476E-A6FF-C60E2D5373D3}" srcOrd="1" destOrd="0" presId="urn:microsoft.com/office/officeart/2005/8/layout/orgChart1"/>
+    <dgm:cxn modelId="{7F7AF341-B23F-4627-891A-FE6A3D11ED5B}" type="presParOf" srcId="{0E028002-0D6F-42C6-B217-A480543AA471}" destId="{D7ABF4F3-39F1-455C-B752-30D5E3737E10}" srcOrd="1" destOrd="0" presId="urn:microsoft.com/office/officeart/2005/8/layout/orgChart1"/>
+    <dgm:cxn modelId="{1D82F323-BE45-434A-9FAE-79D919D61F0C}" type="presParOf" srcId="{0E028002-0D6F-42C6-B217-A480543AA471}" destId="{AD535CFD-C184-4CC2-B898-22B40896DDB3}" srcOrd="2" destOrd="0" presId="urn:microsoft.com/office/officeart/2005/8/layout/orgChart1"/>
+    <dgm:cxn modelId="{5C4C1246-8699-4A96-A9E2-FB350E3C8C46}" type="presParOf" srcId="{823C3648-6240-4D0D-86EC-1C1AA76E43D7}" destId="{1EE362FC-9FBB-4ECF-80E4-1E8A15AE6BF1}" srcOrd="8" destOrd="0" presId="urn:microsoft.com/office/officeart/2005/8/layout/orgChart1"/>
+    <dgm:cxn modelId="{7E343E52-DEC9-4A8A-9465-C4DD32E835BC}" type="presParOf" srcId="{823C3648-6240-4D0D-86EC-1C1AA76E43D7}" destId="{E6A6123C-329A-4D77-A436-8A3BA1A6D009}" srcOrd="9" destOrd="0" presId="urn:microsoft.com/office/officeart/2005/8/layout/orgChart1"/>
+    <dgm:cxn modelId="{ABCF40EB-6B67-4BA1-BC4D-A1F485D14C2B}" type="presParOf" srcId="{E6A6123C-329A-4D77-A436-8A3BA1A6D009}" destId="{C8A925FB-5C8D-4199-B17B-8A89F0B0DA4F}" srcOrd="0" destOrd="0" presId="urn:microsoft.com/office/officeart/2005/8/layout/orgChart1"/>
+    <dgm:cxn modelId="{E61D6B2B-4BCD-4EBB-A297-A502376E9EDB}" type="presParOf" srcId="{C8A925FB-5C8D-4199-B17B-8A89F0B0DA4F}" destId="{4FAAC0FF-E62F-4F80-A1FF-DAE407AAB17D}" srcOrd="0" destOrd="0" presId="urn:microsoft.com/office/officeart/2005/8/layout/orgChart1"/>
+    <dgm:cxn modelId="{920AAB5A-2FC6-414A-AB5E-7B9E22360D9E}" type="presParOf" srcId="{C8A925FB-5C8D-4199-B17B-8A89F0B0DA4F}" destId="{04B19C94-4710-418B-9D7F-61F130D13531}" srcOrd="1" destOrd="0" presId="urn:microsoft.com/office/officeart/2005/8/layout/orgChart1"/>
+    <dgm:cxn modelId="{E63E6293-DF6D-4501-8884-2092612AB282}" type="presParOf" srcId="{E6A6123C-329A-4D77-A436-8A3BA1A6D009}" destId="{85483E86-BDD3-4551-8A7E-E2DC3327EAC3}" srcOrd="1" destOrd="0" presId="urn:microsoft.com/office/officeart/2005/8/layout/orgChart1"/>
+    <dgm:cxn modelId="{424D73C0-1D45-4351-A264-C7F5EC7C240F}" type="presParOf" srcId="{E6A6123C-329A-4D77-A436-8A3BA1A6D009}" destId="{9D5E9E1F-27A2-48F7-B6BC-07B337DF3B96}" srcOrd="2" destOrd="0" presId="urn:microsoft.com/office/officeart/2005/8/layout/orgChart1"/>
+    <dgm:cxn modelId="{B6923749-4A83-4CFF-A317-2C1B2B450670}" type="presParOf" srcId="{53AF43E5-BD0D-4F9D-A37D-A0AD885AA098}" destId="{BF243C86-2555-47B1-8B37-879DAEF33CBE}" srcOrd="2" destOrd="0" presId="urn:microsoft.com/office/officeart/2005/8/layout/orgChart1"/>
+    <dgm:cxn modelId="{606511F1-1633-44AE-BCA5-D161EB491FEF}" type="presParOf" srcId="{5A2E1D5E-1319-4B66-890A-D931A72AEAA6}" destId="{49CAC02A-F01D-408D-BE7E-4E9699AF659D}" srcOrd="2" destOrd="0" presId="urn:microsoft.com/office/officeart/2005/8/layout/orgChart1"/>
+  </dgm:cxnLst>
+  <dgm:bg/>
+  <dgm:whole/>
+  <dgm:extLst>
+    <a:ext uri="http://schemas.microsoft.com/office/drawing/2008/diagram">
+      <dsp:dataModelExt xmlns:dsp="http://schemas.microsoft.com/office/drawing/2008/diagram" relId="rId6" minVer="http://schemas.openxmlformats.org/drawingml/2006/diagram"/>
+    </a:ext>
+  </dgm:extLst>
+</dgm:dataModel>
+</file>
+
+<file path=ppt/diagrams/drawing1.xml><?xml version="1.0" encoding="utf-8"?>
+<dsp:drawing xmlns:dgm="http://schemas.openxmlformats.org/drawingml/2006/diagram" xmlns:dsp="http://schemas.microsoft.com/office/drawing/2008/diagram" xmlns:a="http://schemas.openxmlformats.org/drawingml/2006/main">
+  <dsp:spTree>
+    <dsp:nvGrpSpPr>
+      <dsp:cNvPr id="0" name=""/>
+      <dsp:cNvGrpSpPr/>
+    </dsp:nvGrpSpPr>
+    <dsp:grpSpPr/>
+    <dsp:sp modelId="{1EE362FC-9FBB-4ECF-80E4-1E8A15AE6BF1}">
+      <dsp:nvSpPr>
+        <dsp:cNvPr id="0" name=""/>
+        <dsp:cNvSpPr/>
+      </dsp:nvSpPr>
+      <dsp:spPr>
+        <a:xfrm>
+          <a:off x="9204681" y="1911101"/>
+          <a:ext cx="203969" cy="3090895"/>
+        </a:xfrm>
+        <a:custGeom>
+          <a:avLst/>
+          <a:gdLst/>
+          <a:ahLst/>
+          <a:cxnLst/>
+          <a:rect l="0" t="0" r="0" b="0"/>
+          <a:pathLst>
+            <a:path>
+              <a:moveTo>
+                <a:pt x="0" y="0"/>
+              </a:moveTo>
+              <a:lnTo>
+                <a:pt x="0" y="3090895"/>
+              </a:lnTo>
+              <a:lnTo>
+                <a:pt x="203969" y="3090895"/>
+              </a:lnTo>
+            </a:path>
+          </a:pathLst>
+        </a:custGeom>
+        <a:noFill/>
+        <a:ln w="12700" cap="flat" cmpd="sng" algn="ctr">
+          <a:solidFill>
+            <a:schemeClr val="accent1">
+              <a:hueOff val="0"/>
+              <a:satOff val="0"/>
+              <a:lumOff val="0"/>
+              <a:alphaOff val="0"/>
+            </a:schemeClr>
+          </a:solidFill>
+          <a:prstDash val="solid"/>
+          <a:miter lim="800000"/>
+        </a:ln>
+        <a:effectLst/>
+      </dsp:spPr>
+      <dsp:style>
+        <a:lnRef idx="2">
+          <a:scrgbClr r="0" g="0" b="0"/>
+        </a:lnRef>
+        <a:fillRef idx="0">
+          <a:scrgbClr r="0" g="0" b="0"/>
+        </a:fillRef>
+        <a:effectRef idx="0">
+          <a:scrgbClr r="0" g="0" b="0"/>
+        </a:effectRef>
+        <a:fontRef idx="minor"/>
+      </dsp:style>
+    </dsp:sp>
+    <dsp:sp modelId="{FA61A3AB-4E52-4533-BDAC-8FFE3C5B6557}">
+      <dsp:nvSpPr>
+        <dsp:cNvPr id="0" name=""/>
+        <dsp:cNvSpPr/>
+      </dsp:nvSpPr>
+      <dsp:spPr>
+        <a:xfrm>
+          <a:off x="9204681" y="1911101"/>
+          <a:ext cx="203969" cy="2435758"/>
+        </a:xfrm>
+        <a:custGeom>
+          <a:avLst/>
+          <a:gdLst/>
+          <a:ahLst/>
+          <a:cxnLst/>
+          <a:rect l="0" t="0" r="0" b="0"/>
+          <a:pathLst>
+            <a:path>
+              <a:moveTo>
+                <a:pt x="0" y="0"/>
+              </a:moveTo>
+              <a:lnTo>
+                <a:pt x="0" y="2435758"/>
+              </a:lnTo>
+              <a:lnTo>
+                <a:pt x="203969" y="2435758"/>
+              </a:lnTo>
+            </a:path>
+          </a:pathLst>
+        </a:custGeom>
+        <a:noFill/>
+        <a:ln w="12700" cap="flat" cmpd="sng" algn="ctr">
+          <a:solidFill>
+            <a:schemeClr val="accent1">
+              <a:hueOff val="0"/>
+              <a:satOff val="0"/>
+              <a:lumOff val="0"/>
+              <a:alphaOff val="0"/>
+            </a:schemeClr>
+          </a:solidFill>
+          <a:prstDash val="solid"/>
+          <a:miter lim="800000"/>
+        </a:ln>
+        <a:effectLst/>
+      </dsp:spPr>
+      <dsp:style>
+        <a:lnRef idx="2">
+          <a:scrgbClr r="0" g="0" b="0"/>
+        </a:lnRef>
+        <a:fillRef idx="0">
+          <a:scrgbClr r="0" g="0" b="0"/>
+        </a:fillRef>
+        <a:effectRef idx="0">
+          <a:scrgbClr r="0" g="0" b="0"/>
+        </a:effectRef>
+        <a:fontRef idx="minor"/>
+      </dsp:style>
+    </dsp:sp>
+    <dsp:sp modelId="{186A46C2-EA82-40AD-9DC0-37E9195444F6}">
+      <dsp:nvSpPr>
+        <dsp:cNvPr id="0" name=""/>
+        <dsp:cNvSpPr/>
+      </dsp:nvSpPr>
+      <dsp:spPr>
+        <a:xfrm>
+          <a:off x="9204681" y="1911101"/>
+          <a:ext cx="203969" cy="1780621"/>
+        </a:xfrm>
+        <a:custGeom>
+          <a:avLst/>
+          <a:gdLst/>
+          <a:ahLst/>
+          <a:cxnLst/>
+          <a:rect l="0" t="0" r="0" b="0"/>
+          <a:pathLst>
+            <a:path>
+              <a:moveTo>
+                <a:pt x="0" y="0"/>
+              </a:moveTo>
+              <a:lnTo>
+                <a:pt x="0" y="1780621"/>
+              </a:lnTo>
+              <a:lnTo>
+                <a:pt x="203969" y="1780621"/>
+              </a:lnTo>
+            </a:path>
+          </a:pathLst>
+        </a:custGeom>
+        <a:noFill/>
+        <a:ln w="12700" cap="flat" cmpd="sng" algn="ctr">
+          <a:solidFill>
+            <a:schemeClr val="accent1">
+              <a:hueOff val="0"/>
+              <a:satOff val="0"/>
+              <a:lumOff val="0"/>
+              <a:alphaOff val="0"/>
+            </a:schemeClr>
+          </a:solidFill>
+          <a:prstDash val="solid"/>
+          <a:miter lim="800000"/>
+        </a:ln>
+        <a:effectLst/>
+      </dsp:spPr>
+      <dsp:style>
+        <a:lnRef idx="2">
+          <a:scrgbClr r="0" g="0" b="0"/>
+        </a:lnRef>
+        <a:fillRef idx="0">
+          <a:scrgbClr r="0" g="0" b="0"/>
+        </a:fillRef>
+        <a:effectRef idx="0">
+          <a:scrgbClr r="0" g="0" b="0"/>
+        </a:effectRef>
+        <a:fontRef idx="minor"/>
+      </dsp:style>
+    </dsp:sp>
+    <dsp:sp modelId="{70E36FC2-8F36-4BB0-97C0-C6B6A0C09B7C}">
+      <dsp:nvSpPr>
+        <dsp:cNvPr id="0" name=""/>
+        <dsp:cNvSpPr/>
+      </dsp:nvSpPr>
+      <dsp:spPr>
+        <a:xfrm>
+          <a:off x="9204681" y="1911101"/>
+          <a:ext cx="203969" cy="1125484"/>
+        </a:xfrm>
+        <a:custGeom>
+          <a:avLst/>
+          <a:gdLst/>
+          <a:ahLst/>
+          <a:cxnLst/>
+          <a:rect l="0" t="0" r="0" b="0"/>
+          <a:pathLst>
+            <a:path>
+              <a:moveTo>
+                <a:pt x="0" y="0"/>
+              </a:moveTo>
+              <a:lnTo>
+                <a:pt x="0" y="1125484"/>
+              </a:lnTo>
+              <a:lnTo>
+                <a:pt x="203969" y="1125484"/>
+              </a:lnTo>
+            </a:path>
+          </a:pathLst>
+        </a:custGeom>
+        <a:noFill/>
+        <a:ln w="12700" cap="flat" cmpd="sng" algn="ctr">
+          <a:solidFill>
+            <a:schemeClr val="accent1">
+              <a:hueOff val="0"/>
+              <a:satOff val="0"/>
+              <a:lumOff val="0"/>
+              <a:alphaOff val="0"/>
+            </a:schemeClr>
+          </a:solidFill>
+          <a:prstDash val="solid"/>
+          <a:miter lim="800000"/>
+        </a:ln>
+        <a:effectLst/>
+      </dsp:spPr>
+      <dsp:style>
+        <a:lnRef idx="2">
+          <a:scrgbClr r="0" g="0" b="0"/>
+        </a:lnRef>
+        <a:fillRef idx="0">
+          <a:scrgbClr r="0" g="0" b="0"/>
+        </a:fillRef>
+        <a:effectRef idx="0">
+          <a:scrgbClr r="0" g="0" b="0"/>
+        </a:effectRef>
+        <a:fontRef idx="minor"/>
+      </dsp:style>
+    </dsp:sp>
+    <dsp:sp modelId="{20C93095-44EB-4812-B5DE-741F42DBEE6B}">
+      <dsp:nvSpPr>
+        <dsp:cNvPr id="0" name=""/>
+        <dsp:cNvSpPr/>
+      </dsp:nvSpPr>
+      <dsp:spPr>
+        <a:xfrm>
+          <a:off x="9204681" y="1911101"/>
+          <a:ext cx="203969" cy="470347"/>
+        </a:xfrm>
+        <a:custGeom>
+          <a:avLst/>
+          <a:gdLst/>
+          <a:ahLst/>
+          <a:cxnLst/>
+          <a:rect l="0" t="0" r="0" b="0"/>
+          <a:pathLst>
+            <a:path>
+              <a:moveTo>
+                <a:pt x="0" y="0"/>
+              </a:moveTo>
+              <a:lnTo>
+                <a:pt x="0" y="470347"/>
+              </a:lnTo>
+              <a:lnTo>
+                <a:pt x="203969" y="470347"/>
+              </a:lnTo>
+            </a:path>
+          </a:pathLst>
+        </a:custGeom>
+        <a:noFill/>
+        <a:ln w="12700" cap="flat" cmpd="sng" algn="ctr">
+          <a:solidFill>
+            <a:schemeClr val="accent1">
+              <a:hueOff val="0"/>
+              <a:satOff val="0"/>
+              <a:lumOff val="0"/>
+              <a:alphaOff val="0"/>
+            </a:schemeClr>
+          </a:solidFill>
+          <a:prstDash val="solid"/>
+          <a:miter lim="800000"/>
+        </a:ln>
+        <a:effectLst/>
+      </dsp:spPr>
+      <dsp:style>
+        <a:lnRef idx="2">
+          <a:scrgbClr r="0" g="0" b="0"/>
+        </a:lnRef>
+        <a:fillRef idx="0">
+          <a:scrgbClr r="0" g="0" b="0"/>
+        </a:fillRef>
+        <a:effectRef idx="0">
+          <a:scrgbClr r="0" g="0" b="0"/>
+        </a:effectRef>
+        <a:fontRef idx="minor"/>
+      </dsp:style>
+    </dsp:sp>
+    <dsp:sp modelId="{144EF8C6-A7DA-4FAA-BA0C-E3D48CAB3AC7}">
+      <dsp:nvSpPr>
+        <dsp:cNvPr id="0" name=""/>
+        <dsp:cNvSpPr/>
+      </dsp:nvSpPr>
+      <dsp:spPr>
+        <a:xfrm>
+          <a:off x="5216285" y="945645"/>
+          <a:ext cx="4532314" cy="285557"/>
+        </a:xfrm>
+        <a:custGeom>
+          <a:avLst/>
+          <a:gdLst/>
+          <a:ahLst/>
+          <a:cxnLst/>
+          <a:rect l="0" t="0" r="0" b="0"/>
+          <a:pathLst>
+            <a:path>
+              <a:moveTo>
+                <a:pt x="0" y="0"/>
+              </a:moveTo>
+              <a:lnTo>
+                <a:pt x="0" y="142778"/>
+              </a:lnTo>
+              <a:lnTo>
+                <a:pt x="4532314" y="142778"/>
+              </a:lnTo>
+              <a:lnTo>
+                <a:pt x="4532314" y="285557"/>
+              </a:lnTo>
+            </a:path>
+          </a:pathLst>
+        </a:custGeom>
+        <a:noFill/>
+        <a:ln w="12700" cap="flat" cmpd="sng" algn="ctr">
+          <a:solidFill>
+            <a:schemeClr val="accent6">
+              <a:hueOff val="0"/>
+              <a:satOff val="0"/>
+              <a:lumOff val="0"/>
+              <a:alphaOff val="0"/>
+            </a:schemeClr>
+          </a:solidFill>
+          <a:prstDash val="solid"/>
+          <a:miter lim="800000"/>
+        </a:ln>
+        <a:effectLst/>
+      </dsp:spPr>
+      <dsp:style>
+        <a:lnRef idx="2">
+          <a:scrgbClr r="0" g="0" b="0"/>
+        </a:lnRef>
+        <a:fillRef idx="0">
+          <a:scrgbClr r="0" g="0" b="0"/>
+        </a:fillRef>
+        <a:effectRef idx="0">
+          <a:scrgbClr r="0" g="0" b="0"/>
+        </a:effectRef>
+        <a:fontRef idx="minor"/>
+      </dsp:style>
+    </dsp:sp>
+    <dsp:sp modelId="{B843B24D-DE4E-48CD-9162-A9EDAC2F8442}">
+      <dsp:nvSpPr>
+        <dsp:cNvPr id="0" name=""/>
+        <dsp:cNvSpPr/>
+      </dsp:nvSpPr>
+      <dsp:spPr>
+        <a:xfrm>
+          <a:off x="7000604" y="1911101"/>
+          <a:ext cx="297089" cy="470347"/>
+        </a:xfrm>
+        <a:custGeom>
+          <a:avLst/>
+          <a:gdLst/>
+          <a:ahLst/>
+          <a:cxnLst/>
+          <a:rect l="0" t="0" r="0" b="0"/>
+          <a:pathLst>
+            <a:path>
+              <a:moveTo>
+                <a:pt x="0" y="0"/>
+              </a:moveTo>
+              <a:lnTo>
+                <a:pt x="0" y="470347"/>
+              </a:lnTo>
+              <a:lnTo>
+                <a:pt x="297089" y="470347"/>
+              </a:lnTo>
+            </a:path>
+          </a:pathLst>
+        </a:custGeom>
+        <a:noFill/>
+        <a:ln w="12700" cap="flat" cmpd="sng" algn="ctr">
+          <a:solidFill>
+            <a:schemeClr val="accent1">
+              <a:hueOff val="0"/>
+              <a:satOff val="0"/>
+              <a:lumOff val="0"/>
+              <a:alphaOff val="0"/>
+            </a:schemeClr>
+          </a:solidFill>
+          <a:prstDash val="solid"/>
+          <a:miter lim="800000"/>
+        </a:ln>
+        <a:effectLst/>
+      </dsp:spPr>
+      <dsp:style>
+        <a:lnRef idx="2">
+          <a:scrgbClr r="0" g="0" b="0"/>
+        </a:lnRef>
+        <a:fillRef idx="0">
+          <a:scrgbClr r="0" g="0" b="0"/>
+        </a:fillRef>
+        <a:effectRef idx="0">
+          <a:scrgbClr r="0" g="0" b="0"/>
+        </a:effectRef>
+        <a:fontRef idx="minor"/>
+      </dsp:style>
+    </dsp:sp>
+    <dsp:sp modelId="{89FC767F-E136-4FFC-B82F-1C5B4CCB8DF4}">
+      <dsp:nvSpPr>
+        <dsp:cNvPr id="0" name=""/>
+        <dsp:cNvSpPr/>
+      </dsp:nvSpPr>
+      <dsp:spPr>
+        <a:xfrm>
+          <a:off x="5216285" y="945645"/>
+          <a:ext cx="2576558" cy="285557"/>
+        </a:xfrm>
+        <a:custGeom>
+          <a:avLst/>
+          <a:gdLst/>
+          <a:ahLst/>
+          <a:cxnLst/>
+          <a:rect l="0" t="0" r="0" b="0"/>
+          <a:pathLst>
+            <a:path>
+              <a:moveTo>
+                <a:pt x="0" y="0"/>
+              </a:moveTo>
+              <a:lnTo>
+                <a:pt x="0" y="142778"/>
+              </a:lnTo>
+              <a:lnTo>
+                <a:pt x="2576558" y="142778"/>
+              </a:lnTo>
+              <a:lnTo>
+                <a:pt x="2576558" y="285557"/>
+              </a:lnTo>
+            </a:path>
+          </a:pathLst>
+        </a:custGeom>
+        <a:noFill/>
+        <a:ln w="12700" cap="flat" cmpd="sng" algn="ctr">
+          <a:solidFill>
+            <a:schemeClr val="accent6">
+              <a:hueOff val="0"/>
+              <a:satOff val="0"/>
+              <a:lumOff val="0"/>
+              <a:alphaOff val="0"/>
+            </a:schemeClr>
+          </a:solidFill>
+          <a:prstDash val="solid"/>
+          <a:miter lim="800000"/>
+        </a:ln>
+        <a:effectLst/>
+      </dsp:spPr>
+      <dsp:style>
+        <a:lnRef idx="2">
+          <a:scrgbClr r="0" g="0" b="0"/>
+        </a:lnRef>
+        <a:fillRef idx="0">
+          <a:scrgbClr r="0" g="0" b="0"/>
+        </a:fillRef>
+        <a:effectRef idx="0">
+          <a:scrgbClr r="0" g="0" b="0"/>
+        </a:effectRef>
+        <a:fontRef idx="minor"/>
+      </dsp:style>
+    </dsp:sp>
+    <dsp:sp modelId="{06AAA520-57B5-42CB-8C08-0EB77F406422}">
+      <dsp:nvSpPr>
+        <dsp:cNvPr id="0" name=""/>
+        <dsp:cNvSpPr/>
+      </dsp:nvSpPr>
+      <dsp:spPr>
+        <a:xfrm>
+          <a:off x="4734446" y="1911101"/>
+          <a:ext cx="297089" cy="1780621"/>
+        </a:xfrm>
+        <a:custGeom>
+          <a:avLst/>
+          <a:gdLst/>
+          <a:ahLst/>
+          <a:cxnLst/>
+          <a:rect l="0" t="0" r="0" b="0"/>
+          <a:pathLst>
+            <a:path>
+              <a:moveTo>
+                <a:pt x="0" y="0"/>
+              </a:moveTo>
+              <a:lnTo>
+                <a:pt x="0" y="1780621"/>
+              </a:lnTo>
+              <a:lnTo>
+                <a:pt x="297089" y="1780621"/>
+              </a:lnTo>
+            </a:path>
+          </a:pathLst>
+        </a:custGeom>
+        <a:noFill/>
+        <a:ln w="12700" cap="flat" cmpd="sng" algn="ctr">
+          <a:solidFill>
+            <a:schemeClr val="accent1">
+              <a:hueOff val="0"/>
+              <a:satOff val="0"/>
+              <a:lumOff val="0"/>
+              <a:alphaOff val="0"/>
+            </a:schemeClr>
+          </a:solidFill>
+          <a:prstDash val="solid"/>
+          <a:miter lim="800000"/>
+        </a:ln>
+        <a:effectLst/>
+      </dsp:spPr>
+      <dsp:style>
+        <a:lnRef idx="2">
+          <a:scrgbClr r="0" g="0" b="0"/>
+        </a:lnRef>
+        <a:fillRef idx="0">
+          <a:scrgbClr r="0" g="0" b="0"/>
+        </a:fillRef>
+        <a:effectRef idx="0">
+          <a:scrgbClr r="0" g="0" b="0"/>
+        </a:effectRef>
+        <a:fontRef idx="minor"/>
+      </dsp:style>
+    </dsp:sp>
+    <dsp:sp modelId="{BD3E7B11-B460-4A73-9EE3-08E1013C8EF8}">
+      <dsp:nvSpPr>
+        <dsp:cNvPr id="0" name=""/>
+        <dsp:cNvSpPr/>
+      </dsp:nvSpPr>
+      <dsp:spPr>
+        <a:xfrm>
+          <a:off x="4734446" y="1911101"/>
+          <a:ext cx="297089" cy="1125484"/>
+        </a:xfrm>
+        <a:custGeom>
+          <a:avLst/>
+          <a:gdLst/>
+          <a:ahLst/>
+          <a:cxnLst/>
+          <a:rect l="0" t="0" r="0" b="0"/>
+          <a:pathLst>
+            <a:path>
+              <a:moveTo>
+                <a:pt x="0" y="0"/>
+              </a:moveTo>
+              <a:lnTo>
+                <a:pt x="0" y="1125484"/>
+              </a:lnTo>
+              <a:lnTo>
+                <a:pt x="297089" y="1125484"/>
+              </a:lnTo>
+            </a:path>
+          </a:pathLst>
+        </a:custGeom>
+        <a:noFill/>
+        <a:ln w="12700" cap="flat" cmpd="sng" algn="ctr">
+          <a:solidFill>
+            <a:schemeClr val="accent1">
+              <a:hueOff val="0"/>
+              <a:satOff val="0"/>
+              <a:lumOff val="0"/>
+              <a:alphaOff val="0"/>
+            </a:schemeClr>
+          </a:solidFill>
+          <a:prstDash val="solid"/>
+          <a:miter lim="800000"/>
+        </a:ln>
+        <a:effectLst/>
+      </dsp:spPr>
+      <dsp:style>
+        <a:lnRef idx="2">
+          <a:scrgbClr r="0" g="0" b="0"/>
+        </a:lnRef>
+        <a:fillRef idx="0">
+          <a:scrgbClr r="0" g="0" b="0"/>
+        </a:fillRef>
+        <a:effectRef idx="0">
+          <a:scrgbClr r="0" g="0" b="0"/>
+        </a:effectRef>
+        <a:fontRef idx="minor"/>
+      </dsp:style>
+    </dsp:sp>
+    <dsp:sp modelId="{B082D02C-4942-443B-8B8C-F9BE93E59E09}">
+      <dsp:nvSpPr>
+        <dsp:cNvPr id="0" name=""/>
+        <dsp:cNvSpPr/>
+      </dsp:nvSpPr>
+      <dsp:spPr>
+        <a:xfrm>
+          <a:off x="4734446" y="1911101"/>
+          <a:ext cx="297089" cy="470347"/>
+        </a:xfrm>
+        <a:custGeom>
+          <a:avLst/>
+          <a:gdLst/>
+          <a:ahLst/>
+          <a:cxnLst/>
+          <a:rect l="0" t="0" r="0" b="0"/>
+          <a:pathLst>
+            <a:path>
+              <a:moveTo>
+                <a:pt x="0" y="0"/>
+              </a:moveTo>
+              <a:lnTo>
+                <a:pt x="0" y="470347"/>
+              </a:lnTo>
+              <a:lnTo>
+                <a:pt x="297089" y="470347"/>
+              </a:lnTo>
+            </a:path>
+          </a:pathLst>
+        </a:custGeom>
+        <a:noFill/>
+        <a:ln w="12700" cap="flat" cmpd="sng" algn="ctr">
+          <a:solidFill>
+            <a:schemeClr val="accent1">
+              <a:hueOff val="0"/>
+              <a:satOff val="0"/>
+              <a:lumOff val="0"/>
+              <a:alphaOff val="0"/>
+            </a:schemeClr>
+          </a:solidFill>
+          <a:prstDash val="solid"/>
+          <a:miter lim="800000"/>
+        </a:ln>
+        <a:effectLst/>
+      </dsp:spPr>
+      <dsp:style>
+        <a:lnRef idx="2">
+          <a:scrgbClr r="0" g="0" b="0"/>
+        </a:lnRef>
+        <a:fillRef idx="0">
+          <a:scrgbClr r="0" g="0" b="0"/>
+        </a:fillRef>
+        <a:effectRef idx="0">
+          <a:scrgbClr r="0" g="0" b="0"/>
+        </a:effectRef>
+        <a:fontRef idx="minor"/>
+      </dsp:style>
+    </dsp:sp>
+    <dsp:sp modelId="{8EDDA6FA-5DC0-43D3-AE0A-47EE9C7DB93B}">
+      <dsp:nvSpPr>
+        <dsp:cNvPr id="0" name=""/>
+        <dsp:cNvSpPr/>
+      </dsp:nvSpPr>
+      <dsp:spPr>
+        <a:xfrm>
+          <a:off x="5216285" y="945645"/>
+          <a:ext cx="310401" cy="285557"/>
+        </a:xfrm>
+        <a:custGeom>
+          <a:avLst/>
+          <a:gdLst/>
+          <a:ahLst/>
+          <a:cxnLst/>
+          <a:rect l="0" t="0" r="0" b="0"/>
+          <a:pathLst>
+            <a:path>
+              <a:moveTo>
+                <a:pt x="0" y="0"/>
+              </a:moveTo>
+              <a:lnTo>
+                <a:pt x="0" y="142778"/>
+              </a:lnTo>
+              <a:lnTo>
+                <a:pt x="310401" y="142778"/>
+              </a:lnTo>
+              <a:lnTo>
+                <a:pt x="310401" y="285557"/>
+              </a:lnTo>
+            </a:path>
+          </a:pathLst>
+        </a:custGeom>
+        <a:noFill/>
+        <a:ln w="12700" cap="flat" cmpd="sng" algn="ctr">
+          <a:solidFill>
+            <a:schemeClr val="accent6">
+              <a:hueOff val="0"/>
+              <a:satOff val="0"/>
+              <a:lumOff val="0"/>
+              <a:alphaOff val="0"/>
+            </a:schemeClr>
+          </a:solidFill>
+          <a:prstDash val="solid"/>
+          <a:miter lim="800000"/>
+        </a:ln>
+        <a:effectLst/>
+      </dsp:spPr>
+      <dsp:style>
+        <a:lnRef idx="2">
+          <a:scrgbClr r="0" g="0" b="0"/>
+        </a:lnRef>
+        <a:fillRef idx="0">
+          <a:scrgbClr r="0" g="0" b="0"/>
+        </a:fillRef>
+        <a:effectRef idx="0">
+          <a:scrgbClr r="0" g="0" b="0"/>
+        </a:effectRef>
+        <a:fontRef idx="minor"/>
+      </dsp:style>
+    </dsp:sp>
+    <dsp:sp modelId="{8D8D4BCA-40E0-478D-ABB1-D83B875FF406}">
+      <dsp:nvSpPr>
+        <dsp:cNvPr id="0" name=""/>
+        <dsp:cNvSpPr/>
+      </dsp:nvSpPr>
+      <dsp:spPr>
+        <a:xfrm>
+          <a:off x="2468289" y="1911101"/>
+          <a:ext cx="297089" cy="1780621"/>
+        </a:xfrm>
+        <a:custGeom>
+          <a:avLst/>
+          <a:gdLst/>
+          <a:ahLst/>
+          <a:cxnLst/>
+          <a:rect l="0" t="0" r="0" b="0"/>
+          <a:pathLst>
+            <a:path>
+              <a:moveTo>
+                <a:pt x="0" y="0"/>
+              </a:moveTo>
+              <a:lnTo>
+                <a:pt x="0" y="1780621"/>
+              </a:lnTo>
+              <a:lnTo>
+                <a:pt x="297089" y="1780621"/>
+              </a:lnTo>
+            </a:path>
+          </a:pathLst>
+        </a:custGeom>
+        <a:noFill/>
+        <a:ln w="12700" cap="flat" cmpd="sng" algn="ctr">
+          <a:solidFill>
+            <a:schemeClr val="accent1">
+              <a:hueOff val="0"/>
+              <a:satOff val="0"/>
+              <a:lumOff val="0"/>
+              <a:alphaOff val="0"/>
+            </a:schemeClr>
+          </a:solidFill>
+          <a:prstDash val="solid"/>
+          <a:miter lim="800000"/>
+        </a:ln>
+        <a:effectLst/>
+      </dsp:spPr>
+      <dsp:style>
+        <a:lnRef idx="2">
+          <a:scrgbClr r="0" g="0" b="0"/>
+        </a:lnRef>
+        <a:fillRef idx="0">
+          <a:scrgbClr r="0" g="0" b="0"/>
+        </a:fillRef>
+        <a:effectRef idx="0">
+          <a:scrgbClr r="0" g="0" b="0"/>
+        </a:effectRef>
+        <a:fontRef idx="minor"/>
+      </dsp:style>
+    </dsp:sp>
+    <dsp:sp modelId="{78D4D4A7-D2F2-4E42-BB62-20A8D5AB0DD3}">
+      <dsp:nvSpPr>
+        <dsp:cNvPr id="0" name=""/>
+        <dsp:cNvSpPr/>
+      </dsp:nvSpPr>
+      <dsp:spPr>
+        <a:xfrm>
+          <a:off x="2468289" y="1911101"/>
+          <a:ext cx="297089" cy="1125484"/>
+        </a:xfrm>
+        <a:custGeom>
+          <a:avLst/>
+          <a:gdLst/>
+          <a:ahLst/>
+          <a:cxnLst/>
+          <a:rect l="0" t="0" r="0" b="0"/>
+          <a:pathLst>
+            <a:path>
+              <a:moveTo>
+                <a:pt x="0" y="0"/>
+              </a:moveTo>
+              <a:lnTo>
+                <a:pt x="0" y="1125484"/>
+              </a:lnTo>
+              <a:lnTo>
+                <a:pt x="297089" y="1125484"/>
+              </a:lnTo>
+            </a:path>
+          </a:pathLst>
+        </a:custGeom>
+        <a:noFill/>
+        <a:ln w="12700" cap="flat" cmpd="sng" algn="ctr">
+          <a:solidFill>
+            <a:schemeClr val="accent1">
+              <a:hueOff val="0"/>
+              <a:satOff val="0"/>
+              <a:lumOff val="0"/>
+              <a:alphaOff val="0"/>
+            </a:schemeClr>
+          </a:solidFill>
+          <a:prstDash val="solid"/>
+          <a:miter lim="800000"/>
+        </a:ln>
+        <a:effectLst/>
+      </dsp:spPr>
+      <dsp:style>
+        <a:lnRef idx="2">
+          <a:scrgbClr r="0" g="0" b="0"/>
+        </a:lnRef>
+        <a:fillRef idx="0">
+          <a:scrgbClr r="0" g="0" b="0"/>
+        </a:fillRef>
+        <a:effectRef idx="0">
+          <a:scrgbClr r="0" g="0" b="0"/>
+        </a:effectRef>
+        <a:fontRef idx="minor"/>
+      </dsp:style>
+    </dsp:sp>
+    <dsp:sp modelId="{BA84E4DB-1D90-4D6F-A7B2-5AF2E19C1897}">
+      <dsp:nvSpPr>
+        <dsp:cNvPr id="0" name=""/>
+        <dsp:cNvSpPr/>
+      </dsp:nvSpPr>
+      <dsp:spPr>
+        <a:xfrm>
+          <a:off x="2468289" y="1911101"/>
+          <a:ext cx="297089" cy="470347"/>
+        </a:xfrm>
+        <a:custGeom>
+          <a:avLst/>
+          <a:gdLst/>
+          <a:ahLst/>
+          <a:cxnLst/>
+          <a:rect l="0" t="0" r="0" b="0"/>
+          <a:pathLst>
+            <a:path>
+              <a:moveTo>
+                <a:pt x="0" y="0"/>
+              </a:moveTo>
+              <a:lnTo>
+                <a:pt x="0" y="470347"/>
+              </a:lnTo>
+              <a:lnTo>
+                <a:pt x="297089" y="470347"/>
+              </a:lnTo>
+            </a:path>
+          </a:pathLst>
+        </a:custGeom>
+        <a:noFill/>
+        <a:ln w="12700" cap="flat" cmpd="sng" algn="ctr">
+          <a:solidFill>
+            <a:schemeClr val="accent1">
+              <a:hueOff val="0"/>
+              <a:satOff val="0"/>
+              <a:lumOff val="0"/>
+              <a:alphaOff val="0"/>
+            </a:schemeClr>
+          </a:solidFill>
+          <a:prstDash val="solid"/>
+          <a:miter lim="800000"/>
+        </a:ln>
+        <a:effectLst/>
+      </dsp:spPr>
+      <dsp:style>
+        <a:lnRef idx="2">
+          <a:scrgbClr r="0" g="0" b="0"/>
+        </a:lnRef>
+        <a:fillRef idx="0">
+          <a:scrgbClr r="0" g="0" b="0"/>
+        </a:fillRef>
+        <a:effectRef idx="0">
+          <a:scrgbClr r="0" g="0" b="0"/>
+        </a:effectRef>
+        <a:fontRef idx="minor"/>
+      </dsp:style>
+    </dsp:sp>
+    <dsp:sp modelId="{3762977E-4513-4719-9A60-4F8A8DBA190C}">
+      <dsp:nvSpPr>
+        <dsp:cNvPr id="0" name=""/>
+        <dsp:cNvSpPr/>
+      </dsp:nvSpPr>
+      <dsp:spPr>
+        <a:xfrm>
+          <a:off x="3260529" y="945645"/>
+          <a:ext cx="1955756" cy="285557"/>
+        </a:xfrm>
+        <a:custGeom>
+          <a:avLst/>
+          <a:gdLst/>
+          <a:ahLst/>
+          <a:cxnLst/>
+          <a:rect l="0" t="0" r="0" b="0"/>
+          <a:pathLst>
+            <a:path>
+              <a:moveTo>
+                <a:pt x="1955756" y="0"/>
+              </a:moveTo>
+              <a:lnTo>
+                <a:pt x="1955756" y="142778"/>
+              </a:lnTo>
+              <a:lnTo>
+                <a:pt x="0" y="142778"/>
+              </a:lnTo>
+              <a:lnTo>
+                <a:pt x="0" y="285557"/>
+              </a:lnTo>
+            </a:path>
+          </a:pathLst>
+        </a:custGeom>
+        <a:noFill/>
+        <a:ln w="12700" cap="flat" cmpd="sng" algn="ctr">
+          <a:solidFill>
+            <a:schemeClr val="accent6">
+              <a:hueOff val="0"/>
+              <a:satOff val="0"/>
+              <a:lumOff val="0"/>
+              <a:alphaOff val="0"/>
+            </a:schemeClr>
+          </a:solidFill>
+          <a:prstDash val="solid"/>
+          <a:miter lim="800000"/>
+        </a:ln>
+        <a:effectLst/>
+      </dsp:spPr>
+      <dsp:style>
+        <a:lnRef idx="2">
+          <a:scrgbClr r="0" g="0" b="0"/>
+        </a:lnRef>
+        <a:fillRef idx="0">
+          <a:scrgbClr r="0" g="0" b="0"/>
+        </a:fillRef>
+        <a:effectRef idx="0">
+          <a:scrgbClr r="0" g="0" b="0"/>
+        </a:effectRef>
+        <a:fontRef idx="minor"/>
+      </dsp:style>
+    </dsp:sp>
+    <dsp:sp modelId="{BDDF6C7C-01C0-4E1A-9BF2-C9BA50A1ACB8}">
+      <dsp:nvSpPr>
+        <dsp:cNvPr id="0" name=""/>
+        <dsp:cNvSpPr/>
+      </dsp:nvSpPr>
+      <dsp:spPr>
+        <a:xfrm>
+          <a:off x="202131" y="1911101"/>
+          <a:ext cx="297089" cy="470347"/>
+        </a:xfrm>
+        <a:custGeom>
+          <a:avLst/>
+          <a:gdLst/>
+          <a:ahLst/>
+          <a:cxnLst/>
+          <a:rect l="0" t="0" r="0" b="0"/>
+          <a:pathLst>
+            <a:path>
+              <a:moveTo>
+                <a:pt x="0" y="0"/>
+              </a:moveTo>
+              <a:lnTo>
+                <a:pt x="0" y="470347"/>
+              </a:lnTo>
+              <a:lnTo>
+                <a:pt x="297089" y="470347"/>
+              </a:lnTo>
+            </a:path>
+          </a:pathLst>
+        </a:custGeom>
+        <a:noFill/>
+        <a:ln w="12700" cap="flat" cmpd="sng" algn="ctr">
+          <a:solidFill>
+            <a:schemeClr val="accent1">
+              <a:hueOff val="0"/>
+              <a:satOff val="0"/>
+              <a:lumOff val="0"/>
+              <a:alphaOff val="0"/>
+            </a:schemeClr>
+          </a:solidFill>
+          <a:prstDash val="solid"/>
+          <a:miter lim="800000"/>
+        </a:ln>
+        <a:effectLst/>
+      </dsp:spPr>
+      <dsp:style>
+        <a:lnRef idx="2">
+          <a:scrgbClr r="0" g="0" b="0"/>
+        </a:lnRef>
+        <a:fillRef idx="0">
+          <a:scrgbClr r="0" g="0" b="0"/>
+        </a:fillRef>
+        <a:effectRef idx="0">
+          <a:scrgbClr r="0" g="0" b="0"/>
+        </a:effectRef>
+        <a:fontRef idx="minor"/>
+      </dsp:style>
+    </dsp:sp>
+    <dsp:sp modelId="{4944204C-E473-4A7F-8554-BD83B0682EE0}">
+      <dsp:nvSpPr>
+        <dsp:cNvPr id="0" name=""/>
+        <dsp:cNvSpPr/>
+      </dsp:nvSpPr>
+      <dsp:spPr>
+        <a:xfrm>
+          <a:off x="994371" y="945645"/>
+          <a:ext cx="4221913" cy="285557"/>
+        </a:xfrm>
+        <a:custGeom>
+          <a:avLst/>
+          <a:gdLst/>
+          <a:ahLst/>
+          <a:cxnLst/>
+          <a:rect l="0" t="0" r="0" b="0"/>
+          <a:pathLst>
+            <a:path>
+              <a:moveTo>
+                <a:pt x="4221913" y="0"/>
+              </a:moveTo>
+              <a:lnTo>
+                <a:pt x="4221913" y="142778"/>
+              </a:lnTo>
+              <a:lnTo>
+                <a:pt x="0" y="142778"/>
+              </a:lnTo>
+              <a:lnTo>
+                <a:pt x="0" y="285557"/>
+              </a:lnTo>
+            </a:path>
+          </a:pathLst>
+        </a:custGeom>
+        <a:noFill/>
+        <a:ln w="12700" cap="flat" cmpd="sng" algn="ctr">
+          <a:solidFill>
+            <a:schemeClr val="accent6">
+              <a:hueOff val="0"/>
+              <a:satOff val="0"/>
+              <a:lumOff val="0"/>
+              <a:alphaOff val="0"/>
+            </a:schemeClr>
+          </a:solidFill>
+          <a:prstDash val="solid"/>
+          <a:miter lim="800000"/>
+        </a:ln>
+        <a:effectLst/>
+      </dsp:spPr>
+      <dsp:style>
+        <a:lnRef idx="2">
+          <a:scrgbClr r="0" g="0" b="0"/>
+        </a:lnRef>
+        <a:fillRef idx="0">
+          <a:scrgbClr r="0" g="0" b="0"/>
+        </a:fillRef>
+        <a:effectRef idx="0">
+          <a:scrgbClr r="0" g="0" b="0"/>
+        </a:effectRef>
+        <a:fontRef idx="minor"/>
+      </dsp:style>
+    </dsp:sp>
+    <dsp:sp modelId="{4F8A7480-05DF-422C-845F-C1C655830D7C}">
+      <dsp:nvSpPr>
+        <dsp:cNvPr id="0" name=""/>
+        <dsp:cNvSpPr/>
+      </dsp:nvSpPr>
+      <dsp:spPr>
+        <a:xfrm>
+          <a:off x="4536386" y="265746"/>
+          <a:ext cx="1359797" cy="679898"/>
+        </a:xfrm>
+        <a:prstGeom prst="rect">
+          <a:avLst/>
+        </a:prstGeom>
+        <a:solidFill>
+          <a:schemeClr val="accent4">
+            <a:hueOff val="0"/>
+            <a:satOff val="0"/>
+            <a:lumOff val="0"/>
+            <a:alphaOff val="0"/>
+          </a:schemeClr>
+        </a:solidFill>
+        <a:ln w="12700" cap="flat" cmpd="sng" algn="ctr">
+          <a:solidFill>
+            <a:schemeClr val="lt1">
+              <a:hueOff val="0"/>
+              <a:satOff val="0"/>
+              <a:lumOff val="0"/>
+              <a:alphaOff val="0"/>
+            </a:schemeClr>
+          </a:solidFill>
+          <a:prstDash val="solid"/>
+          <a:miter lim="800000"/>
+        </a:ln>
+        <a:effectLst/>
+      </dsp:spPr>
+      <dsp:style>
+        <a:lnRef idx="2">
+          <a:scrgbClr r="0" g="0" b="0"/>
+        </a:lnRef>
+        <a:fillRef idx="1">
+          <a:scrgbClr r="0" g="0" b="0"/>
+        </a:fillRef>
+        <a:effectRef idx="0">
+          <a:scrgbClr r="0" g="0" b="0"/>
+        </a:effectRef>
+        <a:fontRef idx="minor">
+          <a:schemeClr val="lt1"/>
+        </a:fontRef>
+      </dsp:style>
+      <dsp:txBody>
+        <a:bodyPr spcFirstLastPara="0" vert="horz" wrap="square" lIns="12700" tIns="12700" rIns="12700" bIns="12700" numCol="1" spcCol="1270" anchor="ctr" anchorCtr="0">
+          <a:noAutofit/>
+        </a:bodyPr>
+        <a:lstStyle/>
+        <a:p>
+          <a:pPr lvl="0" algn="ctr" defTabSz="889000">
+            <a:lnSpc>
+              <a:spcPct val="90000"/>
+            </a:lnSpc>
+            <a:spcBef>
+              <a:spcPct val="0"/>
+            </a:spcBef>
+            <a:spcAft>
+              <a:spcPct val="35000"/>
+            </a:spcAft>
+          </a:pPr>
+          <a:r>
+            <a:rPr lang="en-US" altLang="zh-CN" sz="2000" b="0" kern="1200" dirty="0" smtClean="0">
+              <a:effectLst/>
+              <a:latin typeface="Times New Roman" panose="02020603050405020304" pitchFamily="18" charset="0"/>
+              <a:cs typeface="Times New Roman" panose="02020603050405020304" pitchFamily="18" charset="0"/>
+            </a:rPr>
+            <a:t>Object</a:t>
+          </a:r>
+          <a:endParaRPr lang="zh-CN" altLang="en-US" sz="2000" b="0" kern="1200" dirty="0">
+            <a:effectLst/>
+            <a:latin typeface="Times New Roman" panose="02020603050405020304" pitchFamily="18" charset="0"/>
+            <a:cs typeface="Times New Roman" panose="02020603050405020304" pitchFamily="18" charset="0"/>
+          </a:endParaRPr>
+        </a:p>
+      </dsp:txBody>
+      <dsp:txXfrm>
+        <a:off x="4536386" y="265746"/>
+        <a:ext cx="1359797" cy="679898"/>
+      </dsp:txXfrm>
+    </dsp:sp>
+    <dsp:sp modelId="{563A7891-5E14-4169-A718-1916552BCF2F}">
+      <dsp:nvSpPr>
+        <dsp:cNvPr id="0" name=""/>
+        <dsp:cNvSpPr/>
+      </dsp:nvSpPr>
+      <dsp:spPr>
+        <a:xfrm>
+          <a:off x="4071" y="1231202"/>
+          <a:ext cx="1980599" cy="679898"/>
+        </a:xfrm>
+        <a:prstGeom prst="rect">
+          <a:avLst/>
+        </a:prstGeom>
+        <a:solidFill>
+          <a:schemeClr val="accent6">
+            <a:hueOff val="0"/>
+            <a:satOff val="0"/>
+            <a:lumOff val="0"/>
+            <a:alphaOff val="0"/>
+          </a:schemeClr>
+        </a:solidFill>
+        <a:ln w="12700" cap="flat" cmpd="sng" algn="ctr">
+          <a:solidFill>
+            <a:schemeClr val="lt1">
+              <a:hueOff val="0"/>
+              <a:satOff val="0"/>
+              <a:lumOff val="0"/>
+              <a:alphaOff val="0"/>
+            </a:schemeClr>
+          </a:solidFill>
+          <a:prstDash val="solid"/>
+          <a:miter lim="800000"/>
+        </a:ln>
+        <a:effectLst/>
+      </dsp:spPr>
+      <dsp:style>
+        <a:lnRef idx="2">
+          <a:scrgbClr r="0" g="0" b="0"/>
+        </a:lnRef>
+        <a:fillRef idx="1">
+          <a:scrgbClr r="0" g="0" b="0"/>
+        </a:fillRef>
+        <a:effectRef idx="0">
+          <a:scrgbClr r="0" g="0" b="0"/>
+        </a:effectRef>
+        <a:fontRef idx="minor">
+          <a:schemeClr val="lt1"/>
+        </a:fontRef>
+      </dsp:style>
+      <dsp:txBody>
+        <a:bodyPr spcFirstLastPara="0" vert="horz" wrap="square" lIns="12700" tIns="12700" rIns="12700" bIns="12700" numCol="1" spcCol="1270" anchor="ctr" anchorCtr="0">
+          <a:noAutofit/>
+        </a:bodyPr>
+        <a:lstStyle/>
+        <a:p>
+          <a:pPr lvl="0" algn="ctr" defTabSz="889000">
+            <a:lnSpc>
+              <a:spcPct val="90000"/>
+            </a:lnSpc>
+            <a:spcBef>
+              <a:spcPct val="0"/>
+            </a:spcBef>
+            <a:spcAft>
+              <a:spcPct val="35000"/>
+            </a:spcAft>
+          </a:pPr>
+          <a:r>
+            <a:rPr lang="en-US" altLang="zh-CN" sz="2000" b="0" kern="1200" dirty="0" smtClean="0">
+              <a:effectLst/>
+              <a:latin typeface="Times New Roman" panose="02020603050405020304" pitchFamily="18" charset="0"/>
+              <a:cs typeface="Times New Roman" panose="02020603050405020304" pitchFamily="18" charset="0"/>
+            </a:rPr>
+            <a:t>Fundamental</a:t>
+          </a:r>
+          <a:r>
+            <a:rPr lang="zh-CN" altLang="en-US" sz="2000" b="0" kern="1200" dirty="0" smtClean="0">
+              <a:effectLst/>
+              <a:latin typeface="Times New Roman" panose="02020603050405020304" pitchFamily="18" charset="0"/>
+              <a:cs typeface="Times New Roman" panose="02020603050405020304" pitchFamily="18" charset="0"/>
+            </a:rPr>
+            <a:t>对象</a:t>
+          </a:r>
+          <a:endParaRPr lang="zh-CN" altLang="en-US" sz="2000" b="0" kern="1200" dirty="0">
+            <a:effectLst/>
+            <a:latin typeface="Times New Roman" panose="02020603050405020304" pitchFamily="18" charset="0"/>
+            <a:cs typeface="Times New Roman" panose="02020603050405020304" pitchFamily="18" charset="0"/>
+          </a:endParaRPr>
+        </a:p>
+      </dsp:txBody>
+      <dsp:txXfrm>
+        <a:off x="4071" y="1231202"/>
+        <a:ext cx="1980599" cy="679898"/>
+      </dsp:txXfrm>
+    </dsp:sp>
+    <dsp:sp modelId="{C6082CFA-E009-4B1D-B9EA-1936AFA4D441}">
+      <dsp:nvSpPr>
+        <dsp:cNvPr id="0" name=""/>
+        <dsp:cNvSpPr/>
+      </dsp:nvSpPr>
+      <dsp:spPr>
+        <a:xfrm>
+          <a:off x="499221" y="2196659"/>
+          <a:ext cx="1083826" cy="369579"/>
+        </a:xfrm>
+        <a:prstGeom prst="rect">
+          <a:avLst/>
+        </a:prstGeom>
+        <a:solidFill>
+          <a:schemeClr val="accent1">
+            <a:hueOff val="0"/>
+            <a:satOff val="0"/>
+            <a:lumOff val="0"/>
+            <a:alphaOff val="0"/>
+          </a:schemeClr>
+        </a:solidFill>
+        <a:ln w="12700" cap="flat" cmpd="sng" algn="ctr">
+          <a:solidFill>
+            <a:schemeClr val="lt1">
+              <a:hueOff val="0"/>
+              <a:satOff val="0"/>
+              <a:lumOff val="0"/>
+              <a:alphaOff val="0"/>
+            </a:schemeClr>
+          </a:solidFill>
+          <a:prstDash val="solid"/>
+          <a:miter lim="800000"/>
+        </a:ln>
+        <a:effectLst/>
+      </dsp:spPr>
+      <dsp:style>
+        <a:lnRef idx="2">
+          <a:scrgbClr r="0" g="0" b="0"/>
+        </a:lnRef>
+        <a:fillRef idx="1">
+          <a:scrgbClr r="0" g="0" b="0"/>
+        </a:fillRef>
+        <a:effectRef idx="0">
+          <a:scrgbClr r="0" g="0" b="0"/>
+        </a:effectRef>
+        <a:fontRef idx="minor">
+          <a:schemeClr val="lt1"/>
+        </a:fontRef>
+      </dsp:style>
+      <dsp:txBody>
+        <a:bodyPr spcFirstLastPara="0" vert="horz" wrap="square" lIns="12700" tIns="12700" rIns="12700" bIns="12700" numCol="1" spcCol="1270" anchor="ctr" anchorCtr="0">
+          <a:noAutofit/>
+        </a:bodyPr>
+        <a:lstStyle/>
+        <a:p>
+          <a:pPr lvl="0" algn="ctr" defTabSz="889000">
+            <a:lnSpc>
+              <a:spcPct val="90000"/>
+            </a:lnSpc>
+            <a:spcBef>
+              <a:spcPct val="0"/>
+            </a:spcBef>
+            <a:spcAft>
+              <a:spcPct val="35000"/>
+            </a:spcAft>
+          </a:pPr>
+          <a:r>
+            <a:rPr lang="en-US" altLang="zh-CN" sz="2000" b="0" kern="1200" dirty="0" smtClean="0">
+              <a:effectLst/>
+              <a:latin typeface="Times New Roman" panose="02020603050405020304" pitchFamily="18" charset="0"/>
+              <a:cs typeface="Times New Roman" panose="02020603050405020304" pitchFamily="18" charset="0"/>
+            </a:rPr>
+            <a:t>type</a:t>
+          </a:r>
+          <a:endParaRPr lang="zh-CN" altLang="en-US" sz="2000" b="0" kern="1200" dirty="0">
+            <a:effectLst/>
+            <a:latin typeface="Times New Roman" panose="02020603050405020304" pitchFamily="18" charset="0"/>
+            <a:cs typeface="Times New Roman" panose="02020603050405020304" pitchFamily="18" charset="0"/>
+          </a:endParaRPr>
+        </a:p>
+      </dsp:txBody>
+      <dsp:txXfrm>
+        <a:off x="499221" y="2196659"/>
+        <a:ext cx="1083826" cy="369579"/>
+      </dsp:txXfrm>
+    </dsp:sp>
+    <dsp:sp modelId="{C72CEB21-61F5-4E03-A49D-F746A01CC884}">
+      <dsp:nvSpPr>
+        <dsp:cNvPr id="0" name=""/>
+        <dsp:cNvSpPr/>
+      </dsp:nvSpPr>
+      <dsp:spPr>
+        <a:xfrm>
+          <a:off x="2270229" y="1231202"/>
+          <a:ext cx="1980599" cy="679898"/>
+        </a:xfrm>
+        <a:prstGeom prst="rect">
+          <a:avLst/>
+        </a:prstGeom>
+        <a:solidFill>
+          <a:schemeClr val="accent6">
+            <a:hueOff val="0"/>
+            <a:satOff val="0"/>
+            <a:lumOff val="0"/>
+            <a:alphaOff val="0"/>
+          </a:schemeClr>
+        </a:solidFill>
+        <a:ln w="12700" cap="flat" cmpd="sng" algn="ctr">
+          <a:solidFill>
+            <a:schemeClr val="lt1">
+              <a:hueOff val="0"/>
+              <a:satOff val="0"/>
+              <a:lumOff val="0"/>
+              <a:alphaOff val="0"/>
+            </a:schemeClr>
+          </a:solidFill>
+          <a:prstDash val="solid"/>
+          <a:miter lim="800000"/>
+        </a:ln>
+        <a:effectLst/>
+      </dsp:spPr>
+      <dsp:style>
+        <a:lnRef idx="2">
+          <a:scrgbClr r="0" g="0" b="0"/>
+        </a:lnRef>
+        <a:fillRef idx="1">
+          <a:scrgbClr r="0" g="0" b="0"/>
+        </a:fillRef>
+        <a:effectRef idx="0">
+          <a:scrgbClr r="0" g="0" b="0"/>
+        </a:effectRef>
+        <a:fontRef idx="minor">
+          <a:schemeClr val="lt1"/>
+        </a:fontRef>
+      </dsp:style>
+      <dsp:txBody>
+        <a:bodyPr spcFirstLastPara="0" vert="horz" wrap="square" lIns="12700" tIns="12700" rIns="12700" bIns="12700" numCol="1" spcCol="1270" anchor="ctr" anchorCtr="0">
+          <a:noAutofit/>
+        </a:bodyPr>
+        <a:lstStyle/>
+        <a:p>
+          <a:pPr lvl="0" algn="ctr" defTabSz="889000">
+            <a:lnSpc>
+              <a:spcPct val="90000"/>
+            </a:lnSpc>
+            <a:spcBef>
+              <a:spcPct val="0"/>
+            </a:spcBef>
+            <a:spcAft>
+              <a:spcPct val="35000"/>
+            </a:spcAft>
+          </a:pPr>
+          <a:r>
+            <a:rPr lang="en-US" altLang="zh-CN" sz="2000" b="0" kern="1200" dirty="0" smtClean="0">
+              <a:effectLst/>
+              <a:latin typeface="Times New Roman" panose="02020603050405020304" pitchFamily="18" charset="0"/>
+              <a:cs typeface="Times New Roman" panose="02020603050405020304" pitchFamily="18" charset="0"/>
+            </a:rPr>
+            <a:t>Numeric</a:t>
+          </a:r>
+          <a:r>
+            <a:rPr lang="zh-CN" altLang="en-US" sz="2000" b="0" kern="1200" dirty="0" smtClean="0">
+              <a:effectLst/>
+              <a:latin typeface="Times New Roman" panose="02020603050405020304" pitchFamily="18" charset="0"/>
+              <a:cs typeface="Times New Roman" panose="02020603050405020304" pitchFamily="18" charset="0"/>
+            </a:rPr>
+            <a:t>对象</a:t>
+          </a:r>
+          <a:endParaRPr lang="zh-CN" altLang="en-US" sz="2000" b="0" kern="1200" dirty="0">
+            <a:effectLst/>
+            <a:latin typeface="Times New Roman" panose="02020603050405020304" pitchFamily="18" charset="0"/>
+            <a:cs typeface="Times New Roman" panose="02020603050405020304" pitchFamily="18" charset="0"/>
+          </a:endParaRPr>
+        </a:p>
+      </dsp:txBody>
+      <dsp:txXfrm>
+        <a:off x="2270229" y="1231202"/>
+        <a:ext cx="1980599" cy="679898"/>
+      </dsp:txXfrm>
+    </dsp:sp>
+    <dsp:sp modelId="{9D8E8071-44EB-40CC-9BAF-73F22ADD8E92}">
+      <dsp:nvSpPr>
+        <dsp:cNvPr id="0" name=""/>
+        <dsp:cNvSpPr/>
+      </dsp:nvSpPr>
+      <dsp:spPr>
+        <a:xfrm>
+          <a:off x="2765379" y="2196659"/>
+          <a:ext cx="1083826" cy="369579"/>
+        </a:xfrm>
+        <a:prstGeom prst="rect">
+          <a:avLst/>
+        </a:prstGeom>
+        <a:solidFill>
+          <a:schemeClr val="accent1">
+            <a:hueOff val="0"/>
+            <a:satOff val="0"/>
+            <a:lumOff val="0"/>
+            <a:alphaOff val="0"/>
+          </a:schemeClr>
+        </a:solidFill>
+        <a:ln w="12700" cap="flat" cmpd="sng" algn="ctr">
+          <a:solidFill>
+            <a:schemeClr val="lt1">
+              <a:hueOff val="0"/>
+              <a:satOff val="0"/>
+              <a:lumOff val="0"/>
+              <a:alphaOff val="0"/>
+            </a:schemeClr>
+          </a:solidFill>
+          <a:prstDash val="solid"/>
+          <a:miter lim="800000"/>
+        </a:ln>
+        <a:effectLst/>
+      </dsp:spPr>
+      <dsp:style>
+        <a:lnRef idx="2">
+          <a:scrgbClr r="0" g="0" b="0"/>
+        </a:lnRef>
+        <a:fillRef idx="1">
+          <a:scrgbClr r="0" g="0" b="0"/>
+        </a:fillRef>
+        <a:effectRef idx="0">
+          <a:scrgbClr r="0" g="0" b="0"/>
+        </a:effectRef>
+        <a:fontRef idx="minor">
+          <a:schemeClr val="lt1"/>
+        </a:fontRef>
+      </dsp:style>
+      <dsp:txBody>
+        <a:bodyPr spcFirstLastPara="0" vert="horz" wrap="square" lIns="12700" tIns="12700" rIns="12700" bIns="12700" numCol="1" spcCol="1270" anchor="ctr" anchorCtr="0">
+          <a:noAutofit/>
+        </a:bodyPr>
+        <a:lstStyle/>
+        <a:p>
+          <a:pPr lvl="0" algn="ctr" defTabSz="889000">
+            <a:lnSpc>
+              <a:spcPct val="90000"/>
+            </a:lnSpc>
+            <a:spcBef>
+              <a:spcPct val="0"/>
+            </a:spcBef>
+            <a:spcAft>
+              <a:spcPct val="35000"/>
+            </a:spcAft>
+          </a:pPr>
+          <a:r>
+            <a:rPr lang="en-US" altLang="zh-CN" sz="2000" b="0" kern="1200" dirty="0" err="1" smtClean="0">
+              <a:effectLst/>
+              <a:latin typeface="Times New Roman" panose="02020603050405020304" pitchFamily="18" charset="0"/>
+              <a:cs typeface="Times New Roman" panose="02020603050405020304" pitchFamily="18" charset="0"/>
+            </a:rPr>
+            <a:t>interger</a:t>
+          </a:r>
+          <a:endParaRPr lang="zh-CN" altLang="en-US" sz="2000" b="0" kern="1200" dirty="0">
+            <a:effectLst/>
+            <a:latin typeface="Times New Roman" panose="02020603050405020304" pitchFamily="18" charset="0"/>
+            <a:cs typeface="Times New Roman" panose="02020603050405020304" pitchFamily="18" charset="0"/>
+          </a:endParaRPr>
+        </a:p>
+      </dsp:txBody>
+      <dsp:txXfrm>
+        <a:off x="2765379" y="2196659"/>
+        <a:ext cx="1083826" cy="369579"/>
+      </dsp:txXfrm>
+    </dsp:sp>
+    <dsp:sp modelId="{022B3D57-45D9-430A-AC25-521197D81FD1}">
+      <dsp:nvSpPr>
+        <dsp:cNvPr id="0" name=""/>
+        <dsp:cNvSpPr/>
+      </dsp:nvSpPr>
+      <dsp:spPr>
+        <a:xfrm>
+          <a:off x="2765379" y="2851796"/>
+          <a:ext cx="1083826" cy="369579"/>
+        </a:xfrm>
+        <a:prstGeom prst="rect">
+          <a:avLst/>
+        </a:prstGeom>
+        <a:solidFill>
+          <a:schemeClr val="accent1">
+            <a:hueOff val="0"/>
+            <a:satOff val="0"/>
+            <a:lumOff val="0"/>
+            <a:alphaOff val="0"/>
+          </a:schemeClr>
+        </a:solidFill>
+        <a:ln w="12700" cap="flat" cmpd="sng" algn="ctr">
+          <a:solidFill>
+            <a:schemeClr val="lt1">
+              <a:hueOff val="0"/>
+              <a:satOff val="0"/>
+              <a:lumOff val="0"/>
+              <a:alphaOff val="0"/>
+            </a:schemeClr>
+          </a:solidFill>
+          <a:prstDash val="solid"/>
+          <a:miter lim="800000"/>
+        </a:ln>
+        <a:effectLst/>
+      </dsp:spPr>
+      <dsp:style>
+        <a:lnRef idx="2">
+          <a:scrgbClr r="0" g="0" b="0"/>
+        </a:lnRef>
+        <a:fillRef idx="1">
+          <a:scrgbClr r="0" g="0" b="0"/>
+        </a:fillRef>
+        <a:effectRef idx="0">
+          <a:scrgbClr r="0" g="0" b="0"/>
+        </a:effectRef>
+        <a:fontRef idx="minor">
+          <a:schemeClr val="lt1"/>
+        </a:fontRef>
+      </dsp:style>
+      <dsp:txBody>
+        <a:bodyPr spcFirstLastPara="0" vert="horz" wrap="square" lIns="12700" tIns="12700" rIns="12700" bIns="12700" numCol="1" spcCol="1270" anchor="ctr" anchorCtr="0">
+          <a:noAutofit/>
+        </a:bodyPr>
+        <a:lstStyle/>
+        <a:p>
+          <a:pPr lvl="0" algn="ctr" defTabSz="889000">
+            <a:lnSpc>
+              <a:spcPct val="90000"/>
+            </a:lnSpc>
+            <a:spcBef>
+              <a:spcPct val="0"/>
+            </a:spcBef>
+            <a:spcAft>
+              <a:spcPct val="35000"/>
+            </a:spcAft>
+          </a:pPr>
+          <a:r>
+            <a:rPr lang="en-US" altLang="zh-CN" sz="2000" b="0" kern="1200" dirty="0" smtClean="0">
+              <a:effectLst/>
+              <a:latin typeface="Times New Roman" panose="02020603050405020304" pitchFamily="18" charset="0"/>
+              <a:cs typeface="Times New Roman" panose="02020603050405020304" pitchFamily="18" charset="0"/>
+            </a:rPr>
+            <a:t>float</a:t>
+          </a:r>
+          <a:endParaRPr lang="zh-CN" altLang="en-US" sz="2000" b="0" kern="1200" dirty="0">
+            <a:effectLst/>
+            <a:latin typeface="Times New Roman" panose="02020603050405020304" pitchFamily="18" charset="0"/>
+            <a:cs typeface="Times New Roman" panose="02020603050405020304" pitchFamily="18" charset="0"/>
+          </a:endParaRPr>
+        </a:p>
+      </dsp:txBody>
+      <dsp:txXfrm>
+        <a:off x="2765379" y="2851796"/>
+        <a:ext cx="1083826" cy="369579"/>
+      </dsp:txXfrm>
+    </dsp:sp>
+    <dsp:sp modelId="{2C467478-BD63-46D3-9AF8-1B20CDD04829}">
+      <dsp:nvSpPr>
+        <dsp:cNvPr id="0" name=""/>
+        <dsp:cNvSpPr/>
+      </dsp:nvSpPr>
+      <dsp:spPr>
+        <a:xfrm>
+          <a:off x="2765379" y="3506933"/>
+          <a:ext cx="1083826" cy="369579"/>
+        </a:xfrm>
+        <a:prstGeom prst="rect">
+          <a:avLst/>
+        </a:prstGeom>
+        <a:solidFill>
+          <a:schemeClr val="accent1">
+            <a:hueOff val="0"/>
+            <a:satOff val="0"/>
+            <a:lumOff val="0"/>
+            <a:alphaOff val="0"/>
+          </a:schemeClr>
+        </a:solidFill>
+        <a:ln w="12700" cap="flat" cmpd="sng" algn="ctr">
+          <a:solidFill>
+            <a:schemeClr val="lt1">
+              <a:hueOff val="0"/>
+              <a:satOff val="0"/>
+              <a:lumOff val="0"/>
+              <a:alphaOff val="0"/>
+            </a:schemeClr>
+          </a:solidFill>
+          <a:prstDash val="solid"/>
+          <a:miter lim="800000"/>
+        </a:ln>
+        <a:effectLst/>
+      </dsp:spPr>
+      <dsp:style>
+        <a:lnRef idx="2">
+          <a:scrgbClr r="0" g="0" b="0"/>
+        </a:lnRef>
+        <a:fillRef idx="1">
+          <a:scrgbClr r="0" g="0" b="0"/>
+        </a:fillRef>
+        <a:effectRef idx="0">
+          <a:scrgbClr r="0" g="0" b="0"/>
+        </a:effectRef>
+        <a:fontRef idx="minor">
+          <a:schemeClr val="lt1"/>
+        </a:fontRef>
+      </dsp:style>
+      <dsp:txBody>
+        <a:bodyPr spcFirstLastPara="0" vert="horz" wrap="square" lIns="12700" tIns="12700" rIns="12700" bIns="12700" numCol="1" spcCol="1270" anchor="ctr" anchorCtr="0">
+          <a:noAutofit/>
+        </a:bodyPr>
+        <a:lstStyle/>
+        <a:p>
+          <a:pPr lvl="0" algn="ctr" defTabSz="889000">
+            <a:lnSpc>
+              <a:spcPct val="90000"/>
+            </a:lnSpc>
+            <a:spcBef>
+              <a:spcPct val="0"/>
+            </a:spcBef>
+            <a:spcAft>
+              <a:spcPct val="35000"/>
+            </a:spcAft>
+          </a:pPr>
+          <a:r>
+            <a:rPr lang="en-US" altLang="zh-CN" sz="2000" b="0" kern="1200" dirty="0" err="1" smtClean="0">
+              <a:effectLst/>
+              <a:latin typeface="Times New Roman" panose="02020603050405020304" pitchFamily="18" charset="0"/>
+              <a:cs typeface="Times New Roman" panose="02020603050405020304" pitchFamily="18" charset="0"/>
+            </a:rPr>
+            <a:t>boolean</a:t>
+          </a:r>
+          <a:endParaRPr lang="zh-CN" altLang="en-US" sz="2000" b="0" kern="1200" dirty="0">
+            <a:effectLst/>
+            <a:latin typeface="Times New Roman" panose="02020603050405020304" pitchFamily="18" charset="0"/>
+            <a:cs typeface="Times New Roman" panose="02020603050405020304" pitchFamily="18" charset="0"/>
+          </a:endParaRPr>
+        </a:p>
+      </dsp:txBody>
+      <dsp:txXfrm>
+        <a:off x="2765379" y="3506933"/>
+        <a:ext cx="1083826" cy="369579"/>
+      </dsp:txXfrm>
+    </dsp:sp>
+    <dsp:sp modelId="{54D016DC-FC71-4E3F-8DAB-59B3D96F71B5}">
+      <dsp:nvSpPr>
+        <dsp:cNvPr id="0" name=""/>
+        <dsp:cNvSpPr/>
+      </dsp:nvSpPr>
+      <dsp:spPr>
+        <a:xfrm>
+          <a:off x="4536386" y="1231202"/>
+          <a:ext cx="1980599" cy="679898"/>
+        </a:xfrm>
+        <a:prstGeom prst="rect">
+          <a:avLst/>
+        </a:prstGeom>
+        <a:solidFill>
+          <a:schemeClr val="accent6">
+            <a:hueOff val="0"/>
+            <a:satOff val="0"/>
+            <a:lumOff val="0"/>
+            <a:alphaOff val="0"/>
+          </a:schemeClr>
+        </a:solidFill>
+        <a:ln w="12700" cap="flat" cmpd="sng" algn="ctr">
+          <a:solidFill>
+            <a:schemeClr val="lt1">
+              <a:hueOff val="0"/>
+              <a:satOff val="0"/>
+              <a:lumOff val="0"/>
+              <a:alphaOff val="0"/>
+            </a:schemeClr>
+          </a:solidFill>
+          <a:prstDash val="solid"/>
+          <a:miter lim="800000"/>
+        </a:ln>
+        <a:effectLst/>
+      </dsp:spPr>
+      <dsp:style>
+        <a:lnRef idx="2">
+          <a:scrgbClr r="0" g="0" b="0"/>
+        </a:lnRef>
+        <a:fillRef idx="1">
+          <a:scrgbClr r="0" g="0" b="0"/>
+        </a:fillRef>
+        <a:effectRef idx="0">
+          <a:scrgbClr r="0" g="0" b="0"/>
+        </a:effectRef>
+        <a:fontRef idx="minor">
+          <a:schemeClr val="lt1"/>
+        </a:fontRef>
+      </dsp:style>
+      <dsp:txBody>
+        <a:bodyPr spcFirstLastPara="0" vert="horz" wrap="square" lIns="12700" tIns="12700" rIns="12700" bIns="12700" numCol="1" spcCol="1270" anchor="ctr" anchorCtr="0">
+          <a:noAutofit/>
+        </a:bodyPr>
+        <a:lstStyle/>
+        <a:p>
+          <a:pPr lvl="0" algn="ctr" defTabSz="889000">
+            <a:lnSpc>
+              <a:spcPct val="90000"/>
+            </a:lnSpc>
+            <a:spcBef>
+              <a:spcPct val="0"/>
+            </a:spcBef>
+            <a:spcAft>
+              <a:spcPct val="35000"/>
+            </a:spcAft>
+          </a:pPr>
+          <a:r>
+            <a:rPr lang="en-US" altLang="zh-CN" sz="2000" b="0" kern="1200" dirty="0" smtClean="0">
+              <a:effectLst/>
+              <a:latin typeface="Times New Roman" panose="02020603050405020304" pitchFamily="18" charset="0"/>
+              <a:cs typeface="Times New Roman" panose="02020603050405020304" pitchFamily="18" charset="0"/>
+            </a:rPr>
+            <a:t>Sequence</a:t>
+          </a:r>
+          <a:r>
+            <a:rPr lang="zh-CN" altLang="en-US" sz="2000" b="0" kern="1200" dirty="0" smtClean="0">
+              <a:effectLst/>
+              <a:latin typeface="Times New Roman" panose="02020603050405020304" pitchFamily="18" charset="0"/>
+              <a:cs typeface="Times New Roman" panose="02020603050405020304" pitchFamily="18" charset="0"/>
+            </a:rPr>
+            <a:t>对象</a:t>
+          </a:r>
+          <a:endParaRPr lang="zh-CN" altLang="en-US" sz="2000" b="0" kern="1200" dirty="0">
+            <a:effectLst/>
+            <a:latin typeface="Times New Roman" panose="02020603050405020304" pitchFamily="18" charset="0"/>
+            <a:cs typeface="Times New Roman" panose="02020603050405020304" pitchFamily="18" charset="0"/>
+          </a:endParaRPr>
+        </a:p>
+      </dsp:txBody>
+      <dsp:txXfrm>
+        <a:off x="4536386" y="1231202"/>
+        <a:ext cx="1980599" cy="679898"/>
+      </dsp:txXfrm>
+    </dsp:sp>
+    <dsp:sp modelId="{DDF6AFDA-D683-43A2-911F-31CCEDEDFA51}">
+      <dsp:nvSpPr>
+        <dsp:cNvPr id="0" name=""/>
+        <dsp:cNvSpPr/>
+      </dsp:nvSpPr>
+      <dsp:spPr>
+        <a:xfrm>
+          <a:off x="5031536" y="2196659"/>
+          <a:ext cx="1083826" cy="369579"/>
+        </a:xfrm>
+        <a:prstGeom prst="rect">
+          <a:avLst/>
+        </a:prstGeom>
+        <a:solidFill>
+          <a:schemeClr val="accent1">
+            <a:hueOff val="0"/>
+            <a:satOff val="0"/>
+            <a:lumOff val="0"/>
+            <a:alphaOff val="0"/>
+          </a:schemeClr>
+        </a:solidFill>
+        <a:ln w="12700" cap="flat" cmpd="sng" algn="ctr">
+          <a:solidFill>
+            <a:schemeClr val="lt1">
+              <a:hueOff val="0"/>
+              <a:satOff val="0"/>
+              <a:lumOff val="0"/>
+              <a:alphaOff val="0"/>
+            </a:schemeClr>
+          </a:solidFill>
+          <a:prstDash val="solid"/>
+          <a:miter lim="800000"/>
+        </a:ln>
+        <a:effectLst/>
+      </dsp:spPr>
+      <dsp:style>
+        <a:lnRef idx="2">
+          <a:scrgbClr r="0" g="0" b="0"/>
+        </a:lnRef>
+        <a:fillRef idx="1">
+          <a:scrgbClr r="0" g="0" b="0"/>
+        </a:fillRef>
+        <a:effectRef idx="0">
+          <a:scrgbClr r="0" g="0" b="0"/>
+        </a:effectRef>
+        <a:fontRef idx="minor">
+          <a:schemeClr val="lt1"/>
+        </a:fontRef>
+      </dsp:style>
+      <dsp:txBody>
+        <a:bodyPr spcFirstLastPara="0" vert="horz" wrap="square" lIns="12700" tIns="12700" rIns="12700" bIns="12700" numCol="1" spcCol="1270" anchor="ctr" anchorCtr="0">
+          <a:noAutofit/>
+        </a:bodyPr>
+        <a:lstStyle/>
+        <a:p>
+          <a:pPr lvl="0" algn="ctr" defTabSz="889000">
+            <a:lnSpc>
+              <a:spcPct val="90000"/>
+            </a:lnSpc>
+            <a:spcBef>
+              <a:spcPct val="0"/>
+            </a:spcBef>
+            <a:spcAft>
+              <a:spcPct val="35000"/>
+            </a:spcAft>
+          </a:pPr>
+          <a:r>
+            <a:rPr lang="en-US" altLang="zh-CN" sz="2000" b="0" kern="1200" dirty="0" smtClean="0">
+              <a:effectLst/>
+              <a:latin typeface="Times New Roman" panose="02020603050405020304" pitchFamily="18" charset="0"/>
+              <a:cs typeface="Times New Roman" panose="02020603050405020304" pitchFamily="18" charset="0"/>
+            </a:rPr>
+            <a:t>string</a:t>
+          </a:r>
+          <a:endParaRPr lang="zh-CN" altLang="en-US" sz="2000" b="0" kern="1200" dirty="0">
+            <a:effectLst/>
+            <a:latin typeface="Times New Roman" panose="02020603050405020304" pitchFamily="18" charset="0"/>
+            <a:cs typeface="Times New Roman" panose="02020603050405020304" pitchFamily="18" charset="0"/>
+          </a:endParaRPr>
+        </a:p>
+      </dsp:txBody>
+      <dsp:txXfrm>
+        <a:off x="5031536" y="2196659"/>
+        <a:ext cx="1083826" cy="369579"/>
+      </dsp:txXfrm>
+    </dsp:sp>
+    <dsp:sp modelId="{81DB2F96-7301-4343-B6C5-4CAB80BC6A4E}">
+      <dsp:nvSpPr>
+        <dsp:cNvPr id="0" name=""/>
+        <dsp:cNvSpPr/>
+      </dsp:nvSpPr>
+      <dsp:spPr>
+        <a:xfrm>
+          <a:off x="5031536" y="2851796"/>
+          <a:ext cx="1083826" cy="369579"/>
+        </a:xfrm>
+        <a:prstGeom prst="rect">
+          <a:avLst/>
+        </a:prstGeom>
+        <a:solidFill>
+          <a:schemeClr val="accent1">
+            <a:hueOff val="0"/>
+            <a:satOff val="0"/>
+            <a:lumOff val="0"/>
+            <a:alphaOff val="0"/>
+          </a:schemeClr>
+        </a:solidFill>
+        <a:ln w="12700" cap="flat" cmpd="sng" algn="ctr">
+          <a:solidFill>
+            <a:schemeClr val="lt1">
+              <a:hueOff val="0"/>
+              <a:satOff val="0"/>
+              <a:lumOff val="0"/>
+              <a:alphaOff val="0"/>
+            </a:schemeClr>
+          </a:solidFill>
+          <a:prstDash val="solid"/>
+          <a:miter lim="800000"/>
+        </a:ln>
+        <a:effectLst/>
+      </dsp:spPr>
+      <dsp:style>
+        <a:lnRef idx="2">
+          <a:scrgbClr r="0" g="0" b="0"/>
+        </a:lnRef>
+        <a:fillRef idx="1">
+          <a:scrgbClr r="0" g="0" b="0"/>
+        </a:fillRef>
+        <a:effectRef idx="0">
+          <a:scrgbClr r="0" g="0" b="0"/>
+        </a:effectRef>
+        <a:fontRef idx="minor">
+          <a:schemeClr val="lt1"/>
+        </a:fontRef>
+      </dsp:style>
+      <dsp:txBody>
+        <a:bodyPr spcFirstLastPara="0" vert="horz" wrap="square" lIns="12700" tIns="12700" rIns="12700" bIns="12700" numCol="1" spcCol="1270" anchor="ctr" anchorCtr="0">
+          <a:noAutofit/>
+        </a:bodyPr>
+        <a:lstStyle/>
+        <a:p>
+          <a:pPr lvl="0" algn="ctr" defTabSz="889000">
+            <a:lnSpc>
+              <a:spcPct val="90000"/>
+            </a:lnSpc>
+            <a:spcBef>
+              <a:spcPct val="0"/>
+            </a:spcBef>
+            <a:spcAft>
+              <a:spcPct val="35000"/>
+            </a:spcAft>
+          </a:pPr>
+          <a:r>
+            <a:rPr lang="en-US" altLang="zh-CN" sz="2000" b="0" kern="1200" dirty="0" smtClean="0">
+              <a:effectLst/>
+              <a:latin typeface="Times New Roman" panose="02020603050405020304" pitchFamily="18" charset="0"/>
+              <a:cs typeface="Times New Roman" panose="02020603050405020304" pitchFamily="18" charset="0"/>
+            </a:rPr>
+            <a:t>list</a:t>
+          </a:r>
+          <a:endParaRPr lang="zh-CN" altLang="en-US" sz="2000" b="0" kern="1200" dirty="0">
+            <a:effectLst/>
+            <a:latin typeface="Times New Roman" panose="02020603050405020304" pitchFamily="18" charset="0"/>
+            <a:cs typeface="Times New Roman" panose="02020603050405020304" pitchFamily="18" charset="0"/>
+          </a:endParaRPr>
+        </a:p>
+      </dsp:txBody>
+      <dsp:txXfrm>
+        <a:off x="5031536" y="2851796"/>
+        <a:ext cx="1083826" cy="369579"/>
+      </dsp:txXfrm>
+    </dsp:sp>
+    <dsp:sp modelId="{9DCE858B-337F-4161-A809-3C1E1E63073B}">
+      <dsp:nvSpPr>
+        <dsp:cNvPr id="0" name=""/>
+        <dsp:cNvSpPr/>
+      </dsp:nvSpPr>
+      <dsp:spPr>
+        <a:xfrm>
+          <a:off x="5031536" y="3506933"/>
+          <a:ext cx="1083826" cy="369579"/>
+        </a:xfrm>
+        <a:prstGeom prst="rect">
+          <a:avLst/>
+        </a:prstGeom>
+        <a:solidFill>
+          <a:schemeClr val="accent1">
+            <a:hueOff val="0"/>
+            <a:satOff val="0"/>
+            <a:lumOff val="0"/>
+            <a:alphaOff val="0"/>
+          </a:schemeClr>
+        </a:solidFill>
+        <a:ln w="12700" cap="flat" cmpd="sng" algn="ctr">
+          <a:solidFill>
+            <a:schemeClr val="lt1">
+              <a:hueOff val="0"/>
+              <a:satOff val="0"/>
+              <a:lumOff val="0"/>
+              <a:alphaOff val="0"/>
+            </a:schemeClr>
+          </a:solidFill>
+          <a:prstDash val="solid"/>
+          <a:miter lim="800000"/>
+        </a:ln>
+        <a:effectLst/>
+      </dsp:spPr>
+      <dsp:style>
+        <a:lnRef idx="2">
+          <a:scrgbClr r="0" g="0" b="0"/>
+        </a:lnRef>
+        <a:fillRef idx="1">
+          <a:scrgbClr r="0" g="0" b="0"/>
+        </a:fillRef>
+        <a:effectRef idx="0">
+          <a:scrgbClr r="0" g="0" b="0"/>
+        </a:effectRef>
+        <a:fontRef idx="minor">
+          <a:schemeClr val="lt1"/>
+        </a:fontRef>
+      </dsp:style>
+      <dsp:txBody>
+        <a:bodyPr spcFirstLastPara="0" vert="horz" wrap="square" lIns="12700" tIns="12700" rIns="12700" bIns="12700" numCol="1" spcCol="1270" anchor="ctr" anchorCtr="0">
+          <a:noAutofit/>
+        </a:bodyPr>
+        <a:lstStyle/>
+        <a:p>
+          <a:pPr lvl="0" algn="ctr" defTabSz="889000">
+            <a:lnSpc>
+              <a:spcPct val="90000"/>
+            </a:lnSpc>
+            <a:spcBef>
+              <a:spcPct val="0"/>
+            </a:spcBef>
+            <a:spcAft>
+              <a:spcPct val="35000"/>
+            </a:spcAft>
+          </a:pPr>
+          <a:r>
+            <a:rPr lang="en-US" altLang="zh-CN" sz="2000" b="0" kern="1200" dirty="0" smtClean="0">
+              <a:effectLst/>
+              <a:latin typeface="Times New Roman" panose="02020603050405020304" pitchFamily="18" charset="0"/>
+              <a:cs typeface="Times New Roman" panose="02020603050405020304" pitchFamily="18" charset="0"/>
+            </a:rPr>
+            <a:t>tuple</a:t>
+          </a:r>
+          <a:endParaRPr lang="zh-CN" altLang="en-US" sz="2000" b="0" kern="1200" dirty="0">
+            <a:effectLst/>
+            <a:latin typeface="Times New Roman" panose="02020603050405020304" pitchFamily="18" charset="0"/>
+            <a:cs typeface="Times New Roman" panose="02020603050405020304" pitchFamily="18" charset="0"/>
+          </a:endParaRPr>
+        </a:p>
+      </dsp:txBody>
+      <dsp:txXfrm>
+        <a:off x="5031536" y="3506933"/>
+        <a:ext cx="1083826" cy="369579"/>
+      </dsp:txXfrm>
+    </dsp:sp>
+    <dsp:sp modelId="{93CBCD05-FBB7-422D-A245-B144DEBA310D}">
+      <dsp:nvSpPr>
+        <dsp:cNvPr id="0" name=""/>
+        <dsp:cNvSpPr/>
+      </dsp:nvSpPr>
+      <dsp:spPr>
+        <a:xfrm>
+          <a:off x="6802544" y="1231202"/>
+          <a:ext cx="1980599" cy="679898"/>
+        </a:xfrm>
+        <a:prstGeom prst="rect">
+          <a:avLst/>
+        </a:prstGeom>
+        <a:solidFill>
+          <a:schemeClr val="accent6">
+            <a:hueOff val="0"/>
+            <a:satOff val="0"/>
+            <a:lumOff val="0"/>
+            <a:alphaOff val="0"/>
+          </a:schemeClr>
+        </a:solidFill>
+        <a:ln w="12700" cap="flat" cmpd="sng" algn="ctr">
+          <a:solidFill>
+            <a:schemeClr val="lt1">
+              <a:hueOff val="0"/>
+              <a:satOff val="0"/>
+              <a:lumOff val="0"/>
+              <a:alphaOff val="0"/>
+            </a:schemeClr>
+          </a:solidFill>
+          <a:prstDash val="solid"/>
+          <a:miter lim="800000"/>
+        </a:ln>
+        <a:effectLst/>
+      </dsp:spPr>
+      <dsp:style>
+        <a:lnRef idx="2">
+          <a:scrgbClr r="0" g="0" b="0"/>
+        </a:lnRef>
+        <a:fillRef idx="1">
+          <a:scrgbClr r="0" g="0" b="0"/>
+        </a:fillRef>
+        <a:effectRef idx="0">
+          <a:scrgbClr r="0" g="0" b="0"/>
+        </a:effectRef>
+        <a:fontRef idx="minor">
+          <a:schemeClr val="lt1"/>
+        </a:fontRef>
+      </dsp:style>
+      <dsp:txBody>
+        <a:bodyPr spcFirstLastPara="0" vert="horz" wrap="square" lIns="12700" tIns="12700" rIns="12700" bIns="12700" numCol="1" spcCol="1270" anchor="ctr" anchorCtr="0">
+          <a:noAutofit/>
+        </a:bodyPr>
+        <a:lstStyle/>
+        <a:p>
+          <a:pPr lvl="0" algn="ctr" defTabSz="889000">
+            <a:lnSpc>
+              <a:spcPct val="90000"/>
+            </a:lnSpc>
+            <a:spcBef>
+              <a:spcPct val="0"/>
+            </a:spcBef>
+            <a:spcAft>
+              <a:spcPct val="35000"/>
+            </a:spcAft>
+          </a:pPr>
+          <a:r>
+            <a:rPr lang="en-US" altLang="zh-CN" sz="2000" b="0" kern="1200" dirty="0" smtClean="0">
+              <a:effectLst/>
+              <a:latin typeface="Times New Roman" panose="02020603050405020304" pitchFamily="18" charset="0"/>
+              <a:cs typeface="Times New Roman" panose="02020603050405020304" pitchFamily="18" charset="0"/>
+            </a:rPr>
+            <a:t>Mapping</a:t>
+          </a:r>
+          <a:r>
+            <a:rPr lang="zh-CN" altLang="en-US" sz="2000" b="0" kern="1200" dirty="0" smtClean="0">
+              <a:effectLst/>
+              <a:latin typeface="Times New Roman" panose="02020603050405020304" pitchFamily="18" charset="0"/>
+              <a:cs typeface="Times New Roman" panose="02020603050405020304" pitchFamily="18" charset="0"/>
+            </a:rPr>
+            <a:t>对象</a:t>
+          </a:r>
+          <a:endParaRPr lang="zh-CN" altLang="en-US" sz="2000" b="0" kern="1200" dirty="0">
+            <a:effectLst/>
+            <a:latin typeface="Times New Roman" panose="02020603050405020304" pitchFamily="18" charset="0"/>
+            <a:cs typeface="Times New Roman" panose="02020603050405020304" pitchFamily="18" charset="0"/>
+          </a:endParaRPr>
+        </a:p>
+      </dsp:txBody>
+      <dsp:txXfrm>
+        <a:off x="6802544" y="1231202"/>
+        <a:ext cx="1980599" cy="679898"/>
+      </dsp:txXfrm>
+    </dsp:sp>
+    <dsp:sp modelId="{7605D877-972C-4A39-B76C-DA7583E6C1F4}">
+      <dsp:nvSpPr>
+        <dsp:cNvPr id="0" name=""/>
+        <dsp:cNvSpPr/>
+      </dsp:nvSpPr>
+      <dsp:spPr>
+        <a:xfrm>
+          <a:off x="7297694" y="2196659"/>
+          <a:ext cx="1083826" cy="369579"/>
+        </a:xfrm>
+        <a:prstGeom prst="rect">
+          <a:avLst/>
+        </a:prstGeom>
+        <a:solidFill>
+          <a:schemeClr val="accent1">
+            <a:hueOff val="0"/>
+            <a:satOff val="0"/>
+            <a:lumOff val="0"/>
+            <a:alphaOff val="0"/>
+          </a:schemeClr>
+        </a:solidFill>
+        <a:ln w="12700" cap="flat" cmpd="sng" algn="ctr">
+          <a:solidFill>
+            <a:schemeClr val="lt1">
+              <a:hueOff val="0"/>
+              <a:satOff val="0"/>
+              <a:lumOff val="0"/>
+              <a:alphaOff val="0"/>
+            </a:schemeClr>
+          </a:solidFill>
+          <a:prstDash val="solid"/>
+          <a:miter lim="800000"/>
+        </a:ln>
+        <a:effectLst/>
+      </dsp:spPr>
+      <dsp:style>
+        <a:lnRef idx="2">
+          <a:scrgbClr r="0" g="0" b="0"/>
+        </a:lnRef>
+        <a:fillRef idx="1">
+          <a:scrgbClr r="0" g="0" b="0"/>
+        </a:fillRef>
+        <a:effectRef idx="0">
+          <a:scrgbClr r="0" g="0" b="0"/>
+        </a:effectRef>
+        <a:fontRef idx="minor">
+          <a:schemeClr val="lt1"/>
+        </a:fontRef>
+      </dsp:style>
+      <dsp:txBody>
+        <a:bodyPr spcFirstLastPara="0" vert="horz" wrap="square" lIns="12700" tIns="12700" rIns="12700" bIns="12700" numCol="1" spcCol="1270" anchor="ctr" anchorCtr="0">
+          <a:noAutofit/>
+        </a:bodyPr>
+        <a:lstStyle/>
+        <a:p>
+          <a:pPr lvl="0" algn="ctr" defTabSz="889000">
+            <a:lnSpc>
+              <a:spcPct val="90000"/>
+            </a:lnSpc>
+            <a:spcBef>
+              <a:spcPct val="0"/>
+            </a:spcBef>
+            <a:spcAft>
+              <a:spcPct val="35000"/>
+            </a:spcAft>
+          </a:pPr>
+          <a:r>
+            <a:rPr lang="en-US" altLang="zh-CN" sz="2000" b="0" kern="1200" dirty="0" err="1" smtClean="0">
+              <a:effectLst/>
+              <a:latin typeface="Times New Roman" panose="02020603050405020304" pitchFamily="18" charset="0"/>
+              <a:cs typeface="Times New Roman" panose="02020603050405020304" pitchFamily="18" charset="0"/>
+            </a:rPr>
+            <a:t>dict</a:t>
+          </a:r>
+          <a:endParaRPr lang="zh-CN" altLang="en-US" sz="2000" b="0" kern="1200" dirty="0">
+            <a:effectLst/>
+            <a:latin typeface="Times New Roman" panose="02020603050405020304" pitchFamily="18" charset="0"/>
+            <a:cs typeface="Times New Roman" panose="02020603050405020304" pitchFamily="18" charset="0"/>
+          </a:endParaRPr>
+        </a:p>
+      </dsp:txBody>
+      <dsp:txXfrm>
+        <a:off x="7297694" y="2196659"/>
+        <a:ext cx="1083826" cy="369579"/>
+      </dsp:txXfrm>
+    </dsp:sp>
+    <dsp:sp modelId="{5509AE92-B061-4932-A2A3-78CE07DE9265}">
+      <dsp:nvSpPr>
+        <dsp:cNvPr id="0" name=""/>
+        <dsp:cNvSpPr/>
+      </dsp:nvSpPr>
+      <dsp:spPr>
+        <a:xfrm>
+          <a:off x="9068701" y="1231202"/>
+          <a:ext cx="1359797" cy="679898"/>
+        </a:xfrm>
+        <a:prstGeom prst="rect">
+          <a:avLst/>
+        </a:prstGeom>
+        <a:solidFill>
+          <a:schemeClr val="accent6">
+            <a:hueOff val="0"/>
+            <a:satOff val="0"/>
+            <a:lumOff val="0"/>
+            <a:alphaOff val="0"/>
+          </a:schemeClr>
+        </a:solidFill>
+        <a:ln w="12700" cap="flat" cmpd="sng" algn="ctr">
+          <a:solidFill>
+            <a:schemeClr val="lt1">
+              <a:hueOff val="0"/>
+              <a:satOff val="0"/>
+              <a:lumOff val="0"/>
+              <a:alphaOff val="0"/>
+            </a:schemeClr>
+          </a:solidFill>
+          <a:prstDash val="solid"/>
+          <a:miter lim="800000"/>
+        </a:ln>
+        <a:effectLst/>
+      </dsp:spPr>
+      <dsp:style>
+        <a:lnRef idx="2">
+          <a:scrgbClr r="0" g="0" b="0"/>
+        </a:lnRef>
+        <a:fillRef idx="1">
+          <a:scrgbClr r="0" g="0" b="0"/>
+        </a:fillRef>
+        <a:effectRef idx="0">
+          <a:scrgbClr r="0" g="0" b="0"/>
+        </a:effectRef>
+        <a:fontRef idx="minor">
+          <a:schemeClr val="lt1"/>
+        </a:fontRef>
+      </dsp:style>
+      <dsp:txBody>
+        <a:bodyPr spcFirstLastPara="0" vert="horz" wrap="square" lIns="12700" tIns="12700" rIns="12700" bIns="12700" numCol="1" spcCol="1270" anchor="ctr" anchorCtr="0">
+          <a:noAutofit/>
+        </a:bodyPr>
+        <a:lstStyle/>
+        <a:p>
+          <a:pPr lvl="0" algn="ctr" defTabSz="889000">
+            <a:lnSpc>
+              <a:spcPct val="90000"/>
+            </a:lnSpc>
+            <a:spcBef>
+              <a:spcPct val="0"/>
+            </a:spcBef>
+            <a:spcAft>
+              <a:spcPct val="35000"/>
+            </a:spcAft>
+          </a:pPr>
+          <a:r>
+            <a:rPr lang="en-US" altLang="zh-CN" sz="2000" b="0" kern="1200" dirty="0" err="1" smtClean="0">
+              <a:effectLst/>
+              <a:latin typeface="Times New Roman" panose="02020603050405020304" pitchFamily="18" charset="0"/>
+              <a:cs typeface="Times New Roman" panose="02020603050405020304" pitchFamily="18" charset="0"/>
+            </a:rPr>
+            <a:t>Internel</a:t>
+          </a:r>
+          <a:r>
+            <a:rPr lang="zh-CN" altLang="en-US" sz="2000" b="0" kern="1200" dirty="0" smtClean="0">
+              <a:effectLst/>
+              <a:latin typeface="Times New Roman" panose="02020603050405020304" pitchFamily="18" charset="0"/>
+              <a:cs typeface="Times New Roman" panose="02020603050405020304" pitchFamily="18" charset="0"/>
+            </a:rPr>
+            <a:t>对象</a:t>
+          </a:r>
+          <a:endParaRPr lang="zh-CN" altLang="en-US" sz="2000" b="0" kern="1200" dirty="0">
+            <a:effectLst/>
+            <a:latin typeface="Times New Roman" panose="02020603050405020304" pitchFamily="18" charset="0"/>
+            <a:cs typeface="Times New Roman" panose="02020603050405020304" pitchFamily="18" charset="0"/>
+          </a:endParaRPr>
+        </a:p>
+      </dsp:txBody>
+      <dsp:txXfrm>
+        <a:off x="9068701" y="1231202"/>
+        <a:ext cx="1359797" cy="679898"/>
+      </dsp:txXfrm>
+    </dsp:sp>
+    <dsp:sp modelId="{83BDADBB-C0EC-4C37-A932-7274F3B5F071}">
+      <dsp:nvSpPr>
+        <dsp:cNvPr id="0" name=""/>
+        <dsp:cNvSpPr/>
+      </dsp:nvSpPr>
+      <dsp:spPr>
+        <a:xfrm>
+          <a:off x="9408651" y="2196659"/>
+          <a:ext cx="1083826" cy="369579"/>
+        </a:xfrm>
+        <a:prstGeom prst="rect">
+          <a:avLst/>
+        </a:prstGeom>
+        <a:solidFill>
+          <a:schemeClr val="accent1">
+            <a:hueOff val="0"/>
+            <a:satOff val="0"/>
+            <a:lumOff val="0"/>
+            <a:alphaOff val="0"/>
+          </a:schemeClr>
+        </a:solidFill>
+        <a:ln w="12700" cap="flat" cmpd="sng" algn="ctr">
+          <a:solidFill>
+            <a:schemeClr val="lt1">
+              <a:hueOff val="0"/>
+              <a:satOff val="0"/>
+              <a:lumOff val="0"/>
+              <a:alphaOff val="0"/>
+            </a:schemeClr>
+          </a:solidFill>
+          <a:prstDash val="solid"/>
+          <a:miter lim="800000"/>
+        </a:ln>
+        <a:effectLst/>
+      </dsp:spPr>
+      <dsp:style>
+        <a:lnRef idx="2">
+          <a:scrgbClr r="0" g="0" b="0"/>
+        </a:lnRef>
+        <a:fillRef idx="1">
+          <a:scrgbClr r="0" g="0" b="0"/>
+        </a:fillRef>
+        <a:effectRef idx="0">
+          <a:scrgbClr r="0" g="0" b="0"/>
+        </a:effectRef>
+        <a:fontRef idx="minor">
+          <a:schemeClr val="lt1"/>
+        </a:fontRef>
+      </dsp:style>
+      <dsp:txBody>
+        <a:bodyPr spcFirstLastPara="0" vert="horz" wrap="square" lIns="12700" tIns="12700" rIns="12700" bIns="12700" numCol="1" spcCol="1270" anchor="ctr" anchorCtr="0">
+          <a:noAutofit/>
+        </a:bodyPr>
+        <a:lstStyle/>
+        <a:p>
+          <a:pPr lvl="0" algn="ctr" defTabSz="889000">
+            <a:lnSpc>
+              <a:spcPct val="90000"/>
+            </a:lnSpc>
+            <a:spcBef>
+              <a:spcPct val="0"/>
+            </a:spcBef>
+            <a:spcAft>
+              <a:spcPct val="35000"/>
+            </a:spcAft>
+          </a:pPr>
+          <a:r>
+            <a:rPr lang="en-US" altLang="zh-CN" sz="2000" b="0" kern="1200" dirty="0" smtClean="0">
+              <a:effectLst/>
+              <a:latin typeface="Times New Roman" panose="02020603050405020304" pitchFamily="18" charset="0"/>
+              <a:cs typeface="Times New Roman" panose="02020603050405020304" pitchFamily="18" charset="0"/>
+            </a:rPr>
+            <a:t>function</a:t>
+          </a:r>
+          <a:endParaRPr lang="zh-CN" altLang="en-US" sz="2000" b="0" kern="1200" dirty="0">
+            <a:effectLst/>
+            <a:latin typeface="Times New Roman" panose="02020603050405020304" pitchFamily="18" charset="0"/>
+            <a:cs typeface="Times New Roman" panose="02020603050405020304" pitchFamily="18" charset="0"/>
+          </a:endParaRPr>
+        </a:p>
+      </dsp:txBody>
+      <dsp:txXfrm>
+        <a:off x="9408651" y="2196659"/>
+        <a:ext cx="1083826" cy="369579"/>
+      </dsp:txXfrm>
+    </dsp:sp>
+    <dsp:sp modelId="{A51DFC6D-794E-4A16-8405-48B38CDEAC96}">
+      <dsp:nvSpPr>
+        <dsp:cNvPr id="0" name=""/>
+        <dsp:cNvSpPr/>
+      </dsp:nvSpPr>
+      <dsp:spPr>
+        <a:xfrm>
+          <a:off x="9408651" y="2851796"/>
+          <a:ext cx="1083826" cy="369579"/>
+        </a:xfrm>
+        <a:prstGeom prst="rect">
+          <a:avLst/>
+        </a:prstGeom>
+        <a:solidFill>
+          <a:schemeClr val="accent1">
+            <a:hueOff val="0"/>
+            <a:satOff val="0"/>
+            <a:lumOff val="0"/>
+            <a:alphaOff val="0"/>
+          </a:schemeClr>
+        </a:solidFill>
+        <a:ln w="12700" cap="flat" cmpd="sng" algn="ctr">
+          <a:solidFill>
+            <a:schemeClr val="lt1">
+              <a:hueOff val="0"/>
+              <a:satOff val="0"/>
+              <a:lumOff val="0"/>
+              <a:alphaOff val="0"/>
+            </a:schemeClr>
+          </a:solidFill>
+          <a:prstDash val="solid"/>
+          <a:miter lim="800000"/>
+        </a:ln>
+        <a:effectLst/>
+      </dsp:spPr>
+      <dsp:style>
+        <a:lnRef idx="2">
+          <a:scrgbClr r="0" g="0" b="0"/>
+        </a:lnRef>
+        <a:fillRef idx="1">
+          <a:scrgbClr r="0" g="0" b="0"/>
+        </a:fillRef>
+        <a:effectRef idx="0">
+          <a:scrgbClr r="0" g="0" b="0"/>
+        </a:effectRef>
+        <a:fontRef idx="minor">
+          <a:schemeClr val="lt1"/>
+        </a:fontRef>
+      </dsp:style>
+      <dsp:txBody>
+        <a:bodyPr spcFirstLastPara="0" vert="horz" wrap="square" lIns="12700" tIns="12700" rIns="12700" bIns="12700" numCol="1" spcCol="1270" anchor="ctr" anchorCtr="0">
+          <a:noAutofit/>
+        </a:bodyPr>
+        <a:lstStyle/>
+        <a:p>
+          <a:pPr lvl="0" algn="ctr" defTabSz="889000">
+            <a:lnSpc>
+              <a:spcPct val="90000"/>
+            </a:lnSpc>
+            <a:spcBef>
+              <a:spcPct val="0"/>
+            </a:spcBef>
+            <a:spcAft>
+              <a:spcPct val="35000"/>
+            </a:spcAft>
+          </a:pPr>
+          <a:r>
+            <a:rPr lang="en-US" altLang="zh-CN" sz="2000" b="0" kern="1200" dirty="0" smtClean="0">
+              <a:effectLst/>
+              <a:latin typeface="Times New Roman" panose="02020603050405020304" pitchFamily="18" charset="0"/>
+              <a:cs typeface="Times New Roman" panose="02020603050405020304" pitchFamily="18" charset="0"/>
+            </a:rPr>
+            <a:t>code</a:t>
+          </a:r>
+          <a:endParaRPr lang="zh-CN" altLang="en-US" sz="2000" b="0" kern="1200" dirty="0">
+            <a:effectLst/>
+            <a:latin typeface="Times New Roman" panose="02020603050405020304" pitchFamily="18" charset="0"/>
+            <a:cs typeface="Times New Roman" panose="02020603050405020304" pitchFamily="18" charset="0"/>
+          </a:endParaRPr>
+        </a:p>
+      </dsp:txBody>
+      <dsp:txXfrm>
+        <a:off x="9408651" y="2851796"/>
+        <a:ext cx="1083826" cy="369579"/>
+      </dsp:txXfrm>
+    </dsp:sp>
+    <dsp:sp modelId="{78FC1394-E276-4133-A393-2E4FDEE1708A}">
+      <dsp:nvSpPr>
+        <dsp:cNvPr id="0" name=""/>
+        <dsp:cNvSpPr/>
+      </dsp:nvSpPr>
+      <dsp:spPr>
+        <a:xfrm>
+          <a:off x="9408651" y="3506933"/>
+          <a:ext cx="1083826" cy="369579"/>
+        </a:xfrm>
+        <a:prstGeom prst="rect">
+          <a:avLst/>
+        </a:prstGeom>
+        <a:solidFill>
+          <a:schemeClr val="accent1">
+            <a:hueOff val="0"/>
+            <a:satOff val="0"/>
+            <a:lumOff val="0"/>
+            <a:alphaOff val="0"/>
+          </a:schemeClr>
+        </a:solidFill>
+        <a:ln w="12700" cap="flat" cmpd="sng" algn="ctr">
+          <a:solidFill>
+            <a:schemeClr val="lt1">
+              <a:hueOff val="0"/>
+              <a:satOff val="0"/>
+              <a:lumOff val="0"/>
+              <a:alphaOff val="0"/>
+            </a:schemeClr>
+          </a:solidFill>
+          <a:prstDash val="solid"/>
+          <a:miter lim="800000"/>
+        </a:ln>
+        <a:effectLst/>
+      </dsp:spPr>
+      <dsp:style>
+        <a:lnRef idx="2">
+          <a:scrgbClr r="0" g="0" b="0"/>
+        </a:lnRef>
+        <a:fillRef idx="1">
+          <a:scrgbClr r="0" g="0" b="0"/>
+        </a:fillRef>
+        <a:effectRef idx="0">
+          <a:scrgbClr r="0" g="0" b="0"/>
+        </a:effectRef>
+        <a:fontRef idx="minor">
+          <a:schemeClr val="lt1"/>
+        </a:fontRef>
+      </dsp:style>
+      <dsp:txBody>
+        <a:bodyPr spcFirstLastPara="0" vert="horz" wrap="square" lIns="12700" tIns="12700" rIns="12700" bIns="12700" numCol="1" spcCol="1270" anchor="ctr" anchorCtr="0">
+          <a:noAutofit/>
+        </a:bodyPr>
+        <a:lstStyle/>
+        <a:p>
+          <a:pPr lvl="0" algn="ctr" defTabSz="889000">
+            <a:lnSpc>
+              <a:spcPct val="90000"/>
+            </a:lnSpc>
+            <a:spcBef>
+              <a:spcPct val="0"/>
+            </a:spcBef>
+            <a:spcAft>
+              <a:spcPct val="35000"/>
+            </a:spcAft>
+          </a:pPr>
+          <a:r>
+            <a:rPr lang="en-US" altLang="zh-CN" sz="2000" b="0" kern="1200" dirty="0" smtClean="0">
+              <a:effectLst/>
+              <a:latin typeface="Times New Roman" panose="02020603050405020304" pitchFamily="18" charset="0"/>
+              <a:cs typeface="Times New Roman" panose="02020603050405020304" pitchFamily="18" charset="0"/>
+            </a:rPr>
+            <a:t>frame</a:t>
+          </a:r>
+          <a:endParaRPr lang="zh-CN" altLang="en-US" sz="2000" b="0" kern="1200" dirty="0">
+            <a:effectLst/>
+            <a:latin typeface="Times New Roman" panose="02020603050405020304" pitchFamily="18" charset="0"/>
+            <a:cs typeface="Times New Roman" panose="02020603050405020304" pitchFamily="18" charset="0"/>
+          </a:endParaRPr>
+        </a:p>
+      </dsp:txBody>
+      <dsp:txXfrm>
+        <a:off x="9408651" y="3506933"/>
+        <a:ext cx="1083826" cy="369579"/>
+      </dsp:txXfrm>
+    </dsp:sp>
+    <dsp:sp modelId="{F2E278E7-1168-4EFF-AC4B-689DC7CF44BD}">
+      <dsp:nvSpPr>
+        <dsp:cNvPr id="0" name=""/>
+        <dsp:cNvSpPr/>
+      </dsp:nvSpPr>
+      <dsp:spPr>
+        <a:xfrm>
+          <a:off x="9408651" y="4162070"/>
+          <a:ext cx="1083826" cy="369579"/>
+        </a:xfrm>
+        <a:prstGeom prst="rect">
+          <a:avLst/>
+        </a:prstGeom>
+        <a:solidFill>
+          <a:schemeClr val="accent1">
+            <a:hueOff val="0"/>
+            <a:satOff val="0"/>
+            <a:lumOff val="0"/>
+            <a:alphaOff val="0"/>
+          </a:schemeClr>
+        </a:solidFill>
+        <a:ln w="12700" cap="flat" cmpd="sng" algn="ctr">
+          <a:solidFill>
+            <a:schemeClr val="lt1">
+              <a:hueOff val="0"/>
+              <a:satOff val="0"/>
+              <a:lumOff val="0"/>
+              <a:alphaOff val="0"/>
+            </a:schemeClr>
+          </a:solidFill>
+          <a:prstDash val="solid"/>
+          <a:miter lim="800000"/>
+        </a:ln>
+        <a:effectLst/>
+      </dsp:spPr>
+      <dsp:style>
+        <a:lnRef idx="2">
+          <a:scrgbClr r="0" g="0" b="0"/>
+        </a:lnRef>
+        <a:fillRef idx="1">
+          <a:scrgbClr r="0" g="0" b="0"/>
+        </a:fillRef>
+        <a:effectRef idx="0">
+          <a:scrgbClr r="0" g="0" b="0"/>
+        </a:effectRef>
+        <a:fontRef idx="minor">
+          <a:schemeClr val="lt1"/>
+        </a:fontRef>
+      </dsp:style>
+      <dsp:txBody>
+        <a:bodyPr spcFirstLastPara="0" vert="horz" wrap="square" lIns="12700" tIns="12700" rIns="12700" bIns="12700" numCol="1" spcCol="1270" anchor="ctr" anchorCtr="0">
+          <a:noAutofit/>
+        </a:bodyPr>
+        <a:lstStyle/>
+        <a:p>
+          <a:pPr lvl="0" algn="ctr" defTabSz="889000">
+            <a:lnSpc>
+              <a:spcPct val="90000"/>
+            </a:lnSpc>
+            <a:spcBef>
+              <a:spcPct val="0"/>
+            </a:spcBef>
+            <a:spcAft>
+              <a:spcPct val="35000"/>
+            </a:spcAft>
+          </a:pPr>
+          <a:r>
+            <a:rPr lang="en-US" altLang="zh-CN" sz="2000" b="0" kern="1200" dirty="0" smtClean="0">
+              <a:effectLst/>
+              <a:latin typeface="Times New Roman" panose="02020603050405020304" pitchFamily="18" charset="0"/>
+              <a:cs typeface="Times New Roman" panose="02020603050405020304" pitchFamily="18" charset="0"/>
+            </a:rPr>
+            <a:t>module</a:t>
+          </a:r>
+          <a:endParaRPr lang="zh-CN" altLang="en-US" sz="2000" b="0" kern="1200" dirty="0">
+            <a:effectLst/>
+            <a:latin typeface="Times New Roman" panose="02020603050405020304" pitchFamily="18" charset="0"/>
+            <a:cs typeface="Times New Roman" panose="02020603050405020304" pitchFamily="18" charset="0"/>
+          </a:endParaRPr>
+        </a:p>
+      </dsp:txBody>
+      <dsp:txXfrm>
+        <a:off x="9408651" y="4162070"/>
+        <a:ext cx="1083826" cy="369579"/>
+      </dsp:txXfrm>
+    </dsp:sp>
+    <dsp:sp modelId="{4FAAC0FF-E62F-4F80-A1FF-DAE407AAB17D}">
+      <dsp:nvSpPr>
+        <dsp:cNvPr id="0" name=""/>
+        <dsp:cNvSpPr/>
+      </dsp:nvSpPr>
+      <dsp:spPr>
+        <a:xfrm>
+          <a:off x="9408651" y="4817207"/>
+          <a:ext cx="1083826" cy="369579"/>
+        </a:xfrm>
+        <a:prstGeom prst="rect">
+          <a:avLst/>
+        </a:prstGeom>
+        <a:solidFill>
+          <a:schemeClr val="accent1">
+            <a:hueOff val="0"/>
+            <a:satOff val="0"/>
+            <a:lumOff val="0"/>
+            <a:alphaOff val="0"/>
+          </a:schemeClr>
+        </a:solidFill>
+        <a:ln w="12700" cap="flat" cmpd="sng" algn="ctr">
+          <a:solidFill>
+            <a:schemeClr val="lt1">
+              <a:hueOff val="0"/>
+              <a:satOff val="0"/>
+              <a:lumOff val="0"/>
+              <a:alphaOff val="0"/>
+            </a:schemeClr>
+          </a:solidFill>
+          <a:prstDash val="solid"/>
+          <a:miter lim="800000"/>
+        </a:ln>
+        <a:effectLst/>
+      </dsp:spPr>
+      <dsp:style>
+        <a:lnRef idx="2">
+          <a:scrgbClr r="0" g="0" b="0"/>
+        </a:lnRef>
+        <a:fillRef idx="1">
+          <a:scrgbClr r="0" g="0" b="0"/>
+        </a:fillRef>
+        <a:effectRef idx="0">
+          <a:scrgbClr r="0" g="0" b="0"/>
+        </a:effectRef>
+        <a:fontRef idx="minor">
+          <a:schemeClr val="lt1"/>
+        </a:fontRef>
+      </dsp:style>
+      <dsp:txBody>
+        <a:bodyPr spcFirstLastPara="0" vert="horz" wrap="square" lIns="12700" tIns="12700" rIns="12700" bIns="12700" numCol="1" spcCol="1270" anchor="ctr" anchorCtr="0">
+          <a:noAutofit/>
+        </a:bodyPr>
+        <a:lstStyle/>
+        <a:p>
+          <a:pPr lvl="0" algn="ctr" defTabSz="889000">
+            <a:lnSpc>
+              <a:spcPct val="90000"/>
+            </a:lnSpc>
+            <a:spcBef>
+              <a:spcPct val="0"/>
+            </a:spcBef>
+            <a:spcAft>
+              <a:spcPct val="35000"/>
+            </a:spcAft>
+          </a:pPr>
+          <a:r>
+            <a:rPr lang="en-US" altLang="zh-CN" sz="2000" b="0" kern="1200" dirty="0" smtClean="0">
+              <a:effectLst/>
+              <a:latin typeface="Times New Roman" panose="02020603050405020304" pitchFamily="18" charset="0"/>
+              <a:cs typeface="Times New Roman" panose="02020603050405020304" pitchFamily="18" charset="0"/>
+            </a:rPr>
+            <a:t>method</a:t>
+          </a:r>
+          <a:endParaRPr lang="zh-CN" altLang="en-US" sz="2000" b="0" kern="1200" dirty="0">
+            <a:effectLst/>
+            <a:latin typeface="Times New Roman" panose="02020603050405020304" pitchFamily="18" charset="0"/>
+            <a:cs typeface="Times New Roman" panose="02020603050405020304" pitchFamily="18" charset="0"/>
+          </a:endParaRPr>
+        </a:p>
+      </dsp:txBody>
+      <dsp:txXfrm>
+        <a:off x="9408651" y="4817207"/>
+        <a:ext cx="1083826" cy="369579"/>
+      </dsp:txXfrm>
+    </dsp:sp>
+  </dsp:spTree>
+</dsp:drawing>
+</file>
+
+<file path=ppt/diagrams/layout1.xml><?xml version="1.0" encoding="utf-8"?>
+<dgm:layoutDef xmlns:dgm="http://schemas.openxmlformats.org/drawingml/2006/diagram" xmlns:a="http://schemas.openxmlformats.org/drawingml/2006/main" uniqueId="urn:microsoft.com/office/officeart/2005/8/layout/orgChart1">
+  <dgm:title val=""/>
+  <dgm:desc val=""/>
+  <dgm:catLst>
+    <dgm:cat type="hierarchy" pri="1000"/>
+    <dgm:cat type="convert" pri="6000"/>
+  </dgm:catLst>
+  <dgm:sampData>
+    <dgm:dataModel>
+      <dgm:ptLst>
+        <dgm:pt modelId="0" type="doc"/>
+        <dgm:pt modelId="1">
+          <dgm:prSet phldr="1"/>
+        </dgm:pt>
+        <dgm:pt modelId="2" type="asst">
+          <dgm:prSet phldr="1"/>
+        </dgm:pt>
+        <dgm:pt modelId="3">
+          <dgm:prSet phldr="1"/>
+        </dgm:pt>
+        <dgm:pt modelId="4">
+          <dgm:prSet phldr="1"/>
+        </dgm:pt>
+        <dgm:pt modelId="5">
+          <dgm:prSet phldr="1"/>
+        </dgm:pt>
+      </dgm:ptLst>
+      <dgm:cxnLst>
+        <dgm:cxn modelId="5" srcId="0" destId="1" srcOrd="0" destOrd="0"/>
+        <dgm:cxn modelId="6" srcId="1" destId="2" srcOrd="0" destOrd="0"/>
+        <dgm:cxn modelId="7" srcId="1" destId="3" srcOrd="1" destOrd="0"/>
+        <dgm:cxn modelId="8" srcId="1" destId="4" srcOrd="2" destOrd="0"/>
+        <dgm:cxn modelId="9" srcId="1" destId="5" srcOrd="3" destOrd="0"/>
+      </dgm:cxnLst>
+      <dgm:bg/>
+      <dgm:whole/>
+    </dgm:dataModel>
+  </dgm:sampData>
+  <dgm:styleData>
+    <dgm:dataModel>
+      <dgm:ptLst>
+        <dgm:pt modelId="0" type="doc"/>
+        <dgm:pt modelId="1"/>
+        <dgm:pt modelId="12"/>
+        <dgm:pt modelId="13"/>
+      </dgm:ptLst>
+      <dgm:cxnLst>
+        <dgm:cxn modelId="2" srcId="0" destId="1" srcOrd="0" destOrd="0"/>
+        <dgm:cxn modelId="16" srcId="1" destId="12" srcOrd="1" destOrd="0"/>
+        <dgm:cxn modelId="17" srcId="1" destId="13" srcOrd="2" destOrd="0"/>
+      </dgm:cxnLst>
+      <dgm:bg/>
+      <dgm:whole/>
+    </dgm:dataModel>
+  </dgm:styleData>
+  <dgm:clrData>
+    <dgm:dataModel>
+      <dgm:ptLst>
+        <dgm:pt modelId="0" type="doc"/>
+        <dgm:pt modelId="1"/>
+        <dgm:pt modelId="11" type="asst"/>
+        <dgm:pt modelId="12"/>
+        <dgm:pt modelId="13"/>
+        <dgm:pt modelId="14"/>
+      </dgm:ptLst>
+      <dgm:cxnLst>
+        <dgm:cxn modelId="2" srcId="0" destId="1" srcOrd="0" destOrd="0"/>
+        <dgm:cxn modelId="15" srcId="1" destId="11" srcOrd="0" destOrd="0"/>
+        <dgm:cxn modelId="16" srcId="1" destId="12" srcOrd="1" destOrd="0"/>
+        <dgm:cxn modelId="17" srcId="1" destId="13" srcOrd="2" destOrd="0"/>
+        <dgm:cxn modelId="18" srcId="1" destId="14" srcOrd="2" destOrd="0"/>
+      </dgm:cxnLst>
+      <dgm:bg/>
+      <dgm:whole/>
+    </dgm:dataModel>
+  </dgm:clrData>
+  <dgm:layoutNode name="hierChild1">
+    <dgm:varLst>
+      <dgm:orgChart val="1"/>
+      <dgm:chPref val="1"/>
+      <dgm:dir/>
+      <dgm:animOne val="branch"/>
+      <dgm:animLvl val="lvl"/>
+      <dgm:resizeHandles/>
+    </dgm:varLst>
+    <dgm:choose name="Name0">
+      <dgm:if name="Name1" func="var" arg="dir" op="equ" val="norm">
+        <dgm:alg type="hierChild">
+          <dgm:param type="linDir" val="fromL"/>
+        </dgm:alg>
+      </dgm:if>
+      <dgm:else name="Name2">
+        <dgm:alg type="hierChild">
+          <dgm:param type="linDir" val="fromR"/>
+        </dgm:alg>
+      </dgm:else>
+    </dgm:choose>
+    <dgm:shape xmlns:r="http://schemas.openxmlformats.org/officeDocument/2006/relationships" r:blip="">
+      <dgm:adjLst/>
+    </dgm:shape>
+    <dgm:presOf/>
+    <dgm:constrLst>
+      <dgm:constr type="w" for="des" forName="rootComposite1" refType="w" fact="10"/>
+      <dgm:constr type="h" for="des" forName="rootComposite1" refType="w" refFor="des" refForName="rootComposite1" fact="0.5"/>
+      <dgm:constr type="w" for="des" forName="rootComposite" refType="w" fact="10"/>
+      <dgm:constr type="h" for="des" forName="rootComposite" refType="w" refFor="des" refForName="rootComposite1" fact="0.5"/>
+      <dgm:constr type="w" for="des" forName="rootComposite3" refType="w" fact="10"/>
+      <dgm:constr type="h" for="des" forName="rootComposite3" refType="w" refFor="des" refForName="rootComposite1" fact="0.5"/>
+      <dgm:constr type="primFontSz" for="des" ptType="node" op="equ"/>
+      <dgm:constr type="sp" for="des" op="equ"/>
+      <dgm:constr type="sp" for="des" forName="hierRoot1" refType="w" refFor="des" refForName="rootComposite1" fact="0.21"/>
+      <dgm:constr type="sp" for="des" forName="hierRoot2" refType="sp" refFor="des" refForName="hierRoot1"/>
+      <dgm:constr type="sp" for="des" forName="hierRoot3" refType="sp" refFor="des" refForName="hierRoot1"/>
+      <dgm:constr type="sibSp" refType="w" refFor="des" refForName="rootComposite1" fact="0.21"/>
+      <dgm:constr type="sibSp" for="des" forName="hierChild2" refType="sibSp"/>
+      <dgm:constr type="sibSp" for="des" forName="hierChild3" refType="sibSp"/>
+      <dgm:constr type="sibSp" for="des" forName="hierChild4" refType="sibSp"/>
+      <dgm:constr type="sibSp" for="des" forName="hierChild5" refType="sibSp"/>
+      <dgm:constr type="sibSp" for="des" forName="hierChild6" refType="sibSp"/>
+      <dgm:constr type="sibSp" for="des" forName="hierChild7" refType="sibSp"/>
+      <dgm:constr type="secSibSp" refType="w" refFor="des" refForName="rootComposite1" fact="0.21"/>
+      <dgm:constr type="secSibSp" for="des" forName="hierChild2" refType="secSibSp"/>
+      <dgm:constr type="secSibSp" for="des" forName="hierChild3" refType="secSibSp"/>
+      <dgm:constr type="secSibSp" for="des" forName="hierChild4" refType="secSibSp"/>
+      <dgm:constr type="secSibSp" for="des" forName="hierChild5" refType="secSibSp"/>
+      <dgm:constr type="secSibSp" for="des" forName="hierChild6" refType="secSibSp"/>
+      <dgm:constr type="secSibSp" for="des" forName="hierChild7" refType="secSibSp"/>
+    </dgm:constrLst>
+    <dgm:ruleLst/>
+    <dgm:forEach name="Name3" axis="ch">
+      <dgm:forEach name="Name4" axis="self" ptType="node">
+        <dgm:layoutNode name="hierRoot1">
+          <dgm:varLst>
+            <dgm:hierBranch val="init"/>
+          </dgm:varLst>
+          <dgm:choose name="Name5">
+            <dgm:if name="Name6" func="var" arg="hierBranch" op="equ" val="l">
+              <dgm:choose name="Name7">
+                <dgm:if name="Name8" axis="ch" ptType="asst" func="cnt" op="gte" val="1">
+                  <dgm:alg type="hierRoot">
+                    <dgm:param type="hierAlign" val="tR"/>
+                  </dgm:alg>
+                  <dgm:constrLst>
+                    <dgm:constr type="alignOff" val="0.65"/>
+                  </dgm:constrLst>
+                </dgm:if>
+                <dgm:else name="Name9">
+                  <dgm:alg type="hierRoot">
+                    <dgm:param type="hierAlign" val="tR"/>
+                  </dgm:alg>
+                  <dgm:constrLst>
+                    <dgm:constr type="alignOff" val="0.25"/>
+                  </dgm:constrLst>
+                </dgm:else>
+              </dgm:choose>
+            </dgm:if>
+            <dgm:if name="Name10" func="var" arg="hierBranch" op="equ" val="r">
+              <dgm:choose name="Name11">
+                <dgm:if name="Name12" axis="ch" ptType="asst" func="cnt" op="gte" val="1">
+                  <dgm:alg type="hierRoot">
+                    <dgm:param type="hierAlign" val="tL"/>
+                  </dgm:alg>
+                  <dgm:constrLst>
+                    <dgm:constr type="alignOff" val="0.65"/>
+                  </dgm:constrLst>
+                </dgm:if>
+                <dgm:else name="Name13">
+                  <dgm:alg type="hierRoot">
+                    <dgm:param type="hierAlign" val="tL"/>
+                  </dgm:alg>
+                  <dgm:constrLst>
+                    <dgm:constr type="alignOff" val="0.25"/>
+                  </dgm:constrLst>
+                </dgm:else>
+              </dgm:choose>
+            </dgm:if>
+            <dgm:if name="Name14" func="var" arg="hierBranch" op="equ" val="hang">
+              <dgm:alg type="hierRoot"/>
+              <dgm:constrLst>
+                <dgm:constr type="alignOff" val="0.65"/>
+              </dgm:constrLst>
+            </dgm:if>
+            <dgm:else name="Name15">
+              <dgm:alg type="hierRoot"/>
+              <dgm:constrLst>
+                <dgm:constr type="alignOff"/>
+                <dgm:constr type="bendDist" for="des" ptType="parTrans" refType="sp" fact="0.5"/>
+              </dgm:constrLst>
+            </dgm:else>
+          </dgm:choose>
+          <dgm:shape xmlns:r="http://schemas.openxmlformats.org/officeDocument/2006/relationships" r:blip="">
+            <dgm:adjLst/>
+          </dgm:shape>
+          <dgm:presOf/>
+          <dgm:ruleLst/>
+          <dgm:layoutNode name="rootComposite1">
+            <dgm:alg type="composite"/>
+            <dgm:shape xmlns:r="http://schemas.openxmlformats.org/officeDocument/2006/relationships" r:blip="">
+              <dgm:adjLst/>
+            </dgm:shape>
+            <dgm:presOf axis="self" ptType="node" cnt="1"/>
+            <dgm:choose name="Name16">
+              <dgm:if name="Name17" func="var" arg="hierBranch" op="equ" val="init">
+                <dgm:constrLst>
+                  <dgm:constr type="l" for="ch" forName="rootText1"/>
+                  <dgm:constr type="t" for="ch" forName="rootText1"/>
+                  <dgm:constr type="w" for="ch" forName="rootText1" refType="w"/>
+                  <dgm:constr type="h" for="ch" forName="rootText1" refType="h"/>
+                  <dgm:constr type="l" for="ch" forName="rootConnector1"/>
+                  <dgm:constr type="t" for="ch" forName="rootConnector1"/>
+                  <dgm:constr type="w" for="ch" forName="rootConnector1" refType="w" refFor="ch" refForName="rootText1" fact="0.2"/>
+                  <dgm:constr type="h" for="ch" forName="rootConnector1" refType="h" refFor="ch" refForName="rootText1"/>
+                </dgm:constrLst>
+              </dgm:if>
+              <dgm:if name="Name18" func="var" arg="hierBranch" op="equ" val="l">
+                <dgm:constrLst>
+                  <dgm:constr type="l" for="ch" forName="rootText1"/>
+                  <dgm:constr type="t" for="ch" forName="rootText1"/>
+                  <dgm:constr type="w" for="ch" forName="rootText1" refType="w"/>
+                  <dgm:constr type="h" for="ch" forName="rootText1" refType="h"/>
+                  <dgm:constr type="r" for="ch" forName="rootConnector1" refType="w"/>
+                  <dgm:constr type="t" for="ch" forName="rootConnector1"/>
+                  <dgm:constr type="w" for="ch" forName="rootConnector1" refType="w" refFor="ch" refForName="rootText1" fact="0.2"/>
+                  <dgm:constr type="h" for="ch" forName="rootConnector1" refType="h" refFor="ch" refForName="rootText1"/>
+                </dgm:constrLst>
+              </dgm:if>
+              <dgm:if name="Name19" func="var" arg="hierBranch" op="equ" val="r">
+                <dgm:constrLst>
+                  <dgm:constr type="l" for="ch" forName="rootText1"/>
+                  <dgm:constr type="t" for="ch" forName="rootText1"/>
+                  <dgm:constr type="w" for="ch" forName="rootText1" refType="w"/>
+                  <dgm:constr type="h" for="ch" forName="rootText1" refType="h"/>
+                  <dgm:constr type="l" for="ch" forName="rootConnector1"/>
+                  <dgm:constr type="t" for="ch" forName="rootConnector1"/>
+                  <dgm:constr type="w" for="ch" forName="rootConnector1" refType="w" refFor="ch" refForName="rootText1" fact="0.2"/>
+                  <dgm:constr type="h" for="ch" forName="rootConnector1" refType="h" refFor="ch" refForName="rootText1"/>
+                </dgm:constrLst>
+              </dgm:if>
+              <dgm:else name="Name20">
+                <dgm:constrLst>
+                  <dgm:constr type="l" for="ch" forName="rootText1"/>
+                  <dgm:constr type="t" for="ch" forName="rootText1"/>
+                  <dgm:constr type="w" for="ch" forName="rootText1" refType="w"/>
+                  <dgm:constr type="h" for="ch" forName="rootText1" refType="h"/>
+                  <dgm:constr type="r" for="ch" forName="rootConnector1" refType="w"/>
+                  <dgm:constr type="t" for="ch" forName="rootConnector1"/>
+                  <dgm:constr type="w" for="ch" forName="rootConnector1" refType="w" refFor="ch" refForName="rootText1" fact="0.2"/>
+                  <dgm:constr type="h" for="ch" forName="rootConnector1" refType="h" refFor="ch" refForName="rootText1"/>
+                </dgm:constrLst>
+              </dgm:else>
+            </dgm:choose>
+            <dgm:ruleLst/>
+            <dgm:layoutNode name="rootText1" styleLbl="node0">
+              <dgm:varLst>
+                <dgm:chPref val="3"/>
+              </dgm:varLst>
+              <dgm:alg type="tx"/>
+              <dgm:shape xmlns:r="http://schemas.openxmlformats.org/officeDocument/2006/relationships" type="rect" r:blip="">
+                <dgm:adjLst/>
+              </dgm:shape>
+              <dgm:presOf axis="self" ptType="node" cnt="1"/>
+              <dgm:constrLst>
+                <dgm:constr type="primFontSz" val="65"/>
+                <dgm:constr type="lMarg" refType="primFontSz" fact="0.05"/>
+                <dgm:constr type="rMarg" refType="primFontSz" fact="0.05"/>
+                <dgm:constr type="tMarg" refType="primFontSz" fact="0.05"/>
+                <dgm:constr type="bMarg" refType="primFontSz" fact="0.05"/>
+              </dgm:constrLst>
+              <dgm:ruleLst>
+                <dgm:rule type="primFontSz" val="5" fact="NaN" max="NaN"/>
+              </dgm:ruleLst>
+            </dgm:layoutNode>
+            <dgm:layoutNode name="rootConnector1" moveWith="rootText1">
+              <dgm:alg type="sp"/>
+              <dgm:shape xmlns:r="http://schemas.openxmlformats.org/officeDocument/2006/relationships" type="rect" r:blip="" hideGeom="1">
+                <dgm:adjLst/>
+              </dgm:shape>
+              <dgm:presOf axis="self" ptType="node" cnt="1"/>
+              <dgm:constrLst/>
+              <dgm:ruleLst/>
+            </dgm:layoutNode>
+          </dgm:layoutNode>
+          <dgm:layoutNode name="hierChild2">
+            <dgm:choose name="Name21">
+              <dgm:if name="Name22" func="var" arg="hierBranch" op="equ" val="l">
+                <dgm:alg type="hierChild">
+                  <dgm:param type="chAlign" val="r"/>
+                  <dgm:param type="linDir" val="fromT"/>
+                </dgm:alg>
+              </dgm:if>
+              <dgm:if name="Name23" func="var" arg="hierBranch" op="equ" val="r">
+                <dgm:alg type="hierChild">
+                  <dgm:param type="chAlign" val="l"/>
+                  <dgm:param type="linDir" val="fromT"/>
+                </dgm:alg>
+              </dgm:if>
+              <dgm:if name="Name24" func="var" arg="hierBranch" op="equ" val="hang">
+                <dgm:choose name="Name25">
+                  <dgm:if name="Name26" func="var" arg="dir" op="equ" val="norm">
+                    <dgm:alg type="hierChild">
+                      <dgm:param type="chAlign" val="l"/>
+                      <dgm:param type="linDir" val="fromL"/>
+                      <dgm:param type="secChAlign" val="t"/>
+                      <dgm:param type="secLinDir" val="fromT"/>
+                    </dgm:alg>
+                  </dgm:if>
+                  <dgm:else name="Name27">
+                    <dgm:alg type="hierChild">
+                      <dgm:param type="chAlign" val="l"/>
+                      <dgm:param type="linDir" val="fromR"/>
+                      <dgm:param type="secChAlign" val="t"/>
+                      <dgm:param type="secLinDir" val="fromT"/>
+                    </dgm:alg>
+                  </dgm:else>
+                </dgm:choose>
+              </dgm:if>
+              <dgm:else name="Name28">
+                <dgm:choose name="Name29">
+                  <dgm:if name="Name30" func="var" arg="dir" op="equ" val="norm">
+                    <dgm:alg type="hierChild"/>
+                  </dgm:if>
+                  <dgm:else name="Name31">
+                    <dgm:alg type="hierChild">
+                      <dgm:param type="linDir" val="fromR"/>
+                    </dgm:alg>
+                  </dgm:else>
+                </dgm:choose>
+              </dgm:else>
+            </dgm:choose>
+            <dgm:shape xmlns:r="http://schemas.openxmlformats.org/officeDocument/2006/relationships" r:blip="">
+              <dgm:adjLst/>
+            </dgm:shape>
+            <dgm:presOf/>
+            <dgm:constrLst/>
+            <dgm:ruleLst/>
+            <dgm:forEach name="rep2a" axis="ch" ptType="nonAsst">
+              <dgm:forEach name="Name32" axis="precedSib" ptType="parTrans" st="-1" cnt="1">
+                <dgm:choose name="Name33">
+                  <dgm:if name="Name34" func="var" arg="hierBranch" op="equ" val="std">
+                    <dgm:layoutNode name="Name35">
+                      <dgm:alg type="conn">
+                        <dgm:param type="connRout" val="bend"/>
+                        <dgm:param type="dim" val="1D"/>
+                        <dgm:param type="endSty" val="noArr"/>
+                        <dgm:param type="begPts" val="bCtr"/>
+                        <dgm:param type="endPts" val="tCtr"/>
+                        <dgm:param type="bendPt" val="end"/>
+                      </dgm:alg>
+                      <dgm:shape xmlns:r="http://schemas.openxmlformats.org/officeDocument/2006/relationships" type="conn" r:blip="" zOrderOff="-99999">
+                        <dgm:adjLst/>
+                      </dgm:shape>
+                      <dgm:presOf axis="self"/>
+                      <dgm:constrLst>
+                        <dgm:constr type="begPad"/>
+                        <dgm:constr type="endPad"/>
+                      </dgm:constrLst>
+                      <dgm:ruleLst/>
+                    </dgm:layoutNode>
+                  </dgm:if>
+                  <dgm:if name="Name36" func="var" arg="hierBranch" op="equ" val="init">
+                    <dgm:layoutNode name="Name37">
+                      <dgm:choose name="Name38">
+                        <dgm:if name="Name39" axis="self" func="depth" op="lte" val="2">
+                          <dgm:alg type="conn">
+                            <dgm:param type="connRout" val="bend"/>
+                            <dgm:param type="dim" val="1D"/>
+                            <dgm:param type="endSty" val="noArr"/>
+                            <dgm:param type="begPts" val="bCtr"/>
+                            <dgm:param type="endPts" val="tCtr"/>
+                            <dgm:param type="bendPt" val="end"/>
+                          </dgm:alg>
+                        </dgm:if>
+                        <dgm:else name="Name40">
+                          <dgm:choose name="Name41">
+                            <dgm:if name="Name42" axis="par des" func="maxDepth" op="lte" val="1">
+                              <dgm:choose name="Name43">
+                                <dgm:if name="Name44" axis="par ch" ptType="node asst" func="cnt" op="gte" val="1">
+                                  <dgm:alg type="conn">
+                                    <dgm:param type="connRout" val="bend"/>
+                                    <dgm:param type="dim" val="1D"/>
+                                    <dgm:param type="endSty" val="noArr"/>
+                                    <dgm:param type="begPts" val="bCtr"/>
+                                    <dgm:param type="endPts" val="midL midR"/>
+                                  </dgm:alg>
+                                </dgm:if>
+                                <dgm:else name="Name45">
+                                  <dgm:alg type="conn">
+                                    <dgm:param type="connRout" val="bend"/>
+                                    <dgm:param type="dim" val="1D"/>
+                                    <dgm:param type="endSty" val="noArr"/>
+                                    <dgm:param type="begPts" val="bCtr"/>
+                                    <dgm:param type="endPts" val="midL midR"/>
+                                    <dgm:param type="srcNode" val="rootConnector"/>
+                                  </dgm:alg>
+                                </dgm:else>
+                              </dgm:choose>
+                            </dgm:if>
+                            <dgm:else name="Name46">
+                              <dgm:alg type="conn">
+                                <dgm:param type="connRout" val="bend"/>
+                                <dgm:param type="dim" val="1D"/>
+                                <dgm:param type="endSty" val="noArr"/>
+                                <dgm:param type="begPts" val="bCtr"/>
+                                <dgm:param type="endPts" val="tCtr"/>
+                                <dgm:param type="bendPt" val="end"/>
+                              </dgm:alg>
+                            </dgm:else>
+                          </dgm:choose>
+                        </dgm:else>
+                      </dgm:choose>
+                      <dgm:shape xmlns:r="http://schemas.openxmlformats.org/officeDocument/2006/relationships" type="conn" r:blip="" zOrderOff="-99999">
+                        <dgm:adjLst/>
+                      </dgm:shape>
+                      <dgm:presOf axis="self"/>
+                      <dgm:constrLst>
+                        <dgm:constr type="begPad"/>
+                        <dgm:constr type="endPad"/>
+                      </dgm:constrLst>
+                      <dgm:ruleLst/>
+                    </dgm:layoutNode>
+                  </dgm:if>
+                  <dgm:if name="Name47" func="var" arg="hierBranch" op="equ" val="hang">
+                    <dgm:layoutNode name="Name48">
+                      <dgm:alg type="conn">
+                        <dgm:param type="connRout" val="bend"/>
+                        <dgm:param type="dim" val="1D"/>
+                        <dgm:param type="endSty" val="noArr"/>
+                        <dgm:param type="begPts" val="bCtr"/>
+                        <dgm:param type="endPts" val="midL midR"/>
+                      </dgm:alg>
+                      <dgm:shape xmlns:r="http://schemas.openxmlformats.org/officeDocument/2006/relationships" type="conn" r:blip="" zOrderOff="-99999">
+                        <dgm:adjLst/>
+                      </dgm:shape>
+                      <dgm:presOf axis="self"/>
+                      <dgm:constrLst>
+                        <dgm:constr type="begPad"/>
+                        <dgm:constr type="endPad"/>
+                      </dgm:constrLst>
+                      <dgm:ruleLst/>
+                    </dgm:layoutNode>
+                  </dgm:if>
+                  <dgm:else name="Name49">
+                    <dgm:layoutNode name="Name50">
+                      <dgm:choose name="Name51">
+                        <dgm:if name="Name52" axis="self" func="depth" op="lte" val="2">
+                          <dgm:choose name="Name53">
+                            <dgm:if name="Name54" axis="par ch" ptType="node asst" func="cnt" op="gte" val="1">
+                              <dgm:alg type="conn">
+                                <dgm:param type="connRout" val="bend"/>
+                                <dgm:param type="dim" val="1D"/>
+                                <dgm:param type="endSty" val="noArr"/>
+                                <dgm:param type="begPts" val="bCtr"/>
+                                <dgm:param type="endPts" val="midL midR"/>
+                              </dgm:alg>
+                            </dgm:if>
+                            <dgm:else name="Name55">
+                              <dgm:alg type="conn">
+                                <dgm:param type="connRout" val="bend"/>
+                                <dgm:param type="dim" val="1D"/>
+                                <dgm:param type="endSty" val="noArr"/>
+                                <dgm:param type="begPts" val="bCtr"/>
+                                <dgm:param type="endPts" val="midL midR"/>
+                                <dgm:param type="srcNode" val="rootConnector1"/>
+                              </dgm:alg>
+                            </dgm:else>
+                          </dgm:choose>
+                        </dgm:if>
+                        <dgm:else name="Name56">
+                          <dgm:choose name="Name57">
+                            <dgm:if name="Name58" axis="par ch" ptType="node asst" func="cnt" op="gte" val="1">
+                              <dgm:alg type="conn">
+                                <dgm:param type="connRout" val="bend"/>
+                                <dgm:param type="dim" val="1D"/>
+                                <dgm:param type="endSty" val="noArr"/>
+                                <dgm:param type="begPts" val="bCtr"/>
+                                <dgm:param type="endPts" val="midL midR"/>
+                              </dgm:alg>
+                            </dgm:if>
+                            <dgm:else name="Name59">
+                              <dgm:alg type="conn">
+                                <dgm:param type="connRout" val="bend"/>
+                                <dgm:param type="dim" val="1D"/>
+                                <dgm:param type="endSty" val="noArr"/>
+                                <dgm:param type="begPts" val="bCtr"/>
+                                <dgm:param type="endPts" val="midL midR"/>
+                                <dgm:param type="srcNode" val="rootConnector"/>
+                              </dgm:alg>
+                            </dgm:else>
+                          </dgm:choose>
+                        </dgm:else>
+                      </dgm:choose>
+                      <dgm:shape xmlns:r="http://schemas.openxmlformats.org/officeDocument/2006/relationships" type="conn" r:blip="" zOrderOff="-99999">
+                        <dgm:adjLst/>
+                      </dgm:shape>
+                      <dgm:presOf axis="self"/>
+                      <dgm:constrLst>
+                        <dgm:constr type="begPad"/>
+                        <dgm:constr type="endPad"/>
+                      </dgm:constrLst>
+                      <dgm:ruleLst/>
+                    </dgm:layoutNode>
+                  </dgm:else>
+                </dgm:choose>
+              </dgm:forEach>
+              <dgm:layoutNode name="hierRoot2">
+                <dgm:varLst>
+                  <dgm:hierBranch val="init"/>
+                </dgm:varLst>
+                <dgm:choose name="Name60">
+                  <dgm:if name="Name61" func="var" arg="hierBranch" op="equ" val="l">
+                    <dgm:choose name="Name62">
+                      <dgm:if name="Name63" axis="ch" ptType="asst" func="cnt" op="gte" val="1">
+                        <dgm:alg type="hierRoot">
+                          <dgm:param type="hierAlign" val="tR"/>
+                        </dgm:alg>
+                        <dgm:shape xmlns:r="http://schemas.openxmlformats.org/officeDocument/2006/relationships" r:blip="">
+                          <dgm:adjLst/>
+                        </dgm:shape>
+                        <dgm:presOf/>
+                        <dgm:constrLst>
+                          <dgm:constr type="alignOff" val="0.65"/>
+                        </dgm:constrLst>
+                      </dgm:if>
+                      <dgm:else name="Name64">
+                        <dgm:alg type="hierRoot">
+                          <dgm:param type="hierAlign" val="tR"/>
+                        </dgm:alg>
+                        <dgm:shape xmlns:r="http://schemas.openxmlformats.org/officeDocument/2006/relationships" r:blip="">
+                          <dgm:adjLst/>
+                        </dgm:shape>
+                        <dgm:presOf/>
+                        <dgm:constrLst>
+                          <dgm:constr type="alignOff" val="0.25"/>
+                        </dgm:constrLst>
+                      </dgm:else>
+                    </dgm:choose>
+                  </dgm:if>
+                  <dgm:if name="Name65" func="var" arg="hierBranch" op="equ" val="r">
+                    <dgm:choose name="Name66">
+                      <dgm:if name="Name67" axis="ch" ptType="asst" func="cnt" op="gte" val="1">
+                        <dgm:alg type="hierRoot">
+                          <dgm:param type="hierAlign" val="tL"/>
+                        </dgm:alg>
+                        <dgm:shape xmlns:r="http://schemas.openxmlformats.org/officeDocument/2006/relationships" r:blip="">
+                          <dgm:adjLst/>
+                        </dgm:shape>
+                        <dgm:presOf/>
+                        <dgm:constrLst>
+                          <dgm:constr type="alignOff" val="0.65"/>
+                        </dgm:constrLst>
+                      </dgm:if>
+                      <dgm:else name="Name68">
+                        <dgm:alg type="hierRoot">
+                          <dgm:param type="hierAlign" val="tL"/>
+                        </dgm:alg>
+                        <dgm:shape xmlns:r="http://schemas.openxmlformats.org/officeDocument/2006/relationships" r:blip="">
+                          <dgm:adjLst/>
+                        </dgm:shape>
+                        <dgm:presOf/>
+                        <dgm:constrLst>
+                          <dgm:constr type="alignOff" val="0.25"/>
+                        </dgm:constrLst>
+                      </dgm:else>
+                    </dgm:choose>
+                  </dgm:if>
+                  <dgm:if name="Name69" func="var" arg="hierBranch" op="equ" val="std">
+                    <dgm:alg type="hierRoot"/>
+                    <dgm:shape xmlns:r="http://schemas.openxmlformats.org/officeDocument/2006/relationships" r:blip="">
+                      <dgm:adjLst/>
+                    </dgm:shape>
+                    <dgm:presOf/>
+                    <dgm:constrLst>
+                      <dgm:constr type="alignOff"/>
+                      <dgm:constr type="bendDist" for="des" ptType="parTrans" refType="sp" fact="0.5"/>
+                    </dgm:constrLst>
+                  </dgm:if>
+                  <dgm:if name="Name70" func="var" arg="hierBranch" op="equ" val="init">
+                    <dgm:choose name="Name71">
+                      <dgm:if name="Name72" axis="des" func="maxDepth" op="lte" val="1">
+                        <dgm:choose name="Name73">
+                          <dgm:if name="Name74" axis="ch" ptType="asst" func="cnt" op="gte" val="1">
+                            <dgm:alg type="hierRoot">
+                              <dgm:param type="hierAlign" val="tL"/>
+                            </dgm:alg>
+                            <dgm:shape xmlns:r="http://schemas.openxmlformats.org/officeDocument/2006/relationships" r:blip="">
+                              <dgm:adjLst/>
+                            </dgm:shape>
+                            <dgm:presOf/>
+                            <dgm:constrLst>
+                              <dgm:constr type="alignOff" val="0.65"/>
+                            </dgm:constrLst>
+                          </dgm:if>
+                          <dgm:else name="Name75">
+                            <dgm:alg type="hierRoot">
+                              <dgm:param type="hierAlign" val="tL"/>
+                            </dgm:alg>
+                            <dgm:shape xmlns:r="http://schemas.openxmlformats.org/officeDocument/2006/relationships" r:blip="">
+                              <dgm:adjLst/>
+                            </dgm:shape>
+                            <dgm:presOf/>
+                            <dgm:constrLst>
+                              <dgm:constr type="alignOff" val="0.25"/>
+                            </dgm:constrLst>
+                          </dgm:else>
+                        </dgm:choose>
+                      </dgm:if>
+                      <dgm:else name="Name76">
+                        <dgm:alg type="hierRoot"/>
+                        <dgm:shape xmlns:r="http://schemas.openxmlformats.org/officeDocument/2006/relationships" r:blip="">
+                          <dgm:adjLst/>
+                        </dgm:shape>
+                        <dgm:presOf/>
+                        <dgm:constrLst>
+                          <dgm:constr type="alignOff"/>
+                          <dgm:constr type="bendDist" for="des" ptType="parTrans" refType="sp" fact="0.5"/>
+                        </dgm:constrLst>
+                      </dgm:else>
+                    </dgm:choose>
+                  </dgm:if>
+                  <dgm:else name="Name77">
+                    <dgm:alg type="hierRoot"/>
+                    <dgm:shape xmlns:r="http://schemas.openxmlformats.org/officeDocument/2006/relationships" r:blip="">
+                      <dgm:adjLst/>
+                    </dgm:shape>
+                    <dgm:presOf/>
+                    <dgm:constrLst>
+                      <dgm:constr type="alignOff" val="0.65"/>
+                    </dgm:constrLst>
+                  </dgm:else>
+                </dgm:choose>
+                <dgm:ruleLst/>
+                <dgm:layoutNode name="rootComposite">
+                  <dgm:alg type="composite"/>
+                  <dgm:shape xmlns:r="http://schemas.openxmlformats.org/officeDocument/2006/relationships" r:blip="">
+                    <dgm:adjLst/>
+                  </dgm:shape>
+                  <dgm:presOf axis="self" ptType="node" cnt="1"/>
+                  <dgm:choose name="Name78">
+                    <dgm:if name="Name79" func="var" arg="hierBranch" op="equ" val="init">
+                      <dgm:constrLst>
+                        <dgm:constr type="l" for="ch" forName="rootText"/>
+                        <dgm:constr type="t" for="ch" forName="rootText"/>
+                        <dgm:constr type="w" for="ch" forName="rootText" refType="w"/>
+                        <dgm:constr type="h" for="ch" forName="rootText" refType="h"/>
+                        <dgm:constr type="l" for="ch" forName="rootConnector"/>
+                        <dgm:constr type="t" for="ch" forName="rootConnector"/>
+                        <dgm:constr type="w" for="ch" forName="rootConnector" refType="w" refFor="ch" refForName="rootText" fact="0.2"/>
+                        <dgm:constr type="h" for="ch" forName="rootConnector" refType="h" refFor="ch" refForName="rootText"/>
+                      </dgm:constrLst>
+                    </dgm:if>
+                    <dgm:if name="Name80" func="var" arg="hierBranch" op="equ" val="l">
+                      <dgm:constrLst>
+                        <dgm:constr type="l" for="ch" forName="rootText"/>
+                        <dgm:constr type="t" for="ch" forName="rootText"/>
+                        <dgm:constr type="w" for="ch" forName="rootText" refType="w"/>
+                        <dgm:constr type="h" for="ch" forName="rootText" refType="h"/>
+                        <dgm:constr type="r" for="ch" forName="rootConnector" refType="w"/>
+                        <dgm:constr type="t" for="ch" forName="rootConnector"/>
+                        <dgm:constr type="w" for="ch" forName="rootConnector" refType="w" refFor="ch" refForName="rootText" fact="0.2"/>
+                        <dgm:constr type="h" for="ch" forName="rootConnector" refType="h" refFor="ch" refForName="rootText"/>
+                      </dgm:constrLst>
+                    </dgm:if>
+                    <dgm:if name="Name81" func="var" arg="hierBranch" op="equ" val="r">
+                      <dgm:constrLst>
+                        <dgm:constr type="l" for="ch" forName="rootText"/>
+                        <dgm:constr type="t" for="ch" forName="rootText"/>
+                        <dgm:constr type="w" for="ch" forName="rootText" refType="w"/>
+                        <dgm:constr type="h" for="ch" forName="rootText" refType="h"/>
+                        <dgm:constr type="l" for="ch" forName="rootConnector"/>
+                        <dgm:constr type="t" for="ch" forName="rootConnector"/>
+                        <dgm:constr type="w" for="ch" forName="rootConnector" refType="w" refFor="ch" refForName="rootText" fact="0.2"/>
+                        <dgm:constr type="h" for="ch" forName="rootConnector" refType="h" refFor="ch" refForName="rootText"/>
+                      </dgm:constrLst>
+                    </dgm:if>
+                    <dgm:else name="Name82">
+                      <dgm:constrLst>
+                        <dgm:constr type="l" for="ch" forName="rootText"/>
+                        <dgm:constr type="t" for="ch" forName="rootText"/>
+                        <dgm:constr type="w" for="ch" forName="rootText" refType="w"/>
+                        <dgm:constr type="h" for="ch" forName="rootText" refType="h"/>
+                        <dgm:constr type="r" for="ch" forName="rootConnector" refType="w"/>
+                        <dgm:constr type="t" for="ch" forName="rootConnector"/>
+                        <dgm:constr type="w" for="ch" forName="rootConnector" refType="w" refFor="ch" refForName="rootText" fact="0.2"/>
+                        <dgm:constr type="h" for="ch" forName="rootConnector" refType="h" refFor="ch" refForName="rootText"/>
+                      </dgm:constrLst>
+                    </dgm:else>
+                  </dgm:choose>
+                  <dgm:ruleLst/>
+                  <dgm:layoutNode name="rootText">
+                    <dgm:varLst>
+                      <dgm:chPref val="3"/>
+                    </dgm:varLst>
+                    <dgm:alg type="tx"/>
+                    <dgm:shape xmlns:r="http://schemas.openxmlformats.org/officeDocument/2006/relationships" type="rect" r:blip="">
+                      <dgm:adjLst/>
+                    </dgm:shape>
+                    <dgm:presOf axis="self" ptType="node" cnt="1"/>
+                    <dgm:constrLst>
+                      <dgm:constr type="primFontSz" val="65"/>
+                      <dgm:constr type="lMarg" refType="primFontSz" fact="0.05"/>
+                      <dgm:constr type="rMarg" refType="primFontSz" fact="0.05"/>
+                      <dgm:constr type="tMarg" refType="primFontSz" fact="0.05"/>
+                      <dgm:constr type="bMarg" refType="primFontSz" fact="0.05"/>
+                    </dgm:constrLst>
+                    <dgm:ruleLst>
+                      <dgm:rule type="primFontSz" val="5" fact="NaN" max="NaN"/>
+                    </dgm:ruleLst>
+                  </dgm:layoutNode>
+                  <dgm:layoutNode name="rootConnector" moveWith="rootText">
+                    <dgm:alg type="sp"/>
+                    <dgm:shape xmlns:r="http://schemas.openxmlformats.org/officeDocument/2006/relationships" type="rect" r:blip="" hideGeom="1">
+                      <dgm:adjLst/>
+                    </dgm:shape>
+                    <dgm:presOf axis="self" ptType="node" cnt="1"/>
+                    <dgm:constrLst/>
+                    <dgm:ruleLst/>
+                  </dgm:layoutNode>
+                </dgm:layoutNode>
+                <dgm:layoutNode name="hierChild4">
+                  <dgm:choose name="Name83">
+                    <dgm:if name="Name84" func="var" arg="hierBranch" op="equ" val="l">
+                      <dgm:alg type="hierChild">
+                        <dgm:param type="chAlign" val="r"/>
+                        <dgm:param type="linDir" val="fromT"/>
+                      </dgm:alg>
+                    </dgm:if>
+                    <dgm:if name="Name85" func="var" arg="hierBranch" op="equ" val="r">
+                      <dgm:alg type="hierChild">
+                        <dgm:param type="chAlign" val="l"/>
+                        <dgm:param type="linDir" val="fromT"/>
+                      </dgm:alg>
+                    </dgm:if>
+                    <dgm:if name="Name86" func="var" arg="hierBranch" op="equ" val="hang">
+                      <dgm:choose name="Name87">
+                        <dgm:if name="Name88" func="var" arg="dir" op="equ" val="norm">
+                          <dgm:alg type="hierChild">
+                            <dgm:param type="chAlign" val="l"/>
+                            <dgm:param type="linDir" val="fromL"/>
+                            <dgm:param type="secChAlign" val="t"/>
+                            <dgm:param type="secLinDir" val="fromT"/>
+                          </dgm:alg>
+                        </dgm:if>
+                        <dgm:else name="Name89">
+                          <dgm:alg type="hierChild">
+                            <dgm:param type="chAlign" val="l"/>
+                            <dgm:param type="linDir" val="fromR"/>
+                            <dgm:param type="secChAlign" val="t"/>
+                            <dgm:param type="secLinDir" val="fromT"/>
+                          </dgm:alg>
+                        </dgm:else>
+                      </dgm:choose>
+                    </dgm:if>
+                    <dgm:if name="Name90" func="var" arg="hierBranch" op="equ" val="std">
+                      <dgm:choose name="Name91">
+                        <dgm:if name="Name92" func="var" arg="dir" op="equ" val="norm">
+                          <dgm:alg type="hierChild"/>
+                        </dgm:if>
+                        <dgm:else name="Name93">
+                          <dgm:alg type="hierChild">
+                            <dgm:param type="linDir" val="fromR"/>
+                          </dgm:alg>
+                        </dgm:else>
+                      </dgm:choose>
+                    </dgm:if>
+                    <dgm:if name="Name94" func="var" arg="hierBranch" op="equ" val="init">
+                      <dgm:choose name="Name95">
+                        <dgm:if name="Name96" axis="des" func="maxDepth" op="lte" val="1">
+                          <dgm:alg type="hierChild">
+                            <dgm:param type="chAlign" val="l"/>
+                            <dgm:param type="linDir" val="fromT"/>
+                          </dgm:alg>
+                        </dgm:if>
+                        <dgm:else name="Name97">
+                          <dgm:choose name="Name98">
+                            <dgm:if name="Name99" func="var" arg="dir" op="equ" val="norm">
+                              <dgm:alg type="hierChild"/>
+                            </dgm:if>
+                            <dgm:else name="Name100">
+                              <dgm:alg type="hierChild">
+                                <dgm:param type="linDir" val="fromR"/>
+                              </dgm:alg>
+                            </dgm:else>
+                          </dgm:choose>
+                        </dgm:else>
+                      </dgm:choose>
+                    </dgm:if>
+                    <dgm:else name="Name101"/>
+                  </dgm:choose>
+                  <dgm:shape xmlns:r="http://schemas.openxmlformats.org/officeDocument/2006/relationships" r:blip="">
+                    <dgm:adjLst/>
+                  </dgm:shape>
+                  <dgm:presOf/>
+                  <dgm:constrLst/>
+                  <dgm:ruleLst/>
+                  <dgm:forEach name="Name102" ref="rep2a"/>
+                </dgm:layoutNode>
+                <dgm:layoutNode name="hierChild5">
+                  <dgm:choose name="Name103">
+                    <dgm:if name="Name104" func="var" arg="dir" op="equ" val="norm">
+                      <dgm:alg type="hierChild">
+                        <dgm:param type="chAlign" val="l"/>
+                        <dgm:param type="linDir" val="fromL"/>
+                        <dgm:param type="secChAlign" val="t"/>
+                        <dgm:param type="secLinDir" val="fromT"/>
+                      </dgm:alg>
+                    </dgm:if>
+                    <dgm:else name="Name105">
+                      <dgm:alg type="hierChild">
+                        <dgm:param type="chAlign" val="l"/>
+                        <dgm:param type="linDir" val="fromR"/>
+                        <dgm:param type="secChAlign" val="t"/>
+                        <dgm:param type="secLinDir" val="fromT"/>
+                      </dgm:alg>
+                    </dgm:else>
+                  </dgm:choose>
+                  <dgm:shape xmlns:r="http://schemas.openxmlformats.org/officeDocument/2006/relationships" r:blip="">
+                    <dgm:adjLst/>
+                  </dgm:shape>
+                  <dgm:presOf/>
+                  <dgm:constrLst/>
+                  <dgm:ruleLst/>
+                  <dgm:forEach name="Name106" ref="rep2b"/>
+                </dgm:layoutNode>
+              </dgm:layoutNode>
+            </dgm:forEach>
+          </dgm:layoutNode>
+          <dgm:layoutNode name="hierChild3">
+            <dgm:choose name="Name107">
+              <dgm:if name="Name108" func="var" arg="dir" op="equ" val="norm">
+                <dgm:alg type="hierChild">
+                  <dgm:param type="chAlign" val="l"/>
+                  <dgm:param type="linDir" val="fromL"/>
+                  <dgm:param type="secChAlign" val="t"/>
+                  <dgm:param type="secLinDir" val="fromT"/>
+                </dgm:alg>
+              </dgm:if>
+              <dgm:else name="Name109">
+                <dgm:alg type="hierChild">
+                  <dgm:param type="chAlign" val="l"/>
+                  <dgm:param type="linDir" val="fromR"/>
+                  <dgm:param type="secChAlign" val="t"/>
+                  <dgm:param type="secLinDir" val="fromT"/>
+                </dgm:alg>
+              </dgm:else>
+            </dgm:choose>
+            <dgm:shape xmlns:r="http://schemas.openxmlformats.org/officeDocument/2006/relationships" r:blip="">
+              <dgm:adjLst/>
+            </dgm:shape>
+            <dgm:presOf/>
+            <dgm:constrLst/>
+            <dgm:ruleLst/>
+            <dgm:forEach name="rep2b" axis="ch" ptType="asst">
+              <dgm:forEach name="Name110" axis="precedSib" ptType="parTrans" st="-1" cnt="1">
+                <dgm:layoutNode name="Name111">
+                  <dgm:alg type="conn">
+                    <dgm:param type="connRout" val="bend"/>
+                    <dgm:param type="dim" val="1D"/>
+                    <dgm:param type="endSty" val="noArr"/>
+                    <dgm:param type="begPts" val="bCtr"/>
+                    <dgm:param type="endPts" val="midL midR"/>
+                  </dgm:alg>
+                  <dgm:shape xmlns:r="http://schemas.openxmlformats.org/officeDocument/2006/relationships" type="conn" r:blip="" zOrderOff="-99999">
+                    <dgm:adjLst/>
+                  </dgm:shape>
+                  <dgm:presOf axis="self"/>
+                  <dgm:constrLst>
+                    <dgm:constr type="begPad"/>
+                    <dgm:constr type="endPad"/>
+                  </dgm:constrLst>
+                  <dgm:ruleLst/>
+                </dgm:layoutNode>
+              </dgm:forEach>
+              <dgm:layoutNode name="hierRoot3">
+                <dgm:varLst>
+                  <dgm:hierBranch val="init"/>
+                </dgm:varLst>
+                <dgm:choose name="Name112">
+                  <dgm:if name="Name113" func="var" arg="hierBranch" op="equ" val="l">
+                    <dgm:alg type="hierRoot">
+                      <dgm:param type="hierAlign" val="tR"/>
+                    </dgm:alg>
+                    <dgm:shape xmlns:r="http://schemas.openxmlformats.org/officeDocument/2006/relationships" r:blip="">
+                      <dgm:adjLst/>
+                    </dgm:shape>
+                    <dgm:presOf/>
+                    <dgm:constrLst>
+                      <dgm:constr type="alignOff" val="0.65"/>
+                    </dgm:constrLst>
+                  </dgm:if>
+                  <dgm:if name="Name114" func="var" arg="hierBranch" op="equ" val="r">
+                    <dgm:alg type="hierRoot">
+                      <dgm:param type="hierAlign" val="tL"/>
+                    </dgm:alg>
+                    <dgm:shape xmlns:r="http://schemas.openxmlformats.org/officeDocument/2006/relationships" r:blip="">
+                      <dgm:adjLst/>
+                    </dgm:shape>
+                    <dgm:presOf/>
+                    <dgm:constrLst>
+                      <dgm:constr type="alignOff" val="0.65"/>
+                    </dgm:constrLst>
+                  </dgm:if>
+                  <dgm:if name="Name115" func="var" arg="hierBranch" op="equ" val="hang">
+                    <dgm:alg type="hierRoot"/>
+                    <dgm:shape xmlns:r="http://schemas.openxmlformats.org/officeDocument/2006/relationships" r:blip="">
+                      <dgm:adjLst/>
+                    </dgm:shape>
+                    <dgm:presOf/>
+                    <dgm:constrLst>
+                      <dgm:constr type="alignOff" val="0.65"/>
+                    </dgm:constrLst>
+                  </dgm:if>
+                  <dgm:if name="Name116" func="var" arg="hierBranch" op="equ" val="std">
+                    <dgm:alg type="hierRoot"/>
+                    <dgm:shape xmlns:r="http://schemas.openxmlformats.org/officeDocument/2006/relationships" r:blip="">
+                      <dgm:adjLst/>
+                    </dgm:shape>
+                    <dgm:presOf/>
+                    <dgm:constrLst>
+                      <dgm:constr type="alignOff"/>
+                      <dgm:constr type="bendDist" for="des" ptType="parTrans" refType="sp" fact="0.5"/>
+                    </dgm:constrLst>
+                  </dgm:if>
+                  <dgm:if name="Name117" func="var" arg="hierBranch" op="equ" val="init">
+                    <dgm:choose name="Name118">
+                      <dgm:if name="Name119" axis="des" func="maxDepth" op="lte" val="1">
+                        <dgm:alg type="hierRoot">
+                          <dgm:param type="hierAlign" val="tL"/>
+                        </dgm:alg>
+                        <dgm:shape xmlns:r="http://schemas.openxmlformats.org/officeDocument/2006/relationships" r:blip="">
+                          <dgm:adjLst/>
+                        </dgm:shape>
+                        <dgm:presOf/>
+                        <dgm:constrLst>
+                          <dgm:constr type="alignOff" val="0.65"/>
+                        </dgm:constrLst>
+                      </dgm:if>
+                      <dgm:else name="Name120">
+                        <dgm:alg type="hierRoot"/>
+                        <dgm:shape xmlns:r="http://schemas.openxmlformats.org/officeDocument/2006/relationships" r:blip="">
+                          <dgm:adjLst/>
+                        </dgm:shape>
+                        <dgm:presOf/>
+                        <dgm:constrLst>
+                          <dgm:constr type="alignOff"/>
+                          <dgm:constr type="bendDist" for="des" ptType="parTrans" refType="sp" fact="0.5"/>
+                        </dgm:constrLst>
+                      </dgm:else>
+                    </dgm:choose>
+                  </dgm:if>
+                  <dgm:else name="Name121"/>
+                </dgm:choose>
+                <dgm:ruleLst/>
+                <dgm:layoutNode name="rootComposite3">
+                  <dgm:alg type="composite"/>
+                  <dgm:shape xmlns:r="http://schemas.openxmlformats.org/officeDocument/2006/relationships" r:blip="">
+                    <dgm:adjLst/>
+                  </dgm:shape>
+                  <dgm:presOf axis="self" ptType="node" cnt="1"/>
+                  <dgm:choose name="Name122">
+                    <dgm:if name="Name123" func="var" arg="hierBranch" op="equ" val="init">
+                      <dgm:constrLst>
+                        <dgm:constr type="l" for="ch" forName="rootText3"/>
+                        <dgm:constr type="t" for="ch" forName="rootText3"/>
+                        <dgm:constr type="w" for="ch" forName="rootText3" refType="w"/>
+                        <dgm:constr type="h" for="ch" forName="rootText3" refType="h"/>
+                        <dgm:constr type="l" for="ch" forName="rootConnector3"/>
+                        <dgm:constr type="t" for="ch" forName="rootConnector3"/>
+                        <dgm:constr type="w" for="ch" forName="rootConnector3" refType="w" refFor="ch" refForName="rootText3" fact="0.2"/>
+                        <dgm:constr type="h" for="ch" forName="rootConnector3" refType="h" refFor="ch" refForName="rootText3"/>
+                      </dgm:constrLst>
+                    </dgm:if>
+                    <dgm:if name="Name124" func="var" arg="hierBranch" op="equ" val="l">
+                      <dgm:constrLst>
+                        <dgm:constr type="l" for="ch" forName="rootText3"/>
+                        <dgm:constr type="t" for="ch" forName="rootText3"/>
+                        <dgm:constr type="w" for="ch" forName="rootText3" refType="w"/>
+                        <dgm:constr type="h" for="ch" forName="rootText3" refType="h"/>
+                        <dgm:constr type="r" for="ch" forName="rootConnector3" refType="w"/>
+                        <dgm:constr type="t" for="ch" forName="rootConnector3"/>
+                        <dgm:constr type="w" for="ch" forName="rootConnector3" refType="w" refFor="ch" refForName="rootText3" fact="0.2"/>
+                        <dgm:constr type="h" for="ch" forName="rootConnector3" refType="h" refFor="ch" refForName="rootText3"/>
+                      </dgm:constrLst>
+                    </dgm:if>
+                    <dgm:if name="Name125" func="var" arg="hierBranch" op="equ" val="r">
+                      <dgm:constrLst>
+                        <dgm:constr type="l" for="ch" forName="rootText3"/>
+                        <dgm:constr type="t" for="ch" forName="rootText3"/>
+                        <dgm:constr type="w" for="ch" forName="rootText3" refType="w"/>
+                        <dgm:constr type="h" for="ch" forName="rootText3" refType="h"/>
+                        <dgm:constr type="l" for="ch" forName="rootConnector3"/>
+                        <dgm:constr type="t" for="ch" forName="rootConnector3"/>
+                        <dgm:constr type="w" for="ch" forName="rootConnector3" refType="w" refFor="ch" refForName="rootText3" fact="0.2"/>
+                        <dgm:constr type="h" for="ch" forName="rootConnector3" refType="h" refFor="ch" refForName="rootText3"/>
+                      </dgm:constrLst>
+                    </dgm:if>
+                    <dgm:else name="Name126">
+                      <dgm:constrLst>
+                        <dgm:constr type="l" for="ch" forName="rootText3"/>
+                        <dgm:constr type="t" for="ch" forName="rootText3"/>
+                        <dgm:constr type="w" for="ch" forName="rootText3" refType="w"/>
+                        <dgm:constr type="h" for="ch" forName="rootText3" refType="h"/>
+                        <dgm:constr type="r" for="ch" forName="rootConnector3" refType="w"/>
+                        <dgm:constr type="t" for="ch" forName="rootConnector3"/>
+                        <dgm:constr type="w" for="ch" forName="rootConnector3" refType="w" refFor="ch" refForName="rootText3" fact="0.2"/>
+                        <dgm:constr type="h" for="ch" forName="rootConnector3" refType="h" refFor="ch" refForName="rootText3"/>
+                      </dgm:constrLst>
+                    </dgm:else>
+                  </dgm:choose>
+                  <dgm:ruleLst/>
+                  <dgm:layoutNode name="rootText3">
+                    <dgm:varLst>
+                      <dgm:chPref val="3"/>
+                    </dgm:varLst>
+                    <dgm:alg type="tx"/>
+                    <dgm:shape xmlns:r="http://schemas.openxmlformats.org/officeDocument/2006/relationships" type="rect" r:blip="">
+                      <dgm:adjLst/>
+                    </dgm:shape>
+                    <dgm:presOf axis="self" ptType="node" cnt="1"/>
+                    <dgm:constrLst>
+                      <dgm:constr type="primFontSz" val="65"/>
+                      <dgm:constr type="lMarg" refType="primFontSz" fact="0.05"/>
+                      <dgm:constr type="rMarg" refType="primFontSz" fact="0.05"/>
+                      <dgm:constr type="tMarg" refType="primFontSz" fact="0.05"/>
+                      <dgm:constr type="bMarg" refType="primFontSz" fact="0.05"/>
+                    </dgm:constrLst>
+                    <dgm:ruleLst>
+                      <dgm:rule type="primFontSz" val="5" fact="NaN" max="NaN"/>
+                    </dgm:ruleLst>
+                  </dgm:layoutNode>
+                  <dgm:layoutNode name="rootConnector3" moveWith="rootText1">
+                    <dgm:alg type="sp"/>
+                    <dgm:shape xmlns:r="http://schemas.openxmlformats.org/officeDocument/2006/relationships" type="rect" r:blip="" hideGeom="1">
+                      <dgm:adjLst/>
+                    </dgm:shape>
+                    <dgm:presOf axis="self" ptType="node" cnt="1"/>
+                    <dgm:constrLst/>
+                    <dgm:ruleLst/>
+                  </dgm:layoutNode>
+                </dgm:layoutNode>
+                <dgm:layoutNode name="hierChild6">
+                  <dgm:choose name="Name127">
+                    <dgm:if name="Name128" func="var" arg="hierBranch" op="equ" val="l">
+                      <dgm:alg type="hierChild">
+                        <dgm:param type="chAlign" val="r"/>
+                        <dgm:param type="linDir" val="fromT"/>
+                      </dgm:alg>
+                    </dgm:if>
+                    <dgm:if name="Name129" func="var" arg="hierBranch" op="equ" val="r">
+                      <dgm:alg type="hierChild">
+                        <dgm:param type="chAlign" val="l"/>
+                        <dgm:param type="linDir" val="fromT"/>
+                      </dgm:alg>
+                    </dgm:if>
+                    <dgm:if name="Name130" func="var" arg="hierBranch" op="equ" val="hang">
+                      <dgm:choose name="Name131">
+                        <dgm:if name="Name132" func="var" arg="dir" op="equ" val="norm">
+                          <dgm:alg type="hierChild">
+                            <dgm:param type="chAlign" val="l"/>
+                            <dgm:param type="linDir" val="fromL"/>
+                            <dgm:param type="secChAlign" val="t"/>
+                            <dgm:param type="secLinDir" val="fromT"/>
+                          </dgm:alg>
+                        </dgm:if>
+                        <dgm:else name="Name133">
+                          <dgm:alg type="hierChild">
+                            <dgm:param type="chAlign" val="l"/>
+                            <dgm:param type="linDir" val="fromR"/>
+                            <dgm:param type="secChAlign" val="t"/>
+                            <dgm:param type="secLinDir" val="fromT"/>
+                          </dgm:alg>
+                        </dgm:else>
+                      </dgm:choose>
+                    </dgm:if>
+                    <dgm:if name="Name134" func="var" arg="hierBranch" op="equ" val="std">
+                      <dgm:choose name="Name135">
+                        <dgm:if name="Name136" func="var" arg="dir" op="equ" val="norm">
+                          <dgm:alg type="hierChild"/>
+                        </dgm:if>
+                        <dgm:else name="Name137">
+                          <dgm:alg type="hierChild">
+                            <dgm:param type="linDir" val="fromR"/>
+                          </dgm:alg>
+                        </dgm:else>
+                      </dgm:choose>
+                    </dgm:if>
+                    <dgm:if name="Name138" func="var" arg="hierBranch" op="equ" val="init">
+                      <dgm:choose name="Name139">
+                        <dgm:if name="Name140" axis="des" func="maxDepth" op="lte" val="1">
+                          <dgm:alg type="hierChild">
+                            <dgm:param type="chAlign" val="l"/>
+                            <dgm:param type="linDir" val="fromT"/>
+                          </dgm:alg>
+                        </dgm:if>
+                        <dgm:else name="Name141">
+                          <dgm:alg type="hierChild"/>
+                        </dgm:else>
+                      </dgm:choose>
+                    </dgm:if>
+                    <dgm:else name="Name142"/>
+                  </dgm:choose>
+                  <dgm:shape xmlns:r="http://schemas.openxmlformats.org/officeDocument/2006/relationships" r:blip="">
+                    <dgm:adjLst/>
+                  </dgm:shape>
+                  <dgm:presOf/>
+                  <dgm:constrLst/>
+                  <dgm:ruleLst/>
+                  <dgm:forEach name="Name143" ref="rep2a"/>
+                </dgm:layoutNode>
+                <dgm:layoutNode name="hierChild7">
+                  <dgm:choose name="Name144">
+                    <dgm:if name="Name145" func="var" arg="dir" op="equ" val="norm">
+                      <dgm:alg type="hierChild">
+                        <dgm:param type="chAlign" val="l"/>
+                        <dgm:param type="linDir" val="fromL"/>
+                        <dgm:param type="secChAlign" val="t"/>
+                        <dgm:param type="secLinDir" val="fromT"/>
+                      </dgm:alg>
+                    </dgm:if>
+                    <dgm:else name="Name146">
+                      <dgm:alg type="hierChild">
+                        <dgm:param type="chAlign" val="l"/>
+                        <dgm:param type="linDir" val="fromR"/>
+                        <dgm:param type="secChAlign" val="t"/>
+                        <dgm:param type="secLinDir" val="fromT"/>
+                      </dgm:alg>
+                    </dgm:else>
+                  </dgm:choose>
+                  <dgm:shape xmlns:r="http://schemas.openxmlformats.org/officeDocument/2006/relationships" r:blip="">
+                    <dgm:adjLst/>
+                  </dgm:shape>
+                  <dgm:presOf/>
+                  <dgm:constrLst/>
+                  <dgm:ruleLst/>
+                  <dgm:forEach name="Name147" ref="rep2b"/>
+                </dgm:layoutNode>
+              </dgm:layoutNode>
+            </dgm:forEach>
+          </dgm:layoutNode>
+        </dgm:layoutNode>
+      </dgm:forEach>
+    </dgm:forEach>
+  </dgm:layoutNode>
+</dgm:layoutDef>
+</file>
+
+<file path=ppt/diagrams/quickStyle1.xml><?xml version="1.0" encoding="utf-8"?>
+<dgm:styleDef xmlns:dgm="http://schemas.openxmlformats.org/drawingml/2006/diagram" xmlns:a="http://schemas.openxmlformats.org/drawingml/2006/main" uniqueId="urn:microsoft.com/office/officeart/2005/8/quickstyle/simple1">
+  <dgm:title val=""/>
+  <dgm:desc val=""/>
+  <dgm:catLst>
+    <dgm:cat type="simple" pri="10100"/>
+  </dgm:catLst>
+  <dgm:scene3d>
+    <a:camera prst="orthographicFront"/>
+    <a:lightRig rig="threePt" dir="t"/>
+  </dgm:scene3d>
+  <dgm:styleLbl name="node0">
+    <dgm:scene3d>
+      <a:camera prst="orthographicFront"/>
+      <a:lightRig rig="threePt" dir="t"/>
+    </dgm:scene3d>
+    <dgm:sp3d/>
+    <dgm:txPr/>
+    <dgm:style>
+      <a:lnRef idx="2">
+        <a:scrgbClr r="0" g="0" b="0"/>
+      </a:lnRef>
+      <a:fillRef idx="1">
+        <a:scrgbClr r="0" g="0" b="0"/>
+      </a:fillRef>
+      <a:effectRef idx="0">
+        <a:scrgbClr r="0" g="0" b="0"/>
+      </a:effectRef>
+      <a:fontRef idx="minor">
+        <a:schemeClr val="lt1"/>
+      </a:fontRef>
+    </dgm:style>
+  </dgm:styleLbl>
+  <dgm:styleLbl name="lnNode1">
+    <dgm:scene3d>
+      <a:camera prst="orthographicFront"/>
+      <a:lightRig rig="threePt" dir="t"/>
+    </dgm:scene3d>
+    <dgm:sp3d/>
+    <dgm:txPr/>
+    <dgm:style>
+      <a:lnRef idx="2">
+        <a:scrgbClr r="0" g="0" b="0"/>
+      </a:lnRef>
+      <a:fillRef idx="1">
+        <a:scrgbClr r="0" g="0" b="0"/>
+      </a:fillRef>
+      <a:effectRef idx="0">
+        <a:scrgbClr r="0" g="0" b="0"/>
+      </a:effectRef>
+      <a:fontRef idx="minor">
+        <a:schemeClr val="lt1"/>
+      </a:fontRef>
+    </dgm:style>
+  </dgm:styleLbl>
+  <dgm:styleLbl name="vennNode1">
+    <dgm:scene3d>
+      <a:camera prst="orthographicFront"/>
+      <a:lightRig rig="threePt" dir="t"/>
+    </dgm:scene3d>
+    <dgm:sp3d/>
+    <dgm:txPr/>
+    <dgm:style>
+      <a:lnRef idx="2">
+        <a:scrgbClr r="0" g="0" b="0"/>
+      </a:lnRef>
+      <a:fillRef idx="1">
+        <a:scrgbClr r="0" g="0" b="0"/>
+      </a:fillRef>
+      <a:effectRef idx="0">
+        <a:scrgbClr r="0" g="0" b="0"/>
+      </a:effectRef>
+      <a:fontRef idx="minor">
+        <a:schemeClr val="tx1"/>
+      </a:fontRef>
+    </dgm:style>
+  </dgm:styleLbl>
+  <dgm:styleLbl name="alignNode1">
+    <dgm:scene3d>
+      <a:camera prst="orthographicFront"/>
+      <a:lightRig rig="threePt" dir="t"/>
+    </dgm:scene3d>
+    <dgm:sp3d/>
+    <dgm:txPr/>
+    <dgm:style>
+      <a:lnRef idx="2">
+        <a:scrgbClr r="0" g="0" b="0"/>
+      </a:lnRef>
+      <a:fillRef idx="1">
+        <a:scrgbClr r="0" g="0" b="0"/>
+      </a:fillRef>
+      <a:effectRef idx="0">
+        <a:scrgbClr r="0" g="0" b="0"/>
+      </a:effectRef>
+      <a:fontRef idx="minor">
+        <a:schemeClr val="lt1"/>
+      </a:fontRef>
+    </dgm:style>
+  </dgm:styleLbl>
+  <dgm:styleLbl name="node1">
+    <dgm:scene3d>
+      <a:camera prst="orthographicFront"/>
+      <a:lightRig rig="threePt" dir="t"/>
+    </dgm:scene3d>
+    <dgm:sp3d/>
+    <dgm:txPr/>
+    <dgm:style>
+      <a:lnRef idx="2">
+        <a:scrgbClr r="0" g="0" b="0"/>
+      </a:lnRef>
+      <a:fillRef idx="1">
+        <a:scrgbClr r="0" g="0" b="0"/>
+      </a:fillRef>
+      <a:effectRef idx="0">
+        <a:scrgbClr r="0" g="0" b="0"/>
+      </a:effectRef>
+      <a:fontRef idx="minor">
+        <a:schemeClr val="lt1"/>
+      </a:fontRef>
+    </dgm:style>
+  </dgm:styleLbl>
+  <dgm:styleLbl name="node2">
+    <dgm:scene3d>
+      <a:camera prst="orthographicFront"/>
+      <a:lightRig rig="threePt" dir="t"/>
+    </dgm:scene3d>
+    <dgm:sp3d/>
+    <dgm:txPr/>
+    <dgm:style>
+      <a:lnRef idx="2">
+        <a:scrgbClr r="0" g="0" b="0"/>
+      </a:lnRef>
+      <a:fillRef idx="1">
+        <a:scrgbClr r="0" g="0" b="0"/>
+      </a:fillRef>
+      <a:effectRef idx="0">
+        <a:scrgbClr r="0" g="0" b="0"/>
+      </a:effectRef>
+      <a:fontRef idx="minor">
+        <a:schemeClr val="lt1"/>
+      </a:fontRef>
+    </dgm:style>
+  </dgm:styleLbl>
+  <dgm:styleLbl name="node3">
+    <dgm:scene3d>
+      <a:camera prst="orthographicFront"/>
+      <a:lightRig rig="threePt" dir="t"/>
+    </dgm:scene3d>
+    <dgm:sp3d/>
+    <dgm:txPr/>
+    <dgm:style>
+      <a:lnRef idx="2">
+        <a:scrgbClr r="0" g="0" b="0"/>
+      </a:lnRef>
+      <a:fillRef idx="1">
+        <a:scrgbClr r="0" g="0" b="0"/>
+      </a:fillRef>
+      <a:effectRef idx="0">
+        <a:scrgbClr r="0" g="0" b="0"/>
+      </a:effectRef>
+      <a:fontRef idx="minor">
+        <a:schemeClr val="lt1"/>
+      </a:fontRef>
+    </dgm:style>
+  </dgm:styleLbl>
+  <dgm:styleLbl name="node4">
+    <dgm:scene3d>
+      <a:camera prst="orthographicFront"/>
+      <a:lightRig rig="threePt" dir="t"/>
+    </dgm:scene3d>
+    <dgm:sp3d/>
+    <dgm:txPr/>
+    <dgm:style>
+      <a:lnRef idx="2">
+        <a:scrgbClr r="0" g="0" b="0"/>
+      </a:lnRef>
+      <a:fillRef idx="1">
+        <a:scrgbClr r="0" g="0" b="0"/>
+      </a:fillRef>
+      <a:effectRef idx="0">
+        <a:scrgbClr r="0" g="0" b="0"/>
+      </a:effectRef>
+      <a:fontRef idx="minor">
+        <a:schemeClr val="lt1"/>
+      </a:fontRef>
+    </dgm:style>
+  </dgm:styleLbl>
+  <dgm:styleLbl name="fgImgPlace1">
+    <dgm:scene3d>
+      <a:camera prst="orthographicFront"/>
+      <a:lightRig rig="threePt" dir="t"/>
+    </dgm:scene3d>
+    <dgm:sp3d/>
+    <dgm:txPr/>
+    <dgm:style>
+      <a:lnRef idx="2">
+        <a:scrgbClr r="0" g="0" b="0"/>
+      </a:lnRef>
+      <a:fillRef idx="1">
+        <a:scrgbClr r="0" g="0" b="0"/>
+      </a:fillRef>
+      <a:effectRef idx="0">
+        <a:scrgbClr r="0" g="0" b="0"/>
+      </a:effectRef>
+      <a:fontRef idx="minor"/>
+    </dgm:style>
+  </dgm:styleLbl>
+  <dgm:styleLbl name="alignImgPlace1">
+    <dgm:scene3d>
+      <a:camera prst="orthographicFront"/>
+      <a:lightRig rig="threePt" dir="t"/>
+    </dgm:scene3d>
+    <dgm:sp3d/>
+    <dgm:txPr/>
+    <dgm:style>
+      <a:lnRef idx="2">
+        <a:scrgbClr r="0" g="0" b="0"/>
+      </a:lnRef>
+      <a:fillRef idx="1">
+        <a:scrgbClr r="0" g="0" b="0"/>
+      </a:fillRef>
+      <a:effectRef idx="0">
+        <a:scrgbClr r="0" g="0" b="0"/>
+      </a:effectRef>
+      <a:fontRef idx="minor"/>
+    </dgm:style>
+  </dgm:styleLbl>
+  <dgm:styleLbl name="bgImgPlace1">
+    <dgm:scene3d>
+      <a:camera prst="orthographicFront"/>
+      <a:lightRig rig="threePt" dir="t"/>
+    </dgm:scene3d>
+    <dgm:sp3d/>
+    <dgm:txPr/>
+    <dgm:style>
+      <a:lnRef idx="2">
+        <a:scrgbClr r="0" g="0" b="0"/>
+      </a:lnRef>
+      <a:fillRef idx="1">
+        <a:scrgbClr r="0" g="0" b="0"/>
+      </a:fillRef>
+      <a:effectRef idx="0">
+        <a:scrgbClr r="0" g="0" b="0"/>
+      </a:effectRef>
+      <a:fontRef idx="minor"/>
+    </dgm:style>
+  </dgm:styleLbl>
+  <dgm:styleLbl name="sibTrans2D1">
+    <dgm:scene3d>
+      <a:camera prst="orthographicFront"/>
+      <a:lightRig rig="threePt" dir="t"/>
+    </dgm:scene3d>
+    <dgm:sp3d/>
+    <dgm:txPr/>
+    <dgm:style>
+      <a:lnRef idx="0">
+        <a:scrgbClr r="0" g="0" b="0"/>
+      </a:lnRef>
+      <a:fillRef idx="1">
+        <a:scrgbClr r="0" g="0" b="0"/>
+      </a:fillRef>
+      <a:effectRef idx="0">
+        <a:scrgbClr r="0" g="0" b="0"/>
+      </a:effectRef>
+      <a:fontRef idx="minor">
+        <a:schemeClr val="lt1"/>
+      </a:fontRef>
+    </dgm:style>
+  </dgm:styleLbl>
+  <dgm:styleLbl name="fgSibTrans2D1">
+    <dgm:scene3d>
+      <a:camera prst="orthographicFront"/>
+      <a:lightRig rig="threePt" dir="t"/>
+    </dgm:scene3d>
+    <dgm:sp3d/>
+    <dgm:txPr/>
+    <dgm:style>
+      <a:lnRef idx="0">
+        <a:scrgbClr r="0" g="0" b="0"/>
+      </a:lnRef>
+      <a:fillRef idx="1">
+        <a:scrgbClr r="0" g="0" b="0"/>
+      </a:fillRef>
+      <a:effectRef idx="0">
+        <a:scrgbClr r="0" g="0" b="0"/>
+      </a:effectRef>
+      <a:fontRef idx="minor">
+        <a:schemeClr val="lt1"/>
+      </a:fontRef>
+    </dgm:style>
+  </dgm:styleLbl>
+  <dgm:styleLbl name="bgSibTrans2D1">
+    <dgm:scene3d>
+      <a:camera prst="orthographicFront"/>
+      <a:lightRig rig="threePt" dir="t"/>
+    </dgm:scene3d>
+    <dgm:sp3d/>
+    <dgm:txPr/>
+    <dgm:style>
+      <a:lnRef idx="0">
+        <a:scrgbClr r="0" g="0" b="0"/>
+      </a:lnRef>
+      <a:fillRef idx="1">
+        <a:scrgbClr r="0" g="0" b="0"/>
+      </a:fillRef>
+      <a:effectRef idx="0">
+        <a:scrgbClr r="0" g="0" b="0"/>
+      </a:effectRef>
+      <a:fontRef idx="minor">
+        <a:schemeClr val="lt1"/>
+      </a:fontRef>
+    </dgm:style>
+  </dgm:styleLbl>
+  <dgm:styleLbl name="sibTrans1D1">
+    <dgm:scene3d>
+      <a:camera prst="orthographicFront"/>
+      <a:lightRig rig="threePt" dir="t"/>
+    </dgm:scene3d>
+    <dgm:sp3d/>
+    <dgm:txPr/>
+    <dgm:style>
+      <a:lnRef idx="1">
+        <a:scrgbClr r="0" g="0" b="0"/>
+      </a:lnRef>
+      <a:fillRef idx="0">
+        <a:scrgbClr r="0" g="0" b="0"/>
+      </a:fillRef>
+      <a:effectRef idx="0">
+        <a:scrgbClr r="0" g="0" b="0"/>
+      </a:effectRef>
+      <a:fontRef idx="minor"/>
+    </dgm:style>
+  </dgm:styleLbl>
+  <dgm:styleLbl name="callout">
+    <dgm:scene3d>
+      <a:camera prst="orthographicFront"/>
+      <a:lightRig rig="threePt" dir="t"/>
+    </dgm:scene3d>
+    <dgm:sp3d/>
+    <dgm:txPr/>
+    <dgm:style>
+      <a:lnRef idx="2">
+        <a:scrgbClr r="0" g="0" b="0"/>
+      </a:lnRef>
+      <a:fillRef idx="1">
+        <a:scrgbClr r="0" g="0" b="0"/>
+      </a:fillRef>
+      <a:effectRef idx="0">
+        <a:scrgbClr r="0" g="0" b="0"/>
+      </a:effectRef>
+      <a:fontRef idx="minor"/>
+    </dgm:style>
+  </dgm:styleLbl>
+  <dgm:styleLbl name="asst0">
+    <dgm:scene3d>
+      <a:camera prst="orthographicFront"/>
+      <a:lightRig rig="threePt" dir="t"/>
+    </dgm:scene3d>
+    <dgm:sp3d/>
+    <dgm:txPr/>
+    <dgm:style>
+      <a:lnRef idx="2">
+        <a:scrgbClr r="0" g="0" b="0"/>
+      </a:lnRef>
+      <a:fillRef idx="1">
+        <a:scrgbClr r="0" g="0" b="0"/>
+      </a:fillRef>
+      <a:effectRef idx="0">
+        <a:scrgbClr r="0" g="0" b="0"/>
+      </a:effectRef>
+      <a:fontRef idx="minor">
+        <a:schemeClr val="lt1"/>
+      </a:fontRef>
+    </dgm:style>
+  </dgm:styleLbl>
+  <dgm:styleLbl name="asst1">
+    <dgm:scene3d>
+      <a:camera prst="orthographicFront"/>
+      <a:lightRig rig="threePt" dir="t"/>
+    </dgm:scene3d>
+    <dgm:sp3d/>
+    <dgm:txPr/>
+    <dgm:style>
+      <a:lnRef idx="2">
+        <a:scrgbClr r="0" g="0" b="0"/>
+      </a:lnRef>
+      <a:fillRef idx="1">
+        <a:scrgbClr r="0" g="0" b="0"/>
+      </a:fillRef>
+      <a:effectRef idx="0">
+        <a:scrgbClr r="0" g="0" b="0"/>
+      </a:effectRef>
+      <a:fontRef idx="minor">
+        <a:schemeClr val="lt1"/>
+      </a:fontRef>
+    </dgm:style>
+  </dgm:styleLbl>
+  <dgm:styleLbl name="asst2">
+    <dgm:scene3d>
+      <a:camera prst="orthographicFront"/>
+      <a:lightRig rig="threePt" dir="t"/>
+    </dgm:scene3d>
+    <dgm:sp3d/>
+    <dgm:txPr/>
+    <dgm:style>
+      <a:lnRef idx="2">
+        <a:scrgbClr r="0" g="0" b="0"/>
+      </a:lnRef>
+      <a:fillRef idx="1">
+        <a:scrgbClr r="0" g="0" b="0"/>
+      </a:fillRef>
+      <a:effectRef idx="0">
+        <a:scrgbClr r="0" g="0" b="0"/>
+      </a:effectRef>
+      <a:fontRef idx="minor">
+        <a:schemeClr val="lt1"/>
+      </a:fontRef>
+    </dgm:style>
+  </dgm:styleLbl>
+  <dgm:styleLbl name="asst3">
+    <dgm:scene3d>
+      <a:camera prst="orthographicFront"/>
+      <a:lightRig rig="threePt" dir="t"/>
+    </dgm:scene3d>
+    <dgm:sp3d/>
+    <dgm:txPr/>
+    <dgm:style>
+      <a:lnRef idx="2">
+        <a:scrgbClr r="0" g="0" b="0"/>
+      </a:lnRef>
+      <a:fillRef idx="1">
+        <a:scrgbClr r="0" g="0" b="0"/>
+      </a:fillRef>
+      <a:effectRef idx="0">
+        <a:scrgbClr r="0" g="0" b="0"/>
+      </a:effectRef>
+      <a:fontRef idx="minor">
+        <a:schemeClr val="lt1"/>
+      </a:fontRef>
+    </dgm:style>
+  </dgm:styleLbl>
+  <dgm:styleLbl name="asst4">
+    <dgm:scene3d>
+      <a:camera prst="orthographicFront"/>
+      <a:lightRig rig="threePt" dir="t"/>
+    </dgm:scene3d>
+    <dgm:sp3d/>
+    <dgm:txPr/>
+    <dgm:style>
+      <a:lnRef idx="2">
+        <a:scrgbClr r="0" g="0" b="0"/>
+      </a:lnRef>
+      <a:fillRef idx="1">
+        <a:scrgbClr r="0" g="0" b="0"/>
+      </a:fillRef>
+      <a:effectRef idx="0">
+        <a:scrgbClr r="0" g="0" b="0"/>
+      </a:effectRef>
+      <a:fontRef idx="minor">
+        <a:schemeClr val="lt1"/>
+      </a:fontRef>
+    </dgm:style>
+  </dgm:styleLbl>
+  <dgm:styleLbl name="parChTrans2D1">
+    <dgm:scene3d>
+      <a:camera prst="orthographicFront"/>
+      <a:lightRig rig="threePt" dir="t"/>
+    </dgm:scene3d>
+    <dgm:sp3d/>
+    <dgm:txPr/>
+    <dgm:style>
+      <a:lnRef idx="2">
+        <a:scrgbClr r="0" g="0" b="0"/>
+      </a:lnRef>
+      <a:fillRef idx="1">
+        <a:scrgbClr r="0" g="0" b="0"/>
+      </a:fillRef>
+      <a:effectRef idx="0">
+        <a:scrgbClr r="0" g="0" b="0"/>
+      </a:effectRef>
+      <a:fontRef idx="minor">
+        <a:schemeClr val="lt1"/>
+      </a:fontRef>
+    </dgm:style>
+  </dgm:styleLbl>
+  <dgm:styleLbl name="parChTrans2D2">
+    <dgm:scene3d>
+      <a:camera prst="orthographicFront"/>
+      <a:lightRig rig="threePt" dir="t"/>
+    </dgm:scene3d>
+    <dgm:sp3d/>
+    <dgm:txPr/>
+    <dgm:style>
+      <a:lnRef idx="2">
+        <a:scrgbClr r="0" g="0" b="0"/>
+      </a:lnRef>
+      <a:fillRef idx="1">
+        <a:scrgbClr r="0" g="0" b="0"/>
+      </a:fillRef>
+      <a:effectRef idx="0">
+        <a:scrgbClr r="0" g="0" b="0"/>
+      </a:effectRef>
+      <a:fontRef idx="minor">
+        <a:schemeClr val="lt1"/>
+      </a:fontRef>
+    </dgm:style>
+  </dgm:styleLbl>
+  <dgm:styleLbl name="parChTrans2D3">
+    <dgm:scene3d>
+      <a:camera prst="orthographicFront"/>
+      <a:lightRig rig="threePt" dir="t"/>
+    </dgm:scene3d>
+    <dgm:sp3d/>
+    <dgm:txPr/>
+    <dgm:style>
+      <a:lnRef idx="2">
+        <a:scrgbClr r="0" g="0" b="0"/>
+      </a:lnRef>
+      <a:fillRef idx="1">
+        <a:scrgbClr r="0" g="0" b="0"/>
+      </a:fillRef>
+      <a:effectRef idx="0">
+        <a:scrgbClr r="0" g="0" b="0"/>
+      </a:effectRef>
+      <a:fontRef idx="minor">
+        <a:schemeClr val="lt1"/>
+      </a:fontRef>
+    </dgm:style>
+  </dgm:styleLbl>
+  <dgm:styleLbl name="parChTrans2D4">
+    <dgm:scene3d>
+      <a:camera prst="orthographicFront"/>
+      <a:lightRig rig="threePt" dir="t"/>
+    </dgm:scene3d>
+    <dgm:sp3d/>
+    <dgm:txPr/>
+    <dgm:style>
+      <a:lnRef idx="2">
+        <a:scrgbClr r="0" g="0" b="0"/>
+      </a:lnRef>
+      <a:fillRef idx="1">
+        <a:scrgbClr r="0" g="0" b="0"/>
+      </a:fillRef>
+      <a:effectRef idx="0">
+        <a:scrgbClr r="0" g="0" b="0"/>
+      </a:effectRef>
+      <a:fontRef idx="minor">
+        <a:schemeClr val="lt1"/>
+      </a:fontRef>
+    </dgm:style>
+  </dgm:styleLbl>
+  <dgm:styleLbl name="parChTrans1D1">
+    <dgm:scene3d>
+      <a:camera prst="orthographicFront"/>
+      <a:lightRig rig="threePt" dir="t"/>
+    </dgm:scene3d>
+    <dgm:sp3d/>
+    <dgm:txPr/>
+    <dgm:style>
+      <a:lnRef idx="2">
+        <a:scrgbClr r="0" g="0" b="0"/>
+      </a:lnRef>
+      <a:fillRef idx="0">
+        <a:scrgbClr r="0" g="0" b="0"/>
+      </a:fillRef>
+      <a:effectRef idx="0">
+        <a:scrgbClr r="0" g="0" b="0"/>
+      </a:effectRef>
+      <a:fontRef idx="minor"/>
+    </dgm:style>
+  </dgm:styleLbl>
+  <dgm:styleLbl name="parChTrans1D2">
+    <dgm:scene3d>
+      <a:camera prst="orthographicFront"/>
+      <a:lightRig rig="threePt" dir="t"/>
+    </dgm:scene3d>
+    <dgm:sp3d/>
+    <dgm:txPr/>
+    <dgm:style>
+      <a:lnRef idx="2">
+        <a:scrgbClr r="0" g="0" b="0"/>
+      </a:lnRef>
+      <a:fillRef idx="0">
+        <a:scrgbClr r="0" g="0" b="0"/>
+      </a:fillRef>
+      <a:effectRef idx="0">
+        <a:scrgbClr r="0" g="0" b="0"/>
+      </a:effectRef>
+      <a:fontRef idx="minor"/>
+    </dgm:style>
+  </dgm:styleLbl>
+  <dgm:styleLbl name="parChTrans1D3">
+    <dgm:scene3d>
+      <a:camera prst="orthographicFront"/>
+      <a:lightRig rig="threePt" dir="t"/>
+    </dgm:scene3d>
+    <dgm:sp3d/>
+    <dgm:txPr/>
+    <dgm:style>
+      <a:lnRef idx="2">
+        <a:scrgbClr r="0" g="0" b="0"/>
+      </a:lnRef>
+      <a:fillRef idx="0">
+        <a:scrgbClr r="0" g="0" b="0"/>
+      </a:fillRef>
+      <a:effectRef idx="0">
+        <a:scrgbClr r="0" g="0" b="0"/>
+      </a:effectRef>
+      <a:fontRef idx="minor"/>
+    </dgm:style>
+  </dgm:styleLbl>
+  <dgm:styleLbl name="parChTrans1D4">
+    <dgm:scene3d>
+      <a:camera prst="orthographicFront"/>
+      <a:lightRig rig="threePt" dir="t"/>
+    </dgm:scene3d>
+    <dgm:sp3d/>
+    <dgm:txPr/>
+    <dgm:style>
+      <a:lnRef idx="2">
+        <a:scrgbClr r="0" g="0" b="0"/>
+      </a:lnRef>
+      <a:fillRef idx="0">
+        <a:scrgbClr r="0" g="0" b="0"/>
+      </a:fillRef>
+      <a:effectRef idx="0">
+        <a:scrgbClr r="0" g="0" b="0"/>
+      </a:effectRef>
+      <a:fontRef idx="minor"/>
+    </dgm:style>
+  </dgm:styleLbl>
+  <dgm:styleLbl name="fgAcc1">
+    <dgm:scene3d>
+      <a:camera prst="orthographicFront"/>
+      <a:lightRig rig="threePt" dir="t"/>
+    </dgm:scene3d>
+    <dgm:sp3d/>
+    <dgm:txPr/>
+    <dgm:style>
+      <a:lnRef idx="2">
+        <a:scrgbClr r="0" g="0" b="0"/>
+      </a:lnRef>
+      <a:fillRef idx="1">
+        <a:scrgbClr r="0" g="0" b="0"/>
+      </a:fillRef>
+      <a:effectRef idx="0">
+        <a:scrgbClr r="0" g="0" b="0"/>
+      </a:effectRef>
+      <a:fontRef idx="minor"/>
+    </dgm:style>
+  </dgm:styleLbl>
+  <dgm:styleLbl name="conFgAcc1">
+    <dgm:scene3d>
+      <a:camera prst="orthographicFront"/>
+      <a:lightRig rig="threePt" dir="t"/>
+    </dgm:scene3d>
+    <dgm:sp3d/>
+    <dgm:txPr/>
+    <dgm:style>
+      <a:lnRef idx="2">
+        <a:scrgbClr r="0" g="0" b="0"/>
+      </a:lnRef>
+      <a:fillRef idx="1">
+        <a:scrgbClr r="0" g="0" b="0"/>
+      </a:fillRef>
+      <a:effectRef idx="0">
+        <a:scrgbClr r="0" g="0" b="0"/>
+      </a:effectRef>
+      <a:fontRef idx="minor"/>
+    </dgm:style>
+  </dgm:styleLbl>
+  <dgm:styleLbl name="alignAcc1">
+    <dgm:scene3d>
+      <a:camera prst="orthographicFront"/>
+      <a:lightRig rig="threePt" dir="t"/>
+    </dgm:scene3d>
+    <dgm:sp3d/>
+    <dgm:txPr/>
+    <dgm:style>
+      <a:lnRef idx="2">
+        <a:scrgbClr r="0" g="0" b="0"/>
+      </a:lnRef>
+      <a:fillRef idx="1">
+        <a:scrgbClr r="0" g="0" b="0"/>
+      </a:fillRef>
+      <a:effectRef idx="0">
+        <a:scrgbClr r="0" g="0" b="0"/>
+      </a:effectRef>
+      <a:fontRef idx="minor"/>
+    </dgm:style>
+  </dgm:styleLbl>
+  <dgm:styleLbl name="trAlignAcc1">
+    <dgm:scene3d>
+      <a:camera prst="orthographicFront"/>
+      <a:lightRig rig="threePt" dir="t"/>
+    </dgm:scene3d>
+    <dgm:sp3d/>
+    <dgm:txPr/>
+    <dgm:style>
+      <a:lnRef idx="1">
+        <a:scrgbClr r="0" g="0" b="0"/>
+      </a:lnRef>
+      <a:fillRef idx="1">
+        <a:scrgbClr r="0" g="0" b="0"/>
+      </a:fillRef>
+      <a:effectRef idx="0">
+        <a:scrgbClr r="0" g="0" b="0"/>
+      </a:effectRef>
+      <a:fontRef idx="minor"/>
+    </dgm:style>
+  </dgm:styleLbl>
+  <dgm:styleLbl name="bgAcc1">
+    <dgm:scene3d>
+      <a:camera prst="orthographicFront"/>
+      <a:lightRig rig="threePt" dir="t"/>
+    </dgm:scene3d>
+    <dgm:sp3d/>
+    <dgm:txPr/>
+    <dgm:style>
+      <a:lnRef idx="2">
+        <a:scrgbClr r="0" g="0" b="0"/>
+      </a:lnRef>
+      <a:fillRef idx="1">
+        <a:scrgbClr r="0" g="0" b="0"/>
+      </a:fillRef>
+      <a:effectRef idx="0">
+        <a:scrgbClr r="0" g="0" b="0"/>
+      </a:effectRef>
+      <a:fontRef idx="minor"/>
+    </dgm:style>
+  </dgm:styleLbl>
+  <dgm:styleLbl name="solidFgAcc1">
+    <dgm:scene3d>
+      <a:camera prst="orthographicFront"/>
+      <a:lightRig rig="threePt" dir="t"/>
+    </dgm:scene3d>
+    <dgm:sp3d/>
+    <dgm:txPr/>
+    <dgm:style>
+      <a:lnRef idx="2">
+        <a:scrgbClr r="0" g="0" b="0"/>
+      </a:lnRef>
+      <a:fillRef idx="1">
+        <a:scrgbClr r="0" g="0" b="0"/>
+      </a:fillRef>
+      <a:effectRef idx="0">
+        <a:scrgbClr r="0" g="0" b="0"/>
+      </a:effectRef>
+      <a:fontRef idx="minor"/>
+    </dgm:style>
+  </dgm:styleLbl>
+  <dgm:styleLbl name="solidAlignAcc1">
+    <dgm:scene3d>
+      <a:camera prst="orthographicFront"/>
+      <a:lightRig rig="threePt" dir="t"/>
+    </dgm:scene3d>
+    <dgm:sp3d/>
+    <dgm:txPr/>
+    <dgm:style>
+      <a:lnRef idx="2">
+        <a:scrgbClr r="0" g="0" b="0"/>
+      </a:lnRef>
+      <a:fillRef idx="1">
+        <a:scrgbClr r="0" g="0" b="0"/>
+      </a:fillRef>
+      <a:effectRef idx="0">
+        <a:scrgbClr r="0" g="0" b="0"/>
+      </a:effectRef>
+      <a:fontRef idx="minor"/>
+    </dgm:style>
+  </dgm:styleLbl>
+  <dgm:styleLbl name="solidBgAcc1">
+    <dgm:scene3d>
+      <a:camera prst="orthographicFront"/>
+      <a:lightRig rig="threePt" dir="t"/>
+    </dgm:scene3d>
+    <dgm:sp3d/>
+    <dgm:txPr/>
+    <dgm:style>
+      <a:lnRef idx="2">
+        <a:scrgbClr r="0" g="0" b="0"/>
+      </a:lnRef>
+      <a:fillRef idx="1">
+        <a:scrgbClr r="0" g="0" b="0"/>
+      </a:fillRef>
+      <a:effectRef idx="0">
+        <a:scrgbClr r="0" g="0" b="0"/>
+      </a:effectRef>
+      <a:fontRef idx="minor"/>
+    </dgm:style>
+  </dgm:styleLbl>
+  <dgm:styleLbl name="fgAccFollowNode1">
+    <dgm:scene3d>
+      <a:camera prst="orthographicFront"/>
+      <a:lightRig rig="threePt" dir="t"/>
+    </dgm:scene3d>
+    <dgm:sp3d/>
+    <dgm:txPr/>
+    <dgm:style>
+      <a:lnRef idx="2">
+        <a:scrgbClr r="0" g="0" b="0"/>
+      </a:lnRef>
+      <a:fillRef idx="1">
+        <a:scrgbClr r="0" g="0" b="0"/>
+      </a:fillRef>
+      <a:effectRef idx="0">
+        <a:scrgbClr r="0" g="0" b="0"/>
+      </a:effectRef>
+      <a:fontRef idx="minor"/>
+    </dgm:style>
+  </dgm:styleLbl>
+  <dgm:styleLbl name="alignAccFollowNode1">
+    <dgm:scene3d>
+      <a:camera prst="orthographicFront"/>
+      <a:lightRig rig="threePt" dir="t"/>
+    </dgm:scene3d>
+    <dgm:sp3d/>
+    <dgm:txPr/>
+    <dgm:style>
+      <a:lnRef idx="2">
+        <a:scrgbClr r="0" g="0" b="0"/>
+      </a:lnRef>
+      <a:fillRef idx="1">
+        <a:scrgbClr r="0" g="0" b="0"/>
+      </a:fillRef>
+      <a:effectRef idx="0">
+        <a:scrgbClr r="0" g="0" b="0"/>
+      </a:effectRef>
+      <a:fontRef idx="minor"/>
+    </dgm:style>
+  </dgm:styleLbl>
+  <dgm:styleLbl name="bgAccFollowNode1">
+    <dgm:scene3d>
+      <a:camera prst="orthographicFront"/>
+      <a:lightRig rig="threePt" dir="t"/>
+    </dgm:scene3d>
+    <dgm:sp3d/>
+    <dgm:txPr/>
+    <dgm:style>
+      <a:lnRef idx="2">
+        <a:scrgbClr r="0" g="0" b="0"/>
+      </a:lnRef>
+      <a:fillRef idx="1">
+        <a:scrgbClr r="0" g="0" b="0"/>
+      </a:fillRef>
+      <a:effectRef idx="0">
+        <a:scrgbClr r="0" g="0" b="0"/>
+      </a:effectRef>
+      <a:fontRef idx="minor"/>
+    </dgm:style>
+  </dgm:styleLbl>
+  <dgm:styleLbl name="fgAcc0">
+    <dgm:scene3d>
+      <a:camera prst="orthographicFront"/>
+      <a:lightRig rig="threePt" dir="t"/>
+    </dgm:scene3d>
+    <dgm:sp3d/>
+    <dgm:txPr/>
+    <dgm:style>
+      <a:lnRef idx="2">
+        <a:scrgbClr r="0" g="0" b="0"/>
+      </a:lnRef>
+      <a:fillRef idx="1">
+        <a:scrgbClr r="0" g="0" b="0"/>
+      </a:fillRef>
+      <a:effectRef idx="0">
+        <a:scrgbClr r="0" g="0" b="0"/>
+      </a:effectRef>
+      <a:fontRef idx="minor"/>
+    </dgm:style>
+  </dgm:styleLbl>
+  <dgm:styleLbl name="fgAcc2">
+    <dgm:scene3d>
+      <a:camera prst="orthographicFront"/>
+      <a:lightRig rig="threePt" dir="t"/>
+    </dgm:scene3d>
+    <dgm:sp3d/>
+    <dgm:txPr/>
+    <dgm:style>
+      <a:lnRef idx="2">
+        <a:scrgbClr r="0" g="0" b="0"/>
+      </a:lnRef>
+      <a:fillRef idx="1">
+        <a:scrgbClr r="0" g="0" b="0"/>
+      </a:fillRef>
+      <a:effectRef idx="0">
+        <a:scrgbClr r="0" g="0" b="0"/>
+      </a:effectRef>
+      <a:fontRef idx="minor"/>
+    </dgm:style>
+  </dgm:styleLbl>
+  <dgm:styleLbl name="fgAcc3">
+    <dgm:scene3d>
+      <a:camera prst="orthographicFront"/>
+      <a:lightRig rig="threePt" dir="t"/>
+    </dgm:scene3d>
+    <dgm:sp3d/>
+    <dgm:txPr/>
+    <dgm:style>
+      <a:lnRef idx="2">
+        <a:scrgbClr r="0" g="0" b="0"/>
+      </a:lnRef>
+      <a:fillRef idx="1">
+        <a:scrgbClr r="0" g="0" b="0"/>
+      </a:fillRef>
+      <a:effectRef idx="0">
+        <a:scrgbClr r="0" g="0" b="0"/>
+      </a:effectRef>
+      <a:fontRef idx="minor"/>
+    </dgm:style>
+  </dgm:styleLbl>
+  <dgm:styleLbl name="fgAcc4">
+    <dgm:scene3d>
+      <a:camera prst="orthographicFront"/>
+      <a:lightRig rig="threePt" dir="t"/>
+    </dgm:scene3d>
+    <dgm:sp3d/>
+    <dgm:txPr/>
+    <dgm:style>
+      <a:lnRef idx="2">
+        <a:scrgbClr r="0" g="0" b="0"/>
+      </a:lnRef>
+      <a:fillRef idx="1">
+        <a:scrgbClr r="0" g="0" b="0"/>
+      </a:fillRef>
+      <a:effectRef idx="0">
+        <a:scrgbClr r="0" g="0" b="0"/>
+      </a:effectRef>
+      <a:fontRef idx="minor"/>
+    </dgm:style>
+  </dgm:styleLbl>
+  <dgm:styleLbl name="bgShp">
+    <dgm:scene3d>
+      <a:camera prst="orthographicFront"/>
+      <a:lightRig rig="threePt" dir="t"/>
+    </dgm:scene3d>
+    <dgm:sp3d/>
+    <dgm:txPr/>
+    <dgm:style>
+      <a:lnRef idx="0">
+        <a:scrgbClr r="0" g="0" b="0"/>
+      </a:lnRef>
+      <a:fillRef idx="1">
+        <a:scrgbClr r="0" g="0" b="0"/>
+      </a:fillRef>
+      <a:effectRef idx="0">
+        <a:scrgbClr r="0" g="0" b="0"/>
+      </a:effectRef>
+      <a:fontRef idx="minor"/>
+    </dgm:style>
+  </dgm:styleLbl>
+  <dgm:styleLbl name="dkBgShp">
+    <dgm:scene3d>
+      <a:camera prst="orthographicFront"/>
+      <a:lightRig rig="threePt" dir="t"/>
+    </dgm:scene3d>
+    <dgm:sp3d/>
+    <dgm:txPr/>
+    <dgm:style>
+      <a:lnRef idx="0">
+        <a:scrgbClr r="0" g="0" b="0"/>
+      </a:lnRef>
+      <a:fillRef idx="1">
+        <a:scrgbClr r="0" g="0" b="0"/>
+      </a:fillRef>
+      <a:effectRef idx="0">
+        <a:scrgbClr r="0" g="0" b="0"/>
+      </a:effectRef>
+      <a:fontRef idx="minor"/>
+    </dgm:style>
+  </dgm:styleLbl>
+  <dgm:styleLbl name="trBgShp">
+    <dgm:scene3d>
+      <a:camera prst="orthographicFront"/>
+      <a:lightRig rig="threePt" dir="t"/>
+    </dgm:scene3d>
+    <dgm:sp3d/>
+    <dgm:txPr/>
+    <dgm:style>
+      <a:lnRef idx="0">
+        <a:scrgbClr r="0" g="0" b="0"/>
+      </a:lnRef>
+      <a:fillRef idx="1">
+        <a:scrgbClr r="0" g="0" b="0"/>
+      </a:fillRef>
+      <a:effectRef idx="0">
+        <a:scrgbClr r="0" g="0" b="0"/>
+      </a:effectRef>
+      <a:fontRef idx="minor"/>
+    </dgm:style>
+  </dgm:styleLbl>
+  <dgm:styleLbl name="fgShp">
+    <dgm:scene3d>
+      <a:camera prst="orthographicFront"/>
+      <a:lightRig rig="threePt" dir="t"/>
+    </dgm:scene3d>
+    <dgm:sp3d/>
+    <dgm:txPr/>
+    <dgm:style>
+      <a:lnRef idx="2">
+        <a:scrgbClr r="0" g="0" b="0"/>
+      </a:lnRef>
+      <a:fillRef idx="1">
+        <a:scrgbClr r="0" g="0" b="0"/>
+      </a:fillRef>
+      <a:effectRef idx="0">
+        <a:scrgbClr r="0" g="0" b="0"/>
+      </a:effectRef>
+      <a:fontRef idx="minor"/>
+    </dgm:style>
+  </dgm:styleLbl>
+  <dgm:styleLbl name="revTx">
+    <dgm:scene3d>
+      <a:camera prst="orthographicFront"/>
+      <a:lightRig rig="threePt" dir="t"/>
+    </dgm:scene3d>
+    <dgm:sp3d/>
+    <dgm:txPr/>
+    <dgm:style>
+      <a:lnRef idx="0">
+        <a:scrgbClr r="0" g="0" b="0"/>
+      </a:lnRef>
+      <a:fillRef idx="0">
+        <a:scrgbClr r="0" g="0" b="0"/>
+      </a:fillRef>
+      <a:effectRef idx="0">
+        <a:scrgbClr r="0" g="0" b="0"/>
+      </a:effectRef>
+      <a:fontRef idx="minor"/>
+    </dgm:style>
+  </dgm:styleLbl>
+</dgm:styleDef>
 </file>
 
 <file path=ppt/slideLayouts/slideLayout1.xml><?xml version="1.0" encoding="utf-8"?>
@@ -248,7 +7857,7 @@
           <a:p>
             <a:fld id="{59EED33E-E6DC-42D8-97CA-C62EDECD9A4F}" type="datetimeFigureOut">
               <a:rPr lang="zh-CN" altLang="en-US" smtClean="0"/>
-              <a:t>2020/12/24</a:t>
+              <a:t>2020/12/27</a:t>
             </a:fld>
             <a:endParaRPr lang="zh-CN" altLang="en-US"/>
           </a:p>
@@ -418,7 +8027,7 @@
           <a:p>
             <a:fld id="{59EED33E-E6DC-42D8-97CA-C62EDECD9A4F}" type="datetimeFigureOut">
               <a:rPr lang="zh-CN" altLang="en-US" smtClean="0"/>
-              <a:t>2020/12/24</a:t>
+              <a:t>2020/12/27</a:t>
             </a:fld>
             <a:endParaRPr lang="zh-CN" altLang="en-US"/>
           </a:p>
@@ -598,7 +8207,7 @@
           <a:p>
             <a:fld id="{59EED33E-E6DC-42D8-97CA-C62EDECD9A4F}" type="datetimeFigureOut">
               <a:rPr lang="zh-CN" altLang="en-US" smtClean="0"/>
-              <a:t>2020/12/24</a:t>
+              <a:t>2020/12/27</a:t>
             </a:fld>
             <a:endParaRPr lang="zh-CN" altLang="en-US"/>
           </a:p>
@@ -768,7 +8377,7 @@
           <a:p>
             <a:fld id="{59EED33E-E6DC-42D8-97CA-C62EDECD9A4F}" type="datetimeFigureOut">
               <a:rPr lang="zh-CN" altLang="en-US" smtClean="0"/>
-              <a:t>2020/12/24</a:t>
+              <a:t>2020/12/27</a:t>
             </a:fld>
             <a:endParaRPr lang="zh-CN" altLang="en-US"/>
           </a:p>
@@ -1014,7 +8623,7 @@
           <a:p>
             <a:fld id="{59EED33E-E6DC-42D8-97CA-C62EDECD9A4F}" type="datetimeFigureOut">
               <a:rPr lang="zh-CN" altLang="en-US" smtClean="0"/>
-              <a:t>2020/12/24</a:t>
+              <a:t>2020/12/27</a:t>
             </a:fld>
             <a:endParaRPr lang="zh-CN" altLang="en-US"/>
           </a:p>
@@ -1246,7 +8855,7 @@
           <a:p>
             <a:fld id="{59EED33E-E6DC-42D8-97CA-C62EDECD9A4F}" type="datetimeFigureOut">
               <a:rPr lang="zh-CN" altLang="en-US" smtClean="0"/>
-              <a:t>2020/12/24</a:t>
+              <a:t>2020/12/27</a:t>
             </a:fld>
             <a:endParaRPr lang="zh-CN" altLang="en-US"/>
           </a:p>
@@ -1613,7 +9222,7 @@
           <a:p>
             <a:fld id="{59EED33E-E6DC-42D8-97CA-C62EDECD9A4F}" type="datetimeFigureOut">
               <a:rPr lang="zh-CN" altLang="en-US" smtClean="0"/>
-              <a:t>2020/12/24</a:t>
+              <a:t>2020/12/27</a:t>
             </a:fld>
             <a:endParaRPr lang="zh-CN" altLang="en-US"/>
           </a:p>
@@ -1731,7 +9340,7 @@
           <a:p>
             <a:fld id="{59EED33E-E6DC-42D8-97CA-C62EDECD9A4F}" type="datetimeFigureOut">
               <a:rPr lang="zh-CN" altLang="en-US" smtClean="0"/>
-              <a:t>2020/12/24</a:t>
+              <a:t>2020/12/27</a:t>
             </a:fld>
             <a:endParaRPr lang="zh-CN" altLang="en-US"/>
           </a:p>
@@ -1826,7 +9435,7 @@
           <a:p>
             <a:fld id="{59EED33E-E6DC-42D8-97CA-C62EDECD9A4F}" type="datetimeFigureOut">
               <a:rPr lang="zh-CN" altLang="en-US" smtClean="0"/>
-              <a:t>2020/12/24</a:t>
+              <a:t>2020/12/27</a:t>
             </a:fld>
             <a:endParaRPr lang="zh-CN" altLang="en-US"/>
           </a:p>
@@ -2103,7 +9712,7 @@
           <a:p>
             <a:fld id="{59EED33E-E6DC-42D8-97CA-C62EDECD9A4F}" type="datetimeFigureOut">
               <a:rPr lang="zh-CN" altLang="en-US" smtClean="0"/>
-              <a:t>2020/12/24</a:t>
+              <a:t>2020/12/27</a:t>
             </a:fld>
             <a:endParaRPr lang="zh-CN" altLang="en-US"/>
           </a:p>
@@ -2356,7 +9965,7 @@
           <a:p>
             <a:fld id="{59EED33E-E6DC-42D8-97CA-C62EDECD9A4F}" type="datetimeFigureOut">
               <a:rPr lang="zh-CN" altLang="en-US" smtClean="0"/>
-              <a:t>2020/12/24</a:t>
+              <a:t>2020/12/27</a:t>
             </a:fld>
             <a:endParaRPr lang="zh-CN" altLang="en-US"/>
           </a:p>
@@ -2569,7 +10178,7 @@
           <a:p>
             <a:fld id="{59EED33E-E6DC-42D8-97CA-C62EDECD9A4F}" type="datetimeFigureOut">
               <a:rPr lang="zh-CN" altLang="en-US" smtClean="0"/>
-              <a:t>2020/12/24</a:t>
+              <a:t>2020/12/27</a:t>
             </a:fld>
             <a:endParaRPr lang="zh-CN" altLang="en-US"/>
           </a:p>
@@ -9023,6 +16632,28 @@
           <a:chExt cx="0" cy="0"/>
         </a:xfrm>
       </p:grpSpPr>
+      <p:graphicFrame>
+        <p:nvGraphicFramePr>
+          <p:cNvPr id="4" name="图示 3"/>
+          <p:cNvGraphicFramePr/>
+          <p:nvPr>
+            <p:extLst>
+              <p:ext uri="{D42A27DB-BD31-4B8C-83A1-F6EECF244321}">
+                <p14:modId xmlns:p14="http://schemas.microsoft.com/office/powerpoint/2010/main" val="3436122980"/>
+              </p:ext>
+            </p:extLst>
+          </p:nvPr>
+        </p:nvGraphicFramePr>
+        <p:xfrm>
+          <a:off x="1028700" y="752475"/>
+          <a:ext cx="10496550" cy="5452533"/>
+        </p:xfrm>
+        <a:graphic>
+          <a:graphicData uri="http://schemas.openxmlformats.org/drawingml/2006/diagram">
+            <dgm:relIds xmlns:dgm="http://schemas.openxmlformats.org/drawingml/2006/diagram" xmlns:r="http://schemas.openxmlformats.org/officeDocument/2006/relationships" r:dm="rId2" r:lo="rId3" r:qs="rId4" r:cs="rId5"/>
+          </a:graphicData>
+        </a:graphic>
+      </p:graphicFrame>
     </p:spTree>
     <p:extLst>
       <p:ext uri="{BB962C8B-B14F-4D97-AF65-F5344CB8AC3E}">

--- a/test.pptx
+++ b/test.pptx
@@ -11,6 +11,7 @@
     <p:sldId id="259" r:id="rId5"/>
     <p:sldId id="260" r:id="rId6"/>
     <p:sldId id="261" r:id="rId7"/>
+    <p:sldId id="262" r:id="rId8"/>
   </p:sldIdLst>
   <p:sldSz cx="12192000" cy="6858000"/>
   <p:notesSz cx="6858000" cy="9144000"/>
@@ -1892,490 +1893,6 @@
         </dgm:presLayoutVars>
       </dgm:prSet>
       <dgm:spPr/>
-    </dgm:pt>
-    <dgm:pt modelId="{5A2E1D5E-1319-4B66-890A-D931A72AEAA6}" type="pres">
-      <dgm:prSet presAssocID="{42E10B7E-C652-46CD-A1F7-F4F9CA850386}" presName="hierRoot1" presStyleCnt="0">
-        <dgm:presLayoutVars>
-          <dgm:hierBranch val="init"/>
-        </dgm:presLayoutVars>
-      </dgm:prSet>
-      <dgm:spPr/>
-    </dgm:pt>
-    <dgm:pt modelId="{8E87EAD0-6602-4E87-9D84-51B9BE40F00E}" type="pres">
-      <dgm:prSet presAssocID="{42E10B7E-C652-46CD-A1F7-F4F9CA850386}" presName="rootComposite1" presStyleCnt="0"/>
-      <dgm:spPr/>
-    </dgm:pt>
-    <dgm:pt modelId="{4F8A7480-05DF-422C-845F-C1C655830D7C}" type="pres">
-      <dgm:prSet presAssocID="{42E10B7E-C652-46CD-A1F7-F4F9CA850386}" presName="rootText1" presStyleLbl="node0" presStyleIdx="0" presStyleCnt="1">
-        <dgm:presLayoutVars>
-          <dgm:chPref val="3"/>
-        </dgm:presLayoutVars>
-      </dgm:prSet>
-      <dgm:spPr/>
-    </dgm:pt>
-    <dgm:pt modelId="{E0F34EC7-560D-47B3-9815-71ADA179FCB4}" type="pres">
-      <dgm:prSet presAssocID="{42E10B7E-C652-46CD-A1F7-F4F9CA850386}" presName="rootConnector1" presStyleLbl="node1" presStyleIdx="0" presStyleCnt="0"/>
-      <dgm:spPr/>
-    </dgm:pt>
-    <dgm:pt modelId="{06B7368C-D8C5-42E2-90D1-FA6D28C20718}" type="pres">
-      <dgm:prSet presAssocID="{42E10B7E-C652-46CD-A1F7-F4F9CA850386}" presName="hierChild2" presStyleCnt="0"/>
-      <dgm:spPr/>
-    </dgm:pt>
-    <dgm:pt modelId="{4944204C-E473-4A7F-8554-BD83B0682EE0}" type="pres">
-      <dgm:prSet presAssocID="{03A4680A-26A7-4915-BF9A-69394B1FF421}" presName="Name37" presStyleLbl="parChTrans1D2" presStyleIdx="0" presStyleCnt="5"/>
-      <dgm:spPr/>
-    </dgm:pt>
-    <dgm:pt modelId="{181C42D1-53F3-48E0-B9F5-CEE98DE0B335}" type="pres">
-      <dgm:prSet presAssocID="{D0B30F8B-FA72-4511-B1D4-3C069DB1A2BC}" presName="hierRoot2" presStyleCnt="0">
-        <dgm:presLayoutVars>
-          <dgm:hierBranch val="init"/>
-        </dgm:presLayoutVars>
-      </dgm:prSet>
-      <dgm:spPr/>
-    </dgm:pt>
-    <dgm:pt modelId="{442B40A9-C640-4F6A-8518-EEB28CF20203}" type="pres">
-      <dgm:prSet presAssocID="{D0B30F8B-FA72-4511-B1D4-3C069DB1A2BC}" presName="rootComposite" presStyleCnt="0"/>
-      <dgm:spPr/>
-    </dgm:pt>
-    <dgm:pt modelId="{563A7891-5E14-4169-A718-1916552BCF2F}" type="pres">
-      <dgm:prSet presAssocID="{D0B30F8B-FA72-4511-B1D4-3C069DB1A2BC}" presName="rootText" presStyleLbl="node2" presStyleIdx="0" presStyleCnt="5" custScaleX="145654">
-        <dgm:presLayoutVars>
-          <dgm:chPref val="3"/>
-        </dgm:presLayoutVars>
-      </dgm:prSet>
-      <dgm:spPr/>
-    </dgm:pt>
-    <dgm:pt modelId="{CA5E3D41-E485-4701-9FC6-CA492A2DD9C6}" type="pres">
-      <dgm:prSet presAssocID="{D0B30F8B-FA72-4511-B1D4-3C069DB1A2BC}" presName="rootConnector" presStyleLbl="node2" presStyleIdx="0" presStyleCnt="5"/>
-      <dgm:spPr/>
-    </dgm:pt>
-    <dgm:pt modelId="{3C1F9E9D-8DBF-4E8C-ADEF-1BE4093C53F6}" type="pres">
-      <dgm:prSet presAssocID="{D0B30F8B-FA72-4511-B1D4-3C069DB1A2BC}" presName="hierChild4" presStyleCnt="0"/>
-      <dgm:spPr/>
-    </dgm:pt>
-    <dgm:pt modelId="{BDDF6C7C-01C0-4E1A-9BF2-C9BA50A1ACB8}" type="pres">
-      <dgm:prSet presAssocID="{9BAC4BEF-4605-428C-9F2B-165052BC7884}" presName="Name37" presStyleLbl="parChTrans1D3" presStyleIdx="0" presStyleCnt="13"/>
-      <dgm:spPr/>
-    </dgm:pt>
-    <dgm:pt modelId="{148DFF51-078F-413D-8613-E8085B1B41AC}" type="pres">
-      <dgm:prSet presAssocID="{816F1371-12C8-49E9-B468-23548F725860}" presName="hierRoot2" presStyleCnt="0">
-        <dgm:presLayoutVars>
-          <dgm:hierBranch val="init"/>
-        </dgm:presLayoutVars>
-      </dgm:prSet>
-      <dgm:spPr/>
-    </dgm:pt>
-    <dgm:pt modelId="{A9B23FBE-C4C6-45B6-A298-840E680C7120}" type="pres">
-      <dgm:prSet presAssocID="{816F1371-12C8-49E9-B468-23548F725860}" presName="rootComposite" presStyleCnt="0"/>
-      <dgm:spPr/>
-    </dgm:pt>
-    <dgm:pt modelId="{C6082CFA-E009-4B1D-B9EA-1936AFA4D441}" type="pres">
-      <dgm:prSet presAssocID="{816F1371-12C8-49E9-B468-23548F725860}" presName="rootText" presStyleLbl="node3" presStyleIdx="0" presStyleCnt="13" custScaleX="79705" custScaleY="54358">
-        <dgm:presLayoutVars>
-          <dgm:chPref val="3"/>
-        </dgm:presLayoutVars>
-      </dgm:prSet>
-      <dgm:spPr/>
-    </dgm:pt>
-    <dgm:pt modelId="{9A8238FC-1F74-4568-9F24-08AAA32AB435}" type="pres">
-      <dgm:prSet presAssocID="{816F1371-12C8-49E9-B468-23548F725860}" presName="rootConnector" presStyleLbl="node3" presStyleIdx="0" presStyleCnt="13"/>
-      <dgm:spPr/>
-    </dgm:pt>
-    <dgm:pt modelId="{178DE92D-8F52-41B4-B62D-5E61E65D4870}" type="pres">
-      <dgm:prSet presAssocID="{816F1371-12C8-49E9-B468-23548F725860}" presName="hierChild4" presStyleCnt="0"/>
-      <dgm:spPr/>
-    </dgm:pt>
-    <dgm:pt modelId="{42CEC435-D2ED-4C6E-8164-66A35D5CE38C}" type="pres">
-      <dgm:prSet presAssocID="{816F1371-12C8-49E9-B468-23548F725860}" presName="hierChild5" presStyleCnt="0"/>
-      <dgm:spPr/>
-    </dgm:pt>
-    <dgm:pt modelId="{2ADB8C91-AFA1-4F1A-9BFB-1D1C0263A092}" type="pres">
-      <dgm:prSet presAssocID="{D0B30F8B-FA72-4511-B1D4-3C069DB1A2BC}" presName="hierChild5" presStyleCnt="0"/>
-      <dgm:spPr/>
-    </dgm:pt>
-    <dgm:pt modelId="{3762977E-4513-4719-9A60-4F8A8DBA190C}" type="pres">
-      <dgm:prSet presAssocID="{EA67A1CD-5C60-4093-99B6-3D23D6B831CA}" presName="Name37" presStyleLbl="parChTrans1D2" presStyleIdx="1" presStyleCnt="5"/>
-      <dgm:spPr/>
-    </dgm:pt>
-    <dgm:pt modelId="{6A8AAB0D-83F5-4A89-A45E-4708E4A73B5D}" type="pres">
-      <dgm:prSet presAssocID="{C33B2BA4-4490-49E1-8D90-5EB1326AA706}" presName="hierRoot2" presStyleCnt="0">
-        <dgm:presLayoutVars>
-          <dgm:hierBranch val="init"/>
-        </dgm:presLayoutVars>
-      </dgm:prSet>
-      <dgm:spPr/>
-    </dgm:pt>
-    <dgm:pt modelId="{F4DB3711-697A-4D6E-A6CE-E1C5FCAA57D9}" type="pres">
-      <dgm:prSet presAssocID="{C33B2BA4-4490-49E1-8D90-5EB1326AA706}" presName="rootComposite" presStyleCnt="0"/>
-      <dgm:spPr/>
-    </dgm:pt>
-    <dgm:pt modelId="{C72CEB21-61F5-4E03-A49D-F746A01CC884}" type="pres">
-      <dgm:prSet presAssocID="{C33B2BA4-4490-49E1-8D90-5EB1326AA706}" presName="rootText" presStyleLbl="node2" presStyleIdx="1" presStyleCnt="5" custScaleX="145654">
-        <dgm:presLayoutVars>
-          <dgm:chPref val="3"/>
-        </dgm:presLayoutVars>
-      </dgm:prSet>
-      <dgm:spPr/>
-    </dgm:pt>
-    <dgm:pt modelId="{F135F5A6-C17A-4F40-AF85-2F284F32211F}" type="pres">
-      <dgm:prSet presAssocID="{C33B2BA4-4490-49E1-8D90-5EB1326AA706}" presName="rootConnector" presStyleLbl="node2" presStyleIdx="1" presStyleCnt="5"/>
-      <dgm:spPr/>
-    </dgm:pt>
-    <dgm:pt modelId="{0972CAE1-0DAD-4DC5-98B9-71D8C566E48A}" type="pres">
-      <dgm:prSet presAssocID="{C33B2BA4-4490-49E1-8D90-5EB1326AA706}" presName="hierChild4" presStyleCnt="0"/>
-      <dgm:spPr/>
-    </dgm:pt>
-    <dgm:pt modelId="{BA84E4DB-1D90-4D6F-A7B2-5AF2E19C1897}" type="pres">
-      <dgm:prSet presAssocID="{D0D3D2E7-2A9C-4751-A53E-CCE21297CEAB}" presName="Name37" presStyleLbl="parChTrans1D3" presStyleIdx="1" presStyleCnt="13"/>
-      <dgm:spPr/>
-    </dgm:pt>
-    <dgm:pt modelId="{332E0E93-1C98-411C-9414-E9B22B03796D}" type="pres">
-      <dgm:prSet presAssocID="{D3FF7AA2-2D47-47AC-AC10-4D27659E8005}" presName="hierRoot2" presStyleCnt="0">
-        <dgm:presLayoutVars>
-          <dgm:hierBranch val="init"/>
-        </dgm:presLayoutVars>
-      </dgm:prSet>
-      <dgm:spPr/>
-    </dgm:pt>
-    <dgm:pt modelId="{8C57FF31-1C12-45AB-8DEF-81693B7F1248}" type="pres">
-      <dgm:prSet presAssocID="{D3FF7AA2-2D47-47AC-AC10-4D27659E8005}" presName="rootComposite" presStyleCnt="0"/>
-      <dgm:spPr/>
-    </dgm:pt>
-    <dgm:pt modelId="{9D8E8071-44EB-40CC-9BAF-73F22ADD8E92}" type="pres">
-      <dgm:prSet presAssocID="{D3FF7AA2-2D47-47AC-AC10-4D27659E8005}" presName="rootText" presStyleLbl="node3" presStyleIdx="1" presStyleCnt="13" custScaleX="79705" custScaleY="54358">
-        <dgm:presLayoutVars>
-          <dgm:chPref val="3"/>
-        </dgm:presLayoutVars>
-      </dgm:prSet>
-      <dgm:spPr/>
-    </dgm:pt>
-    <dgm:pt modelId="{2AFCC6FA-8686-4619-A668-60596C945B6B}" type="pres">
-      <dgm:prSet presAssocID="{D3FF7AA2-2D47-47AC-AC10-4D27659E8005}" presName="rootConnector" presStyleLbl="node3" presStyleIdx="1" presStyleCnt="13"/>
-      <dgm:spPr/>
-    </dgm:pt>
-    <dgm:pt modelId="{D70C10AE-53F0-4B53-A7A8-571705505D5C}" type="pres">
-      <dgm:prSet presAssocID="{D3FF7AA2-2D47-47AC-AC10-4D27659E8005}" presName="hierChild4" presStyleCnt="0"/>
-      <dgm:spPr/>
-    </dgm:pt>
-    <dgm:pt modelId="{0FAD52F5-8683-49C5-A6E4-47A91DCB4D45}" type="pres">
-      <dgm:prSet presAssocID="{D3FF7AA2-2D47-47AC-AC10-4D27659E8005}" presName="hierChild5" presStyleCnt="0"/>
-      <dgm:spPr/>
-    </dgm:pt>
-    <dgm:pt modelId="{78D4D4A7-D2F2-4E42-BB62-20A8D5AB0DD3}" type="pres">
-      <dgm:prSet presAssocID="{C8300993-DD72-419F-A6A7-9A39137349D0}" presName="Name37" presStyleLbl="parChTrans1D3" presStyleIdx="2" presStyleCnt="13"/>
-      <dgm:spPr/>
-    </dgm:pt>
-    <dgm:pt modelId="{AE2A6150-8A3D-4423-8533-B8EB42EA718C}" type="pres">
-      <dgm:prSet presAssocID="{F4105D80-F568-4B62-9921-0BB11ED7E0CF}" presName="hierRoot2" presStyleCnt="0">
-        <dgm:presLayoutVars>
-          <dgm:hierBranch val="init"/>
-        </dgm:presLayoutVars>
-      </dgm:prSet>
-      <dgm:spPr/>
-    </dgm:pt>
-    <dgm:pt modelId="{2103A792-8512-4B9D-886D-77B23E6E7D25}" type="pres">
-      <dgm:prSet presAssocID="{F4105D80-F568-4B62-9921-0BB11ED7E0CF}" presName="rootComposite" presStyleCnt="0"/>
-      <dgm:spPr/>
-    </dgm:pt>
-    <dgm:pt modelId="{022B3D57-45D9-430A-AC25-521197D81FD1}" type="pres">
-      <dgm:prSet presAssocID="{F4105D80-F568-4B62-9921-0BB11ED7E0CF}" presName="rootText" presStyleLbl="node3" presStyleIdx="2" presStyleCnt="13" custScaleX="79705" custScaleY="54358">
-        <dgm:presLayoutVars>
-          <dgm:chPref val="3"/>
-        </dgm:presLayoutVars>
-      </dgm:prSet>
-      <dgm:spPr/>
-    </dgm:pt>
-    <dgm:pt modelId="{188142AA-F8F8-47A5-9CAB-EA7B6F9B5B4A}" type="pres">
-      <dgm:prSet presAssocID="{F4105D80-F568-4B62-9921-0BB11ED7E0CF}" presName="rootConnector" presStyleLbl="node3" presStyleIdx="2" presStyleCnt="13"/>
-      <dgm:spPr/>
-    </dgm:pt>
-    <dgm:pt modelId="{E8F18D8A-3942-4072-A368-D64A5F8F694B}" type="pres">
-      <dgm:prSet presAssocID="{F4105D80-F568-4B62-9921-0BB11ED7E0CF}" presName="hierChild4" presStyleCnt="0"/>
-      <dgm:spPr/>
-    </dgm:pt>
-    <dgm:pt modelId="{D0512DD0-29D4-402E-82F5-385EA2D869E9}" type="pres">
-      <dgm:prSet presAssocID="{F4105D80-F568-4B62-9921-0BB11ED7E0CF}" presName="hierChild5" presStyleCnt="0"/>
-      <dgm:spPr/>
-    </dgm:pt>
-    <dgm:pt modelId="{8D8D4BCA-40E0-478D-ABB1-D83B875FF406}" type="pres">
-      <dgm:prSet presAssocID="{7210CC70-C8B7-4A05-A262-5558FBC95A0B}" presName="Name37" presStyleLbl="parChTrans1D3" presStyleIdx="3" presStyleCnt="13"/>
-      <dgm:spPr/>
-    </dgm:pt>
-    <dgm:pt modelId="{059F0DD3-9E93-45E0-9A2B-11338B77589C}" type="pres">
-      <dgm:prSet presAssocID="{6072F66C-AE01-4856-81C7-F3B0DCB4E3B7}" presName="hierRoot2" presStyleCnt="0">
-        <dgm:presLayoutVars>
-          <dgm:hierBranch val="init"/>
-        </dgm:presLayoutVars>
-      </dgm:prSet>
-      <dgm:spPr/>
-    </dgm:pt>
-    <dgm:pt modelId="{9708428C-0779-4994-B774-5D5619C61549}" type="pres">
-      <dgm:prSet presAssocID="{6072F66C-AE01-4856-81C7-F3B0DCB4E3B7}" presName="rootComposite" presStyleCnt="0"/>
-      <dgm:spPr/>
-    </dgm:pt>
-    <dgm:pt modelId="{2C467478-BD63-46D3-9AF8-1B20CDD04829}" type="pres">
-      <dgm:prSet presAssocID="{6072F66C-AE01-4856-81C7-F3B0DCB4E3B7}" presName="rootText" presStyleLbl="node3" presStyleIdx="3" presStyleCnt="13" custScaleX="79705" custScaleY="54358">
-        <dgm:presLayoutVars>
-          <dgm:chPref val="3"/>
-        </dgm:presLayoutVars>
-      </dgm:prSet>
-      <dgm:spPr/>
-    </dgm:pt>
-    <dgm:pt modelId="{75D84F56-066E-43F0-9858-39C94DC885C4}" type="pres">
-      <dgm:prSet presAssocID="{6072F66C-AE01-4856-81C7-F3B0DCB4E3B7}" presName="rootConnector" presStyleLbl="node3" presStyleIdx="3" presStyleCnt="13"/>
-      <dgm:spPr/>
-    </dgm:pt>
-    <dgm:pt modelId="{9D6AC508-88B9-4104-9E6B-9C612A38D30C}" type="pres">
-      <dgm:prSet presAssocID="{6072F66C-AE01-4856-81C7-F3B0DCB4E3B7}" presName="hierChild4" presStyleCnt="0"/>
-      <dgm:spPr/>
-    </dgm:pt>
-    <dgm:pt modelId="{0B0F358C-5A02-4353-AF66-D3D27536817F}" type="pres">
-      <dgm:prSet presAssocID="{6072F66C-AE01-4856-81C7-F3B0DCB4E3B7}" presName="hierChild5" presStyleCnt="0"/>
-      <dgm:spPr/>
-    </dgm:pt>
-    <dgm:pt modelId="{695952E4-4A34-429C-9D9C-D99EAD88ED14}" type="pres">
-      <dgm:prSet presAssocID="{C33B2BA4-4490-49E1-8D90-5EB1326AA706}" presName="hierChild5" presStyleCnt="0"/>
-      <dgm:spPr/>
-    </dgm:pt>
-    <dgm:pt modelId="{8EDDA6FA-5DC0-43D3-AE0A-47EE9C7DB93B}" type="pres">
-      <dgm:prSet presAssocID="{C522A838-B632-4139-9932-BD3A68936939}" presName="Name37" presStyleLbl="parChTrans1D2" presStyleIdx="2" presStyleCnt="5"/>
-      <dgm:spPr/>
-    </dgm:pt>
-    <dgm:pt modelId="{7A1F80CC-10CE-4D50-A13E-34524539E856}" type="pres">
-      <dgm:prSet presAssocID="{F8F9567E-AE5C-4B77-9750-AC213499BCA3}" presName="hierRoot2" presStyleCnt="0">
-        <dgm:presLayoutVars>
-          <dgm:hierBranch val="init"/>
-        </dgm:presLayoutVars>
-      </dgm:prSet>
-      <dgm:spPr/>
-    </dgm:pt>
-    <dgm:pt modelId="{42A9A018-4BB9-43FB-9793-A78DACEDCB9B}" type="pres">
-      <dgm:prSet presAssocID="{F8F9567E-AE5C-4B77-9750-AC213499BCA3}" presName="rootComposite" presStyleCnt="0"/>
-      <dgm:spPr/>
-    </dgm:pt>
-    <dgm:pt modelId="{54D016DC-FC71-4E3F-8DAB-59B3D96F71B5}" type="pres">
-      <dgm:prSet presAssocID="{F8F9567E-AE5C-4B77-9750-AC213499BCA3}" presName="rootText" presStyleLbl="node2" presStyleIdx="2" presStyleCnt="5" custScaleX="145654">
-        <dgm:presLayoutVars>
-          <dgm:chPref val="3"/>
-        </dgm:presLayoutVars>
-      </dgm:prSet>
-      <dgm:spPr/>
-    </dgm:pt>
-    <dgm:pt modelId="{0F6711A2-3BB0-4BDF-AE16-1D54EA671F67}" type="pres">
-      <dgm:prSet presAssocID="{F8F9567E-AE5C-4B77-9750-AC213499BCA3}" presName="rootConnector" presStyleLbl="node2" presStyleIdx="2" presStyleCnt="5"/>
-      <dgm:spPr/>
-    </dgm:pt>
-    <dgm:pt modelId="{340411BA-1618-47C0-98AF-AFCCE577150F}" type="pres">
-      <dgm:prSet presAssocID="{F8F9567E-AE5C-4B77-9750-AC213499BCA3}" presName="hierChild4" presStyleCnt="0"/>
-      <dgm:spPr/>
-    </dgm:pt>
-    <dgm:pt modelId="{B082D02C-4942-443B-8B8C-F9BE93E59E09}" type="pres">
-      <dgm:prSet presAssocID="{E69E8D6C-0C5F-469C-B5C7-198070AE2824}" presName="Name37" presStyleLbl="parChTrans1D3" presStyleIdx="4" presStyleCnt="13"/>
-      <dgm:spPr/>
-    </dgm:pt>
-    <dgm:pt modelId="{7B3DD46F-72A9-4EA3-A43C-A58F3C1AA12D}" type="pres">
-      <dgm:prSet presAssocID="{F0729740-3784-4B42-B9B8-057D248322AC}" presName="hierRoot2" presStyleCnt="0">
-        <dgm:presLayoutVars>
-          <dgm:hierBranch val="init"/>
-        </dgm:presLayoutVars>
-      </dgm:prSet>
-      <dgm:spPr/>
-    </dgm:pt>
-    <dgm:pt modelId="{51752A7D-6538-4CAF-BFC2-460EB3B5A49E}" type="pres">
-      <dgm:prSet presAssocID="{F0729740-3784-4B42-B9B8-057D248322AC}" presName="rootComposite" presStyleCnt="0"/>
-      <dgm:spPr/>
-    </dgm:pt>
-    <dgm:pt modelId="{DDF6AFDA-D683-43A2-911F-31CCEDEDFA51}" type="pres">
-      <dgm:prSet presAssocID="{F0729740-3784-4B42-B9B8-057D248322AC}" presName="rootText" presStyleLbl="node3" presStyleIdx="4" presStyleCnt="13" custScaleX="79705" custScaleY="54358">
-        <dgm:presLayoutVars>
-          <dgm:chPref val="3"/>
-        </dgm:presLayoutVars>
-      </dgm:prSet>
-      <dgm:spPr/>
-    </dgm:pt>
-    <dgm:pt modelId="{6607C4DA-C2D1-4D8A-964F-C4220105F494}" type="pres">
-      <dgm:prSet presAssocID="{F0729740-3784-4B42-B9B8-057D248322AC}" presName="rootConnector" presStyleLbl="node3" presStyleIdx="4" presStyleCnt="13"/>
-      <dgm:spPr/>
-    </dgm:pt>
-    <dgm:pt modelId="{41F44BE1-0423-406D-B2F8-67F59F854CD0}" type="pres">
-      <dgm:prSet presAssocID="{F0729740-3784-4B42-B9B8-057D248322AC}" presName="hierChild4" presStyleCnt="0"/>
-      <dgm:spPr/>
-    </dgm:pt>
-    <dgm:pt modelId="{8D2F69C1-5113-4A4C-BA28-EC444A548C7E}" type="pres">
-      <dgm:prSet presAssocID="{F0729740-3784-4B42-B9B8-057D248322AC}" presName="hierChild5" presStyleCnt="0"/>
-      <dgm:spPr/>
-    </dgm:pt>
-    <dgm:pt modelId="{BD3E7B11-B460-4A73-9EE3-08E1013C8EF8}" type="pres">
-      <dgm:prSet presAssocID="{3DD6F2CB-8B60-4782-9C2A-838600FAB469}" presName="Name37" presStyleLbl="parChTrans1D3" presStyleIdx="5" presStyleCnt="13"/>
-      <dgm:spPr/>
-    </dgm:pt>
-    <dgm:pt modelId="{F3D9F788-462F-410D-8075-B02B770E579C}" type="pres">
-      <dgm:prSet presAssocID="{EE8291EC-6840-41D1-A872-05149A2E0E20}" presName="hierRoot2" presStyleCnt="0">
-        <dgm:presLayoutVars>
-          <dgm:hierBranch val="init"/>
-        </dgm:presLayoutVars>
-      </dgm:prSet>
-      <dgm:spPr/>
-    </dgm:pt>
-    <dgm:pt modelId="{98DEE076-552D-4D99-B6AA-1EFEEC684DA4}" type="pres">
-      <dgm:prSet presAssocID="{EE8291EC-6840-41D1-A872-05149A2E0E20}" presName="rootComposite" presStyleCnt="0"/>
-      <dgm:spPr/>
-    </dgm:pt>
-    <dgm:pt modelId="{81DB2F96-7301-4343-B6C5-4CAB80BC6A4E}" type="pres">
-      <dgm:prSet presAssocID="{EE8291EC-6840-41D1-A872-05149A2E0E20}" presName="rootText" presStyleLbl="node3" presStyleIdx="5" presStyleCnt="13" custScaleX="79705" custScaleY="54358">
-        <dgm:presLayoutVars>
-          <dgm:chPref val="3"/>
-        </dgm:presLayoutVars>
-      </dgm:prSet>
-      <dgm:spPr/>
-    </dgm:pt>
-    <dgm:pt modelId="{AD6E0763-6C7B-40DF-927C-E7036D83E618}" type="pres">
-      <dgm:prSet presAssocID="{EE8291EC-6840-41D1-A872-05149A2E0E20}" presName="rootConnector" presStyleLbl="node3" presStyleIdx="5" presStyleCnt="13"/>
-      <dgm:spPr/>
-    </dgm:pt>
-    <dgm:pt modelId="{AB262D55-D9C8-41DB-B175-731A0FBAD6FD}" type="pres">
-      <dgm:prSet presAssocID="{EE8291EC-6840-41D1-A872-05149A2E0E20}" presName="hierChild4" presStyleCnt="0"/>
-      <dgm:spPr/>
-    </dgm:pt>
-    <dgm:pt modelId="{483762A8-FFA3-4851-B3DE-B04DC40D006B}" type="pres">
-      <dgm:prSet presAssocID="{EE8291EC-6840-41D1-A872-05149A2E0E20}" presName="hierChild5" presStyleCnt="0"/>
-      <dgm:spPr/>
-    </dgm:pt>
-    <dgm:pt modelId="{06AAA520-57B5-42CB-8C08-0EB77F406422}" type="pres">
-      <dgm:prSet presAssocID="{13DD89E8-AB0B-47EE-B6EC-EAA6E0736582}" presName="Name37" presStyleLbl="parChTrans1D3" presStyleIdx="6" presStyleCnt="13"/>
-      <dgm:spPr/>
-    </dgm:pt>
-    <dgm:pt modelId="{7673D469-5A90-41B4-92CD-B0578DE41BAC}" type="pres">
-      <dgm:prSet presAssocID="{07A89508-7297-4037-9FAC-E5A487E7EC39}" presName="hierRoot2" presStyleCnt="0">
-        <dgm:presLayoutVars>
-          <dgm:hierBranch val="init"/>
-        </dgm:presLayoutVars>
-      </dgm:prSet>
-      <dgm:spPr/>
-    </dgm:pt>
-    <dgm:pt modelId="{2659A37D-1C32-4D55-9656-DA1D4B1C0FAA}" type="pres">
-      <dgm:prSet presAssocID="{07A89508-7297-4037-9FAC-E5A487E7EC39}" presName="rootComposite" presStyleCnt="0"/>
-      <dgm:spPr/>
-    </dgm:pt>
-    <dgm:pt modelId="{9DCE858B-337F-4161-A809-3C1E1E63073B}" type="pres">
-      <dgm:prSet presAssocID="{07A89508-7297-4037-9FAC-E5A487E7EC39}" presName="rootText" presStyleLbl="node3" presStyleIdx="6" presStyleCnt="13" custScaleX="79705" custScaleY="54358">
-        <dgm:presLayoutVars>
-          <dgm:chPref val="3"/>
-        </dgm:presLayoutVars>
-      </dgm:prSet>
-      <dgm:spPr/>
-    </dgm:pt>
-    <dgm:pt modelId="{E1B22E78-563D-4720-A758-9C9D35C6B898}" type="pres">
-      <dgm:prSet presAssocID="{07A89508-7297-4037-9FAC-E5A487E7EC39}" presName="rootConnector" presStyleLbl="node3" presStyleIdx="6" presStyleCnt="13"/>
-      <dgm:spPr/>
-    </dgm:pt>
-    <dgm:pt modelId="{EB024A2B-83CA-400E-AC42-A48A1E57E844}" type="pres">
-      <dgm:prSet presAssocID="{07A89508-7297-4037-9FAC-E5A487E7EC39}" presName="hierChild4" presStyleCnt="0"/>
-      <dgm:spPr/>
-    </dgm:pt>
-    <dgm:pt modelId="{C56BC2FC-7BE2-4D02-84AE-95A04E726FA4}" type="pres">
-      <dgm:prSet presAssocID="{07A89508-7297-4037-9FAC-E5A487E7EC39}" presName="hierChild5" presStyleCnt="0"/>
-      <dgm:spPr/>
-    </dgm:pt>
-    <dgm:pt modelId="{EE468C46-5D10-4B5F-A6C7-1E1FEC15BE86}" type="pres">
-      <dgm:prSet presAssocID="{F8F9567E-AE5C-4B77-9750-AC213499BCA3}" presName="hierChild5" presStyleCnt="0"/>
-      <dgm:spPr/>
-    </dgm:pt>
-    <dgm:pt modelId="{89FC767F-E136-4FFC-B82F-1C5B4CCB8DF4}" type="pres">
-      <dgm:prSet presAssocID="{D4702F27-3D74-4AE8-A40B-211B2D8CDAC5}" presName="Name37" presStyleLbl="parChTrans1D2" presStyleIdx="3" presStyleCnt="5"/>
-      <dgm:spPr/>
-    </dgm:pt>
-    <dgm:pt modelId="{C9A980CF-6785-4639-B99D-BAA0365A2A6C}" type="pres">
-      <dgm:prSet presAssocID="{259457F3-A2F7-4040-8119-12548FF0E4C4}" presName="hierRoot2" presStyleCnt="0">
-        <dgm:presLayoutVars>
-          <dgm:hierBranch val="init"/>
-        </dgm:presLayoutVars>
-      </dgm:prSet>
-      <dgm:spPr/>
-    </dgm:pt>
-    <dgm:pt modelId="{4F56CEAB-4F77-4722-8BC2-27E173047EA4}" type="pres">
-      <dgm:prSet presAssocID="{259457F3-A2F7-4040-8119-12548FF0E4C4}" presName="rootComposite" presStyleCnt="0"/>
-      <dgm:spPr/>
-    </dgm:pt>
-    <dgm:pt modelId="{93CBCD05-FBB7-422D-A245-B144DEBA310D}" type="pres">
-      <dgm:prSet presAssocID="{259457F3-A2F7-4040-8119-12548FF0E4C4}" presName="rootText" presStyleLbl="node2" presStyleIdx="3" presStyleCnt="5" custScaleX="145654">
-        <dgm:presLayoutVars>
-          <dgm:chPref val="3"/>
-        </dgm:presLayoutVars>
-      </dgm:prSet>
-      <dgm:spPr/>
-    </dgm:pt>
-    <dgm:pt modelId="{8CBBC708-C28A-4F2A-9B91-4622CB3928F4}" type="pres">
-      <dgm:prSet presAssocID="{259457F3-A2F7-4040-8119-12548FF0E4C4}" presName="rootConnector" presStyleLbl="node2" presStyleIdx="3" presStyleCnt="5"/>
-      <dgm:spPr/>
-    </dgm:pt>
-    <dgm:pt modelId="{0C3D8867-CA00-46ED-AAFE-F520F7D82172}" type="pres">
-      <dgm:prSet presAssocID="{259457F3-A2F7-4040-8119-12548FF0E4C4}" presName="hierChild4" presStyleCnt="0"/>
-      <dgm:spPr/>
-    </dgm:pt>
-    <dgm:pt modelId="{B843B24D-DE4E-48CD-9162-A9EDAC2F8442}" type="pres">
-      <dgm:prSet presAssocID="{38561880-53F5-495B-AA10-D56B5C5F9A5D}" presName="Name37" presStyleLbl="parChTrans1D3" presStyleIdx="7" presStyleCnt="13"/>
-      <dgm:spPr/>
-    </dgm:pt>
-    <dgm:pt modelId="{24BA6769-AD0E-47A7-ACEF-F23CFA712F55}" type="pres">
-      <dgm:prSet presAssocID="{B805F03B-E534-4BB2-93CE-BBEA772F6E90}" presName="hierRoot2" presStyleCnt="0">
-        <dgm:presLayoutVars>
-          <dgm:hierBranch val="init"/>
-        </dgm:presLayoutVars>
-      </dgm:prSet>
-      <dgm:spPr/>
-    </dgm:pt>
-    <dgm:pt modelId="{9C456DBE-A982-4E88-AE08-1B465C259F04}" type="pres">
-      <dgm:prSet presAssocID="{B805F03B-E534-4BB2-93CE-BBEA772F6E90}" presName="rootComposite" presStyleCnt="0"/>
-      <dgm:spPr/>
-    </dgm:pt>
-    <dgm:pt modelId="{7605D877-972C-4A39-B76C-DA7583E6C1F4}" type="pres">
-      <dgm:prSet presAssocID="{B805F03B-E534-4BB2-93CE-BBEA772F6E90}" presName="rootText" presStyleLbl="node3" presStyleIdx="7" presStyleCnt="13" custScaleX="79705" custScaleY="54358">
-        <dgm:presLayoutVars>
-          <dgm:chPref val="3"/>
-        </dgm:presLayoutVars>
-      </dgm:prSet>
-      <dgm:spPr/>
-    </dgm:pt>
-    <dgm:pt modelId="{A2DFDE8E-2411-4265-AA5D-BB42312CB548}" type="pres">
-      <dgm:prSet presAssocID="{B805F03B-E534-4BB2-93CE-BBEA772F6E90}" presName="rootConnector" presStyleLbl="node3" presStyleIdx="7" presStyleCnt="13"/>
-      <dgm:spPr/>
-    </dgm:pt>
-    <dgm:pt modelId="{E98FA0DF-A01E-4844-8649-FA20535C5D71}" type="pres">
-      <dgm:prSet presAssocID="{B805F03B-E534-4BB2-93CE-BBEA772F6E90}" presName="hierChild4" presStyleCnt="0"/>
-      <dgm:spPr/>
-    </dgm:pt>
-    <dgm:pt modelId="{F82598CF-2006-4081-9BA4-141A59B24434}" type="pres">
-      <dgm:prSet presAssocID="{B805F03B-E534-4BB2-93CE-BBEA772F6E90}" presName="hierChild5" presStyleCnt="0"/>
-      <dgm:spPr/>
-    </dgm:pt>
-    <dgm:pt modelId="{C0BD237C-D9F8-431B-83D4-57104B97583A}" type="pres">
-      <dgm:prSet presAssocID="{259457F3-A2F7-4040-8119-12548FF0E4C4}" presName="hierChild5" presStyleCnt="0"/>
-      <dgm:spPr/>
-    </dgm:pt>
-    <dgm:pt modelId="{144EF8C6-A7DA-4FAA-BA0C-E3D48CAB3AC7}" type="pres">
-      <dgm:prSet presAssocID="{C34629F0-9C91-4FFE-9844-2FC9C3C07709}" presName="Name37" presStyleLbl="parChTrans1D2" presStyleIdx="4" presStyleCnt="5"/>
-      <dgm:spPr/>
-    </dgm:pt>
-    <dgm:pt modelId="{53AF43E5-BD0D-4F9D-A37D-A0AD885AA098}" type="pres">
-      <dgm:prSet presAssocID="{AA669442-AFA9-4638-9D15-D9268EFB8473}" presName="hierRoot2" presStyleCnt="0">
-        <dgm:presLayoutVars>
-          <dgm:hierBranch val="init"/>
-        </dgm:presLayoutVars>
-      </dgm:prSet>
-      <dgm:spPr/>
-    </dgm:pt>
-    <dgm:pt modelId="{9D2CB8CB-EA8E-4BBC-9902-77B7C663F3C2}" type="pres">
-      <dgm:prSet presAssocID="{AA669442-AFA9-4638-9D15-D9268EFB8473}" presName="rootComposite" presStyleCnt="0"/>
-      <dgm:spPr/>
-    </dgm:pt>
-    <dgm:pt modelId="{5509AE92-B061-4932-A2A3-78CE07DE9265}" type="pres">
-      <dgm:prSet presAssocID="{AA669442-AFA9-4638-9D15-D9268EFB8473}" presName="rootText" presStyleLbl="node2" presStyleIdx="4" presStyleCnt="5">
-        <dgm:presLayoutVars>
-          <dgm:chPref val="3"/>
-        </dgm:presLayoutVars>
-      </dgm:prSet>
-      <dgm:spPr/>
       <dgm:t>
         <a:bodyPr/>
         <a:lstStyle/>
@@ -2384,9 +1901,780 @@
         </a:p>
       </dgm:t>
     </dgm:pt>
+    <dgm:pt modelId="{5A2E1D5E-1319-4B66-890A-D931A72AEAA6}" type="pres">
+      <dgm:prSet presAssocID="{42E10B7E-C652-46CD-A1F7-F4F9CA850386}" presName="hierRoot1" presStyleCnt="0">
+        <dgm:presLayoutVars>
+          <dgm:hierBranch val="init"/>
+        </dgm:presLayoutVars>
+      </dgm:prSet>
+      <dgm:spPr/>
+    </dgm:pt>
+    <dgm:pt modelId="{8E87EAD0-6602-4E87-9D84-51B9BE40F00E}" type="pres">
+      <dgm:prSet presAssocID="{42E10B7E-C652-46CD-A1F7-F4F9CA850386}" presName="rootComposite1" presStyleCnt="0"/>
+      <dgm:spPr/>
+    </dgm:pt>
+    <dgm:pt modelId="{4F8A7480-05DF-422C-845F-C1C655830D7C}" type="pres">
+      <dgm:prSet presAssocID="{42E10B7E-C652-46CD-A1F7-F4F9CA850386}" presName="rootText1" presStyleLbl="node0" presStyleIdx="0" presStyleCnt="1">
+        <dgm:presLayoutVars>
+          <dgm:chPref val="3"/>
+        </dgm:presLayoutVars>
+      </dgm:prSet>
+      <dgm:spPr/>
+      <dgm:t>
+        <a:bodyPr/>
+        <a:lstStyle/>
+        <a:p>
+          <a:endParaRPr lang="zh-CN" altLang="en-US"/>
+        </a:p>
+      </dgm:t>
+    </dgm:pt>
+    <dgm:pt modelId="{E0F34EC7-560D-47B3-9815-71ADA179FCB4}" type="pres">
+      <dgm:prSet presAssocID="{42E10B7E-C652-46CD-A1F7-F4F9CA850386}" presName="rootConnector1" presStyleLbl="node1" presStyleIdx="0" presStyleCnt="0"/>
+      <dgm:spPr/>
+      <dgm:t>
+        <a:bodyPr/>
+        <a:lstStyle/>
+        <a:p>
+          <a:endParaRPr lang="zh-CN" altLang="en-US"/>
+        </a:p>
+      </dgm:t>
+    </dgm:pt>
+    <dgm:pt modelId="{06B7368C-D8C5-42E2-90D1-FA6D28C20718}" type="pres">
+      <dgm:prSet presAssocID="{42E10B7E-C652-46CD-A1F7-F4F9CA850386}" presName="hierChild2" presStyleCnt="0"/>
+      <dgm:spPr/>
+    </dgm:pt>
+    <dgm:pt modelId="{4944204C-E473-4A7F-8554-BD83B0682EE0}" type="pres">
+      <dgm:prSet presAssocID="{03A4680A-26A7-4915-BF9A-69394B1FF421}" presName="Name37" presStyleLbl="parChTrans1D2" presStyleIdx="0" presStyleCnt="5"/>
+      <dgm:spPr/>
+      <dgm:t>
+        <a:bodyPr/>
+        <a:lstStyle/>
+        <a:p>
+          <a:endParaRPr lang="zh-CN" altLang="en-US"/>
+        </a:p>
+      </dgm:t>
+    </dgm:pt>
+    <dgm:pt modelId="{181C42D1-53F3-48E0-B9F5-CEE98DE0B335}" type="pres">
+      <dgm:prSet presAssocID="{D0B30F8B-FA72-4511-B1D4-3C069DB1A2BC}" presName="hierRoot2" presStyleCnt="0">
+        <dgm:presLayoutVars>
+          <dgm:hierBranch val="init"/>
+        </dgm:presLayoutVars>
+      </dgm:prSet>
+      <dgm:spPr/>
+    </dgm:pt>
+    <dgm:pt modelId="{442B40A9-C640-4F6A-8518-EEB28CF20203}" type="pres">
+      <dgm:prSet presAssocID="{D0B30F8B-FA72-4511-B1D4-3C069DB1A2BC}" presName="rootComposite" presStyleCnt="0"/>
+      <dgm:spPr/>
+    </dgm:pt>
+    <dgm:pt modelId="{563A7891-5E14-4169-A718-1916552BCF2F}" type="pres">
+      <dgm:prSet presAssocID="{D0B30F8B-FA72-4511-B1D4-3C069DB1A2BC}" presName="rootText" presStyleLbl="node2" presStyleIdx="0" presStyleCnt="5" custScaleX="145654">
+        <dgm:presLayoutVars>
+          <dgm:chPref val="3"/>
+        </dgm:presLayoutVars>
+      </dgm:prSet>
+      <dgm:spPr/>
+      <dgm:t>
+        <a:bodyPr/>
+        <a:lstStyle/>
+        <a:p>
+          <a:endParaRPr lang="zh-CN" altLang="en-US"/>
+        </a:p>
+      </dgm:t>
+    </dgm:pt>
+    <dgm:pt modelId="{CA5E3D41-E485-4701-9FC6-CA492A2DD9C6}" type="pres">
+      <dgm:prSet presAssocID="{D0B30F8B-FA72-4511-B1D4-3C069DB1A2BC}" presName="rootConnector" presStyleLbl="node2" presStyleIdx="0" presStyleCnt="5"/>
+      <dgm:spPr/>
+      <dgm:t>
+        <a:bodyPr/>
+        <a:lstStyle/>
+        <a:p>
+          <a:endParaRPr lang="zh-CN" altLang="en-US"/>
+        </a:p>
+      </dgm:t>
+    </dgm:pt>
+    <dgm:pt modelId="{3C1F9E9D-8DBF-4E8C-ADEF-1BE4093C53F6}" type="pres">
+      <dgm:prSet presAssocID="{D0B30F8B-FA72-4511-B1D4-3C069DB1A2BC}" presName="hierChild4" presStyleCnt="0"/>
+      <dgm:spPr/>
+    </dgm:pt>
+    <dgm:pt modelId="{BDDF6C7C-01C0-4E1A-9BF2-C9BA50A1ACB8}" type="pres">
+      <dgm:prSet presAssocID="{9BAC4BEF-4605-428C-9F2B-165052BC7884}" presName="Name37" presStyleLbl="parChTrans1D3" presStyleIdx="0" presStyleCnt="13"/>
+      <dgm:spPr/>
+      <dgm:t>
+        <a:bodyPr/>
+        <a:lstStyle/>
+        <a:p>
+          <a:endParaRPr lang="zh-CN" altLang="en-US"/>
+        </a:p>
+      </dgm:t>
+    </dgm:pt>
+    <dgm:pt modelId="{148DFF51-078F-413D-8613-E8085B1B41AC}" type="pres">
+      <dgm:prSet presAssocID="{816F1371-12C8-49E9-B468-23548F725860}" presName="hierRoot2" presStyleCnt="0">
+        <dgm:presLayoutVars>
+          <dgm:hierBranch val="init"/>
+        </dgm:presLayoutVars>
+      </dgm:prSet>
+      <dgm:spPr/>
+    </dgm:pt>
+    <dgm:pt modelId="{A9B23FBE-C4C6-45B6-A298-840E680C7120}" type="pres">
+      <dgm:prSet presAssocID="{816F1371-12C8-49E9-B468-23548F725860}" presName="rootComposite" presStyleCnt="0"/>
+      <dgm:spPr/>
+    </dgm:pt>
+    <dgm:pt modelId="{C6082CFA-E009-4B1D-B9EA-1936AFA4D441}" type="pres">
+      <dgm:prSet presAssocID="{816F1371-12C8-49E9-B468-23548F725860}" presName="rootText" presStyleLbl="node3" presStyleIdx="0" presStyleCnt="13" custScaleX="79705" custScaleY="54358">
+        <dgm:presLayoutVars>
+          <dgm:chPref val="3"/>
+        </dgm:presLayoutVars>
+      </dgm:prSet>
+      <dgm:spPr/>
+      <dgm:t>
+        <a:bodyPr/>
+        <a:lstStyle/>
+        <a:p>
+          <a:endParaRPr lang="zh-CN" altLang="en-US"/>
+        </a:p>
+      </dgm:t>
+    </dgm:pt>
+    <dgm:pt modelId="{9A8238FC-1F74-4568-9F24-08AAA32AB435}" type="pres">
+      <dgm:prSet presAssocID="{816F1371-12C8-49E9-B468-23548F725860}" presName="rootConnector" presStyleLbl="node3" presStyleIdx="0" presStyleCnt="13"/>
+      <dgm:spPr/>
+      <dgm:t>
+        <a:bodyPr/>
+        <a:lstStyle/>
+        <a:p>
+          <a:endParaRPr lang="zh-CN" altLang="en-US"/>
+        </a:p>
+      </dgm:t>
+    </dgm:pt>
+    <dgm:pt modelId="{178DE92D-8F52-41B4-B62D-5E61E65D4870}" type="pres">
+      <dgm:prSet presAssocID="{816F1371-12C8-49E9-B468-23548F725860}" presName="hierChild4" presStyleCnt="0"/>
+      <dgm:spPr/>
+    </dgm:pt>
+    <dgm:pt modelId="{42CEC435-D2ED-4C6E-8164-66A35D5CE38C}" type="pres">
+      <dgm:prSet presAssocID="{816F1371-12C8-49E9-B468-23548F725860}" presName="hierChild5" presStyleCnt="0"/>
+      <dgm:spPr/>
+    </dgm:pt>
+    <dgm:pt modelId="{2ADB8C91-AFA1-4F1A-9BFB-1D1C0263A092}" type="pres">
+      <dgm:prSet presAssocID="{D0B30F8B-FA72-4511-B1D4-3C069DB1A2BC}" presName="hierChild5" presStyleCnt="0"/>
+      <dgm:spPr/>
+    </dgm:pt>
+    <dgm:pt modelId="{3762977E-4513-4719-9A60-4F8A8DBA190C}" type="pres">
+      <dgm:prSet presAssocID="{EA67A1CD-5C60-4093-99B6-3D23D6B831CA}" presName="Name37" presStyleLbl="parChTrans1D2" presStyleIdx="1" presStyleCnt="5"/>
+      <dgm:spPr/>
+      <dgm:t>
+        <a:bodyPr/>
+        <a:lstStyle/>
+        <a:p>
+          <a:endParaRPr lang="zh-CN" altLang="en-US"/>
+        </a:p>
+      </dgm:t>
+    </dgm:pt>
+    <dgm:pt modelId="{6A8AAB0D-83F5-4A89-A45E-4708E4A73B5D}" type="pres">
+      <dgm:prSet presAssocID="{C33B2BA4-4490-49E1-8D90-5EB1326AA706}" presName="hierRoot2" presStyleCnt="0">
+        <dgm:presLayoutVars>
+          <dgm:hierBranch val="init"/>
+        </dgm:presLayoutVars>
+      </dgm:prSet>
+      <dgm:spPr/>
+    </dgm:pt>
+    <dgm:pt modelId="{F4DB3711-697A-4D6E-A6CE-E1C5FCAA57D9}" type="pres">
+      <dgm:prSet presAssocID="{C33B2BA4-4490-49E1-8D90-5EB1326AA706}" presName="rootComposite" presStyleCnt="0"/>
+      <dgm:spPr/>
+    </dgm:pt>
+    <dgm:pt modelId="{C72CEB21-61F5-4E03-A49D-F746A01CC884}" type="pres">
+      <dgm:prSet presAssocID="{C33B2BA4-4490-49E1-8D90-5EB1326AA706}" presName="rootText" presStyleLbl="node2" presStyleIdx="1" presStyleCnt="5" custScaleX="145654">
+        <dgm:presLayoutVars>
+          <dgm:chPref val="3"/>
+        </dgm:presLayoutVars>
+      </dgm:prSet>
+      <dgm:spPr/>
+      <dgm:t>
+        <a:bodyPr/>
+        <a:lstStyle/>
+        <a:p>
+          <a:endParaRPr lang="zh-CN" altLang="en-US"/>
+        </a:p>
+      </dgm:t>
+    </dgm:pt>
+    <dgm:pt modelId="{F135F5A6-C17A-4F40-AF85-2F284F32211F}" type="pres">
+      <dgm:prSet presAssocID="{C33B2BA4-4490-49E1-8D90-5EB1326AA706}" presName="rootConnector" presStyleLbl="node2" presStyleIdx="1" presStyleCnt="5"/>
+      <dgm:spPr/>
+      <dgm:t>
+        <a:bodyPr/>
+        <a:lstStyle/>
+        <a:p>
+          <a:endParaRPr lang="zh-CN" altLang="en-US"/>
+        </a:p>
+      </dgm:t>
+    </dgm:pt>
+    <dgm:pt modelId="{0972CAE1-0DAD-4DC5-98B9-71D8C566E48A}" type="pres">
+      <dgm:prSet presAssocID="{C33B2BA4-4490-49E1-8D90-5EB1326AA706}" presName="hierChild4" presStyleCnt="0"/>
+      <dgm:spPr/>
+    </dgm:pt>
+    <dgm:pt modelId="{BA84E4DB-1D90-4D6F-A7B2-5AF2E19C1897}" type="pres">
+      <dgm:prSet presAssocID="{D0D3D2E7-2A9C-4751-A53E-CCE21297CEAB}" presName="Name37" presStyleLbl="parChTrans1D3" presStyleIdx="1" presStyleCnt="13"/>
+      <dgm:spPr/>
+      <dgm:t>
+        <a:bodyPr/>
+        <a:lstStyle/>
+        <a:p>
+          <a:endParaRPr lang="zh-CN" altLang="en-US"/>
+        </a:p>
+      </dgm:t>
+    </dgm:pt>
+    <dgm:pt modelId="{332E0E93-1C98-411C-9414-E9B22B03796D}" type="pres">
+      <dgm:prSet presAssocID="{D3FF7AA2-2D47-47AC-AC10-4D27659E8005}" presName="hierRoot2" presStyleCnt="0">
+        <dgm:presLayoutVars>
+          <dgm:hierBranch val="init"/>
+        </dgm:presLayoutVars>
+      </dgm:prSet>
+      <dgm:spPr/>
+    </dgm:pt>
+    <dgm:pt modelId="{8C57FF31-1C12-45AB-8DEF-81693B7F1248}" type="pres">
+      <dgm:prSet presAssocID="{D3FF7AA2-2D47-47AC-AC10-4D27659E8005}" presName="rootComposite" presStyleCnt="0"/>
+      <dgm:spPr/>
+    </dgm:pt>
+    <dgm:pt modelId="{9D8E8071-44EB-40CC-9BAF-73F22ADD8E92}" type="pres">
+      <dgm:prSet presAssocID="{D3FF7AA2-2D47-47AC-AC10-4D27659E8005}" presName="rootText" presStyleLbl="node3" presStyleIdx="1" presStyleCnt="13" custScaleX="79705" custScaleY="54358">
+        <dgm:presLayoutVars>
+          <dgm:chPref val="3"/>
+        </dgm:presLayoutVars>
+      </dgm:prSet>
+      <dgm:spPr/>
+      <dgm:t>
+        <a:bodyPr/>
+        <a:lstStyle/>
+        <a:p>
+          <a:endParaRPr lang="zh-CN" altLang="en-US"/>
+        </a:p>
+      </dgm:t>
+    </dgm:pt>
+    <dgm:pt modelId="{2AFCC6FA-8686-4619-A668-60596C945B6B}" type="pres">
+      <dgm:prSet presAssocID="{D3FF7AA2-2D47-47AC-AC10-4D27659E8005}" presName="rootConnector" presStyleLbl="node3" presStyleIdx="1" presStyleCnt="13"/>
+      <dgm:spPr/>
+      <dgm:t>
+        <a:bodyPr/>
+        <a:lstStyle/>
+        <a:p>
+          <a:endParaRPr lang="zh-CN" altLang="en-US"/>
+        </a:p>
+      </dgm:t>
+    </dgm:pt>
+    <dgm:pt modelId="{D70C10AE-53F0-4B53-A7A8-571705505D5C}" type="pres">
+      <dgm:prSet presAssocID="{D3FF7AA2-2D47-47AC-AC10-4D27659E8005}" presName="hierChild4" presStyleCnt="0"/>
+      <dgm:spPr/>
+    </dgm:pt>
+    <dgm:pt modelId="{0FAD52F5-8683-49C5-A6E4-47A91DCB4D45}" type="pres">
+      <dgm:prSet presAssocID="{D3FF7AA2-2D47-47AC-AC10-4D27659E8005}" presName="hierChild5" presStyleCnt="0"/>
+      <dgm:spPr/>
+    </dgm:pt>
+    <dgm:pt modelId="{78D4D4A7-D2F2-4E42-BB62-20A8D5AB0DD3}" type="pres">
+      <dgm:prSet presAssocID="{C8300993-DD72-419F-A6A7-9A39137349D0}" presName="Name37" presStyleLbl="parChTrans1D3" presStyleIdx="2" presStyleCnt="13"/>
+      <dgm:spPr/>
+      <dgm:t>
+        <a:bodyPr/>
+        <a:lstStyle/>
+        <a:p>
+          <a:endParaRPr lang="zh-CN" altLang="en-US"/>
+        </a:p>
+      </dgm:t>
+    </dgm:pt>
+    <dgm:pt modelId="{AE2A6150-8A3D-4423-8533-B8EB42EA718C}" type="pres">
+      <dgm:prSet presAssocID="{F4105D80-F568-4B62-9921-0BB11ED7E0CF}" presName="hierRoot2" presStyleCnt="0">
+        <dgm:presLayoutVars>
+          <dgm:hierBranch val="init"/>
+        </dgm:presLayoutVars>
+      </dgm:prSet>
+      <dgm:spPr/>
+    </dgm:pt>
+    <dgm:pt modelId="{2103A792-8512-4B9D-886D-77B23E6E7D25}" type="pres">
+      <dgm:prSet presAssocID="{F4105D80-F568-4B62-9921-0BB11ED7E0CF}" presName="rootComposite" presStyleCnt="0"/>
+      <dgm:spPr/>
+    </dgm:pt>
+    <dgm:pt modelId="{022B3D57-45D9-430A-AC25-521197D81FD1}" type="pres">
+      <dgm:prSet presAssocID="{F4105D80-F568-4B62-9921-0BB11ED7E0CF}" presName="rootText" presStyleLbl="node3" presStyleIdx="2" presStyleCnt="13" custScaleX="79705" custScaleY="54358">
+        <dgm:presLayoutVars>
+          <dgm:chPref val="3"/>
+        </dgm:presLayoutVars>
+      </dgm:prSet>
+      <dgm:spPr/>
+      <dgm:t>
+        <a:bodyPr/>
+        <a:lstStyle/>
+        <a:p>
+          <a:endParaRPr lang="zh-CN" altLang="en-US"/>
+        </a:p>
+      </dgm:t>
+    </dgm:pt>
+    <dgm:pt modelId="{188142AA-F8F8-47A5-9CAB-EA7B6F9B5B4A}" type="pres">
+      <dgm:prSet presAssocID="{F4105D80-F568-4B62-9921-0BB11ED7E0CF}" presName="rootConnector" presStyleLbl="node3" presStyleIdx="2" presStyleCnt="13"/>
+      <dgm:spPr/>
+      <dgm:t>
+        <a:bodyPr/>
+        <a:lstStyle/>
+        <a:p>
+          <a:endParaRPr lang="zh-CN" altLang="en-US"/>
+        </a:p>
+      </dgm:t>
+    </dgm:pt>
+    <dgm:pt modelId="{E8F18D8A-3942-4072-A368-D64A5F8F694B}" type="pres">
+      <dgm:prSet presAssocID="{F4105D80-F568-4B62-9921-0BB11ED7E0CF}" presName="hierChild4" presStyleCnt="0"/>
+      <dgm:spPr/>
+    </dgm:pt>
+    <dgm:pt modelId="{D0512DD0-29D4-402E-82F5-385EA2D869E9}" type="pres">
+      <dgm:prSet presAssocID="{F4105D80-F568-4B62-9921-0BB11ED7E0CF}" presName="hierChild5" presStyleCnt="0"/>
+      <dgm:spPr/>
+    </dgm:pt>
+    <dgm:pt modelId="{8D8D4BCA-40E0-478D-ABB1-D83B875FF406}" type="pres">
+      <dgm:prSet presAssocID="{7210CC70-C8B7-4A05-A262-5558FBC95A0B}" presName="Name37" presStyleLbl="parChTrans1D3" presStyleIdx="3" presStyleCnt="13"/>
+      <dgm:spPr/>
+      <dgm:t>
+        <a:bodyPr/>
+        <a:lstStyle/>
+        <a:p>
+          <a:endParaRPr lang="zh-CN" altLang="en-US"/>
+        </a:p>
+      </dgm:t>
+    </dgm:pt>
+    <dgm:pt modelId="{059F0DD3-9E93-45E0-9A2B-11338B77589C}" type="pres">
+      <dgm:prSet presAssocID="{6072F66C-AE01-4856-81C7-F3B0DCB4E3B7}" presName="hierRoot2" presStyleCnt="0">
+        <dgm:presLayoutVars>
+          <dgm:hierBranch val="init"/>
+        </dgm:presLayoutVars>
+      </dgm:prSet>
+      <dgm:spPr/>
+    </dgm:pt>
+    <dgm:pt modelId="{9708428C-0779-4994-B774-5D5619C61549}" type="pres">
+      <dgm:prSet presAssocID="{6072F66C-AE01-4856-81C7-F3B0DCB4E3B7}" presName="rootComposite" presStyleCnt="0"/>
+      <dgm:spPr/>
+    </dgm:pt>
+    <dgm:pt modelId="{2C467478-BD63-46D3-9AF8-1B20CDD04829}" type="pres">
+      <dgm:prSet presAssocID="{6072F66C-AE01-4856-81C7-F3B0DCB4E3B7}" presName="rootText" presStyleLbl="node3" presStyleIdx="3" presStyleCnt="13" custScaleX="79705" custScaleY="54358">
+        <dgm:presLayoutVars>
+          <dgm:chPref val="3"/>
+        </dgm:presLayoutVars>
+      </dgm:prSet>
+      <dgm:spPr/>
+      <dgm:t>
+        <a:bodyPr/>
+        <a:lstStyle/>
+        <a:p>
+          <a:endParaRPr lang="zh-CN" altLang="en-US"/>
+        </a:p>
+      </dgm:t>
+    </dgm:pt>
+    <dgm:pt modelId="{75D84F56-066E-43F0-9858-39C94DC885C4}" type="pres">
+      <dgm:prSet presAssocID="{6072F66C-AE01-4856-81C7-F3B0DCB4E3B7}" presName="rootConnector" presStyleLbl="node3" presStyleIdx="3" presStyleCnt="13"/>
+      <dgm:spPr/>
+      <dgm:t>
+        <a:bodyPr/>
+        <a:lstStyle/>
+        <a:p>
+          <a:endParaRPr lang="zh-CN" altLang="en-US"/>
+        </a:p>
+      </dgm:t>
+    </dgm:pt>
+    <dgm:pt modelId="{9D6AC508-88B9-4104-9E6B-9C612A38D30C}" type="pres">
+      <dgm:prSet presAssocID="{6072F66C-AE01-4856-81C7-F3B0DCB4E3B7}" presName="hierChild4" presStyleCnt="0"/>
+      <dgm:spPr/>
+    </dgm:pt>
+    <dgm:pt modelId="{0B0F358C-5A02-4353-AF66-D3D27536817F}" type="pres">
+      <dgm:prSet presAssocID="{6072F66C-AE01-4856-81C7-F3B0DCB4E3B7}" presName="hierChild5" presStyleCnt="0"/>
+      <dgm:spPr/>
+    </dgm:pt>
+    <dgm:pt modelId="{695952E4-4A34-429C-9D9C-D99EAD88ED14}" type="pres">
+      <dgm:prSet presAssocID="{C33B2BA4-4490-49E1-8D90-5EB1326AA706}" presName="hierChild5" presStyleCnt="0"/>
+      <dgm:spPr/>
+    </dgm:pt>
+    <dgm:pt modelId="{8EDDA6FA-5DC0-43D3-AE0A-47EE9C7DB93B}" type="pres">
+      <dgm:prSet presAssocID="{C522A838-B632-4139-9932-BD3A68936939}" presName="Name37" presStyleLbl="parChTrans1D2" presStyleIdx="2" presStyleCnt="5"/>
+      <dgm:spPr/>
+      <dgm:t>
+        <a:bodyPr/>
+        <a:lstStyle/>
+        <a:p>
+          <a:endParaRPr lang="zh-CN" altLang="en-US"/>
+        </a:p>
+      </dgm:t>
+    </dgm:pt>
+    <dgm:pt modelId="{7A1F80CC-10CE-4D50-A13E-34524539E856}" type="pres">
+      <dgm:prSet presAssocID="{F8F9567E-AE5C-4B77-9750-AC213499BCA3}" presName="hierRoot2" presStyleCnt="0">
+        <dgm:presLayoutVars>
+          <dgm:hierBranch val="init"/>
+        </dgm:presLayoutVars>
+      </dgm:prSet>
+      <dgm:spPr/>
+    </dgm:pt>
+    <dgm:pt modelId="{42A9A018-4BB9-43FB-9793-A78DACEDCB9B}" type="pres">
+      <dgm:prSet presAssocID="{F8F9567E-AE5C-4B77-9750-AC213499BCA3}" presName="rootComposite" presStyleCnt="0"/>
+      <dgm:spPr/>
+    </dgm:pt>
+    <dgm:pt modelId="{54D016DC-FC71-4E3F-8DAB-59B3D96F71B5}" type="pres">
+      <dgm:prSet presAssocID="{F8F9567E-AE5C-4B77-9750-AC213499BCA3}" presName="rootText" presStyleLbl="node2" presStyleIdx="2" presStyleCnt="5" custScaleX="145654">
+        <dgm:presLayoutVars>
+          <dgm:chPref val="3"/>
+        </dgm:presLayoutVars>
+      </dgm:prSet>
+      <dgm:spPr/>
+      <dgm:t>
+        <a:bodyPr/>
+        <a:lstStyle/>
+        <a:p>
+          <a:endParaRPr lang="zh-CN" altLang="en-US"/>
+        </a:p>
+      </dgm:t>
+    </dgm:pt>
+    <dgm:pt modelId="{0F6711A2-3BB0-4BDF-AE16-1D54EA671F67}" type="pres">
+      <dgm:prSet presAssocID="{F8F9567E-AE5C-4B77-9750-AC213499BCA3}" presName="rootConnector" presStyleLbl="node2" presStyleIdx="2" presStyleCnt="5"/>
+      <dgm:spPr/>
+      <dgm:t>
+        <a:bodyPr/>
+        <a:lstStyle/>
+        <a:p>
+          <a:endParaRPr lang="zh-CN" altLang="en-US"/>
+        </a:p>
+      </dgm:t>
+    </dgm:pt>
+    <dgm:pt modelId="{340411BA-1618-47C0-98AF-AFCCE577150F}" type="pres">
+      <dgm:prSet presAssocID="{F8F9567E-AE5C-4B77-9750-AC213499BCA3}" presName="hierChild4" presStyleCnt="0"/>
+      <dgm:spPr/>
+    </dgm:pt>
+    <dgm:pt modelId="{B082D02C-4942-443B-8B8C-F9BE93E59E09}" type="pres">
+      <dgm:prSet presAssocID="{E69E8D6C-0C5F-469C-B5C7-198070AE2824}" presName="Name37" presStyleLbl="parChTrans1D3" presStyleIdx="4" presStyleCnt="13"/>
+      <dgm:spPr/>
+      <dgm:t>
+        <a:bodyPr/>
+        <a:lstStyle/>
+        <a:p>
+          <a:endParaRPr lang="zh-CN" altLang="en-US"/>
+        </a:p>
+      </dgm:t>
+    </dgm:pt>
+    <dgm:pt modelId="{7B3DD46F-72A9-4EA3-A43C-A58F3C1AA12D}" type="pres">
+      <dgm:prSet presAssocID="{F0729740-3784-4B42-B9B8-057D248322AC}" presName="hierRoot2" presStyleCnt="0">
+        <dgm:presLayoutVars>
+          <dgm:hierBranch val="init"/>
+        </dgm:presLayoutVars>
+      </dgm:prSet>
+      <dgm:spPr/>
+    </dgm:pt>
+    <dgm:pt modelId="{51752A7D-6538-4CAF-BFC2-460EB3B5A49E}" type="pres">
+      <dgm:prSet presAssocID="{F0729740-3784-4B42-B9B8-057D248322AC}" presName="rootComposite" presStyleCnt="0"/>
+      <dgm:spPr/>
+    </dgm:pt>
+    <dgm:pt modelId="{DDF6AFDA-D683-43A2-911F-31CCEDEDFA51}" type="pres">
+      <dgm:prSet presAssocID="{F0729740-3784-4B42-B9B8-057D248322AC}" presName="rootText" presStyleLbl="node3" presStyleIdx="4" presStyleCnt="13" custScaleX="79705" custScaleY="54358">
+        <dgm:presLayoutVars>
+          <dgm:chPref val="3"/>
+        </dgm:presLayoutVars>
+      </dgm:prSet>
+      <dgm:spPr/>
+      <dgm:t>
+        <a:bodyPr/>
+        <a:lstStyle/>
+        <a:p>
+          <a:endParaRPr lang="zh-CN" altLang="en-US"/>
+        </a:p>
+      </dgm:t>
+    </dgm:pt>
+    <dgm:pt modelId="{6607C4DA-C2D1-4D8A-964F-C4220105F494}" type="pres">
+      <dgm:prSet presAssocID="{F0729740-3784-4B42-B9B8-057D248322AC}" presName="rootConnector" presStyleLbl="node3" presStyleIdx="4" presStyleCnt="13"/>
+      <dgm:spPr/>
+      <dgm:t>
+        <a:bodyPr/>
+        <a:lstStyle/>
+        <a:p>
+          <a:endParaRPr lang="zh-CN" altLang="en-US"/>
+        </a:p>
+      </dgm:t>
+    </dgm:pt>
+    <dgm:pt modelId="{41F44BE1-0423-406D-B2F8-67F59F854CD0}" type="pres">
+      <dgm:prSet presAssocID="{F0729740-3784-4B42-B9B8-057D248322AC}" presName="hierChild4" presStyleCnt="0"/>
+      <dgm:spPr/>
+    </dgm:pt>
+    <dgm:pt modelId="{8D2F69C1-5113-4A4C-BA28-EC444A548C7E}" type="pres">
+      <dgm:prSet presAssocID="{F0729740-3784-4B42-B9B8-057D248322AC}" presName="hierChild5" presStyleCnt="0"/>
+      <dgm:spPr/>
+    </dgm:pt>
+    <dgm:pt modelId="{BD3E7B11-B460-4A73-9EE3-08E1013C8EF8}" type="pres">
+      <dgm:prSet presAssocID="{3DD6F2CB-8B60-4782-9C2A-838600FAB469}" presName="Name37" presStyleLbl="parChTrans1D3" presStyleIdx="5" presStyleCnt="13"/>
+      <dgm:spPr/>
+      <dgm:t>
+        <a:bodyPr/>
+        <a:lstStyle/>
+        <a:p>
+          <a:endParaRPr lang="zh-CN" altLang="en-US"/>
+        </a:p>
+      </dgm:t>
+    </dgm:pt>
+    <dgm:pt modelId="{F3D9F788-462F-410D-8075-B02B770E579C}" type="pres">
+      <dgm:prSet presAssocID="{EE8291EC-6840-41D1-A872-05149A2E0E20}" presName="hierRoot2" presStyleCnt="0">
+        <dgm:presLayoutVars>
+          <dgm:hierBranch val="init"/>
+        </dgm:presLayoutVars>
+      </dgm:prSet>
+      <dgm:spPr/>
+    </dgm:pt>
+    <dgm:pt modelId="{98DEE076-552D-4D99-B6AA-1EFEEC684DA4}" type="pres">
+      <dgm:prSet presAssocID="{EE8291EC-6840-41D1-A872-05149A2E0E20}" presName="rootComposite" presStyleCnt="0"/>
+      <dgm:spPr/>
+    </dgm:pt>
+    <dgm:pt modelId="{81DB2F96-7301-4343-B6C5-4CAB80BC6A4E}" type="pres">
+      <dgm:prSet presAssocID="{EE8291EC-6840-41D1-A872-05149A2E0E20}" presName="rootText" presStyleLbl="node3" presStyleIdx="5" presStyleCnt="13" custScaleX="79705" custScaleY="54358">
+        <dgm:presLayoutVars>
+          <dgm:chPref val="3"/>
+        </dgm:presLayoutVars>
+      </dgm:prSet>
+      <dgm:spPr/>
+      <dgm:t>
+        <a:bodyPr/>
+        <a:lstStyle/>
+        <a:p>
+          <a:endParaRPr lang="zh-CN" altLang="en-US"/>
+        </a:p>
+      </dgm:t>
+    </dgm:pt>
+    <dgm:pt modelId="{AD6E0763-6C7B-40DF-927C-E7036D83E618}" type="pres">
+      <dgm:prSet presAssocID="{EE8291EC-6840-41D1-A872-05149A2E0E20}" presName="rootConnector" presStyleLbl="node3" presStyleIdx="5" presStyleCnt="13"/>
+      <dgm:spPr/>
+      <dgm:t>
+        <a:bodyPr/>
+        <a:lstStyle/>
+        <a:p>
+          <a:endParaRPr lang="zh-CN" altLang="en-US"/>
+        </a:p>
+      </dgm:t>
+    </dgm:pt>
+    <dgm:pt modelId="{AB262D55-D9C8-41DB-B175-731A0FBAD6FD}" type="pres">
+      <dgm:prSet presAssocID="{EE8291EC-6840-41D1-A872-05149A2E0E20}" presName="hierChild4" presStyleCnt="0"/>
+      <dgm:spPr/>
+    </dgm:pt>
+    <dgm:pt modelId="{483762A8-FFA3-4851-B3DE-B04DC40D006B}" type="pres">
+      <dgm:prSet presAssocID="{EE8291EC-6840-41D1-A872-05149A2E0E20}" presName="hierChild5" presStyleCnt="0"/>
+      <dgm:spPr/>
+    </dgm:pt>
+    <dgm:pt modelId="{06AAA520-57B5-42CB-8C08-0EB77F406422}" type="pres">
+      <dgm:prSet presAssocID="{13DD89E8-AB0B-47EE-B6EC-EAA6E0736582}" presName="Name37" presStyleLbl="parChTrans1D3" presStyleIdx="6" presStyleCnt="13"/>
+      <dgm:spPr/>
+      <dgm:t>
+        <a:bodyPr/>
+        <a:lstStyle/>
+        <a:p>
+          <a:endParaRPr lang="zh-CN" altLang="en-US"/>
+        </a:p>
+      </dgm:t>
+    </dgm:pt>
+    <dgm:pt modelId="{7673D469-5A90-41B4-92CD-B0578DE41BAC}" type="pres">
+      <dgm:prSet presAssocID="{07A89508-7297-4037-9FAC-E5A487E7EC39}" presName="hierRoot2" presStyleCnt="0">
+        <dgm:presLayoutVars>
+          <dgm:hierBranch val="init"/>
+        </dgm:presLayoutVars>
+      </dgm:prSet>
+      <dgm:spPr/>
+    </dgm:pt>
+    <dgm:pt modelId="{2659A37D-1C32-4D55-9656-DA1D4B1C0FAA}" type="pres">
+      <dgm:prSet presAssocID="{07A89508-7297-4037-9FAC-E5A487E7EC39}" presName="rootComposite" presStyleCnt="0"/>
+      <dgm:spPr/>
+    </dgm:pt>
+    <dgm:pt modelId="{9DCE858B-337F-4161-A809-3C1E1E63073B}" type="pres">
+      <dgm:prSet presAssocID="{07A89508-7297-4037-9FAC-E5A487E7EC39}" presName="rootText" presStyleLbl="node3" presStyleIdx="6" presStyleCnt="13" custScaleX="79705" custScaleY="54358">
+        <dgm:presLayoutVars>
+          <dgm:chPref val="3"/>
+        </dgm:presLayoutVars>
+      </dgm:prSet>
+      <dgm:spPr/>
+      <dgm:t>
+        <a:bodyPr/>
+        <a:lstStyle/>
+        <a:p>
+          <a:endParaRPr lang="zh-CN" altLang="en-US"/>
+        </a:p>
+      </dgm:t>
+    </dgm:pt>
+    <dgm:pt modelId="{E1B22E78-563D-4720-A758-9C9D35C6B898}" type="pres">
+      <dgm:prSet presAssocID="{07A89508-7297-4037-9FAC-E5A487E7EC39}" presName="rootConnector" presStyleLbl="node3" presStyleIdx="6" presStyleCnt="13"/>
+      <dgm:spPr/>
+      <dgm:t>
+        <a:bodyPr/>
+        <a:lstStyle/>
+        <a:p>
+          <a:endParaRPr lang="zh-CN" altLang="en-US"/>
+        </a:p>
+      </dgm:t>
+    </dgm:pt>
+    <dgm:pt modelId="{EB024A2B-83CA-400E-AC42-A48A1E57E844}" type="pres">
+      <dgm:prSet presAssocID="{07A89508-7297-4037-9FAC-E5A487E7EC39}" presName="hierChild4" presStyleCnt="0"/>
+      <dgm:spPr/>
+    </dgm:pt>
+    <dgm:pt modelId="{C56BC2FC-7BE2-4D02-84AE-95A04E726FA4}" type="pres">
+      <dgm:prSet presAssocID="{07A89508-7297-4037-9FAC-E5A487E7EC39}" presName="hierChild5" presStyleCnt="0"/>
+      <dgm:spPr/>
+    </dgm:pt>
+    <dgm:pt modelId="{EE468C46-5D10-4B5F-A6C7-1E1FEC15BE86}" type="pres">
+      <dgm:prSet presAssocID="{F8F9567E-AE5C-4B77-9750-AC213499BCA3}" presName="hierChild5" presStyleCnt="0"/>
+      <dgm:spPr/>
+    </dgm:pt>
+    <dgm:pt modelId="{89FC767F-E136-4FFC-B82F-1C5B4CCB8DF4}" type="pres">
+      <dgm:prSet presAssocID="{D4702F27-3D74-4AE8-A40B-211B2D8CDAC5}" presName="Name37" presStyleLbl="parChTrans1D2" presStyleIdx="3" presStyleCnt="5"/>
+      <dgm:spPr/>
+      <dgm:t>
+        <a:bodyPr/>
+        <a:lstStyle/>
+        <a:p>
+          <a:endParaRPr lang="zh-CN" altLang="en-US"/>
+        </a:p>
+      </dgm:t>
+    </dgm:pt>
+    <dgm:pt modelId="{C9A980CF-6785-4639-B99D-BAA0365A2A6C}" type="pres">
+      <dgm:prSet presAssocID="{259457F3-A2F7-4040-8119-12548FF0E4C4}" presName="hierRoot2" presStyleCnt="0">
+        <dgm:presLayoutVars>
+          <dgm:hierBranch val="init"/>
+        </dgm:presLayoutVars>
+      </dgm:prSet>
+      <dgm:spPr/>
+    </dgm:pt>
+    <dgm:pt modelId="{4F56CEAB-4F77-4722-8BC2-27E173047EA4}" type="pres">
+      <dgm:prSet presAssocID="{259457F3-A2F7-4040-8119-12548FF0E4C4}" presName="rootComposite" presStyleCnt="0"/>
+      <dgm:spPr/>
+    </dgm:pt>
+    <dgm:pt modelId="{93CBCD05-FBB7-422D-A245-B144DEBA310D}" type="pres">
+      <dgm:prSet presAssocID="{259457F3-A2F7-4040-8119-12548FF0E4C4}" presName="rootText" presStyleLbl="node2" presStyleIdx="3" presStyleCnt="5" custScaleX="145654">
+        <dgm:presLayoutVars>
+          <dgm:chPref val="3"/>
+        </dgm:presLayoutVars>
+      </dgm:prSet>
+      <dgm:spPr/>
+      <dgm:t>
+        <a:bodyPr/>
+        <a:lstStyle/>
+        <a:p>
+          <a:endParaRPr lang="zh-CN" altLang="en-US"/>
+        </a:p>
+      </dgm:t>
+    </dgm:pt>
+    <dgm:pt modelId="{8CBBC708-C28A-4F2A-9B91-4622CB3928F4}" type="pres">
+      <dgm:prSet presAssocID="{259457F3-A2F7-4040-8119-12548FF0E4C4}" presName="rootConnector" presStyleLbl="node2" presStyleIdx="3" presStyleCnt="5"/>
+      <dgm:spPr/>
+      <dgm:t>
+        <a:bodyPr/>
+        <a:lstStyle/>
+        <a:p>
+          <a:endParaRPr lang="zh-CN" altLang="en-US"/>
+        </a:p>
+      </dgm:t>
+    </dgm:pt>
+    <dgm:pt modelId="{0C3D8867-CA00-46ED-AAFE-F520F7D82172}" type="pres">
+      <dgm:prSet presAssocID="{259457F3-A2F7-4040-8119-12548FF0E4C4}" presName="hierChild4" presStyleCnt="0"/>
+      <dgm:spPr/>
+    </dgm:pt>
+    <dgm:pt modelId="{B843B24D-DE4E-48CD-9162-A9EDAC2F8442}" type="pres">
+      <dgm:prSet presAssocID="{38561880-53F5-495B-AA10-D56B5C5F9A5D}" presName="Name37" presStyleLbl="parChTrans1D3" presStyleIdx="7" presStyleCnt="13"/>
+      <dgm:spPr/>
+      <dgm:t>
+        <a:bodyPr/>
+        <a:lstStyle/>
+        <a:p>
+          <a:endParaRPr lang="zh-CN" altLang="en-US"/>
+        </a:p>
+      </dgm:t>
+    </dgm:pt>
+    <dgm:pt modelId="{24BA6769-AD0E-47A7-ACEF-F23CFA712F55}" type="pres">
+      <dgm:prSet presAssocID="{B805F03B-E534-4BB2-93CE-BBEA772F6E90}" presName="hierRoot2" presStyleCnt="0">
+        <dgm:presLayoutVars>
+          <dgm:hierBranch val="init"/>
+        </dgm:presLayoutVars>
+      </dgm:prSet>
+      <dgm:spPr/>
+    </dgm:pt>
+    <dgm:pt modelId="{9C456DBE-A982-4E88-AE08-1B465C259F04}" type="pres">
+      <dgm:prSet presAssocID="{B805F03B-E534-4BB2-93CE-BBEA772F6E90}" presName="rootComposite" presStyleCnt="0"/>
+      <dgm:spPr/>
+    </dgm:pt>
+    <dgm:pt modelId="{7605D877-972C-4A39-B76C-DA7583E6C1F4}" type="pres">
+      <dgm:prSet presAssocID="{B805F03B-E534-4BB2-93CE-BBEA772F6E90}" presName="rootText" presStyleLbl="node3" presStyleIdx="7" presStyleCnt="13" custScaleX="79705" custScaleY="54358">
+        <dgm:presLayoutVars>
+          <dgm:chPref val="3"/>
+        </dgm:presLayoutVars>
+      </dgm:prSet>
+      <dgm:spPr/>
+      <dgm:t>
+        <a:bodyPr/>
+        <a:lstStyle/>
+        <a:p>
+          <a:endParaRPr lang="zh-CN" altLang="en-US"/>
+        </a:p>
+      </dgm:t>
+    </dgm:pt>
+    <dgm:pt modelId="{A2DFDE8E-2411-4265-AA5D-BB42312CB548}" type="pres">
+      <dgm:prSet presAssocID="{B805F03B-E534-4BB2-93CE-BBEA772F6E90}" presName="rootConnector" presStyleLbl="node3" presStyleIdx="7" presStyleCnt="13"/>
+      <dgm:spPr/>
+      <dgm:t>
+        <a:bodyPr/>
+        <a:lstStyle/>
+        <a:p>
+          <a:endParaRPr lang="zh-CN" altLang="en-US"/>
+        </a:p>
+      </dgm:t>
+    </dgm:pt>
+    <dgm:pt modelId="{E98FA0DF-A01E-4844-8649-FA20535C5D71}" type="pres">
+      <dgm:prSet presAssocID="{B805F03B-E534-4BB2-93CE-BBEA772F6E90}" presName="hierChild4" presStyleCnt="0"/>
+      <dgm:spPr/>
+    </dgm:pt>
+    <dgm:pt modelId="{F82598CF-2006-4081-9BA4-141A59B24434}" type="pres">
+      <dgm:prSet presAssocID="{B805F03B-E534-4BB2-93CE-BBEA772F6E90}" presName="hierChild5" presStyleCnt="0"/>
+      <dgm:spPr/>
+    </dgm:pt>
+    <dgm:pt modelId="{C0BD237C-D9F8-431B-83D4-57104B97583A}" type="pres">
+      <dgm:prSet presAssocID="{259457F3-A2F7-4040-8119-12548FF0E4C4}" presName="hierChild5" presStyleCnt="0"/>
+      <dgm:spPr/>
+    </dgm:pt>
+    <dgm:pt modelId="{144EF8C6-A7DA-4FAA-BA0C-E3D48CAB3AC7}" type="pres">
+      <dgm:prSet presAssocID="{C34629F0-9C91-4FFE-9844-2FC9C3C07709}" presName="Name37" presStyleLbl="parChTrans1D2" presStyleIdx="4" presStyleCnt="5"/>
+      <dgm:spPr/>
+      <dgm:t>
+        <a:bodyPr/>
+        <a:lstStyle/>
+        <a:p>
+          <a:endParaRPr lang="zh-CN" altLang="en-US"/>
+        </a:p>
+      </dgm:t>
+    </dgm:pt>
+    <dgm:pt modelId="{53AF43E5-BD0D-4F9D-A37D-A0AD885AA098}" type="pres">
+      <dgm:prSet presAssocID="{AA669442-AFA9-4638-9D15-D9268EFB8473}" presName="hierRoot2" presStyleCnt="0">
+        <dgm:presLayoutVars>
+          <dgm:hierBranch val="init"/>
+        </dgm:presLayoutVars>
+      </dgm:prSet>
+      <dgm:spPr/>
+    </dgm:pt>
+    <dgm:pt modelId="{9D2CB8CB-EA8E-4BBC-9902-77B7C663F3C2}" type="pres">
+      <dgm:prSet presAssocID="{AA669442-AFA9-4638-9D15-D9268EFB8473}" presName="rootComposite" presStyleCnt="0"/>
+      <dgm:spPr/>
+    </dgm:pt>
+    <dgm:pt modelId="{5509AE92-B061-4932-A2A3-78CE07DE9265}" type="pres">
+      <dgm:prSet presAssocID="{AA669442-AFA9-4638-9D15-D9268EFB8473}" presName="rootText" presStyleLbl="node2" presStyleIdx="4" presStyleCnt="5">
+        <dgm:presLayoutVars>
+          <dgm:chPref val="3"/>
+        </dgm:presLayoutVars>
+      </dgm:prSet>
+      <dgm:spPr/>
+      <dgm:t>
+        <a:bodyPr/>
+        <a:lstStyle/>
+        <a:p>
+          <a:endParaRPr lang="zh-CN" altLang="en-US"/>
+        </a:p>
+      </dgm:t>
+    </dgm:pt>
     <dgm:pt modelId="{2D6A8869-EB37-4FB4-938B-79A917E887A6}" type="pres">
       <dgm:prSet presAssocID="{AA669442-AFA9-4638-9D15-D9268EFB8473}" presName="rootConnector" presStyleLbl="node2" presStyleIdx="4" presStyleCnt="5"/>
       <dgm:spPr/>
+      <dgm:t>
+        <a:bodyPr/>
+        <a:lstStyle/>
+        <a:p>
+          <a:endParaRPr lang="zh-CN" altLang="en-US"/>
+        </a:p>
+      </dgm:t>
     </dgm:pt>
     <dgm:pt modelId="{823C3648-6240-4D0D-86EC-1C1AA76E43D7}" type="pres">
       <dgm:prSet presAssocID="{AA669442-AFA9-4638-9D15-D9268EFB8473}" presName="hierChild4" presStyleCnt="0"/>
@@ -2395,6 +2683,13 @@
     <dgm:pt modelId="{20C93095-44EB-4812-B5DE-741F42DBEE6B}" type="pres">
       <dgm:prSet presAssocID="{D6748C1B-B1D7-4E81-9296-0686D8FE7D39}" presName="Name37" presStyleLbl="parChTrans1D3" presStyleIdx="8" presStyleCnt="13"/>
       <dgm:spPr/>
+      <dgm:t>
+        <a:bodyPr/>
+        <a:lstStyle/>
+        <a:p>
+          <a:endParaRPr lang="zh-CN" altLang="en-US"/>
+        </a:p>
+      </dgm:t>
     </dgm:pt>
     <dgm:pt modelId="{806B5FDE-7200-43DD-8167-BC76D775C776}" type="pres">
       <dgm:prSet presAssocID="{17DD4CB2-CAD6-4B6B-A45C-D22F9C23E315}" presName="hierRoot2" presStyleCnt="0">
@@ -2415,10 +2710,24 @@
         </dgm:presLayoutVars>
       </dgm:prSet>
       <dgm:spPr/>
+      <dgm:t>
+        <a:bodyPr/>
+        <a:lstStyle/>
+        <a:p>
+          <a:endParaRPr lang="zh-CN" altLang="en-US"/>
+        </a:p>
+      </dgm:t>
     </dgm:pt>
     <dgm:pt modelId="{2AE708A3-C148-4EB3-A7FD-94FC2CF6507E}" type="pres">
       <dgm:prSet presAssocID="{17DD4CB2-CAD6-4B6B-A45C-D22F9C23E315}" presName="rootConnector" presStyleLbl="node3" presStyleIdx="8" presStyleCnt="13"/>
       <dgm:spPr/>
+      <dgm:t>
+        <a:bodyPr/>
+        <a:lstStyle/>
+        <a:p>
+          <a:endParaRPr lang="zh-CN" altLang="en-US"/>
+        </a:p>
+      </dgm:t>
     </dgm:pt>
     <dgm:pt modelId="{0A64AEB1-B48B-4A68-9EC4-8DD205B00FE2}" type="pres">
       <dgm:prSet presAssocID="{17DD4CB2-CAD6-4B6B-A45C-D22F9C23E315}" presName="hierChild4" presStyleCnt="0"/>
@@ -2431,6 +2740,13 @@
     <dgm:pt modelId="{70E36FC2-8F36-4BB0-97C0-C6B6A0C09B7C}" type="pres">
       <dgm:prSet presAssocID="{6238D8DA-A478-45CF-8A8D-BC11A88B5077}" presName="Name37" presStyleLbl="parChTrans1D3" presStyleIdx="9" presStyleCnt="13"/>
       <dgm:spPr/>
+      <dgm:t>
+        <a:bodyPr/>
+        <a:lstStyle/>
+        <a:p>
+          <a:endParaRPr lang="zh-CN" altLang="en-US"/>
+        </a:p>
+      </dgm:t>
     </dgm:pt>
     <dgm:pt modelId="{5E709C86-C624-4D39-A9FA-9775ACA33B6E}" type="pres">
       <dgm:prSet presAssocID="{02231D59-5A50-4F41-9FAE-4E5E8E5238BB}" presName="hierRoot2" presStyleCnt="0">
@@ -2451,10 +2767,24 @@
         </dgm:presLayoutVars>
       </dgm:prSet>
       <dgm:spPr/>
+      <dgm:t>
+        <a:bodyPr/>
+        <a:lstStyle/>
+        <a:p>
+          <a:endParaRPr lang="zh-CN" altLang="en-US"/>
+        </a:p>
+      </dgm:t>
     </dgm:pt>
     <dgm:pt modelId="{CFFDB569-F8F2-4A10-90C8-C2398D5C125C}" type="pres">
       <dgm:prSet presAssocID="{02231D59-5A50-4F41-9FAE-4E5E8E5238BB}" presName="rootConnector" presStyleLbl="node3" presStyleIdx="9" presStyleCnt="13"/>
       <dgm:spPr/>
+      <dgm:t>
+        <a:bodyPr/>
+        <a:lstStyle/>
+        <a:p>
+          <a:endParaRPr lang="zh-CN" altLang="en-US"/>
+        </a:p>
+      </dgm:t>
     </dgm:pt>
     <dgm:pt modelId="{1D9D9DBD-920D-48F3-B6C1-90A8AB379E75}" type="pres">
       <dgm:prSet presAssocID="{02231D59-5A50-4F41-9FAE-4E5E8E5238BB}" presName="hierChild4" presStyleCnt="0"/>
@@ -2467,6 +2797,13 @@
     <dgm:pt modelId="{186A46C2-EA82-40AD-9DC0-37E9195444F6}" type="pres">
       <dgm:prSet presAssocID="{F3C967ED-1410-4005-B670-E8DB91E5D23A}" presName="Name37" presStyleLbl="parChTrans1D3" presStyleIdx="10" presStyleCnt="13"/>
       <dgm:spPr/>
+      <dgm:t>
+        <a:bodyPr/>
+        <a:lstStyle/>
+        <a:p>
+          <a:endParaRPr lang="zh-CN" altLang="en-US"/>
+        </a:p>
+      </dgm:t>
     </dgm:pt>
     <dgm:pt modelId="{5113FC06-6B69-456B-B7DF-87338D409534}" type="pres">
       <dgm:prSet presAssocID="{B76318E2-9F75-475A-BF9A-74F701842B67}" presName="hierRoot2" presStyleCnt="0">
@@ -2487,10 +2824,24 @@
         </dgm:presLayoutVars>
       </dgm:prSet>
       <dgm:spPr/>
+      <dgm:t>
+        <a:bodyPr/>
+        <a:lstStyle/>
+        <a:p>
+          <a:endParaRPr lang="zh-CN" altLang="en-US"/>
+        </a:p>
+      </dgm:t>
     </dgm:pt>
     <dgm:pt modelId="{24498A24-ECA0-4D42-8E8F-F3BB5946EC28}" type="pres">
       <dgm:prSet presAssocID="{B76318E2-9F75-475A-BF9A-74F701842B67}" presName="rootConnector" presStyleLbl="node3" presStyleIdx="10" presStyleCnt="13"/>
       <dgm:spPr/>
+      <dgm:t>
+        <a:bodyPr/>
+        <a:lstStyle/>
+        <a:p>
+          <a:endParaRPr lang="zh-CN" altLang="en-US"/>
+        </a:p>
+      </dgm:t>
     </dgm:pt>
     <dgm:pt modelId="{1A5FB2CC-C9D7-4725-9081-BE4F3E8F508F}" type="pres">
       <dgm:prSet presAssocID="{B76318E2-9F75-475A-BF9A-74F701842B67}" presName="hierChild4" presStyleCnt="0"/>
@@ -2503,6 +2854,13 @@
     <dgm:pt modelId="{FA61A3AB-4E52-4533-BDAC-8FFE3C5B6557}" type="pres">
       <dgm:prSet presAssocID="{EF1D593E-95F2-43BC-AAA6-9D1C586DE820}" presName="Name37" presStyleLbl="parChTrans1D3" presStyleIdx="11" presStyleCnt="13"/>
       <dgm:spPr/>
+      <dgm:t>
+        <a:bodyPr/>
+        <a:lstStyle/>
+        <a:p>
+          <a:endParaRPr lang="zh-CN" altLang="en-US"/>
+        </a:p>
+      </dgm:t>
     </dgm:pt>
     <dgm:pt modelId="{0E028002-0D6F-42C6-B217-A480543AA471}" type="pres">
       <dgm:prSet presAssocID="{5DDABE47-A054-4792-B0F5-197352F33D17}" presName="hierRoot2" presStyleCnt="0">
@@ -2523,10 +2881,24 @@
         </dgm:presLayoutVars>
       </dgm:prSet>
       <dgm:spPr/>
+      <dgm:t>
+        <a:bodyPr/>
+        <a:lstStyle/>
+        <a:p>
+          <a:endParaRPr lang="zh-CN" altLang="en-US"/>
+        </a:p>
+      </dgm:t>
     </dgm:pt>
     <dgm:pt modelId="{662D9F91-F033-476E-A6FF-C60E2D5373D3}" type="pres">
       <dgm:prSet presAssocID="{5DDABE47-A054-4792-B0F5-197352F33D17}" presName="rootConnector" presStyleLbl="node3" presStyleIdx="11" presStyleCnt="13"/>
       <dgm:spPr/>
+      <dgm:t>
+        <a:bodyPr/>
+        <a:lstStyle/>
+        <a:p>
+          <a:endParaRPr lang="zh-CN" altLang="en-US"/>
+        </a:p>
+      </dgm:t>
     </dgm:pt>
     <dgm:pt modelId="{D7ABF4F3-39F1-455C-B752-30D5E3737E10}" type="pres">
       <dgm:prSet presAssocID="{5DDABE47-A054-4792-B0F5-197352F33D17}" presName="hierChild4" presStyleCnt="0"/>
@@ -2539,6 +2911,13 @@
     <dgm:pt modelId="{1EE362FC-9FBB-4ECF-80E4-1E8A15AE6BF1}" type="pres">
       <dgm:prSet presAssocID="{DCD77A3C-F27C-46FB-BE70-106027A905B5}" presName="Name37" presStyleLbl="parChTrans1D3" presStyleIdx="12" presStyleCnt="13"/>
       <dgm:spPr/>
+      <dgm:t>
+        <a:bodyPr/>
+        <a:lstStyle/>
+        <a:p>
+          <a:endParaRPr lang="zh-CN" altLang="en-US"/>
+        </a:p>
+      </dgm:t>
     </dgm:pt>
     <dgm:pt modelId="{E6A6123C-329A-4D77-A436-8A3BA1A6D009}" type="pres">
       <dgm:prSet presAssocID="{474EB636-F6D2-4BEA-B5C6-FCD7E90DA93F}" presName="hierRoot2" presStyleCnt="0">
@@ -2559,10 +2938,24 @@
         </dgm:presLayoutVars>
       </dgm:prSet>
       <dgm:spPr/>
+      <dgm:t>
+        <a:bodyPr/>
+        <a:lstStyle/>
+        <a:p>
+          <a:endParaRPr lang="zh-CN" altLang="en-US"/>
+        </a:p>
+      </dgm:t>
     </dgm:pt>
     <dgm:pt modelId="{04B19C94-4710-418B-9D7F-61F130D13531}" type="pres">
       <dgm:prSet presAssocID="{474EB636-F6D2-4BEA-B5C6-FCD7E90DA93F}" presName="rootConnector" presStyleLbl="node3" presStyleIdx="12" presStyleCnt="13"/>
       <dgm:spPr/>
+      <dgm:t>
+        <a:bodyPr/>
+        <a:lstStyle/>
+        <a:p>
+          <a:endParaRPr lang="zh-CN" altLang="en-US"/>
+        </a:p>
+      </dgm:t>
     </dgm:pt>
     <dgm:pt modelId="{85483E86-BDD3-4551-8A7E-E2DC3327EAC3}" type="pres">
       <dgm:prSet presAssocID="{474EB636-F6D2-4BEA-B5C6-FCD7E90DA93F}" presName="hierChild4" presStyleCnt="0"/>
@@ -2582,82 +2975,82 @@
     </dgm:pt>
   </dgm:ptLst>
   <dgm:cxnLst>
-    <dgm:cxn modelId="{E5BF2CB4-C4AF-4053-96E8-01A5D0014023}" type="presOf" srcId="{AA669442-AFA9-4638-9D15-D9268EFB8473}" destId="{5509AE92-B061-4932-A2A3-78CE07DE9265}" srcOrd="0" destOrd="0" presId="urn:microsoft.com/office/officeart/2005/8/layout/orgChart1"/>
-    <dgm:cxn modelId="{2AC762E6-F2C7-41F3-BD14-9B301C4B2E9A}" type="presOf" srcId="{C8300993-DD72-419F-A6A7-9A39137349D0}" destId="{78D4D4A7-D2F2-4E42-BB62-20A8D5AB0DD3}" srcOrd="0" destOrd="0" presId="urn:microsoft.com/office/officeart/2005/8/layout/orgChart1"/>
+    <dgm:cxn modelId="{BF42C43B-97E4-403C-ACDB-1ED6D99A6A58}" srcId="{AA669442-AFA9-4638-9D15-D9268EFB8473}" destId="{5DDABE47-A054-4792-B0F5-197352F33D17}" srcOrd="3" destOrd="0" parTransId="{EF1D593E-95F2-43BC-AAA6-9D1C586DE820}" sibTransId="{262CD6D7-AF57-4DEB-88B5-AF3E030C3E50}"/>
+    <dgm:cxn modelId="{77BAFA31-A005-4E72-ADE9-4A14809E1CFB}" type="presOf" srcId="{D3FF7AA2-2D47-47AC-AC10-4D27659E8005}" destId="{9D8E8071-44EB-40CC-9BAF-73F22ADD8E92}" srcOrd="0" destOrd="0" presId="urn:microsoft.com/office/officeart/2005/8/layout/orgChart1"/>
+    <dgm:cxn modelId="{1FA2AE2A-33B3-481C-9641-76B5519AA696}" srcId="{F8F9567E-AE5C-4B77-9750-AC213499BCA3}" destId="{EE8291EC-6840-41D1-A872-05149A2E0E20}" srcOrd="1" destOrd="0" parTransId="{3DD6F2CB-8B60-4782-9C2A-838600FAB469}" sibTransId="{B518D7D2-ED88-488B-B416-CB40E4D789B7}"/>
+    <dgm:cxn modelId="{63B1E541-C3D2-49FD-A6F2-6C205404245B}" type="presOf" srcId="{F0729740-3784-4B42-B9B8-057D248322AC}" destId="{6607C4DA-C2D1-4D8A-964F-C4220105F494}" srcOrd="1" destOrd="0" presId="urn:microsoft.com/office/officeart/2005/8/layout/orgChart1"/>
+    <dgm:cxn modelId="{36ED5AFE-C3BC-4348-82F2-70D97CE43D60}" srcId="{42E10B7E-C652-46CD-A1F7-F4F9CA850386}" destId="{AA669442-AFA9-4638-9D15-D9268EFB8473}" srcOrd="4" destOrd="0" parTransId="{C34629F0-9C91-4FFE-9844-2FC9C3C07709}" sibTransId="{587514E5-7F08-4B56-BDCE-ED5439D2E40E}"/>
+    <dgm:cxn modelId="{32D377B6-7EB9-42FE-9F79-0C2860433EF4}" type="presOf" srcId="{C522A838-B632-4139-9932-BD3A68936939}" destId="{8EDDA6FA-5DC0-43D3-AE0A-47EE9C7DB93B}" srcOrd="0" destOrd="0" presId="urn:microsoft.com/office/officeart/2005/8/layout/orgChart1"/>
+    <dgm:cxn modelId="{A26A2F18-4208-4F0C-8768-1CCF64538007}" type="presOf" srcId="{F4105D80-F568-4B62-9921-0BB11ED7E0CF}" destId="{022B3D57-45D9-430A-AC25-521197D81FD1}" srcOrd="0" destOrd="0" presId="urn:microsoft.com/office/officeart/2005/8/layout/orgChart1"/>
+    <dgm:cxn modelId="{B86DD79F-AC86-4F2F-A4CE-74E5B7566F87}" type="presOf" srcId="{B805F03B-E534-4BB2-93CE-BBEA772F6E90}" destId="{7605D877-972C-4A39-B76C-DA7583E6C1F4}" srcOrd="0" destOrd="0" presId="urn:microsoft.com/office/officeart/2005/8/layout/orgChart1"/>
+    <dgm:cxn modelId="{60FC2BCC-3164-438B-96A6-8E0913919B97}" type="presOf" srcId="{38561880-53F5-495B-AA10-D56B5C5F9A5D}" destId="{B843B24D-DE4E-48CD-9162-A9EDAC2F8442}" srcOrd="0" destOrd="0" presId="urn:microsoft.com/office/officeart/2005/8/layout/orgChart1"/>
+    <dgm:cxn modelId="{B2863EEC-4087-418D-9878-F4782365CE9B}" type="presOf" srcId="{EE8291EC-6840-41D1-A872-05149A2E0E20}" destId="{AD6E0763-6C7B-40DF-927C-E7036D83E618}" srcOrd="1" destOrd="0" presId="urn:microsoft.com/office/officeart/2005/8/layout/orgChart1"/>
+    <dgm:cxn modelId="{9CF340D4-331D-4EF6-97F2-672876A79AF5}" type="presOf" srcId="{816F1371-12C8-49E9-B468-23548F725860}" destId="{C6082CFA-E009-4B1D-B9EA-1936AFA4D441}" srcOrd="0" destOrd="0" presId="urn:microsoft.com/office/officeart/2005/8/layout/orgChart1"/>
+    <dgm:cxn modelId="{48415872-D62F-4D70-A3EE-2C3CC280D2BF}" type="presOf" srcId="{D4702F27-3D74-4AE8-A40B-211B2D8CDAC5}" destId="{89FC767F-E136-4FFC-B82F-1C5B4CCB8DF4}" srcOrd="0" destOrd="0" presId="urn:microsoft.com/office/officeart/2005/8/layout/orgChart1"/>
+    <dgm:cxn modelId="{7915562B-6C19-4B0F-91D9-A40DF55E3C70}" type="presOf" srcId="{C34629F0-9C91-4FFE-9844-2FC9C3C07709}" destId="{144EF8C6-A7DA-4FAA-BA0C-E3D48CAB3AC7}" srcOrd="0" destOrd="0" presId="urn:microsoft.com/office/officeart/2005/8/layout/orgChart1"/>
     <dgm:cxn modelId="{36699EAC-D08E-4ABE-AA2E-309A04A5205C}" srcId="{C33B2BA4-4490-49E1-8D90-5EB1326AA706}" destId="{6072F66C-AE01-4856-81C7-F3B0DCB4E3B7}" srcOrd="2" destOrd="0" parTransId="{7210CC70-C8B7-4A05-A262-5558FBC95A0B}" sibTransId="{742BF5AE-78E9-42AB-BA2A-766B9D5B0A64}"/>
     <dgm:cxn modelId="{B30A615B-5969-4FF0-9F58-014F059CDFB5}" type="presOf" srcId="{02231D59-5A50-4F41-9FAE-4E5E8E5238BB}" destId="{A51DFC6D-794E-4A16-8405-48B38CDEAC96}" srcOrd="0" destOrd="0" presId="urn:microsoft.com/office/officeart/2005/8/layout/orgChart1"/>
-    <dgm:cxn modelId="{E084F85A-C67C-4D88-B272-7E209BA1A204}" srcId="{42E10B7E-C652-46CD-A1F7-F4F9CA850386}" destId="{F8F9567E-AE5C-4B77-9750-AC213499BCA3}" srcOrd="2" destOrd="0" parTransId="{C522A838-B632-4139-9932-BD3A68936939}" sibTransId="{A11AE6AB-9A28-40A5-84D0-7854D16011AA}"/>
-    <dgm:cxn modelId="{77BAFA31-A005-4E72-ADE9-4A14809E1CFB}" type="presOf" srcId="{D3FF7AA2-2D47-47AC-AC10-4D27659E8005}" destId="{9D8E8071-44EB-40CC-9BAF-73F22ADD8E92}" srcOrd="0" destOrd="0" presId="urn:microsoft.com/office/officeart/2005/8/layout/orgChart1"/>
-    <dgm:cxn modelId="{729317CD-41ED-4501-A51B-7EE47B7AE5A8}" type="presOf" srcId="{13DD89E8-AB0B-47EE-B6EC-EAA6E0736582}" destId="{06AAA520-57B5-42CB-8C08-0EB77F406422}" srcOrd="0" destOrd="0" presId="urn:microsoft.com/office/officeart/2005/8/layout/orgChart1"/>
-    <dgm:cxn modelId="{FF398614-17DD-4AF0-9ACC-9ABC3A8E1427}" type="presOf" srcId="{6072F66C-AE01-4856-81C7-F3B0DCB4E3B7}" destId="{75D84F56-066E-43F0-9858-39C94DC885C4}" srcOrd="1" destOrd="0" presId="urn:microsoft.com/office/officeart/2005/8/layout/orgChart1"/>
-    <dgm:cxn modelId="{32D377B6-7EB9-42FE-9F79-0C2860433EF4}" type="presOf" srcId="{C522A838-B632-4139-9932-BD3A68936939}" destId="{8EDDA6FA-5DC0-43D3-AE0A-47EE9C7DB93B}" srcOrd="0" destOrd="0" presId="urn:microsoft.com/office/officeart/2005/8/layout/orgChart1"/>
-    <dgm:cxn modelId="{C35EEE2B-964C-4FDE-A49F-7CE253878D3F}" srcId="{259457F3-A2F7-4040-8119-12548FF0E4C4}" destId="{B805F03B-E534-4BB2-93CE-BBEA772F6E90}" srcOrd="0" destOrd="0" parTransId="{38561880-53F5-495B-AA10-D56B5C5F9A5D}" sibTransId="{EBB3ABA0-DB44-42E5-9E7D-9EA61949F831}"/>
-    <dgm:cxn modelId="{5919DF77-E068-4C33-B2D6-C99D41DA2507}" srcId="{42E10B7E-C652-46CD-A1F7-F4F9CA850386}" destId="{259457F3-A2F7-4040-8119-12548FF0E4C4}" srcOrd="3" destOrd="0" parTransId="{D4702F27-3D74-4AE8-A40B-211B2D8CDAC5}" sibTransId="{035ABD59-FBB3-4756-83FF-DC92A7C39E07}"/>
-    <dgm:cxn modelId="{8AD4E5C8-2E91-49B9-92EF-BC37EC8D29A1}" srcId="{F8F9567E-AE5C-4B77-9750-AC213499BCA3}" destId="{07A89508-7297-4037-9FAC-E5A487E7EC39}" srcOrd="2" destOrd="0" parTransId="{13DD89E8-AB0B-47EE-B6EC-EAA6E0736582}" sibTransId="{9F13728A-FC06-4C70-866B-FE45C9F6D5FA}"/>
-    <dgm:cxn modelId="{A9DF3C45-1D0E-4615-B294-85EA1E3D9CE7}" type="presOf" srcId="{5DDABE47-A054-4792-B0F5-197352F33D17}" destId="{F2E278E7-1168-4EFF-AC4B-689DC7CF44BD}" srcOrd="0" destOrd="0" presId="urn:microsoft.com/office/officeart/2005/8/layout/orgChart1"/>
-    <dgm:cxn modelId="{6DDF1174-9D5B-415C-86C6-69C56B1C2FBC}" type="presOf" srcId="{17DD4CB2-CAD6-4B6B-A45C-D22F9C23E315}" destId="{83BDADBB-C0EC-4C37-A932-7274F3B5F071}" srcOrd="0" destOrd="0" presId="urn:microsoft.com/office/officeart/2005/8/layout/orgChart1"/>
-    <dgm:cxn modelId="{B86DD79F-AC86-4F2F-A4CE-74E5B7566F87}" type="presOf" srcId="{B805F03B-E534-4BB2-93CE-BBEA772F6E90}" destId="{7605D877-972C-4A39-B76C-DA7583E6C1F4}" srcOrd="0" destOrd="0" presId="urn:microsoft.com/office/officeart/2005/8/layout/orgChart1"/>
-    <dgm:cxn modelId="{7A8193F6-D332-43C7-9B34-F97E8D009865}" type="presOf" srcId="{EF1D593E-95F2-43BC-AAA6-9D1C586DE820}" destId="{FA61A3AB-4E52-4533-BDAC-8FFE3C5B6557}" srcOrd="0" destOrd="0" presId="urn:microsoft.com/office/officeart/2005/8/layout/orgChart1"/>
-    <dgm:cxn modelId="{40949E78-760F-41C5-823D-1D7BFA1E089B}" type="presOf" srcId="{3DD6F2CB-8B60-4782-9C2A-838600FAB469}" destId="{BD3E7B11-B460-4A73-9EE3-08E1013C8EF8}" srcOrd="0" destOrd="0" presId="urn:microsoft.com/office/officeart/2005/8/layout/orgChart1"/>
-    <dgm:cxn modelId="{1AF1545A-C0F4-44FA-814F-A1A3AE2A59B2}" type="presOf" srcId="{02231D59-5A50-4F41-9FAE-4E5E8E5238BB}" destId="{CFFDB569-F8F2-4A10-90C8-C2398D5C125C}" srcOrd="1" destOrd="0" presId="urn:microsoft.com/office/officeart/2005/8/layout/orgChart1"/>
-    <dgm:cxn modelId="{4DEAFE16-68BA-4B71-BE4A-A32EFFDF9D00}" type="presOf" srcId="{D0B30F8B-FA72-4511-B1D4-3C069DB1A2BC}" destId="{563A7891-5E14-4169-A718-1916552BCF2F}" srcOrd="0" destOrd="0" presId="urn:microsoft.com/office/officeart/2005/8/layout/orgChart1"/>
-    <dgm:cxn modelId="{6404F9E5-009F-4546-B7A5-211433E8B74B}" type="presOf" srcId="{259457F3-A2F7-4040-8119-12548FF0E4C4}" destId="{93CBCD05-FBB7-422D-A245-B144DEBA310D}" srcOrd="0" destOrd="0" presId="urn:microsoft.com/office/officeart/2005/8/layout/orgChart1"/>
-    <dgm:cxn modelId="{B13BD230-2B3C-42B5-B2D4-B79BF168C40D}" type="presOf" srcId="{03A4680A-26A7-4915-BF9A-69394B1FF421}" destId="{4944204C-E473-4A7F-8554-BD83B0682EE0}" srcOrd="0" destOrd="0" presId="urn:microsoft.com/office/officeart/2005/8/layout/orgChart1"/>
-    <dgm:cxn modelId="{BF42C43B-97E4-403C-ACDB-1ED6D99A6A58}" srcId="{AA669442-AFA9-4638-9D15-D9268EFB8473}" destId="{5DDABE47-A054-4792-B0F5-197352F33D17}" srcOrd="3" destOrd="0" parTransId="{EF1D593E-95F2-43BC-AAA6-9D1C586DE820}" sibTransId="{262CD6D7-AF57-4DEB-88B5-AF3E030C3E50}"/>
-    <dgm:cxn modelId="{A26A2F18-4208-4F0C-8768-1CCF64538007}" type="presOf" srcId="{F4105D80-F568-4B62-9921-0BB11ED7E0CF}" destId="{022B3D57-45D9-430A-AC25-521197D81FD1}" srcOrd="0" destOrd="0" presId="urn:microsoft.com/office/officeart/2005/8/layout/orgChart1"/>
-    <dgm:cxn modelId="{75275219-3800-46BA-82FE-FD3C02F27519}" type="presOf" srcId="{C33B2BA4-4490-49E1-8D90-5EB1326AA706}" destId="{C72CEB21-61F5-4E03-A49D-F746A01CC884}" srcOrd="0" destOrd="0" presId="urn:microsoft.com/office/officeart/2005/8/layout/orgChart1"/>
-    <dgm:cxn modelId="{ADA56F3E-4EA4-4DD3-9EBA-B40E023ABDC2}" type="presOf" srcId="{DCD77A3C-F27C-46FB-BE70-106027A905B5}" destId="{1EE362FC-9FBB-4ECF-80E4-1E8A15AE6BF1}" srcOrd="0" destOrd="0" presId="urn:microsoft.com/office/officeart/2005/8/layout/orgChart1"/>
-    <dgm:cxn modelId="{5B9568FE-6FAF-4146-8BB8-C9765C080E81}" type="presOf" srcId="{474EB636-F6D2-4BEA-B5C6-FCD7E90DA93F}" destId="{4FAAC0FF-E62F-4F80-A1FF-DAE407AAB17D}" srcOrd="0" destOrd="0" presId="urn:microsoft.com/office/officeart/2005/8/layout/orgChart1"/>
-    <dgm:cxn modelId="{48415872-D62F-4D70-A3EE-2C3CC280D2BF}" type="presOf" srcId="{D4702F27-3D74-4AE8-A40B-211B2D8CDAC5}" destId="{89FC767F-E136-4FFC-B82F-1C5B4CCB8DF4}" srcOrd="0" destOrd="0" presId="urn:microsoft.com/office/officeart/2005/8/layout/orgChart1"/>
-    <dgm:cxn modelId="{7915562B-6C19-4B0F-91D9-A40DF55E3C70}" type="presOf" srcId="{C34629F0-9C91-4FFE-9844-2FC9C3C07709}" destId="{144EF8C6-A7DA-4FAA-BA0C-E3D48CAB3AC7}" srcOrd="0" destOrd="0" presId="urn:microsoft.com/office/officeart/2005/8/layout/orgChart1"/>
-    <dgm:cxn modelId="{B2863EEC-4087-418D-9878-F4782365CE9B}" type="presOf" srcId="{EE8291EC-6840-41D1-A872-05149A2E0E20}" destId="{AD6E0763-6C7B-40DF-927C-E7036D83E618}" srcOrd="1" destOrd="0" presId="urn:microsoft.com/office/officeart/2005/8/layout/orgChart1"/>
-    <dgm:cxn modelId="{95C8CAEC-1114-46DD-BB27-8EDC2221DBE4}" srcId="{AA669442-AFA9-4638-9D15-D9268EFB8473}" destId="{B76318E2-9F75-475A-BF9A-74F701842B67}" srcOrd="2" destOrd="0" parTransId="{F3C967ED-1410-4005-B670-E8DB91E5D23A}" sibTransId="{3ED98B3D-8136-4E5C-8243-C8B988F4C344}"/>
-    <dgm:cxn modelId="{F08040CE-DC0F-476F-8D7A-06866E179188}" type="presOf" srcId="{D0D3D2E7-2A9C-4751-A53E-CCE21297CEAB}" destId="{BA84E4DB-1D90-4D6F-A7B2-5AF2E19C1897}" srcOrd="0" destOrd="0" presId="urn:microsoft.com/office/officeart/2005/8/layout/orgChart1"/>
-    <dgm:cxn modelId="{8D7CF1E8-7ADB-4BDA-8028-82B1BE24B228}" type="presOf" srcId="{D3FF7AA2-2D47-47AC-AC10-4D27659E8005}" destId="{2AFCC6FA-8686-4619-A668-60596C945B6B}" srcOrd="1" destOrd="0" presId="urn:microsoft.com/office/officeart/2005/8/layout/orgChart1"/>
-    <dgm:cxn modelId="{6CB79BB1-8CD1-4613-A541-89EC9E870D16}" type="presOf" srcId="{B805F03B-E534-4BB2-93CE-BBEA772F6E90}" destId="{A2DFDE8E-2411-4265-AA5D-BB42312CB548}" srcOrd="1" destOrd="0" presId="urn:microsoft.com/office/officeart/2005/8/layout/orgChart1"/>
-    <dgm:cxn modelId="{12AE71F4-5840-4A1F-BEE5-580FA25CE6E6}" type="presOf" srcId="{5DDABE47-A054-4792-B0F5-197352F33D17}" destId="{662D9F91-F033-476E-A6FF-C60E2D5373D3}" srcOrd="1" destOrd="0" presId="urn:microsoft.com/office/officeart/2005/8/layout/orgChart1"/>
-    <dgm:cxn modelId="{8AF178A6-F8A5-474D-9013-1AA4EAEA413B}" type="presOf" srcId="{D6748C1B-B1D7-4E81-9296-0686D8FE7D39}" destId="{20C93095-44EB-4812-B5DE-741F42DBEE6B}" srcOrd="0" destOrd="0" presId="urn:microsoft.com/office/officeart/2005/8/layout/orgChart1"/>
-    <dgm:cxn modelId="{53C4FAE8-0F3F-4C9B-AA17-67D934C3EA36}" srcId="{AA669442-AFA9-4638-9D15-D9268EFB8473}" destId="{474EB636-F6D2-4BEA-B5C6-FCD7E90DA93F}" srcOrd="4" destOrd="0" parTransId="{DCD77A3C-F27C-46FB-BE70-106027A905B5}" sibTransId="{16E6A59E-2806-4213-AB41-46CC50A760F7}"/>
-    <dgm:cxn modelId="{E5616BF3-5BB6-4E36-BB7C-11AA6ABF472F}" type="presOf" srcId="{EA67A1CD-5C60-4093-99B6-3D23D6B831CA}" destId="{3762977E-4513-4719-9A60-4F8A8DBA190C}" srcOrd="0" destOrd="0" presId="urn:microsoft.com/office/officeart/2005/8/layout/orgChart1"/>
-    <dgm:cxn modelId="{791B9946-065A-49D1-AB0D-3F2BCE9C1146}" srcId="{C33B2BA4-4490-49E1-8D90-5EB1326AA706}" destId="{D3FF7AA2-2D47-47AC-AC10-4D27659E8005}" srcOrd="0" destOrd="0" parTransId="{D0D3D2E7-2A9C-4751-A53E-CCE21297CEAB}" sibTransId="{194534E1-9C5E-4A34-BECB-F87DC85C98A2}"/>
-    <dgm:cxn modelId="{A0F4D297-D338-4A7A-A4DD-B5C7755959D4}" type="presOf" srcId="{F4105D80-F568-4B62-9921-0BB11ED7E0CF}" destId="{188142AA-F8F8-47A5-9CAB-EA7B6F9B5B4A}" srcOrd="1" destOrd="0" presId="urn:microsoft.com/office/officeart/2005/8/layout/orgChart1"/>
-    <dgm:cxn modelId="{DB8D4503-C797-4287-9D90-453B08C00293}" type="presOf" srcId="{B76318E2-9F75-475A-BF9A-74F701842B67}" destId="{78FC1394-E276-4133-A393-2E4FDEE1708A}" srcOrd="0" destOrd="0" presId="urn:microsoft.com/office/officeart/2005/8/layout/orgChart1"/>
-    <dgm:cxn modelId="{846363E5-B333-4201-A019-FC5975F7D3A7}" type="presOf" srcId="{17DD4CB2-CAD6-4B6B-A45C-D22F9C23E315}" destId="{2AE708A3-C148-4EB3-A7FD-94FC2CF6507E}" srcOrd="1" destOrd="0" presId="urn:microsoft.com/office/officeart/2005/8/layout/orgChart1"/>
-    <dgm:cxn modelId="{516F8387-B01D-49C7-A455-9192F734CA6B}" type="presOf" srcId="{474EB636-F6D2-4BEA-B5C6-FCD7E90DA93F}" destId="{04B19C94-4710-418B-9D7F-61F130D13531}" srcOrd="1" destOrd="0" presId="urn:microsoft.com/office/officeart/2005/8/layout/orgChart1"/>
-    <dgm:cxn modelId="{BFF7335C-6257-44ED-8A94-BCA7E0284994}" type="presOf" srcId="{816F1371-12C8-49E9-B468-23548F725860}" destId="{9A8238FC-1F74-4568-9F24-08AAA32AB435}" srcOrd="1" destOrd="0" presId="urn:microsoft.com/office/officeart/2005/8/layout/orgChart1"/>
-    <dgm:cxn modelId="{9CF340D4-331D-4EF6-97F2-672876A79AF5}" type="presOf" srcId="{816F1371-12C8-49E9-B468-23548F725860}" destId="{C6082CFA-E009-4B1D-B9EA-1936AFA4D441}" srcOrd="0" destOrd="0" presId="urn:microsoft.com/office/officeart/2005/8/layout/orgChart1"/>
-    <dgm:cxn modelId="{60FC2BCC-3164-438B-96A6-8E0913919B97}" type="presOf" srcId="{38561880-53F5-495B-AA10-D56B5C5F9A5D}" destId="{B843B24D-DE4E-48CD-9162-A9EDAC2F8442}" srcOrd="0" destOrd="0" presId="urn:microsoft.com/office/officeart/2005/8/layout/orgChart1"/>
-    <dgm:cxn modelId="{32448142-2E1B-4597-96AD-DC9EDB98BCC3}" type="presOf" srcId="{B76318E2-9F75-475A-BF9A-74F701842B67}" destId="{24498A24-ECA0-4D42-8E8F-F3BB5946EC28}" srcOrd="1" destOrd="0" presId="urn:microsoft.com/office/officeart/2005/8/layout/orgChart1"/>
-    <dgm:cxn modelId="{36ED5AFE-C3BC-4348-82F2-70D97CE43D60}" srcId="{42E10B7E-C652-46CD-A1F7-F4F9CA850386}" destId="{AA669442-AFA9-4638-9D15-D9268EFB8473}" srcOrd="4" destOrd="0" parTransId="{C34629F0-9C91-4FFE-9844-2FC9C3C07709}" sibTransId="{587514E5-7F08-4B56-BDCE-ED5439D2E40E}"/>
-    <dgm:cxn modelId="{FC7B68C9-642C-4953-A370-030F2743A099}" type="presOf" srcId="{F8F9567E-AE5C-4B77-9750-AC213499BCA3}" destId="{54D016DC-FC71-4E3F-8DAB-59B3D96F71B5}" srcOrd="0" destOrd="0" presId="urn:microsoft.com/office/officeart/2005/8/layout/orgChart1"/>
-    <dgm:cxn modelId="{0950EE50-61A6-4163-BA74-AEFFDFE6A0ED}" type="presOf" srcId="{AA669442-AFA9-4638-9D15-D9268EFB8473}" destId="{2D6A8869-EB37-4FB4-938B-79A917E887A6}" srcOrd="1" destOrd="0" presId="urn:microsoft.com/office/officeart/2005/8/layout/orgChart1"/>
-    <dgm:cxn modelId="{C4F316D2-7F8B-4C86-AEA0-B1D78F313008}" type="presOf" srcId="{42E10B7E-C652-46CD-A1F7-F4F9CA850386}" destId="{E0F34EC7-560D-47B3-9815-71ADA179FCB4}" srcOrd="1" destOrd="0" presId="urn:microsoft.com/office/officeart/2005/8/layout/orgChart1"/>
-    <dgm:cxn modelId="{09903F3B-589F-4A17-B2D9-90CBCC4386B5}" srcId="{F8F9567E-AE5C-4B77-9750-AC213499BCA3}" destId="{F0729740-3784-4B42-B9B8-057D248322AC}" srcOrd="0" destOrd="0" parTransId="{E69E8D6C-0C5F-469C-B5C7-198070AE2824}" sibTransId="{14F89168-151E-4F22-B255-4011235876BD}"/>
-    <dgm:cxn modelId="{F60BE739-1641-4D5D-941A-FE837F62AE47}" type="presOf" srcId="{F8F9567E-AE5C-4B77-9750-AC213499BCA3}" destId="{0F6711A2-3BB0-4BDF-AE16-1D54EA671F67}" srcOrd="1" destOrd="0" presId="urn:microsoft.com/office/officeart/2005/8/layout/orgChart1"/>
-    <dgm:cxn modelId="{C088AF4D-3E86-4EBB-9E6A-A208285D6D7D}" type="presOf" srcId="{9BAC4BEF-4605-428C-9F2B-165052BC7884}" destId="{BDDF6C7C-01C0-4E1A-9BF2-C9BA50A1ACB8}" srcOrd="0" destOrd="0" presId="urn:microsoft.com/office/officeart/2005/8/layout/orgChart1"/>
-    <dgm:cxn modelId="{E22B3817-2E33-4B55-941A-7EE89447C16E}" srcId="{42E10B7E-C652-46CD-A1F7-F4F9CA850386}" destId="{C33B2BA4-4490-49E1-8D90-5EB1326AA706}" srcOrd="1" destOrd="0" parTransId="{EA67A1CD-5C60-4093-99B6-3D23D6B831CA}" sibTransId="{211E380A-8F81-45B9-9665-FC8DE976A90C}"/>
-    <dgm:cxn modelId="{A12115D8-9F34-400A-B85A-96E87B5C9372}" type="presOf" srcId="{259457F3-A2F7-4040-8119-12548FF0E4C4}" destId="{8CBBC708-C28A-4F2A-9B91-4622CB3928F4}" srcOrd="1" destOrd="0" presId="urn:microsoft.com/office/officeart/2005/8/layout/orgChart1"/>
-    <dgm:cxn modelId="{CABDD849-4AB7-49DC-947F-F4AAD2649138}" type="presOf" srcId="{E69E8D6C-0C5F-469C-B5C7-198070AE2824}" destId="{B082D02C-4942-443B-8B8C-F9BE93E59E09}" srcOrd="0" destOrd="0" presId="urn:microsoft.com/office/officeart/2005/8/layout/orgChart1"/>
-    <dgm:cxn modelId="{EFAAB770-F127-41C2-B3DE-8E520AEF8F9B}" type="presOf" srcId="{07A89508-7297-4037-9FAC-E5A487E7EC39}" destId="{9DCE858B-337F-4161-A809-3C1E1E63073B}" srcOrd="0" destOrd="0" presId="urn:microsoft.com/office/officeart/2005/8/layout/orgChart1"/>
-    <dgm:cxn modelId="{C618709A-499F-4F75-A1B2-45DBAD9148D6}" srcId="{C33B2BA4-4490-49E1-8D90-5EB1326AA706}" destId="{F4105D80-F568-4B62-9921-0BB11ED7E0CF}" srcOrd="1" destOrd="0" parTransId="{C8300993-DD72-419F-A6A7-9A39137349D0}" sibTransId="{9E80806E-30EC-4696-B32C-5EE5A1D0ADF9}"/>
-    <dgm:cxn modelId="{2C11B47C-7A95-489B-A697-004E9CBE9A3A}" type="presOf" srcId="{C33B2BA4-4490-49E1-8D90-5EB1326AA706}" destId="{F135F5A6-C17A-4F40-AF85-2F284F32211F}" srcOrd="1" destOrd="0" presId="urn:microsoft.com/office/officeart/2005/8/layout/orgChart1"/>
-    <dgm:cxn modelId="{12C0D62E-1E1F-4950-8EEA-743E7B7589D9}" type="presOf" srcId="{F0C633E5-CC93-453D-A847-9FD1AC1129B5}" destId="{FC48A866-2176-4600-BEE6-1E16116E28E7}" srcOrd="0" destOrd="0" presId="urn:microsoft.com/office/officeart/2005/8/layout/orgChart1"/>
-    <dgm:cxn modelId="{D8EF4FEE-7C7B-42FF-B4AC-BC3080EF37FD}" type="presOf" srcId="{42E10B7E-C652-46CD-A1F7-F4F9CA850386}" destId="{4F8A7480-05DF-422C-845F-C1C655830D7C}" srcOrd="0" destOrd="0" presId="urn:microsoft.com/office/officeart/2005/8/layout/orgChart1"/>
-    <dgm:cxn modelId="{8F873E8E-BAEC-4991-A12C-D54475EE0932}" srcId="{D0B30F8B-FA72-4511-B1D4-3C069DB1A2BC}" destId="{816F1371-12C8-49E9-B468-23548F725860}" srcOrd="0" destOrd="0" parTransId="{9BAC4BEF-4605-428C-9F2B-165052BC7884}" sibTransId="{DF61EDDC-13CC-41BD-9B0A-280820487FBA}"/>
-    <dgm:cxn modelId="{3DB45689-C868-48F7-9F58-8FA1AB35F37D}" type="presOf" srcId="{F0729740-3784-4B42-B9B8-057D248322AC}" destId="{DDF6AFDA-D683-43A2-911F-31CCEDEDFA51}" srcOrd="0" destOrd="0" presId="urn:microsoft.com/office/officeart/2005/8/layout/orgChart1"/>
-    <dgm:cxn modelId="{1E8ADDCE-5AF8-4C3C-BF06-3163E8E1A32B}" type="presOf" srcId="{6238D8DA-A478-45CF-8A8D-BC11A88B5077}" destId="{70E36FC2-8F36-4BB0-97C0-C6B6A0C09B7C}" srcOrd="0" destOrd="0" presId="urn:microsoft.com/office/officeart/2005/8/layout/orgChart1"/>
-    <dgm:cxn modelId="{936FEAE1-4A33-4538-9C6F-2EB13AEF79CB}" srcId="{AA669442-AFA9-4638-9D15-D9268EFB8473}" destId="{02231D59-5A50-4F41-9FAE-4E5E8E5238BB}" srcOrd="1" destOrd="0" parTransId="{6238D8DA-A478-45CF-8A8D-BC11A88B5077}" sibTransId="{1E835D52-1352-402D-A86B-E621E3986A5B}"/>
-    <dgm:cxn modelId="{6CE79A7C-BCA2-4D5F-AFC7-16C6E2329370}" srcId="{F0C633E5-CC93-453D-A847-9FD1AC1129B5}" destId="{42E10B7E-C652-46CD-A1F7-F4F9CA850386}" srcOrd="0" destOrd="0" parTransId="{FF59B0F5-5DE9-4F18-B32F-035570A8FEB9}" sibTransId="{71ADBEE2-8BE0-46B2-818E-63505AF19D39}"/>
-    <dgm:cxn modelId="{5B0A470C-399A-4B27-9CEF-34EA4215304C}" type="presOf" srcId="{6072F66C-AE01-4856-81C7-F3B0DCB4E3B7}" destId="{2C467478-BD63-46D3-9AF8-1B20CDD04829}" srcOrd="0" destOrd="0" presId="urn:microsoft.com/office/officeart/2005/8/layout/orgChart1"/>
-    <dgm:cxn modelId="{1FA2AE2A-33B3-481C-9641-76B5519AA696}" srcId="{F8F9567E-AE5C-4B77-9750-AC213499BCA3}" destId="{EE8291EC-6840-41D1-A872-05149A2E0E20}" srcOrd="1" destOrd="0" parTransId="{3DD6F2CB-8B60-4782-9C2A-838600FAB469}" sibTransId="{B518D7D2-ED88-488B-B416-CB40E4D789B7}"/>
-    <dgm:cxn modelId="{F717549A-E6BD-44FB-A56A-81FCC6CD5A75}" srcId="{AA669442-AFA9-4638-9D15-D9268EFB8473}" destId="{17DD4CB2-CAD6-4B6B-A45C-D22F9C23E315}" srcOrd="0" destOrd="0" parTransId="{D6748C1B-B1D7-4E81-9296-0686D8FE7D39}" sibTransId="{B71ACD82-DFBF-40AA-A00F-DA792B98D275}"/>
     <dgm:cxn modelId="{E1731528-E88B-4439-9E16-7BBAF5E21F22}" type="presOf" srcId="{07A89508-7297-4037-9FAC-E5A487E7EC39}" destId="{E1B22E78-563D-4720-A758-9C9D35C6B898}" srcOrd="1" destOrd="0" presId="urn:microsoft.com/office/officeart/2005/8/layout/orgChart1"/>
-    <dgm:cxn modelId="{D71C6532-2842-4DC7-874A-A571C5BBC356}" srcId="{42E10B7E-C652-46CD-A1F7-F4F9CA850386}" destId="{D0B30F8B-FA72-4511-B1D4-3C069DB1A2BC}" srcOrd="0" destOrd="0" parTransId="{03A4680A-26A7-4915-BF9A-69394B1FF421}" sibTransId="{0772A00F-E8A1-4550-9887-F7A6A08F6755}"/>
     <dgm:cxn modelId="{D07D101B-E318-4693-B65A-CB12E396B737}" type="presOf" srcId="{D0B30F8B-FA72-4511-B1D4-3C069DB1A2BC}" destId="{CA5E3D41-E485-4701-9FC6-CA492A2DD9C6}" srcOrd="1" destOrd="0" presId="urn:microsoft.com/office/officeart/2005/8/layout/orgChart1"/>
     <dgm:cxn modelId="{16333002-8FC3-4263-ADEF-7DCFB7538199}" type="presOf" srcId="{F3C967ED-1410-4005-B670-E8DB91E5D23A}" destId="{186A46C2-EA82-40AD-9DC0-37E9195444F6}" srcOrd="0" destOrd="0" presId="urn:microsoft.com/office/officeart/2005/8/layout/orgChart1"/>
+    <dgm:cxn modelId="{E22B3817-2E33-4B55-941A-7EE89447C16E}" srcId="{42E10B7E-C652-46CD-A1F7-F4F9CA850386}" destId="{C33B2BA4-4490-49E1-8D90-5EB1326AA706}" srcOrd="1" destOrd="0" parTransId="{EA67A1CD-5C60-4093-99B6-3D23D6B831CA}" sibTransId="{211E380A-8F81-45B9-9665-FC8DE976A90C}"/>
+    <dgm:cxn modelId="{EFAAB770-F127-41C2-B3DE-8E520AEF8F9B}" type="presOf" srcId="{07A89508-7297-4037-9FAC-E5A487E7EC39}" destId="{9DCE858B-337F-4161-A809-3C1E1E63073B}" srcOrd="0" destOrd="0" presId="urn:microsoft.com/office/officeart/2005/8/layout/orgChart1"/>
+    <dgm:cxn modelId="{729317CD-41ED-4501-A51B-7EE47B7AE5A8}" type="presOf" srcId="{13DD89E8-AB0B-47EE-B6EC-EAA6E0736582}" destId="{06AAA520-57B5-42CB-8C08-0EB77F406422}" srcOrd="0" destOrd="0" presId="urn:microsoft.com/office/officeart/2005/8/layout/orgChart1"/>
+    <dgm:cxn modelId="{6DDF1174-9D5B-415C-86C6-69C56B1C2FBC}" type="presOf" srcId="{17DD4CB2-CAD6-4B6B-A45C-D22F9C23E315}" destId="{83BDADBB-C0EC-4C37-A932-7274F3B5F071}" srcOrd="0" destOrd="0" presId="urn:microsoft.com/office/officeart/2005/8/layout/orgChart1"/>
+    <dgm:cxn modelId="{8AF178A6-F8A5-474D-9013-1AA4EAEA413B}" type="presOf" srcId="{D6748C1B-B1D7-4E81-9296-0686D8FE7D39}" destId="{20C93095-44EB-4812-B5DE-741F42DBEE6B}" srcOrd="0" destOrd="0" presId="urn:microsoft.com/office/officeart/2005/8/layout/orgChart1"/>
+    <dgm:cxn modelId="{FF398614-17DD-4AF0-9ACC-9ABC3A8E1427}" type="presOf" srcId="{6072F66C-AE01-4856-81C7-F3B0DCB4E3B7}" destId="{75D84F56-066E-43F0-9858-39C94DC885C4}" srcOrd="1" destOrd="0" presId="urn:microsoft.com/office/officeart/2005/8/layout/orgChart1"/>
+    <dgm:cxn modelId="{FC7B68C9-642C-4953-A370-030F2743A099}" type="presOf" srcId="{F8F9567E-AE5C-4B77-9750-AC213499BCA3}" destId="{54D016DC-FC71-4E3F-8DAB-59B3D96F71B5}" srcOrd="0" destOrd="0" presId="urn:microsoft.com/office/officeart/2005/8/layout/orgChart1"/>
+    <dgm:cxn modelId="{5919DF77-E068-4C33-B2D6-C99D41DA2507}" srcId="{42E10B7E-C652-46CD-A1F7-F4F9CA850386}" destId="{259457F3-A2F7-4040-8119-12548FF0E4C4}" srcOrd="3" destOrd="0" parTransId="{D4702F27-3D74-4AE8-A40B-211B2D8CDAC5}" sibTransId="{035ABD59-FBB3-4756-83FF-DC92A7C39E07}"/>
+    <dgm:cxn modelId="{E5BF2CB4-C4AF-4053-96E8-01A5D0014023}" type="presOf" srcId="{AA669442-AFA9-4638-9D15-D9268EFB8473}" destId="{5509AE92-B061-4932-A2A3-78CE07DE9265}" srcOrd="0" destOrd="0" presId="urn:microsoft.com/office/officeart/2005/8/layout/orgChart1"/>
+    <dgm:cxn modelId="{8F873E8E-BAEC-4991-A12C-D54475EE0932}" srcId="{D0B30F8B-FA72-4511-B1D4-3C069DB1A2BC}" destId="{816F1371-12C8-49E9-B468-23548F725860}" srcOrd="0" destOrd="0" parTransId="{9BAC4BEF-4605-428C-9F2B-165052BC7884}" sibTransId="{DF61EDDC-13CC-41BD-9B0A-280820487FBA}"/>
+    <dgm:cxn modelId="{936FEAE1-4A33-4538-9C6F-2EB13AEF79CB}" srcId="{AA669442-AFA9-4638-9D15-D9268EFB8473}" destId="{02231D59-5A50-4F41-9FAE-4E5E8E5238BB}" srcOrd="1" destOrd="0" parTransId="{6238D8DA-A478-45CF-8A8D-BC11A88B5077}" sibTransId="{1E835D52-1352-402D-A86B-E621E3986A5B}"/>
+    <dgm:cxn modelId="{F60BE739-1641-4D5D-941A-FE837F62AE47}" type="presOf" srcId="{F8F9567E-AE5C-4B77-9750-AC213499BCA3}" destId="{0F6711A2-3BB0-4BDF-AE16-1D54EA671F67}" srcOrd="1" destOrd="0" presId="urn:microsoft.com/office/officeart/2005/8/layout/orgChart1"/>
+    <dgm:cxn modelId="{F08040CE-DC0F-476F-8D7A-06866E179188}" type="presOf" srcId="{D0D3D2E7-2A9C-4751-A53E-CCE21297CEAB}" destId="{BA84E4DB-1D90-4D6F-A7B2-5AF2E19C1897}" srcOrd="0" destOrd="0" presId="urn:microsoft.com/office/officeart/2005/8/layout/orgChart1"/>
+    <dgm:cxn modelId="{40949E78-760F-41C5-823D-1D7BFA1E089B}" type="presOf" srcId="{3DD6F2CB-8B60-4782-9C2A-838600FAB469}" destId="{BD3E7B11-B460-4A73-9EE3-08E1013C8EF8}" srcOrd="0" destOrd="0" presId="urn:microsoft.com/office/officeart/2005/8/layout/orgChart1"/>
+    <dgm:cxn modelId="{6CE79A7C-BCA2-4D5F-AFC7-16C6E2329370}" srcId="{F0C633E5-CC93-453D-A847-9FD1AC1129B5}" destId="{42E10B7E-C652-46CD-A1F7-F4F9CA850386}" srcOrd="0" destOrd="0" parTransId="{FF59B0F5-5DE9-4F18-B32F-035570A8FEB9}" sibTransId="{71ADBEE2-8BE0-46B2-818E-63505AF19D39}"/>
+    <dgm:cxn modelId="{846363E5-B333-4201-A019-FC5975F7D3A7}" type="presOf" srcId="{17DD4CB2-CAD6-4B6B-A45C-D22F9C23E315}" destId="{2AE708A3-C148-4EB3-A7FD-94FC2CF6507E}" srcOrd="1" destOrd="0" presId="urn:microsoft.com/office/officeart/2005/8/layout/orgChart1"/>
+    <dgm:cxn modelId="{6404F9E5-009F-4546-B7A5-211433E8B74B}" type="presOf" srcId="{259457F3-A2F7-4040-8119-12548FF0E4C4}" destId="{93CBCD05-FBB7-422D-A245-B144DEBA310D}" srcOrd="0" destOrd="0" presId="urn:microsoft.com/office/officeart/2005/8/layout/orgChart1"/>
+    <dgm:cxn modelId="{ADA56F3E-4EA4-4DD3-9EBA-B40E023ABDC2}" type="presOf" srcId="{DCD77A3C-F27C-46FB-BE70-106027A905B5}" destId="{1EE362FC-9FBB-4ECF-80E4-1E8A15AE6BF1}" srcOrd="0" destOrd="0" presId="urn:microsoft.com/office/officeart/2005/8/layout/orgChart1"/>
+    <dgm:cxn modelId="{1E8ADDCE-5AF8-4C3C-BF06-3163E8E1A32B}" type="presOf" srcId="{6238D8DA-A478-45CF-8A8D-BC11A88B5077}" destId="{70E36FC2-8F36-4BB0-97C0-C6B6A0C09B7C}" srcOrd="0" destOrd="0" presId="urn:microsoft.com/office/officeart/2005/8/layout/orgChart1"/>
+    <dgm:cxn modelId="{53C4FAE8-0F3F-4C9B-AA17-67D934C3EA36}" srcId="{AA669442-AFA9-4638-9D15-D9268EFB8473}" destId="{474EB636-F6D2-4BEA-B5C6-FCD7E90DA93F}" srcOrd="4" destOrd="0" parTransId="{DCD77A3C-F27C-46FB-BE70-106027A905B5}" sibTransId="{16E6A59E-2806-4213-AB41-46CC50A760F7}"/>
+    <dgm:cxn modelId="{32448142-2E1B-4597-96AD-DC9EDB98BCC3}" type="presOf" srcId="{B76318E2-9F75-475A-BF9A-74F701842B67}" destId="{24498A24-ECA0-4D42-8E8F-F3BB5946EC28}" srcOrd="1" destOrd="0" presId="urn:microsoft.com/office/officeart/2005/8/layout/orgChart1"/>
+    <dgm:cxn modelId="{C088AF4D-3E86-4EBB-9E6A-A208285D6D7D}" type="presOf" srcId="{9BAC4BEF-4605-428C-9F2B-165052BC7884}" destId="{BDDF6C7C-01C0-4E1A-9BF2-C9BA50A1ACB8}" srcOrd="0" destOrd="0" presId="urn:microsoft.com/office/officeart/2005/8/layout/orgChart1"/>
+    <dgm:cxn modelId="{D8EF4FEE-7C7B-42FF-B4AC-BC3080EF37FD}" type="presOf" srcId="{42E10B7E-C652-46CD-A1F7-F4F9CA850386}" destId="{4F8A7480-05DF-422C-845F-C1C655830D7C}" srcOrd="0" destOrd="0" presId="urn:microsoft.com/office/officeart/2005/8/layout/orgChart1"/>
+    <dgm:cxn modelId="{C4F316D2-7F8B-4C86-AEA0-B1D78F313008}" type="presOf" srcId="{42E10B7E-C652-46CD-A1F7-F4F9CA850386}" destId="{E0F34EC7-560D-47B3-9815-71ADA179FCB4}" srcOrd="1" destOrd="0" presId="urn:microsoft.com/office/officeart/2005/8/layout/orgChart1"/>
+    <dgm:cxn modelId="{B13BD230-2B3C-42B5-B2D4-B79BF168C40D}" type="presOf" srcId="{03A4680A-26A7-4915-BF9A-69394B1FF421}" destId="{4944204C-E473-4A7F-8554-BD83B0682EE0}" srcOrd="0" destOrd="0" presId="urn:microsoft.com/office/officeart/2005/8/layout/orgChart1"/>
+    <dgm:cxn modelId="{95C8CAEC-1114-46DD-BB27-8EDC2221DBE4}" srcId="{AA669442-AFA9-4638-9D15-D9268EFB8473}" destId="{B76318E2-9F75-475A-BF9A-74F701842B67}" srcOrd="2" destOrd="0" parTransId="{F3C967ED-1410-4005-B670-E8DB91E5D23A}" sibTransId="{3ED98B3D-8136-4E5C-8243-C8B988F4C344}"/>
+    <dgm:cxn modelId="{7A8193F6-D332-43C7-9B34-F97E8D009865}" type="presOf" srcId="{EF1D593E-95F2-43BC-AAA6-9D1C586DE820}" destId="{FA61A3AB-4E52-4533-BDAC-8FFE3C5B6557}" srcOrd="0" destOrd="0" presId="urn:microsoft.com/office/officeart/2005/8/layout/orgChart1"/>
+    <dgm:cxn modelId="{75275219-3800-46BA-82FE-FD3C02F27519}" type="presOf" srcId="{C33B2BA4-4490-49E1-8D90-5EB1326AA706}" destId="{C72CEB21-61F5-4E03-A49D-F746A01CC884}" srcOrd="0" destOrd="0" presId="urn:microsoft.com/office/officeart/2005/8/layout/orgChart1"/>
+    <dgm:cxn modelId="{8AD4E5C8-2E91-49B9-92EF-BC37EC8D29A1}" srcId="{F8F9567E-AE5C-4B77-9750-AC213499BCA3}" destId="{07A89508-7297-4037-9FAC-E5A487E7EC39}" srcOrd="2" destOrd="0" parTransId="{13DD89E8-AB0B-47EE-B6EC-EAA6E0736582}" sibTransId="{9F13728A-FC06-4C70-866B-FE45C9F6D5FA}"/>
+    <dgm:cxn modelId="{12AE71F4-5840-4A1F-BEE5-580FA25CE6E6}" type="presOf" srcId="{5DDABE47-A054-4792-B0F5-197352F33D17}" destId="{662D9F91-F033-476E-A6FF-C60E2D5373D3}" srcOrd="1" destOrd="0" presId="urn:microsoft.com/office/officeart/2005/8/layout/orgChart1"/>
+    <dgm:cxn modelId="{4DEAFE16-68BA-4B71-BE4A-A32EFFDF9D00}" type="presOf" srcId="{D0B30F8B-FA72-4511-B1D4-3C069DB1A2BC}" destId="{563A7891-5E14-4169-A718-1916552BCF2F}" srcOrd="0" destOrd="0" presId="urn:microsoft.com/office/officeart/2005/8/layout/orgChart1"/>
+    <dgm:cxn modelId="{A12115D8-9F34-400A-B85A-96E87B5C9372}" type="presOf" srcId="{259457F3-A2F7-4040-8119-12548FF0E4C4}" destId="{8CBBC708-C28A-4F2A-9B91-4622CB3928F4}" srcOrd="1" destOrd="0" presId="urn:microsoft.com/office/officeart/2005/8/layout/orgChart1"/>
+    <dgm:cxn modelId="{2C11B47C-7A95-489B-A697-004E9CBE9A3A}" type="presOf" srcId="{C33B2BA4-4490-49E1-8D90-5EB1326AA706}" destId="{F135F5A6-C17A-4F40-AF85-2F284F32211F}" srcOrd="1" destOrd="0" presId="urn:microsoft.com/office/officeart/2005/8/layout/orgChart1"/>
     <dgm:cxn modelId="{1E2AB471-5A0E-436E-83B5-026B0D6DE58E}" type="presOf" srcId="{EE8291EC-6840-41D1-A872-05149A2E0E20}" destId="{81DB2F96-7301-4343-B6C5-4CAB80BC6A4E}" srcOrd="0" destOrd="0" presId="urn:microsoft.com/office/officeart/2005/8/layout/orgChart1"/>
-    <dgm:cxn modelId="{63B1E541-C3D2-49FD-A6F2-6C205404245B}" type="presOf" srcId="{F0729740-3784-4B42-B9B8-057D248322AC}" destId="{6607C4DA-C2D1-4D8A-964F-C4220105F494}" srcOrd="1" destOrd="0" presId="urn:microsoft.com/office/officeart/2005/8/layout/orgChart1"/>
+    <dgm:cxn modelId="{F717549A-E6BD-44FB-A56A-81FCC6CD5A75}" srcId="{AA669442-AFA9-4638-9D15-D9268EFB8473}" destId="{17DD4CB2-CAD6-4B6B-A45C-D22F9C23E315}" srcOrd="0" destOrd="0" parTransId="{D6748C1B-B1D7-4E81-9296-0686D8FE7D39}" sibTransId="{B71ACD82-DFBF-40AA-A00F-DA792B98D275}"/>
+    <dgm:cxn modelId="{E5616BF3-5BB6-4E36-BB7C-11AA6ABF472F}" type="presOf" srcId="{EA67A1CD-5C60-4093-99B6-3D23D6B831CA}" destId="{3762977E-4513-4719-9A60-4F8A8DBA190C}" srcOrd="0" destOrd="0" presId="urn:microsoft.com/office/officeart/2005/8/layout/orgChart1"/>
+    <dgm:cxn modelId="{BFF7335C-6257-44ED-8A94-BCA7E0284994}" type="presOf" srcId="{816F1371-12C8-49E9-B468-23548F725860}" destId="{9A8238FC-1F74-4568-9F24-08AAA32AB435}" srcOrd="1" destOrd="0" presId="urn:microsoft.com/office/officeart/2005/8/layout/orgChart1"/>
+    <dgm:cxn modelId="{12C0D62E-1E1F-4950-8EEA-743E7B7589D9}" type="presOf" srcId="{F0C633E5-CC93-453D-A847-9FD1AC1129B5}" destId="{FC48A866-2176-4600-BEE6-1E16116E28E7}" srcOrd="0" destOrd="0" presId="urn:microsoft.com/office/officeart/2005/8/layout/orgChart1"/>
+    <dgm:cxn modelId="{D71C6532-2842-4DC7-874A-A571C5BBC356}" srcId="{42E10B7E-C652-46CD-A1F7-F4F9CA850386}" destId="{D0B30F8B-FA72-4511-B1D4-3C069DB1A2BC}" srcOrd="0" destOrd="0" parTransId="{03A4680A-26A7-4915-BF9A-69394B1FF421}" sibTransId="{0772A00F-E8A1-4550-9887-F7A6A08F6755}"/>
+    <dgm:cxn modelId="{0950EE50-61A6-4163-BA74-AEFFDFE6A0ED}" type="presOf" srcId="{AA669442-AFA9-4638-9D15-D9268EFB8473}" destId="{2D6A8869-EB37-4FB4-938B-79A917E887A6}" srcOrd="1" destOrd="0" presId="urn:microsoft.com/office/officeart/2005/8/layout/orgChart1"/>
+    <dgm:cxn modelId="{A9DF3C45-1D0E-4615-B294-85EA1E3D9CE7}" type="presOf" srcId="{5DDABE47-A054-4792-B0F5-197352F33D17}" destId="{F2E278E7-1168-4EFF-AC4B-689DC7CF44BD}" srcOrd="0" destOrd="0" presId="urn:microsoft.com/office/officeart/2005/8/layout/orgChart1"/>
+    <dgm:cxn modelId="{E084F85A-C67C-4D88-B272-7E209BA1A204}" srcId="{42E10B7E-C652-46CD-A1F7-F4F9CA850386}" destId="{F8F9567E-AE5C-4B77-9750-AC213499BCA3}" srcOrd="2" destOrd="0" parTransId="{C522A838-B632-4139-9932-BD3A68936939}" sibTransId="{A11AE6AB-9A28-40A5-84D0-7854D16011AA}"/>
+    <dgm:cxn modelId="{6CB79BB1-8CD1-4613-A541-89EC9E870D16}" type="presOf" srcId="{B805F03B-E534-4BB2-93CE-BBEA772F6E90}" destId="{A2DFDE8E-2411-4265-AA5D-BB42312CB548}" srcOrd="1" destOrd="0" presId="urn:microsoft.com/office/officeart/2005/8/layout/orgChart1"/>
+    <dgm:cxn modelId="{2AC762E6-F2C7-41F3-BD14-9B301C4B2E9A}" type="presOf" srcId="{C8300993-DD72-419F-A6A7-9A39137349D0}" destId="{78D4D4A7-D2F2-4E42-BB62-20A8D5AB0DD3}" srcOrd="0" destOrd="0" presId="urn:microsoft.com/office/officeart/2005/8/layout/orgChart1"/>
+    <dgm:cxn modelId="{A0F4D297-D338-4A7A-A4DD-B5C7755959D4}" type="presOf" srcId="{F4105D80-F568-4B62-9921-0BB11ED7E0CF}" destId="{188142AA-F8F8-47A5-9CAB-EA7B6F9B5B4A}" srcOrd="1" destOrd="0" presId="urn:microsoft.com/office/officeart/2005/8/layout/orgChart1"/>
+    <dgm:cxn modelId="{3DB45689-C868-48F7-9F58-8FA1AB35F37D}" type="presOf" srcId="{F0729740-3784-4B42-B9B8-057D248322AC}" destId="{DDF6AFDA-D683-43A2-911F-31CCEDEDFA51}" srcOrd="0" destOrd="0" presId="urn:microsoft.com/office/officeart/2005/8/layout/orgChart1"/>
+    <dgm:cxn modelId="{C618709A-499F-4F75-A1B2-45DBAD9148D6}" srcId="{C33B2BA4-4490-49E1-8D90-5EB1326AA706}" destId="{F4105D80-F568-4B62-9921-0BB11ED7E0CF}" srcOrd="1" destOrd="0" parTransId="{C8300993-DD72-419F-A6A7-9A39137349D0}" sibTransId="{9E80806E-30EC-4696-B32C-5EE5A1D0ADF9}"/>
     <dgm:cxn modelId="{31D74EA5-2733-4177-BA35-F38B561D19B9}" type="presOf" srcId="{7210CC70-C8B7-4A05-A262-5558FBC95A0B}" destId="{8D8D4BCA-40E0-478D-ABB1-D83B875FF406}" srcOrd="0" destOrd="0" presId="urn:microsoft.com/office/officeart/2005/8/layout/orgChart1"/>
+    <dgm:cxn modelId="{C35EEE2B-964C-4FDE-A49F-7CE253878D3F}" srcId="{259457F3-A2F7-4040-8119-12548FF0E4C4}" destId="{B805F03B-E534-4BB2-93CE-BBEA772F6E90}" srcOrd="0" destOrd="0" parTransId="{38561880-53F5-495B-AA10-D56B5C5F9A5D}" sibTransId="{EBB3ABA0-DB44-42E5-9E7D-9EA61949F831}"/>
+    <dgm:cxn modelId="{CABDD849-4AB7-49DC-947F-F4AAD2649138}" type="presOf" srcId="{E69E8D6C-0C5F-469C-B5C7-198070AE2824}" destId="{B082D02C-4942-443B-8B8C-F9BE93E59E09}" srcOrd="0" destOrd="0" presId="urn:microsoft.com/office/officeart/2005/8/layout/orgChart1"/>
+    <dgm:cxn modelId="{1AF1545A-C0F4-44FA-814F-A1A3AE2A59B2}" type="presOf" srcId="{02231D59-5A50-4F41-9FAE-4E5E8E5238BB}" destId="{CFFDB569-F8F2-4A10-90C8-C2398D5C125C}" srcOrd="1" destOrd="0" presId="urn:microsoft.com/office/officeart/2005/8/layout/orgChart1"/>
+    <dgm:cxn modelId="{DB8D4503-C797-4287-9D90-453B08C00293}" type="presOf" srcId="{B76318E2-9F75-475A-BF9A-74F701842B67}" destId="{78FC1394-E276-4133-A393-2E4FDEE1708A}" srcOrd="0" destOrd="0" presId="urn:microsoft.com/office/officeart/2005/8/layout/orgChart1"/>
+    <dgm:cxn modelId="{8D7CF1E8-7ADB-4BDA-8028-82B1BE24B228}" type="presOf" srcId="{D3FF7AA2-2D47-47AC-AC10-4D27659E8005}" destId="{2AFCC6FA-8686-4619-A668-60596C945B6B}" srcOrd="1" destOrd="0" presId="urn:microsoft.com/office/officeart/2005/8/layout/orgChart1"/>
+    <dgm:cxn modelId="{5B9568FE-6FAF-4146-8BB8-C9765C080E81}" type="presOf" srcId="{474EB636-F6D2-4BEA-B5C6-FCD7E90DA93F}" destId="{4FAAC0FF-E62F-4F80-A1FF-DAE407AAB17D}" srcOrd="0" destOrd="0" presId="urn:microsoft.com/office/officeart/2005/8/layout/orgChart1"/>
+    <dgm:cxn modelId="{791B9946-065A-49D1-AB0D-3F2BCE9C1146}" srcId="{C33B2BA4-4490-49E1-8D90-5EB1326AA706}" destId="{D3FF7AA2-2D47-47AC-AC10-4D27659E8005}" srcOrd="0" destOrd="0" parTransId="{D0D3D2E7-2A9C-4751-A53E-CCE21297CEAB}" sibTransId="{194534E1-9C5E-4A34-BECB-F87DC85C98A2}"/>
+    <dgm:cxn modelId="{09903F3B-589F-4A17-B2D9-90CBCC4386B5}" srcId="{F8F9567E-AE5C-4B77-9750-AC213499BCA3}" destId="{F0729740-3784-4B42-B9B8-057D248322AC}" srcOrd="0" destOrd="0" parTransId="{E69E8D6C-0C5F-469C-B5C7-198070AE2824}" sibTransId="{14F89168-151E-4F22-B255-4011235876BD}"/>
+    <dgm:cxn modelId="{5B0A470C-399A-4B27-9CEF-34EA4215304C}" type="presOf" srcId="{6072F66C-AE01-4856-81C7-F3B0DCB4E3B7}" destId="{2C467478-BD63-46D3-9AF8-1B20CDD04829}" srcOrd="0" destOrd="0" presId="urn:microsoft.com/office/officeart/2005/8/layout/orgChart1"/>
+    <dgm:cxn modelId="{516F8387-B01D-49C7-A455-9192F734CA6B}" type="presOf" srcId="{474EB636-F6D2-4BEA-B5C6-FCD7E90DA93F}" destId="{04B19C94-4710-418B-9D7F-61F130D13531}" srcOrd="1" destOrd="0" presId="urn:microsoft.com/office/officeart/2005/8/layout/orgChart1"/>
     <dgm:cxn modelId="{7247169F-8A64-4275-BE32-5E62F2DBD67E}" type="presParOf" srcId="{FC48A866-2176-4600-BEE6-1E16116E28E7}" destId="{5A2E1D5E-1319-4B66-890A-D931A72AEAA6}" srcOrd="0" destOrd="0" presId="urn:microsoft.com/office/officeart/2005/8/layout/orgChart1"/>
     <dgm:cxn modelId="{BDC6F592-C98C-4701-AC4B-323A0EDFC266}" type="presParOf" srcId="{5A2E1D5E-1319-4B66-890A-D931A72AEAA6}" destId="{8E87EAD0-6602-4E87-9D84-51B9BE40F00E}" srcOrd="0" destOrd="0" presId="urn:microsoft.com/office/officeart/2005/8/layout/orgChart1"/>
     <dgm:cxn modelId="{6004C298-EE79-4191-973F-2C40A95B78F9}" type="presParOf" srcId="{8E87EAD0-6602-4E87-9D84-51B9BE40F00E}" destId="{4F8A7480-05DF-422C-845F-C1C655830D7C}" srcOrd="0" destOrd="0" presId="urn:microsoft.com/office/officeart/2005/8/layout/orgChart1"/>
@@ -7857,7 +8250,7 @@
           <a:p>
             <a:fld id="{59EED33E-E6DC-42D8-97CA-C62EDECD9A4F}" type="datetimeFigureOut">
               <a:rPr lang="zh-CN" altLang="en-US" smtClean="0"/>
-              <a:t>2020/12/27</a:t>
+              <a:t>2021/1/11</a:t>
             </a:fld>
             <a:endParaRPr lang="zh-CN" altLang="en-US"/>
           </a:p>
@@ -8027,7 +8420,7 @@
           <a:p>
             <a:fld id="{59EED33E-E6DC-42D8-97CA-C62EDECD9A4F}" type="datetimeFigureOut">
               <a:rPr lang="zh-CN" altLang="en-US" smtClean="0"/>
-              <a:t>2020/12/27</a:t>
+              <a:t>2021/1/11</a:t>
             </a:fld>
             <a:endParaRPr lang="zh-CN" altLang="en-US"/>
           </a:p>
@@ -8207,7 +8600,7 @@
           <a:p>
             <a:fld id="{59EED33E-E6DC-42D8-97CA-C62EDECD9A4F}" type="datetimeFigureOut">
               <a:rPr lang="zh-CN" altLang="en-US" smtClean="0"/>
-              <a:t>2020/12/27</a:t>
+              <a:t>2021/1/11</a:t>
             </a:fld>
             <a:endParaRPr lang="zh-CN" altLang="en-US"/>
           </a:p>
@@ -8377,7 +8770,7 @@
           <a:p>
             <a:fld id="{59EED33E-E6DC-42D8-97CA-C62EDECD9A4F}" type="datetimeFigureOut">
               <a:rPr lang="zh-CN" altLang="en-US" smtClean="0"/>
-              <a:t>2020/12/27</a:t>
+              <a:t>2021/1/11</a:t>
             </a:fld>
             <a:endParaRPr lang="zh-CN" altLang="en-US"/>
           </a:p>
@@ -8623,7 +9016,7 @@
           <a:p>
             <a:fld id="{59EED33E-E6DC-42D8-97CA-C62EDECD9A4F}" type="datetimeFigureOut">
               <a:rPr lang="zh-CN" altLang="en-US" smtClean="0"/>
-              <a:t>2020/12/27</a:t>
+              <a:t>2021/1/11</a:t>
             </a:fld>
             <a:endParaRPr lang="zh-CN" altLang="en-US"/>
           </a:p>
@@ -8855,7 +9248,7 @@
           <a:p>
             <a:fld id="{59EED33E-E6DC-42D8-97CA-C62EDECD9A4F}" type="datetimeFigureOut">
               <a:rPr lang="zh-CN" altLang="en-US" smtClean="0"/>
-              <a:t>2020/12/27</a:t>
+              <a:t>2021/1/11</a:t>
             </a:fld>
             <a:endParaRPr lang="zh-CN" altLang="en-US"/>
           </a:p>
@@ -9222,7 +9615,7 @@
           <a:p>
             <a:fld id="{59EED33E-E6DC-42D8-97CA-C62EDECD9A4F}" type="datetimeFigureOut">
               <a:rPr lang="zh-CN" altLang="en-US" smtClean="0"/>
-              <a:t>2020/12/27</a:t>
+              <a:t>2021/1/11</a:t>
             </a:fld>
             <a:endParaRPr lang="zh-CN" altLang="en-US"/>
           </a:p>
@@ -9340,7 +9733,7 @@
           <a:p>
             <a:fld id="{59EED33E-E6DC-42D8-97CA-C62EDECD9A4F}" type="datetimeFigureOut">
               <a:rPr lang="zh-CN" altLang="en-US" smtClean="0"/>
-              <a:t>2020/12/27</a:t>
+              <a:t>2021/1/11</a:t>
             </a:fld>
             <a:endParaRPr lang="zh-CN" altLang="en-US"/>
           </a:p>
@@ -9435,7 +9828,7 @@
           <a:p>
             <a:fld id="{59EED33E-E6DC-42D8-97CA-C62EDECD9A4F}" type="datetimeFigureOut">
               <a:rPr lang="zh-CN" altLang="en-US" smtClean="0"/>
-              <a:t>2020/12/27</a:t>
+              <a:t>2021/1/11</a:t>
             </a:fld>
             <a:endParaRPr lang="zh-CN" altLang="en-US"/>
           </a:p>
@@ -9712,7 +10105,7 @@
           <a:p>
             <a:fld id="{59EED33E-E6DC-42D8-97CA-C62EDECD9A4F}" type="datetimeFigureOut">
               <a:rPr lang="zh-CN" altLang="en-US" smtClean="0"/>
-              <a:t>2020/12/27</a:t>
+              <a:t>2021/1/11</a:t>
             </a:fld>
             <a:endParaRPr lang="zh-CN" altLang="en-US"/>
           </a:p>
@@ -9965,7 +10358,7 @@
           <a:p>
             <a:fld id="{59EED33E-E6DC-42D8-97CA-C62EDECD9A4F}" type="datetimeFigureOut">
               <a:rPr lang="zh-CN" altLang="en-US" smtClean="0"/>
-              <a:t>2020/12/27</a:t>
+              <a:t>2021/1/11</a:t>
             </a:fld>
             <a:endParaRPr lang="zh-CN" altLang="en-US"/>
           </a:p>
@@ -10178,7 +10571,7 @@
           <a:p>
             <a:fld id="{59EED33E-E6DC-42D8-97CA-C62EDECD9A4F}" type="datetimeFigureOut">
               <a:rPr lang="zh-CN" altLang="en-US" smtClean="0"/>
-              <a:t>2020/12/27</a:t>
+              <a:t>2021/1/11</a:t>
             </a:fld>
             <a:endParaRPr lang="zh-CN" altLang="en-US"/>
           </a:p>
@@ -16667,6 +17060,36 @@
 </p:sld>
 </file>
 
+<file path=ppt/slides/slide7.xml><?xml version="1.0" encoding="utf-8"?>
+<p:sld xmlns:a="http://schemas.openxmlformats.org/drawingml/2006/main" xmlns:r="http://schemas.openxmlformats.org/officeDocument/2006/relationships" xmlns:p="http://schemas.openxmlformats.org/presentationml/2006/main">
+  <p:cSld>
+    <p:spTree>
+      <p:nvGrpSpPr>
+        <p:cNvPr id="1" name=""/>
+        <p:cNvGrpSpPr/>
+        <p:nvPr/>
+      </p:nvGrpSpPr>
+      <p:grpSpPr>
+        <a:xfrm>
+          <a:off x="0" y="0"/>
+          <a:ext cx="0" cy="0"/>
+          <a:chOff x="0" y="0"/>
+          <a:chExt cx="0" cy="0"/>
+        </a:xfrm>
+      </p:grpSpPr>
+    </p:spTree>
+    <p:extLst>
+      <p:ext uri="{BB962C8B-B14F-4D97-AF65-F5344CB8AC3E}">
+        <p14:creationId xmlns:p14="http://schemas.microsoft.com/office/powerpoint/2010/main" val="3533511029"/>
+      </p:ext>
+    </p:extLst>
+  </p:cSld>
+  <p:clrMapOvr>
+    <a:masterClrMapping/>
+  </p:clrMapOvr>
+</p:sld>
+</file>
+
 <file path=ppt/theme/theme1.xml><?xml version="1.0" encoding="utf-8"?>
 <a:theme xmlns:a="http://schemas.openxmlformats.org/drawingml/2006/main" name="Office 主题​​">
   <a:themeElements>
